--- a/CSS3.pptx
+++ b/CSS3.pptx
@@ -22,6 +22,9 @@
     <p:sldId id="270" r:id="rId16"/>
     <p:sldId id="271" r:id="rId17"/>
     <p:sldId id="272" r:id="rId18"/>
+    <p:sldId id="273" r:id="rId19"/>
+    <p:sldId id="275" r:id="rId20"/>
+    <p:sldId id="274" r:id="rId21"/>
   </p:sldIdLst>
   <p:sldSz cx="12192000" cy="6858000"/>
   <p:notesSz cx="6858000" cy="9144000"/>
@@ -120,6 +123,11 @@
       </a:defRPr>
     </a:lvl9pPr>
   </p:defaultTextStyle>
+  <p:extLst>
+    <p:ext uri="{EFAFB233-063F-42B5-8137-9DF3F51BA10A}">
+      <p15:sldGuideLst xmlns:p15="http://schemas.microsoft.com/office/powerpoint/2012/main"/>
+    </p:ext>
+  </p:extLst>
 </p:presentation>
 </file>
 
@@ -270,7 +278,7 @@
           <a:p>
             <a:fld id="{099F8D66-D1E1-489E-B08C-301570902999}" type="datetimeFigureOut">
               <a:rPr lang="en-US" smtClean="0"/>
-              <a:t>6/20/2024</a:t>
+              <a:t>6/21/2024</a:t>
             </a:fld>
             <a:endParaRPr lang="en-US"/>
           </a:p>
@@ -468,7 +476,7 @@
           <a:p>
             <a:fld id="{099F8D66-D1E1-489E-B08C-301570902999}" type="datetimeFigureOut">
               <a:rPr lang="en-US" smtClean="0"/>
-              <a:t>6/20/2024</a:t>
+              <a:t>6/21/2024</a:t>
             </a:fld>
             <a:endParaRPr lang="en-US"/>
           </a:p>
@@ -676,7 +684,7 @@
           <a:p>
             <a:fld id="{099F8D66-D1E1-489E-B08C-301570902999}" type="datetimeFigureOut">
               <a:rPr lang="en-US" smtClean="0"/>
-              <a:t>6/20/2024</a:t>
+              <a:t>6/21/2024</a:t>
             </a:fld>
             <a:endParaRPr lang="en-US"/>
           </a:p>
@@ -874,7 +882,7 @@
           <a:p>
             <a:fld id="{099F8D66-D1E1-489E-B08C-301570902999}" type="datetimeFigureOut">
               <a:rPr lang="en-US" smtClean="0"/>
-              <a:t>6/20/2024</a:t>
+              <a:t>6/21/2024</a:t>
             </a:fld>
             <a:endParaRPr lang="en-US"/>
           </a:p>
@@ -1149,7 +1157,7 @@
           <a:p>
             <a:fld id="{099F8D66-D1E1-489E-B08C-301570902999}" type="datetimeFigureOut">
               <a:rPr lang="en-US" smtClean="0"/>
-              <a:t>6/20/2024</a:t>
+              <a:t>6/21/2024</a:t>
             </a:fld>
             <a:endParaRPr lang="en-US"/>
           </a:p>
@@ -1414,7 +1422,7 @@
           <a:p>
             <a:fld id="{099F8D66-D1E1-489E-B08C-301570902999}" type="datetimeFigureOut">
               <a:rPr lang="en-US" smtClean="0"/>
-              <a:t>6/20/2024</a:t>
+              <a:t>6/21/2024</a:t>
             </a:fld>
             <a:endParaRPr lang="en-US"/>
           </a:p>
@@ -1826,7 +1834,7 @@
           <a:p>
             <a:fld id="{099F8D66-D1E1-489E-B08C-301570902999}" type="datetimeFigureOut">
               <a:rPr lang="en-US" smtClean="0"/>
-              <a:t>6/20/2024</a:t>
+              <a:t>6/21/2024</a:t>
             </a:fld>
             <a:endParaRPr lang="en-US"/>
           </a:p>
@@ -1967,7 +1975,7 @@
           <a:p>
             <a:fld id="{099F8D66-D1E1-489E-B08C-301570902999}" type="datetimeFigureOut">
               <a:rPr lang="en-US" smtClean="0"/>
-              <a:t>6/20/2024</a:t>
+              <a:t>6/21/2024</a:t>
             </a:fld>
             <a:endParaRPr lang="en-US"/>
           </a:p>
@@ -2080,7 +2088,7 @@
           <a:p>
             <a:fld id="{099F8D66-D1E1-489E-B08C-301570902999}" type="datetimeFigureOut">
               <a:rPr lang="en-US" smtClean="0"/>
-              <a:t>6/20/2024</a:t>
+              <a:t>6/21/2024</a:t>
             </a:fld>
             <a:endParaRPr lang="en-US"/>
           </a:p>
@@ -2391,7 +2399,7 @@
           <a:p>
             <a:fld id="{099F8D66-D1E1-489E-B08C-301570902999}" type="datetimeFigureOut">
               <a:rPr lang="en-US" smtClean="0"/>
-              <a:t>6/20/2024</a:t>
+              <a:t>6/21/2024</a:t>
             </a:fld>
             <a:endParaRPr lang="en-US"/>
           </a:p>
@@ -2679,7 +2687,7 @@
           <a:p>
             <a:fld id="{099F8D66-D1E1-489E-B08C-301570902999}" type="datetimeFigureOut">
               <a:rPr lang="en-US" smtClean="0"/>
-              <a:t>6/20/2024</a:t>
+              <a:t>6/21/2024</a:t>
             </a:fld>
             <a:endParaRPr lang="en-US"/>
           </a:p>
@@ -2920,7 +2928,7 @@
           <a:p>
             <a:fld id="{099F8D66-D1E1-489E-B08C-301570902999}" type="datetimeFigureOut">
               <a:rPr lang="en-US" smtClean="0"/>
-              <a:t>6/20/2024</a:t>
+              <a:t>6/21/2024</a:t>
             </a:fld>
             <a:endParaRPr lang="en-US"/>
           </a:p>
@@ -4329,14 +4337,19 @@
             <p:ph type="title"/>
           </p:nvPr>
         </p:nvSpPr>
-        <p:spPr/>
-        <p:txBody>
-          <a:bodyPr/>
-          <a:lstStyle/>
-          <a:p>
-            <a:r>
-              <a:rPr lang="en-US" dirty="0"/>
-              <a:t>CSS Outline</a:t>
+        <p:spPr>
+          <a:xfrm>
+            <a:off x="6934200" y="286204"/>
+            <a:ext cx="5257800" cy="1325563"/>
+          </a:xfrm>
+        </p:spPr>
+        <p:txBody>
+          <a:bodyPr/>
+          <a:lstStyle/>
+          <a:p>
+            <a:r>
+              <a:rPr lang="en-US" dirty="0"/>
+              <a:t>CSS Outline Style</a:t>
             </a:r>
           </a:p>
         </p:txBody>
@@ -4357,12 +4370,622 @@
             <p:ph idx="1"/>
           </p:nvPr>
         </p:nvSpPr>
-        <p:spPr/>
-        <p:txBody>
-          <a:bodyPr/>
-          <a:lstStyle/>
-          <a:p>
-            <a:endParaRPr lang="en-US"/>
+        <p:spPr>
+          <a:xfrm>
+            <a:off x="8080829" y="1516517"/>
+            <a:ext cx="2454729" cy="4351338"/>
+          </a:xfrm>
+        </p:spPr>
+        <p:txBody>
+          <a:bodyPr/>
+          <a:lstStyle/>
+          <a:p>
+            <a:r>
+              <a:rPr lang="en-US" dirty="0"/>
+              <a:t>Solid</a:t>
+            </a:r>
+          </a:p>
+          <a:p>
+            <a:r>
+              <a:rPr lang="en-US" dirty="0"/>
+              <a:t>Dotted</a:t>
+            </a:r>
+          </a:p>
+          <a:p>
+            <a:r>
+              <a:rPr lang="en-US" dirty="0"/>
+              <a:t>Dashed</a:t>
+            </a:r>
+          </a:p>
+          <a:p>
+            <a:r>
+              <a:rPr lang="en-US" dirty="0"/>
+              <a:t>Groove</a:t>
+            </a:r>
+          </a:p>
+          <a:p>
+            <a:r>
+              <a:rPr lang="en-US" dirty="0"/>
+              <a:t>Inset</a:t>
+            </a:r>
+          </a:p>
+          <a:p>
+            <a:r>
+              <a:rPr lang="en-US" dirty="0"/>
+              <a:t>Outset</a:t>
+            </a:r>
+          </a:p>
+          <a:p>
+            <a:r>
+              <a:rPr lang="en-US" dirty="0"/>
+              <a:t>None</a:t>
+            </a:r>
+          </a:p>
+          <a:p>
+            <a:r>
+              <a:rPr lang="en-US" dirty="0"/>
+              <a:t>double</a:t>
+            </a:r>
+          </a:p>
+        </p:txBody>
+      </p:sp>
+      <p:sp>
+        <p:nvSpPr>
+          <p:cNvPr id="4" name="Title 1">
+            <a:extLst>
+              <a:ext uri="{FF2B5EF4-FFF2-40B4-BE49-F238E27FC236}">
+                <a16:creationId xmlns:a16="http://schemas.microsoft.com/office/drawing/2014/main" id="{74F04A4E-C7B2-EC6F-C2B4-5B63D1514F4D}"/>
+              </a:ext>
+            </a:extLst>
+          </p:cNvPr>
+          <p:cNvSpPr txBox="1">
+            <a:spLocks/>
+          </p:cNvSpPr>
+          <p:nvPr/>
+        </p:nvSpPr>
+        <p:spPr>
+          <a:xfrm>
+            <a:off x="838200" y="322716"/>
+            <a:ext cx="5257800" cy="1325563"/>
+          </a:xfrm>
+          <a:prstGeom prst="rect">
+            <a:avLst/>
+          </a:prstGeom>
+        </p:spPr>
+        <p:txBody>
+          <a:bodyPr vert="horz" lIns="91440" tIns="45720" rIns="91440" bIns="45720" rtlCol="0" anchor="ctr">
+            <a:normAutofit/>
+          </a:bodyPr>
+          <a:lstStyle>
+            <a:lvl1pPr algn="l" defTabSz="914400" rtl="0" eaLnBrk="1" latinLnBrk="0" hangingPunct="1">
+              <a:lnSpc>
+                <a:spcPct val="90000"/>
+              </a:lnSpc>
+              <a:spcBef>
+                <a:spcPct val="0"/>
+              </a:spcBef>
+              <a:buNone/>
+              <a:defRPr sz="4400" kern="1200">
+                <a:solidFill>
+                  <a:schemeClr val="tx1"/>
+                </a:solidFill>
+                <a:latin typeface="+mj-lt"/>
+                <a:ea typeface="+mj-ea"/>
+                <a:cs typeface="+mj-cs"/>
+              </a:defRPr>
+            </a:lvl1pPr>
+          </a:lstStyle>
+          <a:p>
+            <a:r>
+              <a:rPr lang="en-US" dirty="0"/>
+              <a:t>CSS Outline Properties</a:t>
+            </a:r>
+          </a:p>
+        </p:txBody>
+      </p:sp>
+      <p:sp>
+        <p:nvSpPr>
+          <p:cNvPr id="5" name="Content Placeholder 2">
+            <a:extLst>
+              <a:ext uri="{FF2B5EF4-FFF2-40B4-BE49-F238E27FC236}">
+                <a16:creationId xmlns:a16="http://schemas.microsoft.com/office/drawing/2014/main" id="{8E747B09-26D8-82D8-EF95-51D64AD2EC9C}"/>
+              </a:ext>
+            </a:extLst>
+          </p:cNvPr>
+          <p:cNvSpPr txBox="1">
+            <a:spLocks/>
+          </p:cNvSpPr>
+          <p:nvPr/>
+        </p:nvSpPr>
+        <p:spPr>
+          <a:xfrm>
+            <a:off x="1048657" y="1789340"/>
+            <a:ext cx="2454729" cy="4351338"/>
+          </a:xfrm>
+          <a:prstGeom prst="rect">
+            <a:avLst/>
+          </a:prstGeom>
+        </p:spPr>
+        <p:txBody>
+          <a:bodyPr vert="horz" lIns="91440" tIns="45720" rIns="91440" bIns="45720" rtlCol="0">
+            <a:normAutofit/>
+          </a:bodyPr>
+          <a:lstStyle>
+            <a:lvl1pPr marL="228600" indent="-228600" algn="l" defTabSz="914400" rtl="0" eaLnBrk="1" latinLnBrk="0" hangingPunct="1">
+              <a:lnSpc>
+                <a:spcPct val="90000"/>
+              </a:lnSpc>
+              <a:spcBef>
+                <a:spcPts val="1000"/>
+              </a:spcBef>
+              <a:buFont typeface="Arial" panose="020B0604020202020204" pitchFamily="34" charset="0"/>
+              <a:buChar char="•"/>
+              <a:defRPr sz="2800" kern="1200">
+                <a:solidFill>
+                  <a:schemeClr val="tx1"/>
+                </a:solidFill>
+                <a:latin typeface="+mn-lt"/>
+                <a:ea typeface="+mn-ea"/>
+                <a:cs typeface="+mn-cs"/>
+              </a:defRPr>
+            </a:lvl1pPr>
+            <a:lvl2pPr marL="685800" indent="-228600" algn="l" defTabSz="914400" rtl="0" eaLnBrk="1" latinLnBrk="0" hangingPunct="1">
+              <a:lnSpc>
+                <a:spcPct val="90000"/>
+              </a:lnSpc>
+              <a:spcBef>
+                <a:spcPts val="500"/>
+              </a:spcBef>
+              <a:buFont typeface="Arial" panose="020B0604020202020204" pitchFamily="34" charset="0"/>
+              <a:buChar char="•"/>
+              <a:defRPr sz="2400" kern="1200">
+                <a:solidFill>
+                  <a:schemeClr val="tx1"/>
+                </a:solidFill>
+                <a:latin typeface="+mn-lt"/>
+                <a:ea typeface="+mn-ea"/>
+                <a:cs typeface="+mn-cs"/>
+              </a:defRPr>
+            </a:lvl2pPr>
+            <a:lvl3pPr marL="1143000" indent="-228600" algn="l" defTabSz="914400" rtl="0" eaLnBrk="1" latinLnBrk="0" hangingPunct="1">
+              <a:lnSpc>
+                <a:spcPct val="90000"/>
+              </a:lnSpc>
+              <a:spcBef>
+                <a:spcPts val="500"/>
+              </a:spcBef>
+              <a:buFont typeface="Arial" panose="020B0604020202020204" pitchFamily="34" charset="0"/>
+              <a:buChar char="•"/>
+              <a:defRPr sz="2000" kern="1200">
+                <a:solidFill>
+                  <a:schemeClr val="tx1"/>
+                </a:solidFill>
+                <a:latin typeface="+mn-lt"/>
+                <a:ea typeface="+mn-ea"/>
+                <a:cs typeface="+mn-cs"/>
+              </a:defRPr>
+            </a:lvl3pPr>
+            <a:lvl4pPr marL="1600200" indent="-228600" algn="l" defTabSz="914400" rtl="0" eaLnBrk="1" latinLnBrk="0" hangingPunct="1">
+              <a:lnSpc>
+                <a:spcPct val="90000"/>
+              </a:lnSpc>
+              <a:spcBef>
+                <a:spcPts val="500"/>
+              </a:spcBef>
+              <a:buFont typeface="Arial" panose="020B0604020202020204" pitchFamily="34" charset="0"/>
+              <a:buChar char="•"/>
+              <a:defRPr sz="1800" kern="1200">
+                <a:solidFill>
+                  <a:schemeClr val="tx1"/>
+                </a:solidFill>
+                <a:latin typeface="+mn-lt"/>
+                <a:ea typeface="+mn-ea"/>
+                <a:cs typeface="+mn-cs"/>
+              </a:defRPr>
+            </a:lvl4pPr>
+            <a:lvl5pPr marL="2057400" indent="-228600" algn="l" defTabSz="914400" rtl="0" eaLnBrk="1" latinLnBrk="0" hangingPunct="1">
+              <a:lnSpc>
+                <a:spcPct val="90000"/>
+              </a:lnSpc>
+              <a:spcBef>
+                <a:spcPts val="500"/>
+              </a:spcBef>
+              <a:buFont typeface="Arial" panose="020B0604020202020204" pitchFamily="34" charset="0"/>
+              <a:buChar char="•"/>
+              <a:defRPr sz="1800" kern="1200">
+                <a:solidFill>
+                  <a:schemeClr val="tx1"/>
+                </a:solidFill>
+                <a:latin typeface="+mn-lt"/>
+                <a:ea typeface="+mn-ea"/>
+                <a:cs typeface="+mn-cs"/>
+              </a:defRPr>
+            </a:lvl5pPr>
+            <a:lvl6pPr marL="2514600" indent="-228600" algn="l" defTabSz="914400" rtl="0" eaLnBrk="1" latinLnBrk="0" hangingPunct="1">
+              <a:lnSpc>
+                <a:spcPct val="90000"/>
+              </a:lnSpc>
+              <a:spcBef>
+                <a:spcPts val="500"/>
+              </a:spcBef>
+              <a:buFont typeface="Arial" panose="020B0604020202020204" pitchFamily="34" charset="0"/>
+              <a:buChar char="•"/>
+              <a:defRPr sz="1800" kern="1200">
+                <a:solidFill>
+                  <a:schemeClr val="tx1"/>
+                </a:solidFill>
+                <a:latin typeface="+mn-lt"/>
+                <a:ea typeface="+mn-ea"/>
+                <a:cs typeface="+mn-cs"/>
+              </a:defRPr>
+            </a:lvl6pPr>
+            <a:lvl7pPr marL="2971800" indent="-228600" algn="l" defTabSz="914400" rtl="0" eaLnBrk="1" latinLnBrk="0" hangingPunct="1">
+              <a:lnSpc>
+                <a:spcPct val="90000"/>
+              </a:lnSpc>
+              <a:spcBef>
+                <a:spcPts val="500"/>
+              </a:spcBef>
+              <a:buFont typeface="Arial" panose="020B0604020202020204" pitchFamily="34" charset="0"/>
+              <a:buChar char="•"/>
+              <a:defRPr sz="1800" kern="1200">
+                <a:solidFill>
+                  <a:schemeClr val="tx1"/>
+                </a:solidFill>
+                <a:latin typeface="+mn-lt"/>
+                <a:ea typeface="+mn-ea"/>
+                <a:cs typeface="+mn-cs"/>
+              </a:defRPr>
+            </a:lvl7pPr>
+            <a:lvl8pPr marL="3429000" indent="-228600" algn="l" defTabSz="914400" rtl="0" eaLnBrk="1" latinLnBrk="0" hangingPunct="1">
+              <a:lnSpc>
+                <a:spcPct val="90000"/>
+              </a:lnSpc>
+              <a:spcBef>
+                <a:spcPts val="500"/>
+              </a:spcBef>
+              <a:buFont typeface="Arial" panose="020B0604020202020204" pitchFamily="34" charset="0"/>
+              <a:buChar char="•"/>
+              <a:defRPr sz="1800" kern="1200">
+                <a:solidFill>
+                  <a:schemeClr val="tx1"/>
+                </a:solidFill>
+                <a:latin typeface="+mn-lt"/>
+                <a:ea typeface="+mn-ea"/>
+                <a:cs typeface="+mn-cs"/>
+              </a:defRPr>
+            </a:lvl8pPr>
+            <a:lvl9pPr marL="3886200" indent="-228600" algn="l" defTabSz="914400" rtl="0" eaLnBrk="1" latinLnBrk="0" hangingPunct="1">
+              <a:lnSpc>
+                <a:spcPct val="90000"/>
+              </a:lnSpc>
+              <a:spcBef>
+                <a:spcPts val="500"/>
+              </a:spcBef>
+              <a:buFont typeface="Arial" panose="020B0604020202020204" pitchFamily="34" charset="0"/>
+              <a:buChar char="•"/>
+              <a:defRPr sz="1800" kern="1200">
+                <a:solidFill>
+                  <a:schemeClr val="tx1"/>
+                </a:solidFill>
+                <a:latin typeface="+mn-lt"/>
+                <a:ea typeface="+mn-ea"/>
+                <a:cs typeface="+mn-cs"/>
+              </a:defRPr>
+            </a:lvl9pPr>
+          </a:lstStyle>
+          <a:p>
+            <a:r>
+              <a:rPr lang="en-US" dirty="0"/>
+              <a:t>Outline-width</a:t>
+            </a:r>
+          </a:p>
+          <a:p>
+            <a:r>
+              <a:rPr lang="en-US" dirty="0"/>
+              <a:t>Outline-style</a:t>
+            </a:r>
+          </a:p>
+          <a:p>
+            <a:r>
+              <a:rPr lang="en-US" dirty="0"/>
+              <a:t>Outline-color</a:t>
+            </a:r>
+          </a:p>
+          <a:p>
+            <a:r>
+              <a:rPr lang="en-US" dirty="0"/>
+              <a:t>Outline-offset</a:t>
+            </a:r>
+          </a:p>
+        </p:txBody>
+      </p:sp>
+      <p:sp>
+        <p:nvSpPr>
+          <p:cNvPr id="6" name="Title 1">
+            <a:extLst>
+              <a:ext uri="{FF2B5EF4-FFF2-40B4-BE49-F238E27FC236}">
+                <a16:creationId xmlns:a16="http://schemas.microsoft.com/office/drawing/2014/main" id="{909C4A34-C119-17F5-DF76-E5B36070E02F}"/>
+              </a:ext>
+            </a:extLst>
+          </p:cNvPr>
+          <p:cNvSpPr txBox="1">
+            <a:spLocks/>
+          </p:cNvSpPr>
+          <p:nvPr/>
+        </p:nvSpPr>
+        <p:spPr>
+          <a:xfrm>
+            <a:off x="3694794" y="4180114"/>
+            <a:ext cx="4084864" cy="391886"/>
+          </a:xfrm>
+          <a:prstGeom prst="rect">
+            <a:avLst/>
+          </a:prstGeom>
+        </p:spPr>
+        <p:txBody>
+          <a:bodyPr vert="horz" lIns="91440" tIns="45720" rIns="91440" bIns="45720" rtlCol="0" anchor="ctr">
+            <a:normAutofit fontScale="77500" lnSpcReduction="20000"/>
+          </a:bodyPr>
+          <a:lstStyle>
+            <a:lvl1pPr algn="l" defTabSz="914400" rtl="0" eaLnBrk="1" latinLnBrk="0" hangingPunct="1">
+              <a:lnSpc>
+                <a:spcPct val="90000"/>
+              </a:lnSpc>
+              <a:spcBef>
+                <a:spcPct val="0"/>
+              </a:spcBef>
+              <a:buNone/>
+              <a:defRPr sz="4400" kern="1200">
+                <a:solidFill>
+                  <a:schemeClr val="tx1"/>
+                </a:solidFill>
+                <a:latin typeface="+mj-lt"/>
+                <a:ea typeface="+mj-ea"/>
+                <a:cs typeface="+mj-cs"/>
+              </a:defRPr>
+            </a:lvl1pPr>
+          </a:lstStyle>
+          <a:p>
+            <a:r>
+              <a:rPr lang="en-US" sz="3200" dirty="0"/>
+              <a:t>CSS Outline Shorthand</a:t>
+            </a:r>
+          </a:p>
+        </p:txBody>
+      </p:sp>
+      <p:sp>
+        <p:nvSpPr>
+          <p:cNvPr id="7" name="Content Placeholder 2">
+            <a:extLst>
+              <a:ext uri="{FF2B5EF4-FFF2-40B4-BE49-F238E27FC236}">
+                <a16:creationId xmlns:a16="http://schemas.microsoft.com/office/drawing/2014/main" id="{4FAD724A-4890-89C3-3124-961B9DB5A450}"/>
+              </a:ext>
+            </a:extLst>
+          </p:cNvPr>
+          <p:cNvSpPr txBox="1">
+            <a:spLocks/>
+          </p:cNvSpPr>
+          <p:nvPr/>
+        </p:nvSpPr>
+        <p:spPr>
+          <a:xfrm>
+            <a:off x="3933371" y="4572000"/>
+            <a:ext cx="3164115" cy="1780495"/>
+          </a:xfrm>
+          <a:prstGeom prst="rect">
+            <a:avLst/>
+          </a:prstGeom>
+        </p:spPr>
+        <p:txBody>
+          <a:bodyPr vert="horz" lIns="91440" tIns="45720" rIns="91440" bIns="45720" rtlCol="0">
+            <a:normAutofit fontScale="55000" lnSpcReduction="20000"/>
+          </a:bodyPr>
+          <a:lstStyle>
+            <a:lvl1pPr marL="228600" indent="-228600" algn="l" defTabSz="914400" rtl="0" eaLnBrk="1" latinLnBrk="0" hangingPunct="1">
+              <a:lnSpc>
+                <a:spcPct val="90000"/>
+              </a:lnSpc>
+              <a:spcBef>
+                <a:spcPts val="1000"/>
+              </a:spcBef>
+              <a:buFont typeface="Arial" panose="020B0604020202020204" pitchFamily="34" charset="0"/>
+              <a:buChar char="•"/>
+              <a:defRPr sz="2800" kern="1200">
+                <a:solidFill>
+                  <a:schemeClr val="tx1"/>
+                </a:solidFill>
+                <a:latin typeface="+mn-lt"/>
+                <a:ea typeface="+mn-ea"/>
+                <a:cs typeface="+mn-cs"/>
+              </a:defRPr>
+            </a:lvl1pPr>
+            <a:lvl2pPr marL="685800" indent="-228600" algn="l" defTabSz="914400" rtl="0" eaLnBrk="1" latinLnBrk="0" hangingPunct="1">
+              <a:lnSpc>
+                <a:spcPct val="90000"/>
+              </a:lnSpc>
+              <a:spcBef>
+                <a:spcPts val="500"/>
+              </a:spcBef>
+              <a:buFont typeface="Arial" panose="020B0604020202020204" pitchFamily="34" charset="0"/>
+              <a:buChar char="•"/>
+              <a:defRPr sz="2400" kern="1200">
+                <a:solidFill>
+                  <a:schemeClr val="tx1"/>
+                </a:solidFill>
+                <a:latin typeface="+mn-lt"/>
+                <a:ea typeface="+mn-ea"/>
+                <a:cs typeface="+mn-cs"/>
+              </a:defRPr>
+            </a:lvl2pPr>
+            <a:lvl3pPr marL="1143000" indent="-228600" algn="l" defTabSz="914400" rtl="0" eaLnBrk="1" latinLnBrk="0" hangingPunct="1">
+              <a:lnSpc>
+                <a:spcPct val="90000"/>
+              </a:lnSpc>
+              <a:spcBef>
+                <a:spcPts val="500"/>
+              </a:spcBef>
+              <a:buFont typeface="Arial" panose="020B0604020202020204" pitchFamily="34" charset="0"/>
+              <a:buChar char="•"/>
+              <a:defRPr sz="2000" kern="1200">
+                <a:solidFill>
+                  <a:schemeClr val="tx1"/>
+                </a:solidFill>
+                <a:latin typeface="+mn-lt"/>
+                <a:ea typeface="+mn-ea"/>
+                <a:cs typeface="+mn-cs"/>
+              </a:defRPr>
+            </a:lvl3pPr>
+            <a:lvl4pPr marL="1600200" indent="-228600" algn="l" defTabSz="914400" rtl="0" eaLnBrk="1" latinLnBrk="0" hangingPunct="1">
+              <a:lnSpc>
+                <a:spcPct val="90000"/>
+              </a:lnSpc>
+              <a:spcBef>
+                <a:spcPts val="500"/>
+              </a:spcBef>
+              <a:buFont typeface="Arial" panose="020B0604020202020204" pitchFamily="34" charset="0"/>
+              <a:buChar char="•"/>
+              <a:defRPr sz="1800" kern="1200">
+                <a:solidFill>
+                  <a:schemeClr val="tx1"/>
+                </a:solidFill>
+                <a:latin typeface="+mn-lt"/>
+                <a:ea typeface="+mn-ea"/>
+                <a:cs typeface="+mn-cs"/>
+              </a:defRPr>
+            </a:lvl4pPr>
+            <a:lvl5pPr marL="2057400" indent="-228600" algn="l" defTabSz="914400" rtl="0" eaLnBrk="1" latinLnBrk="0" hangingPunct="1">
+              <a:lnSpc>
+                <a:spcPct val="90000"/>
+              </a:lnSpc>
+              <a:spcBef>
+                <a:spcPts val="500"/>
+              </a:spcBef>
+              <a:buFont typeface="Arial" panose="020B0604020202020204" pitchFamily="34" charset="0"/>
+              <a:buChar char="•"/>
+              <a:defRPr sz="1800" kern="1200">
+                <a:solidFill>
+                  <a:schemeClr val="tx1"/>
+                </a:solidFill>
+                <a:latin typeface="+mn-lt"/>
+                <a:ea typeface="+mn-ea"/>
+                <a:cs typeface="+mn-cs"/>
+              </a:defRPr>
+            </a:lvl5pPr>
+            <a:lvl6pPr marL="2514600" indent="-228600" algn="l" defTabSz="914400" rtl="0" eaLnBrk="1" latinLnBrk="0" hangingPunct="1">
+              <a:lnSpc>
+                <a:spcPct val="90000"/>
+              </a:lnSpc>
+              <a:spcBef>
+                <a:spcPts val="500"/>
+              </a:spcBef>
+              <a:buFont typeface="Arial" panose="020B0604020202020204" pitchFamily="34" charset="0"/>
+              <a:buChar char="•"/>
+              <a:defRPr sz="1800" kern="1200">
+                <a:solidFill>
+                  <a:schemeClr val="tx1"/>
+                </a:solidFill>
+                <a:latin typeface="+mn-lt"/>
+                <a:ea typeface="+mn-ea"/>
+                <a:cs typeface="+mn-cs"/>
+              </a:defRPr>
+            </a:lvl6pPr>
+            <a:lvl7pPr marL="2971800" indent="-228600" algn="l" defTabSz="914400" rtl="0" eaLnBrk="1" latinLnBrk="0" hangingPunct="1">
+              <a:lnSpc>
+                <a:spcPct val="90000"/>
+              </a:lnSpc>
+              <a:spcBef>
+                <a:spcPts val="500"/>
+              </a:spcBef>
+              <a:buFont typeface="Arial" panose="020B0604020202020204" pitchFamily="34" charset="0"/>
+              <a:buChar char="•"/>
+              <a:defRPr sz="1800" kern="1200">
+                <a:solidFill>
+                  <a:schemeClr val="tx1"/>
+                </a:solidFill>
+                <a:latin typeface="+mn-lt"/>
+                <a:ea typeface="+mn-ea"/>
+                <a:cs typeface="+mn-cs"/>
+              </a:defRPr>
+            </a:lvl7pPr>
+            <a:lvl8pPr marL="3429000" indent="-228600" algn="l" defTabSz="914400" rtl="0" eaLnBrk="1" latinLnBrk="0" hangingPunct="1">
+              <a:lnSpc>
+                <a:spcPct val="90000"/>
+              </a:lnSpc>
+              <a:spcBef>
+                <a:spcPts val="500"/>
+              </a:spcBef>
+              <a:buFont typeface="Arial" panose="020B0604020202020204" pitchFamily="34" charset="0"/>
+              <a:buChar char="•"/>
+              <a:defRPr sz="1800" kern="1200">
+                <a:solidFill>
+                  <a:schemeClr val="tx1"/>
+                </a:solidFill>
+                <a:latin typeface="+mn-lt"/>
+                <a:ea typeface="+mn-ea"/>
+                <a:cs typeface="+mn-cs"/>
+              </a:defRPr>
+            </a:lvl8pPr>
+            <a:lvl9pPr marL="3886200" indent="-228600" algn="l" defTabSz="914400" rtl="0" eaLnBrk="1" latinLnBrk="0" hangingPunct="1">
+              <a:lnSpc>
+                <a:spcPct val="90000"/>
+              </a:lnSpc>
+              <a:spcBef>
+                <a:spcPts val="500"/>
+              </a:spcBef>
+              <a:buFont typeface="Arial" panose="020B0604020202020204" pitchFamily="34" charset="0"/>
+              <a:buChar char="•"/>
+              <a:defRPr sz="1800" kern="1200">
+                <a:solidFill>
+                  <a:schemeClr val="tx1"/>
+                </a:solidFill>
+                <a:latin typeface="+mn-lt"/>
+                <a:ea typeface="+mn-ea"/>
+                <a:cs typeface="+mn-cs"/>
+              </a:defRPr>
+            </a:lvl9pPr>
+          </a:lstStyle>
+          <a:p>
+            <a:r>
+              <a:rPr lang="en-US" dirty="0"/>
+              <a:t>Outline-width:2px;</a:t>
+            </a:r>
+          </a:p>
+          <a:p>
+            <a:r>
+              <a:rPr lang="en-US" dirty="0" err="1"/>
+              <a:t>Outline-style:solid</a:t>
+            </a:r>
+            <a:endParaRPr lang="en-US" dirty="0"/>
+          </a:p>
+          <a:p>
+            <a:r>
+              <a:rPr lang="en-US" dirty="0" err="1"/>
+              <a:t>Outline-color:red</a:t>
+            </a:r>
+            <a:r>
+              <a:rPr lang="en-US" dirty="0"/>
+              <a:t>;</a:t>
+            </a:r>
+          </a:p>
+          <a:p>
+            <a:endParaRPr lang="en-US" dirty="0"/>
+          </a:p>
+          <a:p>
+            <a:endParaRPr lang="en-US" dirty="0"/>
+          </a:p>
+          <a:p>
+            <a:pPr marL="0" indent="0">
+              <a:buNone/>
+            </a:pPr>
+            <a:r>
+              <a:rPr lang="en-US" dirty="0">
+                <a:solidFill>
+                  <a:srgbClr val="FF0000"/>
+                </a:solidFill>
+              </a:rPr>
+              <a:t>Outline: 2px solid red;</a:t>
+            </a:r>
           </a:p>
         </p:txBody>
       </p:sp>
@@ -4370,6 +4993,1366 @@
     <p:extLst>
       <p:ext uri="{BB962C8B-B14F-4D97-AF65-F5344CB8AC3E}">
         <p14:creationId xmlns:p14="http://schemas.microsoft.com/office/powerpoint/2010/main" val="2719466322"/>
+      </p:ext>
+    </p:extLst>
+  </p:cSld>
+  <p:clrMapOvr>
+    <a:masterClrMapping/>
+  </p:clrMapOvr>
+</p:sld>
+</file>
+
+<file path=ppt/slides/slide18.xml><?xml version="1.0" encoding="utf-8"?>
+<p:sld xmlns:a="http://schemas.openxmlformats.org/drawingml/2006/main" xmlns:r="http://schemas.openxmlformats.org/officeDocument/2006/relationships" xmlns:p="http://schemas.openxmlformats.org/presentationml/2006/main">
+  <p:cSld>
+    <p:spTree>
+      <p:nvGrpSpPr>
+        <p:cNvPr id="1" name=""/>
+        <p:cNvGrpSpPr/>
+        <p:nvPr/>
+      </p:nvGrpSpPr>
+      <p:grpSpPr>
+        <a:xfrm>
+          <a:off x="0" y="0"/>
+          <a:ext cx="0" cy="0"/>
+          <a:chOff x="0" y="0"/>
+          <a:chExt cx="0" cy="0"/>
+        </a:xfrm>
+      </p:grpSpPr>
+      <p:sp>
+        <p:nvSpPr>
+          <p:cNvPr id="4" name="Title 1">
+            <a:extLst>
+              <a:ext uri="{FF2B5EF4-FFF2-40B4-BE49-F238E27FC236}">
+                <a16:creationId xmlns:a16="http://schemas.microsoft.com/office/drawing/2014/main" id="{74F04A4E-C7B2-EC6F-C2B4-5B63D1514F4D}"/>
+              </a:ext>
+            </a:extLst>
+          </p:cNvPr>
+          <p:cNvSpPr txBox="1">
+            <a:spLocks/>
+          </p:cNvSpPr>
+          <p:nvPr/>
+        </p:nvSpPr>
+        <p:spPr>
+          <a:xfrm>
+            <a:off x="838200" y="322716"/>
+            <a:ext cx="5257800" cy="1325563"/>
+          </a:xfrm>
+          <a:prstGeom prst="rect">
+            <a:avLst/>
+          </a:prstGeom>
+        </p:spPr>
+        <p:txBody>
+          <a:bodyPr vert="horz" lIns="91440" tIns="45720" rIns="91440" bIns="45720" rtlCol="0" anchor="ctr">
+            <a:normAutofit/>
+          </a:bodyPr>
+          <a:lstStyle>
+            <a:lvl1pPr algn="l" defTabSz="914400" rtl="0" eaLnBrk="1" latinLnBrk="0" hangingPunct="1">
+              <a:lnSpc>
+                <a:spcPct val="90000"/>
+              </a:lnSpc>
+              <a:spcBef>
+                <a:spcPct val="0"/>
+              </a:spcBef>
+              <a:buNone/>
+              <a:defRPr sz="4400" kern="1200">
+                <a:solidFill>
+                  <a:schemeClr val="tx1"/>
+                </a:solidFill>
+                <a:latin typeface="+mj-lt"/>
+                <a:ea typeface="+mj-ea"/>
+                <a:cs typeface="+mj-cs"/>
+              </a:defRPr>
+            </a:lvl1pPr>
+          </a:lstStyle>
+          <a:p>
+            <a:r>
+              <a:rPr lang="en-US" sz="4000"/>
+              <a:t>CSS Padding </a:t>
+            </a:r>
+            <a:r>
+              <a:rPr lang="en-US" sz="4000" dirty="0"/>
+              <a:t>Properties</a:t>
+            </a:r>
+          </a:p>
+        </p:txBody>
+      </p:sp>
+      <p:sp>
+        <p:nvSpPr>
+          <p:cNvPr id="5" name="Content Placeholder 2">
+            <a:extLst>
+              <a:ext uri="{FF2B5EF4-FFF2-40B4-BE49-F238E27FC236}">
+                <a16:creationId xmlns:a16="http://schemas.microsoft.com/office/drawing/2014/main" id="{8E747B09-26D8-82D8-EF95-51D64AD2EC9C}"/>
+              </a:ext>
+            </a:extLst>
+          </p:cNvPr>
+          <p:cNvSpPr txBox="1">
+            <a:spLocks/>
+          </p:cNvSpPr>
+          <p:nvPr/>
+        </p:nvSpPr>
+        <p:spPr>
+          <a:xfrm>
+            <a:off x="1048657" y="1789340"/>
+            <a:ext cx="2454729" cy="4351338"/>
+          </a:xfrm>
+          <a:prstGeom prst="rect">
+            <a:avLst/>
+          </a:prstGeom>
+        </p:spPr>
+        <p:txBody>
+          <a:bodyPr vert="horz" lIns="91440" tIns="45720" rIns="91440" bIns="45720" rtlCol="0">
+            <a:normAutofit/>
+          </a:bodyPr>
+          <a:lstStyle>
+            <a:lvl1pPr marL="228600" indent="-228600" algn="l" defTabSz="914400" rtl="0" eaLnBrk="1" latinLnBrk="0" hangingPunct="1">
+              <a:lnSpc>
+                <a:spcPct val="90000"/>
+              </a:lnSpc>
+              <a:spcBef>
+                <a:spcPts val="1000"/>
+              </a:spcBef>
+              <a:buFont typeface="Arial" panose="020B0604020202020204" pitchFamily="34" charset="0"/>
+              <a:buChar char="•"/>
+              <a:defRPr sz="2800" kern="1200">
+                <a:solidFill>
+                  <a:schemeClr val="tx1"/>
+                </a:solidFill>
+                <a:latin typeface="+mn-lt"/>
+                <a:ea typeface="+mn-ea"/>
+                <a:cs typeface="+mn-cs"/>
+              </a:defRPr>
+            </a:lvl1pPr>
+            <a:lvl2pPr marL="685800" indent="-228600" algn="l" defTabSz="914400" rtl="0" eaLnBrk="1" latinLnBrk="0" hangingPunct="1">
+              <a:lnSpc>
+                <a:spcPct val="90000"/>
+              </a:lnSpc>
+              <a:spcBef>
+                <a:spcPts val="500"/>
+              </a:spcBef>
+              <a:buFont typeface="Arial" panose="020B0604020202020204" pitchFamily="34" charset="0"/>
+              <a:buChar char="•"/>
+              <a:defRPr sz="2400" kern="1200">
+                <a:solidFill>
+                  <a:schemeClr val="tx1"/>
+                </a:solidFill>
+                <a:latin typeface="+mn-lt"/>
+                <a:ea typeface="+mn-ea"/>
+                <a:cs typeface="+mn-cs"/>
+              </a:defRPr>
+            </a:lvl2pPr>
+            <a:lvl3pPr marL="1143000" indent="-228600" algn="l" defTabSz="914400" rtl="0" eaLnBrk="1" latinLnBrk="0" hangingPunct="1">
+              <a:lnSpc>
+                <a:spcPct val="90000"/>
+              </a:lnSpc>
+              <a:spcBef>
+                <a:spcPts val="500"/>
+              </a:spcBef>
+              <a:buFont typeface="Arial" panose="020B0604020202020204" pitchFamily="34" charset="0"/>
+              <a:buChar char="•"/>
+              <a:defRPr sz="2000" kern="1200">
+                <a:solidFill>
+                  <a:schemeClr val="tx1"/>
+                </a:solidFill>
+                <a:latin typeface="+mn-lt"/>
+                <a:ea typeface="+mn-ea"/>
+                <a:cs typeface="+mn-cs"/>
+              </a:defRPr>
+            </a:lvl3pPr>
+            <a:lvl4pPr marL="1600200" indent="-228600" algn="l" defTabSz="914400" rtl="0" eaLnBrk="1" latinLnBrk="0" hangingPunct="1">
+              <a:lnSpc>
+                <a:spcPct val="90000"/>
+              </a:lnSpc>
+              <a:spcBef>
+                <a:spcPts val="500"/>
+              </a:spcBef>
+              <a:buFont typeface="Arial" panose="020B0604020202020204" pitchFamily="34" charset="0"/>
+              <a:buChar char="•"/>
+              <a:defRPr sz="1800" kern="1200">
+                <a:solidFill>
+                  <a:schemeClr val="tx1"/>
+                </a:solidFill>
+                <a:latin typeface="+mn-lt"/>
+                <a:ea typeface="+mn-ea"/>
+                <a:cs typeface="+mn-cs"/>
+              </a:defRPr>
+            </a:lvl4pPr>
+            <a:lvl5pPr marL="2057400" indent="-228600" algn="l" defTabSz="914400" rtl="0" eaLnBrk="1" latinLnBrk="0" hangingPunct="1">
+              <a:lnSpc>
+                <a:spcPct val="90000"/>
+              </a:lnSpc>
+              <a:spcBef>
+                <a:spcPts val="500"/>
+              </a:spcBef>
+              <a:buFont typeface="Arial" panose="020B0604020202020204" pitchFamily="34" charset="0"/>
+              <a:buChar char="•"/>
+              <a:defRPr sz="1800" kern="1200">
+                <a:solidFill>
+                  <a:schemeClr val="tx1"/>
+                </a:solidFill>
+                <a:latin typeface="+mn-lt"/>
+                <a:ea typeface="+mn-ea"/>
+                <a:cs typeface="+mn-cs"/>
+              </a:defRPr>
+            </a:lvl5pPr>
+            <a:lvl6pPr marL="2514600" indent="-228600" algn="l" defTabSz="914400" rtl="0" eaLnBrk="1" latinLnBrk="0" hangingPunct="1">
+              <a:lnSpc>
+                <a:spcPct val="90000"/>
+              </a:lnSpc>
+              <a:spcBef>
+                <a:spcPts val="500"/>
+              </a:spcBef>
+              <a:buFont typeface="Arial" panose="020B0604020202020204" pitchFamily="34" charset="0"/>
+              <a:buChar char="•"/>
+              <a:defRPr sz="1800" kern="1200">
+                <a:solidFill>
+                  <a:schemeClr val="tx1"/>
+                </a:solidFill>
+                <a:latin typeface="+mn-lt"/>
+                <a:ea typeface="+mn-ea"/>
+                <a:cs typeface="+mn-cs"/>
+              </a:defRPr>
+            </a:lvl6pPr>
+            <a:lvl7pPr marL="2971800" indent="-228600" algn="l" defTabSz="914400" rtl="0" eaLnBrk="1" latinLnBrk="0" hangingPunct="1">
+              <a:lnSpc>
+                <a:spcPct val="90000"/>
+              </a:lnSpc>
+              <a:spcBef>
+                <a:spcPts val="500"/>
+              </a:spcBef>
+              <a:buFont typeface="Arial" panose="020B0604020202020204" pitchFamily="34" charset="0"/>
+              <a:buChar char="•"/>
+              <a:defRPr sz="1800" kern="1200">
+                <a:solidFill>
+                  <a:schemeClr val="tx1"/>
+                </a:solidFill>
+                <a:latin typeface="+mn-lt"/>
+                <a:ea typeface="+mn-ea"/>
+                <a:cs typeface="+mn-cs"/>
+              </a:defRPr>
+            </a:lvl7pPr>
+            <a:lvl8pPr marL="3429000" indent="-228600" algn="l" defTabSz="914400" rtl="0" eaLnBrk="1" latinLnBrk="0" hangingPunct="1">
+              <a:lnSpc>
+                <a:spcPct val="90000"/>
+              </a:lnSpc>
+              <a:spcBef>
+                <a:spcPts val="500"/>
+              </a:spcBef>
+              <a:buFont typeface="Arial" panose="020B0604020202020204" pitchFamily="34" charset="0"/>
+              <a:buChar char="•"/>
+              <a:defRPr sz="1800" kern="1200">
+                <a:solidFill>
+                  <a:schemeClr val="tx1"/>
+                </a:solidFill>
+                <a:latin typeface="+mn-lt"/>
+                <a:ea typeface="+mn-ea"/>
+                <a:cs typeface="+mn-cs"/>
+              </a:defRPr>
+            </a:lvl8pPr>
+            <a:lvl9pPr marL="3886200" indent="-228600" algn="l" defTabSz="914400" rtl="0" eaLnBrk="1" latinLnBrk="0" hangingPunct="1">
+              <a:lnSpc>
+                <a:spcPct val="90000"/>
+              </a:lnSpc>
+              <a:spcBef>
+                <a:spcPts val="500"/>
+              </a:spcBef>
+              <a:buFont typeface="Arial" panose="020B0604020202020204" pitchFamily="34" charset="0"/>
+              <a:buChar char="•"/>
+              <a:defRPr sz="1800" kern="1200">
+                <a:solidFill>
+                  <a:schemeClr val="tx1"/>
+                </a:solidFill>
+                <a:latin typeface="+mn-lt"/>
+                <a:ea typeface="+mn-ea"/>
+                <a:cs typeface="+mn-cs"/>
+              </a:defRPr>
+            </a:lvl9pPr>
+          </a:lstStyle>
+          <a:p>
+            <a:r>
+              <a:rPr lang="en-US"/>
+              <a:t>Padding-top</a:t>
+            </a:r>
+            <a:endParaRPr lang="en-US" dirty="0"/>
+          </a:p>
+          <a:p>
+            <a:r>
+              <a:rPr lang="en-US"/>
+              <a:t>Padding-right</a:t>
+            </a:r>
+            <a:endParaRPr lang="en-US" dirty="0"/>
+          </a:p>
+          <a:p>
+            <a:r>
+              <a:rPr lang="en-US"/>
+              <a:t>Padding-bottom</a:t>
+            </a:r>
+            <a:endParaRPr lang="en-US" dirty="0"/>
+          </a:p>
+          <a:p>
+            <a:r>
+              <a:rPr lang="en-US"/>
+              <a:t>Padding-left</a:t>
+            </a:r>
+            <a:endParaRPr lang="en-US" dirty="0"/>
+          </a:p>
+        </p:txBody>
+      </p:sp>
+      <p:sp>
+        <p:nvSpPr>
+          <p:cNvPr id="6" name="Title 1">
+            <a:extLst>
+              <a:ext uri="{FF2B5EF4-FFF2-40B4-BE49-F238E27FC236}">
+                <a16:creationId xmlns:a16="http://schemas.microsoft.com/office/drawing/2014/main" id="{909C4A34-C119-17F5-DF76-E5B36070E02F}"/>
+              </a:ext>
+            </a:extLst>
+          </p:cNvPr>
+          <p:cNvSpPr txBox="1">
+            <a:spLocks/>
+          </p:cNvSpPr>
+          <p:nvPr/>
+        </p:nvSpPr>
+        <p:spPr>
+          <a:xfrm>
+            <a:off x="6684737" y="1198336"/>
+            <a:ext cx="4084864" cy="391886"/>
+          </a:xfrm>
+          <a:prstGeom prst="rect">
+            <a:avLst/>
+          </a:prstGeom>
+        </p:spPr>
+        <p:txBody>
+          <a:bodyPr vert="horz" lIns="91440" tIns="45720" rIns="91440" bIns="45720" rtlCol="0" anchor="ctr">
+            <a:normAutofit fontScale="77500" lnSpcReduction="20000"/>
+          </a:bodyPr>
+          <a:lstStyle>
+            <a:lvl1pPr algn="l" defTabSz="914400" rtl="0" eaLnBrk="1" latinLnBrk="0" hangingPunct="1">
+              <a:lnSpc>
+                <a:spcPct val="90000"/>
+              </a:lnSpc>
+              <a:spcBef>
+                <a:spcPct val="0"/>
+              </a:spcBef>
+              <a:buNone/>
+              <a:defRPr sz="4400" kern="1200">
+                <a:solidFill>
+                  <a:schemeClr val="tx1"/>
+                </a:solidFill>
+                <a:latin typeface="+mj-lt"/>
+                <a:ea typeface="+mj-ea"/>
+                <a:cs typeface="+mj-cs"/>
+              </a:defRPr>
+            </a:lvl1pPr>
+          </a:lstStyle>
+          <a:p>
+            <a:r>
+              <a:rPr lang="en-US" sz="3200"/>
+              <a:t>CSS Padding </a:t>
+            </a:r>
+            <a:r>
+              <a:rPr lang="en-US" sz="3200" dirty="0"/>
+              <a:t>Shorthand</a:t>
+            </a:r>
+          </a:p>
+        </p:txBody>
+      </p:sp>
+      <p:sp>
+        <p:nvSpPr>
+          <p:cNvPr id="7" name="Content Placeholder 2">
+            <a:extLst>
+              <a:ext uri="{FF2B5EF4-FFF2-40B4-BE49-F238E27FC236}">
+                <a16:creationId xmlns:a16="http://schemas.microsoft.com/office/drawing/2014/main" id="{4FAD724A-4890-89C3-3124-961B9DB5A450}"/>
+              </a:ext>
+            </a:extLst>
+          </p:cNvPr>
+          <p:cNvSpPr txBox="1">
+            <a:spLocks/>
+          </p:cNvSpPr>
+          <p:nvPr/>
+        </p:nvSpPr>
+        <p:spPr>
+          <a:xfrm>
+            <a:off x="6865257" y="1944914"/>
+            <a:ext cx="4557486" cy="4195764"/>
+          </a:xfrm>
+          <a:prstGeom prst="rect">
+            <a:avLst/>
+          </a:prstGeom>
+        </p:spPr>
+        <p:txBody>
+          <a:bodyPr vert="horz" lIns="91440" tIns="45720" rIns="91440" bIns="45720" rtlCol="0">
+            <a:normAutofit/>
+          </a:bodyPr>
+          <a:lstStyle>
+            <a:lvl1pPr marL="228600" indent="-228600" algn="l" defTabSz="914400" rtl="0" eaLnBrk="1" latinLnBrk="0" hangingPunct="1">
+              <a:lnSpc>
+                <a:spcPct val="90000"/>
+              </a:lnSpc>
+              <a:spcBef>
+                <a:spcPts val="1000"/>
+              </a:spcBef>
+              <a:buFont typeface="Arial" panose="020B0604020202020204" pitchFamily="34" charset="0"/>
+              <a:buChar char="•"/>
+              <a:defRPr sz="2800" kern="1200">
+                <a:solidFill>
+                  <a:schemeClr val="tx1"/>
+                </a:solidFill>
+                <a:latin typeface="+mn-lt"/>
+                <a:ea typeface="+mn-ea"/>
+                <a:cs typeface="+mn-cs"/>
+              </a:defRPr>
+            </a:lvl1pPr>
+            <a:lvl2pPr marL="685800" indent="-228600" algn="l" defTabSz="914400" rtl="0" eaLnBrk="1" latinLnBrk="0" hangingPunct="1">
+              <a:lnSpc>
+                <a:spcPct val="90000"/>
+              </a:lnSpc>
+              <a:spcBef>
+                <a:spcPts val="500"/>
+              </a:spcBef>
+              <a:buFont typeface="Arial" panose="020B0604020202020204" pitchFamily="34" charset="0"/>
+              <a:buChar char="•"/>
+              <a:defRPr sz="2400" kern="1200">
+                <a:solidFill>
+                  <a:schemeClr val="tx1"/>
+                </a:solidFill>
+                <a:latin typeface="+mn-lt"/>
+                <a:ea typeface="+mn-ea"/>
+                <a:cs typeface="+mn-cs"/>
+              </a:defRPr>
+            </a:lvl2pPr>
+            <a:lvl3pPr marL="1143000" indent="-228600" algn="l" defTabSz="914400" rtl="0" eaLnBrk="1" latinLnBrk="0" hangingPunct="1">
+              <a:lnSpc>
+                <a:spcPct val="90000"/>
+              </a:lnSpc>
+              <a:spcBef>
+                <a:spcPts val="500"/>
+              </a:spcBef>
+              <a:buFont typeface="Arial" panose="020B0604020202020204" pitchFamily="34" charset="0"/>
+              <a:buChar char="•"/>
+              <a:defRPr sz="2000" kern="1200">
+                <a:solidFill>
+                  <a:schemeClr val="tx1"/>
+                </a:solidFill>
+                <a:latin typeface="+mn-lt"/>
+                <a:ea typeface="+mn-ea"/>
+                <a:cs typeface="+mn-cs"/>
+              </a:defRPr>
+            </a:lvl3pPr>
+            <a:lvl4pPr marL="1600200" indent="-228600" algn="l" defTabSz="914400" rtl="0" eaLnBrk="1" latinLnBrk="0" hangingPunct="1">
+              <a:lnSpc>
+                <a:spcPct val="90000"/>
+              </a:lnSpc>
+              <a:spcBef>
+                <a:spcPts val="500"/>
+              </a:spcBef>
+              <a:buFont typeface="Arial" panose="020B0604020202020204" pitchFamily="34" charset="0"/>
+              <a:buChar char="•"/>
+              <a:defRPr sz="1800" kern="1200">
+                <a:solidFill>
+                  <a:schemeClr val="tx1"/>
+                </a:solidFill>
+                <a:latin typeface="+mn-lt"/>
+                <a:ea typeface="+mn-ea"/>
+                <a:cs typeface="+mn-cs"/>
+              </a:defRPr>
+            </a:lvl4pPr>
+            <a:lvl5pPr marL="2057400" indent="-228600" algn="l" defTabSz="914400" rtl="0" eaLnBrk="1" latinLnBrk="0" hangingPunct="1">
+              <a:lnSpc>
+                <a:spcPct val="90000"/>
+              </a:lnSpc>
+              <a:spcBef>
+                <a:spcPts val="500"/>
+              </a:spcBef>
+              <a:buFont typeface="Arial" panose="020B0604020202020204" pitchFamily="34" charset="0"/>
+              <a:buChar char="•"/>
+              <a:defRPr sz="1800" kern="1200">
+                <a:solidFill>
+                  <a:schemeClr val="tx1"/>
+                </a:solidFill>
+                <a:latin typeface="+mn-lt"/>
+                <a:ea typeface="+mn-ea"/>
+                <a:cs typeface="+mn-cs"/>
+              </a:defRPr>
+            </a:lvl5pPr>
+            <a:lvl6pPr marL="2514600" indent="-228600" algn="l" defTabSz="914400" rtl="0" eaLnBrk="1" latinLnBrk="0" hangingPunct="1">
+              <a:lnSpc>
+                <a:spcPct val="90000"/>
+              </a:lnSpc>
+              <a:spcBef>
+                <a:spcPts val="500"/>
+              </a:spcBef>
+              <a:buFont typeface="Arial" panose="020B0604020202020204" pitchFamily="34" charset="0"/>
+              <a:buChar char="•"/>
+              <a:defRPr sz="1800" kern="1200">
+                <a:solidFill>
+                  <a:schemeClr val="tx1"/>
+                </a:solidFill>
+                <a:latin typeface="+mn-lt"/>
+                <a:ea typeface="+mn-ea"/>
+                <a:cs typeface="+mn-cs"/>
+              </a:defRPr>
+            </a:lvl6pPr>
+            <a:lvl7pPr marL="2971800" indent="-228600" algn="l" defTabSz="914400" rtl="0" eaLnBrk="1" latinLnBrk="0" hangingPunct="1">
+              <a:lnSpc>
+                <a:spcPct val="90000"/>
+              </a:lnSpc>
+              <a:spcBef>
+                <a:spcPts val="500"/>
+              </a:spcBef>
+              <a:buFont typeface="Arial" panose="020B0604020202020204" pitchFamily="34" charset="0"/>
+              <a:buChar char="•"/>
+              <a:defRPr sz="1800" kern="1200">
+                <a:solidFill>
+                  <a:schemeClr val="tx1"/>
+                </a:solidFill>
+                <a:latin typeface="+mn-lt"/>
+                <a:ea typeface="+mn-ea"/>
+                <a:cs typeface="+mn-cs"/>
+              </a:defRPr>
+            </a:lvl7pPr>
+            <a:lvl8pPr marL="3429000" indent="-228600" algn="l" defTabSz="914400" rtl="0" eaLnBrk="1" latinLnBrk="0" hangingPunct="1">
+              <a:lnSpc>
+                <a:spcPct val="90000"/>
+              </a:lnSpc>
+              <a:spcBef>
+                <a:spcPts val="500"/>
+              </a:spcBef>
+              <a:buFont typeface="Arial" panose="020B0604020202020204" pitchFamily="34" charset="0"/>
+              <a:buChar char="•"/>
+              <a:defRPr sz="1800" kern="1200">
+                <a:solidFill>
+                  <a:schemeClr val="tx1"/>
+                </a:solidFill>
+                <a:latin typeface="+mn-lt"/>
+                <a:ea typeface="+mn-ea"/>
+                <a:cs typeface="+mn-cs"/>
+              </a:defRPr>
+            </a:lvl8pPr>
+            <a:lvl9pPr marL="3886200" indent="-228600" algn="l" defTabSz="914400" rtl="0" eaLnBrk="1" latinLnBrk="0" hangingPunct="1">
+              <a:lnSpc>
+                <a:spcPct val="90000"/>
+              </a:lnSpc>
+              <a:spcBef>
+                <a:spcPts val="500"/>
+              </a:spcBef>
+              <a:buFont typeface="Arial" panose="020B0604020202020204" pitchFamily="34" charset="0"/>
+              <a:buChar char="•"/>
+              <a:defRPr sz="1800" kern="1200">
+                <a:solidFill>
+                  <a:schemeClr val="tx1"/>
+                </a:solidFill>
+                <a:latin typeface="+mn-lt"/>
+                <a:ea typeface="+mn-ea"/>
+                <a:cs typeface="+mn-cs"/>
+              </a:defRPr>
+            </a:lvl9pPr>
+          </a:lstStyle>
+          <a:p>
+            <a:r>
+              <a:rPr lang="en-US" sz="1600"/>
+              <a:t>Padding-top</a:t>
+            </a:r>
+            <a:r>
+              <a:rPr lang="en-US" sz="1600" dirty="0"/>
+              <a:t>:10px</a:t>
+            </a:r>
+          </a:p>
+          <a:p>
+            <a:r>
+              <a:rPr lang="en-US" sz="1600"/>
+              <a:t>Padding-right</a:t>
+            </a:r>
+            <a:r>
+              <a:rPr lang="en-US" sz="1600" dirty="0"/>
+              <a:t>: 10px</a:t>
+            </a:r>
+          </a:p>
+          <a:p>
+            <a:r>
+              <a:rPr lang="en-US" sz="1600"/>
+              <a:t>Padding-bottom</a:t>
+            </a:r>
+            <a:r>
+              <a:rPr lang="en-US" sz="1600" dirty="0"/>
+              <a:t>: 10px</a:t>
+            </a:r>
+          </a:p>
+          <a:p>
+            <a:r>
+              <a:rPr lang="en-US" sz="1600"/>
+              <a:t>Padding-left</a:t>
+            </a:r>
+            <a:r>
+              <a:rPr lang="en-US" sz="1600" dirty="0"/>
+              <a:t>: 10px</a:t>
+            </a:r>
+          </a:p>
+          <a:p>
+            <a:endParaRPr lang="en-US" sz="1600" dirty="0">
+              <a:solidFill>
+                <a:srgbClr val="FF0000"/>
+              </a:solidFill>
+            </a:endParaRPr>
+          </a:p>
+          <a:p>
+            <a:pPr marL="0" indent="0">
+              <a:buNone/>
+            </a:pPr>
+            <a:r>
+              <a:rPr lang="en-US" sz="1600">
+                <a:solidFill>
+                  <a:srgbClr val="FF0000"/>
+                </a:solidFill>
+              </a:rPr>
+              <a:t>Padding: </a:t>
+            </a:r>
+            <a:r>
+              <a:rPr lang="en-US" sz="1600" dirty="0">
+                <a:solidFill>
+                  <a:srgbClr val="FF0000"/>
+                </a:solidFill>
+              </a:rPr>
+              <a:t>10px</a:t>
+            </a:r>
+          </a:p>
+          <a:p>
+            <a:r>
+              <a:rPr lang="en-US" sz="1600"/>
+              <a:t>Padding-top</a:t>
+            </a:r>
+            <a:r>
+              <a:rPr lang="en-US" sz="1600" dirty="0"/>
+              <a:t>:10px</a:t>
+            </a:r>
+          </a:p>
+          <a:p>
+            <a:r>
+              <a:rPr lang="en-US" sz="1600"/>
+              <a:t>Padding-right</a:t>
+            </a:r>
+            <a:r>
+              <a:rPr lang="en-US" sz="1600" dirty="0"/>
+              <a:t>: 20px</a:t>
+            </a:r>
+          </a:p>
+          <a:p>
+            <a:r>
+              <a:rPr lang="en-US" sz="1600"/>
+              <a:t>Padding-bottom</a:t>
+            </a:r>
+            <a:r>
+              <a:rPr lang="en-US" sz="1600" dirty="0"/>
+              <a:t>: 15px</a:t>
+            </a:r>
+          </a:p>
+          <a:p>
+            <a:r>
+              <a:rPr lang="en-US" sz="1600"/>
+              <a:t>Padding-left</a:t>
+            </a:r>
+            <a:r>
+              <a:rPr lang="en-US" sz="1600" dirty="0"/>
+              <a:t>: 25px</a:t>
+            </a:r>
+          </a:p>
+          <a:p>
+            <a:endParaRPr lang="en-US" sz="1600" dirty="0">
+              <a:solidFill>
+                <a:srgbClr val="FF0000"/>
+              </a:solidFill>
+            </a:endParaRPr>
+          </a:p>
+          <a:p>
+            <a:pPr marL="0" indent="0">
+              <a:buNone/>
+            </a:pPr>
+            <a:r>
+              <a:rPr lang="en-US" sz="1600">
+                <a:solidFill>
+                  <a:srgbClr val="FF0000"/>
+                </a:solidFill>
+              </a:rPr>
+              <a:t>Padding: </a:t>
+            </a:r>
+            <a:r>
+              <a:rPr lang="en-US" sz="1600" dirty="0">
+                <a:solidFill>
+                  <a:srgbClr val="FF0000"/>
+                </a:solidFill>
+              </a:rPr>
+              <a:t>10px 20px 15px 25px;</a:t>
+            </a:r>
+          </a:p>
+          <a:p>
+            <a:pPr marL="0" indent="0">
+              <a:buNone/>
+            </a:pPr>
+            <a:endParaRPr lang="en-US" sz="1600" dirty="0">
+              <a:solidFill>
+                <a:srgbClr val="FF0000"/>
+              </a:solidFill>
+            </a:endParaRPr>
+          </a:p>
+        </p:txBody>
+      </p:sp>
+    </p:spTree>
+    <p:extLst>
+      <p:ext uri="{BB962C8B-B14F-4D97-AF65-F5344CB8AC3E}">
+        <p14:creationId xmlns:p14="http://schemas.microsoft.com/office/powerpoint/2010/main" val="3682188700"/>
+      </p:ext>
+    </p:extLst>
+  </p:cSld>
+  <p:clrMapOvr>
+    <a:masterClrMapping/>
+  </p:clrMapOvr>
+</p:sld>
+</file>
+
+<file path=ppt/slides/slide19.xml><?xml version="1.0" encoding="utf-8"?>
+<p:sld xmlns:a="http://schemas.openxmlformats.org/drawingml/2006/main" xmlns:r="http://schemas.openxmlformats.org/officeDocument/2006/relationships" xmlns:p="http://schemas.openxmlformats.org/presentationml/2006/main">
+  <p:cSld>
+    <p:spTree>
+      <p:nvGrpSpPr>
+        <p:cNvPr id="1" name=""/>
+        <p:cNvGrpSpPr/>
+        <p:nvPr/>
+      </p:nvGrpSpPr>
+      <p:grpSpPr>
+        <a:xfrm>
+          <a:off x="0" y="0"/>
+          <a:ext cx="0" cy="0"/>
+          <a:chOff x="0" y="0"/>
+          <a:chExt cx="0" cy="0"/>
+        </a:xfrm>
+      </p:grpSpPr>
+      <p:sp>
+        <p:nvSpPr>
+          <p:cNvPr id="4" name="Title 1">
+            <a:extLst>
+              <a:ext uri="{FF2B5EF4-FFF2-40B4-BE49-F238E27FC236}">
+                <a16:creationId xmlns:a16="http://schemas.microsoft.com/office/drawing/2014/main" id="{74F04A4E-C7B2-EC6F-C2B4-5B63D1514F4D}"/>
+              </a:ext>
+            </a:extLst>
+          </p:cNvPr>
+          <p:cNvSpPr txBox="1">
+            <a:spLocks/>
+          </p:cNvSpPr>
+          <p:nvPr/>
+        </p:nvSpPr>
+        <p:spPr>
+          <a:xfrm>
+            <a:off x="838200" y="322716"/>
+            <a:ext cx="5257800" cy="1325563"/>
+          </a:xfrm>
+          <a:prstGeom prst="rect">
+            <a:avLst/>
+          </a:prstGeom>
+        </p:spPr>
+        <p:txBody>
+          <a:bodyPr vert="horz" lIns="91440" tIns="45720" rIns="91440" bIns="45720" rtlCol="0" anchor="ctr">
+            <a:normAutofit/>
+          </a:bodyPr>
+          <a:lstStyle>
+            <a:lvl1pPr algn="l" defTabSz="914400" rtl="0" eaLnBrk="1" latinLnBrk="0" hangingPunct="1">
+              <a:lnSpc>
+                <a:spcPct val="90000"/>
+              </a:lnSpc>
+              <a:spcBef>
+                <a:spcPct val="0"/>
+              </a:spcBef>
+              <a:buNone/>
+              <a:defRPr sz="4400" kern="1200">
+                <a:solidFill>
+                  <a:schemeClr val="tx1"/>
+                </a:solidFill>
+                <a:latin typeface="+mj-lt"/>
+                <a:ea typeface="+mj-ea"/>
+                <a:cs typeface="+mj-cs"/>
+              </a:defRPr>
+            </a:lvl1pPr>
+          </a:lstStyle>
+          <a:p>
+            <a:r>
+              <a:rPr lang="en-US" sz="4000" dirty="0"/>
+              <a:t>CSS Margin Properties</a:t>
+            </a:r>
+          </a:p>
+        </p:txBody>
+      </p:sp>
+      <p:sp>
+        <p:nvSpPr>
+          <p:cNvPr id="5" name="Content Placeholder 2">
+            <a:extLst>
+              <a:ext uri="{FF2B5EF4-FFF2-40B4-BE49-F238E27FC236}">
+                <a16:creationId xmlns:a16="http://schemas.microsoft.com/office/drawing/2014/main" id="{8E747B09-26D8-82D8-EF95-51D64AD2EC9C}"/>
+              </a:ext>
+            </a:extLst>
+          </p:cNvPr>
+          <p:cNvSpPr txBox="1">
+            <a:spLocks/>
+          </p:cNvSpPr>
+          <p:nvPr/>
+        </p:nvSpPr>
+        <p:spPr>
+          <a:xfrm>
+            <a:off x="1048657" y="1789340"/>
+            <a:ext cx="2454729" cy="4351338"/>
+          </a:xfrm>
+          <a:prstGeom prst="rect">
+            <a:avLst/>
+          </a:prstGeom>
+        </p:spPr>
+        <p:txBody>
+          <a:bodyPr vert="horz" lIns="91440" tIns="45720" rIns="91440" bIns="45720" rtlCol="0">
+            <a:normAutofit/>
+          </a:bodyPr>
+          <a:lstStyle>
+            <a:lvl1pPr marL="228600" indent="-228600" algn="l" defTabSz="914400" rtl="0" eaLnBrk="1" latinLnBrk="0" hangingPunct="1">
+              <a:lnSpc>
+                <a:spcPct val="90000"/>
+              </a:lnSpc>
+              <a:spcBef>
+                <a:spcPts val="1000"/>
+              </a:spcBef>
+              <a:buFont typeface="Arial" panose="020B0604020202020204" pitchFamily="34" charset="0"/>
+              <a:buChar char="•"/>
+              <a:defRPr sz="2800" kern="1200">
+                <a:solidFill>
+                  <a:schemeClr val="tx1"/>
+                </a:solidFill>
+                <a:latin typeface="+mn-lt"/>
+                <a:ea typeface="+mn-ea"/>
+                <a:cs typeface="+mn-cs"/>
+              </a:defRPr>
+            </a:lvl1pPr>
+            <a:lvl2pPr marL="685800" indent="-228600" algn="l" defTabSz="914400" rtl="0" eaLnBrk="1" latinLnBrk="0" hangingPunct="1">
+              <a:lnSpc>
+                <a:spcPct val="90000"/>
+              </a:lnSpc>
+              <a:spcBef>
+                <a:spcPts val="500"/>
+              </a:spcBef>
+              <a:buFont typeface="Arial" panose="020B0604020202020204" pitchFamily="34" charset="0"/>
+              <a:buChar char="•"/>
+              <a:defRPr sz="2400" kern="1200">
+                <a:solidFill>
+                  <a:schemeClr val="tx1"/>
+                </a:solidFill>
+                <a:latin typeface="+mn-lt"/>
+                <a:ea typeface="+mn-ea"/>
+                <a:cs typeface="+mn-cs"/>
+              </a:defRPr>
+            </a:lvl2pPr>
+            <a:lvl3pPr marL="1143000" indent="-228600" algn="l" defTabSz="914400" rtl="0" eaLnBrk="1" latinLnBrk="0" hangingPunct="1">
+              <a:lnSpc>
+                <a:spcPct val="90000"/>
+              </a:lnSpc>
+              <a:spcBef>
+                <a:spcPts val="500"/>
+              </a:spcBef>
+              <a:buFont typeface="Arial" panose="020B0604020202020204" pitchFamily="34" charset="0"/>
+              <a:buChar char="•"/>
+              <a:defRPr sz="2000" kern="1200">
+                <a:solidFill>
+                  <a:schemeClr val="tx1"/>
+                </a:solidFill>
+                <a:latin typeface="+mn-lt"/>
+                <a:ea typeface="+mn-ea"/>
+                <a:cs typeface="+mn-cs"/>
+              </a:defRPr>
+            </a:lvl3pPr>
+            <a:lvl4pPr marL="1600200" indent="-228600" algn="l" defTabSz="914400" rtl="0" eaLnBrk="1" latinLnBrk="0" hangingPunct="1">
+              <a:lnSpc>
+                <a:spcPct val="90000"/>
+              </a:lnSpc>
+              <a:spcBef>
+                <a:spcPts val="500"/>
+              </a:spcBef>
+              <a:buFont typeface="Arial" panose="020B0604020202020204" pitchFamily="34" charset="0"/>
+              <a:buChar char="•"/>
+              <a:defRPr sz="1800" kern="1200">
+                <a:solidFill>
+                  <a:schemeClr val="tx1"/>
+                </a:solidFill>
+                <a:latin typeface="+mn-lt"/>
+                <a:ea typeface="+mn-ea"/>
+                <a:cs typeface="+mn-cs"/>
+              </a:defRPr>
+            </a:lvl4pPr>
+            <a:lvl5pPr marL="2057400" indent="-228600" algn="l" defTabSz="914400" rtl="0" eaLnBrk="1" latinLnBrk="0" hangingPunct="1">
+              <a:lnSpc>
+                <a:spcPct val="90000"/>
+              </a:lnSpc>
+              <a:spcBef>
+                <a:spcPts val="500"/>
+              </a:spcBef>
+              <a:buFont typeface="Arial" panose="020B0604020202020204" pitchFamily="34" charset="0"/>
+              <a:buChar char="•"/>
+              <a:defRPr sz="1800" kern="1200">
+                <a:solidFill>
+                  <a:schemeClr val="tx1"/>
+                </a:solidFill>
+                <a:latin typeface="+mn-lt"/>
+                <a:ea typeface="+mn-ea"/>
+                <a:cs typeface="+mn-cs"/>
+              </a:defRPr>
+            </a:lvl5pPr>
+            <a:lvl6pPr marL="2514600" indent="-228600" algn="l" defTabSz="914400" rtl="0" eaLnBrk="1" latinLnBrk="0" hangingPunct="1">
+              <a:lnSpc>
+                <a:spcPct val="90000"/>
+              </a:lnSpc>
+              <a:spcBef>
+                <a:spcPts val="500"/>
+              </a:spcBef>
+              <a:buFont typeface="Arial" panose="020B0604020202020204" pitchFamily="34" charset="0"/>
+              <a:buChar char="•"/>
+              <a:defRPr sz="1800" kern="1200">
+                <a:solidFill>
+                  <a:schemeClr val="tx1"/>
+                </a:solidFill>
+                <a:latin typeface="+mn-lt"/>
+                <a:ea typeface="+mn-ea"/>
+                <a:cs typeface="+mn-cs"/>
+              </a:defRPr>
+            </a:lvl6pPr>
+            <a:lvl7pPr marL="2971800" indent="-228600" algn="l" defTabSz="914400" rtl="0" eaLnBrk="1" latinLnBrk="0" hangingPunct="1">
+              <a:lnSpc>
+                <a:spcPct val="90000"/>
+              </a:lnSpc>
+              <a:spcBef>
+                <a:spcPts val="500"/>
+              </a:spcBef>
+              <a:buFont typeface="Arial" panose="020B0604020202020204" pitchFamily="34" charset="0"/>
+              <a:buChar char="•"/>
+              <a:defRPr sz="1800" kern="1200">
+                <a:solidFill>
+                  <a:schemeClr val="tx1"/>
+                </a:solidFill>
+                <a:latin typeface="+mn-lt"/>
+                <a:ea typeface="+mn-ea"/>
+                <a:cs typeface="+mn-cs"/>
+              </a:defRPr>
+            </a:lvl7pPr>
+            <a:lvl8pPr marL="3429000" indent="-228600" algn="l" defTabSz="914400" rtl="0" eaLnBrk="1" latinLnBrk="0" hangingPunct="1">
+              <a:lnSpc>
+                <a:spcPct val="90000"/>
+              </a:lnSpc>
+              <a:spcBef>
+                <a:spcPts val="500"/>
+              </a:spcBef>
+              <a:buFont typeface="Arial" panose="020B0604020202020204" pitchFamily="34" charset="0"/>
+              <a:buChar char="•"/>
+              <a:defRPr sz="1800" kern="1200">
+                <a:solidFill>
+                  <a:schemeClr val="tx1"/>
+                </a:solidFill>
+                <a:latin typeface="+mn-lt"/>
+                <a:ea typeface="+mn-ea"/>
+                <a:cs typeface="+mn-cs"/>
+              </a:defRPr>
+            </a:lvl8pPr>
+            <a:lvl9pPr marL="3886200" indent="-228600" algn="l" defTabSz="914400" rtl="0" eaLnBrk="1" latinLnBrk="0" hangingPunct="1">
+              <a:lnSpc>
+                <a:spcPct val="90000"/>
+              </a:lnSpc>
+              <a:spcBef>
+                <a:spcPts val="500"/>
+              </a:spcBef>
+              <a:buFont typeface="Arial" panose="020B0604020202020204" pitchFamily="34" charset="0"/>
+              <a:buChar char="•"/>
+              <a:defRPr sz="1800" kern="1200">
+                <a:solidFill>
+                  <a:schemeClr val="tx1"/>
+                </a:solidFill>
+                <a:latin typeface="+mn-lt"/>
+                <a:ea typeface="+mn-ea"/>
+                <a:cs typeface="+mn-cs"/>
+              </a:defRPr>
+            </a:lvl9pPr>
+          </a:lstStyle>
+          <a:p>
+            <a:r>
+              <a:rPr lang="en-US" dirty="0"/>
+              <a:t>Margin-top</a:t>
+            </a:r>
+          </a:p>
+          <a:p>
+            <a:r>
+              <a:rPr lang="en-US" dirty="0"/>
+              <a:t>Margin-right</a:t>
+            </a:r>
+          </a:p>
+          <a:p>
+            <a:r>
+              <a:rPr lang="en-US" dirty="0"/>
+              <a:t>Margin-bottom</a:t>
+            </a:r>
+          </a:p>
+          <a:p>
+            <a:r>
+              <a:rPr lang="en-US" dirty="0"/>
+              <a:t>Margin-left</a:t>
+            </a:r>
+          </a:p>
+        </p:txBody>
+      </p:sp>
+      <p:sp>
+        <p:nvSpPr>
+          <p:cNvPr id="6" name="Title 1">
+            <a:extLst>
+              <a:ext uri="{FF2B5EF4-FFF2-40B4-BE49-F238E27FC236}">
+                <a16:creationId xmlns:a16="http://schemas.microsoft.com/office/drawing/2014/main" id="{909C4A34-C119-17F5-DF76-E5B36070E02F}"/>
+              </a:ext>
+            </a:extLst>
+          </p:cNvPr>
+          <p:cNvSpPr txBox="1">
+            <a:spLocks/>
+          </p:cNvSpPr>
+          <p:nvPr/>
+        </p:nvSpPr>
+        <p:spPr>
+          <a:xfrm>
+            <a:off x="6684737" y="1198336"/>
+            <a:ext cx="4084864" cy="391886"/>
+          </a:xfrm>
+          <a:prstGeom prst="rect">
+            <a:avLst/>
+          </a:prstGeom>
+        </p:spPr>
+        <p:txBody>
+          <a:bodyPr vert="horz" lIns="91440" tIns="45720" rIns="91440" bIns="45720" rtlCol="0" anchor="ctr">
+            <a:normAutofit fontScale="77500" lnSpcReduction="20000"/>
+          </a:bodyPr>
+          <a:lstStyle>
+            <a:lvl1pPr algn="l" defTabSz="914400" rtl="0" eaLnBrk="1" latinLnBrk="0" hangingPunct="1">
+              <a:lnSpc>
+                <a:spcPct val="90000"/>
+              </a:lnSpc>
+              <a:spcBef>
+                <a:spcPct val="0"/>
+              </a:spcBef>
+              <a:buNone/>
+              <a:defRPr sz="4400" kern="1200">
+                <a:solidFill>
+                  <a:schemeClr val="tx1"/>
+                </a:solidFill>
+                <a:latin typeface="+mj-lt"/>
+                <a:ea typeface="+mj-ea"/>
+                <a:cs typeface="+mj-cs"/>
+              </a:defRPr>
+            </a:lvl1pPr>
+          </a:lstStyle>
+          <a:p>
+            <a:r>
+              <a:rPr lang="en-US" sz="3200" dirty="0"/>
+              <a:t>CSS Margin Shorthand</a:t>
+            </a:r>
+          </a:p>
+        </p:txBody>
+      </p:sp>
+      <p:sp>
+        <p:nvSpPr>
+          <p:cNvPr id="7" name="Content Placeholder 2">
+            <a:extLst>
+              <a:ext uri="{FF2B5EF4-FFF2-40B4-BE49-F238E27FC236}">
+                <a16:creationId xmlns:a16="http://schemas.microsoft.com/office/drawing/2014/main" id="{4FAD724A-4890-89C3-3124-961B9DB5A450}"/>
+              </a:ext>
+            </a:extLst>
+          </p:cNvPr>
+          <p:cNvSpPr txBox="1">
+            <a:spLocks/>
+          </p:cNvSpPr>
+          <p:nvPr/>
+        </p:nvSpPr>
+        <p:spPr>
+          <a:xfrm>
+            <a:off x="6865257" y="1944914"/>
+            <a:ext cx="4557486" cy="4195764"/>
+          </a:xfrm>
+          <a:prstGeom prst="rect">
+            <a:avLst/>
+          </a:prstGeom>
+        </p:spPr>
+        <p:txBody>
+          <a:bodyPr vert="horz" lIns="91440" tIns="45720" rIns="91440" bIns="45720" rtlCol="0">
+            <a:normAutofit/>
+          </a:bodyPr>
+          <a:lstStyle>
+            <a:lvl1pPr marL="228600" indent="-228600" algn="l" defTabSz="914400" rtl="0" eaLnBrk="1" latinLnBrk="0" hangingPunct="1">
+              <a:lnSpc>
+                <a:spcPct val="90000"/>
+              </a:lnSpc>
+              <a:spcBef>
+                <a:spcPts val="1000"/>
+              </a:spcBef>
+              <a:buFont typeface="Arial" panose="020B0604020202020204" pitchFamily="34" charset="0"/>
+              <a:buChar char="•"/>
+              <a:defRPr sz="2800" kern="1200">
+                <a:solidFill>
+                  <a:schemeClr val="tx1"/>
+                </a:solidFill>
+                <a:latin typeface="+mn-lt"/>
+                <a:ea typeface="+mn-ea"/>
+                <a:cs typeface="+mn-cs"/>
+              </a:defRPr>
+            </a:lvl1pPr>
+            <a:lvl2pPr marL="685800" indent="-228600" algn="l" defTabSz="914400" rtl="0" eaLnBrk="1" latinLnBrk="0" hangingPunct="1">
+              <a:lnSpc>
+                <a:spcPct val="90000"/>
+              </a:lnSpc>
+              <a:spcBef>
+                <a:spcPts val="500"/>
+              </a:spcBef>
+              <a:buFont typeface="Arial" panose="020B0604020202020204" pitchFamily="34" charset="0"/>
+              <a:buChar char="•"/>
+              <a:defRPr sz="2400" kern="1200">
+                <a:solidFill>
+                  <a:schemeClr val="tx1"/>
+                </a:solidFill>
+                <a:latin typeface="+mn-lt"/>
+                <a:ea typeface="+mn-ea"/>
+                <a:cs typeface="+mn-cs"/>
+              </a:defRPr>
+            </a:lvl2pPr>
+            <a:lvl3pPr marL="1143000" indent="-228600" algn="l" defTabSz="914400" rtl="0" eaLnBrk="1" latinLnBrk="0" hangingPunct="1">
+              <a:lnSpc>
+                <a:spcPct val="90000"/>
+              </a:lnSpc>
+              <a:spcBef>
+                <a:spcPts val="500"/>
+              </a:spcBef>
+              <a:buFont typeface="Arial" panose="020B0604020202020204" pitchFamily="34" charset="0"/>
+              <a:buChar char="•"/>
+              <a:defRPr sz="2000" kern="1200">
+                <a:solidFill>
+                  <a:schemeClr val="tx1"/>
+                </a:solidFill>
+                <a:latin typeface="+mn-lt"/>
+                <a:ea typeface="+mn-ea"/>
+                <a:cs typeface="+mn-cs"/>
+              </a:defRPr>
+            </a:lvl3pPr>
+            <a:lvl4pPr marL="1600200" indent="-228600" algn="l" defTabSz="914400" rtl="0" eaLnBrk="1" latinLnBrk="0" hangingPunct="1">
+              <a:lnSpc>
+                <a:spcPct val="90000"/>
+              </a:lnSpc>
+              <a:spcBef>
+                <a:spcPts val="500"/>
+              </a:spcBef>
+              <a:buFont typeface="Arial" panose="020B0604020202020204" pitchFamily="34" charset="0"/>
+              <a:buChar char="•"/>
+              <a:defRPr sz="1800" kern="1200">
+                <a:solidFill>
+                  <a:schemeClr val="tx1"/>
+                </a:solidFill>
+                <a:latin typeface="+mn-lt"/>
+                <a:ea typeface="+mn-ea"/>
+                <a:cs typeface="+mn-cs"/>
+              </a:defRPr>
+            </a:lvl4pPr>
+            <a:lvl5pPr marL="2057400" indent="-228600" algn="l" defTabSz="914400" rtl="0" eaLnBrk="1" latinLnBrk="0" hangingPunct="1">
+              <a:lnSpc>
+                <a:spcPct val="90000"/>
+              </a:lnSpc>
+              <a:spcBef>
+                <a:spcPts val="500"/>
+              </a:spcBef>
+              <a:buFont typeface="Arial" panose="020B0604020202020204" pitchFamily="34" charset="0"/>
+              <a:buChar char="•"/>
+              <a:defRPr sz="1800" kern="1200">
+                <a:solidFill>
+                  <a:schemeClr val="tx1"/>
+                </a:solidFill>
+                <a:latin typeface="+mn-lt"/>
+                <a:ea typeface="+mn-ea"/>
+                <a:cs typeface="+mn-cs"/>
+              </a:defRPr>
+            </a:lvl5pPr>
+            <a:lvl6pPr marL="2514600" indent="-228600" algn="l" defTabSz="914400" rtl="0" eaLnBrk="1" latinLnBrk="0" hangingPunct="1">
+              <a:lnSpc>
+                <a:spcPct val="90000"/>
+              </a:lnSpc>
+              <a:spcBef>
+                <a:spcPts val="500"/>
+              </a:spcBef>
+              <a:buFont typeface="Arial" panose="020B0604020202020204" pitchFamily="34" charset="0"/>
+              <a:buChar char="•"/>
+              <a:defRPr sz="1800" kern="1200">
+                <a:solidFill>
+                  <a:schemeClr val="tx1"/>
+                </a:solidFill>
+                <a:latin typeface="+mn-lt"/>
+                <a:ea typeface="+mn-ea"/>
+                <a:cs typeface="+mn-cs"/>
+              </a:defRPr>
+            </a:lvl6pPr>
+            <a:lvl7pPr marL="2971800" indent="-228600" algn="l" defTabSz="914400" rtl="0" eaLnBrk="1" latinLnBrk="0" hangingPunct="1">
+              <a:lnSpc>
+                <a:spcPct val="90000"/>
+              </a:lnSpc>
+              <a:spcBef>
+                <a:spcPts val="500"/>
+              </a:spcBef>
+              <a:buFont typeface="Arial" panose="020B0604020202020204" pitchFamily="34" charset="0"/>
+              <a:buChar char="•"/>
+              <a:defRPr sz="1800" kern="1200">
+                <a:solidFill>
+                  <a:schemeClr val="tx1"/>
+                </a:solidFill>
+                <a:latin typeface="+mn-lt"/>
+                <a:ea typeface="+mn-ea"/>
+                <a:cs typeface="+mn-cs"/>
+              </a:defRPr>
+            </a:lvl7pPr>
+            <a:lvl8pPr marL="3429000" indent="-228600" algn="l" defTabSz="914400" rtl="0" eaLnBrk="1" latinLnBrk="0" hangingPunct="1">
+              <a:lnSpc>
+                <a:spcPct val="90000"/>
+              </a:lnSpc>
+              <a:spcBef>
+                <a:spcPts val="500"/>
+              </a:spcBef>
+              <a:buFont typeface="Arial" panose="020B0604020202020204" pitchFamily="34" charset="0"/>
+              <a:buChar char="•"/>
+              <a:defRPr sz="1800" kern="1200">
+                <a:solidFill>
+                  <a:schemeClr val="tx1"/>
+                </a:solidFill>
+                <a:latin typeface="+mn-lt"/>
+                <a:ea typeface="+mn-ea"/>
+                <a:cs typeface="+mn-cs"/>
+              </a:defRPr>
+            </a:lvl8pPr>
+            <a:lvl9pPr marL="3886200" indent="-228600" algn="l" defTabSz="914400" rtl="0" eaLnBrk="1" latinLnBrk="0" hangingPunct="1">
+              <a:lnSpc>
+                <a:spcPct val="90000"/>
+              </a:lnSpc>
+              <a:spcBef>
+                <a:spcPts val="500"/>
+              </a:spcBef>
+              <a:buFont typeface="Arial" panose="020B0604020202020204" pitchFamily="34" charset="0"/>
+              <a:buChar char="•"/>
+              <a:defRPr sz="1800" kern="1200">
+                <a:solidFill>
+                  <a:schemeClr val="tx1"/>
+                </a:solidFill>
+                <a:latin typeface="+mn-lt"/>
+                <a:ea typeface="+mn-ea"/>
+                <a:cs typeface="+mn-cs"/>
+              </a:defRPr>
+            </a:lvl9pPr>
+          </a:lstStyle>
+          <a:p>
+            <a:r>
+              <a:rPr lang="en-US" sz="1600" dirty="0"/>
+              <a:t>Margin-top:10px</a:t>
+            </a:r>
+          </a:p>
+          <a:p>
+            <a:r>
+              <a:rPr lang="en-US" sz="1600" dirty="0"/>
+              <a:t>Margin-right: 10px</a:t>
+            </a:r>
+          </a:p>
+          <a:p>
+            <a:r>
+              <a:rPr lang="en-US" sz="1600" dirty="0"/>
+              <a:t>Margin-bottom: 10px</a:t>
+            </a:r>
+          </a:p>
+          <a:p>
+            <a:r>
+              <a:rPr lang="en-US" sz="1600" dirty="0"/>
+              <a:t>Margin-left: 10px</a:t>
+            </a:r>
+          </a:p>
+          <a:p>
+            <a:endParaRPr lang="en-US" sz="1600" dirty="0">
+              <a:solidFill>
+                <a:srgbClr val="FF0000"/>
+              </a:solidFill>
+            </a:endParaRPr>
+          </a:p>
+          <a:p>
+            <a:pPr marL="0" indent="0">
+              <a:buNone/>
+            </a:pPr>
+            <a:r>
+              <a:rPr lang="en-US" sz="1600" dirty="0"/>
+              <a:t>Margin</a:t>
+            </a:r>
+            <a:r>
+              <a:rPr lang="en-US" sz="1600" dirty="0">
+                <a:solidFill>
+                  <a:srgbClr val="FF0000"/>
+                </a:solidFill>
+              </a:rPr>
+              <a:t>: 10px</a:t>
+            </a:r>
+          </a:p>
+          <a:p>
+            <a:r>
+              <a:rPr lang="en-US" sz="1600" dirty="0"/>
+              <a:t>Margin-top:10px</a:t>
+            </a:r>
+          </a:p>
+          <a:p>
+            <a:r>
+              <a:rPr lang="en-US" sz="1600" dirty="0"/>
+              <a:t>Margin-right: 20px</a:t>
+            </a:r>
+          </a:p>
+          <a:p>
+            <a:r>
+              <a:rPr lang="en-US" sz="1600" dirty="0"/>
+              <a:t>Margin-bottom: 15px</a:t>
+            </a:r>
+          </a:p>
+          <a:p>
+            <a:r>
+              <a:rPr lang="en-US" sz="1600" dirty="0"/>
+              <a:t>Margin-left: 25px</a:t>
+            </a:r>
+          </a:p>
+          <a:p>
+            <a:endParaRPr lang="en-US" sz="1600" dirty="0">
+              <a:solidFill>
+                <a:srgbClr val="FF0000"/>
+              </a:solidFill>
+            </a:endParaRPr>
+          </a:p>
+          <a:p>
+            <a:pPr marL="0" indent="0">
+              <a:buNone/>
+            </a:pPr>
+            <a:r>
+              <a:rPr lang="en-US" sz="1600" dirty="0"/>
+              <a:t>Margin</a:t>
+            </a:r>
+            <a:r>
+              <a:rPr lang="en-US" sz="1600" dirty="0">
+                <a:solidFill>
+                  <a:srgbClr val="FF0000"/>
+                </a:solidFill>
+              </a:rPr>
+              <a:t> 10px 20px 15px 25px;</a:t>
+            </a:r>
+          </a:p>
+          <a:p>
+            <a:pPr marL="0" indent="0">
+              <a:buNone/>
+            </a:pPr>
+            <a:endParaRPr lang="en-US" sz="1600" dirty="0">
+              <a:solidFill>
+                <a:srgbClr val="FF0000"/>
+              </a:solidFill>
+            </a:endParaRPr>
+          </a:p>
+        </p:txBody>
+      </p:sp>
+    </p:spTree>
+    <p:extLst>
+      <p:ext uri="{BB962C8B-B14F-4D97-AF65-F5344CB8AC3E}">
+        <p14:creationId xmlns:p14="http://schemas.microsoft.com/office/powerpoint/2010/main" val="634899857"/>
       </p:ext>
     </p:extLst>
   </p:cSld>
@@ -4480,6 +6463,86 @@
     <p:extLst>
       <p:ext uri="{BB962C8B-B14F-4D97-AF65-F5344CB8AC3E}">
         <p14:creationId xmlns:p14="http://schemas.microsoft.com/office/powerpoint/2010/main" val="3203356797"/>
+      </p:ext>
+    </p:extLst>
+  </p:cSld>
+  <p:clrMapOvr>
+    <a:masterClrMapping/>
+  </p:clrMapOvr>
+</p:sld>
+</file>
+
+<file path=ppt/slides/slide20.xml><?xml version="1.0" encoding="utf-8"?>
+<p:sld xmlns:a="http://schemas.openxmlformats.org/drawingml/2006/main" xmlns:r="http://schemas.openxmlformats.org/officeDocument/2006/relationships" xmlns:p="http://schemas.openxmlformats.org/presentationml/2006/main">
+  <p:cSld>
+    <p:spTree>
+      <p:nvGrpSpPr>
+        <p:cNvPr id="1" name=""/>
+        <p:cNvGrpSpPr/>
+        <p:nvPr/>
+      </p:nvGrpSpPr>
+      <p:grpSpPr>
+        <a:xfrm>
+          <a:off x="0" y="0"/>
+          <a:ext cx="0" cy="0"/>
+          <a:chOff x="0" y="0"/>
+          <a:chExt cx="0" cy="0"/>
+        </a:xfrm>
+      </p:grpSpPr>
+      <p:sp>
+        <p:nvSpPr>
+          <p:cNvPr id="2" name="Title 1">
+            <a:extLst>
+              <a:ext uri="{FF2B5EF4-FFF2-40B4-BE49-F238E27FC236}">
+                <a16:creationId xmlns:a16="http://schemas.microsoft.com/office/drawing/2014/main" id="{B376CFCA-4D18-15C1-7B5C-A9F19EB6E88E}"/>
+              </a:ext>
+            </a:extLst>
+          </p:cNvPr>
+          <p:cNvSpPr>
+            <a:spLocks noGrp="1"/>
+          </p:cNvSpPr>
+          <p:nvPr>
+            <p:ph type="title"/>
+          </p:nvPr>
+        </p:nvSpPr>
+        <p:spPr/>
+        <p:txBody>
+          <a:bodyPr/>
+          <a:lstStyle/>
+          <a:p>
+            <a:endParaRPr lang="en-US"/>
+          </a:p>
+        </p:txBody>
+      </p:sp>
+      <p:sp>
+        <p:nvSpPr>
+          <p:cNvPr id="3" name="Content Placeholder 2">
+            <a:extLst>
+              <a:ext uri="{FF2B5EF4-FFF2-40B4-BE49-F238E27FC236}">
+                <a16:creationId xmlns:a16="http://schemas.microsoft.com/office/drawing/2014/main" id="{A8EB1BEB-8DA2-7CE9-C3C9-F39232295C9E}"/>
+              </a:ext>
+            </a:extLst>
+          </p:cNvPr>
+          <p:cNvSpPr>
+            <a:spLocks noGrp="1"/>
+          </p:cNvSpPr>
+          <p:nvPr>
+            <p:ph idx="1"/>
+          </p:nvPr>
+        </p:nvSpPr>
+        <p:spPr/>
+        <p:txBody>
+          <a:bodyPr/>
+          <a:lstStyle/>
+          <a:p>
+            <a:endParaRPr lang="en-US"/>
+          </a:p>
+        </p:txBody>
+      </p:sp>
+    </p:spTree>
+    <p:extLst>
+      <p:ext uri="{BB962C8B-B14F-4D97-AF65-F5344CB8AC3E}">
+        <p14:creationId xmlns:p14="http://schemas.microsoft.com/office/powerpoint/2010/main" val="2373420340"/>
       </p:ext>
     </p:extLst>
   </p:cSld>

--- a/CSS3.pptx
+++ b/CSS3.pptx
@@ -25,6 +25,9 @@
     <p:sldId id="273" r:id="rId19"/>
     <p:sldId id="275" r:id="rId20"/>
     <p:sldId id="274" r:id="rId21"/>
+    <p:sldId id="276" r:id="rId22"/>
+    <p:sldId id="277" r:id="rId23"/>
+    <p:sldId id="278" r:id="rId24"/>
   </p:sldIdLst>
   <p:sldSz cx="12192000" cy="6858000"/>
   <p:notesSz cx="6858000" cy="9144000"/>
@@ -278,7 +281,7 @@
           <a:p>
             <a:fld id="{099F8D66-D1E1-489E-B08C-301570902999}" type="datetimeFigureOut">
               <a:rPr lang="en-US" smtClean="0"/>
-              <a:t>6/21/2024</a:t>
+              <a:t>6/24/2024</a:t>
             </a:fld>
             <a:endParaRPr lang="en-US"/>
           </a:p>
@@ -476,7 +479,7 @@
           <a:p>
             <a:fld id="{099F8D66-D1E1-489E-B08C-301570902999}" type="datetimeFigureOut">
               <a:rPr lang="en-US" smtClean="0"/>
-              <a:t>6/21/2024</a:t>
+              <a:t>6/24/2024</a:t>
             </a:fld>
             <a:endParaRPr lang="en-US"/>
           </a:p>
@@ -684,7 +687,7 @@
           <a:p>
             <a:fld id="{099F8D66-D1E1-489E-B08C-301570902999}" type="datetimeFigureOut">
               <a:rPr lang="en-US" smtClean="0"/>
-              <a:t>6/21/2024</a:t>
+              <a:t>6/24/2024</a:t>
             </a:fld>
             <a:endParaRPr lang="en-US"/>
           </a:p>
@@ -882,7 +885,7 @@
           <a:p>
             <a:fld id="{099F8D66-D1E1-489E-B08C-301570902999}" type="datetimeFigureOut">
               <a:rPr lang="en-US" smtClean="0"/>
-              <a:t>6/21/2024</a:t>
+              <a:t>6/24/2024</a:t>
             </a:fld>
             <a:endParaRPr lang="en-US"/>
           </a:p>
@@ -1157,7 +1160,7 @@
           <a:p>
             <a:fld id="{099F8D66-D1E1-489E-B08C-301570902999}" type="datetimeFigureOut">
               <a:rPr lang="en-US" smtClean="0"/>
-              <a:t>6/21/2024</a:t>
+              <a:t>6/24/2024</a:t>
             </a:fld>
             <a:endParaRPr lang="en-US"/>
           </a:p>
@@ -1422,7 +1425,7 @@
           <a:p>
             <a:fld id="{099F8D66-D1E1-489E-B08C-301570902999}" type="datetimeFigureOut">
               <a:rPr lang="en-US" smtClean="0"/>
-              <a:t>6/21/2024</a:t>
+              <a:t>6/24/2024</a:t>
             </a:fld>
             <a:endParaRPr lang="en-US"/>
           </a:p>
@@ -1834,7 +1837,7 @@
           <a:p>
             <a:fld id="{099F8D66-D1E1-489E-B08C-301570902999}" type="datetimeFigureOut">
               <a:rPr lang="en-US" smtClean="0"/>
-              <a:t>6/21/2024</a:t>
+              <a:t>6/24/2024</a:t>
             </a:fld>
             <a:endParaRPr lang="en-US"/>
           </a:p>
@@ -1975,7 +1978,7 @@
           <a:p>
             <a:fld id="{099F8D66-D1E1-489E-B08C-301570902999}" type="datetimeFigureOut">
               <a:rPr lang="en-US" smtClean="0"/>
-              <a:t>6/21/2024</a:t>
+              <a:t>6/24/2024</a:t>
             </a:fld>
             <a:endParaRPr lang="en-US"/>
           </a:p>
@@ -2088,7 +2091,7 @@
           <a:p>
             <a:fld id="{099F8D66-D1E1-489E-B08C-301570902999}" type="datetimeFigureOut">
               <a:rPr lang="en-US" smtClean="0"/>
-              <a:t>6/21/2024</a:t>
+              <a:t>6/24/2024</a:t>
             </a:fld>
             <a:endParaRPr lang="en-US"/>
           </a:p>
@@ -2399,7 +2402,7 @@
           <a:p>
             <a:fld id="{099F8D66-D1E1-489E-B08C-301570902999}" type="datetimeFigureOut">
               <a:rPr lang="en-US" smtClean="0"/>
-              <a:t>6/21/2024</a:t>
+              <a:t>6/24/2024</a:t>
             </a:fld>
             <a:endParaRPr lang="en-US"/>
           </a:p>
@@ -2687,7 +2690,7 @@
           <a:p>
             <a:fld id="{099F8D66-D1E1-489E-B08C-301570902999}" type="datetimeFigureOut">
               <a:rPr lang="en-US" smtClean="0"/>
-              <a:t>6/21/2024</a:t>
+              <a:t>6/24/2024</a:t>
             </a:fld>
             <a:endParaRPr lang="en-US"/>
           </a:p>
@@ -2928,7 +2931,7 @@
           <a:p>
             <a:fld id="{099F8D66-D1E1-489E-B08C-301570902999}" type="datetimeFigureOut">
               <a:rPr lang="en-US" smtClean="0"/>
-              <a:t>6/21/2024</a:t>
+              <a:t>6/24/2024</a:t>
             </a:fld>
             <a:endParaRPr lang="en-US"/>
           </a:p>
@@ -6510,7 +6513,10 @@
           <a:bodyPr/>
           <a:lstStyle/>
           <a:p>
-            <a:endParaRPr lang="en-US"/>
+            <a:r>
+              <a:rPr lang="en-US" dirty="0"/>
+              <a:t>CSS Height &amp; Width</a:t>
+            </a:r>
           </a:p>
         </p:txBody>
       </p:sp>
@@ -6535,7 +6541,22 @@
           <a:bodyPr/>
           <a:lstStyle/>
           <a:p>
-            <a:endParaRPr lang="en-US"/>
+            <a:pPr marL="0" indent="0">
+              <a:buNone/>
+            </a:pPr>
+            <a:r>
+              <a:rPr lang="en-US" dirty="0"/>
+              <a:t>CSS Min-height &amp; Max-height</a:t>
+            </a:r>
+          </a:p>
+          <a:p>
+            <a:pPr marL="0" indent="0">
+              <a:buNone/>
+            </a:pPr>
+            <a:r>
+              <a:rPr lang="en-US" dirty="0"/>
+              <a:t>Min-Width &amp; Max-Width</a:t>
+            </a:r>
           </a:p>
         </p:txBody>
       </p:sp>
@@ -6543,6 +6564,1615 @@
     <p:extLst>
       <p:ext uri="{BB962C8B-B14F-4D97-AF65-F5344CB8AC3E}">
         <p14:creationId xmlns:p14="http://schemas.microsoft.com/office/powerpoint/2010/main" val="2373420340"/>
+      </p:ext>
+    </p:extLst>
+  </p:cSld>
+  <p:clrMapOvr>
+    <a:masterClrMapping/>
+  </p:clrMapOvr>
+</p:sld>
+</file>
+
+<file path=ppt/slides/slide21.xml><?xml version="1.0" encoding="utf-8"?>
+<p:sld xmlns:a="http://schemas.openxmlformats.org/drawingml/2006/main" xmlns:r="http://schemas.openxmlformats.org/officeDocument/2006/relationships" xmlns:p="http://schemas.openxmlformats.org/presentationml/2006/main">
+  <p:cSld>
+    <p:spTree>
+      <p:nvGrpSpPr>
+        <p:cNvPr id="1" name=""/>
+        <p:cNvGrpSpPr/>
+        <p:nvPr/>
+      </p:nvGrpSpPr>
+      <p:grpSpPr>
+        <a:xfrm>
+          <a:off x="0" y="0"/>
+          <a:ext cx="0" cy="0"/>
+          <a:chOff x="0" y="0"/>
+          <a:chExt cx="0" cy="0"/>
+        </a:xfrm>
+      </p:grpSpPr>
+      <p:sp>
+        <p:nvSpPr>
+          <p:cNvPr id="2" name="Title 1">
+            <a:extLst>
+              <a:ext uri="{FF2B5EF4-FFF2-40B4-BE49-F238E27FC236}">
+                <a16:creationId xmlns:a16="http://schemas.microsoft.com/office/drawing/2014/main" id="{40A87EE3-20E8-FFAE-1848-3EEAC54DEBFC}"/>
+              </a:ext>
+            </a:extLst>
+          </p:cNvPr>
+          <p:cNvSpPr>
+            <a:spLocks noGrp="1"/>
+          </p:cNvSpPr>
+          <p:nvPr>
+            <p:ph type="title"/>
+          </p:nvPr>
+        </p:nvSpPr>
+        <p:spPr/>
+        <p:txBody>
+          <a:bodyPr/>
+          <a:lstStyle/>
+          <a:p>
+            <a:r>
+              <a:rPr lang="en-US" dirty="0"/>
+              <a:t>CSS Box-sizing</a:t>
+            </a:r>
+          </a:p>
+        </p:txBody>
+      </p:sp>
+      <p:sp>
+        <p:nvSpPr>
+          <p:cNvPr id="5" name="TextBox 4">
+            <a:extLst>
+              <a:ext uri="{FF2B5EF4-FFF2-40B4-BE49-F238E27FC236}">
+                <a16:creationId xmlns:a16="http://schemas.microsoft.com/office/drawing/2014/main" id="{2175FEFA-2BFC-2C02-D994-805BA4AFA139}"/>
+              </a:ext>
+            </a:extLst>
+          </p:cNvPr>
+          <p:cNvSpPr txBox="1"/>
+          <p:nvPr/>
+        </p:nvSpPr>
+        <p:spPr>
+          <a:xfrm>
+            <a:off x="3048000" y="2555465"/>
+            <a:ext cx="6096000" cy="1754326"/>
+          </a:xfrm>
+          <a:prstGeom prst="rect">
+            <a:avLst/>
+          </a:prstGeom>
+          <a:noFill/>
+        </p:spPr>
+        <p:txBody>
+          <a:bodyPr wrap="square">
+            <a:spAutoFit/>
+          </a:bodyPr>
+          <a:lstStyle/>
+          <a:p>
+            <a:r>
+              <a:rPr lang="en-US" b="0" dirty="0">
+                <a:solidFill>
+                  <a:srgbClr val="ABB2BF"/>
+                </a:solidFill>
+                <a:effectLst/>
+                <a:highlight>
+                  <a:srgbClr val="23272E"/>
+                </a:highlight>
+                <a:latin typeface="cascadia code" pitchFamily="1" charset="0"/>
+              </a:rPr>
+              <a:t>Lorem ipsum dolor sit </a:t>
+            </a:r>
+            <a:r>
+              <a:rPr lang="en-US" b="0" dirty="0" err="1">
+                <a:solidFill>
+                  <a:srgbClr val="ABB2BF"/>
+                </a:solidFill>
+                <a:effectLst/>
+                <a:highlight>
+                  <a:srgbClr val="23272E"/>
+                </a:highlight>
+                <a:latin typeface="cascadia code" pitchFamily="1" charset="0"/>
+              </a:rPr>
+              <a:t>amet</a:t>
+            </a:r>
+            <a:r>
+              <a:rPr lang="en-US" b="0" dirty="0">
+                <a:solidFill>
+                  <a:srgbClr val="ABB2BF"/>
+                </a:solidFill>
+                <a:effectLst/>
+                <a:highlight>
+                  <a:srgbClr val="23272E"/>
+                </a:highlight>
+                <a:latin typeface="cascadia code" pitchFamily="1" charset="0"/>
+              </a:rPr>
+              <a:t> </a:t>
+            </a:r>
+            <a:r>
+              <a:rPr lang="en-US" b="0" dirty="0" err="1">
+                <a:solidFill>
+                  <a:srgbClr val="ABB2BF"/>
+                </a:solidFill>
+                <a:effectLst/>
+                <a:highlight>
+                  <a:srgbClr val="23272E"/>
+                </a:highlight>
+                <a:latin typeface="cascadia code" pitchFamily="1" charset="0"/>
+              </a:rPr>
+              <a:t>consectetur</a:t>
+            </a:r>
+            <a:r>
+              <a:rPr lang="en-US" b="0" dirty="0">
+                <a:solidFill>
+                  <a:srgbClr val="ABB2BF"/>
+                </a:solidFill>
+                <a:effectLst/>
+                <a:highlight>
+                  <a:srgbClr val="23272E"/>
+                </a:highlight>
+                <a:latin typeface="cascadia code" pitchFamily="1" charset="0"/>
+              </a:rPr>
+              <a:t> </a:t>
+            </a:r>
+            <a:r>
+              <a:rPr lang="en-US" b="0" dirty="0" err="1">
+                <a:solidFill>
+                  <a:srgbClr val="ABB2BF"/>
+                </a:solidFill>
+                <a:effectLst/>
+                <a:highlight>
+                  <a:srgbClr val="23272E"/>
+                </a:highlight>
+                <a:latin typeface="cascadia code" pitchFamily="1" charset="0"/>
+              </a:rPr>
+              <a:t>adipisicing</a:t>
+            </a:r>
+            <a:r>
+              <a:rPr lang="en-US" b="0" dirty="0">
+                <a:solidFill>
+                  <a:srgbClr val="ABB2BF"/>
+                </a:solidFill>
+                <a:effectLst/>
+                <a:highlight>
+                  <a:srgbClr val="23272E"/>
+                </a:highlight>
+                <a:latin typeface="cascadia code" pitchFamily="1" charset="0"/>
+              </a:rPr>
+              <a:t> </a:t>
+            </a:r>
+            <a:r>
+              <a:rPr lang="en-US" b="0" dirty="0" err="1">
+                <a:solidFill>
+                  <a:srgbClr val="ABB2BF"/>
+                </a:solidFill>
+                <a:effectLst/>
+                <a:highlight>
+                  <a:srgbClr val="23272E"/>
+                </a:highlight>
+                <a:latin typeface="cascadia code" pitchFamily="1" charset="0"/>
+              </a:rPr>
+              <a:t>elit</a:t>
+            </a:r>
+            <a:r>
+              <a:rPr lang="en-US" b="0" dirty="0">
+                <a:solidFill>
+                  <a:srgbClr val="ABB2BF"/>
+                </a:solidFill>
+                <a:effectLst/>
+                <a:highlight>
+                  <a:srgbClr val="23272E"/>
+                </a:highlight>
+                <a:latin typeface="cascadia code" pitchFamily="1" charset="0"/>
+              </a:rPr>
+              <a:t>. </a:t>
+            </a:r>
+            <a:r>
+              <a:rPr lang="en-US" b="0" dirty="0" err="1">
+                <a:solidFill>
+                  <a:srgbClr val="ABB2BF"/>
+                </a:solidFill>
+                <a:effectLst/>
+                <a:highlight>
+                  <a:srgbClr val="23272E"/>
+                </a:highlight>
+                <a:latin typeface="cascadia code" pitchFamily="1" charset="0"/>
+              </a:rPr>
+              <a:t>Perferendis</a:t>
+            </a:r>
+            <a:r>
+              <a:rPr lang="en-US" b="0" dirty="0">
+                <a:solidFill>
+                  <a:srgbClr val="ABB2BF"/>
+                </a:solidFill>
+                <a:effectLst/>
+                <a:highlight>
+                  <a:srgbClr val="23272E"/>
+                </a:highlight>
+                <a:latin typeface="cascadia code" pitchFamily="1" charset="0"/>
+              </a:rPr>
+              <a:t> porro delectus </a:t>
+            </a:r>
+            <a:r>
+              <a:rPr lang="en-US" b="0" dirty="0" err="1">
+                <a:solidFill>
+                  <a:srgbClr val="ABB2BF"/>
+                </a:solidFill>
+                <a:effectLst/>
+                <a:highlight>
+                  <a:srgbClr val="23272E"/>
+                </a:highlight>
+                <a:latin typeface="cascadia code" pitchFamily="1" charset="0"/>
+              </a:rPr>
+              <a:t>temporibus</a:t>
+            </a:r>
+            <a:r>
+              <a:rPr lang="en-US" b="0" dirty="0">
+                <a:solidFill>
+                  <a:srgbClr val="ABB2BF"/>
+                </a:solidFill>
+                <a:effectLst/>
+                <a:highlight>
+                  <a:srgbClr val="23272E"/>
+                </a:highlight>
+                <a:latin typeface="cascadia code" pitchFamily="1" charset="0"/>
+              </a:rPr>
+              <a:t> </a:t>
+            </a:r>
+            <a:r>
+              <a:rPr lang="en-US" b="0" dirty="0" err="1">
+                <a:solidFill>
+                  <a:srgbClr val="ABB2BF"/>
+                </a:solidFill>
+                <a:effectLst/>
+                <a:highlight>
+                  <a:srgbClr val="23272E"/>
+                </a:highlight>
+                <a:latin typeface="cascadia code" pitchFamily="1" charset="0"/>
+              </a:rPr>
+              <a:t>nam</a:t>
+            </a:r>
+            <a:r>
+              <a:rPr lang="en-US" b="0" dirty="0">
+                <a:solidFill>
+                  <a:srgbClr val="ABB2BF"/>
+                </a:solidFill>
+                <a:effectLst/>
+                <a:highlight>
+                  <a:srgbClr val="23272E"/>
+                </a:highlight>
+                <a:latin typeface="cascadia code" pitchFamily="1" charset="0"/>
+              </a:rPr>
+              <a:t> </a:t>
+            </a:r>
+            <a:r>
+              <a:rPr lang="en-US" b="0" dirty="0" err="1">
+                <a:solidFill>
+                  <a:srgbClr val="ABB2BF"/>
+                </a:solidFill>
+                <a:effectLst/>
+                <a:highlight>
+                  <a:srgbClr val="23272E"/>
+                </a:highlight>
+                <a:latin typeface="cascadia code" pitchFamily="1" charset="0"/>
+              </a:rPr>
+              <a:t>eaque</a:t>
+            </a:r>
+            <a:r>
+              <a:rPr lang="en-US" b="0" dirty="0">
+                <a:solidFill>
+                  <a:srgbClr val="ABB2BF"/>
+                </a:solidFill>
+                <a:effectLst/>
+                <a:highlight>
+                  <a:srgbClr val="23272E"/>
+                </a:highlight>
+                <a:latin typeface="cascadia code" pitchFamily="1" charset="0"/>
+              </a:rPr>
+              <a:t> non alias, </a:t>
+            </a:r>
+            <a:r>
+              <a:rPr lang="en-US" b="0" dirty="0" err="1">
+                <a:solidFill>
+                  <a:srgbClr val="ABB2BF"/>
+                </a:solidFill>
+                <a:effectLst/>
+                <a:highlight>
+                  <a:srgbClr val="23272E"/>
+                </a:highlight>
+                <a:latin typeface="cascadia code" pitchFamily="1" charset="0"/>
+              </a:rPr>
+              <a:t>ullam</a:t>
+            </a:r>
+            <a:r>
+              <a:rPr lang="en-US" b="0" dirty="0">
+                <a:solidFill>
+                  <a:srgbClr val="ABB2BF"/>
+                </a:solidFill>
+                <a:effectLst/>
+                <a:highlight>
+                  <a:srgbClr val="23272E"/>
+                </a:highlight>
+                <a:latin typeface="cascadia code" pitchFamily="1" charset="0"/>
+              </a:rPr>
+              <a:t> </a:t>
+            </a:r>
+            <a:r>
+              <a:rPr lang="en-US" b="0" dirty="0" err="1">
+                <a:solidFill>
+                  <a:srgbClr val="ABB2BF"/>
+                </a:solidFill>
+                <a:effectLst/>
+                <a:highlight>
+                  <a:srgbClr val="23272E"/>
+                </a:highlight>
+                <a:latin typeface="cascadia code" pitchFamily="1" charset="0"/>
+              </a:rPr>
+              <a:t>tenetur</a:t>
+            </a:r>
+            <a:r>
+              <a:rPr lang="en-US" b="0" dirty="0">
+                <a:solidFill>
+                  <a:srgbClr val="ABB2BF"/>
+                </a:solidFill>
+                <a:effectLst/>
+                <a:highlight>
+                  <a:srgbClr val="23272E"/>
+                </a:highlight>
+                <a:latin typeface="cascadia code" pitchFamily="1" charset="0"/>
+              </a:rPr>
+              <a:t>? </a:t>
+            </a:r>
+            <a:r>
+              <a:rPr lang="en-US" b="0" dirty="0" err="1">
+                <a:solidFill>
+                  <a:srgbClr val="ABB2BF"/>
+                </a:solidFill>
+                <a:effectLst/>
+                <a:highlight>
+                  <a:srgbClr val="23272E"/>
+                </a:highlight>
+                <a:latin typeface="cascadia code" pitchFamily="1" charset="0"/>
+              </a:rPr>
+              <a:t>Aliquid</a:t>
+            </a:r>
+            <a:r>
+              <a:rPr lang="en-US" b="0" dirty="0">
+                <a:solidFill>
+                  <a:srgbClr val="ABB2BF"/>
+                </a:solidFill>
+                <a:effectLst/>
+                <a:highlight>
+                  <a:srgbClr val="23272E"/>
+                </a:highlight>
+                <a:latin typeface="cascadia code" pitchFamily="1" charset="0"/>
+              </a:rPr>
+              <a:t> </a:t>
+            </a:r>
+            <a:r>
+              <a:rPr lang="en-US" b="0" dirty="0" err="1">
+                <a:solidFill>
+                  <a:srgbClr val="ABB2BF"/>
+                </a:solidFill>
+                <a:effectLst/>
+                <a:highlight>
+                  <a:srgbClr val="23272E"/>
+                </a:highlight>
+                <a:latin typeface="cascadia code" pitchFamily="1" charset="0"/>
+              </a:rPr>
+              <a:t>necessitatibus</a:t>
+            </a:r>
+            <a:r>
+              <a:rPr lang="en-US" b="0" dirty="0">
+                <a:solidFill>
+                  <a:srgbClr val="ABB2BF"/>
+                </a:solidFill>
+                <a:effectLst/>
+                <a:highlight>
+                  <a:srgbClr val="23272E"/>
+                </a:highlight>
+                <a:latin typeface="cascadia code" pitchFamily="1" charset="0"/>
+              </a:rPr>
+              <a:t> </a:t>
+            </a:r>
+            <a:r>
+              <a:rPr lang="en-US" b="0" dirty="0" err="1">
+                <a:solidFill>
+                  <a:srgbClr val="ABB2BF"/>
+                </a:solidFill>
+                <a:effectLst/>
+                <a:highlight>
+                  <a:srgbClr val="23272E"/>
+                </a:highlight>
+                <a:latin typeface="cascadia code" pitchFamily="1" charset="0"/>
+              </a:rPr>
+              <a:t>architecto</a:t>
+            </a:r>
+            <a:r>
+              <a:rPr lang="en-US" b="0" dirty="0">
+                <a:solidFill>
+                  <a:srgbClr val="ABB2BF"/>
+                </a:solidFill>
+                <a:effectLst/>
+                <a:highlight>
+                  <a:srgbClr val="23272E"/>
+                </a:highlight>
+                <a:latin typeface="cascadia code" pitchFamily="1" charset="0"/>
+              </a:rPr>
+              <a:t> </a:t>
+            </a:r>
+            <a:r>
+              <a:rPr lang="en-US" b="0" dirty="0" err="1">
+                <a:solidFill>
+                  <a:srgbClr val="ABB2BF"/>
+                </a:solidFill>
+                <a:effectLst/>
+                <a:highlight>
+                  <a:srgbClr val="23272E"/>
+                </a:highlight>
+                <a:latin typeface="cascadia code" pitchFamily="1" charset="0"/>
+              </a:rPr>
+              <a:t>esse</a:t>
+            </a:r>
+            <a:r>
+              <a:rPr lang="en-US" b="0" dirty="0">
+                <a:solidFill>
+                  <a:srgbClr val="ABB2BF"/>
+                </a:solidFill>
+                <a:effectLst/>
+                <a:highlight>
+                  <a:srgbClr val="23272E"/>
+                </a:highlight>
+                <a:latin typeface="cascadia code" pitchFamily="1" charset="0"/>
+              </a:rPr>
+              <a:t> </a:t>
+            </a:r>
+            <a:r>
+              <a:rPr lang="en-US" b="0" dirty="0" err="1">
+                <a:solidFill>
+                  <a:srgbClr val="ABB2BF"/>
+                </a:solidFill>
+                <a:effectLst/>
+                <a:highlight>
+                  <a:srgbClr val="23272E"/>
+                </a:highlight>
+                <a:latin typeface="cascadia code" pitchFamily="1" charset="0"/>
+              </a:rPr>
+              <a:t>vero</a:t>
+            </a:r>
+            <a:r>
+              <a:rPr lang="en-US" b="0" dirty="0">
+                <a:solidFill>
+                  <a:srgbClr val="ABB2BF"/>
+                </a:solidFill>
+                <a:effectLst/>
+                <a:highlight>
+                  <a:srgbClr val="23272E"/>
+                </a:highlight>
+                <a:latin typeface="cascadia code" pitchFamily="1" charset="0"/>
+              </a:rPr>
+              <a:t> </a:t>
+            </a:r>
+            <a:r>
+              <a:rPr lang="en-US" b="0" dirty="0" err="1">
+                <a:solidFill>
+                  <a:srgbClr val="ABB2BF"/>
+                </a:solidFill>
+                <a:effectLst/>
+                <a:highlight>
+                  <a:srgbClr val="23272E"/>
+                </a:highlight>
+                <a:latin typeface="cascadia code" pitchFamily="1" charset="0"/>
+              </a:rPr>
+              <a:t>aliquam</a:t>
+            </a:r>
+            <a:r>
+              <a:rPr lang="en-US" b="0" dirty="0">
+                <a:solidFill>
+                  <a:srgbClr val="ABB2BF"/>
+                </a:solidFill>
+                <a:effectLst/>
+                <a:highlight>
+                  <a:srgbClr val="23272E"/>
+                </a:highlight>
+                <a:latin typeface="cascadia code" pitchFamily="1" charset="0"/>
+              </a:rPr>
+              <a:t> </a:t>
+            </a:r>
+            <a:r>
+              <a:rPr lang="en-US" b="0" dirty="0" err="1">
+                <a:solidFill>
+                  <a:srgbClr val="ABB2BF"/>
+                </a:solidFill>
+                <a:effectLst/>
+                <a:highlight>
+                  <a:srgbClr val="23272E"/>
+                </a:highlight>
+                <a:latin typeface="cascadia code" pitchFamily="1" charset="0"/>
+              </a:rPr>
+              <a:t>fuga</a:t>
+            </a:r>
+            <a:r>
+              <a:rPr lang="en-US" b="0" dirty="0">
+                <a:solidFill>
+                  <a:srgbClr val="ABB2BF"/>
+                </a:solidFill>
+                <a:effectLst/>
+                <a:highlight>
+                  <a:srgbClr val="23272E"/>
+                </a:highlight>
+                <a:latin typeface="cascadia code" pitchFamily="1" charset="0"/>
+              </a:rPr>
+              <a:t> </a:t>
+            </a:r>
+            <a:r>
+              <a:rPr lang="en-US" b="0" dirty="0" err="1">
+                <a:solidFill>
+                  <a:srgbClr val="ABB2BF"/>
+                </a:solidFill>
+                <a:effectLst/>
+                <a:highlight>
+                  <a:srgbClr val="23272E"/>
+                </a:highlight>
+                <a:latin typeface="cascadia code" pitchFamily="1" charset="0"/>
+              </a:rPr>
+              <a:t>accusamus</a:t>
+            </a:r>
+            <a:r>
+              <a:rPr lang="en-US" b="0" dirty="0">
+                <a:solidFill>
+                  <a:srgbClr val="ABB2BF"/>
+                </a:solidFill>
+                <a:effectLst/>
+                <a:highlight>
+                  <a:srgbClr val="23272E"/>
+                </a:highlight>
+                <a:latin typeface="cascadia code" pitchFamily="1" charset="0"/>
+              </a:rPr>
+              <a:t> </a:t>
+            </a:r>
+            <a:r>
+              <a:rPr lang="en-US" b="0" dirty="0" err="1">
+                <a:solidFill>
+                  <a:srgbClr val="ABB2BF"/>
+                </a:solidFill>
+                <a:effectLst/>
+                <a:highlight>
+                  <a:srgbClr val="23272E"/>
+                </a:highlight>
+                <a:latin typeface="cascadia code" pitchFamily="1" charset="0"/>
+              </a:rPr>
+              <a:t>laudantium</a:t>
+            </a:r>
+            <a:r>
+              <a:rPr lang="en-US" b="0" dirty="0">
+                <a:solidFill>
+                  <a:srgbClr val="ABB2BF"/>
+                </a:solidFill>
+                <a:effectLst/>
+                <a:highlight>
+                  <a:srgbClr val="23272E"/>
+                </a:highlight>
+                <a:latin typeface="cascadia code" pitchFamily="1" charset="0"/>
+              </a:rPr>
+              <a:t> </a:t>
+            </a:r>
+            <a:r>
+              <a:rPr lang="en-US" b="0" dirty="0" err="1">
+                <a:solidFill>
+                  <a:srgbClr val="ABB2BF"/>
+                </a:solidFill>
+                <a:effectLst/>
+                <a:highlight>
+                  <a:srgbClr val="23272E"/>
+                </a:highlight>
+                <a:latin typeface="cascadia code" pitchFamily="1" charset="0"/>
+              </a:rPr>
+              <a:t>quibusdam</a:t>
+            </a:r>
+            <a:r>
+              <a:rPr lang="en-US" b="0" dirty="0">
+                <a:solidFill>
+                  <a:srgbClr val="ABB2BF"/>
+                </a:solidFill>
+                <a:effectLst/>
+                <a:highlight>
+                  <a:srgbClr val="23272E"/>
+                </a:highlight>
+                <a:latin typeface="cascadia code" pitchFamily="1" charset="0"/>
+              </a:rPr>
+              <a:t>. </a:t>
+            </a:r>
+            <a:r>
+              <a:rPr lang="en-US" b="0" dirty="0" err="1">
+                <a:solidFill>
+                  <a:srgbClr val="ABB2BF"/>
+                </a:solidFill>
+                <a:effectLst/>
+                <a:highlight>
+                  <a:srgbClr val="23272E"/>
+                </a:highlight>
+                <a:latin typeface="cascadia code" pitchFamily="1" charset="0"/>
+              </a:rPr>
+              <a:t>Dignissimos</a:t>
+            </a:r>
+            <a:r>
+              <a:rPr lang="en-US" b="0" dirty="0">
+                <a:solidFill>
+                  <a:srgbClr val="ABB2BF"/>
+                </a:solidFill>
+                <a:effectLst/>
+                <a:highlight>
+                  <a:srgbClr val="23272E"/>
+                </a:highlight>
+                <a:latin typeface="cascadia code" pitchFamily="1" charset="0"/>
+              </a:rPr>
+              <a:t>, </a:t>
+            </a:r>
+            <a:r>
+              <a:rPr lang="en-US" b="0" dirty="0" err="1">
+                <a:solidFill>
+                  <a:srgbClr val="ABB2BF"/>
+                </a:solidFill>
+                <a:effectLst/>
+                <a:highlight>
+                  <a:srgbClr val="23272E"/>
+                </a:highlight>
+                <a:latin typeface="cascadia code" pitchFamily="1" charset="0"/>
+              </a:rPr>
+              <a:t>itaque</a:t>
+            </a:r>
+            <a:r>
+              <a:rPr lang="en-US" b="0" dirty="0">
+                <a:solidFill>
+                  <a:srgbClr val="ABB2BF"/>
+                </a:solidFill>
+                <a:effectLst/>
+                <a:highlight>
+                  <a:srgbClr val="23272E"/>
+                </a:highlight>
+                <a:latin typeface="cascadia code" pitchFamily="1" charset="0"/>
+              </a:rPr>
+              <a:t>?</a:t>
+            </a:r>
+          </a:p>
+        </p:txBody>
+      </p:sp>
+      <p:sp>
+        <p:nvSpPr>
+          <p:cNvPr id="6" name="Rectangle 5">
+            <a:extLst>
+              <a:ext uri="{FF2B5EF4-FFF2-40B4-BE49-F238E27FC236}">
+                <a16:creationId xmlns:a16="http://schemas.microsoft.com/office/drawing/2014/main" id="{85EC0946-53B9-C907-BF21-6B75B87D39BA}"/>
+              </a:ext>
+            </a:extLst>
+          </p:cNvPr>
+          <p:cNvSpPr/>
+          <p:nvPr/>
+        </p:nvSpPr>
+        <p:spPr>
+          <a:xfrm>
+            <a:off x="2481943" y="2133601"/>
+            <a:ext cx="7532914" cy="2728686"/>
+          </a:xfrm>
+          <a:prstGeom prst="rect">
+            <a:avLst/>
+          </a:prstGeom>
+          <a:noFill/>
+          <a:ln w="57150"/>
+        </p:spPr>
+        <p:style>
+          <a:lnRef idx="2">
+            <a:schemeClr val="accent6"/>
+          </a:lnRef>
+          <a:fillRef idx="1">
+            <a:schemeClr val="lt1"/>
+          </a:fillRef>
+          <a:effectRef idx="0">
+            <a:schemeClr val="accent6"/>
+          </a:effectRef>
+          <a:fontRef idx="minor">
+            <a:schemeClr val="dk1"/>
+          </a:fontRef>
+        </p:style>
+        <p:txBody>
+          <a:bodyPr rtlCol="0" anchor="ctr"/>
+          <a:lstStyle/>
+          <a:p>
+            <a:pPr algn="ctr"/>
+            <a:endParaRPr lang="en-US"/>
+          </a:p>
+        </p:txBody>
+      </p:sp>
+      <p:cxnSp>
+        <p:nvCxnSpPr>
+          <p:cNvPr id="8" name="Straight Arrow Connector 7">
+            <a:extLst>
+              <a:ext uri="{FF2B5EF4-FFF2-40B4-BE49-F238E27FC236}">
+                <a16:creationId xmlns:a16="http://schemas.microsoft.com/office/drawing/2014/main" id="{3ABE4054-A341-AAAE-4973-451F44B011D7}"/>
+              </a:ext>
+            </a:extLst>
+          </p:cNvPr>
+          <p:cNvCxnSpPr/>
+          <p:nvPr/>
+        </p:nvCxnSpPr>
+        <p:spPr>
+          <a:xfrm>
+            <a:off x="2598057" y="4601029"/>
+            <a:ext cx="7228114" cy="0"/>
+          </a:xfrm>
+          <a:prstGeom prst="straightConnector1">
+            <a:avLst/>
+          </a:prstGeom>
+          <a:ln>
+            <a:headEnd type="triangle"/>
+            <a:tailEnd type="triangle"/>
+          </a:ln>
+        </p:spPr>
+        <p:style>
+          <a:lnRef idx="1">
+            <a:schemeClr val="accent1"/>
+          </a:lnRef>
+          <a:fillRef idx="0">
+            <a:schemeClr val="accent1"/>
+          </a:fillRef>
+          <a:effectRef idx="0">
+            <a:schemeClr val="accent1"/>
+          </a:effectRef>
+          <a:fontRef idx="minor">
+            <a:schemeClr val="tx1"/>
+          </a:fontRef>
+        </p:style>
+      </p:cxnSp>
+      <p:sp>
+        <p:nvSpPr>
+          <p:cNvPr id="9" name="TextBox 8">
+            <a:extLst>
+              <a:ext uri="{FF2B5EF4-FFF2-40B4-BE49-F238E27FC236}">
+                <a16:creationId xmlns:a16="http://schemas.microsoft.com/office/drawing/2014/main" id="{3212592D-AAF1-C3CE-081B-DD8933A030F1}"/>
+              </a:ext>
+            </a:extLst>
+          </p:cNvPr>
+          <p:cNvSpPr txBox="1"/>
+          <p:nvPr/>
+        </p:nvSpPr>
+        <p:spPr>
+          <a:xfrm>
+            <a:off x="5872239" y="4231697"/>
+            <a:ext cx="752322" cy="369332"/>
+          </a:xfrm>
+          <a:prstGeom prst="rect">
+            <a:avLst/>
+          </a:prstGeom>
+          <a:noFill/>
+        </p:spPr>
+        <p:txBody>
+          <a:bodyPr wrap="none" rtlCol="0">
+            <a:spAutoFit/>
+          </a:bodyPr>
+          <a:lstStyle/>
+          <a:p>
+            <a:r>
+              <a:rPr lang="en-US" dirty="0"/>
+              <a:t>200px</a:t>
+            </a:r>
+          </a:p>
+        </p:txBody>
+      </p:sp>
+      <p:grpSp>
+        <p:nvGrpSpPr>
+          <p:cNvPr id="13" name="Group 12">
+            <a:extLst>
+              <a:ext uri="{FF2B5EF4-FFF2-40B4-BE49-F238E27FC236}">
+                <a16:creationId xmlns:a16="http://schemas.microsoft.com/office/drawing/2014/main" id="{5E132EA2-A649-EA5C-D7B6-81F808AC5685}"/>
+              </a:ext>
+            </a:extLst>
+          </p:cNvPr>
+          <p:cNvGrpSpPr/>
+          <p:nvPr/>
+        </p:nvGrpSpPr>
+        <p:grpSpPr>
+          <a:xfrm>
+            <a:off x="1365553" y="3860800"/>
+            <a:ext cx="1014790" cy="740229"/>
+            <a:chOff x="1365553" y="3860800"/>
+            <a:chExt cx="1014790" cy="740229"/>
+          </a:xfrm>
+        </p:grpSpPr>
+        <p:cxnSp>
+          <p:nvCxnSpPr>
+            <p:cNvPr id="11" name="Straight Arrow Connector 10">
+              <a:extLst>
+                <a:ext uri="{FF2B5EF4-FFF2-40B4-BE49-F238E27FC236}">
+                  <a16:creationId xmlns:a16="http://schemas.microsoft.com/office/drawing/2014/main" id="{9ABD1D3C-A7DD-E18B-8802-7AC68F77A5C7}"/>
+                </a:ext>
+              </a:extLst>
+            </p:cNvPr>
+            <p:cNvCxnSpPr/>
+            <p:nvPr/>
+          </p:nvCxnSpPr>
+          <p:spPr>
+            <a:xfrm flipV="1">
+              <a:off x="1843314" y="3860800"/>
+              <a:ext cx="537029" cy="370897"/>
+            </a:xfrm>
+            <a:prstGeom prst="straightConnector1">
+              <a:avLst/>
+            </a:prstGeom>
+            <a:ln>
+              <a:tailEnd type="triangle"/>
+            </a:ln>
+          </p:spPr>
+          <p:style>
+            <a:lnRef idx="1">
+              <a:schemeClr val="accent1"/>
+            </a:lnRef>
+            <a:fillRef idx="0">
+              <a:schemeClr val="accent1"/>
+            </a:fillRef>
+            <a:effectRef idx="0">
+              <a:schemeClr val="accent1"/>
+            </a:effectRef>
+            <a:fontRef idx="minor">
+              <a:schemeClr val="tx1"/>
+            </a:fontRef>
+          </p:style>
+        </p:cxnSp>
+        <p:sp>
+          <p:nvSpPr>
+            <p:cNvPr id="12" name="TextBox 11">
+              <a:extLst>
+                <a:ext uri="{FF2B5EF4-FFF2-40B4-BE49-F238E27FC236}">
+                  <a16:creationId xmlns:a16="http://schemas.microsoft.com/office/drawing/2014/main" id="{4BDC703D-36DB-657C-41A1-783DF5BF4E9E}"/>
+                </a:ext>
+              </a:extLst>
+            </p:cNvPr>
+            <p:cNvSpPr txBox="1"/>
+            <p:nvPr/>
+          </p:nvSpPr>
+          <p:spPr>
+            <a:xfrm>
+              <a:off x="1365553" y="4231697"/>
+              <a:ext cx="635302" cy="369332"/>
+            </a:xfrm>
+            <a:prstGeom prst="rect">
+              <a:avLst/>
+            </a:prstGeom>
+            <a:noFill/>
+          </p:spPr>
+          <p:txBody>
+            <a:bodyPr wrap="none" rtlCol="0">
+              <a:spAutoFit/>
+            </a:bodyPr>
+            <a:lstStyle/>
+            <a:p>
+              <a:r>
+                <a:rPr lang="en-US" dirty="0"/>
+                <a:t>10px</a:t>
+              </a:r>
+            </a:p>
+          </p:txBody>
+        </p:sp>
+      </p:grpSp>
+      <p:cxnSp>
+        <p:nvCxnSpPr>
+          <p:cNvPr id="15" name="Straight Arrow Connector 14">
+            <a:extLst>
+              <a:ext uri="{FF2B5EF4-FFF2-40B4-BE49-F238E27FC236}">
+                <a16:creationId xmlns:a16="http://schemas.microsoft.com/office/drawing/2014/main" id="{4E6E1B8F-8EB5-E49F-799E-24EC35998D80}"/>
+              </a:ext>
+            </a:extLst>
+          </p:cNvPr>
+          <p:cNvCxnSpPr>
+            <a:cxnSpLocks/>
+          </p:cNvCxnSpPr>
+          <p:nvPr/>
+        </p:nvCxnSpPr>
+        <p:spPr>
+          <a:xfrm flipH="1" flipV="1">
+            <a:off x="10116457" y="4046248"/>
+            <a:ext cx="448733" cy="141907"/>
+          </a:xfrm>
+          <a:prstGeom prst="straightConnector1">
+            <a:avLst/>
+          </a:prstGeom>
+          <a:ln>
+            <a:tailEnd type="triangle"/>
+          </a:ln>
+        </p:spPr>
+        <p:style>
+          <a:lnRef idx="1">
+            <a:schemeClr val="accent1"/>
+          </a:lnRef>
+          <a:fillRef idx="0">
+            <a:schemeClr val="accent1"/>
+          </a:fillRef>
+          <a:effectRef idx="0">
+            <a:schemeClr val="accent1"/>
+          </a:effectRef>
+          <a:fontRef idx="minor">
+            <a:schemeClr val="tx1"/>
+          </a:fontRef>
+        </p:style>
+      </p:cxnSp>
+      <p:sp>
+        <p:nvSpPr>
+          <p:cNvPr id="16" name="TextBox 15">
+            <a:extLst>
+              <a:ext uri="{FF2B5EF4-FFF2-40B4-BE49-F238E27FC236}">
+                <a16:creationId xmlns:a16="http://schemas.microsoft.com/office/drawing/2014/main" id="{915B2A95-E7FF-DFF6-7115-583C80AB5A6C}"/>
+              </a:ext>
+            </a:extLst>
+          </p:cNvPr>
+          <p:cNvSpPr txBox="1"/>
+          <p:nvPr/>
+        </p:nvSpPr>
+        <p:spPr>
+          <a:xfrm>
+            <a:off x="10087429" y="4188155"/>
+            <a:ext cx="635302" cy="369332"/>
+          </a:xfrm>
+          <a:prstGeom prst="rect">
+            <a:avLst/>
+          </a:prstGeom>
+          <a:noFill/>
+        </p:spPr>
+        <p:txBody>
+          <a:bodyPr wrap="none" rtlCol="0">
+            <a:spAutoFit/>
+          </a:bodyPr>
+          <a:lstStyle/>
+          <a:p>
+            <a:r>
+              <a:rPr lang="en-US" dirty="0"/>
+              <a:t>10px</a:t>
+            </a:r>
+          </a:p>
+        </p:txBody>
+      </p:sp>
+      <p:cxnSp>
+        <p:nvCxnSpPr>
+          <p:cNvPr id="18" name="Straight Arrow Connector 17">
+            <a:extLst>
+              <a:ext uri="{FF2B5EF4-FFF2-40B4-BE49-F238E27FC236}">
+                <a16:creationId xmlns:a16="http://schemas.microsoft.com/office/drawing/2014/main" id="{AE57F66B-C222-2388-8F50-7FD2ACB1D219}"/>
+              </a:ext>
+            </a:extLst>
+          </p:cNvPr>
+          <p:cNvCxnSpPr>
+            <a:cxnSpLocks/>
+          </p:cNvCxnSpPr>
+          <p:nvPr/>
+        </p:nvCxnSpPr>
+        <p:spPr>
+          <a:xfrm flipH="1" flipV="1">
+            <a:off x="9290805" y="3317298"/>
+            <a:ext cx="448733" cy="141907"/>
+          </a:xfrm>
+          <a:prstGeom prst="straightConnector1">
+            <a:avLst/>
+          </a:prstGeom>
+          <a:ln>
+            <a:tailEnd type="triangle"/>
+          </a:ln>
+        </p:spPr>
+        <p:style>
+          <a:lnRef idx="1">
+            <a:schemeClr val="accent1"/>
+          </a:lnRef>
+          <a:fillRef idx="0">
+            <a:schemeClr val="accent1"/>
+          </a:fillRef>
+          <a:effectRef idx="0">
+            <a:schemeClr val="accent1"/>
+          </a:effectRef>
+          <a:fontRef idx="minor">
+            <a:schemeClr val="tx1"/>
+          </a:fontRef>
+        </p:style>
+      </p:cxnSp>
+      <p:sp>
+        <p:nvSpPr>
+          <p:cNvPr id="19" name="TextBox 18">
+            <a:extLst>
+              <a:ext uri="{FF2B5EF4-FFF2-40B4-BE49-F238E27FC236}">
+                <a16:creationId xmlns:a16="http://schemas.microsoft.com/office/drawing/2014/main" id="{89CC1F24-30B5-2C1B-0E1C-4D87263530F0}"/>
+              </a:ext>
+            </a:extLst>
+          </p:cNvPr>
+          <p:cNvSpPr txBox="1"/>
+          <p:nvPr/>
+        </p:nvSpPr>
+        <p:spPr>
+          <a:xfrm>
+            <a:off x="9261777" y="3459205"/>
+            <a:ext cx="635302" cy="369332"/>
+          </a:xfrm>
+          <a:prstGeom prst="rect">
+            <a:avLst/>
+          </a:prstGeom>
+          <a:noFill/>
+        </p:spPr>
+        <p:txBody>
+          <a:bodyPr wrap="none" rtlCol="0">
+            <a:spAutoFit/>
+          </a:bodyPr>
+          <a:lstStyle/>
+          <a:p>
+            <a:r>
+              <a:rPr lang="en-US" dirty="0"/>
+              <a:t>10px</a:t>
+            </a:r>
+          </a:p>
+        </p:txBody>
+      </p:sp>
+      <p:cxnSp>
+        <p:nvCxnSpPr>
+          <p:cNvPr id="20" name="Straight Arrow Connector 19">
+            <a:extLst>
+              <a:ext uri="{FF2B5EF4-FFF2-40B4-BE49-F238E27FC236}">
+                <a16:creationId xmlns:a16="http://schemas.microsoft.com/office/drawing/2014/main" id="{C1B750A5-C3E9-BED2-75D8-54868ACB0394}"/>
+              </a:ext>
+            </a:extLst>
+          </p:cNvPr>
+          <p:cNvCxnSpPr>
+            <a:cxnSpLocks/>
+            <a:stCxn id="21" idx="0"/>
+          </p:cNvCxnSpPr>
+          <p:nvPr/>
+        </p:nvCxnSpPr>
+        <p:spPr>
+          <a:xfrm flipV="1">
+            <a:off x="2725358" y="2890239"/>
+            <a:ext cx="317651" cy="308819"/>
+          </a:xfrm>
+          <a:prstGeom prst="straightConnector1">
+            <a:avLst/>
+          </a:prstGeom>
+          <a:ln>
+            <a:tailEnd type="triangle"/>
+          </a:ln>
+        </p:spPr>
+        <p:style>
+          <a:lnRef idx="1">
+            <a:schemeClr val="accent1"/>
+          </a:lnRef>
+          <a:fillRef idx="0">
+            <a:schemeClr val="accent1"/>
+          </a:fillRef>
+          <a:effectRef idx="0">
+            <a:schemeClr val="accent1"/>
+          </a:effectRef>
+          <a:fontRef idx="minor">
+            <a:schemeClr val="tx1"/>
+          </a:fontRef>
+        </p:style>
+      </p:cxnSp>
+      <p:sp>
+        <p:nvSpPr>
+          <p:cNvPr id="21" name="TextBox 20">
+            <a:extLst>
+              <a:ext uri="{FF2B5EF4-FFF2-40B4-BE49-F238E27FC236}">
+                <a16:creationId xmlns:a16="http://schemas.microsoft.com/office/drawing/2014/main" id="{22420C33-401E-207C-6B31-E063E3FEA62F}"/>
+              </a:ext>
+            </a:extLst>
+          </p:cNvPr>
+          <p:cNvSpPr txBox="1"/>
+          <p:nvPr/>
+        </p:nvSpPr>
+        <p:spPr>
+          <a:xfrm>
+            <a:off x="2407707" y="3199058"/>
+            <a:ext cx="635302" cy="369332"/>
+          </a:xfrm>
+          <a:prstGeom prst="rect">
+            <a:avLst/>
+          </a:prstGeom>
+          <a:noFill/>
+        </p:spPr>
+        <p:txBody>
+          <a:bodyPr wrap="none" rtlCol="0">
+            <a:spAutoFit/>
+          </a:bodyPr>
+          <a:lstStyle/>
+          <a:p>
+            <a:r>
+              <a:rPr lang="en-US" dirty="0"/>
+              <a:t>10px</a:t>
+            </a:r>
+          </a:p>
+        </p:txBody>
+      </p:sp>
+      <p:sp>
+        <p:nvSpPr>
+          <p:cNvPr id="24" name="TextBox 23">
+            <a:extLst>
+              <a:ext uri="{FF2B5EF4-FFF2-40B4-BE49-F238E27FC236}">
+                <a16:creationId xmlns:a16="http://schemas.microsoft.com/office/drawing/2014/main" id="{4D374A3A-64EA-3A67-4A0A-85B1BD23D35A}"/>
+              </a:ext>
+            </a:extLst>
+          </p:cNvPr>
+          <p:cNvSpPr txBox="1"/>
+          <p:nvPr/>
+        </p:nvSpPr>
+        <p:spPr>
+          <a:xfrm>
+            <a:off x="5872239" y="5747657"/>
+            <a:ext cx="1963294" cy="369332"/>
+          </a:xfrm>
+          <a:prstGeom prst="rect">
+            <a:avLst/>
+          </a:prstGeom>
+          <a:noFill/>
+        </p:spPr>
+        <p:txBody>
+          <a:bodyPr wrap="none" rtlCol="0">
+            <a:spAutoFit/>
+          </a:bodyPr>
+          <a:lstStyle/>
+          <a:p>
+            <a:r>
+              <a:rPr lang="en-US" dirty="0"/>
+              <a:t>Total width : 240px</a:t>
+            </a:r>
+          </a:p>
+        </p:txBody>
+      </p:sp>
+    </p:spTree>
+    <p:extLst>
+      <p:ext uri="{BB962C8B-B14F-4D97-AF65-F5344CB8AC3E}">
+        <p14:creationId xmlns:p14="http://schemas.microsoft.com/office/powerpoint/2010/main" val="1804681001"/>
+      </p:ext>
+    </p:extLst>
+  </p:cSld>
+  <p:clrMapOvr>
+    <a:masterClrMapping/>
+  </p:clrMapOvr>
+</p:sld>
+</file>
+
+<file path=ppt/slides/slide22.xml><?xml version="1.0" encoding="utf-8"?>
+<p:sld xmlns:a="http://schemas.openxmlformats.org/drawingml/2006/main" xmlns:r="http://schemas.openxmlformats.org/officeDocument/2006/relationships" xmlns:p="http://schemas.openxmlformats.org/presentationml/2006/main">
+  <p:cSld>
+    <p:spTree>
+      <p:nvGrpSpPr>
+        <p:cNvPr id="1" name=""/>
+        <p:cNvGrpSpPr/>
+        <p:nvPr/>
+      </p:nvGrpSpPr>
+      <p:grpSpPr>
+        <a:xfrm>
+          <a:off x="0" y="0"/>
+          <a:ext cx="0" cy="0"/>
+          <a:chOff x="0" y="0"/>
+          <a:chExt cx="0" cy="0"/>
+        </a:xfrm>
+      </p:grpSpPr>
+      <p:sp>
+        <p:nvSpPr>
+          <p:cNvPr id="2" name="Title 1">
+            <a:extLst>
+              <a:ext uri="{FF2B5EF4-FFF2-40B4-BE49-F238E27FC236}">
+                <a16:creationId xmlns:a16="http://schemas.microsoft.com/office/drawing/2014/main" id="{92E65A99-6348-6CA5-C0CB-5679A44BF7B3}"/>
+              </a:ext>
+            </a:extLst>
+          </p:cNvPr>
+          <p:cNvSpPr>
+            <a:spLocks noGrp="1"/>
+          </p:cNvSpPr>
+          <p:nvPr>
+            <p:ph type="title"/>
+          </p:nvPr>
+        </p:nvSpPr>
+        <p:spPr/>
+        <p:txBody>
+          <a:bodyPr/>
+          <a:lstStyle/>
+          <a:p>
+            <a:r>
+              <a:rPr lang="en-US" dirty="0"/>
+              <a:t>CSS overflow</a:t>
+            </a:r>
+          </a:p>
+        </p:txBody>
+      </p:sp>
+      <p:sp>
+        <p:nvSpPr>
+          <p:cNvPr id="3" name="Content Placeholder 2">
+            <a:extLst>
+              <a:ext uri="{FF2B5EF4-FFF2-40B4-BE49-F238E27FC236}">
+                <a16:creationId xmlns:a16="http://schemas.microsoft.com/office/drawing/2014/main" id="{4E761107-62B3-6379-0017-F61C1BB62409}"/>
+              </a:ext>
+            </a:extLst>
+          </p:cNvPr>
+          <p:cNvSpPr>
+            <a:spLocks noGrp="1"/>
+          </p:cNvSpPr>
+          <p:nvPr>
+            <p:ph idx="1"/>
+          </p:nvPr>
+        </p:nvSpPr>
+        <p:spPr>
+          <a:xfrm>
+            <a:off x="838200" y="1825625"/>
+            <a:ext cx="3370943" cy="4351338"/>
+          </a:xfrm>
+        </p:spPr>
+        <p:txBody>
+          <a:bodyPr/>
+          <a:lstStyle/>
+          <a:p>
+            <a:pPr marL="0" indent="0">
+              <a:buNone/>
+            </a:pPr>
+            <a:r>
+              <a:rPr lang="en-US" dirty="0"/>
+              <a:t>Overflow Properties		</a:t>
+            </a:r>
+          </a:p>
+          <a:p>
+            <a:r>
+              <a:rPr lang="en-US" dirty="0"/>
+              <a:t>Hidden</a:t>
+            </a:r>
+          </a:p>
+          <a:p>
+            <a:r>
+              <a:rPr lang="en-US" dirty="0"/>
+              <a:t>Scroll</a:t>
+            </a:r>
+          </a:p>
+          <a:p>
+            <a:r>
+              <a:rPr lang="en-US" dirty="0"/>
+              <a:t>Auto</a:t>
+            </a:r>
+          </a:p>
+          <a:p>
+            <a:r>
+              <a:rPr lang="en-US" dirty="0"/>
+              <a:t>visible</a:t>
+            </a:r>
+          </a:p>
+        </p:txBody>
+      </p:sp>
+      <p:sp>
+        <p:nvSpPr>
+          <p:cNvPr id="4" name="Content Placeholder 2">
+            <a:extLst>
+              <a:ext uri="{FF2B5EF4-FFF2-40B4-BE49-F238E27FC236}">
+                <a16:creationId xmlns:a16="http://schemas.microsoft.com/office/drawing/2014/main" id="{62011515-63BD-D332-49A4-C9E8DE13C3D0}"/>
+              </a:ext>
+            </a:extLst>
+          </p:cNvPr>
+          <p:cNvSpPr txBox="1">
+            <a:spLocks/>
+          </p:cNvSpPr>
+          <p:nvPr/>
+        </p:nvSpPr>
+        <p:spPr>
+          <a:xfrm>
+            <a:off x="5279571" y="1825625"/>
+            <a:ext cx="3370943" cy="4351338"/>
+          </a:xfrm>
+          <a:prstGeom prst="rect">
+            <a:avLst/>
+          </a:prstGeom>
+        </p:spPr>
+        <p:txBody>
+          <a:bodyPr vert="horz" lIns="91440" tIns="45720" rIns="91440" bIns="45720" rtlCol="0">
+            <a:normAutofit/>
+          </a:bodyPr>
+          <a:lstStyle>
+            <a:lvl1pPr marL="228600" indent="-228600" algn="l" defTabSz="914400" rtl="0" eaLnBrk="1" latinLnBrk="0" hangingPunct="1">
+              <a:lnSpc>
+                <a:spcPct val="90000"/>
+              </a:lnSpc>
+              <a:spcBef>
+                <a:spcPts val="1000"/>
+              </a:spcBef>
+              <a:buFont typeface="Arial" panose="020B0604020202020204" pitchFamily="34" charset="0"/>
+              <a:buChar char="•"/>
+              <a:defRPr sz="2800" kern="1200">
+                <a:solidFill>
+                  <a:schemeClr val="tx1"/>
+                </a:solidFill>
+                <a:latin typeface="+mn-lt"/>
+                <a:ea typeface="+mn-ea"/>
+                <a:cs typeface="+mn-cs"/>
+              </a:defRPr>
+            </a:lvl1pPr>
+            <a:lvl2pPr marL="685800" indent="-228600" algn="l" defTabSz="914400" rtl="0" eaLnBrk="1" latinLnBrk="0" hangingPunct="1">
+              <a:lnSpc>
+                <a:spcPct val="90000"/>
+              </a:lnSpc>
+              <a:spcBef>
+                <a:spcPts val="500"/>
+              </a:spcBef>
+              <a:buFont typeface="Arial" panose="020B0604020202020204" pitchFamily="34" charset="0"/>
+              <a:buChar char="•"/>
+              <a:defRPr sz="2400" kern="1200">
+                <a:solidFill>
+                  <a:schemeClr val="tx1"/>
+                </a:solidFill>
+                <a:latin typeface="+mn-lt"/>
+                <a:ea typeface="+mn-ea"/>
+                <a:cs typeface="+mn-cs"/>
+              </a:defRPr>
+            </a:lvl2pPr>
+            <a:lvl3pPr marL="1143000" indent="-228600" algn="l" defTabSz="914400" rtl="0" eaLnBrk="1" latinLnBrk="0" hangingPunct="1">
+              <a:lnSpc>
+                <a:spcPct val="90000"/>
+              </a:lnSpc>
+              <a:spcBef>
+                <a:spcPts val="500"/>
+              </a:spcBef>
+              <a:buFont typeface="Arial" panose="020B0604020202020204" pitchFamily="34" charset="0"/>
+              <a:buChar char="•"/>
+              <a:defRPr sz="2000" kern="1200">
+                <a:solidFill>
+                  <a:schemeClr val="tx1"/>
+                </a:solidFill>
+                <a:latin typeface="+mn-lt"/>
+                <a:ea typeface="+mn-ea"/>
+                <a:cs typeface="+mn-cs"/>
+              </a:defRPr>
+            </a:lvl3pPr>
+            <a:lvl4pPr marL="1600200" indent="-228600" algn="l" defTabSz="914400" rtl="0" eaLnBrk="1" latinLnBrk="0" hangingPunct="1">
+              <a:lnSpc>
+                <a:spcPct val="90000"/>
+              </a:lnSpc>
+              <a:spcBef>
+                <a:spcPts val="500"/>
+              </a:spcBef>
+              <a:buFont typeface="Arial" panose="020B0604020202020204" pitchFamily="34" charset="0"/>
+              <a:buChar char="•"/>
+              <a:defRPr sz="1800" kern="1200">
+                <a:solidFill>
+                  <a:schemeClr val="tx1"/>
+                </a:solidFill>
+                <a:latin typeface="+mn-lt"/>
+                <a:ea typeface="+mn-ea"/>
+                <a:cs typeface="+mn-cs"/>
+              </a:defRPr>
+            </a:lvl4pPr>
+            <a:lvl5pPr marL="2057400" indent="-228600" algn="l" defTabSz="914400" rtl="0" eaLnBrk="1" latinLnBrk="0" hangingPunct="1">
+              <a:lnSpc>
+                <a:spcPct val="90000"/>
+              </a:lnSpc>
+              <a:spcBef>
+                <a:spcPts val="500"/>
+              </a:spcBef>
+              <a:buFont typeface="Arial" panose="020B0604020202020204" pitchFamily="34" charset="0"/>
+              <a:buChar char="•"/>
+              <a:defRPr sz="1800" kern="1200">
+                <a:solidFill>
+                  <a:schemeClr val="tx1"/>
+                </a:solidFill>
+                <a:latin typeface="+mn-lt"/>
+                <a:ea typeface="+mn-ea"/>
+                <a:cs typeface="+mn-cs"/>
+              </a:defRPr>
+            </a:lvl5pPr>
+            <a:lvl6pPr marL="2514600" indent="-228600" algn="l" defTabSz="914400" rtl="0" eaLnBrk="1" latinLnBrk="0" hangingPunct="1">
+              <a:lnSpc>
+                <a:spcPct val="90000"/>
+              </a:lnSpc>
+              <a:spcBef>
+                <a:spcPts val="500"/>
+              </a:spcBef>
+              <a:buFont typeface="Arial" panose="020B0604020202020204" pitchFamily="34" charset="0"/>
+              <a:buChar char="•"/>
+              <a:defRPr sz="1800" kern="1200">
+                <a:solidFill>
+                  <a:schemeClr val="tx1"/>
+                </a:solidFill>
+                <a:latin typeface="+mn-lt"/>
+                <a:ea typeface="+mn-ea"/>
+                <a:cs typeface="+mn-cs"/>
+              </a:defRPr>
+            </a:lvl6pPr>
+            <a:lvl7pPr marL="2971800" indent="-228600" algn="l" defTabSz="914400" rtl="0" eaLnBrk="1" latinLnBrk="0" hangingPunct="1">
+              <a:lnSpc>
+                <a:spcPct val="90000"/>
+              </a:lnSpc>
+              <a:spcBef>
+                <a:spcPts val="500"/>
+              </a:spcBef>
+              <a:buFont typeface="Arial" panose="020B0604020202020204" pitchFamily="34" charset="0"/>
+              <a:buChar char="•"/>
+              <a:defRPr sz="1800" kern="1200">
+                <a:solidFill>
+                  <a:schemeClr val="tx1"/>
+                </a:solidFill>
+                <a:latin typeface="+mn-lt"/>
+                <a:ea typeface="+mn-ea"/>
+                <a:cs typeface="+mn-cs"/>
+              </a:defRPr>
+            </a:lvl7pPr>
+            <a:lvl8pPr marL="3429000" indent="-228600" algn="l" defTabSz="914400" rtl="0" eaLnBrk="1" latinLnBrk="0" hangingPunct="1">
+              <a:lnSpc>
+                <a:spcPct val="90000"/>
+              </a:lnSpc>
+              <a:spcBef>
+                <a:spcPts val="500"/>
+              </a:spcBef>
+              <a:buFont typeface="Arial" panose="020B0604020202020204" pitchFamily="34" charset="0"/>
+              <a:buChar char="•"/>
+              <a:defRPr sz="1800" kern="1200">
+                <a:solidFill>
+                  <a:schemeClr val="tx1"/>
+                </a:solidFill>
+                <a:latin typeface="+mn-lt"/>
+                <a:ea typeface="+mn-ea"/>
+                <a:cs typeface="+mn-cs"/>
+              </a:defRPr>
+            </a:lvl8pPr>
+            <a:lvl9pPr marL="3886200" indent="-228600" algn="l" defTabSz="914400" rtl="0" eaLnBrk="1" latinLnBrk="0" hangingPunct="1">
+              <a:lnSpc>
+                <a:spcPct val="90000"/>
+              </a:lnSpc>
+              <a:spcBef>
+                <a:spcPts val="500"/>
+              </a:spcBef>
+              <a:buFont typeface="Arial" panose="020B0604020202020204" pitchFamily="34" charset="0"/>
+              <a:buChar char="•"/>
+              <a:defRPr sz="1800" kern="1200">
+                <a:solidFill>
+                  <a:schemeClr val="tx1"/>
+                </a:solidFill>
+                <a:latin typeface="+mn-lt"/>
+                <a:ea typeface="+mn-ea"/>
+                <a:cs typeface="+mn-cs"/>
+              </a:defRPr>
+            </a:lvl9pPr>
+          </a:lstStyle>
+          <a:p>
+            <a:pPr marL="0" indent="0">
+              <a:buFont typeface="Arial" panose="020B0604020202020204" pitchFamily="34" charset="0"/>
+              <a:buNone/>
+            </a:pPr>
+            <a:r>
+              <a:rPr lang="en-US" dirty="0"/>
+              <a:t>3 type of Overflow Properties		</a:t>
+            </a:r>
+          </a:p>
+          <a:p>
+            <a:r>
+              <a:rPr lang="en-US" dirty="0"/>
+              <a:t>Overflow</a:t>
+            </a:r>
+          </a:p>
+          <a:p>
+            <a:r>
+              <a:rPr lang="en-US" dirty="0"/>
+              <a:t>Overflow-x</a:t>
+            </a:r>
+          </a:p>
+          <a:p>
+            <a:r>
+              <a:rPr lang="en-US" dirty="0"/>
+              <a:t>Overflow-y</a:t>
+            </a:r>
+          </a:p>
+        </p:txBody>
+      </p:sp>
+    </p:spTree>
+    <p:extLst>
+      <p:ext uri="{BB962C8B-B14F-4D97-AF65-F5344CB8AC3E}">
+        <p14:creationId xmlns:p14="http://schemas.microsoft.com/office/powerpoint/2010/main" val="1724437432"/>
+      </p:ext>
+    </p:extLst>
+  </p:cSld>
+  <p:clrMapOvr>
+    <a:masterClrMapping/>
+  </p:clrMapOvr>
+</p:sld>
+</file>
+
+<file path=ppt/slides/slide23.xml><?xml version="1.0" encoding="utf-8"?>
+<p:sld xmlns:a="http://schemas.openxmlformats.org/drawingml/2006/main" xmlns:r="http://schemas.openxmlformats.org/officeDocument/2006/relationships" xmlns:p="http://schemas.openxmlformats.org/presentationml/2006/main">
+  <p:cSld>
+    <p:spTree>
+      <p:nvGrpSpPr>
+        <p:cNvPr id="1" name=""/>
+        <p:cNvGrpSpPr/>
+        <p:nvPr/>
+      </p:nvGrpSpPr>
+      <p:grpSpPr>
+        <a:xfrm>
+          <a:off x="0" y="0"/>
+          <a:ext cx="0" cy="0"/>
+          <a:chOff x="0" y="0"/>
+          <a:chExt cx="0" cy="0"/>
+        </a:xfrm>
+      </p:grpSpPr>
+      <p:sp>
+        <p:nvSpPr>
+          <p:cNvPr id="2" name="Title 1">
+            <a:extLst>
+              <a:ext uri="{FF2B5EF4-FFF2-40B4-BE49-F238E27FC236}">
+                <a16:creationId xmlns:a16="http://schemas.microsoft.com/office/drawing/2014/main" id="{AC7B3C30-9952-3596-908C-35C202FC4788}"/>
+              </a:ext>
+            </a:extLst>
+          </p:cNvPr>
+          <p:cNvSpPr>
+            <a:spLocks noGrp="1"/>
+          </p:cNvSpPr>
+          <p:nvPr>
+            <p:ph type="title"/>
+          </p:nvPr>
+        </p:nvSpPr>
+        <p:spPr/>
+        <p:txBody>
+          <a:bodyPr/>
+          <a:lstStyle/>
+          <a:p>
+            <a:r>
+              <a:rPr lang="en-US" dirty="0"/>
+              <a:t>CSS Border-Radius</a:t>
+            </a:r>
+          </a:p>
+        </p:txBody>
+      </p:sp>
+      <p:sp>
+        <p:nvSpPr>
+          <p:cNvPr id="3" name="Content Placeholder 2">
+            <a:extLst>
+              <a:ext uri="{FF2B5EF4-FFF2-40B4-BE49-F238E27FC236}">
+                <a16:creationId xmlns:a16="http://schemas.microsoft.com/office/drawing/2014/main" id="{68AB1ABA-0C60-8939-1C8A-92CDC55A60CA}"/>
+              </a:ext>
+            </a:extLst>
+          </p:cNvPr>
+          <p:cNvSpPr>
+            <a:spLocks noGrp="1"/>
+          </p:cNvSpPr>
+          <p:nvPr>
+            <p:ph idx="1"/>
+          </p:nvPr>
+        </p:nvSpPr>
+        <p:spPr/>
+        <p:txBody>
+          <a:bodyPr/>
+          <a:lstStyle/>
+          <a:p>
+            <a:r>
+              <a:rPr lang="en-US" dirty="0"/>
+              <a:t>Border-top-left-radius</a:t>
+            </a:r>
+          </a:p>
+          <a:p>
+            <a:r>
+              <a:rPr lang="en-US" dirty="0"/>
+              <a:t>Border-top-right-radius</a:t>
+            </a:r>
+          </a:p>
+          <a:p>
+            <a:r>
+              <a:rPr lang="en-US" dirty="0"/>
+              <a:t>Border-bottom-right-radius</a:t>
+            </a:r>
+          </a:p>
+          <a:p>
+            <a:r>
+              <a:rPr lang="en-US" dirty="0"/>
+              <a:t>Border-bottom-left-radius</a:t>
+            </a:r>
+          </a:p>
+          <a:p>
+            <a:endParaRPr lang="en-US" dirty="0"/>
+          </a:p>
+          <a:p>
+            <a:endParaRPr lang="en-US" dirty="0"/>
+          </a:p>
+          <a:p>
+            <a:r>
+              <a:rPr lang="en-US" dirty="0"/>
+              <a:t>Border-radius</a:t>
+            </a:r>
+          </a:p>
+        </p:txBody>
+      </p:sp>
+    </p:spTree>
+    <p:extLst>
+      <p:ext uri="{BB962C8B-B14F-4D97-AF65-F5344CB8AC3E}">
+        <p14:creationId xmlns:p14="http://schemas.microsoft.com/office/powerpoint/2010/main" val="1127112880"/>
       </p:ext>
     </p:extLst>
   </p:cSld>

--- a/CSS3.pptx
+++ b/CSS3.pptx
@@ -28,6 +28,9 @@
     <p:sldId id="276" r:id="rId22"/>
     <p:sldId id="277" r:id="rId23"/>
     <p:sldId id="278" r:id="rId24"/>
+    <p:sldId id="279" r:id="rId25"/>
+    <p:sldId id="280" r:id="rId26"/>
+    <p:sldId id="281" r:id="rId27"/>
   </p:sldIdLst>
   <p:sldSz cx="12192000" cy="6858000"/>
   <p:notesSz cx="6858000" cy="9144000"/>
@@ -281,7 +284,7 @@
           <a:p>
             <a:fld id="{099F8D66-D1E1-489E-B08C-301570902999}" type="datetimeFigureOut">
               <a:rPr lang="en-US" smtClean="0"/>
-              <a:t>6/24/2024</a:t>
+              <a:t>6/25/2024</a:t>
             </a:fld>
             <a:endParaRPr lang="en-US"/>
           </a:p>
@@ -479,7 +482,7 @@
           <a:p>
             <a:fld id="{099F8D66-D1E1-489E-B08C-301570902999}" type="datetimeFigureOut">
               <a:rPr lang="en-US" smtClean="0"/>
-              <a:t>6/24/2024</a:t>
+              <a:t>6/25/2024</a:t>
             </a:fld>
             <a:endParaRPr lang="en-US"/>
           </a:p>
@@ -687,7 +690,7 @@
           <a:p>
             <a:fld id="{099F8D66-D1E1-489E-B08C-301570902999}" type="datetimeFigureOut">
               <a:rPr lang="en-US" smtClean="0"/>
-              <a:t>6/24/2024</a:t>
+              <a:t>6/25/2024</a:t>
             </a:fld>
             <a:endParaRPr lang="en-US"/>
           </a:p>
@@ -885,7 +888,7 @@
           <a:p>
             <a:fld id="{099F8D66-D1E1-489E-B08C-301570902999}" type="datetimeFigureOut">
               <a:rPr lang="en-US" smtClean="0"/>
-              <a:t>6/24/2024</a:t>
+              <a:t>6/25/2024</a:t>
             </a:fld>
             <a:endParaRPr lang="en-US"/>
           </a:p>
@@ -1160,7 +1163,7 @@
           <a:p>
             <a:fld id="{099F8D66-D1E1-489E-B08C-301570902999}" type="datetimeFigureOut">
               <a:rPr lang="en-US" smtClean="0"/>
-              <a:t>6/24/2024</a:t>
+              <a:t>6/25/2024</a:t>
             </a:fld>
             <a:endParaRPr lang="en-US"/>
           </a:p>
@@ -1425,7 +1428,7 @@
           <a:p>
             <a:fld id="{099F8D66-D1E1-489E-B08C-301570902999}" type="datetimeFigureOut">
               <a:rPr lang="en-US" smtClean="0"/>
-              <a:t>6/24/2024</a:t>
+              <a:t>6/25/2024</a:t>
             </a:fld>
             <a:endParaRPr lang="en-US"/>
           </a:p>
@@ -1837,7 +1840,7 @@
           <a:p>
             <a:fld id="{099F8D66-D1E1-489E-B08C-301570902999}" type="datetimeFigureOut">
               <a:rPr lang="en-US" smtClean="0"/>
-              <a:t>6/24/2024</a:t>
+              <a:t>6/25/2024</a:t>
             </a:fld>
             <a:endParaRPr lang="en-US"/>
           </a:p>
@@ -1978,7 +1981,7 @@
           <a:p>
             <a:fld id="{099F8D66-D1E1-489E-B08C-301570902999}" type="datetimeFigureOut">
               <a:rPr lang="en-US" smtClean="0"/>
-              <a:t>6/24/2024</a:t>
+              <a:t>6/25/2024</a:t>
             </a:fld>
             <a:endParaRPr lang="en-US"/>
           </a:p>
@@ -2091,7 +2094,7 @@
           <a:p>
             <a:fld id="{099F8D66-D1E1-489E-B08C-301570902999}" type="datetimeFigureOut">
               <a:rPr lang="en-US" smtClean="0"/>
-              <a:t>6/24/2024</a:t>
+              <a:t>6/25/2024</a:t>
             </a:fld>
             <a:endParaRPr lang="en-US"/>
           </a:p>
@@ -2402,7 +2405,7 @@
           <a:p>
             <a:fld id="{099F8D66-D1E1-489E-B08C-301570902999}" type="datetimeFigureOut">
               <a:rPr lang="en-US" smtClean="0"/>
-              <a:t>6/24/2024</a:t>
+              <a:t>6/25/2024</a:t>
             </a:fld>
             <a:endParaRPr lang="en-US"/>
           </a:p>
@@ -2690,7 +2693,7 @@
           <a:p>
             <a:fld id="{099F8D66-D1E1-489E-B08C-301570902999}" type="datetimeFigureOut">
               <a:rPr lang="en-US" smtClean="0"/>
-              <a:t>6/24/2024</a:t>
+              <a:t>6/25/2024</a:t>
             </a:fld>
             <a:endParaRPr lang="en-US"/>
           </a:p>
@@ -2931,7 +2934,7 @@
           <a:p>
             <a:fld id="{099F8D66-D1E1-489E-B08C-301570902999}" type="datetimeFigureOut">
               <a:rPr lang="en-US" smtClean="0"/>
-              <a:t>6/24/2024</a:t>
+              <a:t>6/25/2024</a:t>
             </a:fld>
             <a:endParaRPr lang="en-US"/>
           </a:p>
@@ -8182,6 +8185,739 @@
 </p:sld>
 </file>
 
+<file path=ppt/slides/slide24.xml><?xml version="1.0" encoding="utf-8"?>
+<p:sld xmlns:a="http://schemas.openxmlformats.org/drawingml/2006/main" xmlns:r="http://schemas.openxmlformats.org/officeDocument/2006/relationships" xmlns:p="http://schemas.openxmlformats.org/presentationml/2006/main">
+  <p:cSld>
+    <p:spTree>
+      <p:nvGrpSpPr>
+        <p:cNvPr id="1" name=""/>
+        <p:cNvGrpSpPr/>
+        <p:nvPr/>
+      </p:nvGrpSpPr>
+      <p:grpSpPr>
+        <a:xfrm>
+          <a:off x="0" y="0"/>
+          <a:ext cx="0" cy="0"/>
+          <a:chOff x="0" y="0"/>
+          <a:chExt cx="0" cy="0"/>
+        </a:xfrm>
+      </p:grpSpPr>
+      <p:sp>
+        <p:nvSpPr>
+          <p:cNvPr id="2" name="Title 1">
+            <a:extLst>
+              <a:ext uri="{FF2B5EF4-FFF2-40B4-BE49-F238E27FC236}">
+                <a16:creationId xmlns:a16="http://schemas.microsoft.com/office/drawing/2014/main" id="{01A1530C-6581-261A-8658-3189053AEBC2}"/>
+              </a:ext>
+            </a:extLst>
+          </p:cNvPr>
+          <p:cNvSpPr>
+            <a:spLocks noGrp="1"/>
+          </p:cNvSpPr>
+          <p:nvPr>
+            <p:ph type="title"/>
+          </p:nvPr>
+        </p:nvSpPr>
+        <p:spPr/>
+        <p:txBody>
+          <a:bodyPr/>
+          <a:lstStyle/>
+          <a:p>
+            <a:r>
+              <a:rPr lang="en-US" dirty="0"/>
+              <a:t>CSS: Box Shadow</a:t>
+            </a:r>
+          </a:p>
+        </p:txBody>
+      </p:sp>
+      <p:sp>
+        <p:nvSpPr>
+          <p:cNvPr id="4" name="Rectangle 3">
+            <a:extLst>
+              <a:ext uri="{FF2B5EF4-FFF2-40B4-BE49-F238E27FC236}">
+                <a16:creationId xmlns:a16="http://schemas.microsoft.com/office/drawing/2014/main" id="{2A8A0464-2AB2-6C4E-E3EB-8E1DCBAF3A63}"/>
+              </a:ext>
+            </a:extLst>
+          </p:cNvPr>
+          <p:cNvSpPr/>
+          <p:nvPr/>
+        </p:nvSpPr>
+        <p:spPr>
+          <a:xfrm>
+            <a:off x="6415314" y="609600"/>
+            <a:ext cx="2569029" cy="1325563"/>
+          </a:xfrm>
+          <a:prstGeom prst="rect">
+            <a:avLst/>
+          </a:prstGeom>
+          <a:effectLst>
+            <a:outerShdw blurRad="495300" dist="38100" dir="13500000" algn="br" rotWithShape="0">
+              <a:srgbClr val="FF0000"/>
+            </a:outerShdw>
+          </a:effectLst>
+        </p:spPr>
+        <p:style>
+          <a:lnRef idx="2">
+            <a:schemeClr val="accent1">
+              <a:shade val="15000"/>
+            </a:schemeClr>
+          </a:lnRef>
+          <a:fillRef idx="1">
+            <a:schemeClr val="accent1"/>
+          </a:fillRef>
+          <a:effectRef idx="0">
+            <a:schemeClr val="accent1"/>
+          </a:effectRef>
+          <a:fontRef idx="minor">
+            <a:schemeClr val="lt1"/>
+          </a:fontRef>
+        </p:style>
+        <p:txBody>
+          <a:bodyPr rtlCol="0" anchor="ctr"/>
+          <a:lstStyle/>
+          <a:p>
+            <a:pPr algn="ctr"/>
+            <a:endParaRPr lang="en-US"/>
+          </a:p>
+        </p:txBody>
+      </p:sp>
+      <p:sp>
+        <p:nvSpPr>
+          <p:cNvPr id="5" name="TextBox 4">
+            <a:extLst>
+              <a:ext uri="{FF2B5EF4-FFF2-40B4-BE49-F238E27FC236}">
+                <a16:creationId xmlns:a16="http://schemas.microsoft.com/office/drawing/2014/main" id="{B628D750-4728-FAA4-FCD2-9F0E197243FD}"/>
+              </a:ext>
+            </a:extLst>
+          </p:cNvPr>
+          <p:cNvSpPr txBox="1"/>
+          <p:nvPr/>
+        </p:nvSpPr>
+        <p:spPr>
+          <a:xfrm>
+            <a:off x="2830286" y="3715657"/>
+            <a:ext cx="6186758" cy="646331"/>
+          </a:xfrm>
+          <a:prstGeom prst="rect">
+            <a:avLst/>
+          </a:prstGeom>
+          <a:noFill/>
+        </p:spPr>
+        <p:txBody>
+          <a:bodyPr wrap="none" rtlCol="0">
+            <a:spAutoFit/>
+          </a:bodyPr>
+          <a:lstStyle/>
+          <a:p>
+            <a:r>
+              <a:rPr lang="en-US" dirty="0"/>
+              <a:t>Box-shadow: </a:t>
+            </a:r>
+            <a:r>
+              <a:rPr lang="en-US" sz="3600" dirty="0"/>
+              <a:t>2px </a:t>
+            </a:r>
+            <a:r>
+              <a:rPr lang="en-US" sz="3600" dirty="0" err="1"/>
+              <a:t>2px</a:t>
+            </a:r>
+            <a:r>
+              <a:rPr lang="en-US" sz="3600" dirty="0"/>
+              <a:t> 5px 10px orange;</a:t>
+            </a:r>
+            <a:endParaRPr lang="en-US" dirty="0"/>
+          </a:p>
+        </p:txBody>
+      </p:sp>
+      <p:sp>
+        <p:nvSpPr>
+          <p:cNvPr id="6" name="TextBox 5">
+            <a:extLst>
+              <a:ext uri="{FF2B5EF4-FFF2-40B4-BE49-F238E27FC236}">
+                <a16:creationId xmlns:a16="http://schemas.microsoft.com/office/drawing/2014/main" id="{A4DBFC26-9870-2102-8ACA-F52BFBF2C685}"/>
+              </a:ext>
+            </a:extLst>
+          </p:cNvPr>
+          <p:cNvSpPr txBox="1"/>
+          <p:nvPr/>
+        </p:nvSpPr>
+        <p:spPr>
+          <a:xfrm>
+            <a:off x="3827222" y="2720646"/>
+            <a:ext cx="938014" cy="369332"/>
+          </a:xfrm>
+          <a:prstGeom prst="rect">
+            <a:avLst/>
+          </a:prstGeom>
+          <a:noFill/>
+        </p:spPr>
+        <p:txBody>
+          <a:bodyPr wrap="none" rtlCol="0">
+            <a:spAutoFit/>
+          </a:bodyPr>
+          <a:lstStyle/>
+          <a:p>
+            <a:r>
+              <a:rPr lang="en-US" dirty="0"/>
+              <a:t>H-offset</a:t>
+            </a:r>
+          </a:p>
+        </p:txBody>
+      </p:sp>
+      <p:sp>
+        <p:nvSpPr>
+          <p:cNvPr id="7" name="TextBox 6">
+            <a:extLst>
+              <a:ext uri="{FF2B5EF4-FFF2-40B4-BE49-F238E27FC236}">
+                <a16:creationId xmlns:a16="http://schemas.microsoft.com/office/drawing/2014/main" id="{116686C2-F7E2-BF17-07EF-F225C0B7E9E5}"/>
+              </a:ext>
+            </a:extLst>
+          </p:cNvPr>
+          <p:cNvSpPr txBox="1"/>
+          <p:nvPr/>
+        </p:nvSpPr>
+        <p:spPr>
+          <a:xfrm>
+            <a:off x="4765236" y="4669135"/>
+            <a:ext cx="925190" cy="369332"/>
+          </a:xfrm>
+          <a:prstGeom prst="rect">
+            <a:avLst/>
+          </a:prstGeom>
+          <a:noFill/>
+        </p:spPr>
+        <p:txBody>
+          <a:bodyPr wrap="none" rtlCol="0">
+            <a:spAutoFit/>
+          </a:bodyPr>
+          <a:lstStyle/>
+          <a:p>
+            <a:r>
+              <a:rPr lang="en-US" dirty="0"/>
+              <a:t>V-offset</a:t>
+            </a:r>
+          </a:p>
+        </p:txBody>
+      </p:sp>
+      <p:sp>
+        <p:nvSpPr>
+          <p:cNvPr id="8" name="TextBox 7">
+            <a:extLst>
+              <a:ext uri="{FF2B5EF4-FFF2-40B4-BE49-F238E27FC236}">
+                <a16:creationId xmlns:a16="http://schemas.microsoft.com/office/drawing/2014/main" id="{55C2B7AA-6AE3-A3EA-B2CD-55FA7A9C2051}"/>
+              </a:ext>
+            </a:extLst>
+          </p:cNvPr>
+          <p:cNvSpPr txBox="1"/>
+          <p:nvPr/>
+        </p:nvSpPr>
+        <p:spPr>
+          <a:xfrm>
+            <a:off x="5690426" y="2753249"/>
+            <a:ext cx="561372" cy="369332"/>
+          </a:xfrm>
+          <a:prstGeom prst="rect">
+            <a:avLst/>
+          </a:prstGeom>
+          <a:noFill/>
+        </p:spPr>
+        <p:txBody>
+          <a:bodyPr wrap="none" rtlCol="0">
+            <a:spAutoFit/>
+          </a:bodyPr>
+          <a:lstStyle/>
+          <a:p>
+            <a:r>
+              <a:rPr lang="en-US" dirty="0"/>
+              <a:t>blur</a:t>
+            </a:r>
+          </a:p>
+        </p:txBody>
+      </p:sp>
+      <p:sp>
+        <p:nvSpPr>
+          <p:cNvPr id="9" name="TextBox 8">
+            <a:extLst>
+              <a:ext uri="{FF2B5EF4-FFF2-40B4-BE49-F238E27FC236}">
+                <a16:creationId xmlns:a16="http://schemas.microsoft.com/office/drawing/2014/main" id="{D110197B-22D4-BCEB-4D8D-6DD1054848D1}"/>
+              </a:ext>
+            </a:extLst>
+          </p:cNvPr>
+          <p:cNvSpPr txBox="1"/>
+          <p:nvPr/>
+        </p:nvSpPr>
+        <p:spPr>
+          <a:xfrm>
+            <a:off x="6648369" y="4618335"/>
+            <a:ext cx="821250" cy="369332"/>
+          </a:xfrm>
+          <a:prstGeom prst="rect">
+            <a:avLst/>
+          </a:prstGeom>
+          <a:noFill/>
+        </p:spPr>
+        <p:txBody>
+          <a:bodyPr wrap="none" rtlCol="0">
+            <a:spAutoFit/>
+          </a:bodyPr>
+          <a:lstStyle/>
+          <a:p>
+            <a:r>
+              <a:rPr lang="en-US" dirty="0"/>
+              <a:t>spread</a:t>
+            </a:r>
+          </a:p>
+        </p:txBody>
+      </p:sp>
+      <p:sp>
+        <p:nvSpPr>
+          <p:cNvPr id="10" name="TextBox 9">
+            <a:extLst>
+              <a:ext uri="{FF2B5EF4-FFF2-40B4-BE49-F238E27FC236}">
+                <a16:creationId xmlns:a16="http://schemas.microsoft.com/office/drawing/2014/main" id="{991D9933-78B0-6348-7CFC-0BC4580CECF3}"/>
+              </a:ext>
+            </a:extLst>
+          </p:cNvPr>
+          <p:cNvSpPr txBox="1"/>
+          <p:nvPr/>
+        </p:nvSpPr>
+        <p:spPr>
+          <a:xfrm>
+            <a:off x="7797569" y="2957677"/>
+            <a:ext cx="657231" cy="369332"/>
+          </a:xfrm>
+          <a:prstGeom prst="rect">
+            <a:avLst/>
+          </a:prstGeom>
+          <a:noFill/>
+        </p:spPr>
+        <p:txBody>
+          <a:bodyPr wrap="none" rtlCol="0">
+            <a:spAutoFit/>
+          </a:bodyPr>
+          <a:lstStyle/>
+          <a:p>
+            <a:r>
+              <a:rPr lang="en-US" dirty="0"/>
+              <a:t>color</a:t>
+            </a:r>
+          </a:p>
+        </p:txBody>
+      </p:sp>
+      <p:cxnSp>
+        <p:nvCxnSpPr>
+          <p:cNvPr id="12" name="Straight Arrow Connector 11">
+            <a:extLst>
+              <a:ext uri="{FF2B5EF4-FFF2-40B4-BE49-F238E27FC236}">
+                <a16:creationId xmlns:a16="http://schemas.microsoft.com/office/drawing/2014/main" id="{4F77B81E-7F9B-F2E6-2C45-678554524A86}"/>
+              </a:ext>
+            </a:extLst>
+          </p:cNvPr>
+          <p:cNvCxnSpPr>
+            <a:stCxn id="6" idx="2"/>
+          </p:cNvCxnSpPr>
+          <p:nvPr/>
+        </p:nvCxnSpPr>
+        <p:spPr>
+          <a:xfrm>
+            <a:off x="4296229" y="3089978"/>
+            <a:ext cx="159657" cy="625679"/>
+          </a:xfrm>
+          <a:prstGeom prst="straightConnector1">
+            <a:avLst/>
+          </a:prstGeom>
+          <a:ln>
+            <a:tailEnd type="triangle"/>
+          </a:ln>
+        </p:spPr>
+        <p:style>
+          <a:lnRef idx="1">
+            <a:schemeClr val="accent1"/>
+          </a:lnRef>
+          <a:fillRef idx="0">
+            <a:schemeClr val="accent1"/>
+          </a:fillRef>
+          <a:effectRef idx="0">
+            <a:schemeClr val="accent1"/>
+          </a:effectRef>
+          <a:fontRef idx="minor">
+            <a:schemeClr val="tx1"/>
+          </a:fontRef>
+        </p:style>
+      </p:cxnSp>
+      <p:cxnSp>
+        <p:nvCxnSpPr>
+          <p:cNvPr id="14" name="Straight Arrow Connector 13">
+            <a:extLst>
+              <a:ext uri="{FF2B5EF4-FFF2-40B4-BE49-F238E27FC236}">
+                <a16:creationId xmlns:a16="http://schemas.microsoft.com/office/drawing/2014/main" id="{08805504-AB77-2CAE-D582-82939F6934DB}"/>
+              </a:ext>
+            </a:extLst>
+          </p:cNvPr>
+          <p:cNvCxnSpPr>
+            <a:stCxn id="7" idx="0"/>
+          </p:cNvCxnSpPr>
+          <p:nvPr/>
+        </p:nvCxnSpPr>
+        <p:spPr>
+          <a:xfrm flipV="1">
+            <a:off x="5227831" y="4361988"/>
+            <a:ext cx="0" cy="307147"/>
+          </a:xfrm>
+          <a:prstGeom prst="straightConnector1">
+            <a:avLst/>
+          </a:prstGeom>
+          <a:ln>
+            <a:tailEnd type="triangle"/>
+          </a:ln>
+        </p:spPr>
+        <p:style>
+          <a:lnRef idx="1">
+            <a:schemeClr val="accent1"/>
+          </a:lnRef>
+          <a:fillRef idx="0">
+            <a:schemeClr val="accent1"/>
+          </a:fillRef>
+          <a:effectRef idx="0">
+            <a:schemeClr val="accent1"/>
+          </a:effectRef>
+          <a:fontRef idx="minor">
+            <a:schemeClr val="tx1"/>
+          </a:fontRef>
+        </p:style>
+      </p:cxnSp>
+      <p:cxnSp>
+        <p:nvCxnSpPr>
+          <p:cNvPr id="16" name="Straight Arrow Connector 15">
+            <a:extLst>
+              <a:ext uri="{FF2B5EF4-FFF2-40B4-BE49-F238E27FC236}">
+                <a16:creationId xmlns:a16="http://schemas.microsoft.com/office/drawing/2014/main" id="{20175AA5-4CE0-36FD-C729-52DC438B248A}"/>
+              </a:ext>
+            </a:extLst>
+          </p:cNvPr>
+          <p:cNvCxnSpPr>
+            <a:stCxn id="8" idx="2"/>
+            <a:endCxn id="5" idx="0"/>
+          </p:cNvCxnSpPr>
+          <p:nvPr/>
+        </p:nvCxnSpPr>
+        <p:spPr>
+          <a:xfrm flipH="1">
+            <a:off x="5923665" y="3122581"/>
+            <a:ext cx="47447" cy="593076"/>
+          </a:xfrm>
+          <a:prstGeom prst="straightConnector1">
+            <a:avLst/>
+          </a:prstGeom>
+          <a:ln>
+            <a:tailEnd type="triangle"/>
+          </a:ln>
+        </p:spPr>
+        <p:style>
+          <a:lnRef idx="1">
+            <a:schemeClr val="accent1"/>
+          </a:lnRef>
+          <a:fillRef idx="0">
+            <a:schemeClr val="accent1"/>
+          </a:fillRef>
+          <a:effectRef idx="0">
+            <a:schemeClr val="accent1"/>
+          </a:effectRef>
+          <a:fontRef idx="minor">
+            <a:schemeClr val="tx1"/>
+          </a:fontRef>
+        </p:style>
+      </p:cxnSp>
+      <p:cxnSp>
+        <p:nvCxnSpPr>
+          <p:cNvPr id="18" name="Straight Arrow Connector 17">
+            <a:extLst>
+              <a:ext uri="{FF2B5EF4-FFF2-40B4-BE49-F238E27FC236}">
+                <a16:creationId xmlns:a16="http://schemas.microsoft.com/office/drawing/2014/main" id="{C473B481-FDB7-30E4-BA54-D16E4A9C16BE}"/>
+              </a:ext>
+            </a:extLst>
+          </p:cNvPr>
+          <p:cNvCxnSpPr>
+            <a:stCxn id="9" idx="0"/>
+          </p:cNvCxnSpPr>
+          <p:nvPr/>
+        </p:nvCxnSpPr>
+        <p:spPr>
+          <a:xfrm flipV="1">
+            <a:off x="7058994" y="4252686"/>
+            <a:ext cx="0" cy="365649"/>
+          </a:xfrm>
+          <a:prstGeom prst="straightConnector1">
+            <a:avLst/>
+          </a:prstGeom>
+          <a:ln>
+            <a:tailEnd type="triangle"/>
+          </a:ln>
+        </p:spPr>
+        <p:style>
+          <a:lnRef idx="1">
+            <a:schemeClr val="accent1"/>
+          </a:lnRef>
+          <a:fillRef idx="0">
+            <a:schemeClr val="accent1"/>
+          </a:fillRef>
+          <a:effectRef idx="0">
+            <a:schemeClr val="accent1"/>
+          </a:effectRef>
+          <a:fontRef idx="minor">
+            <a:schemeClr val="tx1"/>
+          </a:fontRef>
+        </p:style>
+      </p:cxnSp>
+      <p:cxnSp>
+        <p:nvCxnSpPr>
+          <p:cNvPr id="20" name="Straight Arrow Connector 19">
+            <a:extLst>
+              <a:ext uri="{FF2B5EF4-FFF2-40B4-BE49-F238E27FC236}">
+                <a16:creationId xmlns:a16="http://schemas.microsoft.com/office/drawing/2014/main" id="{17AB3F69-356F-2118-4598-723D121EF847}"/>
+              </a:ext>
+            </a:extLst>
+          </p:cNvPr>
+          <p:cNvCxnSpPr>
+            <a:stCxn id="10" idx="2"/>
+          </p:cNvCxnSpPr>
+          <p:nvPr/>
+        </p:nvCxnSpPr>
+        <p:spPr>
+          <a:xfrm flipH="1">
+            <a:off x="8126184" y="3327009"/>
+            <a:ext cx="1" cy="388648"/>
+          </a:xfrm>
+          <a:prstGeom prst="straightConnector1">
+            <a:avLst/>
+          </a:prstGeom>
+          <a:ln>
+            <a:tailEnd type="triangle"/>
+          </a:ln>
+        </p:spPr>
+        <p:style>
+          <a:lnRef idx="1">
+            <a:schemeClr val="accent1"/>
+          </a:lnRef>
+          <a:fillRef idx="0">
+            <a:schemeClr val="accent1"/>
+          </a:fillRef>
+          <a:effectRef idx="0">
+            <a:schemeClr val="accent1"/>
+          </a:effectRef>
+          <a:fontRef idx="minor">
+            <a:schemeClr val="tx1"/>
+          </a:fontRef>
+        </p:style>
+      </p:cxnSp>
+    </p:spTree>
+    <p:extLst>
+      <p:ext uri="{BB962C8B-B14F-4D97-AF65-F5344CB8AC3E}">
+        <p14:creationId xmlns:p14="http://schemas.microsoft.com/office/powerpoint/2010/main" val="800998114"/>
+      </p:ext>
+    </p:extLst>
+  </p:cSld>
+  <p:clrMapOvr>
+    <a:masterClrMapping/>
+  </p:clrMapOvr>
+</p:sld>
+</file>
+
+<file path=ppt/slides/slide25.xml><?xml version="1.0" encoding="utf-8"?>
+<p:sld xmlns:a="http://schemas.openxmlformats.org/drawingml/2006/main" xmlns:r="http://schemas.openxmlformats.org/officeDocument/2006/relationships" xmlns:p="http://schemas.openxmlformats.org/presentationml/2006/main">
+  <p:cSld>
+    <p:spTree>
+      <p:nvGrpSpPr>
+        <p:cNvPr id="1" name=""/>
+        <p:cNvGrpSpPr/>
+        <p:nvPr/>
+      </p:nvGrpSpPr>
+      <p:grpSpPr>
+        <a:xfrm>
+          <a:off x="0" y="0"/>
+          <a:ext cx="0" cy="0"/>
+          <a:chOff x="0" y="0"/>
+          <a:chExt cx="0" cy="0"/>
+        </a:xfrm>
+      </p:grpSpPr>
+      <p:sp>
+        <p:nvSpPr>
+          <p:cNvPr id="2" name="Title 1">
+            <a:extLst>
+              <a:ext uri="{FF2B5EF4-FFF2-40B4-BE49-F238E27FC236}">
+                <a16:creationId xmlns:a16="http://schemas.microsoft.com/office/drawing/2014/main" id="{D66BE59F-6C91-D84C-3D2B-18E152D188E0}"/>
+              </a:ext>
+            </a:extLst>
+          </p:cNvPr>
+          <p:cNvSpPr>
+            <a:spLocks noGrp="1"/>
+          </p:cNvSpPr>
+          <p:nvPr>
+            <p:ph type="title"/>
+          </p:nvPr>
+        </p:nvSpPr>
+        <p:spPr/>
+        <p:txBody>
+          <a:bodyPr/>
+          <a:lstStyle/>
+          <a:p>
+            <a:r>
+              <a:rPr lang="en-US" dirty="0"/>
+              <a:t>CSS: Float</a:t>
+            </a:r>
+          </a:p>
+        </p:txBody>
+      </p:sp>
+      <p:sp>
+        <p:nvSpPr>
+          <p:cNvPr id="3" name="Content Placeholder 2">
+            <a:extLst>
+              <a:ext uri="{FF2B5EF4-FFF2-40B4-BE49-F238E27FC236}">
+                <a16:creationId xmlns:a16="http://schemas.microsoft.com/office/drawing/2014/main" id="{5339D960-D9D8-046A-E57E-8088BF7F6FD4}"/>
+              </a:ext>
+            </a:extLst>
+          </p:cNvPr>
+          <p:cNvSpPr>
+            <a:spLocks noGrp="1"/>
+          </p:cNvSpPr>
+          <p:nvPr>
+            <p:ph idx="1"/>
+          </p:nvPr>
+        </p:nvSpPr>
+        <p:spPr>
+          <a:xfrm>
+            <a:off x="838200" y="1825625"/>
+            <a:ext cx="4256314" cy="1222375"/>
+          </a:xfrm>
+        </p:spPr>
+        <p:txBody>
+          <a:bodyPr/>
+          <a:lstStyle/>
+          <a:p>
+            <a:r>
+              <a:rPr lang="en-US" dirty="0"/>
+              <a:t>Float: left</a:t>
+            </a:r>
+          </a:p>
+          <a:p>
+            <a:r>
+              <a:rPr lang="en-US" dirty="0"/>
+              <a:t>Float: right</a:t>
+            </a:r>
+          </a:p>
+        </p:txBody>
+      </p:sp>
+    </p:spTree>
+    <p:extLst>
+      <p:ext uri="{BB962C8B-B14F-4D97-AF65-F5344CB8AC3E}">
+        <p14:creationId xmlns:p14="http://schemas.microsoft.com/office/powerpoint/2010/main" val="954808240"/>
+      </p:ext>
+    </p:extLst>
+  </p:cSld>
+  <p:clrMapOvr>
+    <a:masterClrMapping/>
+  </p:clrMapOvr>
+</p:sld>
+</file>
+
+<file path=ppt/slides/slide26.xml><?xml version="1.0" encoding="utf-8"?>
+<p:sld xmlns:a="http://schemas.openxmlformats.org/drawingml/2006/main" xmlns:r="http://schemas.openxmlformats.org/officeDocument/2006/relationships" xmlns:p="http://schemas.openxmlformats.org/presentationml/2006/main">
+  <p:cSld>
+    <p:spTree>
+      <p:nvGrpSpPr>
+        <p:cNvPr id="1" name=""/>
+        <p:cNvGrpSpPr/>
+        <p:nvPr/>
+      </p:nvGrpSpPr>
+      <p:grpSpPr>
+        <a:xfrm>
+          <a:off x="0" y="0"/>
+          <a:ext cx="0" cy="0"/>
+          <a:chOff x="0" y="0"/>
+          <a:chExt cx="0" cy="0"/>
+        </a:xfrm>
+      </p:grpSpPr>
+      <p:sp>
+        <p:nvSpPr>
+          <p:cNvPr id="2" name="Title 1">
+            <a:extLst>
+              <a:ext uri="{FF2B5EF4-FFF2-40B4-BE49-F238E27FC236}">
+                <a16:creationId xmlns:a16="http://schemas.microsoft.com/office/drawing/2014/main" id="{09A3CC5A-451A-1057-AEE0-AA7833207474}"/>
+              </a:ext>
+            </a:extLst>
+          </p:cNvPr>
+          <p:cNvSpPr>
+            <a:spLocks noGrp="1"/>
+          </p:cNvSpPr>
+          <p:nvPr>
+            <p:ph type="title"/>
+          </p:nvPr>
+        </p:nvSpPr>
+        <p:spPr/>
+        <p:txBody>
+          <a:bodyPr/>
+          <a:lstStyle/>
+          <a:p>
+            <a:r>
+              <a:rPr lang="en-US" dirty="0"/>
+              <a:t>CSS Clear</a:t>
+            </a:r>
+          </a:p>
+        </p:txBody>
+      </p:sp>
+      <p:sp>
+        <p:nvSpPr>
+          <p:cNvPr id="3" name="Content Placeholder 2">
+            <a:extLst>
+              <a:ext uri="{FF2B5EF4-FFF2-40B4-BE49-F238E27FC236}">
+                <a16:creationId xmlns:a16="http://schemas.microsoft.com/office/drawing/2014/main" id="{CB41A466-F572-E816-2157-E4E1117A14EF}"/>
+              </a:ext>
+            </a:extLst>
+          </p:cNvPr>
+          <p:cNvSpPr>
+            <a:spLocks noGrp="1"/>
+          </p:cNvSpPr>
+          <p:nvPr>
+            <p:ph idx="1"/>
+          </p:nvPr>
+        </p:nvSpPr>
+        <p:spPr/>
+        <p:txBody>
+          <a:bodyPr/>
+          <a:lstStyle/>
+          <a:p>
+            <a:r>
+              <a:rPr lang="en-US" dirty="0"/>
+              <a:t>Left</a:t>
+            </a:r>
+          </a:p>
+          <a:p>
+            <a:r>
+              <a:rPr lang="en-US" dirty="0"/>
+              <a:t>Right</a:t>
+            </a:r>
+          </a:p>
+          <a:p>
+            <a:r>
+              <a:rPr lang="en-US" dirty="0"/>
+              <a:t>both</a:t>
+            </a:r>
+          </a:p>
+        </p:txBody>
+      </p:sp>
+    </p:spTree>
+    <p:extLst>
+      <p:ext uri="{BB962C8B-B14F-4D97-AF65-F5344CB8AC3E}">
+        <p14:creationId xmlns:p14="http://schemas.microsoft.com/office/powerpoint/2010/main" val="2341378538"/>
+      </p:ext>
+    </p:extLst>
+  </p:cSld>
+  <p:clrMapOvr>
+    <a:masterClrMapping/>
+  </p:clrMapOvr>
+</p:sld>
+</file>
+
 <file path=ppt/slides/slide3.xml><?xml version="1.0" encoding="utf-8"?>
 <p:sld xmlns:a="http://schemas.openxmlformats.org/drawingml/2006/main" xmlns:r="http://schemas.openxmlformats.org/officeDocument/2006/relationships" xmlns:p="http://schemas.openxmlformats.org/presentationml/2006/main">
   <p:cSld>

--- a/CSS3.pptx
+++ b/CSS3.pptx
@@ -31,6 +31,16 @@
     <p:sldId id="279" r:id="rId25"/>
     <p:sldId id="280" r:id="rId26"/>
     <p:sldId id="281" r:id="rId27"/>
+    <p:sldId id="282" r:id="rId28"/>
+    <p:sldId id="285" r:id="rId29"/>
+    <p:sldId id="283" r:id="rId30"/>
+    <p:sldId id="284" r:id="rId31"/>
+    <p:sldId id="286" r:id="rId32"/>
+    <p:sldId id="287" r:id="rId33"/>
+    <p:sldId id="288" r:id="rId34"/>
+    <p:sldId id="290" r:id="rId35"/>
+    <p:sldId id="291" r:id="rId36"/>
+    <p:sldId id="292" r:id="rId37"/>
   </p:sldIdLst>
   <p:sldSz cx="12192000" cy="6858000"/>
   <p:notesSz cx="6858000" cy="9144000"/>
@@ -137,6 +147,1438 @@
 </p:presentation>
 </file>
 
+<file path=ppt/ink/ink1.xml><?xml version="1.0" encoding="utf-8"?>
+<inkml:ink xmlns:inkml="http://www.w3.org/2003/InkML">
+  <inkml:definitions>
+    <inkml:context xml:id="ctx0">
+      <inkml:inkSource xml:id="inkSrc0">
+        <inkml:traceFormat>
+          <inkml:channel name="X" type="integer" min="-2.14748E9" max="2.14748E9" units="cm"/>
+          <inkml:channel name="Y" type="integer" min="-2.14748E9" max="2.14748E9" units="cm"/>
+          <inkml:channel name="F" type="integer" max="32767" units="dev"/>
+        </inkml:traceFormat>
+        <inkml:channelProperties>
+          <inkml:channelProperty channel="X" name="resolution" value="1000" units="1/cm"/>
+          <inkml:channelProperty channel="Y" name="resolution" value="1000" units="1/cm"/>
+          <inkml:channelProperty channel="F" name="resolution" value="0" units="1/dev"/>
+        </inkml:channelProperties>
+      </inkml:inkSource>
+      <inkml:timestamp xml:id="ts0" timeString="2024-06-26T14:50:35.575"/>
+    </inkml:context>
+    <inkml:brush xml:id="br0">
+      <inkml:brushProperty name="width" value="0.1" units="cm"/>
+      <inkml:brushProperty name="height" value="0.1" units="cm"/>
+      <inkml:brushProperty name="color" value="#008C3A"/>
+    </inkml:brush>
+  </inkml:definitions>
+  <inkml:trace contextRef="#ctx0" brushRef="#br0">0 1 24575,'0'1129'-1365,"0"-1094"-5461</inkml:trace>
+</inkml:ink>
+</file>
+
+<file path=ppt/ink/ink10.xml><?xml version="1.0" encoding="utf-8"?>
+<inkml:ink xmlns:inkml="http://www.w3.org/2003/InkML">
+  <inkml:definitions>
+    <inkml:context xml:id="ctx0">
+      <inkml:inkSource xml:id="inkSrc0">
+        <inkml:traceFormat>
+          <inkml:channel name="X" type="integer" min="-2.14748E9" max="2.14748E9" units="cm"/>
+          <inkml:channel name="Y" type="integer" min="-2.14748E9" max="2.14748E9" units="cm"/>
+        </inkml:traceFormat>
+        <inkml:channelProperties>
+          <inkml:channelProperty channel="X" name="resolution" value="1000" units="1/cm"/>
+          <inkml:channelProperty channel="Y" name="resolution" value="1000" units="1/cm"/>
+        </inkml:channelProperties>
+      </inkml:inkSource>
+      <inkml:timestamp xml:id="ts0" timeString="2024-06-26T14:50:52.955"/>
+    </inkml:context>
+    <inkml:brush xml:id="br0">
+      <inkml:brushProperty name="width" value="0.1" units="cm"/>
+      <inkml:brushProperty name="height" value="0.6" units="cm"/>
+      <inkml:brushProperty name="color" value="#849398"/>
+      <inkml:brushProperty name="ignorePressure" value="1"/>
+      <inkml:brushProperty name="inkEffects" value="pencil"/>
+    </inkml:brush>
+  </inkml:definitions>
+  <inkml:trace contextRef="#ctx0" brushRef="#br0">0 404,'7'0,"16"0,4-7,4-2,4 0,3-5,8-14,11-9,1-5,-1 5,-4 8,-4 2,-3 7,-3-2,-2-2,-8-5,-2 2,0 7,1 6,3 5,2 19,-6 13,0 4,0 4,-4 3,-7 3,-7 2,-6 1,-3 1,-4 0,0 0,-9 0,-8 0,-16 6,-8 10,-5 1,-1 5,7-2,4-4,1-5,0-4,-2-4,-1 5,0-7,5-3,9-1,9-1,-1-6,-4-9,-6-7,-4-7,-5-5,-3-2,4 4,16 3,18 6,15 0,12-1,8 3,5 0,3-4,8-4,1-2,0-3,-3 5,-2 1,-3-1,5-1,1-3,-1-1,-9 5,-5 1,0 0,-1-3,2-1,1-3,1 0,2-2,0 0,0 0,0-1,1 1,-8 0</inkml:trace>
+</inkml:ink>
+</file>
+
+<file path=ppt/ink/ink11.xml><?xml version="1.0" encoding="utf-8"?>
+<inkml:ink xmlns:inkml="http://www.w3.org/2003/InkML">
+  <inkml:definitions>
+    <inkml:context xml:id="ctx0">
+      <inkml:inkSource xml:id="inkSrc0">
+        <inkml:traceFormat>
+          <inkml:channel name="X" type="integer" min="-2.14748E9" max="2.14748E9" units="cm"/>
+          <inkml:channel name="Y" type="integer" min="-2.14748E9" max="2.14748E9" units="cm"/>
+        </inkml:traceFormat>
+        <inkml:channelProperties>
+          <inkml:channelProperty channel="X" name="resolution" value="1000" units="1/cm"/>
+          <inkml:channelProperty channel="Y" name="resolution" value="1000" units="1/cm"/>
+        </inkml:channelProperties>
+      </inkml:inkSource>
+      <inkml:timestamp xml:id="ts0" timeString="2024-06-26T14:50:55.379"/>
+    </inkml:context>
+    <inkml:brush xml:id="br0">
+      <inkml:brushProperty name="width" value="0.1" units="cm"/>
+      <inkml:brushProperty name="height" value="0.6" units="cm"/>
+      <inkml:brushProperty name="color" value="#849398"/>
+      <inkml:brushProperty name="ignorePressure" value="1"/>
+      <inkml:brushProperty name="inkEffects" value="pencil"/>
+    </inkml:brush>
+  </inkml:definitions>
+  <inkml:trace contextRef="#ctx0" brushRef="#br0">1 650,'0'-7,"0"-9,7-8,9-8,2-5,-3-3,4 6,5 1,5 6,5 1,-3-1,-1 2,2 0,3 4,-6-1,0 2,2-1,-5-5,1 3,2 5,3 6,-4-3,1 2,-6-4,-6-5,1 0,4 4,5 5,5 5,4 4,3 2,-6 9,-1 10,1 2,-5 4,-1 6,-5 4,1 4,3-5,-3-1,-5 2,-6 15,2 7,-1 0,-3-2,-4 11,-2 1,-2-4,-1-5,-2-5,1-5,-7-10,-10-4,-8-1,-6-6,1 1,-1-5,-2-6,-2-6,-2-3,5 3,2 0,-2-1,-2-2,-2-3,-1-1,5 6,22 9,19 0,15 5,11 6,5-3,4-4,1-7,-1-6,-7 4,-4-2,0-1,1-3,2-3,1-1,-5 6,-2 1,1 0,-4 4,-7 8,-7 6,-6 6,-4 4,-2 3,-9-5,-9-3,-2 1,-5 2,-5 1,-4 1,3 2,0-6,-1-9,-4-8,-1 0,5 4,0-1,0-5,-3-3,-2-5,-1-2,-3-3,1-1,5-8,3-2,-1 1,-2 2,-2 1,6-4,0-1,-1 1,5-4,6-6,7-21,6-10,3-4,4 2,0 2,2 10</inkml:trace>
+</inkml:ink>
+</file>
+
+<file path=ppt/ink/ink12.xml><?xml version="1.0" encoding="utf-8"?>
+<inkml:ink xmlns:inkml="http://www.w3.org/2003/InkML">
+  <inkml:definitions>
+    <inkml:context xml:id="ctx0">
+      <inkml:inkSource xml:id="inkSrc0">
+        <inkml:traceFormat>
+          <inkml:channel name="X" type="integer" min="-2.14748E9" max="2.14748E9" units="cm"/>
+          <inkml:channel name="Y" type="integer" min="-2.14748E9" max="2.14748E9" units="cm"/>
+        </inkml:traceFormat>
+        <inkml:channelProperties>
+          <inkml:channelProperty channel="X" name="resolution" value="1000" units="1/cm"/>
+          <inkml:channelProperty channel="Y" name="resolution" value="1000" units="1/cm"/>
+        </inkml:channelProperties>
+      </inkml:inkSource>
+      <inkml:timestamp xml:id="ts0" timeString="2024-06-26T14:50:57.041"/>
+    </inkml:context>
+    <inkml:brush xml:id="br0">
+      <inkml:brushProperty name="width" value="0.1" units="cm"/>
+      <inkml:brushProperty name="height" value="0.6" units="cm"/>
+      <inkml:brushProperty name="color" value="#849398"/>
+      <inkml:brushProperty name="ignorePressure" value="1"/>
+      <inkml:brushProperty name="inkEffects" value="pencil"/>
+    </inkml:brush>
+  </inkml:definitions>
+  <inkml:trace contextRef="#ctx0" brushRef="#br0">1 1,'0'7,"0"9,0 8,0 15,0 7,0 2,0 1,0-2,0-2,0 5,0 1,0 6,0 0,0 3,0 0,0-5,0-5,0-3,0-3,6-10,17-9,11-10,6-7,3-5,2-4,0 0,-2-1,0 0,-1 0,-1 1,7 1,1-1,0 1,-2 0,-2 0,-2 0,-1 0,-1 1,-7-8,-10-9,-9-9,-7-7,-5-4,-2-4,-3-1,1-8,-1-3,0 2,1-5,1 0,-1 2,8 4,9 3,2 2,-2 3,-4 0,3 8,-1 3,-3-1,4 5,-1 14,-3 22,-4 24,-2 19,-2 22,-2 11,-1 12,-1 10,1-7,-1 1,1-5,-8-3,-1-5,-6-4,-2-3,4-8,2-3,5 7,2 11,2-4,2-8,0-18</inkml:trace>
+</inkml:ink>
+</file>
+
+<file path=ppt/ink/ink13.xml><?xml version="1.0" encoding="utf-8"?>
+<inkml:ink xmlns:inkml="http://www.w3.org/2003/InkML">
+  <inkml:definitions>
+    <inkml:context xml:id="ctx0">
+      <inkml:inkSource xml:id="inkSrc0">
+        <inkml:traceFormat>
+          <inkml:channel name="X" type="integer" min="-2.14748E9" max="2.14748E9" units="cm"/>
+          <inkml:channel name="Y" type="integer" min="-2.14748E9" max="2.14748E9" units="cm"/>
+        </inkml:traceFormat>
+        <inkml:channelProperties>
+          <inkml:channelProperty channel="X" name="resolution" value="1000" units="1/cm"/>
+          <inkml:channelProperty channel="Y" name="resolution" value="1000" units="1/cm"/>
+        </inkml:channelProperties>
+      </inkml:inkSource>
+      <inkml:timestamp xml:id="ts0" timeString="2024-06-26T14:50:59.373"/>
+    </inkml:context>
+    <inkml:brush xml:id="br0">
+      <inkml:brushProperty name="width" value="0.1" units="cm"/>
+      <inkml:brushProperty name="height" value="0.6" units="cm"/>
+      <inkml:brushProperty name="color" value="#849398"/>
+      <inkml:brushProperty name="ignorePressure" value="1"/>
+      <inkml:brushProperty name="inkEffects" value="pencil"/>
+    </inkml:brush>
+  </inkml:definitions>
+  <inkml:trace contextRef="#ctx0" brushRef="#br0">0 44,'0'-7,"7"-3,9 2,8 0,8 3,11 2,6 1,1 2,-1 0,-2 7,-2 3,-2-1,-1-1,-8 4,-3 0,-6 5,-2 0,-3-3</inkml:trace>
+</inkml:ink>
+</file>
+
+<file path=ppt/ink/ink14.xml><?xml version="1.0" encoding="utf-8"?>
+<inkml:ink xmlns:inkml="http://www.w3.org/2003/InkML">
+  <inkml:definitions>
+    <inkml:context xml:id="ctx0">
+      <inkml:inkSource xml:id="inkSrc0">
+        <inkml:traceFormat>
+          <inkml:channel name="X" type="integer" min="-2.14748E9" max="2.14748E9" units="cm"/>
+          <inkml:channel name="Y" type="integer" min="-2.14748E9" max="2.14748E9" units="cm"/>
+        </inkml:traceFormat>
+        <inkml:channelProperties>
+          <inkml:channelProperty channel="X" name="resolution" value="1000" units="1/cm"/>
+          <inkml:channelProperty channel="Y" name="resolution" value="1000" units="1/cm"/>
+        </inkml:channelProperties>
+      </inkml:inkSource>
+      <inkml:timestamp xml:id="ts0" timeString="2024-06-26T14:51:00.425"/>
+    </inkml:context>
+    <inkml:brush xml:id="br0">
+      <inkml:brushProperty name="width" value="0.1" units="cm"/>
+      <inkml:brushProperty name="height" value="0.6" units="cm"/>
+      <inkml:brushProperty name="color" value="#849398"/>
+      <inkml:brushProperty name="ignorePressure" value="1"/>
+      <inkml:brushProperty name="inkEffects" value="pencil"/>
+    </inkml:brush>
+  </inkml:definitions>
+  <inkml:trace contextRef="#ctx0" brushRef="#br0">42 1,'0'7,"0"9,0 8,0 15,0 7,0 2,-7 1,-2 5,0 0,2-2,3-3,0-3,3-2,0-3,1 0,0-1,1 0,-1 0,1-1,-1 1,0 0,0 0,0 1,0-1,0 0,0-6</inkml:trace>
+</inkml:ink>
+</file>
+
+<file path=ppt/ink/ink15.xml><?xml version="1.0" encoding="utf-8"?>
+<inkml:ink xmlns:inkml="http://www.w3.org/2003/InkML">
+  <inkml:definitions>
+    <inkml:context xml:id="ctx0">
+      <inkml:inkSource xml:id="inkSrc0">
+        <inkml:traceFormat>
+          <inkml:channel name="X" type="integer" min="-2.14748E9" max="2.14748E9" units="cm"/>
+          <inkml:channel name="Y" type="integer" min="-2.14748E9" max="2.14748E9" units="cm"/>
+        </inkml:traceFormat>
+        <inkml:channelProperties>
+          <inkml:channelProperty channel="X" name="resolution" value="1000" units="1/cm"/>
+          <inkml:channelProperty channel="Y" name="resolution" value="1000" units="1/cm"/>
+        </inkml:channelProperties>
+      </inkml:inkSource>
+      <inkml:timestamp xml:id="ts0" timeString="2024-06-26T14:51:01.386"/>
+    </inkml:context>
+    <inkml:brush xml:id="br0">
+      <inkml:brushProperty name="width" value="0.1" units="cm"/>
+      <inkml:brushProperty name="height" value="0.6" units="cm"/>
+      <inkml:brushProperty name="color" value="#849398"/>
+      <inkml:brushProperty name="ignorePressure" value="1"/>
+      <inkml:brushProperty name="inkEffects" value="pencil"/>
+    </inkml:brush>
+  </inkml:definitions>
+  <inkml:trace contextRef="#ctx0" brushRef="#br0">0 0,'7'0,"9"0,8 0,8 0,5 0,3 0,1 0,-6 7,5 2,2 0,1 4,1 1,-2-2,0-4,6-2,-5 4,-3 1,-8-2</inkml:trace>
+</inkml:ink>
+</file>
+
+<file path=ppt/ink/ink16.xml><?xml version="1.0" encoding="utf-8"?>
+<inkml:ink xmlns:inkml="http://www.w3.org/2003/InkML">
+  <inkml:definitions>
+    <inkml:context xml:id="ctx0">
+      <inkml:inkSource xml:id="inkSrc0">
+        <inkml:traceFormat>
+          <inkml:channel name="X" type="integer" min="-2.14748E9" max="2.14748E9" units="cm"/>
+          <inkml:channel name="Y" type="integer" min="-2.14748E9" max="2.14748E9" units="cm"/>
+        </inkml:traceFormat>
+        <inkml:channelProperties>
+          <inkml:channelProperty channel="X" name="resolution" value="1000" units="1/cm"/>
+          <inkml:channelProperty channel="Y" name="resolution" value="1000" units="1/cm"/>
+        </inkml:channelProperties>
+      </inkml:inkSource>
+      <inkml:timestamp xml:id="ts0" timeString="2024-06-26T14:51:03.008"/>
+    </inkml:context>
+    <inkml:brush xml:id="br0">
+      <inkml:brushProperty name="width" value="0.1" units="cm"/>
+      <inkml:brushProperty name="height" value="0.6" units="cm"/>
+      <inkml:brushProperty name="color" value="#849398"/>
+      <inkml:brushProperty name="ignorePressure" value="1"/>
+      <inkml:brushProperty name="inkEffects" value="pencil"/>
+    </inkml:brush>
+  </inkml:definitions>
+  <inkml:trace contextRef="#ctx0" brushRef="#br0">10 1,'-7'0,"5"0,9 0,10 0,10 0,7 0,4 0,-4 7,-2 1,2 1,-6 5,0 0,9 5,4-2,-4 5,-9 4,-8 5,-9 4,-5 3,-5 1,-1 2,-9-7,-1-1,-1-1,-4 9,0 4,-4 1,1 0,4-1,-10-2,-14 6,-8 1,4 0,2-3,2-9,-1-10,8-4,8 1,15-4,16-5,20 2,12-4,6 5,3-2,-1-4,-1 3,-3-2,0-2,-3-4,0-4,0-1,-1-2,-7-1</inkml:trace>
+</inkml:ink>
+</file>
+
+<file path=ppt/ink/ink17.xml><?xml version="1.0" encoding="utf-8"?>
+<inkml:ink xmlns:inkml="http://www.w3.org/2003/InkML">
+  <inkml:definitions>
+    <inkml:context xml:id="ctx0">
+      <inkml:inkSource xml:id="inkSrc0">
+        <inkml:traceFormat>
+          <inkml:channel name="X" type="integer" min="-2.14748E9" max="2.14748E9" units="cm"/>
+          <inkml:channel name="Y" type="integer" min="-2.14748E9" max="2.14748E9" units="cm"/>
+        </inkml:traceFormat>
+        <inkml:channelProperties>
+          <inkml:channelProperty channel="X" name="resolution" value="1000" units="1/cm"/>
+          <inkml:channelProperty channel="Y" name="resolution" value="1000" units="1/cm"/>
+        </inkml:channelProperties>
+      </inkml:inkSource>
+      <inkml:timestamp xml:id="ts0" timeString="2024-06-26T14:51:04.285"/>
+    </inkml:context>
+    <inkml:brush xml:id="br0">
+      <inkml:brushProperty name="width" value="0.1" units="cm"/>
+      <inkml:brushProperty name="height" value="0.6" units="cm"/>
+      <inkml:brushProperty name="color" value="#849398"/>
+      <inkml:brushProperty name="ignorePressure" value="1"/>
+      <inkml:brushProperty name="inkEffects" value="pencil"/>
+    </inkml:brush>
+  </inkml:definitions>
+  <inkml:trace contextRef="#ctx0" brushRef="#br0">1 41,'0'-6,"7"-3,9 0,8 2,8 2,5 2,2 2,3 0,0 1,0 0,0 1,-1-1,0 0,-7 7,-10 9,-8 2</inkml:trace>
+</inkml:ink>
+</file>
+
+<file path=ppt/ink/ink18.xml><?xml version="1.0" encoding="utf-8"?>
+<inkml:ink xmlns:inkml="http://www.w3.org/2003/InkML">
+  <inkml:definitions>
+    <inkml:context xml:id="ctx0">
+      <inkml:inkSource xml:id="inkSrc0">
+        <inkml:traceFormat>
+          <inkml:channel name="X" type="integer" min="-2.14748E9" max="2.14748E9" units="cm"/>
+          <inkml:channel name="Y" type="integer" min="-2.14748E9" max="2.14748E9" units="cm"/>
+        </inkml:traceFormat>
+        <inkml:channelProperties>
+          <inkml:channelProperty channel="X" name="resolution" value="1000" units="1/cm"/>
+          <inkml:channelProperty channel="Y" name="resolution" value="1000" units="1/cm"/>
+        </inkml:channelProperties>
+      </inkml:inkSource>
+      <inkml:timestamp xml:id="ts0" timeString="2024-06-26T14:51:07.529"/>
+    </inkml:context>
+    <inkml:brush xml:id="br0">
+      <inkml:brushProperty name="width" value="0.1" units="cm"/>
+      <inkml:brushProperty name="height" value="0.6" units="cm"/>
+      <inkml:brushProperty name="color" value="#849398"/>
+      <inkml:brushProperty name="ignorePressure" value="1"/>
+      <inkml:brushProperty name="inkEffects" value="pencil"/>
+    </inkml:brush>
+  </inkml:definitions>
+  <inkml:trace contextRef="#ctx0" brushRef="#br0">1 1,'7'0,"9"0,8 0,8 0,4 0,4 0,2 0,0 0,0 0,0 0,-8 7,-8 9,-10 8,-7 8,-6 5,-2 3,-2 1,-1 1,0 0,1 0,-1-1,2 0,-1 0,1 0,7-1,2 0,6 1,8-1,7-7,-2-1,2-8,-6 0,-5 3,-14-4,-14-5,-13-6,-9-5,-6-4,-4-2,-2-1,0-1,0-1,1 1,0 1,15-1,18 1,18 0,14 0,10 0,-1 6,2 3,1 0,2-2,1-2,2-2,-7 6,-8 7,-9 9,-7 7,-5 4,-3 3,-2 3,-1-1,1 1,-1 0,1-1,-7-7,-8-9,-9-10,-7-6,-5-5,-2-4,-3-1,0-1,0 0,0 1,1 0,0 0,0 1,1 0,0 0,6 0</inkml:trace>
+</inkml:ink>
+</file>
+
+<file path=ppt/ink/ink19.xml><?xml version="1.0" encoding="utf-8"?>
+<inkml:ink xmlns:inkml="http://www.w3.org/2003/InkML">
+  <inkml:definitions>
+    <inkml:context xml:id="ctx0">
+      <inkml:inkSource xml:id="inkSrc0">
+        <inkml:traceFormat>
+          <inkml:channel name="X" type="integer" min="-2.14748E9" max="2.14748E9" units="cm"/>
+          <inkml:channel name="Y" type="integer" min="-2.14748E9" max="2.14748E9" units="cm"/>
+        </inkml:traceFormat>
+        <inkml:channelProperties>
+          <inkml:channelProperty channel="X" name="resolution" value="1000" units="1/cm"/>
+          <inkml:channelProperty channel="Y" name="resolution" value="1000" units="1/cm"/>
+        </inkml:channelProperties>
+      </inkml:inkSource>
+      <inkml:timestamp xml:id="ts0" timeString="2024-06-26T14:51:08.787"/>
+    </inkml:context>
+    <inkml:brush xml:id="br0">
+      <inkml:brushProperty name="width" value="0.1" units="cm"/>
+      <inkml:brushProperty name="height" value="0.6" units="cm"/>
+      <inkml:brushProperty name="color" value="#849398"/>
+      <inkml:brushProperty name="ignorePressure" value="1"/>
+      <inkml:brushProperty name="inkEffects" value="pencil"/>
+    </inkml:brush>
+  </inkml:definitions>
+  <inkml:trace contextRef="#ctx0" brushRef="#br0">0 1,'7'0,"9"0,8 0,8 0,4 0,4 0,1 0,-5 7,-3 2,6-1,5 6,8 0,1-2,0-3,-3-3,-10-3</inkml:trace>
+</inkml:ink>
+</file>
+
+<file path=ppt/ink/ink2.xml><?xml version="1.0" encoding="utf-8"?>
+<inkml:ink xmlns:inkml="http://www.w3.org/2003/InkML">
+  <inkml:definitions>
+    <inkml:context xml:id="ctx0">
+      <inkml:inkSource xml:id="inkSrc0">
+        <inkml:traceFormat>
+          <inkml:channel name="X" type="integer" min="-2.14748E9" max="2.14748E9" units="cm"/>
+          <inkml:channel name="Y" type="integer" min="-2.14748E9" max="2.14748E9" units="cm"/>
+          <inkml:channel name="F" type="integer" max="32767" units="dev"/>
+        </inkml:traceFormat>
+        <inkml:channelProperties>
+          <inkml:channelProperty channel="X" name="resolution" value="1000" units="1/cm"/>
+          <inkml:channelProperty channel="Y" name="resolution" value="1000" units="1/cm"/>
+          <inkml:channelProperty channel="F" name="resolution" value="0" units="1/dev"/>
+        </inkml:channelProperties>
+      </inkml:inkSource>
+      <inkml:timestamp xml:id="ts0" timeString="2024-06-26T14:50:37.456"/>
+    </inkml:context>
+    <inkml:brush xml:id="br0">
+      <inkml:brushProperty name="width" value="0.1" units="cm"/>
+      <inkml:brushProperty name="height" value="0.1" units="cm"/>
+      <inkml:brushProperty name="color" value="#008C3A"/>
+    </inkml:brush>
+  </inkml:definitions>
+  <inkml:trace contextRef="#ctx0" brushRef="#br0">207 0 24575,'0'19'0,"0"0"0,-1-1 0,0 1 0,-2-1 0,0 1 0,-1-1 0,-1 0 0,-1-1 0,-1 1 0,-11 23 0,-3 4 0,2 1 0,2 1 0,3 0 0,-17 98 0,5-27 0,15-64 9,3-1 1,-3 86-1,13 112-119,1-88-1173,-3-128-5543</inkml:trace>
+</inkml:ink>
+</file>
+
+<file path=ppt/ink/ink20.xml><?xml version="1.0" encoding="utf-8"?>
+<inkml:ink xmlns:inkml="http://www.w3.org/2003/InkML">
+  <inkml:definitions>
+    <inkml:context xml:id="ctx0">
+      <inkml:inkSource xml:id="inkSrc0">
+        <inkml:traceFormat>
+          <inkml:channel name="X" type="integer" min="-2.14748E9" max="2.14748E9" units="cm"/>
+          <inkml:channel name="Y" type="integer" min="-2.14748E9" max="2.14748E9" units="cm"/>
+        </inkml:traceFormat>
+        <inkml:channelProperties>
+          <inkml:channelProperty channel="X" name="resolution" value="1000" units="1/cm"/>
+          <inkml:channelProperty channel="Y" name="resolution" value="1000" units="1/cm"/>
+        </inkml:channelProperties>
+      </inkml:inkSource>
+      <inkml:timestamp xml:id="ts0" timeString="2024-06-26T14:51:10.922"/>
+    </inkml:context>
+    <inkml:brush xml:id="br0">
+      <inkml:brushProperty name="width" value="0.1" units="cm"/>
+      <inkml:brushProperty name="height" value="0.6" units="cm"/>
+      <inkml:brushProperty name="color" value="#849398"/>
+      <inkml:brushProperty name="ignorePressure" value="1"/>
+      <inkml:brushProperty name="inkEffects" value="pencil"/>
+    </inkml:brush>
+  </inkml:definitions>
+  <inkml:trace contextRef="#ctx0" brushRef="#br0">158 0,'0'7,"0"9,0 9,0 14,0 14,0 4,-7 0,-2-3,1-4,-6-3,0-4,3-1,2-2,4 0,-5-7,-1-2,2 0,2 2,3 2,-6-5,0 0,1 1,3 2,1 2,9-4,4-1,7-6,8-6,7-7,5-5,4-3,-5 4,-2 8,1 1,2-1,2-4,1-4,1-3,1-2,0-1,-13-1,-11-8,-9-9,-5-8,-3-7,-1-5,-1-3,1-2,0 0,1 0,0 0,1 1,0 14,0 18,0 18,0 14,0 17,0 8,0 4,0-2,0-1,0 4,0 0,0-2,0-2,0-4,0-2,0-1,0-2,0 0,0 0,0 0,0-1,0 8,0 2,0 0,0-1,0-10</inkml:trace>
+</inkml:ink>
+</file>
+
+<file path=ppt/ink/ink21.xml><?xml version="1.0" encoding="utf-8"?>
+<inkml:ink xmlns:inkml="http://www.w3.org/2003/InkML">
+  <inkml:definitions>
+    <inkml:context xml:id="ctx0">
+      <inkml:inkSource xml:id="inkSrc0">
+        <inkml:traceFormat>
+          <inkml:channel name="X" type="integer" min="-2.14748E9" max="2.14748E9" units="cm"/>
+          <inkml:channel name="Y" type="integer" min="-2.14748E9" max="2.14748E9" units="cm"/>
+          <inkml:channel name="F" type="integer" max="32767" units="dev"/>
+        </inkml:traceFormat>
+        <inkml:channelProperties>
+          <inkml:channelProperty channel="X" name="resolution" value="1000" units="1/cm"/>
+          <inkml:channelProperty channel="Y" name="resolution" value="1000" units="1/cm"/>
+          <inkml:channelProperty channel="F" name="resolution" value="0" units="1/dev"/>
+        </inkml:channelProperties>
+      </inkml:inkSource>
+      <inkml:timestamp xml:id="ts0" timeString="2024-06-26T14:51:46.363"/>
+    </inkml:context>
+    <inkml:brush xml:id="br0">
+      <inkml:brushProperty name="width" value="0.1" units="cm"/>
+      <inkml:brushProperty name="height" value="0.1" units="cm"/>
+      <inkml:brushProperty name="color" value="#BB5B18"/>
+      <inkml:brushProperty name="inkEffects" value="bronze"/>
+      <inkml:brushProperty name="anchorX" value="-18459.65625"/>
+      <inkml:brushProperty name="anchorY" value="-22601.55859"/>
+      <inkml:brushProperty name="scaleFactor" value="0.5"/>
+    </inkml:brush>
+  </inkml:definitions>
+  <inkml:trace contextRef="#ctx0" brushRef="#br0">0 0 24575,'0'0'0,"7"0"0,10 0 0,8 0 0,6 0 0,5 0 0,4 0 0,1 0 0,1 0 0,0 0 0,0 0 0,-1 0 0,0 0 0,0 0 0,-1 0 0,0 0 0,1 0 0,-1 0 0,0 0 0,0 0 0,1 0 0,-1 0 0,1 0 0,-1 0 0,0 0 0,1 0 0,-1 0 0,0 0 0,-8 9 0,0-1 0,0 0 0,-6-1 0</inkml:trace>
+</inkml:ink>
+</file>
+
+<file path=ppt/ink/ink22.xml><?xml version="1.0" encoding="utf-8"?>
+<inkml:ink xmlns:inkml="http://www.w3.org/2003/InkML">
+  <inkml:definitions>
+    <inkml:context xml:id="ctx0">
+      <inkml:inkSource xml:id="inkSrc0">
+        <inkml:traceFormat>
+          <inkml:channel name="X" type="integer" min="-2.14748E9" max="2.14748E9" units="cm"/>
+          <inkml:channel name="Y" type="integer" min="-2.14748E9" max="2.14748E9" units="cm"/>
+          <inkml:channel name="F" type="integer" max="32767" units="dev"/>
+        </inkml:traceFormat>
+        <inkml:channelProperties>
+          <inkml:channelProperty channel="X" name="resolution" value="1000" units="1/cm"/>
+          <inkml:channelProperty channel="Y" name="resolution" value="1000" units="1/cm"/>
+          <inkml:channelProperty channel="F" name="resolution" value="0" units="1/dev"/>
+        </inkml:channelProperties>
+      </inkml:inkSource>
+      <inkml:timestamp xml:id="ts0" timeString="2024-06-26T14:51:47.959"/>
+    </inkml:context>
+    <inkml:brush xml:id="br0">
+      <inkml:brushProperty name="width" value="0.1" units="cm"/>
+      <inkml:brushProperty name="height" value="0.1" units="cm"/>
+      <inkml:brushProperty name="color" value="#BB5B18"/>
+      <inkml:brushProperty name="inkEffects" value="bronze"/>
+      <inkml:brushProperty name="anchorX" value="-20861.12695"/>
+      <inkml:brushProperty name="anchorY" value="-23903.5957"/>
+      <inkml:brushProperty name="scaleFactor" value="0.5"/>
+    </inkml:brush>
+  </inkml:definitions>
+  <inkml:trace contextRef="#ctx0" brushRef="#br0">0 247 24575,'0'0'0,"7"0"0,18 0 0,8-9 0,7 1 0,3-1 0,1 3 0,1 0 0,-2-5 0,0 1 0,-1 2 0,-1 1 0,0 2 0,-1-6 0,0 2 0,0 0 0,0 2 0,1 2 0,-9-5 0,0 0 0,0 2 0,1-7 0,3-6 0,1 2 0,2 3 0,0 3 0,1 5 0,1 4 0,0 2 0,-1 1 0,1 2 0,-8 8 0,-1 0 0,-8 0 0</inkml:trace>
+</inkml:ink>
+</file>
+
+<file path=ppt/ink/ink23.xml><?xml version="1.0" encoding="utf-8"?>
+<inkml:ink xmlns:inkml="http://www.w3.org/2003/InkML">
+  <inkml:definitions>
+    <inkml:context xml:id="ctx0">
+      <inkml:inkSource xml:id="inkSrc0">
+        <inkml:traceFormat>
+          <inkml:channel name="X" type="integer" min="-2.14748E9" max="2.14748E9" units="cm"/>
+          <inkml:channel name="Y" type="integer" min="-2.14748E9" max="2.14748E9" units="cm"/>
+          <inkml:channel name="F" type="integer" max="32767" units="dev"/>
+        </inkml:traceFormat>
+        <inkml:channelProperties>
+          <inkml:channelProperty channel="X" name="resolution" value="1000" units="1/cm"/>
+          <inkml:channelProperty channel="Y" name="resolution" value="1000" units="1/cm"/>
+          <inkml:channelProperty channel="F" name="resolution" value="0" units="1/dev"/>
+        </inkml:channelProperties>
+      </inkml:inkSource>
+      <inkml:timestamp xml:id="ts0" timeString="2024-06-26T14:51:49.723"/>
+    </inkml:context>
+    <inkml:brush xml:id="br0">
+      <inkml:brushProperty name="width" value="0.1" units="cm"/>
+      <inkml:brushProperty name="height" value="0.1" units="cm"/>
+      <inkml:brushProperty name="color" value="#BB5B18"/>
+      <inkml:brushProperty name="inkEffects" value="bronze"/>
+      <inkml:brushProperty name="anchorX" value="-23350.73047"/>
+      <inkml:brushProperty name="anchorY" value="-24955.36328"/>
+      <inkml:brushProperty name="scaleFactor" value="0.5"/>
+    </inkml:brush>
+  </inkml:definitions>
+  <inkml:trace contextRef="#ctx0" brushRef="#br0">1 0 24575,'0'0'0,"6"0"0,12 0 0,6 0 0,24 0 0,12 0 0,13 8 0,-2 1 0,4 7 0,1 8 0,-6-3 0,-7-3 0,-8-4 0,-6-5 0,-4-4 0,4-3 0,-9 6 0,-1 0 0,-1-1 0,-1-1 0,1-2 0,8-2 0,9 0 0,1-2 0,-1 0 0,-3 0 0,-4 0 0,-2-1 0,-4 1 0,0 0 0,-2 0 0,0 0 0,-1 0 0,1 0 0,0 0 0,0 0 0,0 0 0,0 0 0,-8 0 0</inkml:trace>
+</inkml:ink>
+</file>
+
+<file path=ppt/ink/ink24.xml><?xml version="1.0" encoding="utf-8"?>
+<inkml:ink xmlns:inkml="http://www.w3.org/2003/InkML">
+  <inkml:definitions>
+    <inkml:context xml:id="ctx0">
+      <inkml:inkSource xml:id="inkSrc0">
+        <inkml:traceFormat>
+          <inkml:channel name="X" type="integer" min="-2.14748E9" max="2.14748E9" units="cm"/>
+          <inkml:channel name="Y" type="integer" min="-2.14748E9" max="2.14748E9" units="cm"/>
+          <inkml:channel name="F" type="integer" max="32767" units="dev"/>
+        </inkml:traceFormat>
+        <inkml:channelProperties>
+          <inkml:channelProperty channel="X" name="resolution" value="1000" units="1/cm"/>
+          <inkml:channelProperty channel="Y" name="resolution" value="1000" units="1/cm"/>
+          <inkml:channelProperty channel="F" name="resolution" value="0" units="1/dev"/>
+        </inkml:channelProperties>
+      </inkml:inkSource>
+      <inkml:timestamp xml:id="ts0" timeString="2024-06-26T14:51:50.736"/>
+    </inkml:context>
+    <inkml:brush xml:id="br0">
+      <inkml:brushProperty name="width" value="0.1" units="cm"/>
+      <inkml:brushProperty name="height" value="0.1" units="cm"/>
+      <inkml:brushProperty name="color" value="#BB5B18"/>
+      <inkml:brushProperty name="inkEffects" value="bronze"/>
+      <inkml:brushProperty name="anchorX" value="-26388.16406"/>
+      <inkml:brushProperty name="anchorY" value="-26386.88281"/>
+      <inkml:brushProperty name="scaleFactor" value="0.5"/>
+    </inkml:brush>
+  </inkml:definitions>
+  <inkml:trace contextRef="#ctx0" brushRef="#br0">1 202 24575,'0'0'0,"7"0"0,10 0 0,8 0 0,7 0 0,20 0 0,4 0 0,1 0 0,-1 0 0,4 0 0,-4 0 0,-3 0 0,-3 0 0,-4 0 0,-3 0 0,6 0 0,0-8 0,-1 0 0,-10-9 0,-2 2 0,7 2 0,0 3 0,1 4 0,0 2 0,-1 2 0,0-6 0,-2-8 0,0-1 0,0 3 0,-1 3 0,0 3 0,0-4 0,1 1 0,-1 2 0,0 3 0,0 2 0,-7 1 0</inkml:trace>
+</inkml:ink>
+</file>
+
+<file path=ppt/ink/ink25.xml><?xml version="1.0" encoding="utf-8"?>
+<inkml:ink xmlns:inkml="http://www.w3.org/2003/InkML">
+  <inkml:definitions>
+    <inkml:context xml:id="ctx0">
+      <inkml:inkSource xml:id="inkSrc0">
+        <inkml:traceFormat>
+          <inkml:channel name="X" type="integer" min="-2.14748E9" max="2.14748E9" units="cm"/>
+          <inkml:channel name="Y" type="integer" min="-2.14748E9" max="2.14748E9" units="cm"/>
+          <inkml:channel name="F" type="integer" max="32767" units="dev"/>
+        </inkml:traceFormat>
+        <inkml:channelProperties>
+          <inkml:channelProperty channel="X" name="resolution" value="1000" units="1/cm"/>
+          <inkml:channelProperty channel="Y" name="resolution" value="1000" units="1/cm"/>
+          <inkml:channelProperty channel="F" name="resolution" value="0" units="1/dev"/>
+        </inkml:channelProperties>
+      </inkml:inkSource>
+      <inkml:timestamp xml:id="ts0" timeString="2024-06-26T14:51:52.393"/>
+    </inkml:context>
+    <inkml:brush xml:id="br0">
+      <inkml:brushProperty name="width" value="0.1" units="cm"/>
+      <inkml:brushProperty name="height" value="0.1" units="cm"/>
+      <inkml:brushProperty name="color" value="#BB5B18"/>
+      <inkml:brushProperty name="inkEffects" value="bronze"/>
+      <inkml:brushProperty name="anchorX" value="-29184.95117"/>
+      <inkml:brushProperty name="anchorY" value="-27454.91406"/>
+      <inkml:brushProperty name="scaleFactor" value="0.5"/>
+    </inkml:brush>
+  </inkml:definitions>
+  <inkml:trace contextRef="#ctx0" brushRef="#br0">0 1 24575,'0'0'0,"7"0"0,11 0 0,7 0 0,6 0 0,5 0 0,4 0 0,1 0 0,1 0 0,0 0 0,-1 0 0,9 0 0,7 0 0,1 0 0,-3 0 0,-3 0 0,-3 0 0,-4 0 0,-3 0 0,-1 0 0,-1 0 0,0 0 0,0 0 0,-1 0 0,1 0 0,0 0 0,0 0 0,1 0 0,7 0 0,0 0 0,1 0 0,-2 0 0,-2 0 0,-9 0 0</inkml:trace>
+</inkml:ink>
+</file>
+
+<file path=ppt/ink/ink26.xml><?xml version="1.0" encoding="utf-8"?>
+<inkml:ink xmlns:inkml="http://www.w3.org/2003/InkML">
+  <inkml:definitions>
+    <inkml:context xml:id="ctx0">
+      <inkml:inkSource xml:id="inkSrc0">
+        <inkml:traceFormat>
+          <inkml:channel name="X" type="integer" min="-2.14748E9" max="2.14748E9" units="cm"/>
+          <inkml:channel name="Y" type="integer" min="-2.14748E9" max="2.14748E9" units="cm"/>
+          <inkml:channel name="F" type="integer" max="32767" units="dev"/>
+        </inkml:traceFormat>
+        <inkml:channelProperties>
+          <inkml:channelProperty channel="X" name="resolution" value="1000" units="1/cm"/>
+          <inkml:channelProperty channel="Y" name="resolution" value="1000" units="1/cm"/>
+          <inkml:channelProperty channel="F" name="resolution" value="0" units="1/dev"/>
+        </inkml:channelProperties>
+      </inkml:inkSource>
+      <inkml:timestamp xml:id="ts0" timeString="2024-06-26T14:51:53.328"/>
+    </inkml:context>
+    <inkml:brush xml:id="br0">
+      <inkml:brushProperty name="width" value="0.1" units="cm"/>
+      <inkml:brushProperty name="height" value="0.1" units="cm"/>
+      <inkml:brushProperty name="color" value="#BB5B18"/>
+      <inkml:brushProperty name="inkEffects" value="bronze"/>
+      <inkml:brushProperty name="anchorX" value="-31819.37695"/>
+      <inkml:brushProperty name="anchorY" value="-28724.91406"/>
+      <inkml:brushProperty name="scaleFactor" value="0.5"/>
+    </inkml:brush>
+  </inkml:definitions>
+  <inkml:trace contextRef="#ctx0" brushRef="#br0">0 1 24575,'0'0'0,"7"0"0,11 0 0,7 0 0,6 0 0,13 0 0,4 0 0,9 0 0,0 8 0,-2 0 0,-3 0 0,4-1 0,-10 6 0,-4-2 0,-2-1 0,-2-2 0,0-3 0,0-2 0,1-2 0,0 0 0,0-1 0,1-1 0,0 1 0,1-1 0,-1 1 0,1 0 0,-1-1 0,1 1 0,-1 0 0,0 0 0,1 0 0,-1 0 0,-8 0 0</inkml:trace>
+</inkml:ink>
+</file>
+
+<file path=ppt/ink/ink27.xml><?xml version="1.0" encoding="utf-8"?>
+<inkml:ink xmlns:inkml="http://www.w3.org/2003/InkML">
+  <inkml:definitions>
+    <inkml:context xml:id="ctx0">
+      <inkml:inkSource xml:id="inkSrc0">
+        <inkml:traceFormat>
+          <inkml:channel name="X" type="integer" min="-2.14748E9" max="2.14748E9" units="cm"/>
+          <inkml:channel name="Y" type="integer" min="-2.14748E9" max="2.14748E9" units="cm"/>
+          <inkml:channel name="F" type="integer" max="32767" units="dev"/>
+        </inkml:traceFormat>
+        <inkml:channelProperties>
+          <inkml:channelProperty channel="X" name="resolution" value="1000" units="1/cm"/>
+          <inkml:channelProperty channel="Y" name="resolution" value="1000" units="1/cm"/>
+          <inkml:channelProperty channel="F" name="resolution" value="0" units="1/dev"/>
+        </inkml:channelProperties>
+      </inkml:inkSource>
+      <inkml:timestamp xml:id="ts0" timeString="2024-06-26T14:51:54.355"/>
+    </inkml:context>
+    <inkml:brush xml:id="br0">
+      <inkml:brushProperty name="width" value="0.1" units="cm"/>
+      <inkml:brushProperty name="height" value="0.1" units="cm"/>
+      <inkml:brushProperty name="color" value="#BB5B18"/>
+      <inkml:brushProperty name="inkEffects" value="bronze"/>
+      <inkml:brushProperty name="anchorX" value="-34374.05078"/>
+      <inkml:brushProperty name="anchorY" value="-30075.64648"/>
+      <inkml:brushProperty name="scaleFactor" value="0.5"/>
+    </inkml:brush>
+  </inkml:definitions>
+  <inkml:trace contextRef="#ctx0" brushRef="#br0">0 0 24575,'0'0'0,"7"0"0,11 0 0,7 0 0,6 0 0,6 0 0,2 0 0,2 0 0,1 0 0,0 0 0,0 9 0,7-1 0,1 1 0,-1-3 0,-2-1 0,-2-1 0,7-3 0,-2 0 0,-1-1 0,-1 0 0,-4 0 0,-1-1 0,-1 1 0,-1 0 0,-1 0 0,0 0 0,0 0 0,0 0 0,0 0 0,0 0 0,-8 7 0,0 2 0,0-1 0,-7-2 0</inkml:trace>
+</inkml:ink>
+</file>
+
+<file path=ppt/ink/ink28.xml><?xml version="1.0" encoding="utf-8"?>
+<inkml:ink xmlns:inkml="http://www.w3.org/2003/InkML">
+  <inkml:definitions>
+    <inkml:context xml:id="ctx0">
+      <inkml:inkSource xml:id="inkSrc0">
+        <inkml:traceFormat>
+          <inkml:channel name="X" type="integer" min="-2.14748E9" max="2.14748E9" units="cm"/>
+          <inkml:channel name="Y" type="integer" min="-2.14748E9" max="2.14748E9" units="cm"/>
+          <inkml:channel name="F" type="integer" max="32767" units="dev"/>
+        </inkml:traceFormat>
+        <inkml:channelProperties>
+          <inkml:channelProperty channel="X" name="resolution" value="1000" units="1/cm"/>
+          <inkml:channelProperty channel="Y" name="resolution" value="1000" units="1/cm"/>
+          <inkml:channelProperty channel="F" name="resolution" value="0" units="1/dev"/>
+        </inkml:channelProperties>
+      </inkml:inkSource>
+      <inkml:timestamp xml:id="ts0" timeString="2024-06-26T14:51:55.620"/>
+    </inkml:context>
+    <inkml:brush xml:id="br0">
+      <inkml:brushProperty name="width" value="0.1" units="cm"/>
+      <inkml:brushProperty name="height" value="0.1" units="cm"/>
+      <inkml:brushProperty name="color" value="#BB5B18"/>
+      <inkml:brushProperty name="inkEffects" value="bronze"/>
+      <inkml:brushProperty name="anchorX" value="-36937.875"/>
+      <inkml:brushProperty name="anchorY" value="-31417.63672"/>
+      <inkml:brushProperty name="scaleFactor" value="0.5"/>
+    </inkml:brush>
+  </inkml:definitions>
+  <inkml:trace contextRef="#ctx0" brushRef="#br0">0 0 24575,'0'0'0,"7"0"0,11 0 0,6 0 0,15 0 0,6 0 0,3 0 0,-1 0 0,16 0 0,-1 0 0,-2 0 0,-4 0 0,-5 0 0,-4 0 0,-12 8 0,-2 0 0,-1 0 0,1-1 0,1-2 0,3-2 0,1-1 0,1-2 0,1 0 0,0 0 0,1 0 0,-1-1 0,1 1 0,0 0 0,-1 0 0,1 0 0,-1 0 0,0 0 0,0 0 0,1 0 0,-1 0 0,0 0 0,1 0 0,-1 0 0,1 0 0,-9 0 0</inkml:trace>
+</inkml:ink>
+</file>
+
+<file path=ppt/ink/ink29.xml><?xml version="1.0" encoding="utf-8"?>
+<inkml:ink xmlns:inkml="http://www.w3.org/2003/InkML">
+  <inkml:definitions>
+    <inkml:context xml:id="ctx0">
+      <inkml:inkSource xml:id="inkSrc0">
+        <inkml:traceFormat>
+          <inkml:channel name="X" type="integer" min="-2.14748E9" max="2.14748E9" units="cm"/>
+          <inkml:channel name="Y" type="integer" min="-2.14748E9" max="2.14748E9" units="cm"/>
+        </inkml:traceFormat>
+        <inkml:channelProperties>
+          <inkml:channelProperty channel="X" name="resolution" value="1000" units="1/cm"/>
+          <inkml:channelProperty channel="Y" name="resolution" value="1000" units="1/cm"/>
+        </inkml:channelProperties>
+      </inkml:inkSource>
+      <inkml:timestamp xml:id="ts0" timeString="2024-06-26T14:52:06.335"/>
+    </inkml:context>
+    <inkml:brush xml:id="br0">
+      <inkml:brushProperty name="width" value="0.1" units="cm"/>
+      <inkml:brushProperty name="height" value="0.6" units="cm"/>
+      <inkml:brushProperty name="color" value="#F6630D"/>
+      <inkml:brushProperty name="ignorePressure" value="1"/>
+      <inkml:brushProperty name="inkEffects" value="pencil"/>
+    </inkml:brush>
+  </inkml:definitions>
+  <inkml:trace contextRef="#ctx0" brushRef="#br0">0 0,'0'7,"0"9,0 8,0 8,0 5,0 3,0 1,0 1,0 0,0 0,0-1,7-7,2-2,-1 0,-1 1,-2 2,-2 2,-1 2,-2 1,0 0,0 0,0 1,-1 0,1-1,0-6</inkml:trace>
+</inkml:ink>
+</file>
+
+<file path=ppt/ink/ink3.xml><?xml version="1.0" encoding="utf-8"?>
+<inkml:ink xmlns:inkml="http://www.w3.org/2003/InkML">
+  <inkml:definitions>
+    <inkml:context xml:id="ctx0">
+      <inkml:inkSource xml:id="inkSrc0">
+        <inkml:traceFormat>
+          <inkml:channel name="X" type="integer" min="-2.14748E9" max="2.14748E9" units="cm"/>
+          <inkml:channel name="Y" type="integer" min="-2.14748E9" max="2.14748E9" units="cm"/>
+          <inkml:channel name="F" type="integer" max="32767" units="dev"/>
+        </inkml:traceFormat>
+        <inkml:channelProperties>
+          <inkml:channelProperty channel="X" name="resolution" value="1000" units="1/cm"/>
+          <inkml:channelProperty channel="Y" name="resolution" value="1000" units="1/cm"/>
+          <inkml:channelProperty channel="F" name="resolution" value="0" units="1/dev"/>
+        </inkml:channelProperties>
+      </inkml:inkSource>
+      <inkml:timestamp xml:id="ts0" timeString="2024-06-26T14:50:38.844"/>
+    </inkml:context>
+    <inkml:brush xml:id="br0">
+      <inkml:brushProperty name="width" value="0.1" units="cm"/>
+      <inkml:brushProperty name="height" value="0.1" units="cm"/>
+      <inkml:brushProperty name="color" value="#008C3A"/>
+    </inkml:brush>
+  </inkml:definitions>
+  <inkml:trace contextRef="#ctx0" brushRef="#br0">0 1 24575,'0'929'0,"2"-909"0,0 1 0,2-1 0,0 0 0,1 0 0,1 0 0,12 26 0,-9-24 0,-1 0 0,-1 1 0,-2-1 0,7 42 0,-10 16-1365,-2-45-5461</inkml:trace>
+</inkml:ink>
+</file>
+
+<file path=ppt/ink/ink30.xml><?xml version="1.0" encoding="utf-8"?>
+<inkml:ink xmlns:inkml="http://www.w3.org/2003/InkML">
+  <inkml:definitions>
+    <inkml:context xml:id="ctx0">
+      <inkml:inkSource xml:id="inkSrc0">
+        <inkml:traceFormat>
+          <inkml:channel name="X" type="integer" min="-2.14748E9" max="2.14748E9" units="cm"/>
+          <inkml:channel name="Y" type="integer" min="-2.14748E9" max="2.14748E9" units="cm"/>
+        </inkml:traceFormat>
+        <inkml:channelProperties>
+          <inkml:channelProperty channel="X" name="resolution" value="1000" units="1/cm"/>
+          <inkml:channelProperty channel="Y" name="resolution" value="1000" units="1/cm"/>
+        </inkml:channelProperties>
+      </inkml:inkSource>
+      <inkml:timestamp xml:id="ts0" timeString="2024-06-26T14:52:08.347"/>
+    </inkml:context>
+    <inkml:brush xml:id="br0">
+      <inkml:brushProperty name="width" value="0.1" units="cm"/>
+      <inkml:brushProperty name="height" value="0.6" units="cm"/>
+      <inkml:brushProperty name="color" value="#F6630D"/>
+      <inkml:brushProperty name="ignorePressure" value="1"/>
+      <inkml:brushProperty name="inkEffects" value="pencil"/>
+    </inkml:brush>
+  </inkml:definitions>
+  <inkml:trace contextRef="#ctx0" brushRef="#br0">1 192,'6'0,"10"0,9 0,13 0,8-7,9-9,3-15,-3-3,-2 4,-12 1,-5 6,-2 6,-7 13,-8 13,0 13,-4 10,-4 5,-3 4,-5 2,-1 0,-2 0,-7-1,-10-7,-2-3,-4-7,-5-7,-5-7,-4-6,-2-3,-1 5,5 7,3 2,-1 5,-1-1,-2-4,-1-4,-2-5,13-4,11 6,15 0,14-2,11-1,2 5,3 1,4-2,2-3,2-2,2-2,-6 5,-3 9,2 0,1-2,1-3,3-4,0-4,2-2,0-1,1-2,0 1,-1-1,1 0,-7 1</inkml:trace>
+</inkml:ink>
+</file>
+
+<file path=ppt/ink/ink31.xml><?xml version="1.0" encoding="utf-8"?>
+<inkml:ink xmlns:inkml="http://www.w3.org/2003/InkML">
+  <inkml:definitions>
+    <inkml:context xml:id="ctx0">
+      <inkml:inkSource xml:id="inkSrc0">
+        <inkml:traceFormat>
+          <inkml:channel name="X" type="integer" min="-2.14748E9" max="2.14748E9" units="cm"/>
+          <inkml:channel name="Y" type="integer" min="-2.14748E9" max="2.14748E9" units="cm"/>
+        </inkml:traceFormat>
+        <inkml:channelProperties>
+          <inkml:channelProperty channel="X" name="resolution" value="1000" units="1/cm"/>
+          <inkml:channelProperty channel="Y" name="resolution" value="1000" units="1/cm"/>
+        </inkml:channelProperties>
+      </inkml:inkSource>
+      <inkml:timestamp xml:id="ts0" timeString="2024-06-26T14:52:10.089"/>
+    </inkml:context>
+    <inkml:brush xml:id="br0">
+      <inkml:brushProperty name="width" value="0.1" units="cm"/>
+      <inkml:brushProperty name="height" value="0.6" units="cm"/>
+      <inkml:brushProperty name="color" value="#F6630D"/>
+      <inkml:brushProperty name="ignorePressure" value="1"/>
+      <inkml:brushProperty name="inkEffects" value="pencil"/>
+    </inkml:brush>
+  </inkml:definitions>
+  <inkml:trace contextRef="#ctx0" brushRef="#br0">1 84,'0'-6,"0"-10,7-2,9 2,9 4,7 4,4 3,4 3,2 1,0 1,0 1,0 0,-1-1,0 1,0-1,-1 1,0-1,-6 7,-10 9,-2 2,3-3,-4 4,-4 5,-7 6,-3 4,-4 3,-2 3,-2 0,-7 2,-2-1,-6-7,-8-9,-6-9,2 0,12 4,16-2,15-3,19 2,10-2,-3 4,0-1,-2-5,1-3,-1-5,1-2,0-2,-7 6,-9 8,-8 9,-15 1,-13-5,-12-5,-9-6,-5 3,-3 0,-2-3,0-3,0-2,1-2,0-2,1 0,0 0,1-1,-1 1,1 0,0-1,0 1,0 0,0 0,-1 0,8-7,1-2,1 1,-3 1,6 2</inkml:trace>
+</inkml:ink>
+</file>
+
+<file path=ppt/ink/ink32.xml><?xml version="1.0" encoding="utf-8"?>
+<inkml:ink xmlns:inkml="http://www.w3.org/2003/InkML">
+  <inkml:definitions>
+    <inkml:context xml:id="ctx0">
+      <inkml:inkSource xml:id="inkSrc0">
+        <inkml:traceFormat>
+          <inkml:channel name="X" type="integer" min="-2.14748E9" max="2.14748E9" units="cm"/>
+          <inkml:channel name="Y" type="integer" min="-2.14748E9" max="2.14748E9" units="cm"/>
+        </inkml:traceFormat>
+        <inkml:channelProperties>
+          <inkml:channelProperty channel="X" name="resolution" value="1000" units="1/cm"/>
+          <inkml:channelProperty channel="Y" name="resolution" value="1000" units="1/cm"/>
+        </inkml:channelProperties>
+      </inkml:inkSource>
+      <inkml:timestamp xml:id="ts0" timeString="2024-06-26T14:52:13.172"/>
+    </inkml:context>
+    <inkml:brush xml:id="br0">
+      <inkml:brushProperty name="width" value="0.1" units="cm"/>
+      <inkml:brushProperty name="height" value="0.6" units="cm"/>
+      <inkml:brushProperty name="color" value="#F6630D"/>
+      <inkml:brushProperty name="ignorePressure" value="1"/>
+      <inkml:brushProperty name="inkEffects" value="pencil"/>
+    </inkml:brush>
+  </inkml:definitions>
+  <inkml:trace contextRef="#ctx0" brushRef="#br0">1 135,'0'7,"0"9,0 9,0 6,0 6,0 3,0 2,0 0,0 0,0 0,0-1,0 0,0 0,7-8,2-2,0 1,-2 1,5-4,7-8,1 0,-4 3,3-3,4-4,6-6,5-4,3-4,9-2,4-1,-1-1,0 0,-3 0,-2 1,-1-1,-2 1,-1 0,-7 6,-2 3,-6 7,-15 0,-16-2,-6-11,-2-12,-5-19,-6-18,1-8,5-2,5 2,5 3,5 4,2 2,2 3,1 1,0 1,0 0,0 0,-1 0,7-6,3-4,-2 2,-1 1,-2 1,5 10,1 17,-2 19,-2 16,-2 12,-2 15,-2 7,0 2,-2-1,1-2,0-3,-1-2,1-2,0-1,0-1,-1 0,1 0,0 6,0 3,0 0,1-2,-1-1,0-3,0-1,0-1,0 0,0-2,0 1,0 0,0 0,0 0,6 0,10 1,2-1,-2 0,-4 1,-4-1,-3 1,-3-8</inkml:trace>
+</inkml:ink>
+</file>
+
+<file path=ppt/ink/ink33.xml><?xml version="1.0" encoding="utf-8"?>
+<inkml:ink xmlns:inkml="http://www.w3.org/2003/InkML">
+  <inkml:definitions>
+    <inkml:context xml:id="ctx0">
+      <inkml:inkSource xml:id="inkSrc0">
+        <inkml:traceFormat>
+          <inkml:channel name="X" type="integer" min="-2.14748E9" max="2.14748E9" units="cm"/>
+          <inkml:channel name="Y" type="integer" min="-2.14748E9" max="2.14748E9" units="cm"/>
+        </inkml:traceFormat>
+        <inkml:channelProperties>
+          <inkml:channelProperty channel="X" name="resolution" value="1000" units="1/cm"/>
+          <inkml:channelProperty channel="Y" name="resolution" value="1000" units="1/cm"/>
+        </inkml:channelProperties>
+      </inkml:inkSource>
+      <inkml:timestamp xml:id="ts0" timeString="2024-06-26T14:52:14.946"/>
+    </inkml:context>
+    <inkml:brush xml:id="br0">
+      <inkml:brushProperty name="width" value="0.1" units="cm"/>
+      <inkml:brushProperty name="height" value="0.6" units="cm"/>
+      <inkml:brushProperty name="color" value="#F6630D"/>
+      <inkml:brushProperty name="ignorePressure" value="1"/>
+      <inkml:brushProperty name="inkEffects" value="pencil"/>
+    </inkml:brush>
+  </inkml:definitions>
+  <inkml:trace contextRef="#ctx0" brushRef="#br0">1 42,'0'-7,"7"-2,9 0,9 2,7 3,4 0,4 3,2 0,-7 8,-2 2,0 0,2 5,0 1,3-3,1-3,0-3,1 4,1 0,0-1,-1-3,-6 5,-2 1,0-3,1-2,2-2,3-2,-7-2</inkml:trace>
+</inkml:ink>
+</file>
+
+<file path=ppt/ink/ink34.xml><?xml version="1.0" encoding="utf-8"?>
+<inkml:ink xmlns:inkml="http://www.w3.org/2003/InkML">
+  <inkml:definitions>
+    <inkml:context xml:id="ctx0">
+      <inkml:inkSource xml:id="inkSrc0">
+        <inkml:traceFormat>
+          <inkml:channel name="X" type="integer" min="-2.14748E9" max="2.14748E9" units="cm"/>
+          <inkml:channel name="Y" type="integer" min="-2.14748E9" max="2.14748E9" units="cm"/>
+        </inkml:traceFormat>
+        <inkml:channelProperties>
+          <inkml:channelProperty channel="X" name="resolution" value="1000" units="1/cm"/>
+          <inkml:channelProperty channel="Y" name="resolution" value="1000" units="1/cm"/>
+        </inkml:channelProperties>
+      </inkml:inkSource>
+      <inkml:timestamp xml:id="ts0" timeString="2024-06-26T14:52:15.780"/>
+    </inkml:context>
+    <inkml:brush xml:id="br0">
+      <inkml:brushProperty name="width" value="0.1" units="cm"/>
+      <inkml:brushProperty name="height" value="0.6" units="cm"/>
+      <inkml:brushProperty name="color" value="#F6630D"/>
+      <inkml:brushProperty name="ignorePressure" value="1"/>
+      <inkml:brushProperty name="inkEffects" value="pencil"/>
+    </inkml:brush>
+  </inkml:definitions>
+  <inkml:trace contextRef="#ctx0" brushRef="#br0">1 1,'0'6,"0"10,0 9,0 13,0 15,0 4,0 1,0 3,0-2,0-4,0-4,0-4,0-4,0-2,0 0,0-2,0 0,0 1,0 0,0-1,0-5</inkml:trace>
+</inkml:ink>
+</file>
+
+<file path=ppt/ink/ink35.xml><?xml version="1.0" encoding="utf-8"?>
+<inkml:ink xmlns:inkml="http://www.w3.org/2003/InkML">
+  <inkml:definitions>
+    <inkml:context xml:id="ctx0">
+      <inkml:inkSource xml:id="inkSrc0">
+        <inkml:traceFormat>
+          <inkml:channel name="X" type="integer" min="-2.14748E9" max="2.14748E9" units="cm"/>
+          <inkml:channel name="Y" type="integer" min="-2.14748E9" max="2.14748E9" units="cm"/>
+        </inkml:traceFormat>
+        <inkml:channelProperties>
+          <inkml:channelProperty channel="X" name="resolution" value="1000" units="1/cm"/>
+          <inkml:channelProperty channel="Y" name="resolution" value="1000" units="1/cm"/>
+        </inkml:channelProperties>
+      </inkml:inkSource>
+      <inkml:timestamp xml:id="ts0" timeString="2024-06-26T14:52:16.697"/>
+    </inkml:context>
+    <inkml:brush xml:id="br0">
+      <inkml:brushProperty name="width" value="0.1" units="cm"/>
+      <inkml:brushProperty name="height" value="0.6" units="cm"/>
+      <inkml:brushProperty name="color" value="#F6630D"/>
+      <inkml:brushProperty name="ignorePressure" value="1"/>
+      <inkml:brushProperty name="inkEffects" value="pencil"/>
+    </inkml:brush>
+  </inkml:definitions>
+  <inkml:trace contextRef="#ctx0" brushRef="#br0">0 1,'7'0,"9"0,8 0,8 0,4 0,4 0,1 7,1 2,1 0,-2-2,1-2,-1-2,0-1,-1-1,-6 6,-10 8,-8 2</inkml:trace>
+</inkml:ink>
+</file>
+
+<file path=ppt/ink/ink36.xml><?xml version="1.0" encoding="utf-8"?>
+<inkml:ink xmlns:inkml="http://www.w3.org/2003/InkML">
+  <inkml:definitions>
+    <inkml:context xml:id="ctx0">
+      <inkml:inkSource xml:id="inkSrc0">
+        <inkml:traceFormat>
+          <inkml:channel name="X" type="integer" min="-2.14748E9" max="2.14748E9" units="cm"/>
+          <inkml:channel name="Y" type="integer" min="-2.14748E9" max="2.14748E9" units="cm"/>
+        </inkml:traceFormat>
+        <inkml:channelProperties>
+          <inkml:channelProperty channel="X" name="resolution" value="1000" units="1/cm"/>
+          <inkml:channelProperty channel="Y" name="resolution" value="1000" units="1/cm"/>
+        </inkml:channelProperties>
+      </inkml:inkSource>
+      <inkml:timestamp xml:id="ts0" timeString="2024-06-26T14:52:18.033"/>
+    </inkml:context>
+    <inkml:brush xml:id="br0">
+      <inkml:brushProperty name="width" value="0.1" units="cm"/>
+      <inkml:brushProperty name="height" value="0.6" units="cm"/>
+      <inkml:brushProperty name="color" value="#F6630D"/>
+      <inkml:brushProperty name="ignorePressure" value="1"/>
+      <inkml:brushProperty name="inkEffects" value="pencil"/>
+    </inkml:brush>
+  </inkml:definitions>
+  <inkml:trace contextRef="#ctx0" brushRef="#br0">0 1,'7'0,"9"0,9 0,7 0,5 0,3 0,1 0,1 0,0 0,0 0,-8 7,-2 2,0-1,-5 6,-1 0,-4 5,-7 6,-5 5,-5 5,-2 3,-3 2,-1 1,0 1,0-1,-7 0,-9 0,-1 0,-5-8,2-1,-2-8,2 1,-2-6,-4-5,3 2,13-2,14-3,14-3,10-4,9-2,4-1,-5 5,-1 3,1-2,0 0,2 4,2 1,-7 5,-1 0,1-4,-5 4,-8-1</inkml:trace>
+</inkml:ink>
+</file>
+
+<file path=ppt/ink/ink37.xml><?xml version="1.0" encoding="utf-8"?>
+<inkml:ink xmlns:inkml="http://www.w3.org/2003/InkML">
+  <inkml:definitions>
+    <inkml:context xml:id="ctx0">
+      <inkml:inkSource xml:id="inkSrc0">
+        <inkml:traceFormat>
+          <inkml:channel name="X" type="integer" min="-2.14748E9" max="2.14748E9" units="cm"/>
+          <inkml:channel name="Y" type="integer" min="-2.14748E9" max="2.14748E9" units="cm"/>
+        </inkml:traceFormat>
+        <inkml:channelProperties>
+          <inkml:channelProperty channel="X" name="resolution" value="1000" units="1/cm"/>
+          <inkml:channelProperty channel="Y" name="resolution" value="1000" units="1/cm"/>
+        </inkml:channelProperties>
+      </inkml:inkSource>
+      <inkml:timestamp xml:id="ts0" timeString="2024-06-26T14:52:18.884"/>
+    </inkml:context>
+    <inkml:brush xml:id="br0">
+      <inkml:brushProperty name="width" value="0.1" units="cm"/>
+      <inkml:brushProperty name="height" value="0.6" units="cm"/>
+      <inkml:brushProperty name="color" value="#F6630D"/>
+      <inkml:brushProperty name="ignorePressure" value="1"/>
+      <inkml:brushProperty name="inkEffects" value="pencil"/>
+    </inkml:brush>
+  </inkml:definitions>
+  <inkml:trace contextRef="#ctx0" brushRef="#br0">1 1,'7'0,"9"0,15 0,10 0,5 0,0 7,1 2,5 6,1 2,-2-4,-3-3,-2-3,-3-3,-1-3,-8 7,-3 0,0 1,2-3,1-1,3-3,-5 0</inkml:trace>
+</inkml:ink>
+</file>
+
+<file path=ppt/ink/ink38.xml><?xml version="1.0" encoding="utf-8"?>
+<inkml:ink xmlns:inkml="http://www.w3.org/2003/InkML">
+  <inkml:definitions>
+    <inkml:context xml:id="ctx0">
+      <inkml:inkSource xml:id="inkSrc0">
+        <inkml:traceFormat>
+          <inkml:channel name="X" type="integer" min="-2.14748E9" max="2.14748E9" units="cm"/>
+          <inkml:channel name="Y" type="integer" min="-2.14748E9" max="2.14748E9" units="cm"/>
+        </inkml:traceFormat>
+        <inkml:channelProperties>
+          <inkml:channelProperty channel="X" name="resolution" value="1000" units="1/cm"/>
+          <inkml:channelProperty channel="Y" name="resolution" value="1000" units="1/cm"/>
+        </inkml:channelProperties>
+      </inkml:inkSource>
+      <inkml:timestamp xml:id="ts0" timeString="2024-06-26T14:52:20.632"/>
+    </inkml:context>
+    <inkml:brush xml:id="br0">
+      <inkml:brushProperty name="width" value="0.1" units="cm"/>
+      <inkml:brushProperty name="height" value="0.6" units="cm"/>
+      <inkml:brushProperty name="color" value="#F6630D"/>
+      <inkml:brushProperty name="ignorePressure" value="1"/>
+      <inkml:brushProperty name="inkEffects" value="pencil"/>
+    </inkml:brush>
+  </inkml:definitions>
+  <inkml:trace contextRef="#ctx0" brushRef="#br0">1 0,'7'0,"9"0,8 0,8 0,5 0,2 0,3 0,0 0,-7 7,-2 2,0 0,0-2,3-1,1-3,-5 5,-8 9,-8 7,-1 8,-2 4,-3 3,-4 2,-3 1,-1 7,-2 1,-1 8,-6-1,-16 18,-12 3,-12 1,-6-4,-1-3,10-6,4-7,3-8,8-4,1-11,6-5,-1-7,12-9,13-5,14-13,11-5,7-8,6-1,2 1,1 5,0 3,-1 4,0 1,-1 3,0 0,0 1,-14 0,-19-1,-17 1,-14-1,3 0,13 0,7 7,3 3</inkml:trace>
+</inkml:ink>
+</file>
+
+<file path=ppt/ink/ink39.xml><?xml version="1.0" encoding="utf-8"?>
+<inkml:ink xmlns:inkml="http://www.w3.org/2003/InkML">
+  <inkml:definitions>
+    <inkml:context xml:id="ctx0">
+      <inkml:inkSource xml:id="inkSrc0">
+        <inkml:traceFormat>
+          <inkml:channel name="X" type="integer" min="-2.14748E9" max="2.14748E9" units="cm"/>
+          <inkml:channel name="Y" type="integer" min="-2.14748E9" max="2.14748E9" units="cm"/>
+        </inkml:traceFormat>
+        <inkml:channelProperties>
+          <inkml:channelProperty channel="X" name="resolution" value="1000" units="1/cm"/>
+          <inkml:channelProperty channel="Y" name="resolution" value="1000" units="1/cm"/>
+        </inkml:channelProperties>
+      </inkml:inkSource>
+      <inkml:timestamp xml:id="ts0" timeString="2024-06-26T14:52:21.934"/>
+    </inkml:context>
+    <inkml:brush xml:id="br0">
+      <inkml:brushProperty name="width" value="0.1" units="cm"/>
+      <inkml:brushProperty name="height" value="0.6" units="cm"/>
+      <inkml:brushProperty name="color" value="#F6630D"/>
+      <inkml:brushProperty name="ignorePressure" value="1"/>
+      <inkml:brushProperty name="inkEffects" value="pencil"/>
+    </inkml:brush>
+  </inkml:definitions>
+  <inkml:trace contextRef="#ctx0" brushRef="#br0">0 1,'7'0,"9"0,9 0,6 0,6 0,3 0,1 0,1 0,0 0,-7 7,-10 9,-8 1</inkml:trace>
+</inkml:ink>
+</file>
+
+<file path=ppt/ink/ink4.xml><?xml version="1.0" encoding="utf-8"?>
+<inkml:ink xmlns:inkml="http://www.w3.org/2003/InkML">
+  <inkml:definitions>
+    <inkml:context xml:id="ctx0">
+      <inkml:inkSource xml:id="inkSrc0">
+        <inkml:traceFormat>
+          <inkml:channel name="X" type="integer" min="-2.14748E9" max="2.14748E9" units="cm"/>
+          <inkml:channel name="Y" type="integer" min="-2.14748E9" max="2.14748E9" units="cm"/>
+          <inkml:channel name="F" type="integer" max="32767" units="dev"/>
+        </inkml:traceFormat>
+        <inkml:channelProperties>
+          <inkml:channelProperty channel="X" name="resolution" value="1000" units="1/cm"/>
+          <inkml:channelProperty channel="Y" name="resolution" value="1000" units="1/cm"/>
+          <inkml:channelProperty channel="F" name="resolution" value="0" units="1/dev"/>
+        </inkml:channelProperties>
+      </inkml:inkSource>
+      <inkml:timestamp xml:id="ts0" timeString="2024-06-26T14:50:40.016"/>
+    </inkml:context>
+    <inkml:brush xml:id="br0">
+      <inkml:brushProperty name="width" value="0.1" units="cm"/>
+      <inkml:brushProperty name="height" value="0.1" units="cm"/>
+      <inkml:brushProperty name="color" value="#008C3A"/>
+    </inkml:brush>
+  </inkml:definitions>
+  <inkml:trace contextRef="#ctx0" brushRef="#br0">81 0 24575,'-3'64'0,"-13"76"0,-2 28 0,11 688 0,10-488 0,-24-108 103,6-115-1571,12-98-5358</inkml:trace>
+</inkml:ink>
+</file>
+
+<file path=ppt/ink/ink40.xml><?xml version="1.0" encoding="utf-8"?>
+<inkml:ink xmlns:inkml="http://www.w3.org/2003/InkML">
+  <inkml:definitions>
+    <inkml:context xml:id="ctx0">
+      <inkml:inkSource xml:id="inkSrc0">
+        <inkml:traceFormat>
+          <inkml:channel name="X" type="integer" min="-2.14748E9" max="2.14748E9" units="cm"/>
+          <inkml:channel name="Y" type="integer" min="-2.14748E9" max="2.14748E9" units="cm"/>
+        </inkml:traceFormat>
+        <inkml:channelProperties>
+          <inkml:channelProperty channel="X" name="resolution" value="1000" units="1/cm"/>
+          <inkml:channelProperty channel="Y" name="resolution" value="1000" units="1/cm"/>
+        </inkml:channelProperties>
+      </inkml:inkSource>
+      <inkml:timestamp xml:id="ts0" timeString="2024-06-26T14:52:23.625"/>
+    </inkml:context>
+    <inkml:brush xml:id="br0">
+      <inkml:brushProperty name="width" value="0.1" units="cm"/>
+      <inkml:brushProperty name="height" value="0.6" units="cm"/>
+      <inkml:brushProperty name="color" value="#F6630D"/>
+      <inkml:brushProperty name="ignorePressure" value="1"/>
+      <inkml:brushProperty name="inkEffects" value="pencil"/>
+    </inkml:brush>
+  </inkml:definitions>
+  <inkml:trace contextRef="#ctx0" brushRef="#br0">447 722,'-7'0,"-9"0,-8 0,-8 0,-5 0,4-7,1-2,-1 1,4-6,2 0,4-5,-1 1,5-3,5-5,4-5,5-4,3-3,2-2,-7-1,-1 0,-7 0,0-1,2 2,3-1,4 0,2 1,3 0,0-1,2 8</inkml:trace>
+</inkml:ink>
+</file>
+
+<file path=ppt/ink/ink41.xml><?xml version="1.0" encoding="utf-8"?>
+<inkml:ink xmlns:inkml="http://www.w3.org/2003/InkML">
+  <inkml:definitions>
+    <inkml:context xml:id="ctx0">
+      <inkml:inkSource xml:id="inkSrc0">
+        <inkml:traceFormat>
+          <inkml:channel name="X" type="integer" min="-2.14748E9" max="2.14748E9" units="cm"/>
+          <inkml:channel name="Y" type="integer" min="-2.14748E9" max="2.14748E9" units="cm"/>
+        </inkml:traceFormat>
+        <inkml:channelProperties>
+          <inkml:channelProperty channel="X" name="resolution" value="1000" units="1/cm"/>
+          <inkml:channelProperty channel="Y" name="resolution" value="1000" units="1/cm"/>
+        </inkml:channelProperties>
+      </inkml:inkSource>
+      <inkml:timestamp xml:id="ts0" timeString="2024-06-26T14:52:25.156"/>
+    </inkml:context>
+    <inkml:brush xml:id="br0">
+      <inkml:brushProperty name="width" value="0.1" units="cm"/>
+      <inkml:brushProperty name="height" value="0.6" units="cm"/>
+      <inkml:brushProperty name="color" value="#F6630D"/>
+      <inkml:brushProperty name="ignorePressure" value="1"/>
+      <inkml:brushProperty name="inkEffects" value="pencil"/>
+    </inkml:brush>
+  </inkml:definitions>
+  <inkml:trace contextRef="#ctx0" brushRef="#br0">1 62,'0'-6,"0"-10,7-2,9 2,9 11,13 6,8 10,2 3,1-1,5-3,0 4,-2 0,-3-3,-3-3,-2-3,-2-2,-2-2,0-1,0 0,-1-1,1 1,0-1,-7 1</inkml:trace>
+</inkml:ink>
+</file>
+
+<file path=ppt/ink/ink42.xml><?xml version="1.0" encoding="utf-8"?>
+<inkml:ink xmlns:inkml="http://www.w3.org/2003/InkML">
+  <inkml:definitions>
+    <inkml:context xml:id="ctx0">
+      <inkml:inkSource xml:id="inkSrc0">
+        <inkml:traceFormat>
+          <inkml:channel name="X" type="integer" min="-2.14748E9" max="2.14748E9" units="cm"/>
+          <inkml:channel name="Y" type="integer" min="-2.14748E9" max="2.14748E9" units="cm"/>
+        </inkml:traceFormat>
+        <inkml:channelProperties>
+          <inkml:channelProperty channel="X" name="resolution" value="1000" units="1/cm"/>
+          <inkml:channelProperty channel="Y" name="resolution" value="1000" units="1/cm"/>
+        </inkml:channelProperties>
+      </inkml:inkSource>
+      <inkml:timestamp xml:id="ts0" timeString="2024-06-26T14:52:25.981"/>
+    </inkml:context>
+    <inkml:brush xml:id="br0">
+      <inkml:brushProperty name="width" value="0.1" units="cm"/>
+      <inkml:brushProperty name="height" value="0.6" units="cm"/>
+      <inkml:brushProperty name="color" value="#F6630D"/>
+      <inkml:brushProperty name="ignorePressure" value="1"/>
+      <inkml:brushProperty name="inkEffects" value="pencil"/>
+    </inkml:brush>
+  </inkml:definitions>
+  <inkml:trace contextRef="#ctx0" brushRef="#br0">1 1,'7'0,"2"7,0 9,-2 8,-2 8,-2 4,-1 11,-1 4,-1-1,-1-1,1 5,0 0,-1-3,1-3,0-2,7-10,8-11,10-9,0-1,-5 4,2-1,4-4,4-4,4-4,3-3,2-1,-5 5,-9-6,-9-9,-6-10,-6-9,-3-1</inkml:trace>
+</inkml:ink>
+</file>
+
+<file path=ppt/ink/ink43.xml><?xml version="1.0" encoding="utf-8"?>
+<inkml:ink xmlns:inkml="http://www.w3.org/2003/InkML">
+  <inkml:definitions>
+    <inkml:context xml:id="ctx0">
+      <inkml:inkSource xml:id="inkSrc0">
+        <inkml:traceFormat>
+          <inkml:channel name="X" type="integer" min="-2.14748E9" max="2.14748E9" units="cm"/>
+          <inkml:channel name="Y" type="integer" min="-2.14748E9" max="2.14748E9" units="cm"/>
+        </inkml:traceFormat>
+        <inkml:channelProperties>
+          <inkml:channelProperty channel="X" name="resolution" value="1000" units="1/cm"/>
+          <inkml:channelProperty channel="Y" name="resolution" value="1000" units="1/cm"/>
+        </inkml:channelProperties>
+      </inkml:inkSource>
+      <inkml:timestamp xml:id="ts0" timeString="2024-06-26T14:52:26.444"/>
+    </inkml:context>
+    <inkml:brush xml:id="br0">
+      <inkml:brushProperty name="width" value="0.1" units="cm"/>
+      <inkml:brushProperty name="height" value="0.6" units="cm"/>
+      <inkml:brushProperty name="color" value="#F6630D"/>
+      <inkml:brushProperty name="ignorePressure" value="1"/>
+      <inkml:brushProperty name="inkEffects" value="pencil"/>
+    </inkml:brush>
+  </inkml:definitions>
+  <inkml:trace contextRef="#ctx0" brushRef="#br0">1 1,'6'0,"3"7,0 8,5 10,0 13,-2 8,-3 2,-4 1,-1 5,-3 0,-1-2,0 4,-1-1,14 25,5 5,-2 23,-2-1,-5-11,-3-15,-2-15,4-11,1-9,0-4,-3-10</inkml:trace>
+</inkml:ink>
+</file>
+
+<file path=ppt/ink/ink44.xml><?xml version="1.0" encoding="utf-8"?>
+<inkml:ink xmlns:inkml="http://www.w3.org/2003/InkML">
+  <inkml:definitions>
+    <inkml:context xml:id="ctx0">
+      <inkml:inkSource xml:id="inkSrc0">
+        <inkml:traceFormat>
+          <inkml:channel name="X" type="integer" min="-2.14748E9" max="2.14748E9" units="cm"/>
+          <inkml:channel name="Y" type="integer" min="-2.14748E9" max="2.14748E9" units="cm"/>
+        </inkml:traceFormat>
+        <inkml:channelProperties>
+          <inkml:channelProperty channel="X" name="resolution" value="1000" units="1/cm"/>
+          <inkml:channelProperty channel="Y" name="resolution" value="1000" units="1/cm"/>
+        </inkml:channelProperties>
+      </inkml:inkSource>
+      <inkml:timestamp xml:id="ts0" timeString="2024-06-26T15:02:49.849"/>
+    </inkml:context>
+    <inkml:brush xml:id="br0">
+      <inkml:brushProperty name="width" value="0.1" units="cm"/>
+      <inkml:brushProperty name="height" value="0.6" units="cm"/>
+      <inkml:brushProperty name="color" value="#F6630D"/>
+      <inkml:brushProperty name="ignorePressure" value="1"/>
+      <inkml:brushProperty name="inkEffects" value="pencil"/>
+    </inkml:brush>
+  </inkml:definitions>
+  <inkml:trace contextRef="#ctx0" brushRef="#br0">1 0,'7'0,"2"0</inkml:trace>
+</inkml:ink>
+</file>
+
+<file path=ppt/ink/ink45.xml><?xml version="1.0" encoding="utf-8"?>
+<inkml:ink xmlns:inkml="http://www.w3.org/2003/InkML">
+  <inkml:definitions>
+    <inkml:context xml:id="ctx0">
+      <inkml:inkSource xml:id="inkSrc0">
+        <inkml:traceFormat>
+          <inkml:channel name="X" type="integer" min="-2.14748E9" max="2.14748E9" units="cm"/>
+          <inkml:channel name="Y" type="integer" min="-2.14748E9" max="2.14748E9" units="cm"/>
+        </inkml:traceFormat>
+        <inkml:channelProperties>
+          <inkml:channelProperty channel="X" name="resolution" value="1000" units="1/cm"/>
+          <inkml:channelProperty channel="Y" name="resolution" value="1000" units="1/cm"/>
+        </inkml:channelProperties>
+      </inkml:inkSource>
+      <inkml:timestamp xml:id="ts0" timeString="2024-06-26T15:02:54.044"/>
+    </inkml:context>
+    <inkml:brush xml:id="br0">
+      <inkml:brushProperty name="width" value="0.1" units="cm"/>
+      <inkml:brushProperty name="height" value="0.6" units="cm"/>
+      <inkml:brushProperty name="color" value="#F6630D"/>
+      <inkml:brushProperty name="ignorePressure" value="1"/>
+      <inkml:brushProperty name="inkEffects" value="pencil"/>
+    </inkml:brush>
+  </inkml:definitions>
+  <inkml:trace contextRef="#ctx0" brushRef="#br0">1 16,'0'-7,"0"-2</inkml:trace>
+</inkml:ink>
+</file>
+
+<file path=ppt/ink/ink46.xml><?xml version="1.0" encoding="utf-8"?>
+<inkml:ink xmlns:inkml="http://www.w3.org/2003/InkML">
+  <inkml:definitions>
+    <inkml:context xml:id="ctx0">
+      <inkml:inkSource xml:id="inkSrc0">
+        <inkml:traceFormat>
+          <inkml:channel name="X" type="integer" min="-2.14748E9" max="2.14748E9" units="cm"/>
+          <inkml:channel name="Y" type="integer" min="-2.14748E9" max="2.14748E9" units="cm"/>
+        </inkml:traceFormat>
+        <inkml:channelProperties>
+          <inkml:channelProperty channel="X" name="resolution" value="1000" units="1/cm"/>
+          <inkml:channelProperty channel="Y" name="resolution" value="1000" units="1/cm"/>
+        </inkml:channelProperties>
+      </inkml:inkSource>
+      <inkml:timestamp xml:id="ts0" timeString="2024-06-26T15:02:56.697"/>
+    </inkml:context>
+    <inkml:brush xml:id="br0">
+      <inkml:brushProperty name="width" value="0.1" units="cm"/>
+      <inkml:brushProperty name="height" value="0.6" units="cm"/>
+      <inkml:brushProperty name="color" value="#F6630D"/>
+      <inkml:brushProperty name="ignorePressure" value="1"/>
+      <inkml:brushProperty name="inkEffects" value="pencil"/>
+    </inkml:brush>
+  </inkml:definitions>
+  <inkml:trace contextRef="#ctx0" brushRef="#br0">0 41,'0'-7,"0"-9,0-2</inkml:trace>
+</inkml:ink>
+</file>
+
+<file path=ppt/ink/ink47.xml><?xml version="1.0" encoding="utf-8"?>
+<inkml:ink xmlns:inkml="http://www.w3.org/2003/InkML">
+  <inkml:definitions>
+    <inkml:context xml:id="ctx0">
+      <inkml:inkSource xml:id="inkSrc0">
+        <inkml:traceFormat>
+          <inkml:channel name="X" type="integer" min="-2.14748E9" max="2.14748E9" units="cm"/>
+          <inkml:channel name="Y" type="integer" min="-2.14748E9" max="2.14748E9" units="cm"/>
+        </inkml:traceFormat>
+        <inkml:channelProperties>
+          <inkml:channelProperty channel="X" name="resolution" value="1000" units="1/cm"/>
+          <inkml:channelProperty channel="Y" name="resolution" value="1000" units="1/cm"/>
+        </inkml:channelProperties>
+      </inkml:inkSource>
+      <inkml:timestamp xml:id="ts0" timeString="2024-06-26T15:03:00.422"/>
+    </inkml:context>
+    <inkml:brush xml:id="br0">
+      <inkml:brushProperty name="width" value="0.1" units="cm"/>
+      <inkml:brushProperty name="height" value="0.6" units="cm"/>
+      <inkml:brushProperty name="color" value="#F6630D"/>
+      <inkml:brushProperty name="ignorePressure" value="1"/>
+      <inkml:brushProperty name="inkEffects" value="pencil"/>
+    </inkml:brush>
+  </inkml:definitions>
+  <inkml:trace contextRef="#ctx0" brushRef="#br0">1 1,'0'0</inkml:trace>
+</inkml:ink>
+</file>
+
+<file path=ppt/ink/ink48.xml><?xml version="1.0" encoding="utf-8"?>
+<inkml:ink xmlns:inkml="http://www.w3.org/2003/InkML">
+  <inkml:definitions>
+    <inkml:context xml:id="ctx0">
+      <inkml:inkSource xml:id="inkSrc0">
+        <inkml:traceFormat>
+          <inkml:channel name="X" type="integer" min="-2.14748E9" max="2.14748E9" units="cm"/>
+          <inkml:channel name="Y" type="integer" min="-2.14748E9" max="2.14748E9" units="cm"/>
+        </inkml:traceFormat>
+        <inkml:channelProperties>
+          <inkml:channelProperty channel="X" name="resolution" value="1000" units="1/cm"/>
+          <inkml:channelProperty channel="Y" name="resolution" value="1000" units="1/cm"/>
+        </inkml:channelProperties>
+      </inkml:inkSource>
+      <inkml:timestamp xml:id="ts0" timeString="2024-06-26T15:03:05.030"/>
+    </inkml:context>
+    <inkml:brush xml:id="br0">
+      <inkml:brushProperty name="width" value="0.1" units="cm"/>
+      <inkml:brushProperty name="height" value="0.6" units="cm"/>
+      <inkml:brushProperty name="color" value="#F6630D"/>
+      <inkml:brushProperty name="ignorePressure" value="1"/>
+      <inkml:brushProperty name="inkEffects" value="pencil"/>
+    </inkml:brush>
+  </inkml:definitions>
+  <inkml:trace contextRef="#ctx0" brushRef="#br0">1 0,'0'0</inkml:trace>
+</inkml:ink>
+</file>
+
+<file path=ppt/ink/ink49.xml><?xml version="1.0" encoding="utf-8"?>
+<inkml:ink xmlns:inkml="http://www.w3.org/2003/InkML">
+  <inkml:definitions>
+    <inkml:context xml:id="ctx0">
+      <inkml:inkSource xml:id="inkSrc0">
+        <inkml:traceFormat>
+          <inkml:channel name="X" type="integer" min="-2.14748E9" max="2.14748E9" units="cm"/>
+          <inkml:channel name="Y" type="integer" min="-2.14748E9" max="2.14748E9" units="cm"/>
+        </inkml:traceFormat>
+        <inkml:channelProperties>
+          <inkml:channelProperty channel="X" name="resolution" value="1000" units="1/cm"/>
+          <inkml:channelProperty channel="Y" name="resolution" value="1000" units="1/cm"/>
+        </inkml:channelProperties>
+      </inkml:inkSource>
+      <inkml:timestamp xml:id="ts0" timeString="2024-06-26T15:03:12.767"/>
+    </inkml:context>
+    <inkml:brush xml:id="br0">
+      <inkml:brushProperty name="width" value="0.1" units="cm"/>
+      <inkml:brushProperty name="height" value="0.6" units="cm"/>
+      <inkml:brushProperty name="color" value="#F6630D"/>
+      <inkml:brushProperty name="ignorePressure" value="1"/>
+      <inkml:brushProperty name="inkEffects" value="pencil"/>
+    </inkml:brush>
+  </inkml:definitions>
+  <inkml:trace contextRef="#ctx0" brushRef="#br0">0 0,'7'0,"9"0,1 7,-1 2</inkml:trace>
+</inkml:ink>
+</file>
+
+<file path=ppt/ink/ink5.xml><?xml version="1.0" encoding="utf-8"?>
+<inkml:ink xmlns:inkml="http://www.w3.org/2003/InkML">
+  <inkml:definitions>
+    <inkml:context xml:id="ctx0">
+      <inkml:inkSource xml:id="inkSrc0">
+        <inkml:traceFormat>
+          <inkml:channel name="X" type="integer" min="-2.14748E9" max="2.14748E9" units="cm"/>
+          <inkml:channel name="Y" type="integer" min="-2.14748E9" max="2.14748E9" units="cm"/>
+          <inkml:channel name="F" type="integer" max="32767" units="dev"/>
+        </inkml:traceFormat>
+        <inkml:channelProperties>
+          <inkml:channelProperty channel="X" name="resolution" value="1000" units="1/cm"/>
+          <inkml:channelProperty channel="Y" name="resolution" value="1000" units="1/cm"/>
+          <inkml:channelProperty channel="F" name="resolution" value="0" units="1/dev"/>
+        </inkml:channelProperties>
+      </inkml:inkSource>
+      <inkml:timestamp xml:id="ts0" timeString="2024-06-26T14:50:42.423"/>
+    </inkml:context>
+    <inkml:brush xml:id="br0">
+      <inkml:brushProperty name="width" value="0.1" units="cm"/>
+      <inkml:brushProperty name="height" value="0.1" units="cm"/>
+      <inkml:brushProperty name="color" value="#008C3A"/>
+    </inkml:brush>
+  </inkml:definitions>
+  <inkml:trace contextRef="#ctx0" brushRef="#br0">341 38 24575,'-2'0'0,"-1"-1"0,0 0 0,1-1 0,-1 1 0,1 0 0,-1-1 0,1 1 0,-1-1 0,1 0 0,-4-4 0,-21-12 0,26 17 0,0 1 0,1 0 0,-1 0 0,0 0 0,1 0 0,-1 0 0,1 0 0,-1 0 0,0 0 0,1 0 0,-1 1 0,0-1 0,1 0 0,-1 0 0,1 0 0,-1 1 0,0-1 0,1 0 0,-1 1 0,1-1 0,-1 0 0,1 1 0,-1-1 0,1 1 0,-1-1 0,1 1 0,0-1 0,-1 1 0,1-1 0,0 1 0,-1-1 0,1 1 0,0 0 0,0-1 0,-1 1 0,1-1 0,0 1 0,0 0 0,0-1 0,0 1 0,0 1 0,-5 24 0,2 0 0,1 1 0,1-1 0,4 52 0,0-10 0,-1 554 0,-4-598 0,-1-1 0,-2 1 0,0-1 0,-1 0 0,-1-1 0,-1 1 0,-16 31 0,12-30 0,1 2 0,2 0 0,0 0 0,2 1 0,-5 33 0,1 19 0,-24 85 0,6-33 0,21-101-455,-1 0 0,-23 51 0,16-43-6371</inkml:trace>
+</inkml:ink>
+</file>
+
+<file path=ppt/ink/ink50.xml><?xml version="1.0" encoding="utf-8"?>
+<inkml:ink xmlns:inkml="http://www.w3.org/2003/InkML">
+  <inkml:definitions>
+    <inkml:context xml:id="ctx0">
+      <inkml:inkSource xml:id="inkSrc0">
+        <inkml:traceFormat>
+          <inkml:channel name="X" type="integer" min="-2.14748E9" max="2.14748E9" units="cm"/>
+          <inkml:channel name="Y" type="integer" min="-2.14748E9" max="2.14748E9" units="cm"/>
+        </inkml:traceFormat>
+        <inkml:channelProperties>
+          <inkml:channelProperty channel="X" name="resolution" value="1000" units="1/cm"/>
+          <inkml:channelProperty channel="Y" name="resolution" value="1000" units="1/cm"/>
+        </inkml:channelProperties>
+      </inkml:inkSource>
+      <inkml:timestamp xml:id="ts0" timeString="2024-06-26T15:03:13.706"/>
+    </inkml:context>
+    <inkml:brush xml:id="br0">
+      <inkml:brushProperty name="width" value="0.1" units="cm"/>
+      <inkml:brushProperty name="height" value="0.6" units="cm"/>
+      <inkml:brushProperty name="color" value="#F6630D"/>
+      <inkml:brushProperty name="ignorePressure" value="1"/>
+      <inkml:brushProperty name="inkEffects" value="pencil"/>
+    </inkml:brush>
+  </inkml:definitions>
+  <inkml:trace contextRef="#ctx0" brushRef="#br0">1328 1,'0'7,"0"9,0 15,0 24,-7 22,-9 26,-9 15,-7 9,-4 4,-11-1,-10-1,-3-3,2 5,4 15,5 9,3 7,10 9,-3-3,-1-3,5 11,-4 3,-10 7,4-3,-5-4,0 2,9-3,-4-11,7-6,3-10,1 3,-9 18,-2-2,5-14,10-14,3-31,7-21,-1-25,3-17,5-24,5-22,10-26,5-16,1-14,0-5,-2 1,-2-4,5 2,1 4,0 12</inkml:trace>
+</inkml:ink>
+</file>
+
+<file path=ppt/ink/ink6.xml><?xml version="1.0" encoding="utf-8"?>
+<inkml:ink xmlns:inkml="http://www.w3.org/2003/InkML">
+  <inkml:definitions>
+    <inkml:context xml:id="ctx0">
+      <inkml:inkSource xml:id="inkSrc0">
+        <inkml:traceFormat>
+          <inkml:channel name="X" type="integer" min="-2.14748E9" max="2.14748E9" units="cm"/>
+          <inkml:channel name="Y" type="integer" min="-2.14748E9" max="2.14748E9" units="cm"/>
+          <inkml:channel name="F" type="integer" max="32767" units="dev"/>
+        </inkml:traceFormat>
+        <inkml:channelProperties>
+          <inkml:channelProperty channel="X" name="resolution" value="1000" units="1/cm"/>
+          <inkml:channelProperty channel="Y" name="resolution" value="1000" units="1/cm"/>
+          <inkml:channelProperty channel="F" name="resolution" value="0" units="1/dev"/>
+        </inkml:channelProperties>
+      </inkml:inkSource>
+      <inkml:timestamp xml:id="ts0" timeString="2024-06-26T14:50:43.384"/>
+    </inkml:context>
+    <inkml:brush xml:id="br0">
+      <inkml:brushProperty name="width" value="0.1" units="cm"/>
+      <inkml:brushProperty name="height" value="0.1" units="cm"/>
+      <inkml:brushProperty name="color" value="#008C3A"/>
+    </inkml:brush>
+  </inkml:definitions>
+  <inkml:trace contextRef="#ctx0" brushRef="#br0">3 0 24575,'-1'106'0,"-1"-23"0,3 0 0,18 115 0,-6-107 0,3 127 0,-18 95 0,-1-110 0,4 92-1365,-1-250-5461</inkml:trace>
+</inkml:ink>
+</file>
+
+<file path=ppt/ink/ink7.xml><?xml version="1.0" encoding="utf-8"?>
+<inkml:ink xmlns:inkml="http://www.w3.org/2003/InkML">
+  <inkml:definitions>
+    <inkml:context xml:id="ctx0">
+      <inkml:inkSource xml:id="inkSrc0">
+        <inkml:traceFormat>
+          <inkml:channel name="X" type="integer" min="-2.14748E9" max="2.14748E9" units="cm"/>
+          <inkml:channel name="Y" type="integer" min="-2.14748E9" max="2.14748E9" units="cm"/>
+          <inkml:channel name="F" type="integer" max="32767" units="dev"/>
+        </inkml:traceFormat>
+        <inkml:channelProperties>
+          <inkml:channelProperty channel="X" name="resolution" value="1000" units="1/cm"/>
+          <inkml:channelProperty channel="Y" name="resolution" value="1000" units="1/cm"/>
+          <inkml:channelProperty channel="F" name="resolution" value="0" units="1/dev"/>
+        </inkml:channelProperties>
+      </inkml:inkSource>
+      <inkml:timestamp xml:id="ts0" timeString="2024-06-26T14:50:44.400"/>
+    </inkml:context>
+    <inkml:brush xml:id="br0">
+      <inkml:brushProperty name="width" value="0.1" units="cm"/>
+      <inkml:brushProperty name="height" value="0.1" units="cm"/>
+      <inkml:brushProperty name="color" value="#008C3A"/>
+    </inkml:brush>
+  </inkml:definitions>
+  <inkml:trace contextRef="#ctx0" brushRef="#br0">38 0 24575,'0'1495'0,"-2"-1466"18,-1-1-1,-12 53 1,3-18-1436,6-29-5408</inkml:trace>
+</inkml:ink>
+</file>
+
+<file path=ppt/ink/ink8.xml><?xml version="1.0" encoding="utf-8"?>
+<inkml:ink xmlns:inkml="http://www.w3.org/2003/InkML">
+  <inkml:definitions>
+    <inkml:context xml:id="ctx0">
+      <inkml:inkSource xml:id="inkSrc0">
+        <inkml:traceFormat>
+          <inkml:channel name="X" type="integer" min="-2.14748E9" max="2.14748E9" units="cm"/>
+          <inkml:channel name="Y" type="integer" min="-2.14748E9" max="2.14748E9" units="cm"/>
+          <inkml:channel name="F" type="integer" max="32767" units="dev"/>
+        </inkml:traceFormat>
+        <inkml:channelProperties>
+          <inkml:channelProperty channel="X" name="resolution" value="1000" units="1/cm"/>
+          <inkml:channelProperty channel="Y" name="resolution" value="1000" units="1/cm"/>
+          <inkml:channelProperty channel="F" name="resolution" value="0" units="1/dev"/>
+        </inkml:channelProperties>
+      </inkml:inkSource>
+      <inkml:timestamp xml:id="ts0" timeString="2024-06-26T14:50:45.407"/>
+    </inkml:context>
+    <inkml:brush xml:id="br0">
+      <inkml:brushProperty name="width" value="0.1" units="cm"/>
+      <inkml:brushProperty name="height" value="0.1" units="cm"/>
+      <inkml:brushProperty name="color" value="#008C3A"/>
+    </inkml:brush>
+  </inkml:definitions>
+  <inkml:trace contextRef="#ctx0" brushRef="#br0">507 1 24575,'1'45'0,"-2"0"0,-2 1 0,-2-1 0,-19 78 0,-68 249 0,57-230 0,-15 43 0,18-115 0,26-59 0,0 0 0,0 0 0,1 1 0,1 0 0,0 0 0,-4 22 0,4 11 0,3 73 0,3-91 0,-1 1 0,-1 0 0,-2 0 0,-1-1 0,-1 1 0,-1-1 0,-13 39 0,-3-12 0,-2-2 0,2 2 0,3 0 0,3 1 0,-16 101 0,28-118-273,-2-1 0,-1 1 0,-2-1 0,-20 55 0,15-58-6553</inkml:trace>
+</inkml:ink>
+</file>
+
+<file path=ppt/ink/ink9.xml><?xml version="1.0" encoding="utf-8"?>
+<inkml:ink xmlns:inkml="http://www.w3.org/2003/InkML">
+  <inkml:definitions>
+    <inkml:context xml:id="ctx0">
+      <inkml:inkSource xml:id="inkSrc0">
+        <inkml:traceFormat>
+          <inkml:channel name="X" type="integer" min="-2.14748E9" max="2.14748E9" units="cm"/>
+          <inkml:channel name="Y" type="integer" min="-2.14748E9" max="2.14748E9" units="cm"/>
+        </inkml:traceFormat>
+        <inkml:channelProperties>
+          <inkml:channelProperty channel="X" name="resolution" value="1000" units="1/cm"/>
+          <inkml:channelProperty channel="Y" name="resolution" value="1000" units="1/cm"/>
+        </inkml:channelProperties>
+      </inkml:inkSource>
+      <inkml:timestamp xml:id="ts0" timeString="2024-06-26T14:50:51.078"/>
+    </inkml:context>
+    <inkml:brush xml:id="br0">
+      <inkml:brushProperty name="width" value="0.1" units="cm"/>
+      <inkml:brushProperty name="height" value="0.6" units="cm"/>
+      <inkml:brushProperty name="color" value="#849398"/>
+      <inkml:brushProperty name="ignorePressure" value="1"/>
+      <inkml:brushProperty name="inkEffects" value="pencil"/>
+    </inkml:brush>
+  </inkml:definitions>
+  <inkml:trace contextRef="#ctx0" brushRef="#br0">1 0,'0'7,"0"9,0 9,0 6,0 6,0 3,0 1,0 1,0 1,0-2,0 1,0-2,0 1,0 0,0-1,0 0,0 1,0-1,0 0,0 1,0-1,0 0,0-7</inkml:trace>
+</inkml:ink>
+</file>
+
 <file path=ppt/slideLayouts/slideLayout1.xml><?xml version="1.0" encoding="utf-8"?>
 <p:sldLayout xmlns:a="http://schemas.openxmlformats.org/drawingml/2006/main" xmlns:r="http://schemas.openxmlformats.org/officeDocument/2006/relationships" xmlns:p="http://schemas.openxmlformats.org/presentationml/2006/main" type="title" preserve="1">
   <p:cSld name="Title Slide">
@@ -284,7 +1726,7 @@
           <a:p>
             <a:fld id="{099F8D66-D1E1-489E-B08C-301570902999}" type="datetimeFigureOut">
               <a:rPr lang="en-US" smtClean="0"/>
-              <a:t>6/25/2024</a:t>
+              <a:t>6/26/2024</a:t>
             </a:fld>
             <a:endParaRPr lang="en-US"/>
           </a:p>
@@ -482,7 +1924,7 @@
           <a:p>
             <a:fld id="{099F8D66-D1E1-489E-B08C-301570902999}" type="datetimeFigureOut">
               <a:rPr lang="en-US" smtClean="0"/>
-              <a:t>6/25/2024</a:t>
+              <a:t>6/26/2024</a:t>
             </a:fld>
             <a:endParaRPr lang="en-US"/>
           </a:p>
@@ -690,7 +2132,7 @@
           <a:p>
             <a:fld id="{099F8D66-D1E1-489E-B08C-301570902999}" type="datetimeFigureOut">
               <a:rPr lang="en-US" smtClean="0"/>
-              <a:t>6/25/2024</a:t>
+              <a:t>6/26/2024</a:t>
             </a:fld>
             <a:endParaRPr lang="en-US"/>
           </a:p>
@@ -888,7 +2330,7 @@
           <a:p>
             <a:fld id="{099F8D66-D1E1-489E-B08C-301570902999}" type="datetimeFigureOut">
               <a:rPr lang="en-US" smtClean="0"/>
-              <a:t>6/25/2024</a:t>
+              <a:t>6/26/2024</a:t>
             </a:fld>
             <a:endParaRPr lang="en-US"/>
           </a:p>
@@ -1163,7 +2605,7 @@
           <a:p>
             <a:fld id="{099F8D66-D1E1-489E-B08C-301570902999}" type="datetimeFigureOut">
               <a:rPr lang="en-US" smtClean="0"/>
-              <a:t>6/25/2024</a:t>
+              <a:t>6/26/2024</a:t>
             </a:fld>
             <a:endParaRPr lang="en-US"/>
           </a:p>
@@ -1428,7 +2870,7 @@
           <a:p>
             <a:fld id="{099F8D66-D1E1-489E-B08C-301570902999}" type="datetimeFigureOut">
               <a:rPr lang="en-US" smtClean="0"/>
-              <a:t>6/25/2024</a:t>
+              <a:t>6/26/2024</a:t>
             </a:fld>
             <a:endParaRPr lang="en-US"/>
           </a:p>
@@ -1840,7 +3282,7 @@
           <a:p>
             <a:fld id="{099F8D66-D1E1-489E-B08C-301570902999}" type="datetimeFigureOut">
               <a:rPr lang="en-US" smtClean="0"/>
-              <a:t>6/25/2024</a:t>
+              <a:t>6/26/2024</a:t>
             </a:fld>
             <a:endParaRPr lang="en-US"/>
           </a:p>
@@ -1981,7 +3423,7 @@
           <a:p>
             <a:fld id="{099F8D66-D1E1-489E-B08C-301570902999}" type="datetimeFigureOut">
               <a:rPr lang="en-US" smtClean="0"/>
-              <a:t>6/25/2024</a:t>
+              <a:t>6/26/2024</a:t>
             </a:fld>
             <a:endParaRPr lang="en-US"/>
           </a:p>
@@ -2094,7 +3536,7 @@
           <a:p>
             <a:fld id="{099F8D66-D1E1-489E-B08C-301570902999}" type="datetimeFigureOut">
               <a:rPr lang="en-US" smtClean="0"/>
-              <a:t>6/25/2024</a:t>
+              <a:t>6/26/2024</a:t>
             </a:fld>
             <a:endParaRPr lang="en-US"/>
           </a:p>
@@ -2405,7 +3847,7 @@
           <a:p>
             <a:fld id="{099F8D66-D1E1-489E-B08C-301570902999}" type="datetimeFigureOut">
               <a:rPr lang="en-US" smtClean="0"/>
-              <a:t>6/25/2024</a:t>
+              <a:t>6/26/2024</a:t>
             </a:fld>
             <a:endParaRPr lang="en-US"/>
           </a:p>
@@ -2693,7 +4135,7 @@
           <a:p>
             <a:fld id="{099F8D66-D1E1-489E-B08C-301570902999}" type="datetimeFigureOut">
               <a:rPr lang="en-US" smtClean="0"/>
-              <a:t>6/25/2024</a:t>
+              <a:t>6/26/2024</a:t>
             </a:fld>
             <a:endParaRPr lang="en-US"/>
           </a:p>
@@ -2934,7 +4376,7 @@
           <a:p>
             <a:fld id="{099F8D66-D1E1-489E-B08C-301570902999}" type="datetimeFigureOut">
               <a:rPr lang="en-US" smtClean="0"/>
-              <a:t>6/25/2024</a:t>
+              <a:t>6/26/2024</a:t>
             </a:fld>
             <a:endParaRPr lang="en-US"/>
           </a:p>
@@ -8918,6 +10360,954 @@
 </p:sld>
 </file>
 
+<file path=ppt/slides/slide27.xml><?xml version="1.0" encoding="utf-8"?>
+<p:sld xmlns:a="http://schemas.openxmlformats.org/drawingml/2006/main" xmlns:r="http://schemas.openxmlformats.org/officeDocument/2006/relationships" xmlns:p="http://schemas.openxmlformats.org/presentationml/2006/main">
+  <p:cSld>
+    <p:spTree>
+      <p:nvGrpSpPr>
+        <p:cNvPr id="1" name=""/>
+        <p:cNvGrpSpPr/>
+        <p:nvPr/>
+      </p:nvGrpSpPr>
+      <p:grpSpPr>
+        <a:xfrm>
+          <a:off x="0" y="0"/>
+          <a:ext cx="0" cy="0"/>
+          <a:chOff x="0" y="0"/>
+          <a:chExt cx="0" cy="0"/>
+        </a:xfrm>
+      </p:grpSpPr>
+      <p:sp>
+        <p:nvSpPr>
+          <p:cNvPr id="2" name="Title 1">
+            <a:extLst>
+              <a:ext uri="{FF2B5EF4-FFF2-40B4-BE49-F238E27FC236}">
+                <a16:creationId xmlns:a16="http://schemas.microsoft.com/office/drawing/2014/main" id="{96296930-FA1D-A847-C360-371407E0F20D}"/>
+              </a:ext>
+            </a:extLst>
+          </p:cNvPr>
+          <p:cNvSpPr>
+            <a:spLocks noGrp="1"/>
+          </p:cNvSpPr>
+          <p:nvPr>
+            <p:ph type="title"/>
+          </p:nvPr>
+        </p:nvSpPr>
+        <p:spPr>
+          <a:xfrm>
+            <a:off x="838200" y="365125"/>
+            <a:ext cx="2848429" cy="1325563"/>
+          </a:xfrm>
+        </p:spPr>
+        <p:txBody>
+          <a:bodyPr/>
+          <a:lstStyle/>
+          <a:p>
+            <a:r>
+              <a:rPr lang="en-US" dirty="0"/>
+              <a:t>CSS Font Properties</a:t>
+            </a:r>
+          </a:p>
+        </p:txBody>
+      </p:sp>
+      <p:sp>
+        <p:nvSpPr>
+          <p:cNvPr id="3" name="Content Placeholder 2">
+            <a:extLst>
+              <a:ext uri="{FF2B5EF4-FFF2-40B4-BE49-F238E27FC236}">
+                <a16:creationId xmlns:a16="http://schemas.microsoft.com/office/drawing/2014/main" id="{3F1F05F6-0604-2964-F14D-6CBF584938BC}"/>
+              </a:ext>
+            </a:extLst>
+          </p:cNvPr>
+          <p:cNvSpPr>
+            <a:spLocks noGrp="1"/>
+          </p:cNvSpPr>
+          <p:nvPr>
+            <p:ph idx="1"/>
+          </p:nvPr>
+        </p:nvSpPr>
+        <p:spPr>
+          <a:xfrm>
+            <a:off x="838200" y="1825625"/>
+            <a:ext cx="2848429" cy="4351338"/>
+          </a:xfrm>
+        </p:spPr>
+        <p:txBody>
+          <a:bodyPr/>
+          <a:lstStyle/>
+          <a:p>
+            <a:r>
+              <a:rPr lang="en-US" dirty="0"/>
+              <a:t>Font-size</a:t>
+            </a:r>
+          </a:p>
+          <a:p>
+            <a:r>
+              <a:rPr lang="en-US" dirty="0"/>
+              <a:t>Font-family</a:t>
+            </a:r>
+          </a:p>
+          <a:p>
+            <a:r>
+              <a:rPr lang="en-US" dirty="0"/>
+              <a:t>Font-weight</a:t>
+            </a:r>
+          </a:p>
+          <a:p>
+            <a:r>
+              <a:rPr lang="en-US" dirty="0"/>
+              <a:t>Font-style</a:t>
+            </a:r>
+          </a:p>
+          <a:p>
+            <a:r>
+              <a:rPr lang="en-US" dirty="0"/>
+              <a:t>Font-variant</a:t>
+            </a:r>
+          </a:p>
+          <a:p>
+            <a:r>
+              <a:rPr lang="en-US" dirty="0"/>
+              <a:t>Line-height</a:t>
+            </a:r>
+          </a:p>
+        </p:txBody>
+      </p:sp>
+      <p:sp>
+        <p:nvSpPr>
+          <p:cNvPr id="4" name="Title 1">
+            <a:extLst>
+              <a:ext uri="{FF2B5EF4-FFF2-40B4-BE49-F238E27FC236}">
+                <a16:creationId xmlns:a16="http://schemas.microsoft.com/office/drawing/2014/main" id="{E3B042DC-3789-395A-F83E-114A955086F3}"/>
+              </a:ext>
+            </a:extLst>
+          </p:cNvPr>
+          <p:cNvSpPr txBox="1">
+            <a:spLocks/>
+          </p:cNvSpPr>
+          <p:nvPr/>
+        </p:nvSpPr>
+        <p:spPr>
+          <a:xfrm>
+            <a:off x="4671785" y="365124"/>
+            <a:ext cx="3630386" cy="1325563"/>
+          </a:xfrm>
+          <a:prstGeom prst="rect">
+            <a:avLst/>
+          </a:prstGeom>
+        </p:spPr>
+        <p:txBody>
+          <a:bodyPr vert="horz" lIns="91440" tIns="45720" rIns="91440" bIns="45720" rtlCol="0" anchor="ctr">
+            <a:normAutofit fontScale="92500"/>
+          </a:bodyPr>
+          <a:lstStyle>
+            <a:lvl1pPr algn="l" defTabSz="914400" rtl="0" eaLnBrk="1" latinLnBrk="0" hangingPunct="1">
+              <a:lnSpc>
+                <a:spcPct val="90000"/>
+              </a:lnSpc>
+              <a:spcBef>
+                <a:spcPct val="0"/>
+              </a:spcBef>
+              <a:buNone/>
+              <a:defRPr sz="4400" kern="1200">
+                <a:solidFill>
+                  <a:schemeClr val="tx1"/>
+                </a:solidFill>
+                <a:latin typeface="+mj-lt"/>
+                <a:ea typeface="+mj-ea"/>
+                <a:cs typeface="+mj-cs"/>
+              </a:defRPr>
+            </a:lvl1pPr>
+          </a:lstStyle>
+          <a:p>
+            <a:r>
+              <a:rPr lang="en-US" dirty="0"/>
+              <a:t>Font-Size Predefine value</a:t>
+            </a:r>
+          </a:p>
+        </p:txBody>
+      </p:sp>
+      <p:sp>
+        <p:nvSpPr>
+          <p:cNvPr id="5" name="Content Placeholder 2">
+            <a:extLst>
+              <a:ext uri="{FF2B5EF4-FFF2-40B4-BE49-F238E27FC236}">
+                <a16:creationId xmlns:a16="http://schemas.microsoft.com/office/drawing/2014/main" id="{ED1F8A78-914C-595C-B051-3B2E99EE4760}"/>
+              </a:ext>
+            </a:extLst>
+          </p:cNvPr>
+          <p:cNvSpPr txBox="1">
+            <a:spLocks/>
+          </p:cNvSpPr>
+          <p:nvPr/>
+        </p:nvSpPr>
+        <p:spPr>
+          <a:xfrm>
+            <a:off x="4960257" y="1825625"/>
+            <a:ext cx="2848429" cy="4351338"/>
+          </a:xfrm>
+          <a:prstGeom prst="rect">
+            <a:avLst/>
+          </a:prstGeom>
+        </p:spPr>
+        <p:txBody>
+          <a:bodyPr vert="horz" lIns="91440" tIns="45720" rIns="91440" bIns="45720" rtlCol="0">
+            <a:normAutofit/>
+          </a:bodyPr>
+          <a:lstStyle>
+            <a:lvl1pPr marL="228600" indent="-228600" algn="l" defTabSz="914400" rtl="0" eaLnBrk="1" latinLnBrk="0" hangingPunct="1">
+              <a:lnSpc>
+                <a:spcPct val="90000"/>
+              </a:lnSpc>
+              <a:spcBef>
+                <a:spcPts val="1000"/>
+              </a:spcBef>
+              <a:buFont typeface="Arial" panose="020B0604020202020204" pitchFamily="34" charset="0"/>
+              <a:buChar char="•"/>
+              <a:defRPr sz="2800" kern="1200">
+                <a:solidFill>
+                  <a:schemeClr val="tx1"/>
+                </a:solidFill>
+                <a:latin typeface="+mn-lt"/>
+                <a:ea typeface="+mn-ea"/>
+                <a:cs typeface="+mn-cs"/>
+              </a:defRPr>
+            </a:lvl1pPr>
+            <a:lvl2pPr marL="685800" indent="-228600" algn="l" defTabSz="914400" rtl="0" eaLnBrk="1" latinLnBrk="0" hangingPunct="1">
+              <a:lnSpc>
+                <a:spcPct val="90000"/>
+              </a:lnSpc>
+              <a:spcBef>
+                <a:spcPts val="500"/>
+              </a:spcBef>
+              <a:buFont typeface="Arial" panose="020B0604020202020204" pitchFamily="34" charset="0"/>
+              <a:buChar char="•"/>
+              <a:defRPr sz="2400" kern="1200">
+                <a:solidFill>
+                  <a:schemeClr val="tx1"/>
+                </a:solidFill>
+                <a:latin typeface="+mn-lt"/>
+                <a:ea typeface="+mn-ea"/>
+                <a:cs typeface="+mn-cs"/>
+              </a:defRPr>
+            </a:lvl2pPr>
+            <a:lvl3pPr marL="1143000" indent="-228600" algn="l" defTabSz="914400" rtl="0" eaLnBrk="1" latinLnBrk="0" hangingPunct="1">
+              <a:lnSpc>
+                <a:spcPct val="90000"/>
+              </a:lnSpc>
+              <a:spcBef>
+                <a:spcPts val="500"/>
+              </a:spcBef>
+              <a:buFont typeface="Arial" panose="020B0604020202020204" pitchFamily="34" charset="0"/>
+              <a:buChar char="•"/>
+              <a:defRPr sz="2000" kern="1200">
+                <a:solidFill>
+                  <a:schemeClr val="tx1"/>
+                </a:solidFill>
+                <a:latin typeface="+mn-lt"/>
+                <a:ea typeface="+mn-ea"/>
+                <a:cs typeface="+mn-cs"/>
+              </a:defRPr>
+            </a:lvl3pPr>
+            <a:lvl4pPr marL="1600200" indent="-228600" algn="l" defTabSz="914400" rtl="0" eaLnBrk="1" latinLnBrk="0" hangingPunct="1">
+              <a:lnSpc>
+                <a:spcPct val="90000"/>
+              </a:lnSpc>
+              <a:spcBef>
+                <a:spcPts val="500"/>
+              </a:spcBef>
+              <a:buFont typeface="Arial" panose="020B0604020202020204" pitchFamily="34" charset="0"/>
+              <a:buChar char="•"/>
+              <a:defRPr sz="1800" kern="1200">
+                <a:solidFill>
+                  <a:schemeClr val="tx1"/>
+                </a:solidFill>
+                <a:latin typeface="+mn-lt"/>
+                <a:ea typeface="+mn-ea"/>
+                <a:cs typeface="+mn-cs"/>
+              </a:defRPr>
+            </a:lvl4pPr>
+            <a:lvl5pPr marL="2057400" indent="-228600" algn="l" defTabSz="914400" rtl="0" eaLnBrk="1" latinLnBrk="0" hangingPunct="1">
+              <a:lnSpc>
+                <a:spcPct val="90000"/>
+              </a:lnSpc>
+              <a:spcBef>
+                <a:spcPts val="500"/>
+              </a:spcBef>
+              <a:buFont typeface="Arial" panose="020B0604020202020204" pitchFamily="34" charset="0"/>
+              <a:buChar char="•"/>
+              <a:defRPr sz="1800" kern="1200">
+                <a:solidFill>
+                  <a:schemeClr val="tx1"/>
+                </a:solidFill>
+                <a:latin typeface="+mn-lt"/>
+                <a:ea typeface="+mn-ea"/>
+                <a:cs typeface="+mn-cs"/>
+              </a:defRPr>
+            </a:lvl5pPr>
+            <a:lvl6pPr marL="2514600" indent="-228600" algn="l" defTabSz="914400" rtl="0" eaLnBrk="1" latinLnBrk="0" hangingPunct="1">
+              <a:lnSpc>
+                <a:spcPct val="90000"/>
+              </a:lnSpc>
+              <a:spcBef>
+                <a:spcPts val="500"/>
+              </a:spcBef>
+              <a:buFont typeface="Arial" panose="020B0604020202020204" pitchFamily="34" charset="0"/>
+              <a:buChar char="•"/>
+              <a:defRPr sz="1800" kern="1200">
+                <a:solidFill>
+                  <a:schemeClr val="tx1"/>
+                </a:solidFill>
+                <a:latin typeface="+mn-lt"/>
+                <a:ea typeface="+mn-ea"/>
+                <a:cs typeface="+mn-cs"/>
+              </a:defRPr>
+            </a:lvl6pPr>
+            <a:lvl7pPr marL="2971800" indent="-228600" algn="l" defTabSz="914400" rtl="0" eaLnBrk="1" latinLnBrk="0" hangingPunct="1">
+              <a:lnSpc>
+                <a:spcPct val="90000"/>
+              </a:lnSpc>
+              <a:spcBef>
+                <a:spcPts val="500"/>
+              </a:spcBef>
+              <a:buFont typeface="Arial" panose="020B0604020202020204" pitchFamily="34" charset="0"/>
+              <a:buChar char="•"/>
+              <a:defRPr sz="1800" kern="1200">
+                <a:solidFill>
+                  <a:schemeClr val="tx1"/>
+                </a:solidFill>
+                <a:latin typeface="+mn-lt"/>
+                <a:ea typeface="+mn-ea"/>
+                <a:cs typeface="+mn-cs"/>
+              </a:defRPr>
+            </a:lvl7pPr>
+            <a:lvl8pPr marL="3429000" indent="-228600" algn="l" defTabSz="914400" rtl="0" eaLnBrk="1" latinLnBrk="0" hangingPunct="1">
+              <a:lnSpc>
+                <a:spcPct val="90000"/>
+              </a:lnSpc>
+              <a:spcBef>
+                <a:spcPts val="500"/>
+              </a:spcBef>
+              <a:buFont typeface="Arial" panose="020B0604020202020204" pitchFamily="34" charset="0"/>
+              <a:buChar char="•"/>
+              <a:defRPr sz="1800" kern="1200">
+                <a:solidFill>
+                  <a:schemeClr val="tx1"/>
+                </a:solidFill>
+                <a:latin typeface="+mn-lt"/>
+                <a:ea typeface="+mn-ea"/>
+                <a:cs typeface="+mn-cs"/>
+              </a:defRPr>
+            </a:lvl8pPr>
+            <a:lvl9pPr marL="3886200" indent="-228600" algn="l" defTabSz="914400" rtl="0" eaLnBrk="1" latinLnBrk="0" hangingPunct="1">
+              <a:lnSpc>
+                <a:spcPct val="90000"/>
+              </a:lnSpc>
+              <a:spcBef>
+                <a:spcPts val="500"/>
+              </a:spcBef>
+              <a:buFont typeface="Arial" panose="020B0604020202020204" pitchFamily="34" charset="0"/>
+              <a:buChar char="•"/>
+              <a:defRPr sz="1800" kern="1200">
+                <a:solidFill>
+                  <a:schemeClr val="tx1"/>
+                </a:solidFill>
+                <a:latin typeface="+mn-lt"/>
+                <a:ea typeface="+mn-ea"/>
+                <a:cs typeface="+mn-cs"/>
+              </a:defRPr>
+            </a:lvl9pPr>
+          </a:lstStyle>
+          <a:p>
+            <a:r>
+              <a:rPr lang="en-US" dirty="0" err="1"/>
+              <a:t>Xx</a:t>
+            </a:r>
+            <a:r>
+              <a:rPr lang="en-US" dirty="0"/>
+              <a:t>-small</a:t>
+            </a:r>
+          </a:p>
+          <a:p>
+            <a:r>
+              <a:rPr lang="en-US" dirty="0"/>
+              <a:t>X-small</a:t>
+            </a:r>
+          </a:p>
+          <a:p>
+            <a:r>
+              <a:rPr lang="en-US" dirty="0"/>
+              <a:t>Small</a:t>
+            </a:r>
+          </a:p>
+          <a:p>
+            <a:r>
+              <a:rPr lang="en-US" dirty="0"/>
+              <a:t>Smaller</a:t>
+            </a:r>
+          </a:p>
+          <a:p>
+            <a:r>
+              <a:rPr lang="en-US" dirty="0"/>
+              <a:t>Medium</a:t>
+            </a:r>
+          </a:p>
+          <a:p>
+            <a:r>
+              <a:rPr lang="en-US" dirty="0"/>
+              <a:t>Large</a:t>
+            </a:r>
+          </a:p>
+          <a:p>
+            <a:r>
+              <a:rPr lang="en-US" dirty="0"/>
+              <a:t>X-large</a:t>
+            </a:r>
+          </a:p>
+          <a:p>
+            <a:r>
+              <a:rPr lang="en-US" dirty="0" err="1"/>
+              <a:t>Xx</a:t>
+            </a:r>
+            <a:r>
+              <a:rPr lang="en-US" dirty="0"/>
+              <a:t>-large</a:t>
+            </a:r>
+          </a:p>
+        </p:txBody>
+      </p:sp>
+      <p:sp>
+        <p:nvSpPr>
+          <p:cNvPr id="6" name="Title 1">
+            <a:extLst>
+              <a:ext uri="{FF2B5EF4-FFF2-40B4-BE49-F238E27FC236}">
+                <a16:creationId xmlns:a16="http://schemas.microsoft.com/office/drawing/2014/main" id="{6C829ADD-A79D-0E0C-AFCF-FDAC5F849B8C}"/>
+              </a:ext>
+            </a:extLst>
+          </p:cNvPr>
+          <p:cNvSpPr txBox="1">
+            <a:spLocks/>
+          </p:cNvSpPr>
+          <p:nvPr/>
+        </p:nvSpPr>
+        <p:spPr>
+          <a:xfrm>
+            <a:off x="8302171" y="365123"/>
+            <a:ext cx="3630386" cy="1325563"/>
+          </a:xfrm>
+          <a:prstGeom prst="rect">
+            <a:avLst/>
+          </a:prstGeom>
+        </p:spPr>
+        <p:txBody>
+          <a:bodyPr vert="horz" lIns="91440" tIns="45720" rIns="91440" bIns="45720" rtlCol="0" anchor="ctr">
+            <a:normAutofit/>
+          </a:bodyPr>
+          <a:lstStyle>
+            <a:lvl1pPr algn="l" defTabSz="914400" rtl="0" eaLnBrk="1" latinLnBrk="0" hangingPunct="1">
+              <a:lnSpc>
+                <a:spcPct val="90000"/>
+              </a:lnSpc>
+              <a:spcBef>
+                <a:spcPct val="0"/>
+              </a:spcBef>
+              <a:buNone/>
+              <a:defRPr sz="4400" kern="1200">
+                <a:solidFill>
+                  <a:schemeClr val="tx1"/>
+                </a:solidFill>
+                <a:latin typeface="+mj-lt"/>
+                <a:ea typeface="+mj-ea"/>
+                <a:cs typeface="+mj-cs"/>
+              </a:defRPr>
+            </a:lvl1pPr>
+          </a:lstStyle>
+          <a:p>
+            <a:r>
+              <a:rPr lang="en-US" dirty="0"/>
+              <a:t>Font-Size</a:t>
+            </a:r>
+          </a:p>
+        </p:txBody>
+      </p:sp>
+      <p:sp>
+        <p:nvSpPr>
+          <p:cNvPr id="7" name="Content Placeholder 2">
+            <a:extLst>
+              <a:ext uri="{FF2B5EF4-FFF2-40B4-BE49-F238E27FC236}">
+                <a16:creationId xmlns:a16="http://schemas.microsoft.com/office/drawing/2014/main" id="{8A7C0114-756C-3AD3-9CF9-78218F54D0EE}"/>
+              </a:ext>
+            </a:extLst>
+          </p:cNvPr>
+          <p:cNvSpPr txBox="1">
+            <a:spLocks/>
+          </p:cNvSpPr>
+          <p:nvPr/>
+        </p:nvSpPr>
+        <p:spPr>
+          <a:xfrm>
+            <a:off x="8331200" y="1825625"/>
+            <a:ext cx="2848429" cy="4351338"/>
+          </a:xfrm>
+          <a:prstGeom prst="rect">
+            <a:avLst/>
+          </a:prstGeom>
+        </p:spPr>
+        <p:txBody>
+          <a:bodyPr vert="horz" lIns="91440" tIns="45720" rIns="91440" bIns="45720" rtlCol="0">
+            <a:normAutofit/>
+          </a:bodyPr>
+          <a:lstStyle>
+            <a:lvl1pPr marL="228600" indent="-228600" algn="l" defTabSz="914400" rtl="0" eaLnBrk="1" latinLnBrk="0" hangingPunct="1">
+              <a:lnSpc>
+                <a:spcPct val="90000"/>
+              </a:lnSpc>
+              <a:spcBef>
+                <a:spcPts val="1000"/>
+              </a:spcBef>
+              <a:buFont typeface="Arial" panose="020B0604020202020204" pitchFamily="34" charset="0"/>
+              <a:buChar char="•"/>
+              <a:defRPr sz="2800" kern="1200">
+                <a:solidFill>
+                  <a:schemeClr val="tx1"/>
+                </a:solidFill>
+                <a:latin typeface="+mn-lt"/>
+                <a:ea typeface="+mn-ea"/>
+                <a:cs typeface="+mn-cs"/>
+              </a:defRPr>
+            </a:lvl1pPr>
+            <a:lvl2pPr marL="685800" indent="-228600" algn="l" defTabSz="914400" rtl="0" eaLnBrk="1" latinLnBrk="0" hangingPunct="1">
+              <a:lnSpc>
+                <a:spcPct val="90000"/>
+              </a:lnSpc>
+              <a:spcBef>
+                <a:spcPts val="500"/>
+              </a:spcBef>
+              <a:buFont typeface="Arial" panose="020B0604020202020204" pitchFamily="34" charset="0"/>
+              <a:buChar char="•"/>
+              <a:defRPr sz="2400" kern="1200">
+                <a:solidFill>
+                  <a:schemeClr val="tx1"/>
+                </a:solidFill>
+                <a:latin typeface="+mn-lt"/>
+                <a:ea typeface="+mn-ea"/>
+                <a:cs typeface="+mn-cs"/>
+              </a:defRPr>
+            </a:lvl2pPr>
+            <a:lvl3pPr marL="1143000" indent="-228600" algn="l" defTabSz="914400" rtl="0" eaLnBrk="1" latinLnBrk="0" hangingPunct="1">
+              <a:lnSpc>
+                <a:spcPct val="90000"/>
+              </a:lnSpc>
+              <a:spcBef>
+                <a:spcPts val="500"/>
+              </a:spcBef>
+              <a:buFont typeface="Arial" panose="020B0604020202020204" pitchFamily="34" charset="0"/>
+              <a:buChar char="•"/>
+              <a:defRPr sz="2000" kern="1200">
+                <a:solidFill>
+                  <a:schemeClr val="tx1"/>
+                </a:solidFill>
+                <a:latin typeface="+mn-lt"/>
+                <a:ea typeface="+mn-ea"/>
+                <a:cs typeface="+mn-cs"/>
+              </a:defRPr>
+            </a:lvl3pPr>
+            <a:lvl4pPr marL="1600200" indent="-228600" algn="l" defTabSz="914400" rtl="0" eaLnBrk="1" latinLnBrk="0" hangingPunct="1">
+              <a:lnSpc>
+                <a:spcPct val="90000"/>
+              </a:lnSpc>
+              <a:spcBef>
+                <a:spcPts val="500"/>
+              </a:spcBef>
+              <a:buFont typeface="Arial" panose="020B0604020202020204" pitchFamily="34" charset="0"/>
+              <a:buChar char="•"/>
+              <a:defRPr sz="1800" kern="1200">
+                <a:solidFill>
+                  <a:schemeClr val="tx1"/>
+                </a:solidFill>
+                <a:latin typeface="+mn-lt"/>
+                <a:ea typeface="+mn-ea"/>
+                <a:cs typeface="+mn-cs"/>
+              </a:defRPr>
+            </a:lvl4pPr>
+            <a:lvl5pPr marL="2057400" indent="-228600" algn="l" defTabSz="914400" rtl="0" eaLnBrk="1" latinLnBrk="0" hangingPunct="1">
+              <a:lnSpc>
+                <a:spcPct val="90000"/>
+              </a:lnSpc>
+              <a:spcBef>
+                <a:spcPts val="500"/>
+              </a:spcBef>
+              <a:buFont typeface="Arial" panose="020B0604020202020204" pitchFamily="34" charset="0"/>
+              <a:buChar char="•"/>
+              <a:defRPr sz="1800" kern="1200">
+                <a:solidFill>
+                  <a:schemeClr val="tx1"/>
+                </a:solidFill>
+                <a:latin typeface="+mn-lt"/>
+                <a:ea typeface="+mn-ea"/>
+                <a:cs typeface="+mn-cs"/>
+              </a:defRPr>
+            </a:lvl5pPr>
+            <a:lvl6pPr marL="2514600" indent="-228600" algn="l" defTabSz="914400" rtl="0" eaLnBrk="1" latinLnBrk="0" hangingPunct="1">
+              <a:lnSpc>
+                <a:spcPct val="90000"/>
+              </a:lnSpc>
+              <a:spcBef>
+                <a:spcPts val="500"/>
+              </a:spcBef>
+              <a:buFont typeface="Arial" panose="020B0604020202020204" pitchFamily="34" charset="0"/>
+              <a:buChar char="•"/>
+              <a:defRPr sz="1800" kern="1200">
+                <a:solidFill>
+                  <a:schemeClr val="tx1"/>
+                </a:solidFill>
+                <a:latin typeface="+mn-lt"/>
+                <a:ea typeface="+mn-ea"/>
+                <a:cs typeface="+mn-cs"/>
+              </a:defRPr>
+            </a:lvl6pPr>
+            <a:lvl7pPr marL="2971800" indent="-228600" algn="l" defTabSz="914400" rtl="0" eaLnBrk="1" latinLnBrk="0" hangingPunct="1">
+              <a:lnSpc>
+                <a:spcPct val="90000"/>
+              </a:lnSpc>
+              <a:spcBef>
+                <a:spcPts val="500"/>
+              </a:spcBef>
+              <a:buFont typeface="Arial" panose="020B0604020202020204" pitchFamily="34" charset="0"/>
+              <a:buChar char="•"/>
+              <a:defRPr sz="1800" kern="1200">
+                <a:solidFill>
+                  <a:schemeClr val="tx1"/>
+                </a:solidFill>
+                <a:latin typeface="+mn-lt"/>
+                <a:ea typeface="+mn-ea"/>
+                <a:cs typeface="+mn-cs"/>
+              </a:defRPr>
+            </a:lvl7pPr>
+            <a:lvl8pPr marL="3429000" indent="-228600" algn="l" defTabSz="914400" rtl="0" eaLnBrk="1" latinLnBrk="0" hangingPunct="1">
+              <a:lnSpc>
+                <a:spcPct val="90000"/>
+              </a:lnSpc>
+              <a:spcBef>
+                <a:spcPts val="500"/>
+              </a:spcBef>
+              <a:buFont typeface="Arial" panose="020B0604020202020204" pitchFamily="34" charset="0"/>
+              <a:buChar char="•"/>
+              <a:defRPr sz="1800" kern="1200">
+                <a:solidFill>
+                  <a:schemeClr val="tx1"/>
+                </a:solidFill>
+                <a:latin typeface="+mn-lt"/>
+                <a:ea typeface="+mn-ea"/>
+                <a:cs typeface="+mn-cs"/>
+              </a:defRPr>
+            </a:lvl8pPr>
+            <a:lvl9pPr marL="3886200" indent="-228600" algn="l" defTabSz="914400" rtl="0" eaLnBrk="1" latinLnBrk="0" hangingPunct="1">
+              <a:lnSpc>
+                <a:spcPct val="90000"/>
+              </a:lnSpc>
+              <a:spcBef>
+                <a:spcPts val="500"/>
+              </a:spcBef>
+              <a:buFont typeface="Arial" panose="020B0604020202020204" pitchFamily="34" charset="0"/>
+              <a:buChar char="•"/>
+              <a:defRPr sz="1800" kern="1200">
+                <a:solidFill>
+                  <a:schemeClr val="tx1"/>
+                </a:solidFill>
+                <a:latin typeface="+mn-lt"/>
+                <a:ea typeface="+mn-ea"/>
+                <a:cs typeface="+mn-cs"/>
+              </a:defRPr>
+            </a:lvl9pPr>
+          </a:lstStyle>
+          <a:p>
+            <a:pPr marL="0" indent="0">
+              <a:buNone/>
+            </a:pPr>
+            <a:r>
+              <a:rPr lang="en-US" dirty="0"/>
+              <a:t>Pixel</a:t>
+            </a:r>
+          </a:p>
+          <a:p>
+            <a:pPr marL="0" indent="0">
+              <a:buNone/>
+            </a:pPr>
+            <a:r>
+              <a:rPr lang="en-US" dirty="0"/>
+              <a:t>Font-size : 15px;</a:t>
+            </a:r>
+          </a:p>
+          <a:p>
+            <a:pPr marL="0" indent="0">
+              <a:buNone/>
+            </a:pPr>
+            <a:endParaRPr lang="en-US" dirty="0"/>
+          </a:p>
+          <a:p>
+            <a:pPr marL="0" indent="0">
+              <a:buNone/>
+            </a:pPr>
+            <a:r>
+              <a:rPr lang="en-US" dirty="0"/>
+              <a:t>Percentage</a:t>
+            </a:r>
+          </a:p>
+          <a:p>
+            <a:pPr marL="0" indent="0">
+              <a:buNone/>
+            </a:pPr>
+            <a:r>
+              <a:rPr lang="en-US" dirty="0"/>
+              <a:t>Font-size:100%</a:t>
+            </a:r>
+          </a:p>
+          <a:p>
+            <a:pPr marL="0" indent="0">
+              <a:buNone/>
+            </a:pPr>
+            <a:endParaRPr lang="en-US" dirty="0"/>
+          </a:p>
+          <a:p>
+            <a:pPr marL="0" indent="0">
+              <a:buNone/>
+            </a:pPr>
+            <a:r>
+              <a:rPr lang="en-US" dirty="0"/>
+              <a:t>Em</a:t>
+            </a:r>
+          </a:p>
+          <a:p>
+            <a:pPr marL="0" indent="0">
+              <a:buNone/>
+            </a:pPr>
+            <a:r>
+              <a:rPr lang="en-US" dirty="0"/>
+              <a:t>Font-size: 1em;</a:t>
+            </a:r>
+          </a:p>
+        </p:txBody>
+      </p:sp>
+    </p:spTree>
+    <p:extLst>
+      <p:ext uri="{BB962C8B-B14F-4D97-AF65-F5344CB8AC3E}">
+        <p14:creationId xmlns:p14="http://schemas.microsoft.com/office/powerpoint/2010/main" val="2775468068"/>
+      </p:ext>
+    </p:extLst>
+  </p:cSld>
+  <p:clrMapOvr>
+    <a:masterClrMapping/>
+  </p:clrMapOvr>
+</p:sld>
+</file>
+
+<file path=ppt/slides/slide28.xml><?xml version="1.0" encoding="utf-8"?>
+<p:sld xmlns:a="http://schemas.openxmlformats.org/drawingml/2006/main" xmlns:r="http://schemas.openxmlformats.org/officeDocument/2006/relationships" xmlns:p="http://schemas.openxmlformats.org/presentationml/2006/main">
+  <p:cSld>
+    <p:spTree>
+      <p:nvGrpSpPr>
+        <p:cNvPr id="1" name=""/>
+        <p:cNvGrpSpPr/>
+        <p:nvPr/>
+      </p:nvGrpSpPr>
+      <p:grpSpPr>
+        <a:xfrm>
+          <a:off x="0" y="0"/>
+          <a:ext cx="0" cy="0"/>
+          <a:chOff x="0" y="0"/>
+          <a:chExt cx="0" cy="0"/>
+        </a:xfrm>
+      </p:grpSpPr>
+      <p:sp>
+        <p:nvSpPr>
+          <p:cNvPr id="2" name="Title 1">
+            <a:extLst>
+              <a:ext uri="{FF2B5EF4-FFF2-40B4-BE49-F238E27FC236}">
+                <a16:creationId xmlns:a16="http://schemas.microsoft.com/office/drawing/2014/main" id="{9D0CF97D-C170-E9D9-1070-D9FE6EE512AF}"/>
+              </a:ext>
+            </a:extLst>
+          </p:cNvPr>
+          <p:cNvSpPr>
+            <a:spLocks noGrp="1"/>
+          </p:cNvSpPr>
+          <p:nvPr>
+            <p:ph type="title"/>
+          </p:nvPr>
+        </p:nvSpPr>
+        <p:spPr/>
+        <p:txBody>
+          <a:bodyPr/>
+          <a:lstStyle/>
+          <a:p>
+            <a:endParaRPr lang="en-US"/>
+          </a:p>
+        </p:txBody>
+      </p:sp>
+      <p:sp>
+        <p:nvSpPr>
+          <p:cNvPr id="3" name="Content Placeholder 2">
+            <a:extLst>
+              <a:ext uri="{FF2B5EF4-FFF2-40B4-BE49-F238E27FC236}">
+                <a16:creationId xmlns:a16="http://schemas.microsoft.com/office/drawing/2014/main" id="{7E512F77-DD25-C007-1959-C9A610FB6EFF}"/>
+              </a:ext>
+            </a:extLst>
+          </p:cNvPr>
+          <p:cNvSpPr>
+            <a:spLocks noGrp="1"/>
+          </p:cNvSpPr>
+          <p:nvPr>
+            <p:ph idx="1"/>
+          </p:nvPr>
+        </p:nvSpPr>
+        <p:spPr/>
+        <p:txBody>
+          <a:bodyPr/>
+          <a:lstStyle/>
+          <a:p>
+            <a:endParaRPr lang="en-US"/>
+          </a:p>
+        </p:txBody>
+      </p:sp>
+    </p:spTree>
+    <p:extLst>
+      <p:ext uri="{BB962C8B-B14F-4D97-AF65-F5344CB8AC3E}">
+        <p14:creationId xmlns:p14="http://schemas.microsoft.com/office/powerpoint/2010/main" val="888616899"/>
+      </p:ext>
+    </p:extLst>
+  </p:cSld>
+  <p:clrMapOvr>
+    <a:masterClrMapping/>
+  </p:clrMapOvr>
+</p:sld>
+</file>
+
+<file path=ppt/slides/slide29.xml><?xml version="1.0" encoding="utf-8"?>
+<p:sld xmlns:a="http://schemas.openxmlformats.org/drawingml/2006/main" xmlns:r="http://schemas.openxmlformats.org/officeDocument/2006/relationships" xmlns:p="http://schemas.openxmlformats.org/presentationml/2006/main">
+  <p:cSld>
+    <p:spTree>
+      <p:nvGrpSpPr>
+        <p:cNvPr id="1" name=""/>
+        <p:cNvGrpSpPr/>
+        <p:nvPr/>
+      </p:nvGrpSpPr>
+      <p:grpSpPr>
+        <a:xfrm>
+          <a:off x="0" y="0"/>
+          <a:ext cx="0" cy="0"/>
+          <a:chOff x="0" y="0"/>
+          <a:chExt cx="0" cy="0"/>
+        </a:xfrm>
+      </p:grpSpPr>
+      <p:sp>
+        <p:nvSpPr>
+          <p:cNvPr id="2" name="Title 1">
+            <a:extLst>
+              <a:ext uri="{FF2B5EF4-FFF2-40B4-BE49-F238E27FC236}">
+                <a16:creationId xmlns:a16="http://schemas.microsoft.com/office/drawing/2014/main" id="{96296930-FA1D-A847-C360-371407E0F20D}"/>
+              </a:ext>
+            </a:extLst>
+          </p:cNvPr>
+          <p:cNvSpPr>
+            <a:spLocks noGrp="1"/>
+          </p:cNvSpPr>
+          <p:nvPr>
+            <p:ph type="title"/>
+          </p:nvPr>
+        </p:nvSpPr>
+        <p:spPr>
+          <a:xfrm>
+            <a:off x="838200" y="365125"/>
+            <a:ext cx="2848429" cy="1325563"/>
+          </a:xfrm>
+        </p:spPr>
+        <p:txBody>
+          <a:bodyPr/>
+          <a:lstStyle/>
+          <a:p>
+            <a:r>
+              <a:rPr lang="en-US" dirty="0"/>
+              <a:t>Font-Family</a:t>
+            </a:r>
+          </a:p>
+        </p:txBody>
+      </p:sp>
+      <p:sp>
+        <p:nvSpPr>
+          <p:cNvPr id="3" name="Content Placeholder 2">
+            <a:extLst>
+              <a:ext uri="{FF2B5EF4-FFF2-40B4-BE49-F238E27FC236}">
+                <a16:creationId xmlns:a16="http://schemas.microsoft.com/office/drawing/2014/main" id="{3F1F05F6-0604-2964-F14D-6CBF584938BC}"/>
+              </a:ext>
+            </a:extLst>
+          </p:cNvPr>
+          <p:cNvSpPr>
+            <a:spLocks noGrp="1"/>
+          </p:cNvSpPr>
+          <p:nvPr>
+            <p:ph idx="1"/>
+          </p:nvPr>
+        </p:nvSpPr>
+        <p:spPr>
+          <a:xfrm>
+            <a:off x="838200" y="1825625"/>
+            <a:ext cx="3599543" cy="4351338"/>
+          </a:xfrm>
+        </p:spPr>
+        <p:txBody>
+          <a:bodyPr/>
+          <a:lstStyle/>
+          <a:p>
+            <a:pPr marL="0" indent="0">
+              <a:buNone/>
+            </a:pPr>
+            <a:r>
+              <a:rPr lang="en-US" dirty="0"/>
+              <a:t>Font-family: arial;</a:t>
+            </a:r>
+          </a:p>
+          <a:p>
+            <a:pPr marL="0" indent="0">
+              <a:buNone/>
+            </a:pPr>
+            <a:endParaRPr lang="en-US" dirty="0"/>
+          </a:p>
+          <a:p>
+            <a:pPr marL="0" indent="0">
+              <a:buNone/>
+            </a:pPr>
+            <a:r>
+              <a:rPr lang="en-US" dirty="0" err="1"/>
+              <a:t>Font-family:arial,time</a:t>
+            </a:r>
+            <a:r>
+              <a:rPr lang="en-US" dirty="0"/>
+              <a:t> new </a:t>
+            </a:r>
+            <a:r>
+              <a:rPr lang="en-US" dirty="0" err="1"/>
+              <a:t>roman,verdana</a:t>
+            </a:r>
+            <a:r>
+              <a:rPr lang="en-US" dirty="0"/>
+              <a:t>;</a:t>
+            </a:r>
+          </a:p>
+        </p:txBody>
+      </p:sp>
+    </p:spTree>
+    <p:extLst>
+      <p:ext uri="{BB962C8B-B14F-4D97-AF65-F5344CB8AC3E}">
+        <p14:creationId xmlns:p14="http://schemas.microsoft.com/office/powerpoint/2010/main" val="3589649246"/>
+      </p:ext>
+    </p:extLst>
+  </p:cSld>
+  <p:clrMapOvr>
+    <a:masterClrMapping/>
+  </p:clrMapOvr>
+</p:sld>
+</file>
+
 <file path=ppt/slides/slide3.xml><?xml version="1.0" encoding="utf-8"?>
 <p:sld xmlns:a="http://schemas.openxmlformats.org/drawingml/2006/main" xmlns:r="http://schemas.openxmlformats.org/officeDocument/2006/relationships" xmlns:p="http://schemas.openxmlformats.org/presentationml/2006/main">
   <p:cSld>
@@ -9001,6 +11391,4267 @@
     <p:extLst>
       <p:ext uri="{BB962C8B-B14F-4D97-AF65-F5344CB8AC3E}">
         <p14:creationId xmlns:p14="http://schemas.microsoft.com/office/powerpoint/2010/main" val="780543351"/>
+      </p:ext>
+    </p:extLst>
+  </p:cSld>
+  <p:clrMapOvr>
+    <a:masterClrMapping/>
+  </p:clrMapOvr>
+</p:sld>
+</file>
+
+<file path=ppt/slides/slide30.xml><?xml version="1.0" encoding="utf-8"?>
+<p:sld xmlns:a="http://schemas.openxmlformats.org/drawingml/2006/main" xmlns:r="http://schemas.openxmlformats.org/officeDocument/2006/relationships" xmlns:p="http://schemas.openxmlformats.org/presentationml/2006/main">
+  <p:cSld>
+    <p:spTree>
+      <p:nvGrpSpPr>
+        <p:cNvPr id="1" name=""/>
+        <p:cNvGrpSpPr/>
+        <p:nvPr/>
+      </p:nvGrpSpPr>
+      <p:grpSpPr>
+        <a:xfrm>
+          <a:off x="0" y="0"/>
+          <a:ext cx="0" cy="0"/>
+          <a:chOff x="0" y="0"/>
+          <a:chExt cx="0" cy="0"/>
+        </a:xfrm>
+      </p:grpSpPr>
+      <p:sp>
+        <p:nvSpPr>
+          <p:cNvPr id="2" name="Title 1">
+            <a:extLst>
+              <a:ext uri="{FF2B5EF4-FFF2-40B4-BE49-F238E27FC236}">
+                <a16:creationId xmlns:a16="http://schemas.microsoft.com/office/drawing/2014/main" id="{E585B6D5-890C-C311-59EB-3F352B49753C}"/>
+              </a:ext>
+            </a:extLst>
+          </p:cNvPr>
+          <p:cNvSpPr>
+            <a:spLocks noGrp="1"/>
+          </p:cNvSpPr>
+          <p:nvPr>
+            <p:ph type="title"/>
+          </p:nvPr>
+        </p:nvSpPr>
+        <p:spPr/>
+        <p:txBody>
+          <a:bodyPr/>
+          <a:lstStyle/>
+          <a:p>
+            <a:r>
+              <a:rPr lang="en-US" dirty="0"/>
+              <a:t>Line height</a:t>
+            </a:r>
+          </a:p>
+        </p:txBody>
+      </p:sp>
+      <p:sp>
+        <p:nvSpPr>
+          <p:cNvPr id="3" name="Content Placeholder 2">
+            <a:extLst>
+              <a:ext uri="{FF2B5EF4-FFF2-40B4-BE49-F238E27FC236}">
+                <a16:creationId xmlns:a16="http://schemas.microsoft.com/office/drawing/2014/main" id="{FD4FF94D-33C1-7254-070B-AE8DA72FFD4B}"/>
+              </a:ext>
+            </a:extLst>
+          </p:cNvPr>
+          <p:cNvSpPr>
+            <a:spLocks noGrp="1"/>
+          </p:cNvSpPr>
+          <p:nvPr>
+            <p:ph idx="1"/>
+          </p:nvPr>
+        </p:nvSpPr>
+        <p:spPr/>
+        <p:txBody>
+          <a:bodyPr/>
+          <a:lstStyle/>
+          <a:p>
+            <a:pPr marL="0" indent="0">
+              <a:lnSpc>
+                <a:spcPct val="300000"/>
+              </a:lnSpc>
+              <a:buNone/>
+            </a:pPr>
+            <a:r>
+              <a:rPr lang="en-US" dirty="0" err="1"/>
+              <a:t>Dklajsdhjklashjklsajdklsad</a:t>
+            </a:r>
+            <a:endParaRPr lang="en-US" dirty="0"/>
+          </a:p>
+          <a:p>
+            <a:pPr marL="0" indent="0">
+              <a:lnSpc>
+                <a:spcPct val="300000"/>
+              </a:lnSpc>
+              <a:buNone/>
+            </a:pPr>
+            <a:r>
+              <a:rPr lang="en-US" dirty="0" err="1"/>
+              <a:t>Mklasdjklsajdkl;asjdl</a:t>
+            </a:r>
+            <a:r>
+              <a:rPr lang="en-US" dirty="0"/>
+              <a:t>;</a:t>
+            </a:r>
+          </a:p>
+          <a:p>
+            <a:pPr marL="0" indent="0">
+              <a:lnSpc>
+                <a:spcPct val="300000"/>
+              </a:lnSpc>
+              <a:buNone/>
+            </a:pPr>
+            <a:r>
+              <a:rPr lang="en-US" dirty="0" err="1"/>
+              <a:t>Sdl;sakdl;sakdl;sa</a:t>
+            </a:r>
+            <a:endParaRPr lang="en-US" dirty="0"/>
+          </a:p>
+        </p:txBody>
+      </p:sp>
+      <p:cxnSp>
+        <p:nvCxnSpPr>
+          <p:cNvPr id="5" name="Straight Arrow Connector 4">
+            <a:extLst>
+              <a:ext uri="{FF2B5EF4-FFF2-40B4-BE49-F238E27FC236}">
+                <a16:creationId xmlns:a16="http://schemas.microsoft.com/office/drawing/2014/main" id="{187C0671-59EB-AE76-C16D-E5AE89FFA517}"/>
+              </a:ext>
+            </a:extLst>
+          </p:cNvPr>
+          <p:cNvCxnSpPr/>
+          <p:nvPr/>
+        </p:nvCxnSpPr>
+        <p:spPr>
+          <a:xfrm>
+            <a:off x="2612571" y="3033486"/>
+            <a:ext cx="0" cy="841828"/>
+          </a:xfrm>
+          <a:prstGeom prst="straightConnector1">
+            <a:avLst/>
+          </a:prstGeom>
+          <a:ln>
+            <a:headEnd type="triangle"/>
+            <a:tailEnd type="triangle"/>
+          </a:ln>
+        </p:spPr>
+        <p:style>
+          <a:lnRef idx="1">
+            <a:schemeClr val="accent2"/>
+          </a:lnRef>
+          <a:fillRef idx="0">
+            <a:schemeClr val="accent2"/>
+          </a:fillRef>
+          <a:effectRef idx="0">
+            <a:schemeClr val="accent2"/>
+          </a:effectRef>
+          <a:fontRef idx="minor">
+            <a:schemeClr val="tx1"/>
+          </a:fontRef>
+        </p:style>
+      </p:cxnSp>
+      <p:cxnSp>
+        <p:nvCxnSpPr>
+          <p:cNvPr id="6" name="Straight Arrow Connector 5">
+            <a:extLst>
+              <a:ext uri="{FF2B5EF4-FFF2-40B4-BE49-F238E27FC236}">
+                <a16:creationId xmlns:a16="http://schemas.microsoft.com/office/drawing/2014/main" id="{8A2784FB-4E1D-20BE-BD9D-46870DCE4FD7}"/>
+              </a:ext>
+            </a:extLst>
+          </p:cNvPr>
+          <p:cNvCxnSpPr/>
+          <p:nvPr/>
+        </p:nvCxnSpPr>
+        <p:spPr>
+          <a:xfrm>
+            <a:off x="2598056" y="4426858"/>
+            <a:ext cx="0" cy="841828"/>
+          </a:xfrm>
+          <a:prstGeom prst="straightConnector1">
+            <a:avLst/>
+          </a:prstGeom>
+          <a:ln>
+            <a:headEnd type="triangle"/>
+            <a:tailEnd type="triangle"/>
+          </a:ln>
+        </p:spPr>
+        <p:style>
+          <a:lnRef idx="1">
+            <a:schemeClr val="accent2"/>
+          </a:lnRef>
+          <a:fillRef idx="0">
+            <a:schemeClr val="accent2"/>
+          </a:fillRef>
+          <a:effectRef idx="0">
+            <a:schemeClr val="accent2"/>
+          </a:effectRef>
+          <a:fontRef idx="minor">
+            <a:schemeClr val="tx1"/>
+          </a:fontRef>
+        </p:style>
+      </p:cxnSp>
+    </p:spTree>
+    <p:extLst>
+      <p:ext uri="{BB962C8B-B14F-4D97-AF65-F5344CB8AC3E}">
+        <p14:creationId xmlns:p14="http://schemas.microsoft.com/office/powerpoint/2010/main" val="1947469343"/>
+      </p:ext>
+    </p:extLst>
+  </p:cSld>
+  <p:clrMapOvr>
+    <a:masterClrMapping/>
+  </p:clrMapOvr>
+</p:sld>
+</file>
+
+<file path=ppt/slides/slide31.xml><?xml version="1.0" encoding="utf-8"?>
+<p:sld xmlns:a="http://schemas.openxmlformats.org/drawingml/2006/main" xmlns:r="http://schemas.openxmlformats.org/officeDocument/2006/relationships" xmlns:p="http://schemas.openxmlformats.org/presentationml/2006/main">
+  <p:cSld>
+    <p:spTree>
+      <p:nvGrpSpPr>
+        <p:cNvPr id="1" name=""/>
+        <p:cNvGrpSpPr/>
+        <p:nvPr/>
+      </p:nvGrpSpPr>
+      <p:grpSpPr>
+        <a:xfrm>
+          <a:off x="0" y="0"/>
+          <a:ext cx="0" cy="0"/>
+          <a:chOff x="0" y="0"/>
+          <a:chExt cx="0" cy="0"/>
+        </a:xfrm>
+      </p:grpSpPr>
+      <p:sp>
+        <p:nvSpPr>
+          <p:cNvPr id="2" name="Title 1">
+            <a:extLst>
+              <a:ext uri="{FF2B5EF4-FFF2-40B4-BE49-F238E27FC236}">
+                <a16:creationId xmlns:a16="http://schemas.microsoft.com/office/drawing/2014/main" id="{53BBBA2B-A79A-095D-E592-DDAAD3983445}"/>
+              </a:ext>
+            </a:extLst>
+          </p:cNvPr>
+          <p:cNvSpPr>
+            <a:spLocks noGrp="1"/>
+          </p:cNvSpPr>
+          <p:nvPr>
+            <p:ph type="title"/>
+          </p:nvPr>
+        </p:nvSpPr>
+        <p:spPr/>
+        <p:txBody>
+          <a:bodyPr/>
+          <a:lstStyle/>
+          <a:p>
+            <a:r>
+              <a:rPr lang="en-US" dirty="0"/>
+              <a:t>CSS Text Properties</a:t>
+            </a:r>
+          </a:p>
+        </p:txBody>
+      </p:sp>
+      <p:sp>
+        <p:nvSpPr>
+          <p:cNvPr id="3" name="Content Placeholder 2">
+            <a:extLst>
+              <a:ext uri="{FF2B5EF4-FFF2-40B4-BE49-F238E27FC236}">
+                <a16:creationId xmlns:a16="http://schemas.microsoft.com/office/drawing/2014/main" id="{2A23E0D9-DD99-C495-7891-F035D690A5CA}"/>
+              </a:ext>
+            </a:extLst>
+          </p:cNvPr>
+          <p:cNvSpPr>
+            <a:spLocks noGrp="1"/>
+          </p:cNvSpPr>
+          <p:nvPr>
+            <p:ph idx="1"/>
+          </p:nvPr>
+        </p:nvSpPr>
+        <p:spPr/>
+        <p:txBody>
+          <a:bodyPr/>
+          <a:lstStyle/>
+          <a:p>
+            <a:r>
+              <a:rPr lang="en-US" dirty="0"/>
+              <a:t>Text-align</a:t>
+            </a:r>
+          </a:p>
+          <a:p>
+            <a:r>
+              <a:rPr lang="en-US" dirty="0"/>
+              <a:t>Text-align-last</a:t>
+            </a:r>
+          </a:p>
+          <a:p>
+            <a:r>
+              <a:rPr lang="en-US" dirty="0"/>
+              <a:t>Text-transform</a:t>
+            </a:r>
+          </a:p>
+          <a:p>
+            <a:r>
+              <a:rPr lang="en-US" dirty="0"/>
+              <a:t>Text-indent</a:t>
+            </a:r>
+          </a:p>
+          <a:p>
+            <a:r>
+              <a:rPr lang="en-US" dirty="0"/>
+              <a:t>Word-spacing</a:t>
+            </a:r>
+          </a:p>
+          <a:p>
+            <a:r>
+              <a:rPr lang="en-US" dirty="0"/>
+              <a:t>Letter-spacing</a:t>
+            </a:r>
+          </a:p>
+        </p:txBody>
+      </p:sp>
+    </p:spTree>
+    <p:extLst>
+      <p:ext uri="{BB962C8B-B14F-4D97-AF65-F5344CB8AC3E}">
+        <p14:creationId xmlns:p14="http://schemas.microsoft.com/office/powerpoint/2010/main" val="1844592453"/>
+      </p:ext>
+    </p:extLst>
+  </p:cSld>
+  <p:clrMapOvr>
+    <a:masterClrMapping/>
+  </p:clrMapOvr>
+</p:sld>
+</file>
+
+<file path=ppt/slides/slide32.xml><?xml version="1.0" encoding="utf-8"?>
+<p:sld xmlns:a="http://schemas.openxmlformats.org/drawingml/2006/main" xmlns:r="http://schemas.openxmlformats.org/officeDocument/2006/relationships" xmlns:p="http://schemas.openxmlformats.org/presentationml/2006/main">
+  <p:cSld>
+    <p:spTree>
+      <p:nvGrpSpPr>
+        <p:cNvPr id="1" name=""/>
+        <p:cNvGrpSpPr/>
+        <p:nvPr/>
+      </p:nvGrpSpPr>
+      <p:grpSpPr>
+        <a:xfrm>
+          <a:off x="0" y="0"/>
+          <a:ext cx="0" cy="0"/>
+          <a:chOff x="0" y="0"/>
+          <a:chExt cx="0" cy="0"/>
+        </a:xfrm>
+      </p:grpSpPr>
+      <p:sp>
+        <p:nvSpPr>
+          <p:cNvPr id="2" name="Title 1">
+            <a:extLst>
+              <a:ext uri="{FF2B5EF4-FFF2-40B4-BE49-F238E27FC236}">
+                <a16:creationId xmlns:a16="http://schemas.microsoft.com/office/drawing/2014/main" id="{56A3847F-E612-874B-1691-CCE59BE5B9A6}"/>
+              </a:ext>
+            </a:extLst>
+          </p:cNvPr>
+          <p:cNvSpPr>
+            <a:spLocks noGrp="1"/>
+          </p:cNvSpPr>
+          <p:nvPr>
+            <p:ph type="title"/>
+          </p:nvPr>
+        </p:nvSpPr>
+        <p:spPr/>
+        <p:txBody>
+          <a:bodyPr/>
+          <a:lstStyle/>
+          <a:p>
+            <a:r>
+              <a:rPr lang="en-US" dirty="0"/>
+              <a:t>CSS Text Decoration</a:t>
+            </a:r>
+          </a:p>
+        </p:txBody>
+      </p:sp>
+      <p:sp>
+        <p:nvSpPr>
+          <p:cNvPr id="3" name="Content Placeholder 2">
+            <a:extLst>
+              <a:ext uri="{FF2B5EF4-FFF2-40B4-BE49-F238E27FC236}">
+                <a16:creationId xmlns:a16="http://schemas.microsoft.com/office/drawing/2014/main" id="{2FECE838-B8F4-348A-E48E-5E85BC8EE9B6}"/>
+              </a:ext>
+            </a:extLst>
+          </p:cNvPr>
+          <p:cNvSpPr>
+            <a:spLocks noGrp="1"/>
+          </p:cNvSpPr>
+          <p:nvPr>
+            <p:ph idx="1"/>
+          </p:nvPr>
+        </p:nvSpPr>
+        <p:spPr>
+          <a:xfrm>
+            <a:off x="838200" y="1825625"/>
+            <a:ext cx="3530600" cy="1469118"/>
+          </a:xfrm>
+        </p:spPr>
+        <p:txBody>
+          <a:bodyPr>
+            <a:normAutofit lnSpcReduction="10000"/>
+          </a:bodyPr>
+          <a:lstStyle/>
+          <a:p>
+            <a:r>
+              <a:rPr lang="en-US" dirty="0"/>
+              <a:t>Text-decoration-line</a:t>
+            </a:r>
+          </a:p>
+          <a:p>
+            <a:r>
+              <a:rPr lang="en-US" dirty="0"/>
+              <a:t>Text-decoration-color</a:t>
+            </a:r>
+          </a:p>
+          <a:p>
+            <a:r>
+              <a:rPr lang="en-US" dirty="0"/>
+              <a:t>Text-decoration-style</a:t>
+            </a:r>
+          </a:p>
+          <a:p>
+            <a:endParaRPr lang="en-US" dirty="0"/>
+          </a:p>
+        </p:txBody>
+      </p:sp>
+      <p:sp>
+        <p:nvSpPr>
+          <p:cNvPr id="5" name="TextBox 4">
+            <a:extLst>
+              <a:ext uri="{FF2B5EF4-FFF2-40B4-BE49-F238E27FC236}">
+                <a16:creationId xmlns:a16="http://schemas.microsoft.com/office/drawing/2014/main" id="{334C331F-071B-1582-7B3B-3B31B72BABBE}"/>
+              </a:ext>
+            </a:extLst>
+          </p:cNvPr>
+          <p:cNvSpPr txBox="1"/>
+          <p:nvPr/>
+        </p:nvSpPr>
+        <p:spPr>
+          <a:xfrm>
+            <a:off x="6284685" y="593261"/>
+            <a:ext cx="3018972" cy="1938992"/>
+          </a:xfrm>
+          <a:prstGeom prst="rect">
+            <a:avLst/>
+          </a:prstGeom>
+          <a:noFill/>
+        </p:spPr>
+        <p:txBody>
+          <a:bodyPr wrap="square">
+            <a:spAutoFit/>
+          </a:bodyPr>
+          <a:lstStyle/>
+          <a:p>
+            <a:r>
+              <a:rPr lang="en-US" sz="2400" dirty="0"/>
+              <a:t>Text-decoration-line</a:t>
+            </a:r>
+          </a:p>
+          <a:p>
+            <a:pPr marL="342900" indent="-342900">
+              <a:buFont typeface="Arial" panose="020B0604020202020204" pitchFamily="34" charset="0"/>
+              <a:buChar char="•"/>
+            </a:pPr>
+            <a:r>
+              <a:rPr lang="en-US" sz="2400" dirty="0"/>
+              <a:t>Underline</a:t>
+            </a:r>
+          </a:p>
+          <a:p>
+            <a:pPr marL="342900" indent="-342900">
+              <a:buFont typeface="Arial" panose="020B0604020202020204" pitchFamily="34" charset="0"/>
+              <a:buChar char="•"/>
+            </a:pPr>
+            <a:r>
+              <a:rPr lang="en-US" sz="2400" dirty="0"/>
+              <a:t>Overline</a:t>
+            </a:r>
+          </a:p>
+          <a:p>
+            <a:pPr marL="342900" indent="-342900">
+              <a:buFont typeface="Arial" panose="020B0604020202020204" pitchFamily="34" charset="0"/>
+              <a:buChar char="•"/>
+            </a:pPr>
+            <a:r>
+              <a:rPr lang="en-US" sz="2400" dirty="0"/>
+              <a:t>Line-through</a:t>
+            </a:r>
+          </a:p>
+          <a:p>
+            <a:pPr marL="342900" indent="-342900">
+              <a:buFont typeface="Arial" panose="020B0604020202020204" pitchFamily="34" charset="0"/>
+              <a:buChar char="•"/>
+            </a:pPr>
+            <a:r>
+              <a:rPr lang="en-US" sz="2400" dirty="0"/>
+              <a:t>none</a:t>
+            </a:r>
+          </a:p>
+        </p:txBody>
+      </p:sp>
+      <p:sp>
+        <p:nvSpPr>
+          <p:cNvPr id="6" name="TextBox 5">
+            <a:extLst>
+              <a:ext uri="{FF2B5EF4-FFF2-40B4-BE49-F238E27FC236}">
+                <a16:creationId xmlns:a16="http://schemas.microsoft.com/office/drawing/2014/main" id="{05032B5E-F59C-371A-6187-CEA329376E80}"/>
+              </a:ext>
+            </a:extLst>
+          </p:cNvPr>
+          <p:cNvSpPr txBox="1"/>
+          <p:nvPr/>
+        </p:nvSpPr>
+        <p:spPr>
+          <a:xfrm>
+            <a:off x="6313716" y="2988118"/>
+            <a:ext cx="3018972" cy="2308324"/>
+          </a:xfrm>
+          <a:prstGeom prst="rect">
+            <a:avLst/>
+          </a:prstGeom>
+          <a:noFill/>
+        </p:spPr>
+        <p:txBody>
+          <a:bodyPr wrap="square">
+            <a:spAutoFit/>
+          </a:bodyPr>
+          <a:lstStyle/>
+          <a:p>
+            <a:r>
+              <a:rPr lang="en-US" sz="2400" dirty="0"/>
+              <a:t>Text-decoration-style</a:t>
+            </a:r>
+          </a:p>
+          <a:p>
+            <a:pPr marL="342900" indent="-342900">
+              <a:buFont typeface="Arial" panose="020B0604020202020204" pitchFamily="34" charset="0"/>
+              <a:buChar char="•"/>
+            </a:pPr>
+            <a:r>
+              <a:rPr lang="en-US" sz="2400" dirty="0"/>
+              <a:t>Solid</a:t>
+            </a:r>
+          </a:p>
+          <a:p>
+            <a:pPr marL="342900" indent="-342900">
+              <a:buFont typeface="Arial" panose="020B0604020202020204" pitchFamily="34" charset="0"/>
+              <a:buChar char="•"/>
+            </a:pPr>
+            <a:r>
+              <a:rPr lang="en-US" sz="2400" dirty="0"/>
+              <a:t>Dotted</a:t>
+            </a:r>
+          </a:p>
+          <a:p>
+            <a:pPr marL="342900" indent="-342900">
+              <a:buFont typeface="Arial" panose="020B0604020202020204" pitchFamily="34" charset="0"/>
+              <a:buChar char="•"/>
+            </a:pPr>
+            <a:r>
+              <a:rPr lang="en-US" sz="2400" dirty="0"/>
+              <a:t>Dashed</a:t>
+            </a:r>
+          </a:p>
+          <a:p>
+            <a:pPr marL="342900" indent="-342900">
+              <a:buFont typeface="Arial" panose="020B0604020202020204" pitchFamily="34" charset="0"/>
+              <a:buChar char="•"/>
+            </a:pPr>
+            <a:r>
+              <a:rPr lang="en-US" sz="2400" dirty="0"/>
+              <a:t>Double</a:t>
+            </a:r>
+          </a:p>
+          <a:p>
+            <a:pPr marL="342900" indent="-342900">
+              <a:buFont typeface="Arial" panose="020B0604020202020204" pitchFamily="34" charset="0"/>
+              <a:buChar char="•"/>
+            </a:pPr>
+            <a:r>
+              <a:rPr lang="en-US" sz="2400" dirty="0"/>
+              <a:t>wavy</a:t>
+            </a:r>
+          </a:p>
+        </p:txBody>
+      </p:sp>
+      <p:sp>
+        <p:nvSpPr>
+          <p:cNvPr id="7" name="TextBox 6">
+            <a:extLst>
+              <a:ext uri="{FF2B5EF4-FFF2-40B4-BE49-F238E27FC236}">
+                <a16:creationId xmlns:a16="http://schemas.microsoft.com/office/drawing/2014/main" id="{A14971F9-9E0E-A01C-9C64-882910E9EC02}"/>
+              </a:ext>
+            </a:extLst>
+          </p:cNvPr>
+          <p:cNvSpPr txBox="1"/>
+          <p:nvPr/>
+        </p:nvSpPr>
+        <p:spPr>
+          <a:xfrm>
+            <a:off x="1567543" y="5094514"/>
+            <a:ext cx="3629455" cy="646331"/>
+          </a:xfrm>
+          <a:prstGeom prst="rect">
+            <a:avLst/>
+          </a:prstGeom>
+          <a:noFill/>
+        </p:spPr>
+        <p:txBody>
+          <a:bodyPr wrap="none" rtlCol="0">
+            <a:spAutoFit/>
+          </a:bodyPr>
+          <a:lstStyle/>
+          <a:p>
+            <a:r>
+              <a:rPr lang="en-US" dirty="0"/>
+              <a:t>Shorthand</a:t>
+            </a:r>
+          </a:p>
+          <a:p>
+            <a:r>
+              <a:rPr lang="en-US" dirty="0"/>
+              <a:t>Text-decoration: underline red wavy;</a:t>
+            </a:r>
+          </a:p>
+        </p:txBody>
+      </p:sp>
+    </p:spTree>
+    <p:extLst>
+      <p:ext uri="{BB962C8B-B14F-4D97-AF65-F5344CB8AC3E}">
+        <p14:creationId xmlns:p14="http://schemas.microsoft.com/office/powerpoint/2010/main" val="3762094696"/>
+      </p:ext>
+    </p:extLst>
+  </p:cSld>
+  <p:clrMapOvr>
+    <a:masterClrMapping/>
+  </p:clrMapOvr>
+</p:sld>
+</file>
+
+<file path=ppt/slides/slide33.xml><?xml version="1.0" encoding="utf-8"?>
+<p:sld xmlns:a="http://schemas.openxmlformats.org/drawingml/2006/main" xmlns:r="http://schemas.openxmlformats.org/officeDocument/2006/relationships" xmlns:p="http://schemas.openxmlformats.org/presentationml/2006/main">
+  <p:cSld>
+    <p:spTree>
+      <p:nvGrpSpPr>
+        <p:cNvPr id="1" name=""/>
+        <p:cNvGrpSpPr/>
+        <p:nvPr/>
+      </p:nvGrpSpPr>
+      <p:grpSpPr>
+        <a:xfrm>
+          <a:off x="0" y="0"/>
+          <a:ext cx="0" cy="0"/>
+          <a:chOff x="0" y="0"/>
+          <a:chExt cx="0" cy="0"/>
+        </a:xfrm>
+      </p:grpSpPr>
+      <p:sp>
+        <p:nvSpPr>
+          <p:cNvPr id="2" name="Title 1">
+            <a:extLst>
+              <a:ext uri="{FF2B5EF4-FFF2-40B4-BE49-F238E27FC236}">
+                <a16:creationId xmlns:a16="http://schemas.microsoft.com/office/drawing/2014/main" id="{D47DE352-C13B-95FB-46AC-6B4584FA357B}"/>
+              </a:ext>
+            </a:extLst>
+          </p:cNvPr>
+          <p:cNvSpPr>
+            <a:spLocks noGrp="1"/>
+          </p:cNvSpPr>
+          <p:nvPr>
+            <p:ph type="title"/>
+          </p:nvPr>
+        </p:nvSpPr>
+        <p:spPr/>
+        <p:txBody>
+          <a:bodyPr/>
+          <a:lstStyle/>
+          <a:p>
+            <a:r>
+              <a:rPr lang="en-US" dirty="0"/>
+              <a:t>CSS Word-Wrap &amp; Word-Break</a:t>
+            </a:r>
+          </a:p>
+        </p:txBody>
+      </p:sp>
+      <p:sp>
+        <p:nvSpPr>
+          <p:cNvPr id="4" name="Rectangle 3">
+            <a:extLst>
+              <a:ext uri="{FF2B5EF4-FFF2-40B4-BE49-F238E27FC236}">
+                <a16:creationId xmlns:a16="http://schemas.microsoft.com/office/drawing/2014/main" id="{7886B8EC-1696-A4E2-3604-4947164FC013}"/>
+              </a:ext>
+            </a:extLst>
+          </p:cNvPr>
+          <p:cNvSpPr/>
+          <p:nvPr/>
+        </p:nvSpPr>
+        <p:spPr>
+          <a:xfrm>
+            <a:off x="2656114" y="2148114"/>
+            <a:ext cx="3251200" cy="1280886"/>
+          </a:xfrm>
+          <a:prstGeom prst="rect">
+            <a:avLst/>
+          </a:prstGeom>
+        </p:spPr>
+        <p:style>
+          <a:lnRef idx="2">
+            <a:schemeClr val="accent6"/>
+          </a:lnRef>
+          <a:fillRef idx="1">
+            <a:schemeClr val="lt1"/>
+          </a:fillRef>
+          <a:effectRef idx="0">
+            <a:schemeClr val="accent6"/>
+          </a:effectRef>
+          <a:fontRef idx="minor">
+            <a:schemeClr val="dk1"/>
+          </a:fontRef>
+        </p:style>
+        <p:txBody>
+          <a:bodyPr rtlCol="0" anchor="ctr"/>
+          <a:lstStyle/>
+          <a:p>
+            <a:pPr algn="ctr"/>
+            <a:endParaRPr lang="en-US" dirty="0"/>
+          </a:p>
+        </p:txBody>
+      </p:sp>
+      <p:sp>
+        <p:nvSpPr>
+          <p:cNvPr id="5" name="TextBox 4">
+            <a:extLst>
+              <a:ext uri="{FF2B5EF4-FFF2-40B4-BE49-F238E27FC236}">
+                <a16:creationId xmlns:a16="http://schemas.microsoft.com/office/drawing/2014/main" id="{38C0600A-4B92-1DB6-8327-FF1C1E85CE95}"/>
+              </a:ext>
+            </a:extLst>
+          </p:cNvPr>
+          <p:cNvSpPr txBox="1"/>
+          <p:nvPr/>
+        </p:nvSpPr>
+        <p:spPr>
+          <a:xfrm>
+            <a:off x="2656114" y="2125560"/>
+            <a:ext cx="4817344" cy="369332"/>
+          </a:xfrm>
+          <a:prstGeom prst="rect">
+            <a:avLst/>
+          </a:prstGeom>
+          <a:noFill/>
+        </p:spPr>
+        <p:txBody>
+          <a:bodyPr wrap="none" rtlCol="0">
+            <a:spAutoFit/>
+          </a:bodyPr>
+          <a:lstStyle/>
+          <a:p>
+            <a:r>
+              <a:rPr lang="en-US" dirty="0" err="1"/>
+              <a:t>dsadsadasdasdasdasdasdasdasdasdsadsadsadasd</a:t>
+            </a:r>
+            <a:endParaRPr lang="en-US" dirty="0"/>
+          </a:p>
+        </p:txBody>
+      </p:sp>
+      <p:sp>
+        <p:nvSpPr>
+          <p:cNvPr id="6" name="TextBox 5">
+            <a:extLst>
+              <a:ext uri="{FF2B5EF4-FFF2-40B4-BE49-F238E27FC236}">
+                <a16:creationId xmlns:a16="http://schemas.microsoft.com/office/drawing/2014/main" id="{D5497B0D-48DB-F982-7B30-90EB90BE5D30}"/>
+              </a:ext>
+            </a:extLst>
+          </p:cNvPr>
+          <p:cNvSpPr txBox="1"/>
+          <p:nvPr/>
+        </p:nvSpPr>
+        <p:spPr>
+          <a:xfrm>
+            <a:off x="1770743" y="4673600"/>
+            <a:ext cx="1296381" cy="954107"/>
+          </a:xfrm>
+          <a:prstGeom prst="rect">
+            <a:avLst/>
+          </a:prstGeom>
+          <a:noFill/>
+        </p:spPr>
+        <p:txBody>
+          <a:bodyPr wrap="none" rtlCol="0">
+            <a:spAutoFit/>
+          </a:bodyPr>
+          <a:lstStyle/>
+          <a:p>
+            <a:r>
+              <a:rPr lang="en-US" sz="2800" dirty="0"/>
+              <a:t>Wrap</a:t>
+            </a:r>
+          </a:p>
+          <a:p>
+            <a:r>
+              <a:rPr lang="en-US" sz="2800" dirty="0" err="1"/>
+              <a:t>nowrap</a:t>
+            </a:r>
+            <a:endParaRPr lang="en-US" sz="2800" dirty="0"/>
+          </a:p>
+        </p:txBody>
+      </p:sp>
+    </p:spTree>
+    <p:extLst>
+      <p:ext uri="{BB962C8B-B14F-4D97-AF65-F5344CB8AC3E}">
+        <p14:creationId xmlns:p14="http://schemas.microsoft.com/office/powerpoint/2010/main" val="383141829"/>
+      </p:ext>
+    </p:extLst>
+  </p:cSld>
+  <p:clrMapOvr>
+    <a:masterClrMapping/>
+  </p:clrMapOvr>
+</p:sld>
+</file>
+
+<file path=ppt/slides/slide34.xml><?xml version="1.0" encoding="utf-8"?>
+<p:sld xmlns:a="http://schemas.openxmlformats.org/drawingml/2006/main" xmlns:r="http://schemas.openxmlformats.org/officeDocument/2006/relationships" xmlns:p="http://schemas.openxmlformats.org/presentationml/2006/main">
+  <p:cSld>
+    <p:spTree>
+      <p:nvGrpSpPr>
+        <p:cNvPr id="1" name=""/>
+        <p:cNvGrpSpPr/>
+        <p:nvPr/>
+      </p:nvGrpSpPr>
+      <p:grpSpPr>
+        <a:xfrm>
+          <a:off x="0" y="0"/>
+          <a:ext cx="0" cy="0"/>
+          <a:chOff x="0" y="0"/>
+          <a:chExt cx="0" cy="0"/>
+        </a:xfrm>
+      </p:grpSpPr>
+      <p:sp>
+        <p:nvSpPr>
+          <p:cNvPr id="2" name="Title 1">
+            <a:extLst>
+              <a:ext uri="{FF2B5EF4-FFF2-40B4-BE49-F238E27FC236}">
+                <a16:creationId xmlns:a16="http://schemas.microsoft.com/office/drawing/2014/main" id="{01A1530C-6581-261A-8658-3189053AEBC2}"/>
+              </a:ext>
+            </a:extLst>
+          </p:cNvPr>
+          <p:cNvSpPr>
+            <a:spLocks noGrp="1"/>
+          </p:cNvSpPr>
+          <p:nvPr>
+            <p:ph type="title"/>
+          </p:nvPr>
+        </p:nvSpPr>
+        <p:spPr/>
+        <p:txBody>
+          <a:bodyPr/>
+          <a:lstStyle/>
+          <a:p>
+            <a:r>
+              <a:rPr lang="en-US" dirty="0"/>
+              <a:t>CSS: Text Shadow</a:t>
+            </a:r>
+          </a:p>
+        </p:txBody>
+      </p:sp>
+      <p:sp>
+        <p:nvSpPr>
+          <p:cNvPr id="5" name="TextBox 4">
+            <a:extLst>
+              <a:ext uri="{FF2B5EF4-FFF2-40B4-BE49-F238E27FC236}">
+                <a16:creationId xmlns:a16="http://schemas.microsoft.com/office/drawing/2014/main" id="{B628D750-4728-FAA4-FCD2-9F0E197243FD}"/>
+              </a:ext>
+            </a:extLst>
+          </p:cNvPr>
+          <p:cNvSpPr txBox="1"/>
+          <p:nvPr/>
+        </p:nvSpPr>
+        <p:spPr>
+          <a:xfrm>
+            <a:off x="2830286" y="3715657"/>
+            <a:ext cx="6186758" cy="646331"/>
+          </a:xfrm>
+          <a:prstGeom prst="rect">
+            <a:avLst/>
+          </a:prstGeom>
+          <a:noFill/>
+        </p:spPr>
+        <p:txBody>
+          <a:bodyPr wrap="none" rtlCol="0">
+            <a:spAutoFit/>
+          </a:bodyPr>
+          <a:lstStyle/>
+          <a:p>
+            <a:r>
+              <a:rPr lang="en-US" dirty="0"/>
+              <a:t>Box-shadow: </a:t>
+            </a:r>
+            <a:r>
+              <a:rPr lang="en-US" sz="3600" dirty="0"/>
+              <a:t>2px </a:t>
+            </a:r>
+            <a:r>
+              <a:rPr lang="en-US" sz="3600" dirty="0" err="1"/>
+              <a:t>2px</a:t>
+            </a:r>
+            <a:r>
+              <a:rPr lang="en-US" sz="3600" dirty="0"/>
+              <a:t> 5px 10px orange;</a:t>
+            </a:r>
+            <a:endParaRPr lang="en-US" dirty="0"/>
+          </a:p>
+        </p:txBody>
+      </p:sp>
+      <p:sp>
+        <p:nvSpPr>
+          <p:cNvPr id="6" name="TextBox 5">
+            <a:extLst>
+              <a:ext uri="{FF2B5EF4-FFF2-40B4-BE49-F238E27FC236}">
+                <a16:creationId xmlns:a16="http://schemas.microsoft.com/office/drawing/2014/main" id="{A4DBFC26-9870-2102-8ACA-F52BFBF2C685}"/>
+              </a:ext>
+            </a:extLst>
+          </p:cNvPr>
+          <p:cNvSpPr txBox="1"/>
+          <p:nvPr/>
+        </p:nvSpPr>
+        <p:spPr>
+          <a:xfrm>
+            <a:off x="3827222" y="2720646"/>
+            <a:ext cx="1129540" cy="369332"/>
+          </a:xfrm>
+          <a:prstGeom prst="rect">
+            <a:avLst/>
+          </a:prstGeom>
+          <a:noFill/>
+        </p:spPr>
+        <p:txBody>
+          <a:bodyPr wrap="none" rtlCol="0">
+            <a:spAutoFit/>
+          </a:bodyPr>
+          <a:lstStyle/>
+          <a:p>
+            <a:r>
+              <a:rPr lang="en-US" dirty="0"/>
+              <a:t>H-shadow</a:t>
+            </a:r>
+          </a:p>
+        </p:txBody>
+      </p:sp>
+      <p:sp>
+        <p:nvSpPr>
+          <p:cNvPr id="7" name="TextBox 6">
+            <a:extLst>
+              <a:ext uri="{FF2B5EF4-FFF2-40B4-BE49-F238E27FC236}">
+                <a16:creationId xmlns:a16="http://schemas.microsoft.com/office/drawing/2014/main" id="{116686C2-F7E2-BF17-07EF-F225C0B7E9E5}"/>
+              </a:ext>
+            </a:extLst>
+          </p:cNvPr>
+          <p:cNvSpPr txBox="1"/>
+          <p:nvPr/>
+        </p:nvSpPr>
+        <p:spPr>
+          <a:xfrm>
+            <a:off x="4765236" y="4669135"/>
+            <a:ext cx="1116716" cy="369332"/>
+          </a:xfrm>
+          <a:prstGeom prst="rect">
+            <a:avLst/>
+          </a:prstGeom>
+          <a:noFill/>
+        </p:spPr>
+        <p:txBody>
+          <a:bodyPr wrap="none" rtlCol="0">
+            <a:spAutoFit/>
+          </a:bodyPr>
+          <a:lstStyle/>
+          <a:p>
+            <a:r>
+              <a:rPr lang="en-US" dirty="0"/>
+              <a:t>V-shadow</a:t>
+            </a:r>
+          </a:p>
+        </p:txBody>
+      </p:sp>
+      <p:sp>
+        <p:nvSpPr>
+          <p:cNvPr id="8" name="TextBox 7">
+            <a:extLst>
+              <a:ext uri="{FF2B5EF4-FFF2-40B4-BE49-F238E27FC236}">
+                <a16:creationId xmlns:a16="http://schemas.microsoft.com/office/drawing/2014/main" id="{55C2B7AA-6AE3-A3EA-B2CD-55FA7A9C2051}"/>
+              </a:ext>
+            </a:extLst>
+          </p:cNvPr>
+          <p:cNvSpPr txBox="1"/>
+          <p:nvPr/>
+        </p:nvSpPr>
+        <p:spPr>
+          <a:xfrm>
+            <a:off x="5690426" y="2753249"/>
+            <a:ext cx="1207446" cy="369332"/>
+          </a:xfrm>
+          <a:prstGeom prst="rect">
+            <a:avLst/>
+          </a:prstGeom>
+          <a:noFill/>
+        </p:spPr>
+        <p:txBody>
+          <a:bodyPr wrap="none" rtlCol="0">
+            <a:spAutoFit/>
+          </a:bodyPr>
+          <a:lstStyle/>
+          <a:p>
+            <a:r>
+              <a:rPr lang="en-US" dirty="0"/>
+              <a:t>Blur-radius</a:t>
+            </a:r>
+          </a:p>
+        </p:txBody>
+      </p:sp>
+      <p:sp>
+        <p:nvSpPr>
+          <p:cNvPr id="9" name="TextBox 8">
+            <a:extLst>
+              <a:ext uri="{FF2B5EF4-FFF2-40B4-BE49-F238E27FC236}">
+                <a16:creationId xmlns:a16="http://schemas.microsoft.com/office/drawing/2014/main" id="{D110197B-22D4-BCEB-4D8D-6DD1054848D1}"/>
+              </a:ext>
+            </a:extLst>
+          </p:cNvPr>
+          <p:cNvSpPr txBox="1"/>
+          <p:nvPr/>
+        </p:nvSpPr>
+        <p:spPr>
+          <a:xfrm>
+            <a:off x="6648369" y="4618335"/>
+            <a:ext cx="821250" cy="369332"/>
+          </a:xfrm>
+          <a:prstGeom prst="rect">
+            <a:avLst/>
+          </a:prstGeom>
+          <a:noFill/>
+        </p:spPr>
+        <p:txBody>
+          <a:bodyPr wrap="none" rtlCol="0">
+            <a:spAutoFit/>
+          </a:bodyPr>
+          <a:lstStyle/>
+          <a:p>
+            <a:r>
+              <a:rPr lang="en-US" dirty="0"/>
+              <a:t>spread</a:t>
+            </a:r>
+          </a:p>
+        </p:txBody>
+      </p:sp>
+      <p:sp>
+        <p:nvSpPr>
+          <p:cNvPr id="10" name="TextBox 9">
+            <a:extLst>
+              <a:ext uri="{FF2B5EF4-FFF2-40B4-BE49-F238E27FC236}">
+                <a16:creationId xmlns:a16="http://schemas.microsoft.com/office/drawing/2014/main" id="{991D9933-78B0-6348-7CFC-0BC4580CECF3}"/>
+              </a:ext>
+            </a:extLst>
+          </p:cNvPr>
+          <p:cNvSpPr txBox="1"/>
+          <p:nvPr/>
+        </p:nvSpPr>
+        <p:spPr>
+          <a:xfrm>
+            <a:off x="7797569" y="2957677"/>
+            <a:ext cx="657231" cy="369332"/>
+          </a:xfrm>
+          <a:prstGeom prst="rect">
+            <a:avLst/>
+          </a:prstGeom>
+          <a:noFill/>
+        </p:spPr>
+        <p:txBody>
+          <a:bodyPr wrap="none" rtlCol="0">
+            <a:spAutoFit/>
+          </a:bodyPr>
+          <a:lstStyle/>
+          <a:p>
+            <a:r>
+              <a:rPr lang="en-US" dirty="0"/>
+              <a:t>color</a:t>
+            </a:r>
+          </a:p>
+        </p:txBody>
+      </p:sp>
+      <p:cxnSp>
+        <p:nvCxnSpPr>
+          <p:cNvPr id="12" name="Straight Arrow Connector 11">
+            <a:extLst>
+              <a:ext uri="{FF2B5EF4-FFF2-40B4-BE49-F238E27FC236}">
+                <a16:creationId xmlns:a16="http://schemas.microsoft.com/office/drawing/2014/main" id="{4F77B81E-7F9B-F2E6-2C45-678554524A86}"/>
+              </a:ext>
+            </a:extLst>
+          </p:cNvPr>
+          <p:cNvCxnSpPr>
+            <a:stCxn id="6" idx="2"/>
+          </p:cNvCxnSpPr>
+          <p:nvPr/>
+        </p:nvCxnSpPr>
+        <p:spPr>
+          <a:xfrm>
+            <a:off x="4391992" y="3089978"/>
+            <a:ext cx="63894" cy="625679"/>
+          </a:xfrm>
+          <a:prstGeom prst="straightConnector1">
+            <a:avLst/>
+          </a:prstGeom>
+          <a:ln>
+            <a:tailEnd type="triangle"/>
+          </a:ln>
+        </p:spPr>
+        <p:style>
+          <a:lnRef idx="1">
+            <a:schemeClr val="accent1"/>
+          </a:lnRef>
+          <a:fillRef idx="0">
+            <a:schemeClr val="accent1"/>
+          </a:fillRef>
+          <a:effectRef idx="0">
+            <a:schemeClr val="accent1"/>
+          </a:effectRef>
+          <a:fontRef idx="minor">
+            <a:schemeClr val="tx1"/>
+          </a:fontRef>
+        </p:style>
+      </p:cxnSp>
+      <p:cxnSp>
+        <p:nvCxnSpPr>
+          <p:cNvPr id="14" name="Straight Arrow Connector 13">
+            <a:extLst>
+              <a:ext uri="{FF2B5EF4-FFF2-40B4-BE49-F238E27FC236}">
+                <a16:creationId xmlns:a16="http://schemas.microsoft.com/office/drawing/2014/main" id="{08805504-AB77-2CAE-D582-82939F6934DB}"/>
+              </a:ext>
+            </a:extLst>
+          </p:cNvPr>
+          <p:cNvCxnSpPr>
+            <a:stCxn id="7" idx="0"/>
+          </p:cNvCxnSpPr>
+          <p:nvPr/>
+        </p:nvCxnSpPr>
+        <p:spPr>
+          <a:xfrm flipH="1" flipV="1">
+            <a:off x="5227831" y="4361988"/>
+            <a:ext cx="95763" cy="307147"/>
+          </a:xfrm>
+          <a:prstGeom prst="straightConnector1">
+            <a:avLst/>
+          </a:prstGeom>
+          <a:ln>
+            <a:tailEnd type="triangle"/>
+          </a:ln>
+        </p:spPr>
+        <p:style>
+          <a:lnRef idx="1">
+            <a:schemeClr val="accent1"/>
+          </a:lnRef>
+          <a:fillRef idx="0">
+            <a:schemeClr val="accent1"/>
+          </a:fillRef>
+          <a:effectRef idx="0">
+            <a:schemeClr val="accent1"/>
+          </a:effectRef>
+          <a:fontRef idx="minor">
+            <a:schemeClr val="tx1"/>
+          </a:fontRef>
+        </p:style>
+      </p:cxnSp>
+      <p:cxnSp>
+        <p:nvCxnSpPr>
+          <p:cNvPr id="16" name="Straight Arrow Connector 15">
+            <a:extLst>
+              <a:ext uri="{FF2B5EF4-FFF2-40B4-BE49-F238E27FC236}">
+                <a16:creationId xmlns:a16="http://schemas.microsoft.com/office/drawing/2014/main" id="{20175AA5-4CE0-36FD-C729-52DC438B248A}"/>
+              </a:ext>
+            </a:extLst>
+          </p:cNvPr>
+          <p:cNvCxnSpPr>
+            <a:stCxn id="8" idx="2"/>
+            <a:endCxn id="5" idx="0"/>
+          </p:cNvCxnSpPr>
+          <p:nvPr/>
+        </p:nvCxnSpPr>
+        <p:spPr>
+          <a:xfrm flipH="1">
+            <a:off x="5923665" y="3122581"/>
+            <a:ext cx="370484" cy="593076"/>
+          </a:xfrm>
+          <a:prstGeom prst="straightConnector1">
+            <a:avLst/>
+          </a:prstGeom>
+          <a:ln>
+            <a:tailEnd type="triangle"/>
+          </a:ln>
+        </p:spPr>
+        <p:style>
+          <a:lnRef idx="1">
+            <a:schemeClr val="accent1"/>
+          </a:lnRef>
+          <a:fillRef idx="0">
+            <a:schemeClr val="accent1"/>
+          </a:fillRef>
+          <a:effectRef idx="0">
+            <a:schemeClr val="accent1"/>
+          </a:effectRef>
+          <a:fontRef idx="minor">
+            <a:schemeClr val="tx1"/>
+          </a:fontRef>
+        </p:style>
+      </p:cxnSp>
+      <p:cxnSp>
+        <p:nvCxnSpPr>
+          <p:cNvPr id="18" name="Straight Arrow Connector 17">
+            <a:extLst>
+              <a:ext uri="{FF2B5EF4-FFF2-40B4-BE49-F238E27FC236}">
+                <a16:creationId xmlns:a16="http://schemas.microsoft.com/office/drawing/2014/main" id="{C473B481-FDB7-30E4-BA54-D16E4A9C16BE}"/>
+              </a:ext>
+            </a:extLst>
+          </p:cNvPr>
+          <p:cNvCxnSpPr>
+            <a:stCxn id="9" idx="0"/>
+          </p:cNvCxnSpPr>
+          <p:nvPr/>
+        </p:nvCxnSpPr>
+        <p:spPr>
+          <a:xfrm flipV="1">
+            <a:off x="7058994" y="4252686"/>
+            <a:ext cx="0" cy="365649"/>
+          </a:xfrm>
+          <a:prstGeom prst="straightConnector1">
+            <a:avLst/>
+          </a:prstGeom>
+          <a:ln>
+            <a:tailEnd type="triangle"/>
+          </a:ln>
+        </p:spPr>
+        <p:style>
+          <a:lnRef idx="1">
+            <a:schemeClr val="accent1"/>
+          </a:lnRef>
+          <a:fillRef idx="0">
+            <a:schemeClr val="accent1"/>
+          </a:fillRef>
+          <a:effectRef idx="0">
+            <a:schemeClr val="accent1"/>
+          </a:effectRef>
+          <a:fontRef idx="minor">
+            <a:schemeClr val="tx1"/>
+          </a:fontRef>
+        </p:style>
+      </p:cxnSp>
+      <p:cxnSp>
+        <p:nvCxnSpPr>
+          <p:cNvPr id="20" name="Straight Arrow Connector 19">
+            <a:extLst>
+              <a:ext uri="{FF2B5EF4-FFF2-40B4-BE49-F238E27FC236}">
+                <a16:creationId xmlns:a16="http://schemas.microsoft.com/office/drawing/2014/main" id="{17AB3F69-356F-2118-4598-723D121EF847}"/>
+              </a:ext>
+            </a:extLst>
+          </p:cNvPr>
+          <p:cNvCxnSpPr>
+            <a:stCxn id="10" idx="2"/>
+          </p:cNvCxnSpPr>
+          <p:nvPr/>
+        </p:nvCxnSpPr>
+        <p:spPr>
+          <a:xfrm flipH="1">
+            <a:off x="8126184" y="3327009"/>
+            <a:ext cx="1" cy="388648"/>
+          </a:xfrm>
+          <a:prstGeom prst="straightConnector1">
+            <a:avLst/>
+          </a:prstGeom>
+          <a:ln>
+            <a:tailEnd type="triangle"/>
+          </a:ln>
+        </p:spPr>
+        <p:style>
+          <a:lnRef idx="1">
+            <a:schemeClr val="accent1"/>
+          </a:lnRef>
+          <a:fillRef idx="0">
+            <a:schemeClr val="accent1"/>
+          </a:fillRef>
+          <a:effectRef idx="0">
+            <a:schemeClr val="accent1"/>
+          </a:effectRef>
+          <a:fontRef idx="minor">
+            <a:schemeClr val="tx1"/>
+          </a:fontRef>
+        </p:style>
+      </p:cxnSp>
+    </p:spTree>
+    <p:extLst>
+      <p:ext uri="{BB962C8B-B14F-4D97-AF65-F5344CB8AC3E}">
+        <p14:creationId xmlns:p14="http://schemas.microsoft.com/office/powerpoint/2010/main" val="1035914661"/>
+      </p:ext>
+    </p:extLst>
+  </p:cSld>
+  <p:clrMapOvr>
+    <a:masterClrMapping/>
+  </p:clrMapOvr>
+</p:sld>
+</file>
+
+<file path=ppt/slides/slide35.xml><?xml version="1.0" encoding="utf-8"?>
+<p:sld xmlns:a="http://schemas.openxmlformats.org/drawingml/2006/main" xmlns:r="http://schemas.openxmlformats.org/officeDocument/2006/relationships" xmlns:p="http://schemas.openxmlformats.org/presentationml/2006/main">
+  <p:cSld>
+    <p:spTree>
+      <p:nvGrpSpPr>
+        <p:cNvPr id="1" name=""/>
+        <p:cNvGrpSpPr/>
+        <p:nvPr/>
+      </p:nvGrpSpPr>
+      <p:grpSpPr>
+        <a:xfrm>
+          <a:off x="0" y="0"/>
+          <a:ext cx="0" cy="0"/>
+          <a:chOff x="0" y="0"/>
+          <a:chExt cx="0" cy="0"/>
+        </a:xfrm>
+      </p:grpSpPr>
+      <p:cxnSp>
+        <p:nvCxnSpPr>
+          <p:cNvPr id="5" name="Straight Arrow Connector 4">
+            <a:extLst>
+              <a:ext uri="{FF2B5EF4-FFF2-40B4-BE49-F238E27FC236}">
+                <a16:creationId xmlns:a16="http://schemas.microsoft.com/office/drawing/2014/main" id="{5DA64CAF-23E5-5224-8243-182E370255EC}"/>
+              </a:ext>
+            </a:extLst>
+          </p:cNvPr>
+          <p:cNvCxnSpPr>
+            <a:cxnSpLocks/>
+          </p:cNvCxnSpPr>
+          <p:nvPr/>
+        </p:nvCxnSpPr>
+        <p:spPr>
+          <a:xfrm flipV="1">
+            <a:off x="5500914" y="1248229"/>
+            <a:ext cx="0" cy="4368800"/>
+          </a:xfrm>
+          <a:prstGeom prst="straightConnector1">
+            <a:avLst/>
+          </a:prstGeom>
+          <a:ln>
+            <a:tailEnd type="triangle"/>
+          </a:ln>
+        </p:spPr>
+        <p:style>
+          <a:lnRef idx="3">
+            <a:schemeClr val="accent1"/>
+          </a:lnRef>
+          <a:fillRef idx="0">
+            <a:schemeClr val="accent1"/>
+          </a:fillRef>
+          <a:effectRef idx="2">
+            <a:schemeClr val="accent1"/>
+          </a:effectRef>
+          <a:fontRef idx="minor">
+            <a:schemeClr val="tx1"/>
+          </a:fontRef>
+        </p:style>
+      </p:cxnSp>
+      <p:cxnSp>
+        <p:nvCxnSpPr>
+          <p:cNvPr id="10" name="Straight Arrow Connector 9">
+            <a:extLst>
+              <a:ext uri="{FF2B5EF4-FFF2-40B4-BE49-F238E27FC236}">
+                <a16:creationId xmlns:a16="http://schemas.microsoft.com/office/drawing/2014/main" id="{9D80BC90-FB8D-B0B1-CE21-E345F4536659}"/>
+              </a:ext>
+            </a:extLst>
+          </p:cNvPr>
+          <p:cNvCxnSpPr/>
+          <p:nvPr/>
+        </p:nvCxnSpPr>
+        <p:spPr>
+          <a:xfrm>
+            <a:off x="2452914" y="3429000"/>
+            <a:ext cx="6821715" cy="0"/>
+          </a:xfrm>
+          <a:prstGeom prst="straightConnector1">
+            <a:avLst/>
+          </a:prstGeom>
+          <a:ln>
+            <a:tailEnd type="triangle"/>
+          </a:ln>
+        </p:spPr>
+        <p:style>
+          <a:lnRef idx="3">
+            <a:schemeClr val="accent2"/>
+          </a:lnRef>
+          <a:fillRef idx="0">
+            <a:schemeClr val="accent2"/>
+          </a:fillRef>
+          <a:effectRef idx="2">
+            <a:schemeClr val="accent2"/>
+          </a:effectRef>
+          <a:fontRef idx="minor">
+            <a:schemeClr val="tx1"/>
+          </a:fontRef>
+        </p:style>
+      </p:cxnSp>
+      <mc:AlternateContent xmlns:mc="http://schemas.openxmlformats.org/markup-compatibility/2006">
+        <mc:Choice xmlns:p14="http://schemas.microsoft.com/office/powerpoint/2010/main" Requires="p14">
+          <p:contentPart p14:bwMode="auto" r:id="rId2">
+            <p14:nvContentPartPr>
+              <p14:cNvPr id="11" name="Ink 10">
+                <a:extLst>
+                  <a:ext uri="{FF2B5EF4-FFF2-40B4-BE49-F238E27FC236}">
+                    <a16:creationId xmlns:a16="http://schemas.microsoft.com/office/drawing/2014/main" id="{F5F77D80-0FF5-0AFF-190A-4C0227FF3028}"/>
+                  </a:ext>
+                </a:extLst>
+              </p14:cNvPr>
+              <p14:cNvContentPartPr/>
+              <p14:nvPr/>
+            </p14:nvContentPartPr>
+            <p14:xfrm>
+              <a:off x="5921314" y="3221823"/>
+              <a:ext cx="360" cy="419400"/>
+            </p14:xfrm>
+          </p:contentPart>
+        </mc:Choice>
+        <mc:Fallback>
+          <p:pic>
+            <p:nvPicPr>
+              <p:cNvPr id="11" name="Ink 10">
+                <a:extLst>
+                  <a:ext uri="{FF2B5EF4-FFF2-40B4-BE49-F238E27FC236}">
+                    <a16:creationId xmlns:a16="http://schemas.microsoft.com/office/drawing/2014/main" id="{F5F77D80-0FF5-0AFF-190A-4C0227FF3028}"/>
+                  </a:ext>
+                </a:extLst>
+              </p:cNvPr>
+              <p:cNvPicPr/>
+              <p:nvPr/>
+            </p:nvPicPr>
+            <p:blipFill>
+              <a:blip r:embed="rId3"/>
+              <a:stretch>
+                <a:fillRect/>
+              </a:stretch>
+            </p:blipFill>
+            <p:spPr>
+              <a:xfrm>
+                <a:off x="5903314" y="3204183"/>
+                <a:ext cx="36000" cy="455040"/>
+              </a:xfrm>
+              <a:prstGeom prst="rect">
+                <a:avLst/>
+              </a:prstGeom>
+            </p:spPr>
+          </p:pic>
+        </mc:Fallback>
+      </mc:AlternateContent>
+      <mc:AlternateContent xmlns:mc="http://schemas.openxmlformats.org/markup-compatibility/2006">
+        <mc:Choice xmlns:p14="http://schemas.microsoft.com/office/powerpoint/2010/main" Requires="p14">
+          <p:contentPart p14:bwMode="auto" r:id="rId4">
+            <p14:nvContentPartPr>
+              <p14:cNvPr id="12" name="Ink 11">
+                <a:extLst>
+                  <a:ext uri="{FF2B5EF4-FFF2-40B4-BE49-F238E27FC236}">
+                    <a16:creationId xmlns:a16="http://schemas.microsoft.com/office/drawing/2014/main" id="{3302AEE7-5076-64A5-B611-E19C163B2262}"/>
+                  </a:ext>
+                </a:extLst>
+              </p14:cNvPr>
+              <p14:cNvContentPartPr/>
+              <p14:nvPr/>
+            </p14:nvContentPartPr>
+            <p14:xfrm>
+              <a:off x="6514594" y="3236223"/>
+              <a:ext cx="74880" cy="492120"/>
+            </p14:xfrm>
+          </p:contentPart>
+        </mc:Choice>
+        <mc:Fallback>
+          <p:pic>
+            <p:nvPicPr>
+              <p:cNvPr id="12" name="Ink 11">
+                <a:extLst>
+                  <a:ext uri="{FF2B5EF4-FFF2-40B4-BE49-F238E27FC236}">
+                    <a16:creationId xmlns:a16="http://schemas.microsoft.com/office/drawing/2014/main" id="{3302AEE7-5076-64A5-B611-E19C163B2262}"/>
+                  </a:ext>
+                </a:extLst>
+              </p:cNvPr>
+              <p:cNvPicPr/>
+              <p:nvPr/>
+            </p:nvPicPr>
+            <p:blipFill>
+              <a:blip r:embed="rId5"/>
+              <a:stretch>
+                <a:fillRect/>
+              </a:stretch>
+            </p:blipFill>
+            <p:spPr>
+              <a:xfrm>
+                <a:off x="6496954" y="3218223"/>
+                <a:ext cx="110520" cy="527760"/>
+              </a:xfrm>
+              <a:prstGeom prst="rect">
+                <a:avLst/>
+              </a:prstGeom>
+            </p:spPr>
+          </p:pic>
+        </mc:Fallback>
+      </mc:AlternateContent>
+      <mc:AlternateContent xmlns:mc="http://schemas.openxmlformats.org/markup-compatibility/2006">
+        <mc:Choice xmlns:p14="http://schemas.microsoft.com/office/powerpoint/2010/main" Requires="p14">
+          <p:contentPart p14:bwMode="auto" r:id="rId6">
+            <p14:nvContentPartPr>
+              <p14:cNvPr id="13" name="Ink 12">
+                <a:extLst>
+                  <a:ext uri="{FF2B5EF4-FFF2-40B4-BE49-F238E27FC236}">
+                    <a16:creationId xmlns:a16="http://schemas.microsoft.com/office/drawing/2014/main" id="{9747D897-E7ED-91DB-D76A-A4B73B625138}"/>
+                  </a:ext>
+                </a:extLst>
+              </p14:cNvPr>
+              <p14:cNvContentPartPr/>
+              <p14:nvPr/>
+            </p14:nvContentPartPr>
+            <p14:xfrm>
+              <a:off x="7300474" y="3250983"/>
+              <a:ext cx="30600" cy="491760"/>
+            </p14:xfrm>
+          </p:contentPart>
+        </mc:Choice>
+        <mc:Fallback>
+          <p:pic>
+            <p:nvPicPr>
+              <p:cNvPr id="13" name="Ink 12">
+                <a:extLst>
+                  <a:ext uri="{FF2B5EF4-FFF2-40B4-BE49-F238E27FC236}">
+                    <a16:creationId xmlns:a16="http://schemas.microsoft.com/office/drawing/2014/main" id="{9747D897-E7ED-91DB-D76A-A4B73B625138}"/>
+                  </a:ext>
+                </a:extLst>
+              </p:cNvPr>
+              <p:cNvPicPr/>
+              <p:nvPr/>
+            </p:nvPicPr>
+            <p:blipFill>
+              <a:blip r:embed="rId7"/>
+              <a:stretch>
+                <a:fillRect/>
+              </a:stretch>
+            </p:blipFill>
+            <p:spPr>
+              <a:xfrm>
+                <a:off x="7282474" y="3233343"/>
+                <a:ext cx="66240" cy="527400"/>
+              </a:xfrm>
+              <a:prstGeom prst="rect">
+                <a:avLst/>
+              </a:prstGeom>
+            </p:spPr>
+          </p:pic>
+        </mc:Fallback>
+      </mc:AlternateContent>
+      <mc:AlternateContent xmlns:mc="http://schemas.openxmlformats.org/markup-compatibility/2006">
+        <mc:Choice xmlns:p14="http://schemas.microsoft.com/office/powerpoint/2010/main" Requires="p14">
+          <p:contentPart p14:bwMode="auto" r:id="rId8">
+            <p14:nvContentPartPr>
+              <p14:cNvPr id="14" name="Ink 13">
+                <a:extLst>
+                  <a:ext uri="{FF2B5EF4-FFF2-40B4-BE49-F238E27FC236}">
+                    <a16:creationId xmlns:a16="http://schemas.microsoft.com/office/drawing/2014/main" id="{B57EF9DA-6A10-18B9-BD2C-E127251CD133}"/>
+                  </a:ext>
+                </a:extLst>
+              </p14:cNvPr>
+              <p14:cNvContentPartPr/>
+              <p14:nvPr/>
+            </p14:nvContentPartPr>
+            <p14:xfrm>
+              <a:off x="8026234" y="3163863"/>
+              <a:ext cx="29160" cy="737640"/>
+            </p14:xfrm>
+          </p:contentPart>
+        </mc:Choice>
+        <mc:Fallback>
+          <p:pic>
+            <p:nvPicPr>
+              <p:cNvPr id="14" name="Ink 13">
+                <a:extLst>
+                  <a:ext uri="{FF2B5EF4-FFF2-40B4-BE49-F238E27FC236}">
+                    <a16:creationId xmlns:a16="http://schemas.microsoft.com/office/drawing/2014/main" id="{B57EF9DA-6A10-18B9-BD2C-E127251CD133}"/>
+                  </a:ext>
+                </a:extLst>
+              </p:cNvPr>
+              <p:cNvPicPr/>
+              <p:nvPr/>
+            </p:nvPicPr>
+            <p:blipFill>
+              <a:blip r:embed="rId9"/>
+              <a:stretch>
+                <a:fillRect/>
+              </a:stretch>
+            </p:blipFill>
+            <p:spPr>
+              <a:xfrm>
+                <a:off x="8008594" y="3145863"/>
+                <a:ext cx="64800" cy="773280"/>
+              </a:xfrm>
+              <a:prstGeom prst="rect">
+                <a:avLst/>
+              </a:prstGeom>
+            </p:spPr>
+          </p:pic>
+        </mc:Fallback>
+      </mc:AlternateContent>
+      <mc:AlternateContent xmlns:mc="http://schemas.openxmlformats.org/markup-compatibility/2006">
+        <mc:Choice xmlns:p14="http://schemas.microsoft.com/office/powerpoint/2010/main" Requires="p14">
+          <p:contentPart p14:bwMode="auto" r:id="rId10">
+            <p14:nvContentPartPr>
+              <p14:cNvPr id="15" name="Ink 14">
+                <a:extLst>
+                  <a:ext uri="{FF2B5EF4-FFF2-40B4-BE49-F238E27FC236}">
+                    <a16:creationId xmlns:a16="http://schemas.microsoft.com/office/drawing/2014/main" id="{353E1988-CD6A-D98D-AF39-196F9A72D83C}"/>
+                  </a:ext>
+                </a:extLst>
+              </p14:cNvPr>
+              <p14:cNvContentPartPr/>
+              <p14:nvPr/>
+            </p14:nvContentPartPr>
+            <p14:xfrm>
+              <a:off x="4869754" y="3048663"/>
+              <a:ext cx="123120" cy="665280"/>
+            </p14:xfrm>
+          </p:contentPart>
+        </mc:Choice>
+        <mc:Fallback>
+          <p:pic>
+            <p:nvPicPr>
+              <p:cNvPr id="15" name="Ink 14">
+                <a:extLst>
+                  <a:ext uri="{FF2B5EF4-FFF2-40B4-BE49-F238E27FC236}">
+                    <a16:creationId xmlns:a16="http://schemas.microsoft.com/office/drawing/2014/main" id="{353E1988-CD6A-D98D-AF39-196F9A72D83C}"/>
+                  </a:ext>
+                </a:extLst>
+              </p:cNvPr>
+              <p:cNvPicPr/>
+              <p:nvPr/>
+            </p:nvPicPr>
+            <p:blipFill>
+              <a:blip r:embed="rId11"/>
+              <a:stretch>
+                <a:fillRect/>
+              </a:stretch>
+            </p:blipFill>
+            <p:spPr>
+              <a:xfrm>
+                <a:off x="4852114" y="3030663"/>
+                <a:ext cx="158760" cy="700920"/>
+              </a:xfrm>
+              <a:prstGeom prst="rect">
+                <a:avLst/>
+              </a:prstGeom>
+            </p:spPr>
+          </p:pic>
+        </mc:Fallback>
+      </mc:AlternateContent>
+      <mc:AlternateContent xmlns:mc="http://schemas.openxmlformats.org/markup-compatibility/2006">
+        <mc:Choice xmlns:p14="http://schemas.microsoft.com/office/powerpoint/2010/main" Requires="p14">
+          <p:contentPart p14:bwMode="auto" r:id="rId12">
+            <p14:nvContentPartPr>
+              <p14:cNvPr id="16" name="Ink 15">
+                <a:extLst>
+                  <a:ext uri="{FF2B5EF4-FFF2-40B4-BE49-F238E27FC236}">
+                    <a16:creationId xmlns:a16="http://schemas.microsoft.com/office/drawing/2014/main" id="{5B698BD2-7BCF-33A2-5A87-2B5906A079AD}"/>
+                  </a:ext>
+                </a:extLst>
+              </p14:cNvPr>
+              <p14:cNvContentPartPr/>
+              <p14:nvPr/>
+            </p14:nvContentPartPr>
+            <p14:xfrm>
+              <a:off x="4367194" y="3119943"/>
+              <a:ext cx="18000" cy="588960"/>
+            </p14:xfrm>
+          </p:contentPart>
+        </mc:Choice>
+        <mc:Fallback>
+          <p:pic>
+            <p:nvPicPr>
+              <p:cNvPr id="16" name="Ink 15">
+                <a:extLst>
+                  <a:ext uri="{FF2B5EF4-FFF2-40B4-BE49-F238E27FC236}">
+                    <a16:creationId xmlns:a16="http://schemas.microsoft.com/office/drawing/2014/main" id="{5B698BD2-7BCF-33A2-5A87-2B5906A079AD}"/>
+                  </a:ext>
+                </a:extLst>
+              </p:cNvPr>
+              <p:cNvPicPr/>
+              <p:nvPr/>
+            </p:nvPicPr>
+            <p:blipFill>
+              <a:blip r:embed="rId13"/>
+              <a:stretch>
+                <a:fillRect/>
+              </a:stretch>
+            </p:blipFill>
+            <p:spPr>
+              <a:xfrm>
+                <a:off x="4349194" y="3101943"/>
+                <a:ext cx="53640" cy="624600"/>
+              </a:xfrm>
+              <a:prstGeom prst="rect">
+                <a:avLst/>
+              </a:prstGeom>
+            </p:spPr>
+          </p:pic>
+        </mc:Fallback>
+      </mc:AlternateContent>
+      <mc:AlternateContent xmlns:mc="http://schemas.openxmlformats.org/markup-compatibility/2006">
+        <mc:Choice xmlns:p14="http://schemas.microsoft.com/office/powerpoint/2010/main" Requires="p14">
+          <p:contentPart p14:bwMode="auto" r:id="rId14">
+            <p14:nvContentPartPr>
+              <p14:cNvPr id="17" name="Ink 16">
+                <a:extLst>
+                  <a:ext uri="{FF2B5EF4-FFF2-40B4-BE49-F238E27FC236}">
+                    <a16:creationId xmlns:a16="http://schemas.microsoft.com/office/drawing/2014/main" id="{4D1B94B0-5BE4-5A30-BC9E-5EC1C1EACBBD}"/>
+                  </a:ext>
+                </a:extLst>
+              </p14:cNvPr>
+              <p14:cNvContentPartPr/>
+              <p14:nvPr/>
+            </p14:nvContentPartPr>
+            <p14:xfrm>
+              <a:off x="3832594" y="3119943"/>
+              <a:ext cx="13680" cy="623160"/>
+            </p14:xfrm>
+          </p:contentPart>
+        </mc:Choice>
+        <mc:Fallback>
+          <p:pic>
+            <p:nvPicPr>
+              <p:cNvPr id="17" name="Ink 16">
+                <a:extLst>
+                  <a:ext uri="{FF2B5EF4-FFF2-40B4-BE49-F238E27FC236}">
+                    <a16:creationId xmlns:a16="http://schemas.microsoft.com/office/drawing/2014/main" id="{4D1B94B0-5BE4-5A30-BC9E-5EC1C1EACBBD}"/>
+                  </a:ext>
+                </a:extLst>
+              </p:cNvPr>
+              <p:cNvPicPr/>
+              <p:nvPr/>
+            </p:nvPicPr>
+            <p:blipFill>
+              <a:blip r:embed="rId15"/>
+              <a:stretch>
+                <a:fillRect/>
+              </a:stretch>
+            </p:blipFill>
+            <p:spPr>
+              <a:xfrm>
+                <a:off x="3814594" y="3101943"/>
+                <a:ext cx="49320" cy="658800"/>
+              </a:xfrm>
+              <a:prstGeom prst="rect">
+                <a:avLst/>
+              </a:prstGeom>
+            </p:spPr>
+          </p:pic>
+        </mc:Fallback>
+      </mc:AlternateContent>
+      <mc:AlternateContent xmlns:mc="http://schemas.openxmlformats.org/markup-compatibility/2006">
+        <mc:Choice xmlns:p14="http://schemas.microsoft.com/office/powerpoint/2010/main" Requires="p14">
+          <p:contentPart p14:bwMode="auto" r:id="rId16">
+            <p14:nvContentPartPr>
+              <p14:cNvPr id="18" name="Ink 17">
+                <a:extLst>
+                  <a:ext uri="{FF2B5EF4-FFF2-40B4-BE49-F238E27FC236}">
+                    <a16:creationId xmlns:a16="http://schemas.microsoft.com/office/drawing/2014/main" id="{05F4BFB5-EF36-8F16-FC5D-8AC12522B959}"/>
+                  </a:ext>
+                </a:extLst>
+              </p14:cNvPr>
+              <p14:cNvContentPartPr/>
+              <p14:nvPr/>
+            </p14:nvContentPartPr>
+            <p14:xfrm>
+              <a:off x="3228154" y="3105543"/>
+              <a:ext cx="182880" cy="828000"/>
+            </p14:xfrm>
+          </p:contentPart>
+        </mc:Choice>
+        <mc:Fallback>
+          <p:pic>
+            <p:nvPicPr>
+              <p:cNvPr id="18" name="Ink 17">
+                <a:extLst>
+                  <a:ext uri="{FF2B5EF4-FFF2-40B4-BE49-F238E27FC236}">
+                    <a16:creationId xmlns:a16="http://schemas.microsoft.com/office/drawing/2014/main" id="{05F4BFB5-EF36-8F16-FC5D-8AC12522B959}"/>
+                  </a:ext>
+                </a:extLst>
+              </p:cNvPr>
+              <p:cNvPicPr/>
+              <p:nvPr/>
+            </p:nvPicPr>
+            <p:blipFill>
+              <a:blip r:embed="rId17"/>
+              <a:stretch>
+                <a:fillRect/>
+              </a:stretch>
+            </p:blipFill>
+            <p:spPr>
+              <a:xfrm>
+                <a:off x="3210514" y="3087903"/>
+                <a:ext cx="218520" cy="863640"/>
+              </a:xfrm>
+              <a:prstGeom prst="rect">
+                <a:avLst/>
+              </a:prstGeom>
+            </p:spPr>
+          </p:pic>
+        </mc:Fallback>
+      </mc:AlternateContent>
+      <mc:AlternateContent xmlns:mc="http://schemas.openxmlformats.org/markup-compatibility/2006">
+        <mc:Choice xmlns:p14="http://schemas.microsoft.com/office/powerpoint/2010/main" xmlns:aink="http://schemas.microsoft.com/office/drawing/2016/ink" Requires="p14 aink">
+          <p:contentPart p14:bwMode="auto" r:id="rId18">
+            <p14:nvContentPartPr>
+              <p14:cNvPr id="19" name="Ink 18">
+                <a:extLst>
+                  <a:ext uri="{FF2B5EF4-FFF2-40B4-BE49-F238E27FC236}">
+                    <a16:creationId xmlns:a16="http://schemas.microsoft.com/office/drawing/2014/main" id="{141D46F1-1369-5F84-761B-551BC963393F}"/>
+                  </a:ext>
+                </a:extLst>
+              </p14:cNvPr>
+              <p14:cNvContentPartPr/>
+              <p14:nvPr/>
+            </p14:nvContentPartPr>
+            <p14:xfrm>
+              <a:off x="5892154" y="2626743"/>
+              <a:ext cx="360" cy="303480"/>
+            </p14:xfrm>
+          </p:contentPart>
+        </mc:Choice>
+        <mc:Fallback>
+          <p:pic>
+            <p:nvPicPr>
+              <p:cNvPr id="19" name="Ink 18">
+                <a:extLst>
+                  <a:ext uri="{FF2B5EF4-FFF2-40B4-BE49-F238E27FC236}">
+                    <a16:creationId xmlns:a16="http://schemas.microsoft.com/office/drawing/2014/main" id="{141D46F1-1369-5F84-761B-551BC963393F}"/>
+                  </a:ext>
+                </a:extLst>
+              </p:cNvPr>
+              <p:cNvPicPr/>
+              <p:nvPr/>
+            </p:nvPicPr>
+            <p:blipFill>
+              <a:blip r:embed="rId19"/>
+              <a:stretch>
+                <a:fillRect/>
+              </a:stretch>
+            </p:blipFill>
+            <p:spPr>
+              <a:xfrm>
+                <a:off x="5874514" y="2518743"/>
+                <a:ext cx="36000" cy="519120"/>
+              </a:xfrm>
+              <a:prstGeom prst="rect">
+                <a:avLst/>
+              </a:prstGeom>
+            </p:spPr>
+          </p:pic>
+        </mc:Fallback>
+      </mc:AlternateContent>
+      <p:grpSp>
+        <p:nvGrpSpPr>
+          <p:cNvPr id="23" name="Group 22">
+            <a:extLst>
+              <a:ext uri="{FF2B5EF4-FFF2-40B4-BE49-F238E27FC236}">
+                <a16:creationId xmlns:a16="http://schemas.microsoft.com/office/drawing/2014/main" id="{4A3DF568-FDF5-E754-571E-C540956C2BED}"/>
+              </a:ext>
+            </a:extLst>
+          </p:cNvPr>
+          <p:cNvGrpSpPr/>
+          <p:nvPr/>
+        </p:nvGrpSpPr>
+        <p:grpSpPr>
+          <a:xfrm>
+            <a:off x="6444034" y="2509023"/>
+            <a:ext cx="1207080" cy="671040"/>
+            <a:chOff x="6444034" y="2509023"/>
+            <a:chExt cx="1207080" cy="671040"/>
+          </a:xfrm>
+        </p:grpSpPr>
+        <mc:AlternateContent xmlns:mc="http://schemas.openxmlformats.org/markup-compatibility/2006">
+          <mc:Choice xmlns:p14="http://schemas.microsoft.com/office/powerpoint/2010/main" xmlns:aink="http://schemas.microsoft.com/office/drawing/2016/ink" Requires="p14 aink">
+            <p:contentPart p14:bwMode="auto" r:id="rId20">
+              <p14:nvContentPartPr>
+                <p14:cNvPr id="20" name="Ink 19">
+                  <a:extLst>
+                    <a:ext uri="{FF2B5EF4-FFF2-40B4-BE49-F238E27FC236}">
+                      <a16:creationId xmlns:a16="http://schemas.microsoft.com/office/drawing/2014/main" id="{C840A518-4676-D176-0331-7C7784DFBD10}"/>
+                    </a:ext>
+                  </a:extLst>
+                </p14:cNvPr>
+                <p14:cNvContentPartPr/>
+                <p14:nvPr/>
+              </p14:nvContentPartPr>
+              <p14:xfrm>
+                <a:off x="6444034" y="2539623"/>
+                <a:ext cx="477360" cy="509040"/>
+              </p14:xfrm>
+            </p:contentPart>
+          </mc:Choice>
+          <mc:Fallback>
+            <p:pic>
+              <p:nvPicPr>
+                <p:cNvPr id="20" name="Ink 19">
+                  <a:extLst>
+                    <a:ext uri="{FF2B5EF4-FFF2-40B4-BE49-F238E27FC236}">
+                      <a16:creationId xmlns:a16="http://schemas.microsoft.com/office/drawing/2014/main" id="{C840A518-4676-D176-0331-7C7784DFBD10}"/>
+                    </a:ext>
+                  </a:extLst>
+                </p:cNvPr>
+                <p:cNvPicPr/>
+                <p:nvPr/>
+              </p:nvPicPr>
+              <p:blipFill>
+                <a:blip r:embed="rId21"/>
+                <a:stretch>
+                  <a:fillRect/>
+                </a:stretch>
+              </p:blipFill>
+              <p:spPr>
+                <a:xfrm>
+                  <a:off x="6426034" y="2431623"/>
+                  <a:ext cx="513000" cy="724680"/>
+                </a:xfrm>
+                <a:prstGeom prst="rect">
+                  <a:avLst/>
+                </a:prstGeom>
+              </p:spPr>
+            </p:pic>
+          </mc:Fallback>
+        </mc:AlternateContent>
+        <mc:AlternateContent xmlns:mc="http://schemas.openxmlformats.org/markup-compatibility/2006">
+          <mc:Choice xmlns:p14="http://schemas.microsoft.com/office/powerpoint/2010/main" xmlns:aink="http://schemas.microsoft.com/office/drawing/2016/ink" Requires="p14 aink">
+            <p:contentPart p14:bwMode="auto" r:id="rId22">
+              <p14:nvContentPartPr>
+                <p14:cNvPr id="21" name="Ink 20">
+                  <a:extLst>
+                    <a:ext uri="{FF2B5EF4-FFF2-40B4-BE49-F238E27FC236}">
+                      <a16:creationId xmlns:a16="http://schemas.microsoft.com/office/drawing/2014/main" id="{51322E29-F000-A513-12A7-18DC74FF169B}"/>
+                    </a:ext>
+                  </a:extLst>
+                </p14:cNvPr>
+                <p14:cNvContentPartPr/>
+                <p14:nvPr/>
+              </p14:nvContentPartPr>
+              <p14:xfrm>
+                <a:off x="7212994" y="2509023"/>
+                <a:ext cx="438120" cy="671040"/>
+              </p14:xfrm>
+            </p:contentPart>
+          </mc:Choice>
+          <mc:Fallback>
+            <p:pic>
+              <p:nvPicPr>
+                <p:cNvPr id="21" name="Ink 20">
+                  <a:extLst>
+                    <a:ext uri="{FF2B5EF4-FFF2-40B4-BE49-F238E27FC236}">
+                      <a16:creationId xmlns:a16="http://schemas.microsoft.com/office/drawing/2014/main" id="{51322E29-F000-A513-12A7-18DC74FF169B}"/>
+                    </a:ext>
+                  </a:extLst>
+                </p:cNvPr>
+                <p:cNvPicPr/>
+                <p:nvPr/>
+              </p:nvPicPr>
+              <p:blipFill>
+                <a:blip r:embed="rId23"/>
+                <a:stretch>
+                  <a:fillRect/>
+                </a:stretch>
+              </p:blipFill>
+              <p:spPr>
+                <a:xfrm>
+                  <a:off x="7195354" y="2401023"/>
+                  <a:ext cx="473760" cy="886680"/>
+                </a:xfrm>
+                <a:prstGeom prst="rect">
+                  <a:avLst/>
+                </a:prstGeom>
+              </p:spPr>
+            </p:pic>
+          </mc:Fallback>
+        </mc:AlternateContent>
+      </p:grpSp>
+      <mc:AlternateContent xmlns:mc="http://schemas.openxmlformats.org/markup-compatibility/2006">
+        <mc:Choice xmlns:p14="http://schemas.microsoft.com/office/powerpoint/2010/main" xmlns:aink="http://schemas.microsoft.com/office/drawing/2016/ink" Requires="p14 aink">
+          <p:contentPart p14:bwMode="auto" r:id="rId24">
+            <p14:nvContentPartPr>
+              <p14:cNvPr id="22" name="Ink 21">
+                <a:extLst>
+                  <a:ext uri="{FF2B5EF4-FFF2-40B4-BE49-F238E27FC236}">
+                    <a16:creationId xmlns:a16="http://schemas.microsoft.com/office/drawing/2014/main" id="{927B91E6-4496-3B7F-E61B-CEA5B2B4AF1D}"/>
+                  </a:ext>
+                </a:extLst>
+              </p14:cNvPr>
+              <p14:cNvContentPartPr/>
+              <p14:nvPr/>
+            </p14:nvContentPartPr>
+            <p14:xfrm>
+              <a:off x="8084194" y="2481303"/>
+              <a:ext cx="363960" cy="616320"/>
+            </p14:xfrm>
+          </p:contentPart>
+        </mc:Choice>
+        <mc:Fallback>
+          <p:pic>
+            <p:nvPicPr>
+              <p:cNvPr id="22" name="Ink 21">
+                <a:extLst>
+                  <a:ext uri="{FF2B5EF4-FFF2-40B4-BE49-F238E27FC236}">
+                    <a16:creationId xmlns:a16="http://schemas.microsoft.com/office/drawing/2014/main" id="{927B91E6-4496-3B7F-E61B-CEA5B2B4AF1D}"/>
+                  </a:ext>
+                </a:extLst>
+              </p:cNvPr>
+              <p:cNvPicPr/>
+              <p:nvPr/>
+            </p:nvPicPr>
+            <p:blipFill>
+              <a:blip r:embed="rId25"/>
+              <a:stretch>
+                <a:fillRect/>
+              </a:stretch>
+            </p:blipFill>
+            <p:spPr>
+              <a:xfrm>
+                <a:off x="8066554" y="2373663"/>
+                <a:ext cx="399600" cy="831960"/>
+              </a:xfrm>
+              <a:prstGeom prst="rect">
+                <a:avLst/>
+              </a:prstGeom>
+            </p:spPr>
+          </p:pic>
+        </mc:Fallback>
+      </mc:AlternateContent>
+      <p:grpSp>
+        <p:nvGrpSpPr>
+          <p:cNvPr id="31" name="Group 30">
+            <a:extLst>
+              <a:ext uri="{FF2B5EF4-FFF2-40B4-BE49-F238E27FC236}">
+                <a16:creationId xmlns:a16="http://schemas.microsoft.com/office/drawing/2014/main" id="{21DC8822-53E9-59E8-4A3C-55DAC9898CC1}"/>
+              </a:ext>
+            </a:extLst>
+          </p:cNvPr>
+          <p:cNvGrpSpPr/>
+          <p:nvPr/>
+        </p:nvGrpSpPr>
+        <p:grpSpPr>
+          <a:xfrm>
+            <a:off x="3598954" y="2481303"/>
+            <a:ext cx="1567800" cy="482400"/>
+            <a:chOff x="3598954" y="2481303"/>
+            <a:chExt cx="1567800" cy="482400"/>
+          </a:xfrm>
+        </p:grpSpPr>
+        <mc:AlternateContent xmlns:mc="http://schemas.openxmlformats.org/markup-compatibility/2006">
+          <mc:Choice xmlns:p14="http://schemas.microsoft.com/office/powerpoint/2010/main" xmlns:aink="http://schemas.microsoft.com/office/drawing/2016/ink" Requires="p14 aink">
+            <p:contentPart p14:bwMode="auto" r:id="rId26">
+              <p14:nvContentPartPr>
+                <p14:cNvPr id="24" name="Ink 23">
+                  <a:extLst>
+                    <a:ext uri="{FF2B5EF4-FFF2-40B4-BE49-F238E27FC236}">
+                      <a16:creationId xmlns:a16="http://schemas.microsoft.com/office/drawing/2014/main" id="{DA702EAF-C12B-1732-5440-217C524E1CF1}"/>
+                    </a:ext>
+                  </a:extLst>
+                </p14:cNvPr>
+                <p14:cNvContentPartPr/>
+                <p14:nvPr/>
+              </p14:nvContentPartPr>
+              <p14:xfrm>
+                <a:off x="4731514" y="2698383"/>
+                <a:ext cx="209160" cy="38520"/>
+              </p14:xfrm>
+            </p:contentPart>
+          </mc:Choice>
+          <mc:Fallback>
+            <p:pic>
+              <p:nvPicPr>
+                <p:cNvPr id="24" name="Ink 23">
+                  <a:extLst>
+                    <a:ext uri="{FF2B5EF4-FFF2-40B4-BE49-F238E27FC236}">
+                      <a16:creationId xmlns:a16="http://schemas.microsoft.com/office/drawing/2014/main" id="{DA702EAF-C12B-1732-5440-217C524E1CF1}"/>
+                    </a:ext>
+                  </a:extLst>
+                </p:cNvPr>
+                <p:cNvPicPr/>
+                <p:nvPr/>
+              </p:nvPicPr>
+              <p:blipFill>
+                <a:blip r:embed="rId27"/>
+                <a:stretch>
+                  <a:fillRect/>
+                </a:stretch>
+              </p:blipFill>
+              <p:spPr>
+                <a:xfrm>
+                  <a:off x="4713514" y="2590743"/>
+                  <a:ext cx="244800" cy="254160"/>
+                </a:xfrm>
+                <a:prstGeom prst="rect">
+                  <a:avLst/>
+                </a:prstGeom>
+              </p:spPr>
+            </p:pic>
+          </mc:Fallback>
+        </mc:AlternateContent>
+        <mc:AlternateContent xmlns:mc="http://schemas.openxmlformats.org/markup-compatibility/2006">
+          <mc:Choice xmlns:p14="http://schemas.microsoft.com/office/powerpoint/2010/main" xmlns:aink="http://schemas.microsoft.com/office/drawing/2016/ink" Requires="p14 aink">
+            <p:contentPart p14:bwMode="auto" r:id="rId28">
+              <p14:nvContentPartPr>
+                <p14:cNvPr id="25" name="Ink 24">
+                  <a:extLst>
+                    <a:ext uri="{FF2B5EF4-FFF2-40B4-BE49-F238E27FC236}">
+                      <a16:creationId xmlns:a16="http://schemas.microsoft.com/office/drawing/2014/main" id="{D0AE34CD-8F92-D43C-EE10-9AA1AF4AF06E}"/>
+                    </a:ext>
+                  </a:extLst>
+                </p14:cNvPr>
+                <p14:cNvContentPartPr/>
+                <p14:nvPr/>
+              </p14:nvContentPartPr>
+              <p14:xfrm>
+                <a:off x="5151634" y="2481303"/>
+                <a:ext cx="15120" cy="376200"/>
+              </p14:xfrm>
+            </p:contentPart>
+          </mc:Choice>
+          <mc:Fallback>
+            <p:pic>
+              <p:nvPicPr>
+                <p:cNvPr id="25" name="Ink 24">
+                  <a:extLst>
+                    <a:ext uri="{FF2B5EF4-FFF2-40B4-BE49-F238E27FC236}">
+                      <a16:creationId xmlns:a16="http://schemas.microsoft.com/office/drawing/2014/main" id="{D0AE34CD-8F92-D43C-EE10-9AA1AF4AF06E}"/>
+                    </a:ext>
+                  </a:extLst>
+                </p:cNvPr>
+                <p:cNvPicPr/>
+                <p:nvPr/>
+              </p:nvPicPr>
+              <p:blipFill>
+                <a:blip r:embed="rId29"/>
+                <a:stretch>
+                  <a:fillRect/>
+                </a:stretch>
+              </p:blipFill>
+              <p:spPr>
+                <a:xfrm>
+                  <a:off x="5133634" y="2373663"/>
+                  <a:ext cx="50760" cy="591840"/>
+                </a:xfrm>
+                <a:prstGeom prst="rect">
+                  <a:avLst/>
+                </a:prstGeom>
+              </p:spPr>
+            </p:pic>
+          </mc:Fallback>
+        </mc:AlternateContent>
+        <mc:AlternateContent xmlns:mc="http://schemas.openxmlformats.org/markup-compatibility/2006">
+          <mc:Choice xmlns:p14="http://schemas.microsoft.com/office/powerpoint/2010/main" xmlns:aink="http://schemas.microsoft.com/office/drawing/2016/ink" Requires="p14 aink">
+            <p:contentPart p14:bwMode="auto" r:id="rId30">
+              <p14:nvContentPartPr>
+                <p14:cNvPr id="26" name="Ink 25">
+                  <a:extLst>
+                    <a:ext uri="{FF2B5EF4-FFF2-40B4-BE49-F238E27FC236}">
+                      <a16:creationId xmlns:a16="http://schemas.microsoft.com/office/drawing/2014/main" id="{92255404-967B-CCD4-29CA-02026657B671}"/>
+                    </a:ext>
+                  </a:extLst>
+                </p14:cNvPr>
+                <p14:cNvContentPartPr/>
+                <p14:nvPr/>
+              </p14:nvContentPartPr>
+              <p14:xfrm>
+                <a:off x="4107274" y="2743023"/>
+                <a:ext cx="233640" cy="38880"/>
+              </p14:xfrm>
+            </p:contentPart>
+          </mc:Choice>
+          <mc:Fallback>
+            <p:pic>
+              <p:nvPicPr>
+                <p:cNvPr id="26" name="Ink 25">
+                  <a:extLst>
+                    <a:ext uri="{FF2B5EF4-FFF2-40B4-BE49-F238E27FC236}">
+                      <a16:creationId xmlns:a16="http://schemas.microsoft.com/office/drawing/2014/main" id="{92255404-967B-CCD4-29CA-02026657B671}"/>
+                    </a:ext>
+                  </a:extLst>
+                </p:cNvPr>
+                <p:cNvPicPr/>
+                <p:nvPr/>
+              </p:nvPicPr>
+              <p:blipFill>
+                <a:blip r:embed="rId31"/>
+                <a:stretch>
+                  <a:fillRect/>
+                </a:stretch>
+              </p:blipFill>
+              <p:spPr>
+                <a:xfrm>
+                  <a:off x="4089274" y="2635023"/>
+                  <a:ext cx="269280" cy="254520"/>
+                </a:xfrm>
+                <a:prstGeom prst="rect">
+                  <a:avLst/>
+                </a:prstGeom>
+              </p:spPr>
+            </p:pic>
+          </mc:Fallback>
+        </mc:AlternateContent>
+        <mc:AlternateContent xmlns:mc="http://schemas.openxmlformats.org/markup-compatibility/2006">
+          <mc:Choice xmlns:p14="http://schemas.microsoft.com/office/powerpoint/2010/main" xmlns:aink="http://schemas.microsoft.com/office/drawing/2016/ink" Requires="p14 aink">
+            <p:contentPart p14:bwMode="auto" r:id="rId32">
+              <p14:nvContentPartPr>
+                <p14:cNvPr id="27" name="Ink 26">
+                  <a:extLst>
+                    <a:ext uri="{FF2B5EF4-FFF2-40B4-BE49-F238E27FC236}">
+                      <a16:creationId xmlns:a16="http://schemas.microsoft.com/office/drawing/2014/main" id="{33939F09-3F68-5AA3-DF76-E174F226BF28}"/>
+                    </a:ext>
+                  </a:extLst>
+                </p14:cNvPr>
+                <p14:cNvContentPartPr/>
+                <p14:nvPr/>
+              </p14:nvContentPartPr>
+              <p14:xfrm>
+                <a:off x="4452154" y="2496063"/>
+                <a:ext cx="205560" cy="422280"/>
+              </p14:xfrm>
+            </p:contentPart>
+          </mc:Choice>
+          <mc:Fallback>
+            <p:pic>
+              <p:nvPicPr>
+                <p:cNvPr id="27" name="Ink 26">
+                  <a:extLst>
+                    <a:ext uri="{FF2B5EF4-FFF2-40B4-BE49-F238E27FC236}">
+                      <a16:creationId xmlns:a16="http://schemas.microsoft.com/office/drawing/2014/main" id="{33939F09-3F68-5AA3-DF76-E174F226BF28}"/>
+                    </a:ext>
+                  </a:extLst>
+                </p:cNvPr>
+                <p:cNvPicPr/>
+                <p:nvPr/>
+              </p:nvPicPr>
+              <p:blipFill>
+                <a:blip r:embed="rId33"/>
+                <a:stretch>
+                  <a:fillRect/>
+                </a:stretch>
+              </p:blipFill>
+              <p:spPr>
+                <a:xfrm>
+                  <a:off x="4434514" y="2388423"/>
+                  <a:ext cx="241200" cy="637920"/>
+                </a:xfrm>
+                <a:prstGeom prst="rect">
+                  <a:avLst/>
+                </a:prstGeom>
+              </p:spPr>
+            </p:pic>
+          </mc:Fallback>
+        </mc:AlternateContent>
+        <mc:AlternateContent xmlns:mc="http://schemas.openxmlformats.org/markup-compatibility/2006">
+          <mc:Choice xmlns:p14="http://schemas.microsoft.com/office/powerpoint/2010/main" xmlns:aink="http://schemas.microsoft.com/office/drawing/2016/ink" Requires="p14 aink">
+            <p:contentPart p14:bwMode="auto" r:id="rId34">
+              <p14:nvContentPartPr>
+                <p14:cNvPr id="29" name="Ink 28">
+                  <a:extLst>
+                    <a:ext uri="{FF2B5EF4-FFF2-40B4-BE49-F238E27FC236}">
+                      <a16:creationId xmlns:a16="http://schemas.microsoft.com/office/drawing/2014/main" id="{1509F905-CAA5-6B1C-0466-610DCC7E4BBB}"/>
+                    </a:ext>
+                  </a:extLst>
+                </p14:cNvPr>
+                <p14:cNvContentPartPr/>
+                <p14:nvPr/>
+              </p14:nvContentPartPr>
+              <p14:xfrm>
+                <a:off x="3598954" y="2713503"/>
+                <a:ext cx="172800" cy="15480"/>
+              </p14:xfrm>
+            </p:contentPart>
+          </mc:Choice>
+          <mc:Fallback>
+            <p:pic>
+              <p:nvPicPr>
+                <p:cNvPr id="29" name="Ink 28">
+                  <a:extLst>
+                    <a:ext uri="{FF2B5EF4-FFF2-40B4-BE49-F238E27FC236}">
+                      <a16:creationId xmlns:a16="http://schemas.microsoft.com/office/drawing/2014/main" id="{1509F905-CAA5-6B1C-0466-610DCC7E4BBB}"/>
+                    </a:ext>
+                  </a:extLst>
+                </p:cNvPr>
+                <p:cNvPicPr/>
+                <p:nvPr/>
+              </p:nvPicPr>
+              <p:blipFill>
+                <a:blip r:embed="rId35"/>
+                <a:stretch>
+                  <a:fillRect/>
+                </a:stretch>
+              </p:blipFill>
+              <p:spPr>
+                <a:xfrm>
+                  <a:off x="3581314" y="2605503"/>
+                  <a:ext cx="208440" cy="231120"/>
+                </a:xfrm>
+                <a:prstGeom prst="rect">
+                  <a:avLst/>
+                </a:prstGeom>
+              </p:spPr>
+            </p:pic>
+          </mc:Fallback>
+        </mc:AlternateContent>
+        <mc:AlternateContent xmlns:mc="http://schemas.openxmlformats.org/markup-compatibility/2006">
+          <mc:Choice xmlns:p14="http://schemas.microsoft.com/office/powerpoint/2010/main" xmlns:aink="http://schemas.microsoft.com/office/drawing/2016/ink" Requires="p14 aink">
+            <p:contentPart p14:bwMode="auto" r:id="rId36">
+              <p14:nvContentPartPr>
+                <p14:cNvPr id="30" name="Ink 29">
+                  <a:extLst>
+                    <a:ext uri="{FF2B5EF4-FFF2-40B4-BE49-F238E27FC236}">
+                      <a16:creationId xmlns:a16="http://schemas.microsoft.com/office/drawing/2014/main" id="{BC2E0E3C-6240-62F2-80C5-9E4CA590D3D0}"/>
+                    </a:ext>
+                  </a:extLst>
+                </p14:cNvPr>
+                <p14:cNvContentPartPr/>
+                <p14:nvPr/>
+              </p14:nvContentPartPr>
+              <p14:xfrm>
+                <a:off x="3729634" y="2481303"/>
+                <a:ext cx="213840" cy="482400"/>
+              </p14:xfrm>
+            </p:contentPart>
+          </mc:Choice>
+          <mc:Fallback>
+            <p:pic>
+              <p:nvPicPr>
+                <p:cNvPr id="30" name="Ink 29">
+                  <a:extLst>
+                    <a:ext uri="{FF2B5EF4-FFF2-40B4-BE49-F238E27FC236}">
+                      <a16:creationId xmlns:a16="http://schemas.microsoft.com/office/drawing/2014/main" id="{BC2E0E3C-6240-62F2-80C5-9E4CA590D3D0}"/>
+                    </a:ext>
+                  </a:extLst>
+                </p:cNvPr>
+                <p:cNvPicPr/>
+                <p:nvPr/>
+              </p:nvPicPr>
+              <p:blipFill>
+                <a:blip r:embed="rId37"/>
+                <a:stretch>
+                  <a:fillRect/>
+                </a:stretch>
+              </p:blipFill>
+              <p:spPr>
+                <a:xfrm>
+                  <a:off x="3711994" y="2373663"/>
+                  <a:ext cx="249480" cy="698040"/>
+                </a:xfrm>
+                <a:prstGeom prst="rect">
+                  <a:avLst/>
+                </a:prstGeom>
+              </p:spPr>
+            </p:pic>
+          </mc:Fallback>
+        </mc:AlternateContent>
+      </p:grpSp>
+      <p:grpSp>
+        <p:nvGrpSpPr>
+          <p:cNvPr id="34" name="Group 33">
+            <a:extLst>
+              <a:ext uri="{FF2B5EF4-FFF2-40B4-BE49-F238E27FC236}">
+                <a16:creationId xmlns:a16="http://schemas.microsoft.com/office/drawing/2014/main" id="{973B88E2-42AF-3807-61AA-E5DAA1E69E99}"/>
+              </a:ext>
+            </a:extLst>
+          </p:cNvPr>
+          <p:cNvGrpSpPr/>
+          <p:nvPr/>
+        </p:nvGrpSpPr>
+        <p:grpSpPr>
+          <a:xfrm>
+            <a:off x="2888314" y="2423343"/>
+            <a:ext cx="512640" cy="621720"/>
+            <a:chOff x="2888314" y="2423343"/>
+            <a:chExt cx="512640" cy="621720"/>
+          </a:xfrm>
+        </p:grpSpPr>
+        <mc:AlternateContent xmlns:mc="http://schemas.openxmlformats.org/markup-compatibility/2006">
+          <mc:Choice xmlns:p14="http://schemas.microsoft.com/office/powerpoint/2010/main" xmlns:aink="http://schemas.microsoft.com/office/drawing/2016/ink" Requires="p14 aink">
+            <p:contentPart p14:bwMode="auto" r:id="rId38">
+              <p14:nvContentPartPr>
+                <p14:cNvPr id="32" name="Ink 31">
+                  <a:extLst>
+                    <a:ext uri="{FF2B5EF4-FFF2-40B4-BE49-F238E27FC236}">
+                      <a16:creationId xmlns:a16="http://schemas.microsoft.com/office/drawing/2014/main" id="{D2B4D9B4-408A-BB0B-DEA3-3817FB691E54}"/>
+                    </a:ext>
+                  </a:extLst>
+                </p14:cNvPr>
+                <p14:cNvContentPartPr/>
+                <p14:nvPr/>
+              </p14:nvContentPartPr>
+              <p14:xfrm>
+                <a:off x="2888314" y="2684703"/>
+                <a:ext cx="214560" cy="29880"/>
+              </p14:xfrm>
+            </p:contentPart>
+          </mc:Choice>
+          <mc:Fallback>
+            <p:pic>
+              <p:nvPicPr>
+                <p:cNvPr id="32" name="Ink 31">
+                  <a:extLst>
+                    <a:ext uri="{FF2B5EF4-FFF2-40B4-BE49-F238E27FC236}">
+                      <a16:creationId xmlns:a16="http://schemas.microsoft.com/office/drawing/2014/main" id="{D2B4D9B4-408A-BB0B-DEA3-3817FB691E54}"/>
+                    </a:ext>
+                  </a:extLst>
+                </p:cNvPr>
+                <p:cNvPicPr/>
+                <p:nvPr/>
+              </p:nvPicPr>
+              <p:blipFill>
+                <a:blip r:embed="rId39"/>
+                <a:stretch>
+                  <a:fillRect/>
+                </a:stretch>
+              </p:blipFill>
+              <p:spPr>
+                <a:xfrm>
+                  <a:off x="2870314" y="2577063"/>
+                  <a:ext cx="250200" cy="245520"/>
+                </a:xfrm>
+                <a:prstGeom prst="rect">
+                  <a:avLst/>
+                </a:prstGeom>
+              </p:spPr>
+            </p:pic>
+          </mc:Fallback>
+        </mc:AlternateContent>
+        <mc:AlternateContent xmlns:mc="http://schemas.openxmlformats.org/markup-compatibility/2006">
+          <mc:Choice xmlns:p14="http://schemas.microsoft.com/office/powerpoint/2010/main" xmlns:aink="http://schemas.microsoft.com/office/drawing/2016/ink" Requires="p14 aink">
+            <p:contentPart p14:bwMode="auto" r:id="rId40">
+              <p14:nvContentPartPr>
+                <p14:cNvPr id="33" name="Ink 32">
+                  <a:extLst>
+                    <a:ext uri="{FF2B5EF4-FFF2-40B4-BE49-F238E27FC236}">
+                      <a16:creationId xmlns:a16="http://schemas.microsoft.com/office/drawing/2014/main" id="{C1A4EB91-DFEB-6BB3-EA4B-F74A03BBCC40}"/>
+                    </a:ext>
+                  </a:extLst>
+                </p14:cNvPr>
+                <p14:cNvContentPartPr/>
+                <p14:nvPr/>
+              </p14:nvContentPartPr>
+              <p14:xfrm>
+                <a:off x="3208354" y="2423343"/>
+                <a:ext cx="192600" cy="621720"/>
+              </p14:xfrm>
+            </p:contentPart>
+          </mc:Choice>
+          <mc:Fallback>
+            <p:pic>
+              <p:nvPicPr>
+                <p:cNvPr id="33" name="Ink 32">
+                  <a:extLst>
+                    <a:ext uri="{FF2B5EF4-FFF2-40B4-BE49-F238E27FC236}">
+                      <a16:creationId xmlns:a16="http://schemas.microsoft.com/office/drawing/2014/main" id="{C1A4EB91-DFEB-6BB3-EA4B-F74A03BBCC40}"/>
+                    </a:ext>
+                  </a:extLst>
+                </p:cNvPr>
+                <p:cNvPicPr/>
+                <p:nvPr/>
+              </p:nvPicPr>
+              <p:blipFill>
+                <a:blip r:embed="rId41"/>
+                <a:stretch>
+                  <a:fillRect/>
+                </a:stretch>
+              </p:blipFill>
+              <p:spPr>
+                <a:xfrm>
+                  <a:off x="3190354" y="2315343"/>
+                  <a:ext cx="228240" cy="837360"/>
+                </a:xfrm>
+                <a:prstGeom prst="rect">
+                  <a:avLst/>
+                </a:prstGeom>
+              </p:spPr>
+            </p:pic>
+          </mc:Fallback>
+        </mc:AlternateContent>
+      </p:grpSp>
+      <p:sp>
+        <p:nvSpPr>
+          <p:cNvPr id="35" name="TextBox 34">
+            <a:extLst>
+              <a:ext uri="{FF2B5EF4-FFF2-40B4-BE49-F238E27FC236}">
+                <a16:creationId xmlns:a16="http://schemas.microsoft.com/office/drawing/2014/main" id="{9DE7AB33-ECB8-CCEB-E71B-5DA8071A8798}"/>
+              </a:ext>
+            </a:extLst>
+          </p:cNvPr>
+          <p:cNvSpPr txBox="1"/>
+          <p:nvPr/>
+        </p:nvSpPr>
+        <p:spPr>
+          <a:xfrm>
+            <a:off x="1117600" y="3641223"/>
+            <a:ext cx="750526" cy="369332"/>
+          </a:xfrm>
+          <a:prstGeom prst="rect">
+            <a:avLst/>
+          </a:prstGeom>
+          <a:noFill/>
+        </p:spPr>
+        <p:txBody>
+          <a:bodyPr wrap="none" rtlCol="0">
+            <a:spAutoFit/>
+          </a:bodyPr>
+          <a:lstStyle/>
+          <a:p>
+            <a:r>
+              <a:rPr lang="en-US" dirty="0"/>
+              <a:t>X-Axis</a:t>
+            </a:r>
+          </a:p>
+        </p:txBody>
+      </p:sp>
+      <p:sp>
+        <p:nvSpPr>
+          <p:cNvPr id="36" name="TextBox 35">
+            <a:extLst>
+              <a:ext uri="{FF2B5EF4-FFF2-40B4-BE49-F238E27FC236}">
+                <a16:creationId xmlns:a16="http://schemas.microsoft.com/office/drawing/2014/main" id="{3A06CA82-7E19-99EE-7634-12FAAF3A1E7B}"/>
+              </a:ext>
+            </a:extLst>
+          </p:cNvPr>
+          <p:cNvSpPr txBox="1"/>
+          <p:nvPr/>
+        </p:nvSpPr>
+        <p:spPr>
+          <a:xfrm>
+            <a:off x="5345474" y="664463"/>
+            <a:ext cx="742511" cy="369332"/>
+          </a:xfrm>
+          <a:prstGeom prst="rect">
+            <a:avLst/>
+          </a:prstGeom>
+          <a:noFill/>
+        </p:spPr>
+        <p:txBody>
+          <a:bodyPr wrap="none" rtlCol="0">
+            <a:spAutoFit/>
+          </a:bodyPr>
+          <a:lstStyle/>
+          <a:p>
+            <a:r>
+              <a:rPr lang="en-US" dirty="0"/>
+              <a:t>Y-Axis</a:t>
+            </a:r>
+          </a:p>
+        </p:txBody>
+      </p:sp>
+      <mc:AlternateContent xmlns:mc="http://schemas.openxmlformats.org/markup-compatibility/2006">
+        <mc:Choice xmlns:p14="http://schemas.microsoft.com/office/powerpoint/2010/main" xmlns:aink="http://schemas.microsoft.com/office/drawing/2016/ink" Requires="p14 aink">
+          <p:contentPart p14:bwMode="auto" r:id="rId42">
+            <p14:nvContentPartPr>
+              <p14:cNvPr id="37" name="Ink 36">
+                <a:extLst>
+                  <a:ext uri="{FF2B5EF4-FFF2-40B4-BE49-F238E27FC236}">
+                    <a16:creationId xmlns:a16="http://schemas.microsoft.com/office/drawing/2014/main" id="{96EB631C-CD8A-BC2E-E6EA-08E1086E04A7}"/>
+                  </a:ext>
+                </a:extLst>
+              </p14:cNvPr>
+              <p14:cNvContentPartPr/>
+              <p14:nvPr/>
+            </p14:nvContentPartPr>
+            <p14:xfrm>
+              <a:off x="5326594" y="3845703"/>
+              <a:ext cx="407520" cy="11880"/>
+            </p14:xfrm>
+          </p:contentPart>
+        </mc:Choice>
+        <mc:Fallback>
+          <p:pic>
+            <p:nvPicPr>
+              <p:cNvPr id="37" name="Ink 36">
+                <a:extLst>
+                  <a:ext uri="{FF2B5EF4-FFF2-40B4-BE49-F238E27FC236}">
+                    <a16:creationId xmlns:a16="http://schemas.microsoft.com/office/drawing/2014/main" id="{96EB631C-CD8A-BC2E-E6EA-08E1086E04A7}"/>
+                  </a:ext>
+                </a:extLst>
+              </p:cNvPr>
+              <p:cNvPicPr/>
+              <p:nvPr/>
+            </p:nvPicPr>
+            <p:blipFill>
+              <a:blip r:embed="rId43"/>
+              <a:stretch>
+                <a:fillRect/>
+              </a:stretch>
+            </p:blipFill>
+            <p:spPr>
+              <a:xfrm>
+                <a:off x="5308594" y="3827703"/>
+                <a:ext cx="443160" cy="47520"/>
+              </a:xfrm>
+              <a:prstGeom prst="rect">
+                <a:avLst/>
+              </a:prstGeom>
+            </p:spPr>
+          </p:pic>
+        </mc:Fallback>
+      </mc:AlternateContent>
+      <mc:AlternateContent xmlns:mc="http://schemas.openxmlformats.org/markup-compatibility/2006">
+        <mc:Choice xmlns:p14="http://schemas.microsoft.com/office/powerpoint/2010/main" xmlns:aink="http://schemas.microsoft.com/office/drawing/2016/ink" Requires="p14 aink">
+          <p:contentPart p14:bwMode="auto" r:id="rId44">
+            <p14:nvContentPartPr>
+              <p14:cNvPr id="38" name="Ink 37">
+                <a:extLst>
+                  <a:ext uri="{FF2B5EF4-FFF2-40B4-BE49-F238E27FC236}">
+                    <a16:creationId xmlns:a16="http://schemas.microsoft.com/office/drawing/2014/main" id="{78D7CEAC-6A82-AC9C-C693-1B46D064A806}"/>
+                  </a:ext>
+                </a:extLst>
+              </p14:cNvPr>
+              <p14:cNvContentPartPr/>
+              <p14:nvPr/>
+            </p14:nvContentPartPr>
+            <p14:xfrm>
+              <a:off x="5340994" y="4279863"/>
+              <a:ext cx="439560" cy="88920"/>
+            </p14:xfrm>
+          </p:contentPart>
+        </mc:Choice>
+        <mc:Fallback>
+          <p:pic>
+            <p:nvPicPr>
+              <p:cNvPr id="38" name="Ink 37">
+                <a:extLst>
+                  <a:ext uri="{FF2B5EF4-FFF2-40B4-BE49-F238E27FC236}">
+                    <a16:creationId xmlns:a16="http://schemas.microsoft.com/office/drawing/2014/main" id="{78D7CEAC-6A82-AC9C-C693-1B46D064A806}"/>
+                  </a:ext>
+                </a:extLst>
+              </p:cNvPr>
+              <p:cNvPicPr/>
+              <p:nvPr/>
+            </p:nvPicPr>
+            <p:blipFill>
+              <a:blip r:embed="rId45"/>
+              <a:stretch>
+                <a:fillRect/>
+              </a:stretch>
+            </p:blipFill>
+            <p:spPr>
+              <a:xfrm>
+                <a:off x="5322994" y="4261863"/>
+                <a:ext cx="475200" cy="124560"/>
+              </a:xfrm>
+              <a:prstGeom prst="rect">
+                <a:avLst/>
+              </a:prstGeom>
+            </p:spPr>
+          </p:pic>
+        </mc:Fallback>
+      </mc:AlternateContent>
+      <mc:AlternateContent xmlns:mc="http://schemas.openxmlformats.org/markup-compatibility/2006">
+        <mc:Choice xmlns:p14="http://schemas.microsoft.com/office/powerpoint/2010/main" xmlns:aink="http://schemas.microsoft.com/office/drawing/2016/ink" Requires="p14 aink">
+          <p:contentPart p14:bwMode="auto" r:id="rId46">
+            <p14:nvContentPartPr>
+              <p14:cNvPr id="39" name="Ink 38">
+                <a:extLst>
+                  <a:ext uri="{FF2B5EF4-FFF2-40B4-BE49-F238E27FC236}">
+                    <a16:creationId xmlns:a16="http://schemas.microsoft.com/office/drawing/2014/main" id="{27F45377-FB8C-CFEE-E524-C6E2344397C6}"/>
+                  </a:ext>
+                </a:extLst>
+              </p14:cNvPr>
+              <p14:cNvContentPartPr/>
+              <p14:nvPr/>
+            </p14:nvContentPartPr>
+            <p14:xfrm>
+              <a:off x="5297434" y="4672983"/>
+              <a:ext cx="636480" cy="59040"/>
+            </p14:xfrm>
+          </p:contentPart>
+        </mc:Choice>
+        <mc:Fallback>
+          <p:pic>
+            <p:nvPicPr>
+              <p:cNvPr id="39" name="Ink 38">
+                <a:extLst>
+                  <a:ext uri="{FF2B5EF4-FFF2-40B4-BE49-F238E27FC236}">
+                    <a16:creationId xmlns:a16="http://schemas.microsoft.com/office/drawing/2014/main" id="{27F45377-FB8C-CFEE-E524-C6E2344397C6}"/>
+                  </a:ext>
+                </a:extLst>
+              </p:cNvPr>
+              <p:cNvPicPr/>
+              <p:nvPr/>
+            </p:nvPicPr>
+            <p:blipFill>
+              <a:blip r:embed="rId47"/>
+              <a:stretch>
+                <a:fillRect/>
+              </a:stretch>
+            </p:blipFill>
+            <p:spPr>
+              <a:xfrm>
+                <a:off x="5279794" y="4654983"/>
+                <a:ext cx="672120" cy="94680"/>
+              </a:xfrm>
+              <a:prstGeom prst="rect">
+                <a:avLst/>
+              </a:prstGeom>
+            </p:spPr>
+          </p:pic>
+        </mc:Fallback>
+      </mc:AlternateContent>
+      <mc:AlternateContent xmlns:mc="http://schemas.openxmlformats.org/markup-compatibility/2006">
+        <mc:Choice xmlns:p14="http://schemas.microsoft.com/office/powerpoint/2010/main" xmlns:aink="http://schemas.microsoft.com/office/drawing/2016/ink" Requires="p14 aink">
+          <p:contentPart p14:bwMode="auto" r:id="rId48">
+            <p14:nvContentPartPr>
+              <p14:cNvPr id="40" name="Ink 39">
+                <a:extLst>
+                  <a:ext uri="{FF2B5EF4-FFF2-40B4-BE49-F238E27FC236}">
+                    <a16:creationId xmlns:a16="http://schemas.microsoft.com/office/drawing/2014/main" id="{797E6A0B-72B2-D1EC-E86A-17B979B52AB4}"/>
+                  </a:ext>
+                </a:extLst>
+              </p14:cNvPr>
+              <p14:cNvContentPartPr/>
+              <p14:nvPr/>
+            </p14:nvContentPartPr>
+            <p14:xfrm>
+              <a:off x="5253514" y="5152143"/>
+              <a:ext cx="550080" cy="73080"/>
+            </p14:xfrm>
+          </p:contentPart>
+        </mc:Choice>
+        <mc:Fallback>
+          <p:pic>
+            <p:nvPicPr>
+              <p:cNvPr id="40" name="Ink 39">
+                <a:extLst>
+                  <a:ext uri="{FF2B5EF4-FFF2-40B4-BE49-F238E27FC236}">
+                    <a16:creationId xmlns:a16="http://schemas.microsoft.com/office/drawing/2014/main" id="{797E6A0B-72B2-D1EC-E86A-17B979B52AB4}"/>
+                  </a:ext>
+                </a:extLst>
+              </p:cNvPr>
+              <p:cNvPicPr/>
+              <p:nvPr/>
+            </p:nvPicPr>
+            <p:blipFill>
+              <a:blip r:embed="rId49"/>
+              <a:stretch>
+                <a:fillRect/>
+              </a:stretch>
+            </p:blipFill>
+            <p:spPr>
+              <a:xfrm>
+                <a:off x="5235874" y="5134143"/>
+                <a:ext cx="585720" cy="108720"/>
+              </a:xfrm>
+              <a:prstGeom prst="rect">
+                <a:avLst/>
+              </a:prstGeom>
+            </p:spPr>
+          </p:pic>
+        </mc:Fallback>
+      </mc:AlternateContent>
+      <mc:AlternateContent xmlns:mc="http://schemas.openxmlformats.org/markup-compatibility/2006">
+        <mc:Choice xmlns:p14="http://schemas.microsoft.com/office/powerpoint/2010/main" xmlns:aink="http://schemas.microsoft.com/office/drawing/2016/ink" Requires="p14 aink">
+          <p:contentPart p14:bwMode="auto" r:id="rId50">
+            <p14:nvContentPartPr>
+              <p14:cNvPr id="41" name="Ink 40">
+                <a:extLst>
+                  <a:ext uri="{FF2B5EF4-FFF2-40B4-BE49-F238E27FC236}">
+                    <a16:creationId xmlns:a16="http://schemas.microsoft.com/office/drawing/2014/main" id="{1A161E24-DF33-6119-9CC4-786CBD19B465}"/>
+                  </a:ext>
+                </a:extLst>
+              </p14:cNvPr>
+              <p14:cNvContentPartPr/>
+              <p14:nvPr/>
+            </p14:nvContentPartPr>
+            <p14:xfrm>
+              <a:off x="5413354" y="2176743"/>
+              <a:ext cx="491400" cy="360"/>
+            </p14:xfrm>
+          </p:contentPart>
+        </mc:Choice>
+        <mc:Fallback>
+          <p:pic>
+            <p:nvPicPr>
+              <p:cNvPr id="41" name="Ink 40">
+                <a:extLst>
+                  <a:ext uri="{FF2B5EF4-FFF2-40B4-BE49-F238E27FC236}">
+                    <a16:creationId xmlns:a16="http://schemas.microsoft.com/office/drawing/2014/main" id="{1A161E24-DF33-6119-9CC4-786CBD19B465}"/>
+                  </a:ext>
+                </a:extLst>
+              </p:cNvPr>
+              <p:cNvPicPr/>
+              <p:nvPr/>
+            </p:nvPicPr>
+            <p:blipFill>
+              <a:blip r:embed="rId51"/>
+              <a:stretch>
+                <a:fillRect/>
+              </a:stretch>
+            </p:blipFill>
+            <p:spPr>
+              <a:xfrm>
+                <a:off x="5395354" y="2159103"/>
+                <a:ext cx="527040" cy="36000"/>
+              </a:xfrm>
+              <a:prstGeom prst="rect">
+                <a:avLst/>
+              </a:prstGeom>
+            </p:spPr>
+          </p:pic>
+        </mc:Fallback>
+      </mc:AlternateContent>
+      <mc:AlternateContent xmlns:mc="http://schemas.openxmlformats.org/markup-compatibility/2006">
+        <mc:Choice xmlns:p14="http://schemas.microsoft.com/office/powerpoint/2010/main" xmlns:aink="http://schemas.microsoft.com/office/drawing/2016/ink" Requires="p14 aink">
+          <p:contentPart p14:bwMode="auto" r:id="rId52">
+            <p14:nvContentPartPr>
+              <p14:cNvPr id="42" name="Ink 41">
+                <a:extLst>
+                  <a:ext uri="{FF2B5EF4-FFF2-40B4-BE49-F238E27FC236}">
+                    <a16:creationId xmlns:a16="http://schemas.microsoft.com/office/drawing/2014/main" id="{9BDCB31B-5BB6-2F39-F6DC-61E55C72A49C}"/>
+                  </a:ext>
+                </a:extLst>
+              </p14:cNvPr>
+              <p14:cNvContentPartPr/>
+              <p14:nvPr/>
+            </p14:nvContentPartPr>
+            <p14:xfrm>
+              <a:off x="5413354" y="1871823"/>
+              <a:ext cx="462960" cy="30240"/>
+            </p14:xfrm>
+          </p:contentPart>
+        </mc:Choice>
+        <mc:Fallback>
+          <p:pic>
+            <p:nvPicPr>
+              <p:cNvPr id="42" name="Ink 41">
+                <a:extLst>
+                  <a:ext uri="{FF2B5EF4-FFF2-40B4-BE49-F238E27FC236}">
+                    <a16:creationId xmlns:a16="http://schemas.microsoft.com/office/drawing/2014/main" id="{9BDCB31B-5BB6-2F39-F6DC-61E55C72A49C}"/>
+                  </a:ext>
+                </a:extLst>
+              </p:cNvPr>
+              <p:cNvPicPr/>
+              <p:nvPr/>
+            </p:nvPicPr>
+            <p:blipFill>
+              <a:blip r:embed="rId53"/>
+              <a:stretch>
+                <a:fillRect/>
+              </a:stretch>
+            </p:blipFill>
+            <p:spPr>
+              <a:xfrm>
+                <a:off x="5395354" y="1854183"/>
+                <a:ext cx="498600" cy="65880"/>
+              </a:xfrm>
+              <a:prstGeom prst="rect">
+                <a:avLst/>
+              </a:prstGeom>
+            </p:spPr>
+          </p:pic>
+        </mc:Fallback>
+      </mc:AlternateContent>
+      <mc:AlternateContent xmlns:mc="http://schemas.openxmlformats.org/markup-compatibility/2006">
+        <mc:Choice xmlns:p14="http://schemas.microsoft.com/office/powerpoint/2010/main" xmlns:aink="http://schemas.microsoft.com/office/drawing/2016/ink" Requires="p14 aink">
+          <p:contentPart p14:bwMode="auto" r:id="rId54">
+            <p14:nvContentPartPr>
+              <p14:cNvPr id="43" name="Ink 42">
+                <a:extLst>
+                  <a:ext uri="{FF2B5EF4-FFF2-40B4-BE49-F238E27FC236}">
+                    <a16:creationId xmlns:a16="http://schemas.microsoft.com/office/drawing/2014/main" id="{BD6E0CAD-A14A-8AC2-C4D1-51F720145A3A}"/>
+                  </a:ext>
+                </a:extLst>
+              </p14:cNvPr>
+              <p14:cNvContentPartPr/>
+              <p14:nvPr/>
+            </p14:nvContentPartPr>
+            <p14:xfrm>
+              <a:off x="5384194" y="1566903"/>
+              <a:ext cx="466200" cy="26280"/>
+            </p14:xfrm>
+          </p:contentPart>
+        </mc:Choice>
+        <mc:Fallback>
+          <p:pic>
+            <p:nvPicPr>
+              <p:cNvPr id="43" name="Ink 42">
+                <a:extLst>
+                  <a:ext uri="{FF2B5EF4-FFF2-40B4-BE49-F238E27FC236}">
+                    <a16:creationId xmlns:a16="http://schemas.microsoft.com/office/drawing/2014/main" id="{BD6E0CAD-A14A-8AC2-C4D1-51F720145A3A}"/>
+                  </a:ext>
+                </a:extLst>
+              </p:cNvPr>
+              <p:cNvPicPr/>
+              <p:nvPr/>
+            </p:nvPicPr>
+            <p:blipFill>
+              <a:blip r:embed="rId55"/>
+              <a:stretch>
+                <a:fillRect/>
+              </a:stretch>
+            </p:blipFill>
+            <p:spPr>
+              <a:xfrm>
+                <a:off x="5366194" y="1548903"/>
+                <a:ext cx="501840" cy="61920"/>
+              </a:xfrm>
+              <a:prstGeom prst="rect">
+                <a:avLst/>
+              </a:prstGeom>
+            </p:spPr>
+          </p:pic>
+        </mc:Fallback>
+      </mc:AlternateContent>
+      <mc:AlternateContent xmlns:mc="http://schemas.openxmlformats.org/markup-compatibility/2006">
+        <mc:Choice xmlns:p14="http://schemas.microsoft.com/office/powerpoint/2010/main" xmlns:aink="http://schemas.microsoft.com/office/drawing/2016/ink" Requires="p14 aink">
+          <p:contentPart p14:bwMode="auto" r:id="rId56">
+            <p14:nvContentPartPr>
+              <p14:cNvPr id="44" name="Ink 43">
+                <a:extLst>
+                  <a:ext uri="{FF2B5EF4-FFF2-40B4-BE49-F238E27FC236}">
+                    <a16:creationId xmlns:a16="http://schemas.microsoft.com/office/drawing/2014/main" id="{24F9D7C7-BB91-A50C-27FC-D8010EE38268}"/>
+                  </a:ext>
+                </a:extLst>
+              </p14:cNvPr>
+              <p14:cNvContentPartPr/>
+              <p14:nvPr/>
+            </p14:nvContentPartPr>
+            <p14:xfrm>
+              <a:off x="5428114" y="1422183"/>
+              <a:ext cx="564120" cy="15120"/>
+            </p14:xfrm>
+          </p:contentPart>
+        </mc:Choice>
+        <mc:Fallback>
+          <p:pic>
+            <p:nvPicPr>
+              <p:cNvPr id="44" name="Ink 43">
+                <a:extLst>
+                  <a:ext uri="{FF2B5EF4-FFF2-40B4-BE49-F238E27FC236}">
+                    <a16:creationId xmlns:a16="http://schemas.microsoft.com/office/drawing/2014/main" id="{24F9D7C7-BB91-A50C-27FC-D8010EE38268}"/>
+                  </a:ext>
+                </a:extLst>
+              </p:cNvPr>
+              <p:cNvPicPr/>
+              <p:nvPr/>
+            </p:nvPicPr>
+            <p:blipFill>
+              <a:blip r:embed="rId57"/>
+              <a:stretch>
+                <a:fillRect/>
+              </a:stretch>
+            </p:blipFill>
+            <p:spPr>
+              <a:xfrm>
+                <a:off x="5410114" y="1404183"/>
+                <a:ext cx="599760" cy="50760"/>
+              </a:xfrm>
+              <a:prstGeom prst="rect">
+                <a:avLst/>
+              </a:prstGeom>
+            </p:spPr>
+          </p:pic>
+        </mc:Fallback>
+      </mc:AlternateContent>
+      <p:grpSp>
+        <p:nvGrpSpPr>
+          <p:cNvPr id="49" name="Group 48">
+            <a:extLst>
+              <a:ext uri="{FF2B5EF4-FFF2-40B4-BE49-F238E27FC236}">
+                <a16:creationId xmlns:a16="http://schemas.microsoft.com/office/drawing/2014/main" id="{E269B7FA-06AF-4456-D276-FF9701B0B376}"/>
+              </a:ext>
+            </a:extLst>
+          </p:cNvPr>
+          <p:cNvGrpSpPr/>
+          <p:nvPr/>
+        </p:nvGrpSpPr>
+        <p:grpSpPr>
+          <a:xfrm>
+            <a:off x="5979274" y="3700983"/>
+            <a:ext cx="434520" cy="1812960"/>
+            <a:chOff x="5979274" y="3700983"/>
+            <a:chExt cx="434520" cy="1812960"/>
+          </a:xfrm>
+        </p:grpSpPr>
+        <mc:AlternateContent xmlns:mc="http://schemas.openxmlformats.org/markup-compatibility/2006">
+          <mc:Choice xmlns:p14="http://schemas.microsoft.com/office/powerpoint/2010/main" xmlns:aink="http://schemas.microsoft.com/office/drawing/2016/ink" Requires="p14 aink">
+            <p:contentPart p14:bwMode="auto" r:id="rId58">
+              <p14:nvContentPartPr>
+                <p14:cNvPr id="45" name="Ink 44">
+                  <a:extLst>
+                    <a:ext uri="{FF2B5EF4-FFF2-40B4-BE49-F238E27FC236}">
+                      <a16:creationId xmlns:a16="http://schemas.microsoft.com/office/drawing/2014/main" id="{45C0493A-CDF0-308B-1309-E11D920C4A18}"/>
+                    </a:ext>
+                  </a:extLst>
+                </p14:cNvPr>
+                <p14:cNvContentPartPr/>
+                <p14:nvPr/>
+              </p14:nvContentPartPr>
+              <p14:xfrm>
+                <a:off x="6066754" y="3700983"/>
+                <a:ext cx="15120" cy="317880"/>
+              </p14:xfrm>
+            </p:contentPart>
+          </mc:Choice>
+          <mc:Fallback>
+            <p:pic>
+              <p:nvPicPr>
+                <p:cNvPr id="45" name="Ink 44">
+                  <a:extLst>
+                    <a:ext uri="{FF2B5EF4-FFF2-40B4-BE49-F238E27FC236}">
+                      <a16:creationId xmlns:a16="http://schemas.microsoft.com/office/drawing/2014/main" id="{45C0493A-CDF0-308B-1309-E11D920C4A18}"/>
+                    </a:ext>
+                  </a:extLst>
+                </p:cNvPr>
+                <p:cNvPicPr/>
+                <p:nvPr/>
+              </p:nvPicPr>
+              <p:blipFill>
+                <a:blip r:embed="rId59"/>
+                <a:stretch>
+                  <a:fillRect/>
+                </a:stretch>
+              </p:blipFill>
+              <p:spPr>
+                <a:xfrm>
+                  <a:off x="6048754" y="3592983"/>
+                  <a:ext cx="50760" cy="533520"/>
+                </a:xfrm>
+                <a:prstGeom prst="rect">
+                  <a:avLst/>
+                </a:prstGeom>
+              </p:spPr>
+            </p:pic>
+          </mc:Fallback>
+        </mc:AlternateContent>
+        <mc:AlternateContent xmlns:mc="http://schemas.openxmlformats.org/markup-compatibility/2006">
+          <mc:Choice xmlns:p14="http://schemas.microsoft.com/office/powerpoint/2010/main" xmlns:aink="http://schemas.microsoft.com/office/drawing/2016/ink" Requires="p14 aink">
+            <p:contentPart p14:bwMode="auto" r:id="rId60">
+              <p14:nvContentPartPr>
+                <p14:cNvPr id="46" name="Ink 45">
+                  <a:extLst>
+                    <a:ext uri="{FF2B5EF4-FFF2-40B4-BE49-F238E27FC236}">
+                      <a16:creationId xmlns:a16="http://schemas.microsoft.com/office/drawing/2014/main" id="{46BC5ADE-9772-1B7F-681E-BC3E86E0AC3E}"/>
+                    </a:ext>
+                  </a:extLst>
+                </p14:cNvPr>
+                <p14:cNvContentPartPr/>
+                <p14:nvPr/>
+              </p14:nvContentPartPr>
+              <p14:xfrm>
+                <a:off x="6023194" y="4139823"/>
+                <a:ext cx="288720" cy="259200"/>
+              </p14:xfrm>
+            </p:contentPart>
+          </mc:Choice>
+          <mc:Fallback>
+            <p:pic>
+              <p:nvPicPr>
+                <p:cNvPr id="46" name="Ink 45">
+                  <a:extLst>
+                    <a:ext uri="{FF2B5EF4-FFF2-40B4-BE49-F238E27FC236}">
+                      <a16:creationId xmlns:a16="http://schemas.microsoft.com/office/drawing/2014/main" id="{46BC5ADE-9772-1B7F-681E-BC3E86E0AC3E}"/>
+                    </a:ext>
+                  </a:extLst>
+                </p:cNvPr>
+                <p:cNvPicPr/>
+                <p:nvPr/>
+              </p:nvPicPr>
+              <p:blipFill>
+                <a:blip r:embed="rId61"/>
+                <a:stretch>
+                  <a:fillRect/>
+                </a:stretch>
+              </p:blipFill>
+              <p:spPr>
+                <a:xfrm>
+                  <a:off x="6005554" y="4032183"/>
+                  <a:ext cx="324360" cy="474840"/>
+                </a:xfrm>
+                <a:prstGeom prst="rect">
+                  <a:avLst/>
+                </a:prstGeom>
+              </p:spPr>
+            </p:pic>
+          </mc:Fallback>
+        </mc:AlternateContent>
+        <mc:AlternateContent xmlns:mc="http://schemas.openxmlformats.org/markup-compatibility/2006">
+          <mc:Choice xmlns:p14="http://schemas.microsoft.com/office/powerpoint/2010/main" xmlns:aink="http://schemas.microsoft.com/office/drawing/2016/ink" Requires="p14 aink">
+            <p:contentPart p14:bwMode="auto" r:id="rId62">
+              <p14:nvContentPartPr>
+                <p14:cNvPr id="47" name="Ink 46">
+                  <a:extLst>
+                    <a:ext uri="{FF2B5EF4-FFF2-40B4-BE49-F238E27FC236}">
+                      <a16:creationId xmlns:a16="http://schemas.microsoft.com/office/drawing/2014/main" id="{BF8E8595-1EEE-147E-FED7-EB23A055FD88}"/>
+                    </a:ext>
+                  </a:extLst>
+                </p14:cNvPr>
+                <p14:cNvContentPartPr/>
+                <p14:nvPr/>
+              </p14:nvContentPartPr>
+              <p14:xfrm>
+                <a:off x="6051634" y="4541223"/>
+                <a:ext cx="362160" cy="278280"/>
+              </p14:xfrm>
+            </p:contentPart>
+          </mc:Choice>
+          <mc:Fallback>
+            <p:pic>
+              <p:nvPicPr>
+                <p:cNvPr id="47" name="Ink 46">
+                  <a:extLst>
+                    <a:ext uri="{FF2B5EF4-FFF2-40B4-BE49-F238E27FC236}">
+                      <a16:creationId xmlns:a16="http://schemas.microsoft.com/office/drawing/2014/main" id="{BF8E8595-1EEE-147E-FED7-EB23A055FD88}"/>
+                    </a:ext>
+                  </a:extLst>
+                </p:cNvPr>
+                <p:cNvPicPr/>
+                <p:nvPr/>
+              </p:nvPicPr>
+              <p:blipFill>
+                <a:blip r:embed="rId63"/>
+                <a:stretch>
+                  <a:fillRect/>
+                </a:stretch>
+              </p:blipFill>
+              <p:spPr>
+                <a:xfrm>
+                  <a:off x="6033994" y="4433223"/>
+                  <a:ext cx="397800" cy="493920"/>
+                </a:xfrm>
+                <a:prstGeom prst="rect">
+                  <a:avLst/>
+                </a:prstGeom>
+              </p:spPr>
+            </p:pic>
+          </mc:Fallback>
+        </mc:AlternateContent>
+        <mc:AlternateContent xmlns:mc="http://schemas.openxmlformats.org/markup-compatibility/2006">
+          <mc:Choice xmlns:p14="http://schemas.microsoft.com/office/powerpoint/2010/main" xmlns:aink="http://schemas.microsoft.com/office/drawing/2016/ink" Requires="p14 aink">
+            <p:contentPart p14:bwMode="auto" r:id="rId64">
+              <p14:nvContentPartPr>
+                <p14:cNvPr id="48" name="Ink 47">
+                  <a:extLst>
+                    <a:ext uri="{FF2B5EF4-FFF2-40B4-BE49-F238E27FC236}">
+                      <a16:creationId xmlns:a16="http://schemas.microsoft.com/office/drawing/2014/main" id="{817EAE8C-4AA8-BEAB-42FF-271C22D15181}"/>
+                    </a:ext>
+                  </a:extLst>
+                </p14:cNvPr>
+                <p14:cNvContentPartPr/>
+                <p14:nvPr/>
+              </p14:nvContentPartPr>
+              <p14:xfrm>
+                <a:off x="5979274" y="4972863"/>
+                <a:ext cx="277200" cy="541080"/>
+              </p14:xfrm>
+            </p:contentPart>
+          </mc:Choice>
+          <mc:Fallback>
+            <p:pic>
+              <p:nvPicPr>
+                <p:cNvPr id="48" name="Ink 47">
+                  <a:extLst>
+                    <a:ext uri="{FF2B5EF4-FFF2-40B4-BE49-F238E27FC236}">
+                      <a16:creationId xmlns:a16="http://schemas.microsoft.com/office/drawing/2014/main" id="{817EAE8C-4AA8-BEAB-42FF-271C22D15181}"/>
+                    </a:ext>
+                  </a:extLst>
+                </p:cNvPr>
+                <p:cNvPicPr/>
+                <p:nvPr/>
+              </p:nvPicPr>
+              <p:blipFill>
+                <a:blip r:embed="rId65"/>
+                <a:stretch>
+                  <a:fillRect/>
+                </a:stretch>
+              </p:blipFill>
+              <p:spPr>
+                <a:xfrm>
+                  <a:off x="5961634" y="4865223"/>
+                  <a:ext cx="312840" cy="756720"/>
+                </a:xfrm>
+                <a:prstGeom prst="rect">
+                  <a:avLst/>
+                </a:prstGeom>
+              </p:spPr>
+            </p:pic>
+          </mc:Fallback>
+        </mc:AlternateContent>
+      </p:grpSp>
+      <p:grpSp>
+        <p:nvGrpSpPr>
+          <p:cNvPr id="63" name="Group 62">
+            <a:extLst>
+              <a:ext uri="{FF2B5EF4-FFF2-40B4-BE49-F238E27FC236}">
+                <a16:creationId xmlns:a16="http://schemas.microsoft.com/office/drawing/2014/main" id="{81ADEA63-BF5D-7A70-5B66-F12E50A00FE3}"/>
+              </a:ext>
+            </a:extLst>
+          </p:cNvPr>
+          <p:cNvGrpSpPr/>
+          <p:nvPr/>
+        </p:nvGrpSpPr>
+        <p:grpSpPr>
+          <a:xfrm>
+            <a:off x="6051634" y="638103"/>
+            <a:ext cx="869040" cy="1667880"/>
+            <a:chOff x="6051634" y="638103"/>
+            <a:chExt cx="869040" cy="1667880"/>
+          </a:xfrm>
+        </p:grpSpPr>
+        <mc:AlternateContent xmlns:mc="http://schemas.openxmlformats.org/markup-compatibility/2006">
+          <mc:Choice xmlns:p14="http://schemas.microsoft.com/office/powerpoint/2010/main" xmlns:aink="http://schemas.microsoft.com/office/drawing/2016/ink" Requires="p14 aink">
+            <p:contentPart p14:bwMode="auto" r:id="rId66">
+              <p14:nvContentPartPr>
+                <p14:cNvPr id="50" name="Ink 49">
+                  <a:extLst>
+                    <a:ext uri="{FF2B5EF4-FFF2-40B4-BE49-F238E27FC236}">
+                      <a16:creationId xmlns:a16="http://schemas.microsoft.com/office/drawing/2014/main" id="{6366CC84-4092-6376-4C71-47CA19D25559}"/>
+                    </a:ext>
+                  </a:extLst>
+                </p14:cNvPr>
+                <p14:cNvContentPartPr/>
+                <p14:nvPr/>
+              </p14:nvContentPartPr>
+              <p14:xfrm>
+                <a:off x="6051634" y="2176383"/>
+                <a:ext cx="317880" cy="59400"/>
+              </p14:xfrm>
+            </p:contentPart>
+          </mc:Choice>
+          <mc:Fallback>
+            <p:pic>
+              <p:nvPicPr>
+                <p:cNvPr id="50" name="Ink 49">
+                  <a:extLst>
+                    <a:ext uri="{FF2B5EF4-FFF2-40B4-BE49-F238E27FC236}">
+                      <a16:creationId xmlns:a16="http://schemas.microsoft.com/office/drawing/2014/main" id="{6366CC84-4092-6376-4C71-47CA19D25559}"/>
+                    </a:ext>
+                  </a:extLst>
+                </p:cNvPr>
+                <p:cNvPicPr/>
+                <p:nvPr/>
+              </p:nvPicPr>
+              <p:blipFill>
+                <a:blip r:embed="rId67"/>
+                <a:stretch>
+                  <a:fillRect/>
+                </a:stretch>
+              </p:blipFill>
+              <p:spPr>
+                <a:xfrm>
+                  <a:off x="6033994" y="2068383"/>
+                  <a:ext cx="353520" cy="275040"/>
+                </a:xfrm>
+                <a:prstGeom prst="rect">
+                  <a:avLst/>
+                </a:prstGeom>
+              </p:spPr>
+            </p:pic>
+          </mc:Fallback>
+        </mc:AlternateContent>
+        <mc:AlternateContent xmlns:mc="http://schemas.openxmlformats.org/markup-compatibility/2006">
+          <mc:Choice xmlns:p14="http://schemas.microsoft.com/office/powerpoint/2010/main" xmlns:aink="http://schemas.microsoft.com/office/drawing/2016/ink" Requires="p14 aink">
+            <p:contentPart p14:bwMode="auto" r:id="rId68">
+              <p14:nvContentPartPr>
+                <p14:cNvPr id="51" name="Ink 50">
+                  <a:extLst>
+                    <a:ext uri="{FF2B5EF4-FFF2-40B4-BE49-F238E27FC236}">
+                      <a16:creationId xmlns:a16="http://schemas.microsoft.com/office/drawing/2014/main" id="{E508A48A-4F33-460F-27F0-4E0E7B43EE8B}"/>
+                    </a:ext>
+                  </a:extLst>
+                </p14:cNvPr>
+                <p14:cNvContentPartPr/>
+                <p14:nvPr/>
+              </p14:nvContentPartPr>
+              <p14:xfrm>
+                <a:off x="6487234" y="1988103"/>
+                <a:ext cx="360" cy="317880"/>
+              </p14:xfrm>
+            </p:contentPart>
+          </mc:Choice>
+          <mc:Fallback>
+            <p:pic>
+              <p:nvPicPr>
+                <p:cNvPr id="51" name="Ink 50">
+                  <a:extLst>
+                    <a:ext uri="{FF2B5EF4-FFF2-40B4-BE49-F238E27FC236}">
+                      <a16:creationId xmlns:a16="http://schemas.microsoft.com/office/drawing/2014/main" id="{E508A48A-4F33-460F-27F0-4E0E7B43EE8B}"/>
+                    </a:ext>
+                  </a:extLst>
+                </p:cNvPr>
+                <p:cNvPicPr/>
+                <p:nvPr/>
+              </p:nvPicPr>
+              <p:blipFill>
+                <a:blip r:embed="rId69"/>
+                <a:stretch>
+                  <a:fillRect/>
+                </a:stretch>
+              </p:blipFill>
+              <p:spPr>
+                <a:xfrm>
+                  <a:off x="6469594" y="1880463"/>
+                  <a:ext cx="36000" cy="533520"/>
+                </a:xfrm>
+                <a:prstGeom prst="rect">
+                  <a:avLst/>
+                </a:prstGeom>
+              </p:spPr>
+            </p:pic>
+          </mc:Fallback>
+        </mc:AlternateContent>
+        <mc:AlternateContent xmlns:mc="http://schemas.openxmlformats.org/markup-compatibility/2006">
+          <mc:Choice xmlns:p14="http://schemas.microsoft.com/office/powerpoint/2010/main" xmlns:aink="http://schemas.microsoft.com/office/drawing/2016/ink" Requires="p14 aink">
+            <p:contentPart p14:bwMode="auto" r:id="rId70">
+              <p14:nvContentPartPr>
+                <p14:cNvPr id="52" name="Ink 51">
+                  <a:extLst>
+                    <a:ext uri="{FF2B5EF4-FFF2-40B4-BE49-F238E27FC236}">
+                      <a16:creationId xmlns:a16="http://schemas.microsoft.com/office/drawing/2014/main" id="{6135AF12-E23D-279B-B780-4A06C6934EDB}"/>
+                    </a:ext>
+                  </a:extLst>
+                </p14:cNvPr>
+                <p14:cNvContentPartPr/>
+                <p14:nvPr/>
+              </p14:nvContentPartPr>
+              <p14:xfrm>
+                <a:off x="6183034" y="1842663"/>
+                <a:ext cx="201600" cy="29880"/>
+              </p14:xfrm>
+            </p:contentPart>
+          </mc:Choice>
+          <mc:Fallback>
+            <p:pic>
+              <p:nvPicPr>
+                <p:cNvPr id="52" name="Ink 51">
+                  <a:extLst>
+                    <a:ext uri="{FF2B5EF4-FFF2-40B4-BE49-F238E27FC236}">
+                      <a16:creationId xmlns:a16="http://schemas.microsoft.com/office/drawing/2014/main" id="{6135AF12-E23D-279B-B780-4A06C6934EDB}"/>
+                    </a:ext>
+                  </a:extLst>
+                </p:cNvPr>
+                <p:cNvPicPr/>
+                <p:nvPr/>
+              </p:nvPicPr>
+              <p:blipFill>
+                <a:blip r:embed="rId71"/>
+                <a:stretch>
+                  <a:fillRect/>
+                </a:stretch>
+              </p:blipFill>
+              <p:spPr>
+                <a:xfrm>
+                  <a:off x="6165034" y="1735023"/>
+                  <a:ext cx="237240" cy="245520"/>
+                </a:xfrm>
+                <a:prstGeom prst="rect">
+                  <a:avLst/>
+                </a:prstGeom>
+              </p:spPr>
+            </p:pic>
+          </mc:Fallback>
+        </mc:AlternateContent>
+        <mc:AlternateContent xmlns:mc="http://schemas.openxmlformats.org/markup-compatibility/2006">
+          <mc:Choice xmlns:p14="http://schemas.microsoft.com/office/powerpoint/2010/main" xmlns:aink="http://schemas.microsoft.com/office/drawing/2016/ink" Requires="p14 aink">
+            <p:contentPart p14:bwMode="auto" r:id="rId72">
+              <p14:nvContentPartPr>
+                <p14:cNvPr id="53" name="Ink 52">
+                  <a:extLst>
+                    <a:ext uri="{FF2B5EF4-FFF2-40B4-BE49-F238E27FC236}">
+                      <a16:creationId xmlns:a16="http://schemas.microsoft.com/office/drawing/2014/main" id="{CBBA16CF-D142-E113-88D5-E441678717D3}"/>
+                    </a:ext>
+                  </a:extLst>
+                </p14:cNvPr>
+                <p14:cNvContentPartPr/>
+                <p14:nvPr/>
+              </p14:nvContentPartPr>
+              <p14:xfrm>
+                <a:off x="6429274" y="1552503"/>
+                <a:ext cx="284760" cy="295920"/>
+              </p14:xfrm>
+            </p:contentPart>
+          </mc:Choice>
+          <mc:Fallback>
+            <p:pic>
+              <p:nvPicPr>
+                <p:cNvPr id="53" name="Ink 52">
+                  <a:extLst>
+                    <a:ext uri="{FF2B5EF4-FFF2-40B4-BE49-F238E27FC236}">
+                      <a16:creationId xmlns:a16="http://schemas.microsoft.com/office/drawing/2014/main" id="{CBBA16CF-D142-E113-88D5-E441678717D3}"/>
+                    </a:ext>
+                  </a:extLst>
+                </p:cNvPr>
+                <p:cNvPicPr/>
+                <p:nvPr/>
+              </p:nvPicPr>
+              <p:blipFill>
+                <a:blip r:embed="rId73"/>
+                <a:stretch>
+                  <a:fillRect/>
+                </a:stretch>
+              </p:blipFill>
+              <p:spPr>
+                <a:xfrm>
+                  <a:off x="6411274" y="1444863"/>
+                  <a:ext cx="320400" cy="511560"/>
+                </a:xfrm>
+                <a:prstGeom prst="rect">
+                  <a:avLst/>
+                </a:prstGeom>
+              </p:spPr>
+            </p:pic>
+          </mc:Fallback>
+        </mc:AlternateContent>
+        <mc:AlternateContent xmlns:mc="http://schemas.openxmlformats.org/markup-compatibility/2006">
+          <mc:Choice xmlns:p14="http://schemas.microsoft.com/office/powerpoint/2010/main" xmlns:aink="http://schemas.microsoft.com/office/drawing/2016/ink" Requires="p14 aink">
+            <p:contentPart p14:bwMode="auto" r:id="rId74">
+              <p14:nvContentPartPr>
+                <p14:cNvPr id="54" name="Ink 53">
+                  <a:extLst>
+                    <a:ext uri="{FF2B5EF4-FFF2-40B4-BE49-F238E27FC236}">
+                      <a16:creationId xmlns:a16="http://schemas.microsoft.com/office/drawing/2014/main" id="{C0F4B7AD-073A-9C61-8FAF-EDCA80A7FD03}"/>
+                    </a:ext>
+                  </a:extLst>
+                </p14:cNvPr>
+                <p14:cNvContentPartPr/>
+                <p14:nvPr/>
+              </p14:nvContentPartPr>
+              <p14:xfrm>
+                <a:off x="6298594" y="1247583"/>
+                <a:ext cx="288720" cy="44640"/>
+              </p14:xfrm>
+            </p:contentPart>
+          </mc:Choice>
+          <mc:Fallback>
+            <p:pic>
+              <p:nvPicPr>
+                <p:cNvPr id="54" name="Ink 53">
+                  <a:extLst>
+                    <a:ext uri="{FF2B5EF4-FFF2-40B4-BE49-F238E27FC236}">
+                      <a16:creationId xmlns:a16="http://schemas.microsoft.com/office/drawing/2014/main" id="{C0F4B7AD-073A-9C61-8FAF-EDCA80A7FD03}"/>
+                    </a:ext>
+                  </a:extLst>
+                </p:cNvPr>
+                <p:cNvPicPr/>
+                <p:nvPr/>
+              </p:nvPicPr>
+              <p:blipFill>
+                <a:blip r:embed="rId75"/>
+                <a:stretch>
+                  <a:fillRect/>
+                </a:stretch>
+              </p:blipFill>
+              <p:spPr>
+                <a:xfrm>
+                  <a:off x="6280954" y="1139943"/>
+                  <a:ext cx="324360" cy="260280"/>
+                </a:xfrm>
+                <a:prstGeom prst="rect">
+                  <a:avLst/>
+                </a:prstGeom>
+              </p:spPr>
+            </p:pic>
+          </mc:Fallback>
+        </mc:AlternateContent>
+        <mc:AlternateContent xmlns:mc="http://schemas.openxmlformats.org/markup-compatibility/2006">
+          <mc:Choice xmlns:p14="http://schemas.microsoft.com/office/powerpoint/2010/main" xmlns:aink="http://schemas.microsoft.com/office/drawing/2016/ink" Requires="p14 aink">
+            <p:contentPart p14:bwMode="auto" r:id="rId76">
+              <p14:nvContentPartPr>
+                <p14:cNvPr id="55" name="Ink 54">
+                  <a:extLst>
+                    <a:ext uri="{FF2B5EF4-FFF2-40B4-BE49-F238E27FC236}">
+                      <a16:creationId xmlns:a16="http://schemas.microsoft.com/office/drawing/2014/main" id="{C8D9B360-28FC-920C-E8E2-A7792F2383D7}"/>
+                    </a:ext>
+                  </a:extLst>
+                </p14:cNvPr>
+                <p14:cNvContentPartPr/>
+                <p14:nvPr/>
+              </p14:nvContentPartPr>
+              <p14:xfrm>
+                <a:off x="6603514" y="1088103"/>
+                <a:ext cx="217080" cy="436320"/>
+              </p14:xfrm>
+            </p:contentPart>
+          </mc:Choice>
+          <mc:Fallback>
+            <p:pic>
+              <p:nvPicPr>
+                <p:cNvPr id="55" name="Ink 54">
+                  <a:extLst>
+                    <a:ext uri="{FF2B5EF4-FFF2-40B4-BE49-F238E27FC236}">
+                      <a16:creationId xmlns:a16="http://schemas.microsoft.com/office/drawing/2014/main" id="{C8D9B360-28FC-920C-E8E2-A7792F2383D7}"/>
+                    </a:ext>
+                  </a:extLst>
+                </p:cNvPr>
+                <p:cNvPicPr/>
+                <p:nvPr/>
+              </p:nvPicPr>
+              <p:blipFill>
+                <a:blip r:embed="rId77"/>
+                <a:stretch>
+                  <a:fillRect/>
+                </a:stretch>
+              </p:blipFill>
+              <p:spPr>
+                <a:xfrm>
+                  <a:off x="6585874" y="980103"/>
+                  <a:ext cx="252720" cy="651960"/>
+                </a:xfrm>
+                <a:prstGeom prst="rect">
+                  <a:avLst/>
+                </a:prstGeom>
+              </p:spPr>
+            </p:pic>
+          </mc:Fallback>
+        </mc:AlternateContent>
+        <mc:AlternateContent xmlns:mc="http://schemas.openxmlformats.org/markup-compatibility/2006">
+          <mc:Choice xmlns:p14="http://schemas.microsoft.com/office/powerpoint/2010/main" xmlns:aink="http://schemas.microsoft.com/office/drawing/2016/ink" Requires="p14 aink">
+            <p:contentPart p14:bwMode="auto" r:id="rId78">
+              <p14:nvContentPartPr>
+                <p14:cNvPr id="57" name="Ink 56">
+                  <a:extLst>
+                    <a:ext uri="{FF2B5EF4-FFF2-40B4-BE49-F238E27FC236}">
+                      <a16:creationId xmlns:a16="http://schemas.microsoft.com/office/drawing/2014/main" id="{6482464F-6CD7-4585-4BC0-5F6E8E0F13FA}"/>
+                    </a:ext>
+                  </a:extLst>
+                </p14:cNvPr>
+                <p14:cNvContentPartPr/>
+                <p14:nvPr/>
+              </p14:nvContentPartPr>
+              <p14:xfrm>
+                <a:off x="6661834" y="1247583"/>
+                <a:ext cx="128880" cy="15120"/>
+              </p14:xfrm>
+            </p:contentPart>
+          </mc:Choice>
+          <mc:Fallback>
+            <p:pic>
+              <p:nvPicPr>
+                <p:cNvPr id="57" name="Ink 56">
+                  <a:extLst>
+                    <a:ext uri="{FF2B5EF4-FFF2-40B4-BE49-F238E27FC236}">
+                      <a16:creationId xmlns:a16="http://schemas.microsoft.com/office/drawing/2014/main" id="{6482464F-6CD7-4585-4BC0-5F6E8E0F13FA}"/>
+                    </a:ext>
+                  </a:extLst>
+                </p:cNvPr>
+                <p:cNvPicPr/>
+                <p:nvPr/>
+              </p:nvPicPr>
+              <p:blipFill>
+                <a:blip r:embed="rId79"/>
+                <a:stretch>
+                  <a:fillRect/>
+                </a:stretch>
+              </p:blipFill>
+              <p:spPr>
+                <a:xfrm>
+                  <a:off x="6643834" y="1139943"/>
+                  <a:ext cx="164520" cy="230760"/>
+                </a:xfrm>
+                <a:prstGeom prst="rect">
+                  <a:avLst/>
+                </a:prstGeom>
+              </p:spPr>
+            </p:pic>
+          </mc:Fallback>
+        </mc:AlternateContent>
+        <mc:AlternateContent xmlns:mc="http://schemas.openxmlformats.org/markup-compatibility/2006">
+          <mc:Choice xmlns:p14="http://schemas.microsoft.com/office/powerpoint/2010/main" xmlns:aink="http://schemas.microsoft.com/office/drawing/2016/ink" Requires="p14 aink">
+            <p:contentPart p14:bwMode="auto" r:id="rId80">
+              <p14:nvContentPartPr>
+                <p14:cNvPr id="58" name="Ink 57">
+                  <a:extLst>
+                    <a:ext uri="{FF2B5EF4-FFF2-40B4-BE49-F238E27FC236}">
+                      <a16:creationId xmlns:a16="http://schemas.microsoft.com/office/drawing/2014/main" id="{B79AFF94-AB1D-05B5-B62D-A21D66DEB10E}"/>
+                    </a:ext>
+                  </a:extLst>
+                </p14:cNvPr>
+                <p14:cNvContentPartPr/>
+                <p14:nvPr/>
+              </p14:nvContentPartPr>
+              <p14:xfrm>
+                <a:off x="6544474" y="1263783"/>
+                <a:ext cx="160920" cy="259920"/>
+              </p14:xfrm>
+            </p:contentPart>
+          </mc:Choice>
+          <mc:Fallback>
+            <p:pic>
+              <p:nvPicPr>
+                <p:cNvPr id="58" name="Ink 57">
+                  <a:extLst>
+                    <a:ext uri="{FF2B5EF4-FFF2-40B4-BE49-F238E27FC236}">
+                      <a16:creationId xmlns:a16="http://schemas.microsoft.com/office/drawing/2014/main" id="{B79AFF94-AB1D-05B5-B62D-A21D66DEB10E}"/>
+                    </a:ext>
+                  </a:extLst>
+                </p:cNvPr>
+                <p:cNvPicPr/>
+                <p:nvPr/>
+              </p:nvPicPr>
+              <p:blipFill>
+                <a:blip r:embed="rId81"/>
+                <a:stretch>
+                  <a:fillRect/>
+                </a:stretch>
+              </p:blipFill>
+              <p:spPr>
+                <a:xfrm>
+                  <a:off x="6526474" y="1156143"/>
+                  <a:ext cx="196560" cy="475560"/>
+                </a:xfrm>
+                <a:prstGeom prst="rect">
+                  <a:avLst/>
+                </a:prstGeom>
+              </p:spPr>
+            </p:pic>
+          </mc:Fallback>
+        </mc:AlternateContent>
+        <mc:AlternateContent xmlns:mc="http://schemas.openxmlformats.org/markup-compatibility/2006">
+          <mc:Choice xmlns:p14="http://schemas.microsoft.com/office/powerpoint/2010/main" xmlns:aink="http://schemas.microsoft.com/office/drawing/2016/ink" Requires="p14 aink">
+            <p:contentPart p14:bwMode="auto" r:id="rId82">
+              <p14:nvContentPartPr>
+                <p14:cNvPr id="60" name="Ink 59">
+                  <a:extLst>
+                    <a:ext uri="{FF2B5EF4-FFF2-40B4-BE49-F238E27FC236}">
+                      <a16:creationId xmlns:a16="http://schemas.microsoft.com/office/drawing/2014/main" id="{C6101CD4-918F-385D-1263-D7917F55EFBF}"/>
+                    </a:ext>
+                  </a:extLst>
+                </p14:cNvPr>
+                <p14:cNvContentPartPr/>
+                <p14:nvPr/>
+              </p14:nvContentPartPr>
+              <p14:xfrm>
+                <a:off x="6298594" y="964263"/>
+                <a:ext cx="303480" cy="38160"/>
+              </p14:xfrm>
+            </p:contentPart>
+          </mc:Choice>
+          <mc:Fallback>
+            <p:pic>
+              <p:nvPicPr>
+                <p:cNvPr id="60" name="Ink 59">
+                  <a:extLst>
+                    <a:ext uri="{FF2B5EF4-FFF2-40B4-BE49-F238E27FC236}">
+                      <a16:creationId xmlns:a16="http://schemas.microsoft.com/office/drawing/2014/main" id="{C6101CD4-918F-385D-1263-D7917F55EFBF}"/>
+                    </a:ext>
+                  </a:extLst>
+                </p:cNvPr>
+                <p:cNvPicPr/>
+                <p:nvPr/>
+              </p:nvPicPr>
+              <p:blipFill>
+                <a:blip r:embed="rId83"/>
+                <a:stretch>
+                  <a:fillRect/>
+                </a:stretch>
+              </p:blipFill>
+              <p:spPr>
+                <a:xfrm>
+                  <a:off x="6280954" y="856623"/>
+                  <a:ext cx="339120" cy="253800"/>
+                </a:xfrm>
+                <a:prstGeom prst="rect">
+                  <a:avLst/>
+                </a:prstGeom>
+              </p:spPr>
+            </p:pic>
+          </mc:Fallback>
+        </mc:AlternateContent>
+        <mc:AlternateContent xmlns:mc="http://schemas.openxmlformats.org/markup-compatibility/2006">
+          <mc:Choice xmlns:p14="http://schemas.microsoft.com/office/powerpoint/2010/main" xmlns:aink="http://schemas.microsoft.com/office/drawing/2016/ink" Requires="p14 aink">
+            <p:contentPart p14:bwMode="auto" r:id="rId84">
+              <p14:nvContentPartPr>
+                <p14:cNvPr id="61" name="Ink 60">
+                  <a:extLst>
+                    <a:ext uri="{FF2B5EF4-FFF2-40B4-BE49-F238E27FC236}">
+                      <a16:creationId xmlns:a16="http://schemas.microsoft.com/office/drawing/2014/main" id="{7AF4240A-7F23-6CC7-A64A-123A2134A126}"/>
+                    </a:ext>
+                  </a:extLst>
+                </p14:cNvPr>
+                <p14:cNvContentPartPr/>
+                <p14:nvPr/>
+              </p14:nvContentPartPr>
+              <p14:xfrm>
+                <a:off x="6705034" y="638103"/>
+                <a:ext cx="148680" cy="266040"/>
+              </p14:xfrm>
+            </p:contentPart>
+          </mc:Choice>
+          <mc:Fallback>
+            <p:pic>
+              <p:nvPicPr>
+                <p:cNvPr id="61" name="Ink 60">
+                  <a:extLst>
+                    <a:ext uri="{FF2B5EF4-FFF2-40B4-BE49-F238E27FC236}">
+                      <a16:creationId xmlns:a16="http://schemas.microsoft.com/office/drawing/2014/main" id="{7AF4240A-7F23-6CC7-A64A-123A2134A126}"/>
+                    </a:ext>
+                  </a:extLst>
+                </p:cNvPr>
+                <p:cNvPicPr/>
+                <p:nvPr/>
+              </p:nvPicPr>
+              <p:blipFill>
+                <a:blip r:embed="rId85"/>
+                <a:stretch>
+                  <a:fillRect/>
+                </a:stretch>
+              </p:blipFill>
+              <p:spPr>
+                <a:xfrm>
+                  <a:off x="6687394" y="530463"/>
+                  <a:ext cx="184320" cy="481680"/>
+                </a:xfrm>
+                <a:prstGeom prst="rect">
+                  <a:avLst/>
+                </a:prstGeom>
+              </p:spPr>
+            </p:pic>
+          </mc:Fallback>
+        </mc:AlternateContent>
+        <mc:AlternateContent xmlns:mc="http://schemas.openxmlformats.org/markup-compatibility/2006">
+          <mc:Choice xmlns:p14="http://schemas.microsoft.com/office/powerpoint/2010/main" xmlns:aink="http://schemas.microsoft.com/office/drawing/2016/ink" Requires="p14 aink">
+            <p:contentPart p14:bwMode="auto" r:id="rId86">
+              <p14:nvContentPartPr>
+                <p14:cNvPr id="62" name="Ink 61">
+                  <a:extLst>
+                    <a:ext uri="{FF2B5EF4-FFF2-40B4-BE49-F238E27FC236}">
+                      <a16:creationId xmlns:a16="http://schemas.microsoft.com/office/drawing/2014/main" id="{2A5D87C0-E2A4-DFCC-18BE-77A4E45C3F4A}"/>
+                    </a:ext>
+                  </a:extLst>
+                </p14:cNvPr>
+                <p14:cNvContentPartPr/>
+                <p14:nvPr/>
+              </p14:nvContentPartPr>
+              <p14:xfrm>
+                <a:off x="6850474" y="652863"/>
+                <a:ext cx="70200" cy="467280"/>
+              </p14:xfrm>
+            </p:contentPart>
+          </mc:Choice>
+          <mc:Fallback>
+            <p:pic>
+              <p:nvPicPr>
+                <p:cNvPr id="62" name="Ink 61">
+                  <a:extLst>
+                    <a:ext uri="{FF2B5EF4-FFF2-40B4-BE49-F238E27FC236}">
+                      <a16:creationId xmlns:a16="http://schemas.microsoft.com/office/drawing/2014/main" id="{2A5D87C0-E2A4-DFCC-18BE-77A4E45C3F4A}"/>
+                    </a:ext>
+                  </a:extLst>
+                </p:cNvPr>
+                <p:cNvPicPr/>
+                <p:nvPr/>
+              </p:nvPicPr>
+              <p:blipFill>
+                <a:blip r:embed="rId87"/>
+                <a:stretch>
+                  <a:fillRect/>
+                </a:stretch>
+              </p:blipFill>
+              <p:spPr>
+                <a:xfrm>
+                  <a:off x="6832834" y="545223"/>
+                  <a:ext cx="105840" cy="682920"/>
+                </a:xfrm>
+                <a:prstGeom prst="rect">
+                  <a:avLst/>
+                </a:prstGeom>
+              </p:spPr>
+            </p:pic>
+          </mc:Fallback>
+        </mc:AlternateContent>
+      </p:grpSp>
+      <mc:AlternateContent xmlns:mc="http://schemas.openxmlformats.org/markup-compatibility/2006">
+        <mc:Choice xmlns:p14="http://schemas.microsoft.com/office/powerpoint/2010/main" xmlns:aink="http://schemas.microsoft.com/office/drawing/2016/ink" Requires="p14 aink">
+          <p:contentPart p14:bwMode="auto" r:id="rId88">
+            <p14:nvContentPartPr>
+              <p14:cNvPr id="64" name="Ink 63">
+                <a:extLst>
+                  <a:ext uri="{FF2B5EF4-FFF2-40B4-BE49-F238E27FC236}">
+                    <a16:creationId xmlns:a16="http://schemas.microsoft.com/office/drawing/2014/main" id="{47EE69E5-3F3B-3719-D338-A1B62AEF1D05}"/>
+                  </a:ext>
+                </a:extLst>
+              </p14:cNvPr>
+              <p14:cNvContentPartPr/>
+              <p14:nvPr/>
+            </p14:nvContentPartPr>
+            <p14:xfrm>
+              <a:off x="-929486" y="4252143"/>
+              <a:ext cx="6120" cy="360"/>
+            </p14:xfrm>
+          </p:contentPart>
+        </mc:Choice>
+        <mc:Fallback>
+          <p:pic>
+            <p:nvPicPr>
+              <p:cNvPr id="64" name="Ink 63">
+                <a:extLst>
+                  <a:ext uri="{FF2B5EF4-FFF2-40B4-BE49-F238E27FC236}">
+                    <a16:creationId xmlns:a16="http://schemas.microsoft.com/office/drawing/2014/main" id="{47EE69E5-3F3B-3719-D338-A1B62AEF1D05}"/>
+                  </a:ext>
+                </a:extLst>
+              </p:cNvPr>
+              <p:cNvPicPr/>
+              <p:nvPr/>
+            </p:nvPicPr>
+            <p:blipFill>
+              <a:blip r:embed="rId89"/>
+              <a:stretch>
+                <a:fillRect/>
+              </a:stretch>
+            </p:blipFill>
+            <p:spPr>
+              <a:xfrm>
+                <a:off x="-947126" y="4144143"/>
+                <a:ext cx="41760" cy="216000"/>
+              </a:xfrm>
+              <a:prstGeom prst="rect">
+                <a:avLst/>
+              </a:prstGeom>
+            </p:spPr>
+          </p:pic>
+        </mc:Fallback>
+      </mc:AlternateContent>
+    </p:spTree>
+    <p:extLst>
+      <p:ext uri="{BB962C8B-B14F-4D97-AF65-F5344CB8AC3E}">
+        <p14:creationId xmlns:p14="http://schemas.microsoft.com/office/powerpoint/2010/main" val="725943278"/>
+      </p:ext>
+    </p:extLst>
+  </p:cSld>
+  <p:clrMapOvr>
+    <a:masterClrMapping/>
+  </p:clrMapOvr>
+</p:sld>
+</file>
+
+<file path=ppt/slides/slide36.xml><?xml version="1.0" encoding="utf-8"?>
+<p:sld xmlns:a="http://schemas.openxmlformats.org/drawingml/2006/main" xmlns:r="http://schemas.openxmlformats.org/officeDocument/2006/relationships" xmlns:p="http://schemas.openxmlformats.org/presentationml/2006/main">
+  <p:cSld>
+    <p:spTree>
+      <p:nvGrpSpPr>
+        <p:cNvPr id="1" name=""/>
+        <p:cNvGrpSpPr/>
+        <p:nvPr/>
+      </p:nvGrpSpPr>
+      <p:grpSpPr>
+        <a:xfrm>
+          <a:off x="0" y="0"/>
+          <a:ext cx="0" cy="0"/>
+          <a:chOff x="0" y="0"/>
+          <a:chExt cx="0" cy="0"/>
+        </a:xfrm>
+      </p:grpSpPr>
+      <p:sp>
+        <p:nvSpPr>
+          <p:cNvPr id="2" name="Title 1">
+            <a:extLst>
+              <a:ext uri="{FF2B5EF4-FFF2-40B4-BE49-F238E27FC236}">
+                <a16:creationId xmlns:a16="http://schemas.microsoft.com/office/drawing/2014/main" id="{8993D9FF-A99A-23A1-7A83-387CD031A3F1}"/>
+              </a:ext>
+            </a:extLst>
+          </p:cNvPr>
+          <p:cNvSpPr>
+            <a:spLocks noGrp="1"/>
+          </p:cNvSpPr>
+          <p:nvPr>
+            <p:ph type="title"/>
+          </p:nvPr>
+        </p:nvSpPr>
+        <p:spPr/>
+        <p:txBody>
+          <a:bodyPr/>
+          <a:lstStyle/>
+          <a:p>
+            <a:r>
+              <a:rPr lang="en-US" dirty="0"/>
+              <a:t>CSS White-Space</a:t>
+            </a:r>
+          </a:p>
+        </p:txBody>
+      </p:sp>
+      <p:sp>
+        <p:nvSpPr>
+          <p:cNvPr id="3" name="Content Placeholder 2">
+            <a:extLst>
+              <a:ext uri="{FF2B5EF4-FFF2-40B4-BE49-F238E27FC236}">
+                <a16:creationId xmlns:a16="http://schemas.microsoft.com/office/drawing/2014/main" id="{06C9DC5F-A43C-21C6-10FE-A709AEA2B02E}"/>
+              </a:ext>
+            </a:extLst>
+          </p:cNvPr>
+          <p:cNvSpPr>
+            <a:spLocks noGrp="1"/>
+          </p:cNvSpPr>
+          <p:nvPr>
+            <p:ph idx="1"/>
+          </p:nvPr>
+        </p:nvSpPr>
+        <p:spPr/>
+        <p:txBody>
+          <a:bodyPr/>
+          <a:lstStyle/>
+          <a:p>
+            <a:r>
+              <a:rPr lang="en-US" dirty="0"/>
+              <a:t>Normal</a:t>
+            </a:r>
+          </a:p>
+          <a:p>
+            <a:r>
+              <a:rPr lang="en-US" dirty="0" err="1"/>
+              <a:t>Nowrap</a:t>
+            </a:r>
+            <a:endParaRPr lang="en-US" dirty="0"/>
+          </a:p>
+          <a:p>
+            <a:r>
+              <a:rPr lang="en-US" dirty="0"/>
+              <a:t>Pre</a:t>
+            </a:r>
+          </a:p>
+          <a:p>
+            <a:r>
+              <a:rPr lang="en-US" dirty="0"/>
+              <a:t>Pre-line</a:t>
+            </a:r>
+          </a:p>
+          <a:p>
+            <a:r>
+              <a:rPr lang="en-US" dirty="0"/>
+              <a:t>Pre-wrap</a:t>
+            </a:r>
+          </a:p>
+        </p:txBody>
+      </p:sp>
+      <mc:AlternateContent xmlns:mc="http://schemas.openxmlformats.org/markup-compatibility/2006">
+        <mc:Choice xmlns:p14="http://schemas.microsoft.com/office/powerpoint/2010/main" xmlns:aink="http://schemas.microsoft.com/office/drawing/2016/ink" Requires="p14 aink">
+          <p:contentPart p14:bwMode="auto" r:id="rId2">
+            <p14:nvContentPartPr>
+              <p14:cNvPr id="4" name="Ink 3">
+                <a:extLst>
+                  <a:ext uri="{FF2B5EF4-FFF2-40B4-BE49-F238E27FC236}">
+                    <a16:creationId xmlns:a16="http://schemas.microsoft.com/office/drawing/2014/main" id="{7126152E-6C46-7909-D01A-44DAF301F35F}"/>
+                  </a:ext>
+                </a:extLst>
+              </p14:cNvPr>
+              <p14:cNvContentPartPr/>
+              <p14:nvPr/>
+            </p14:nvContentPartPr>
+            <p14:xfrm>
+              <a:off x="4978114" y="995583"/>
+              <a:ext cx="360" cy="6120"/>
+            </p14:xfrm>
+          </p:contentPart>
+        </mc:Choice>
+        <mc:Fallback>
+          <p:pic>
+            <p:nvPicPr>
+              <p:cNvPr id="4" name="Ink 3">
+                <a:extLst>
+                  <a:ext uri="{FF2B5EF4-FFF2-40B4-BE49-F238E27FC236}">
+                    <a16:creationId xmlns:a16="http://schemas.microsoft.com/office/drawing/2014/main" id="{7126152E-6C46-7909-D01A-44DAF301F35F}"/>
+                  </a:ext>
+                </a:extLst>
+              </p:cNvPr>
+              <p:cNvPicPr/>
+              <p:nvPr/>
+            </p:nvPicPr>
+            <p:blipFill>
+              <a:blip r:embed="rId3"/>
+              <a:stretch>
+                <a:fillRect/>
+              </a:stretch>
+            </p:blipFill>
+            <p:spPr>
+              <a:xfrm>
+                <a:off x="4960474" y="887583"/>
+                <a:ext cx="36000" cy="221760"/>
+              </a:xfrm>
+              <a:prstGeom prst="rect">
+                <a:avLst/>
+              </a:prstGeom>
+            </p:spPr>
+          </p:pic>
+        </mc:Fallback>
+      </mc:AlternateContent>
+      <mc:AlternateContent xmlns:mc="http://schemas.openxmlformats.org/markup-compatibility/2006">
+        <mc:Choice xmlns:p14="http://schemas.microsoft.com/office/powerpoint/2010/main" xmlns:aink="http://schemas.microsoft.com/office/drawing/2016/ink" Requires="p14 aink">
+          <p:contentPart p14:bwMode="auto" r:id="rId4">
+            <p14:nvContentPartPr>
+              <p14:cNvPr id="5" name="Ink 4">
+                <a:extLst>
+                  <a:ext uri="{FF2B5EF4-FFF2-40B4-BE49-F238E27FC236}">
+                    <a16:creationId xmlns:a16="http://schemas.microsoft.com/office/drawing/2014/main" id="{2B4A1597-CB53-6361-3FBD-AB59BF276547}"/>
+                  </a:ext>
+                </a:extLst>
+              </p14:cNvPr>
+              <p14:cNvContentPartPr/>
+              <p14:nvPr/>
+            </p14:nvContentPartPr>
+            <p14:xfrm>
+              <a:off x="2888314" y="913863"/>
+              <a:ext cx="360" cy="15120"/>
+            </p14:xfrm>
+          </p:contentPart>
+        </mc:Choice>
+        <mc:Fallback>
+          <p:pic>
+            <p:nvPicPr>
+              <p:cNvPr id="5" name="Ink 4">
+                <a:extLst>
+                  <a:ext uri="{FF2B5EF4-FFF2-40B4-BE49-F238E27FC236}">
+                    <a16:creationId xmlns:a16="http://schemas.microsoft.com/office/drawing/2014/main" id="{2B4A1597-CB53-6361-3FBD-AB59BF276547}"/>
+                  </a:ext>
+                </a:extLst>
+              </p:cNvPr>
+              <p:cNvPicPr/>
+              <p:nvPr/>
+            </p:nvPicPr>
+            <p:blipFill>
+              <a:blip r:embed="rId5"/>
+              <a:stretch>
+                <a:fillRect/>
+              </a:stretch>
+            </p:blipFill>
+            <p:spPr>
+              <a:xfrm>
+                <a:off x="2870314" y="805863"/>
+                <a:ext cx="36000" cy="230760"/>
+              </a:xfrm>
+              <a:prstGeom prst="rect">
+                <a:avLst/>
+              </a:prstGeom>
+            </p:spPr>
+          </p:pic>
+        </mc:Fallback>
+      </mc:AlternateContent>
+      <mc:AlternateContent xmlns:mc="http://schemas.openxmlformats.org/markup-compatibility/2006">
+        <mc:Choice xmlns:p14="http://schemas.microsoft.com/office/powerpoint/2010/main" xmlns:aink="http://schemas.microsoft.com/office/drawing/2016/ink" Requires="p14 aink">
+          <p:contentPart p14:bwMode="auto" r:id="rId6">
+            <p14:nvContentPartPr>
+              <p14:cNvPr id="6" name="Ink 5">
+                <a:extLst>
+                  <a:ext uri="{FF2B5EF4-FFF2-40B4-BE49-F238E27FC236}">
+                    <a16:creationId xmlns:a16="http://schemas.microsoft.com/office/drawing/2014/main" id="{84382E52-EF88-BD32-4A1A-7BAEBB1975A7}"/>
+                  </a:ext>
+                </a:extLst>
+              </p14:cNvPr>
+              <p14:cNvContentPartPr/>
+              <p14:nvPr/>
+            </p14:nvContentPartPr>
+            <p14:xfrm>
+              <a:off x="2612194" y="826743"/>
+              <a:ext cx="360" cy="360"/>
+            </p14:xfrm>
+          </p:contentPart>
+        </mc:Choice>
+        <mc:Fallback>
+          <p:pic>
+            <p:nvPicPr>
+              <p:cNvPr id="6" name="Ink 5">
+                <a:extLst>
+                  <a:ext uri="{FF2B5EF4-FFF2-40B4-BE49-F238E27FC236}">
+                    <a16:creationId xmlns:a16="http://schemas.microsoft.com/office/drawing/2014/main" id="{84382E52-EF88-BD32-4A1A-7BAEBB1975A7}"/>
+                  </a:ext>
+                </a:extLst>
+              </p:cNvPr>
+              <p:cNvPicPr/>
+              <p:nvPr/>
+            </p:nvPicPr>
+            <p:blipFill>
+              <a:blip r:embed="rId7"/>
+              <a:stretch>
+                <a:fillRect/>
+              </a:stretch>
+            </p:blipFill>
+            <p:spPr>
+              <a:xfrm>
+                <a:off x="2594554" y="719103"/>
+                <a:ext cx="36000" cy="216000"/>
+              </a:xfrm>
+              <a:prstGeom prst="rect">
+                <a:avLst/>
+              </a:prstGeom>
+            </p:spPr>
+          </p:pic>
+        </mc:Fallback>
+      </mc:AlternateContent>
+      <mc:AlternateContent xmlns:mc="http://schemas.openxmlformats.org/markup-compatibility/2006">
+        <mc:Choice xmlns:p14="http://schemas.microsoft.com/office/powerpoint/2010/main" xmlns:aink="http://schemas.microsoft.com/office/drawing/2016/ink" Requires="p14 aink">
+          <p:contentPart p14:bwMode="auto" r:id="rId8">
+            <p14:nvContentPartPr>
+              <p14:cNvPr id="7" name="Ink 6">
+                <a:extLst>
+                  <a:ext uri="{FF2B5EF4-FFF2-40B4-BE49-F238E27FC236}">
+                    <a16:creationId xmlns:a16="http://schemas.microsoft.com/office/drawing/2014/main" id="{6967A233-373E-9778-C161-BDDB92BB0D65}"/>
+                  </a:ext>
+                </a:extLst>
+              </p14:cNvPr>
+              <p14:cNvContentPartPr/>
+              <p14:nvPr/>
+            </p14:nvContentPartPr>
+            <p14:xfrm>
+              <a:off x="-610166" y="4296063"/>
+              <a:ext cx="360" cy="360"/>
+            </p14:xfrm>
+          </p:contentPart>
+        </mc:Choice>
+        <mc:Fallback>
+          <p:pic>
+            <p:nvPicPr>
+              <p:cNvPr id="7" name="Ink 6">
+                <a:extLst>
+                  <a:ext uri="{FF2B5EF4-FFF2-40B4-BE49-F238E27FC236}">
+                    <a16:creationId xmlns:a16="http://schemas.microsoft.com/office/drawing/2014/main" id="{6967A233-373E-9778-C161-BDDB92BB0D65}"/>
+                  </a:ext>
+                </a:extLst>
+              </p:cNvPr>
+              <p:cNvPicPr/>
+              <p:nvPr/>
+            </p:nvPicPr>
+            <p:blipFill>
+              <a:blip r:embed="rId9"/>
+              <a:stretch>
+                <a:fillRect/>
+              </a:stretch>
+            </p:blipFill>
+            <p:spPr>
+              <a:xfrm>
+                <a:off x="-627806" y="4188063"/>
+                <a:ext cx="36000" cy="216000"/>
+              </a:xfrm>
+              <a:prstGeom prst="rect">
+                <a:avLst/>
+              </a:prstGeom>
+            </p:spPr>
+          </p:pic>
+        </mc:Fallback>
+      </mc:AlternateContent>
+      <p:grpSp>
+        <p:nvGrpSpPr>
+          <p:cNvPr id="10" name="Group 9">
+            <a:extLst>
+              <a:ext uri="{FF2B5EF4-FFF2-40B4-BE49-F238E27FC236}">
+                <a16:creationId xmlns:a16="http://schemas.microsoft.com/office/drawing/2014/main" id="{8F50D4EB-3F9E-AA62-7A91-93D29D7336D1}"/>
+              </a:ext>
+            </a:extLst>
+          </p:cNvPr>
+          <p:cNvGrpSpPr/>
+          <p:nvPr/>
+        </p:nvGrpSpPr>
+        <p:grpSpPr>
+          <a:xfrm>
+            <a:off x="101554" y="943023"/>
+            <a:ext cx="551880" cy="1808640"/>
+            <a:chOff x="101554" y="943023"/>
+            <a:chExt cx="551880" cy="1808640"/>
+          </a:xfrm>
+        </p:grpSpPr>
+        <mc:AlternateContent xmlns:mc="http://schemas.openxmlformats.org/markup-compatibility/2006">
+          <mc:Choice xmlns:p14="http://schemas.microsoft.com/office/powerpoint/2010/main" xmlns:aink="http://schemas.microsoft.com/office/drawing/2016/ink" Requires="p14 aink">
+            <p:contentPart p14:bwMode="auto" r:id="rId10">
+              <p14:nvContentPartPr>
+                <p14:cNvPr id="8" name="Ink 7">
+                  <a:extLst>
+                    <a:ext uri="{FF2B5EF4-FFF2-40B4-BE49-F238E27FC236}">
+                      <a16:creationId xmlns:a16="http://schemas.microsoft.com/office/drawing/2014/main" id="{F2229819-6BFE-E830-003A-F12277922F4B}"/>
+                    </a:ext>
+                  </a:extLst>
+                </p14:cNvPr>
+                <p14:cNvContentPartPr/>
+                <p14:nvPr/>
+              </p14:nvContentPartPr>
+              <p14:xfrm>
+                <a:off x="101554" y="1088103"/>
+                <a:ext cx="20160" cy="6120"/>
+              </p14:xfrm>
+            </p:contentPart>
+          </mc:Choice>
+          <mc:Fallback>
+            <p:pic>
+              <p:nvPicPr>
+                <p:cNvPr id="8" name="Ink 7">
+                  <a:extLst>
+                    <a:ext uri="{FF2B5EF4-FFF2-40B4-BE49-F238E27FC236}">
+                      <a16:creationId xmlns:a16="http://schemas.microsoft.com/office/drawing/2014/main" id="{F2229819-6BFE-E830-003A-F12277922F4B}"/>
+                    </a:ext>
+                  </a:extLst>
+                </p:cNvPr>
+                <p:cNvPicPr/>
+                <p:nvPr/>
+              </p:nvPicPr>
+              <p:blipFill>
+                <a:blip r:embed="rId11"/>
+                <a:stretch>
+                  <a:fillRect/>
+                </a:stretch>
+              </p:blipFill>
+              <p:spPr>
+                <a:xfrm>
+                  <a:off x="83554" y="980103"/>
+                  <a:ext cx="55800" cy="221760"/>
+                </a:xfrm>
+                <a:prstGeom prst="rect">
+                  <a:avLst/>
+                </a:prstGeom>
+              </p:spPr>
+            </p:pic>
+          </mc:Fallback>
+        </mc:AlternateContent>
+        <mc:AlternateContent xmlns:mc="http://schemas.openxmlformats.org/markup-compatibility/2006">
+          <mc:Choice xmlns:p14="http://schemas.microsoft.com/office/powerpoint/2010/main" xmlns:aink="http://schemas.microsoft.com/office/drawing/2016/ink" Requires="p14 aink">
+            <p:contentPart p14:bwMode="auto" r:id="rId12">
+              <p14:nvContentPartPr>
+                <p14:cNvPr id="9" name="Ink 8">
+                  <a:extLst>
+                    <a:ext uri="{FF2B5EF4-FFF2-40B4-BE49-F238E27FC236}">
+                      <a16:creationId xmlns:a16="http://schemas.microsoft.com/office/drawing/2014/main" id="{67DCC705-0E80-AFA3-0B8B-41AFA84167DA}"/>
+                    </a:ext>
+                  </a:extLst>
+                </p14:cNvPr>
+                <p14:cNvContentPartPr/>
+                <p14:nvPr/>
+              </p14:nvContentPartPr>
+              <p14:xfrm>
+                <a:off x="174994" y="943023"/>
+                <a:ext cx="478440" cy="1808640"/>
+              </p14:xfrm>
+            </p:contentPart>
+          </mc:Choice>
+          <mc:Fallback>
+            <p:pic>
+              <p:nvPicPr>
+                <p:cNvPr id="9" name="Ink 8">
+                  <a:extLst>
+                    <a:ext uri="{FF2B5EF4-FFF2-40B4-BE49-F238E27FC236}">
+                      <a16:creationId xmlns:a16="http://schemas.microsoft.com/office/drawing/2014/main" id="{67DCC705-0E80-AFA3-0B8B-41AFA84167DA}"/>
+                    </a:ext>
+                  </a:extLst>
+                </p:cNvPr>
+                <p:cNvPicPr/>
+                <p:nvPr/>
+              </p:nvPicPr>
+              <p:blipFill>
+                <a:blip r:embed="rId13"/>
+                <a:stretch>
+                  <a:fillRect/>
+                </a:stretch>
+              </p:blipFill>
+              <p:spPr>
+                <a:xfrm>
+                  <a:off x="156994" y="835383"/>
+                  <a:ext cx="514080" cy="2024280"/>
+                </a:xfrm>
+                <a:prstGeom prst="rect">
+                  <a:avLst/>
+                </a:prstGeom>
+              </p:spPr>
+            </p:pic>
+          </mc:Fallback>
+        </mc:AlternateContent>
+      </p:grpSp>
+    </p:spTree>
+    <p:extLst>
+      <p:ext uri="{BB962C8B-B14F-4D97-AF65-F5344CB8AC3E}">
+        <p14:creationId xmlns:p14="http://schemas.microsoft.com/office/powerpoint/2010/main" val="209017817"/>
       </p:ext>
     </p:extLst>
   </p:cSld>

--- a/CSS3.pptx
+++ b/CSS3.pptx
@@ -41,6 +41,10 @@
     <p:sldId id="290" r:id="rId35"/>
     <p:sldId id="291" r:id="rId36"/>
     <p:sldId id="292" r:id="rId37"/>
+    <p:sldId id="293" r:id="rId38"/>
+    <p:sldId id="294" r:id="rId39"/>
+    <p:sldId id="295" r:id="rId40"/>
+    <p:sldId id="296" r:id="rId41"/>
   </p:sldIdLst>
   <p:sldSz cx="12192000" cy="6858000"/>
   <p:notesSz cx="6858000" cy="9144000"/>
@@ -1726,7 +1730,7 @@
           <a:p>
             <a:fld id="{099F8D66-D1E1-489E-B08C-301570902999}" type="datetimeFigureOut">
               <a:rPr lang="en-US" smtClean="0"/>
-              <a:t>6/26/2024</a:t>
+              <a:t>7/1/2024</a:t>
             </a:fld>
             <a:endParaRPr lang="en-US"/>
           </a:p>
@@ -1924,7 +1928,7 @@
           <a:p>
             <a:fld id="{099F8D66-D1E1-489E-B08C-301570902999}" type="datetimeFigureOut">
               <a:rPr lang="en-US" smtClean="0"/>
-              <a:t>6/26/2024</a:t>
+              <a:t>7/1/2024</a:t>
             </a:fld>
             <a:endParaRPr lang="en-US"/>
           </a:p>
@@ -2132,7 +2136,7 @@
           <a:p>
             <a:fld id="{099F8D66-D1E1-489E-B08C-301570902999}" type="datetimeFigureOut">
               <a:rPr lang="en-US" smtClean="0"/>
-              <a:t>6/26/2024</a:t>
+              <a:t>7/1/2024</a:t>
             </a:fld>
             <a:endParaRPr lang="en-US"/>
           </a:p>
@@ -2330,7 +2334,7 @@
           <a:p>
             <a:fld id="{099F8D66-D1E1-489E-B08C-301570902999}" type="datetimeFigureOut">
               <a:rPr lang="en-US" smtClean="0"/>
-              <a:t>6/26/2024</a:t>
+              <a:t>7/1/2024</a:t>
             </a:fld>
             <a:endParaRPr lang="en-US"/>
           </a:p>
@@ -2605,7 +2609,7 @@
           <a:p>
             <a:fld id="{099F8D66-D1E1-489E-B08C-301570902999}" type="datetimeFigureOut">
               <a:rPr lang="en-US" smtClean="0"/>
-              <a:t>6/26/2024</a:t>
+              <a:t>7/1/2024</a:t>
             </a:fld>
             <a:endParaRPr lang="en-US"/>
           </a:p>
@@ -2870,7 +2874,7 @@
           <a:p>
             <a:fld id="{099F8D66-D1E1-489E-B08C-301570902999}" type="datetimeFigureOut">
               <a:rPr lang="en-US" smtClean="0"/>
-              <a:t>6/26/2024</a:t>
+              <a:t>7/1/2024</a:t>
             </a:fld>
             <a:endParaRPr lang="en-US"/>
           </a:p>
@@ -3282,7 +3286,7 @@
           <a:p>
             <a:fld id="{099F8D66-D1E1-489E-B08C-301570902999}" type="datetimeFigureOut">
               <a:rPr lang="en-US" smtClean="0"/>
-              <a:t>6/26/2024</a:t>
+              <a:t>7/1/2024</a:t>
             </a:fld>
             <a:endParaRPr lang="en-US"/>
           </a:p>
@@ -3423,7 +3427,7 @@
           <a:p>
             <a:fld id="{099F8D66-D1E1-489E-B08C-301570902999}" type="datetimeFigureOut">
               <a:rPr lang="en-US" smtClean="0"/>
-              <a:t>6/26/2024</a:t>
+              <a:t>7/1/2024</a:t>
             </a:fld>
             <a:endParaRPr lang="en-US"/>
           </a:p>
@@ -3536,7 +3540,7 @@
           <a:p>
             <a:fld id="{099F8D66-D1E1-489E-B08C-301570902999}" type="datetimeFigureOut">
               <a:rPr lang="en-US" smtClean="0"/>
-              <a:t>6/26/2024</a:t>
+              <a:t>7/1/2024</a:t>
             </a:fld>
             <a:endParaRPr lang="en-US"/>
           </a:p>
@@ -3847,7 +3851,7 @@
           <a:p>
             <a:fld id="{099F8D66-D1E1-489E-B08C-301570902999}" type="datetimeFigureOut">
               <a:rPr lang="en-US" smtClean="0"/>
-              <a:t>6/26/2024</a:t>
+              <a:t>7/1/2024</a:t>
             </a:fld>
             <a:endParaRPr lang="en-US"/>
           </a:p>
@@ -4135,7 +4139,7 @@
           <a:p>
             <a:fld id="{099F8D66-D1E1-489E-B08C-301570902999}" type="datetimeFigureOut">
               <a:rPr lang="en-US" smtClean="0"/>
-              <a:t>6/26/2024</a:t>
+              <a:t>7/1/2024</a:t>
             </a:fld>
             <a:endParaRPr lang="en-US"/>
           </a:p>
@@ -4376,7 +4380,7 @@
           <a:p>
             <a:fld id="{099F8D66-D1E1-489E-B08C-301570902999}" type="datetimeFigureOut">
               <a:rPr lang="en-US" smtClean="0"/>
-              <a:t>6/26/2024</a:t>
+              <a:t>7/1/2024</a:t>
             </a:fld>
             <a:endParaRPr lang="en-US"/>
           </a:p>
@@ -12791,8 +12795,8 @@
           </a:fontRef>
         </p:style>
       </p:cxnSp>
-      <mc:AlternateContent xmlns:mc="http://schemas.openxmlformats.org/markup-compatibility/2006">
-        <mc:Choice xmlns:p14="http://schemas.microsoft.com/office/powerpoint/2010/main" Requires="p14">
+      <mc:AlternateContent xmlns:mc="http://schemas.openxmlformats.org/markup-compatibility/2006" xmlns:p14="http://schemas.microsoft.com/office/powerpoint/2010/main">
+        <mc:Choice Requires="p14">
           <p:contentPart p14:bwMode="auto" r:id="rId2">
             <p14:nvContentPartPr>
               <p14:cNvPr id="11" name="Ink 10">
@@ -12811,7 +12815,7 @@
             </p14:xfrm>
           </p:contentPart>
         </mc:Choice>
-        <mc:Fallback>
+        <mc:Fallback xmlns="">
           <p:pic>
             <p:nvPicPr>
               <p:cNvPr id="11" name="Ink 10">
@@ -12842,8 +12846,8 @@
           </p:pic>
         </mc:Fallback>
       </mc:AlternateContent>
-      <mc:AlternateContent xmlns:mc="http://schemas.openxmlformats.org/markup-compatibility/2006">
-        <mc:Choice xmlns:p14="http://schemas.microsoft.com/office/powerpoint/2010/main" Requires="p14">
+      <mc:AlternateContent xmlns:mc="http://schemas.openxmlformats.org/markup-compatibility/2006" xmlns:p14="http://schemas.microsoft.com/office/powerpoint/2010/main">
+        <mc:Choice Requires="p14">
           <p:contentPart p14:bwMode="auto" r:id="rId4">
             <p14:nvContentPartPr>
               <p14:cNvPr id="12" name="Ink 11">
@@ -12862,7 +12866,7 @@
             </p14:xfrm>
           </p:contentPart>
         </mc:Choice>
-        <mc:Fallback>
+        <mc:Fallback xmlns="">
           <p:pic>
             <p:nvPicPr>
               <p:cNvPr id="12" name="Ink 11">
@@ -12893,8 +12897,8 @@
           </p:pic>
         </mc:Fallback>
       </mc:AlternateContent>
-      <mc:AlternateContent xmlns:mc="http://schemas.openxmlformats.org/markup-compatibility/2006">
-        <mc:Choice xmlns:p14="http://schemas.microsoft.com/office/powerpoint/2010/main" Requires="p14">
+      <mc:AlternateContent xmlns:mc="http://schemas.openxmlformats.org/markup-compatibility/2006" xmlns:p14="http://schemas.microsoft.com/office/powerpoint/2010/main">
+        <mc:Choice Requires="p14">
           <p:contentPart p14:bwMode="auto" r:id="rId6">
             <p14:nvContentPartPr>
               <p14:cNvPr id="13" name="Ink 12">
@@ -12913,7 +12917,7 @@
             </p14:xfrm>
           </p:contentPart>
         </mc:Choice>
-        <mc:Fallback>
+        <mc:Fallback xmlns="">
           <p:pic>
             <p:nvPicPr>
               <p:cNvPr id="13" name="Ink 12">
@@ -12944,8 +12948,8 @@
           </p:pic>
         </mc:Fallback>
       </mc:AlternateContent>
-      <mc:AlternateContent xmlns:mc="http://schemas.openxmlformats.org/markup-compatibility/2006">
-        <mc:Choice xmlns:p14="http://schemas.microsoft.com/office/powerpoint/2010/main" Requires="p14">
+      <mc:AlternateContent xmlns:mc="http://schemas.openxmlformats.org/markup-compatibility/2006" xmlns:p14="http://schemas.microsoft.com/office/powerpoint/2010/main">
+        <mc:Choice Requires="p14">
           <p:contentPart p14:bwMode="auto" r:id="rId8">
             <p14:nvContentPartPr>
               <p14:cNvPr id="14" name="Ink 13">
@@ -12964,7 +12968,7 @@
             </p14:xfrm>
           </p:contentPart>
         </mc:Choice>
-        <mc:Fallback>
+        <mc:Fallback xmlns="">
           <p:pic>
             <p:nvPicPr>
               <p:cNvPr id="14" name="Ink 13">
@@ -12995,8 +12999,8 @@
           </p:pic>
         </mc:Fallback>
       </mc:AlternateContent>
-      <mc:AlternateContent xmlns:mc="http://schemas.openxmlformats.org/markup-compatibility/2006">
-        <mc:Choice xmlns:p14="http://schemas.microsoft.com/office/powerpoint/2010/main" Requires="p14">
+      <mc:AlternateContent xmlns:mc="http://schemas.openxmlformats.org/markup-compatibility/2006" xmlns:p14="http://schemas.microsoft.com/office/powerpoint/2010/main">
+        <mc:Choice Requires="p14">
           <p:contentPart p14:bwMode="auto" r:id="rId10">
             <p14:nvContentPartPr>
               <p14:cNvPr id="15" name="Ink 14">
@@ -13015,7 +13019,7 @@
             </p14:xfrm>
           </p:contentPart>
         </mc:Choice>
-        <mc:Fallback>
+        <mc:Fallback xmlns="">
           <p:pic>
             <p:nvPicPr>
               <p:cNvPr id="15" name="Ink 14">
@@ -13046,8 +13050,8 @@
           </p:pic>
         </mc:Fallback>
       </mc:AlternateContent>
-      <mc:AlternateContent xmlns:mc="http://schemas.openxmlformats.org/markup-compatibility/2006">
-        <mc:Choice xmlns:p14="http://schemas.microsoft.com/office/powerpoint/2010/main" Requires="p14">
+      <mc:AlternateContent xmlns:mc="http://schemas.openxmlformats.org/markup-compatibility/2006" xmlns:p14="http://schemas.microsoft.com/office/powerpoint/2010/main">
+        <mc:Choice Requires="p14">
           <p:contentPart p14:bwMode="auto" r:id="rId12">
             <p14:nvContentPartPr>
               <p14:cNvPr id="16" name="Ink 15">
@@ -13066,7 +13070,7 @@
             </p14:xfrm>
           </p:contentPart>
         </mc:Choice>
-        <mc:Fallback>
+        <mc:Fallback xmlns="">
           <p:pic>
             <p:nvPicPr>
               <p:cNvPr id="16" name="Ink 15">
@@ -13097,8 +13101,8 @@
           </p:pic>
         </mc:Fallback>
       </mc:AlternateContent>
-      <mc:AlternateContent xmlns:mc="http://schemas.openxmlformats.org/markup-compatibility/2006">
-        <mc:Choice xmlns:p14="http://schemas.microsoft.com/office/powerpoint/2010/main" Requires="p14">
+      <mc:AlternateContent xmlns:mc="http://schemas.openxmlformats.org/markup-compatibility/2006" xmlns:p14="http://schemas.microsoft.com/office/powerpoint/2010/main">
+        <mc:Choice Requires="p14">
           <p:contentPart p14:bwMode="auto" r:id="rId14">
             <p14:nvContentPartPr>
               <p14:cNvPr id="17" name="Ink 16">
@@ -13117,7 +13121,7 @@
             </p14:xfrm>
           </p:contentPart>
         </mc:Choice>
-        <mc:Fallback>
+        <mc:Fallback xmlns="">
           <p:pic>
             <p:nvPicPr>
               <p:cNvPr id="17" name="Ink 16">
@@ -13148,8 +13152,8 @@
           </p:pic>
         </mc:Fallback>
       </mc:AlternateContent>
-      <mc:AlternateContent xmlns:mc="http://schemas.openxmlformats.org/markup-compatibility/2006">
-        <mc:Choice xmlns:p14="http://schemas.microsoft.com/office/powerpoint/2010/main" Requires="p14">
+      <mc:AlternateContent xmlns:mc="http://schemas.openxmlformats.org/markup-compatibility/2006" xmlns:p14="http://schemas.microsoft.com/office/powerpoint/2010/main">
+        <mc:Choice Requires="p14">
           <p:contentPart p14:bwMode="auto" r:id="rId16">
             <p14:nvContentPartPr>
               <p14:cNvPr id="18" name="Ink 17">
@@ -13168,7 +13172,7 @@
             </p14:xfrm>
           </p:contentPart>
         </mc:Choice>
-        <mc:Fallback>
+        <mc:Fallback xmlns="">
           <p:pic>
             <p:nvPicPr>
               <p:cNvPr id="18" name="Ink 17">
@@ -13199,8 +13203,8 @@
           </p:pic>
         </mc:Fallback>
       </mc:AlternateContent>
-      <mc:AlternateContent xmlns:mc="http://schemas.openxmlformats.org/markup-compatibility/2006">
-        <mc:Choice xmlns:p14="http://schemas.microsoft.com/office/powerpoint/2010/main" xmlns:aink="http://schemas.microsoft.com/office/drawing/2016/ink" Requires="p14 aink">
+      <mc:AlternateContent xmlns:mc="http://schemas.openxmlformats.org/markup-compatibility/2006" xmlns:p14="http://schemas.microsoft.com/office/powerpoint/2010/main" xmlns:aink="http://schemas.microsoft.com/office/drawing/2016/ink">
+        <mc:Choice Requires="p14 aink">
           <p:contentPart p14:bwMode="auto" r:id="rId18">
             <p14:nvContentPartPr>
               <p14:cNvPr id="19" name="Ink 18">
@@ -13219,7 +13223,7 @@
             </p14:xfrm>
           </p:contentPart>
         </mc:Choice>
-        <mc:Fallback>
+        <mc:Fallback xmlns="">
           <p:pic>
             <p:nvPicPr>
               <p:cNvPr id="19" name="Ink 18">
@@ -13270,8 +13274,8 @@
             <a:chExt cx="1207080" cy="671040"/>
           </a:xfrm>
         </p:grpSpPr>
-        <mc:AlternateContent xmlns:mc="http://schemas.openxmlformats.org/markup-compatibility/2006">
-          <mc:Choice xmlns:p14="http://schemas.microsoft.com/office/powerpoint/2010/main" xmlns:aink="http://schemas.microsoft.com/office/drawing/2016/ink" Requires="p14 aink">
+        <mc:AlternateContent xmlns:mc="http://schemas.openxmlformats.org/markup-compatibility/2006" xmlns:p14="http://schemas.microsoft.com/office/powerpoint/2010/main" xmlns:aink="http://schemas.microsoft.com/office/drawing/2016/ink">
+          <mc:Choice Requires="p14 aink">
             <p:contentPart p14:bwMode="auto" r:id="rId20">
               <p14:nvContentPartPr>
                 <p14:cNvPr id="20" name="Ink 19">
@@ -13290,7 +13294,7 @@
               </p14:xfrm>
             </p:contentPart>
           </mc:Choice>
-          <mc:Fallback>
+          <mc:Fallback xmlns="">
             <p:pic>
               <p:nvPicPr>
                 <p:cNvPr id="20" name="Ink 19">
@@ -13321,8 +13325,8 @@
             </p:pic>
           </mc:Fallback>
         </mc:AlternateContent>
-        <mc:AlternateContent xmlns:mc="http://schemas.openxmlformats.org/markup-compatibility/2006">
-          <mc:Choice xmlns:p14="http://schemas.microsoft.com/office/powerpoint/2010/main" xmlns:aink="http://schemas.microsoft.com/office/drawing/2016/ink" Requires="p14 aink">
+        <mc:AlternateContent xmlns:mc="http://schemas.openxmlformats.org/markup-compatibility/2006" xmlns:p14="http://schemas.microsoft.com/office/powerpoint/2010/main" xmlns:aink="http://schemas.microsoft.com/office/drawing/2016/ink">
+          <mc:Choice Requires="p14 aink">
             <p:contentPart p14:bwMode="auto" r:id="rId22">
               <p14:nvContentPartPr>
                 <p14:cNvPr id="21" name="Ink 20">
@@ -13341,7 +13345,7 @@
               </p14:xfrm>
             </p:contentPart>
           </mc:Choice>
-          <mc:Fallback>
+          <mc:Fallback xmlns="">
             <p:pic>
               <p:nvPicPr>
                 <p:cNvPr id="21" name="Ink 20">
@@ -13373,8 +13377,8 @@
           </mc:Fallback>
         </mc:AlternateContent>
       </p:grpSp>
-      <mc:AlternateContent xmlns:mc="http://schemas.openxmlformats.org/markup-compatibility/2006">
-        <mc:Choice xmlns:p14="http://schemas.microsoft.com/office/powerpoint/2010/main" xmlns:aink="http://schemas.microsoft.com/office/drawing/2016/ink" Requires="p14 aink">
+      <mc:AlternateContent xmlns:mc="http://schemas.openxmlformats.org/markup-compatibility/2006" xmlns:p14="http://schemas.microsoft.com/office/powerpoint/2010/main" xmlns:aink="http://schemas.microsoft.com/office/drawing/2016/ink">
+        <mc:Choice Requires="p14 aink">
           <p:contentPart p14:bwMode="auto" r:id="rId24">
             <p14:nvContentPartPr>
               <p14:cNvPr id="22" name="Ink 21">
@@ -13393,7 +13397,7 @@
             </p14:xfrm>
           </p:contentPart>
         </mc:Choice>
-        <mc:Fallback>
+        <mc:Fallback xmlns="">
           <p:pic>
             <p:nvPicPr>
               <p:cNvPr id="22" name="Ink 21">
@@ -13444,8 +13448,8 @@
             <a:chExt cx="1567800" cy="482400"/>
           </a:xfrm>
         </p:grpSpPr>
-        <mc:AlternateContent xmlns:mc="http://schemas.openxmlformats.org/markup-compatibility/2006">
-          <mc:Choice xmlns:p14="http://schemas.microsoft.com/office/powerpoint/2010/main" xmlns:aink="http://schemas.microsoft.com/office/drawing/2016/ink" Requires="p14 aink">
+        <mc:AlternateContent xmlns:mc="http://schemas.openxmlformats.org/markup-compatibility/2006" xmlns:p14="http://schemas.microsoft.com/office/powerpoint/2010/main" xmlns:aink="http://schemas.microsoft.com/office/drawing/2016/ink">
+          <mc:Choice Requires="p14 aink">
             <p:contentPart p14:bwMode="auto" r:id="rId26">
               <p14:nvContentPartPr>
                 <p14:cNvPr id="24" name="Ink 23">
@@ -13464,7 +13468,7 @@
               </p14:xfrm>
             </p:contentPart>
           </mc:Choice>
-          <mc:Fallback>
+          <mc:Fallback xmlns="">
             <p:pic>
               <p:nvPicPr>
                 <p:cNvPr id="24" name="Ink 23">
@@ -13495,8 +13499,8 @@
             </p:pic>
           </mc:Fallback>
         </mc:AlternateContent>
-        <mc:AlternateContent xmlns:mc="http://schemas.openxmlformats.org/markup-compatibility/2006">
-          <mc:Choice xmlns:p14="http://schemas.microsoft.com/office/powerpoint/2010/main" xmlns:aink="http://schemas.microsoft.com/office/drawing/2016/ink" Requires="p14 aink">
+        <mc:AlternateContent xmlns:mc="http://schemas.openxmlformats.org/markup-compatibility/2006" xmlns:p14="http://schemas.microsoft.com/office/powerpoint/2010/main" xmlns:aink="http://schemas.microsoft.com/office/drawing/2016/ink">
+          <mc:Choice Requires="p14 aink">
             <p:contentPart p14:bwMode="auto" r:id="rId28">
               <p14:nvContentPartPr>
                 <p14:cNvPr id="25" name="Ink 24">
@@ -13515,7 +13519,7 @@
               </p14:xfrm>
             </p:contentPart>
           </mc:Choice>
-          <mc:Fallback>
+          <mc:Fallback xmlns="">
             <p:pic>
               <p:nvPicPr>
                 <p:cNvPr id="25" name="Ink 24">
@@ -13546,8 +13550,8 @@
             </p:pic>
           </mc:Fallback>
         </mc:AlternateContent>
-        <mc:AlternateContent xmlns:mc="http://schemas.openxmlformats.org/markup-compatibility/2006">
-          <mc:Choice xmlns:p14="http://schemas.microsoft.com/office/powerpoint/2010/main" xmlns:aink="http://schemas.microsoft.com/office/drawing/2016/ink" Requires="p14 aink">
+        <mc:AlternateContent xmlns:mc="http://schemas.openxmlformats.org/markup-compatibility/2006" xmlns:p14="http://schemas.microsoft.com/office/powerpoint/2010/main" xmlns:aink="http://schemas.microsoft.com/office/drawing/2016/ink">
+          <mc:Choice Requires="p14 aink">
             <p:contentPart p14:bwMode="auto" r:id="rId30">
               <p14:nvContentPartPr>
                 <p14:cNvPr id="26" name="Ink 25">
@@ -13566,7 +13570,7 @@
               </p14:xfrm>
             </p:contentPart>
           </mc:Choice>
-          <mc:Fallback>
+          <mc:Fallback xmlns="">
             <p:pic>
               <p:nvPicPr>
                 <p:cNvPr id="26" name="Ink 25">
@@ -13597,8 +13601,8 @@
             </p:pic>
           </mc:Fallback>
         </mc:AlternateContent>
-        <mc:AlternateContent xmlns:mc="http://schemas.openxmlformats.org/markup-compatibility/2006">
-          <mc:Choice xmlns:p14="http://schemas.microsoft.com/office/powerpoint/2010/main" xmlns:aink="http://schemas.microsoft.com/office/drawing/2016/ink" Requires="p14 aink">
+        <mc:AlternateContent xmlns:mc="http://schemas.openxmlformats.org/markup-compatibility/2006" xmlns:p14="http://schemas.microsoft.com/office/powerpoint/2010/main" xmlns:aink="http://schemas.microsoft.com/office/drawing/2016/ink">
+          <mc:Choice Requires="p14 aink">
             <p:contentPart p14:bwMode="auto" r:id="rId32">
               <p14:nvContentPartPr>
                 <p14:cNvPr id="27" name="Ink 26">
@@ -13617,7 +13621,7 @@
               </p14:xfrm>
             </p:contentPart>
           </mc:Choice>
-          <mc:Fallback>
+          <mc:Fallback xmlns="">
             <p:pic>
               <p:nvPicPr>
                 <p:cNvPr id="27" name="Ink 26">
@@ -13648,8 +13652,8 @@
             </p:pic>
           </mc:Fallback>
         </mc:AlternateContent>
-        <mc:AlternateContent xmlns:mc="http://schemas.openxmlformats.org/markup-compatibility/2006">
-          <mc:Choice xmlns:p14="http://schemas.microsoft.com/office/powerpoint/2010/main" xmlns:aink="http://schemas.microsoft.com/office/drawing/2016/ink" Requires="p14 aink">
+        <mc:AlternateContent xmlns:mc="http://schemas.openxmlformats.org/markup-compatibility/2006" xmlns:p14="http://schemas.microsoft.com/office/powerpoint/2010/main" xmlns:aink="http://schemas.microsoft.com/office/drawing/2016/ink">
+          <mc:Choice Requires="p14 aink">
             <p:contentPart p14:bwMode="auto" r:id="rId34">
               <p14:nvContentPartPr>
                 <p14:cNvPr id="29" name="Ink 28">
@@ -13668,7 +13672,7 @@
               </p14:xfrm>
             </p:contentPart>
           </mc:Choice>
-          <mc:Fallback>
+          <mc:Fallback xmlns="">
             <p:pic>
               <p:nvPicPr>
                 <p:cNvPr id="29" name="Ink 28">
@@ -13699,8 +13703,8 @@
             </p:pic>
           </mc:Fallback>
         </mc:AlternateContent>
-        <mc:AlternateContent xmlns:mc="http://schemas.openxmlformats.org/markup-compatibility/2006">
-          <mc:Choice xmlns:p14="http://schemas.microsoft.com/office/powerpoint/2010/main" xmlns:aink="http://schemas.microsoft.com/office/drawing/2016/ink" Requires="p14 aink">
+        <mc:AlternateContent xmlns:mc="http://schemas.openxmlformats.org/markup-compatibility/2006" xmlns:p14="http://schemas.microsoft.com/office/powerpoint/2010/main" xmlns:aink="http://schemas.microsoft.com/office/drawing/2016/ink">
+          <mc:Choice Requires="p14 aink">
             <p:contentPart p14:bwMode="auto" r:id="rId36">
               <p14:nvContentPartPr>
                 <p14:cNvPr id="30" name="Ink 29">
@@ -13719,7 +13723,7 @@
               </p14:xfrm>
             </p:contentPart>
           </mc:Choice>
-          <mc:Fallback>
+          <mc:Fallback xmlns="">
             <p:pic>
               <p:nvPicPr>
                 <p:cNvPr id="30" name="Ink 29">
@@ -13771,8 +13775,8 @@
             <a:chExt cx="512640" cy="621720"/>
           </a:xfrm>
         </p:grpSpPr>
-        <mc:AlternateContent xmlns:mc="http://schemas.openxmlformats.org/markup-compatibility/2006">
-          <mc:Choice xmlns:p14="http://schemas.microsoft.com/office/powerpoint/2010/main" xmlns:aink="http://schemas.microsoft.com/office/drawing/2016/ink" Requires="p14 aink">
+        <mc:AlternateContent xmlns:mc="http://schemas.openxmlformats.org/markup-compatibility/2006" xmlns:p14="http://schemas.microsoft.com/office/powerpoint/2010/main" xmlns:aink="http://schemas.microsoft.com/office/drawing/2016/ink">
+          <mc:Choice Requires="p14 aink">
             <p:contentPart p14:bwMode="auto" r:id="rId38">
               <p14:nvContentPartPr>
                 <p14:cNvPr id="32" name="Ink 31">
@@ -13791,7 +13795,7 @@
               </p14:xfrm>
             </p:contentPart>
           </mc:Choice>
-          <mc:Fallback>
+          <mc:Fallback xmlns="">
             <p:pic>
               <p:nvPicPr>
                 <p:cNvPr id="32" name="Ink 31">
@@ -13822,8 +13826,8 @@
             </p:pic>
           </mc:Fallback>
         </mc:AlternateContent>
-        <mc:AlternateContent xmlns:mc="http://schemas.openxmlformats.org/markup-compatibility/2006">
-          <mc:Choice xmlns:p14="http://schemas.microsoft.com/office/powerpoint/2010/main" xmlns:aink="http://schemas.microsoft.com/office/drawing/2016/ink" Requires="p14 aink">
+        <mc:AlternateContent xmlns:mc="http://schemas.openxmlformats.org/markup-compatibility/2006" xmlns:p14="http://schemas.microsoft.com/office/powerpoint/2010/main" xmlns:aink="http://schemas.microsoft.com/office/drawing/2016/ink">
+          <mc:Choice Requires="p14 aink">
             <p:contentPart p14:bwMode="auto" r:id="rId40">
               <p14:nvContentPartPr>
                 <p14:cNvPr id="33" name="Ink 32">
@@ -13842,7 +13846,7 @@
               </p14:xfrm>
             </p:contentPart>
           </mc:Choice>
-          <mc:Fallback>
+          <mc:Fallback xmlns="">
             <p:pic>
               <p:nvPicPr>
                 <p:cNvPr id="33" name="Ink 32">
@@ -13944,8 +13948,8 @@
           </a:p>
         </p:txBody>
       </p:sp>
-      <mc:AlternateContent xmlns:mc="http://schemas.openxmlformats.org/markup-compatibility/2006">
-        <mc:Choice xmlns:p14="http://schemas.microsoft.com/office/powerpoint/2010/main" xmlns:aink="http://schemas.microsoft.com/office/drawing/2016/ink" Requires="p14 aink">
+      <mc:AlternateContent xmlns:mc="http://schemas.openxmlformats.org/markup-compatibility/2006" xmlns:p14="http://schemas.microsoft.com/office/powerpoint/2010/main" xmlns:aink="http://schemas.microsoft.com/office/drawing/2016/ink">
+        <mc:Choice Requires="p14 aink">
           <p:contentPart p14:bwMode="auto" r:id="rId42">
             <p14:nvContentPartPr>
               <p14:cNvPr id="37" name="Ink 36">
@@ -13964,7 +13968,7 @@
             </p14:xfrm>
           </p:contentPart>
         </mc:Choice>
-        <mc:Fallback>
+        <mc:Fallback xmlns="">
           <p:pic>
             <p:nvPicPr>
               <p:cNvPr id="37" name="Ink 36">
@@ -13995,8 +13999,8 @@
           </p:pic>
         </mc:Fallback>
       </mc:AlternateContent>
-      <mc:AlternateContent xmlns:mc="http://schemas.openxmlformats.org/markup-compatibility/2006">
-        <mc:Choice xmlns:p14="http://schemas.microsoft.com/office/powerpoint/2010/main" xmlns:aink="http://schemas.microsoft.com/office/drawing/2016/ink" Requires="p14 aink">
+      <mc:AlternateContent xmlns:mc="http://schemas.openxmlformats.org/markup-compatibility/2006" xmlns:p14="http://schemas.microsoft.com/office/powerpoint/2010/main" xmlns:aink="http://schemas.microsoft.com/office/drawing/2016/ink">
+        <mc:Choice Requires="p14 aink">
           <p:contentPart p14:bwMode="auto" r:id="rId44">
             <p14:nvContentPartPr>
               <p14:cNvPr id="38" name="Ink 37">
@@ -14015,7 +14019,7 @@
             </p14:xfrm>
           </p:contentPart>
         </mc:Choice>
-        <mc:Fallback>
+        <mc:Fallback xmlns="">
           <p:pic>
             <p:nvPicPr>
               <p:cNvPr id="38" name="Ink 37">
@@ -14046,8 +14050,8 @@
           </p:pic>
         </mc:Fallback>
       </mc:AlternateContent>
-      <mc:AlternateContent xmlns:mc="http://schemas.openxmlformats.org/markup-compatibility/2006">
-        <mc:Choice xmlns:p14="http://schemas.microsoft.com/office/powerpoint/2010/main" xmlns:aink="http://schemas.microsoft.com/office/drawing/2016/ink" Requires="p14 aink">
+      <mc:AlternateContent xmlns:mc="http://schemas.openxmlformats.org/markup-compatibility/2006" xmlns:p14="http://schemas.microsoft.com/office/powerpoint/2010/main" xmlns:aink="http://schemas.microsoft.com/office/drawing/2016/ink">
+        <mc:Choice Requires="p14 aink">
           <p:contentPart p14:bwMode="auto" r:id="rId46">
             <p14:nvContentPartPr>
               <p14:cNvPr id="39" name="Ink 38">
@@ -14066,7 +14070,7 @@
             </p14:xfrm>
           </p:contentPart>
         </mc:Choice>
-        <mc:Fallback>
+        <mc:Fallback xmlns="">
           <p:pic>
             <p:nvPicPr>
               <p:cNvPr id="39" name="Ink 38">
@@ -14097,8 +14101,8 @@
           </p:pic>
         </mc:Fallback>
       </mc:AlternateContent>
-      <mc:AlternateContent xmlns:mc="http://schemas.openxmlformats.org/markup-compatibility/2006">
-        <mc:Choice xmlns:p14="http://schemas.microsoft.com/office/powerpoint/2010/main" xmlns:aink="http://schemas.microsoft.com/office/drawing/2016/ink" Requires="p14 aink">
+      <mc:AlternateContent xmlns:mc="http://schemas.openxmlformats.org/markup-compatibility/2006" xmlns:p14="http://schemas.microsoft.com/office/powerpoint/2010/main" xmlns:aink="http://schemas.microsoft.com/office/drawing/2016/ink">
+        <mc:Choice Requires="p14 aink">
           <p:contentPart p14:bwMode="auto" r:id="rId48">
             <p14:nvContentPartPr>
               <p14:cNvPr id="40" name="Ink 39">
@@ -14117,7 +14121,7 @@
             </p14:xfrm>
           </p:contentPart>
         </mc:Choice>
-        <mc:Fallback>
+        <mc:Fallback xmlns="">
           <p:pic>
             <p:nvPicPr>
               <p:cNvPr id="40" name="Ink 39">
@@ -14148,8 +14152,8 @@
           </p:pic>
         </mc:Fallback>
       </mc:AlternateContent>
-      <mc:AlternateContent xmlns:mc="http://schemas.openxmlformats.org/markup-compatibility/2006">
-        <mc:Choice xmlns:p14="http://schemas.microsoft.com/office/powerpoint/2010/main" xmlns:aink="http://schemas.microsoft.com/office/drawing/2016/ink" Requires="p14 aink">
+      <mc:AlternateContent xmlns:mc="http://schemas.openxmlformats.org/markup-compatibility/2006" xmlns:p14="http://schemas.microsoft.com/office/powerpoint/2010/main" xmlns:aink="http://schemas.microsoft.com/office/drawing/2016/ink">
+        <mc:Choice Requires="p14 aink">
           <p:contentPart p14:bwMode="auto" r:id="rId50">
             <p14:nvContentPartPr>
               <p14:cNvPr id="41" name="Ink 40">
@@ -14168,7 +14172,7 @@
             </p14:xfrm>
           </p:contentPart>
         </mc:Choice>
-        <mc:Fallback>
+        <mc:Fallback xmlns="">
           <p:pic>
             <p:nvPicPr>
               <p:cNvPr id="41" name="Ink 40">
@@ -14199,8 +14203,8 @@
           </p:pic>
         </mc:Fallback>
       </mc:AlternateContent>
-      <mc:AlternateContent xmlns:mc="http://schemas.openxmlformats.org/markup-compatibility/2006">
-        <mc:Choice xmlns:p14="http://schemas.microsoft.com/office/powerpoint/2010/main" xmlns:aink="http://schemas.microsoft.com/office/drawing/2016/ink" Requires="p14 aink">
+      <mc:AlternateContent xmlns:mc="http://schemas.openxmlformats.org/markup-compatibility/2006" xmlns:p14="http://schemas.microsoft.com/office/powerpoint/2010/main" xmlns:aink="http://schemas.microsoft.com/office/drawing/2016/ink">
+        <mc:Choice Requires="p14 aink">
           <p:contentPart p14:bwMode="auto" r:id="rId52">
             <p14:nvContentPartPr>
               <p14:cNvPr id="42" name="Ink 41">
@@ -14219,7 +14223,7 @@
             </p14:xfrm>
           </p:contentPart>
         </mc:Choice>
-        <mc:Fallback>
+        <mc:Fallback xmlns="">
           <p:pic>
             <p:nvPicPr>
               <p:cNvPr id="42" name="Ink 41">
@@ -14250,8 +14254,8 @@
           </p:pic>
         </mc:Fallback>
       </mc:AlternateContent>
-      <mc:AlternateContent xmlns:mc="http://schemas.openxmlformats.org/markup-compatibility/2006">
-        <mc:Choice xmlns:p14="http://schemas.microsoft.com/office/powerpoint/2010/main" xmlns:aink="http://schemas.microsoft.com/office/drawing/2016/ink" Requires="p14 aink">
+      <mc:AlternateContent xmlns:mc="http://schemas.openxmlformats.org/markup-compatibility/2006" xmlns:p14="http://schemas.microsoft.com/office/powerpoint/2010/main" xmlns:aink="http://schemas.microsoft.com/office/drawing/2016/ink">
+        <mc:Choice Requires="p14 aink">
           <p:contentPart p14:bwMode="auto" r:id="rId54">
             <p14:nvContentPartPr>
               <p14:cNvPr id="43" name="Ink 42">
@@ -14270,7 +14274,7 @@
             </p14:xfrm>
           </p:contentPart>
         </mc:Choice>
-        <mc:Fallback>
+        <mc:Fallback xmlns="">
           <p:pic>
             <p:nvPicPr>
               <p:cNvPr id="43" name="Ink 42">
@@ -14301,8 +14305,8 @@
           </p:pic>
         </mc:Fallback>
       </mc:AlternateContent>
-      <mc:AlternateContent xmlns:mc="http://schemas.openxmlformats.org/markup-compatibility/2006">
-        <mc:Choice xmlns:p14="http://schemas.microsoft.com/office/powerpoint/2010/main" xmlns:aink="http://schemas.microsoft.com/office/drawing/2016/ink" Requires="p14 aink">
+      <mc:AlternateContent xmlns:mc="http://schemas.openxmlformats.org/markup-compatibility/2006" xmlns:p14="http://schemas.microsoft.com/office/powerpoint/2010/main" xmlns:aink="http://schemas.microsoft.com/office/drawing/2016/ink">
+        <mc:Choice Requires="p14 aink">
           <p:contentPart p14:bwMode="auto" r:id="rId56">
             <p14:nvContentPartPr>
               <p14:cNvPr id="44" name="Ink 43">
@@ -14321,7 +14325,7 @@
             </p14:xfrm>
           </p:contentPart>
         </mc:Choice>
-        <mc:Fallback>
+        <mc:Fallback xmlns="">
           <p:pic>
             <p:nvPicPr>
               <p:cNvPr id="44" name="Ink 43">
@@ -14372,8 +14376,8 @@
             <a:chExt cx="434520" cy="1812960"/>
           </a:xfrm>
         </p:grpSpPr>
-        <mc:AlternateContent xmlns:mc="http://schemas.openxmlformats.org/markup-compatibility/2006">
-          <mc:Choice xmlns:p14="http://schemas.microsoft.com/office/powerpoint/2010/main" xmlns:aink="http://schemas.microsoft.com/office/drawing/2016/ink" Requires="p14 aink">
+        <mc:AlternateContent xmlns:mc="http://schemas.openxmlformats.org/markup-compatibility/2006" xmlns:p14="http://schemas.microsoft.com/office/powerpoint/2010/main" xmlns:aink="http://schemas.microsoft.com/office/drawing/2016/ink">
+          <mc:Choice Requires="p14 aink">
             <p:contentPart p14:bwMode="auto" r:id="rId58">
               <p14:nvContentPartPr>
                 <p14:cNvPr id="45" name="Ink 44">
@@ -14392,7 +14396,7 @@
               </p14:xfrm>
             </p:contentPart>
           </mc:Choice>
-          <mc:Fallback>
+          <mc:Fallback xmlns="">
             <p:pic>
               <p:nvPicPr>
                 <p:cNvPr id="45" name="Ink 44">
@@ -14423,8 +14427,8 @@
             </p:pic>
           </mc:Fallback>
         </mc:AlternateContent>
-        <mc:AlternateContent xmlns:mc="http://schemas.openxmlformats.org/markup-compatibility/2006">
-          <mc:Choice xmlns:p14="http://schemas.microsoft.com/office/powerpoint/2010/main" xmlns:aink="http://schemas.microsoft.com/office/drawing/2016/ink" Requires="p14 aink">
+        <mc:AlternateContent xmlns:mc="http://schemas.openxmlformats.org/markup-compatibility/2006" xmlns:p14="http://schemas.microsoft.com/office/powerpoint/2010/main" xmlns:aink="http://schemas.microsoft.com/office/drawing/2016/ink">
+          <mc:Choice Requires="p14 aink">
             <p:contentPart p14:bwMode="auto" r:id="rId60">
               <p14:nvContentPartPr>
                 <p14:cNvPr id="46" name="Ink 45">
@@ -14443,7 +14447,7 @@
               </p14:xfrm>
             </p:contentPart>
           </mc:Choice>
-          <mc:Fallback>
+          <mc:Fallback xmlns="">
             <p:pic>
               <p:nvPicPr>
                 <p:cNvPr id="46" name="Ink 45">
@@ -14474,8 +14478,8 @@
             </p:pic>
           </mc:Fallback>
         </mc:AlternateContent>
-        <mc:AlternateContent xmlns:mc="http://schemas.openxmlformats.org/markup-compatibility/2006">
-          <mc:Choice xmlns:p14="http://schemas.microsoft.com/office/powerpoint/2010/main" xmlns:aink="http://schemas.microsoft.com/office/drawing/2016/ink" Requires="p14 aink">
+        <mc:AlternateContent xmlns:mc="http://schemas.openxmlformats.org/markup-compatibility/2006" xmlns:p14="http://schemas.microsoft.com/office/powerpoint/2010/main" xmlns:aink="http://schemas.microsoft.com/office/drawing/2016/ink">
+          <mc:Choice Requires="p14 aink">
             <p:contentPart p14:bwMode="auto" r:id="rId62">
               <p14:nvContentPartPr>
                 <p14:cNvPr id="47" name="Ink 46">
@@ -14494,7 +14498,7 @@
               </p14:xfrm>
             </p:contentPart>
           </mc:Choice>
-          <mc:Fallback>
+          <mc:Fallback xmlns="">
             <p:pic>
               <p:nvPicPr>
                 <p:cNvPr id="47" name="Ink 46">
@@ -14525,8 +14529,8 @@
             </p:pic>
           </mc:Fallback>
         </mc:AlternateContent>
-        <mc:AlternateContent xmlns:mc="http://schemas.openxmlformats.org/markup-compatibility/2006">
-          <mc:Choice xmlns:p14="http://schemas.microsoft.com/office/powerpoint/2010/main" xmlns:aink="http://schemas.microsoft.com/office/drawing/2016/ink" Requires="p14 aink">
+        <mc:AlternateContent xmlns:mc="http://schemas.openxmlformats.org/markup-compatibility/2006" xmlns:p14="http://schemas.microsoft.com/office/powerpoint/2010/main" xmlns:aink="http://schemas.microsoft.com/office/drawing/2016/ink">
+          <mc:Choice Requires="p14 aink">
             <p:contentPart p14:bwMode="auto" r:id="rId64">
               <p14:nvContentPartPr>
                 <p14:cNvPr id="48" name="Ink 47">
@@ -14545,7 +14549,7 @@
               </p14:xfrm>
             </p:contentPart>
           </mc:Choice>
-          <mc:Fallback>
+          <mc:Fallback xmlns="">
             <p:pic>
               <p:nvPicPr>
                 <p:cNvPr id="48" name="Ink 47">
@@ -14597,8 +14601,8 @@
             <a:chExt cx="869040" cy="1667880"/>
           </a:xfrm>
         </p:grpSpPr>
-        <mc:AlternateContent xmlns:mc="http://schemas.openxmlformats.org/markup-compatibility/2006">
-          <mc:Choice xmlns:p14="http://schemas.microsoft.com/office/powerpoint/2010/main" xmlns:aink="http://schemas.microsoft.com/office/drawing/2016/ink" Requires="p14 aink">
+        <mc:AlternateContent xmlns:mc="http://schemas.openxmlformats.org/markup-compatibility/2006" xmlns:p14="http://schemas.microsoft.com/office/powerpoint/2010/main" xmlns:aink="http://schemas.microsoft.com/office/drawing/2016/ink">
+          <mc:Choice Requires="p14 aink">
             <p:contentPart p14:bwMode="auto" r:id="rId66">
               <p14:nvContentPartPr>
                 <p14:cNvPr id="50" name="Ink 49">
@@ -14617,7 +14621,7 @@
               </p14:xfrm>
             </p:contentPart>
           </mc:Choice>
-          <mc:Fallback>
+          <mc:Fallback xmlns="">
             <p:pic>
               <p:nvPicPr>
                 <p:cNvPr id="50" name="Ink 49">
@@ -14648,8 +14652,8 @@
             </p:pic>
           </mc:Fallback>
         </mc:AlternateContent>
-        <mc:AlternateContent xmlns:mc="http://schemas.openxmlformats.org/markup-compatibility/2006">
-          <mc:Choice xmlns:p14="http://schemas.microsoft.com/office/powerpoint/2010/main" xmlns:aink="http://schemas.microsoft.com/office/drawing/2016/ink" Requires="p14 aink">
+        <mc:AlternateContent xmlns:mc="http://schemas.openxmlformats.org/markup-compatibility/2006" xmlns:p14="http://schemas.microsoft.com/office/powerpoint/2010/main" xmlns:aink="http://schemas.microsoft.com/office/drawing/2016/ink">
+          <mc:Choice Requires="p14 aink">
             <p:contentPart p14:bwMode="auto" r:id="rId68">
               <p14:nvContentPartPr>
                 <p14:cNvPr id="51" name="Ink 50">
@@ -14668,7 +14672,7 @@
               </p14:xfrm>
             </p:contentPart>
           </mc:Choice>
-          <mc:Fallback>
+          <mc:Fallback xmlns="">
             <p:pic>
               <p:nvPicPr>
                 <p:cNvPr id="51" name="Ink 50">
@@ -14699,8 +14703,8 @@
             </p:pic>
           </mc:Fallback>
         </mc:AlternateContent>
-        <mc:AlternateContent xmlns:mc="http://schemas.openxmlformats.org/markup-compatibility/2006">
-          <mc:Choice xmlns:p14="http://schemas.microsoft.com/office/powerpoint/2010/main" xmlns:aink="http://schemas.microsoft.com/office/drawing/2016/ink" Requires="p14 aink">
+        <mc:AlternateContent xmlns:mc="http://schemas.openxmlformats.org/markup-compatibility/2006" xmlns:p14="http://schemas.microsoft.com/office/powerpoint/2010/main" xmlns:aink="http://schemas.microsoft.com/office/drawing/2016/ink">
+          <mc:Choice Requires="p14 aink">
             <p:contentPart p14:bwMode="auto" r:id="rId70">
               <p14:nvContentPartPr>
                 <p14:cNvPr id="52" name="Ink 51">
@@ -14719,7 +14723,7 @@
               </p14:xfrm>
             </p:contentPart>
           </mc:Choice>
-          <mc:Fallback>
+          <mc:Fallback xmlns="">
             <p:pic>
               <p:nvPicPr>
                 <p:cNvPr id="52" name="Ink 51">
@@ -14750,8 +14754,8 @@
             </p:pic>
           </mc:Fallback>
         </mc:AlternateContent>
-        <mc:AlternateContent xmlns:mc="http://schemas.openxmlformats.org/markup-compatibility/2006">
-          <mc:Choice xmlns:p14="http://schemas.microsoft.com/office/powerpoint/2010/main" xmlns:aink="http://schemas.microsoft.com/office/drawing/2016/ink" Requires="p14 aink">
+        <mc:AlternateContent xmlns:mc="http://schemas.openxmlformats.org/markup-compatibility/2006" xmlns:p14="http://schemas.microsoft.com/office/powerpoint/2010/main" xmlns:aink="http://schemas.microsoft.com/office/drawing/2016/ink">
+          <mc:Choice Requires="p14 aink">
             <p:contentPart p14:bwMode="auto" r:id="rId72">
               <p14:nvContentPartPr>
                 <p14:cNvPr id="53" name="Ink 52">
@@ -14770,7 +14774,7 @@
               </p14:xfrm>
             </p:contentPart>
           </mc:Choice>
-          <mc:Fallback>
+          <mc:Fallback xmlns="">
             <p:pic>
               <p:nvPicPr>
                 <p:cNvPr id="53" name="Ink 52">
@@ -14801,8 +14805,8 @@
             </p:pic>
           </mc:Fallback>
         </mc:AlternateContent>
-        <mc:AlternateContent xmlns:mc="http://schemas.openxmlformats.org/markup-compatibility/2006">
-          <mc:Choice xmlns:p14="http://schemas.microsoft.com/office/powerpoint/2010/main" xmlns:aink="http://schemas.microsoft.com/office/drawing/2016/ink" Requires="p14 aink">
+        <mc:AlternateContent xmlns:mc="http://schemas.openxmlformats.org/markup-compatibility/2006" xmlns:p14="http://schemas.microsoft.com/office/powerpoint/2010/main" xmlns:aink="http://schemas.microsoft.com/office/drawing/2016/ink">
+          <mc:Choice Requires="p14 aink">
             <p:contentPart p14:bwMode="auto" r:id="rId74">
               <p14:nvContentPartPr>
                 <p14:cNvPr id="54" name="Ink 53">
@@ -14821,7 +14825,7 @@
               </p14:xfrm>
             </p:contentPart>
           </mc:Choice>
-          <mc:Fallback>
+          <mc:Fallback xmlns="">
             <p:pic>
               <p:nvPicPr>
                 <p:cNvPr id="54" name="Ink 53">
@@ -14852,8 +14856,8 @@
             </p:pic>
           </mc:Fallback>
         </mc:AlternateContent>
-        <mc:AlternateContent xmlns:mc="http://schemas.openxmlformats.org/markup-compatibility/2006">
-          <mc:Choice xmlns:p14="http://schemas.microsoft.com/office/powerpoint/2010/main" xmlns:aink="http://schemas.microsoft.com/office/drawing/2016/ink" Requires="p14 aink">
+        <mc:AlternateContent xmlns:mc="http://schemas.openxmlformats.org/markup-compatibility/2006" xmlns:p14="http://schemas.microsoft.com/office/powerpoint/2010/main" xmlns:aink="http://schemas.microsoft.com/office/drawing/2016/ink">
+          <mc:Choice Requires="p14 aink">
             <p:contentPart p14:bwMode="auto" r:id="rId76">
               <p14:nvContentPartPr>
                 <p14:cNvPr id="55" name="Ink 54">
@@ -14872,7 +14876,7 @@
               </p14:xfrm>
             </p:contentPart>
           </mc:Choice>
-          <mc:Fallback>
+          <mc:Fallback xmlns="">
             <p:pic>
               <p:nvPicPr>
                 <p:cNvPr id="55" name="Ink 54">
@@ -14903,8 +14907,8 @@
             </p:pic>
           </mc:Fallback>
         </mc:AlternateContent>
-        <mc:AlternateContent xmlns:mc="http://schemas.openxmlformats.org/markup-compatibility/2006">
-          <mc:Choice xmlns:p14="http://schemas.microsoft.com/office/powerpoint/2010/main" xmlns:aink="http://schemas.microsoft.com/office/drawing/2016/ink" Requires="p14 aink">
+        <mc:AlternateContent xmlns:mc="http://schemas.openxmlformats.org/markup-compatibility/2006" xmlns:p14="http://schemas.microsoft.com/office/powerpoint/2010/main" xmlns:aink="http://schemas.microsoft.com/office/drawing/2016/ink">
+          <mc:Choice Requires="p14 aink">
             <p:contentPart p14:bwMode="auto" r:id="rId78">
               <p14:nvContentPartPr>
                 <p14:cNvPr id="57" name="Ink 56">
@@ -14923,7 +14927,7 @@
               </p14:xfrm>
             </p:contentPart>
           </mc:Choice>
-          <mc:Fallback>
+          <mc:Fallback xmlns="">
             <p:pic>
               <p:nvPicPr>
                 <p:cNvPr id="57" name="Ink 56">
@@ -14954,8 +14958,8 @@
             </p:pic>
           </mc:Fallback>
         </mc:AlternateContent>
-        <mc:AlternateContent xmlns:mc="http://schemas.openxmlformats.org/markup-compatibility/2006">
-          <mc:Choice xmlns:p14="http://schemas.microsoft.com/office/powerpoint/2010/main" xmlns:aink="http://schemas.microsoft.com/office/drawing/2016/ink" Requires="p14 aink">
+        <mc:AlternateContent xmlns:mc="http://schemas.openxmlformats.org/markup-compatibility/2006" xmlns:p14="http://schemas.microsoft.com/office/powerpoint/2010/main" xmlns:aink="http://schemas.microsoft.com/office/drawing/2016/ink">
+          <mc:Choice Requires="p14 aink">
             <p:contentPart p14:bwMode="auto" r:id="rId80">
               <p14:nvContentPartPr>
                 <p14:cNvPr id="58" name="Ink 57">
@@ -14974,7 +14978,7 @@
               </p14:xfrm>
             </p:contentPart>
           </mc:Choice>
-          <mc:Fallback>
+          <mc:Fallback xmlns="">
             <p:pic>
               <p:nvPicPr>
                 <p:cNvPr id="58" name="Ink 57">
@@ -15005,8 +15009,8 @@
             </p:pic>
           </mc:Fallback>
         </mc:AlternateContent>
-        <mc:AlternateContent xmlns:mc="http://schemas.openxmlformats.org/markup-compatibility/2006">
-          <mc:Choice xmlns:p14="http://schemas.microsoft.com/office/powerpoint/2010/main" xmlns:aink="http://schemas.microsoft.com/office/drawing/2016/ink" Requires="p14 aink">
+        <mc:AlternateContent xmlns:mc="http://schemas.openxmlformats.org/markup-compatibility/2006" xmlns:p14="http://schemas.microsoft.com/office/powerpoint/2010/main" xmlns:aink="http://schemas.microsoft.com/office/drawing/2016/ink">
+          <mc:Choice Requires="p14 aink">
             <p:contentPart p14:bwMode="auto" r:id="rId82">
               <p14:nvContentPartPr>
                 <p14:cNvPr id="60" name="Ink 59">
@@ -15025,7 +15029,7 @@
               </p14:xfrm>
             </p:contentPart>
           </mc:Choice>
-          <mc:Fallback>
+          <mc:Fallback xmlns="">
             <p:pic>
               <p:nvPicPr>
                 <p:cNvPr id="60" name="Ink 59">
@@ -15056,8 +15060,8 @@
             </p:pic>
           </mc:Fallback>
         </mc:AlternateContent>
-        <mc:AlternateContent xmlns:mc="http://schemas.openxmlformats.org/markup-compatibility/2006">
-          <mc:Choice xmlns:p14="http://schemas.microsoft.com/office/powerpoint/2010/main" xmlns:aink="http://schemas.microsoft.com/office/drawing/2016/ink" Requires="p14 aink">
+        <mc:AlternateContent xmlns:mc="http://schemas.openxmlformats.org/markup-compatibility/2006" xmlns:p14="http://schemas.microsoft.com/office/powerpoint/2010/main" xmlns:aink="http://schemas.microsoft.com/office/drawing/2016/ink">
+          <mc:Choice Requires="p14 aink">
             <p:contentPart p14:bwMode="auto" r:id="rId84">
               <p14:nvContentPartPr>
                 <p14:cNvPr id="61" name="Ink 60">
@@ -15076,7 +15080,7 @@
               </p14:xfrm>
             </p:contentPart>
           </mc:Choice>
-          <mc:Fallback>
+          <mc:Fallback xmlns="">
             <p:pic>
               <p:nvPicPr>
                 <p:cNvPr id="61" name="Ink 60">
@@ -15107,8 +15111,8 @@
             </p:pic>
           </mc:Fallback>
         </mc:AlternateContent>
-        <mc:AlternateContent xmlns:mc="http://schemas.openxmlformats.org/markup-compatibility/2006">
-          <mc:Choice xmlns:p14="http://schemas.microsoft.com/office/powerpoint/2010/main" xmlns:aink="http://schemas.microsoft.com/office/drawing/2016/ink" Requires="p14 aink">
+        <mc:AlternateContent xmlns:mc="http://schemas.openxmlformats.org/markup-compatibility/2006" xmlns:p14="http://schemas.microsoft.com/office/powerpoint/2010/main" xmlns:aink="http://schemas.microsoft.com/office/drawing/2016/ink">
+          <mc:Choice Requires="p14 aink">
             <p:contentPart p14:bwMode="auto" r:id="rId86">
               <p14:nvContentPartPr>
                 <p14:cNvPr id="62" name="Ink 61">
@@ -15127,7 +15131,7 @@
               </p14:xfrm>
             </p:contentPart>
           </mc:Choice>
-          <mc:Fallback>
+          <mc:Fallback xmlns="">
             <p:pic>
               <p:nvPicPr>
                 <p:cNvPr id="62" name="Ink 61">
@@ -15159,8 +15163,8 @@
           </mc:Fallback>
         </mc:AlternateContent>
       </p:grpSp>
-      <mc:AlternateContent xmlns:mc="http://schemas.openxmlformats.org/markup-compatibility/2006">
-        <mc:Choice xmlns:p14="http://schemas.microsoft.com/office/powerpoint/2010/main" xmlns:aink="http://schemas.microsoft.com/office/drawing/2016/ink" Requires="p14 aink">
+      <mc:AlternateContent xmlns:mc="http://schemas.openxmlformats.org/markup-compatibility/2006" xmlns:p14="http://schemas.microsoft.com/office/powerpoint/2010/main" xmlns:aink="http://schemas.microsoft.com/office/drawing/2016/ink">
+        <mc:Choice Requires="p14 aink">
           <p:contentPart p14:bwMode="auto" r:id="rId88">
             <p14:nvContentPartPr>
               <p14:cNvPr id="64" name="Ink 63">
@@ -15179,7 +15183,7 @@
             </p14:xfrm>
           </p:contentPart>
         </mc:Choice>
-        <mc:Fallback>
+        <mc:Fallback xmlns="">
           <p:pic>
             <p:nvPicPr>
               <p:cNvPr id="64" name="Ink 63">
@@ -15321,8 +15325,8 @@
           </a:p>
         </p:txBody>
       </p:sp>
-      <mc:AlternateContent xmlns:mc="http://schemas.openxmlformats.org/markup-compatibility/2006">
-        <mc:Choice xmlns:p14="http://schemas.microsoft.com/office/powerpoint/2010/main" xmlns:aink="http://schemas.microsoft.com/office/drawing/2016/ink" Requires="p14 aink">
+      <mc:AlternateContent xmlns:mc="http://schemas.openxmlformats.org/markup-compatibility/2006" xmlns:p14="http://schemas.microsoft.com/office/powerpoint/2010/main" xmlns:aink="http://schemas.microsoft.com/office/drawing/2016/ink">
+        <mc:Choice Requires="p14 aink">
           <p:contentPart p14:bwMode="auto" r:id="rId2">
             <p14:nvContentPartPr>
               <p14:cNvPr id="4" name="Ink 3">
@@ -15341,7 +15345,7 @@
             </p14:xfrm>
           </p:contentPart>
         </mc:Choice>
-        <mc:Fallback>
+        <mc:Fallback xmlns="">
           <p:pic>
             <p:nvPicPr>
               <p:cNvPr id="4" name="Ink 3">
@@ -15372,8 +15376,8 @@
           </p:pic>
         </mc:Fallback>
       </mc:AlternateContent>
-      <mc:AlternateContent xmlns:mc="http://schemas.openxmlformats.org/markup-compatibility/2006">
-        <mc:Choice xmlns:p14="http://schemas.microsoft.com/office/powerpoint/2010/main" xmlns:aink="http://schemas.microsoft.com/office/drawing/2016/ink" Requires="p14 aink">
+      <mc:AlternateContent xmlns:mc="http://schemas.openxmlformats.org/markup-compatibility/2006" xmlns:p14="http://schemas.microsoft.com/office/powerpoint/2010/main" xmlns:aink="http://schemas.microsoft.com/office/drawing/2016/ink">
+        <mc:Choice Requires="p14 aink">
           <p:contentPart p14:bwMode="auto" r:id="rId4">
             <p14:nvContentPartPr>
               <p14:cNvPr id="5" name="Ink 4">
@@ -15392,7 +15396,7 @@
             </p14:xfrm>
           </p:contentPart>
         </mc:Choice>
-        <mc:Fallback>
+        <mc:Fallback xmlns="">
           <p:pic>
             <p:nvPicPr>
               <p:cNvPr id="5" name="Ink 4">
@@ -15423,8 +15427,8 @@
           </p:pic>
         </mc:Fallback>
       </mc:AlternateContent>
-      <mc:AlternateContent xmlns:mc="http://schemas.openxmlformats.org/markup-compatibility/2006">
-        <mc:Choice xmlns:p14="http://schemas.microsoft.com/office/powerpoint/2010/main" xmlns:aink="http://schemas.microsoft.com/office/drawing/2016/ink" Requires="p14 aink">
+      <mc:AlternateContent xmlns:mc="http://schemas.openxmlformats.org/markup-compatibility/2006" xmlns:p14="http://schemas.microsoft.com/office/powerpoint/2010/main" xmlns:aink="http://schemas.microsoft.com/office/drawing/2016/ink">
+        <mc:Choice Requires="p14 aink">
           <p:contentPart p14:bwMode="auto" r:id="rId6">
             <p14:nvContentPartPr>
               <p14:cNvPr id="6" name="Ink 5">
@@ -15443,7 +15447,7 @@
             </p14:xfrm>
           </p:contentPart>
         </mc:Choice>
-        <mc:Fallback>
+        <mc:Fallback xmlns="">
           <p:pic>
             <p:nvPicPr>
               <p:cNvPr id="6" name="Ink 5">
@@ -15474,8 +15478,8 @@
           </p:pic>
         </mc:Fallback>
       </mc:AlternateContent>
-      <mc:AlternateContent xmlns:mc="http://schemas.openxmlformats.org/markup-compatibility/2006">
-        <mc:Choice xmlns:p14="http://schemas.microsoft.com/office/powerpoint/2010/main" xmlns:aink="http://schemas.microsoft.com/office/drawing/2016/ink" Requires="p14 aink">
+      <mc:AlternateContent xmlns:mc="http://schemas.openxmlformats.org/markup-compatibility/2006" xmlns:p14="http://schemas.microsoft.com/office/powerpoint/2010/main" xmlns:aink="http://schemas.microsoft.com/office/drawing/2016/ink">
+        <mc:Choice Requires="p14 aink">
           <p:contentPart p14:bwMode="auto" r:id="rId8">
             <p14:nvContentPartPr>
               <p14:cNvPr id="7" name="Ink 6">
@@ -15494,7 +15498,7 @@
             </p14:xfrm>
           </p:contentPart>
         </mc:Choice>
-        <mc:Fallback>
+        <mc:Fallback xmlns="">
           <p:pic>
             <p:nvPicPr>
               <p:cNvPr id="7" name="Ink 6">
@@ -15545,8 +15549,8 @@
             <a:chExt cx="551880" cy="1808640"/>
           </a:xfrm>
         </p:grpSpPr>
-        <mc:AlternateContent xmlns:mc="http://schemas.openxmlformats.org/markup-compatibility/2006">
-          <mc:Choice xmlns:p14="http://schemas.microsoft.com/office/powerpoint/2010/main" xmlns:aink="http://schemas.microsoft.com/office/drawing/2016/ink" Requires="p14 aink">
+        <mc:AlternateContent xmlns:mc="http://schemas.openxmlformats.org/markup-compatibility/2006" xmlns:p14="http://schemas.microsoft.com/office/powerpoint/2010/main" xmlns:aink="http://schemas.microsoft.com/office/drawing/2016/ink">
+          <mc:Choice Requires="p14 aink">
             <p:contentPart p14:bwMode="auto" r:id="rId10">
               <p14:nvContentPartPr>
                 <p14:cNvPr id="8" name="Ink 7">
@@ -15565,7 +15569,7 @@
               </p14:xfrm>
             </p:contentPart>
           </mc:Choice>
-          <mc:Fallback>
+          <mc:Fallback xmlns="">
             <p:pic>
               <p:nvPicPr>
                 <p:cNvPr id="8" name="Ink 7">
@@ -15596,8 +15600,8 @@
             </p:pic>
           </mc:Fallback>
         </mc:AlternateContent>
-        <mc:AlternateContent xmlns:mc="http://schemas.openxmlformats.org/markup-compatibility/2006">
-          <mc:Choice xmlns:p14="http://schemas.microsoft.com/office/powerpoint/2010/main" xmlns:aink="http://schemas.microsoft.com/office/drawing/2016/ink" Requires="p14 aink">
+        <mc:AlternateContent xmlns:mc="http://schemas.openxmlformats.org/markup-compatibility/2006" xmlns:p14="http://schemas.microsoft.com/office/powerpoint/2010/main" xmlns:aink="http://schemas.microsoft.com/office/drawing/2016/ink">
+          <mc:Choice Requires="p14 aink">
             <p:contentPart p14:bwMode="auto" r:id="rId12">
               <p14:nvContentPartPr>
                 <p14:cNvPr id="9" name="Ink 8">
@@ -15616,7 +15620,7 @@
               </p14:xfrm>
             </p:contentPart>
           </mc:Choice>
-          <mc:Fallback>
+          <mc:Fallback xmlns="">
             <p:pic>
               <p:nvPicPr>
                 <p:cNvPr id="9" name="Ink 8">
@@ -15661,6 +15665,1081 @@
 </p:sld>
 </file>
 
+<file path=ppt/slides/slide37.xml><?xml version="1.0" encoding="utf-8"?>
+<p:sld xmlns:a="http://schemas.openxmlformats.org/drawingml/2006/main" xmlns:r="http://schemas.openxmlformats.org/officeDocument/2006/relationships" xmlns:p="http://schemas.openxmlformats.org/presentationml/2006/main">
+  <p:cSld>
+    <p:spTree>
+      <p:nvGrpSpPr>
+        <p:cNvPr id="1" name=""/>
+        <p:cNvGrpSpPr/>
+        <p:nvPr/>
+      </p:nvGrpSpPr>
+      <p:grpSpPr>
+        <a:xfrm>
+          <a:off x="0" y="0"/>
+          <a:ext cx="0" cy="0"/>
+          <a:chOff x="0" y="0"/>
+          <a:chExt cx="0" cy="0"/>
+        </a:xfrm>
+      </p:grpSpPr>
+      <p:sp>
+        <p:nvSpPr>
+          <p:cNvPr id="2" name="Title 1">
+            <a:extLst>
+              <a:ext uri="{FF2B5EF4-FFF2-40B4-BE49-F238E27FC236}">
+                <a16:creationId xmlns:a16="http://schemas.microsoft.com/office/drawing/2014/main" id="{11B90F14-7AAC-4F26-34E2-5910FDB45925}"/>
+              </a:ext>
+            </a:extLst>
+          </p:cNvPr>
+          <p:cNvSpPr>
+            <a:spLocks noGrp="1"/>
+          </p:cNvSpPr>
+          <p:nvPr>
+            <p:ph type="title"/>
+          </p:nvPr>
+        </p:nvSpPr>
+        <p:spPr/>
+        <p:txBody>
+          <a:bodyPr/>
+          <a:lstStyle/>
+          <a:p>
+            <a:r>
+              <a:rPr lang="en-US" dirty="0"/>
+              <a:t>CSS Writing-mode</a:t>
+            </a:r>
+          </a:p>
+        </p:txBody>
+      </p:sp>
+      <p:sp>
+        <p:nvSpPr>
+          <p:cNvPr id="3" name="Content Placeholder 2">
+            <a:extLst>
+              <a:ext uri="{FF2B5EF4-FFF2-40B4-BE49-F238E27FC236}">
+                <a16:creationId xmlns:a16="http://schemas.microsoft.com/office/drawing/2014/main" id="{8273D87B-FD2A-A499-C350-F11C7FB461CE}"/>
+              </a:ext>
+            </a:extLst>
+          </p:cNvPr>
+          <p:cNvSpPr>
+            <a:spLocks noGrp="1"/>
+          </p:cNvSpPr>
+          <p:nvPr>
+            <p:ph idx="1"/>
+          </p:nvPr>
+        </p:nvSpPr>
+        <p:spPr>
+          <a:xfrm>
+            <a:off x="838200" y="1825625"/>
+            <a:ext cx="3080657" cy="2746375"/>
+          </a:xfrm>
+        </p:spPr>
+        <p:txBody>
+          <a:bodyPr/>
+          <a:lstStyle/>
+          <a:p>
+            <a:r>
+              <a:rPr lang="en-US" dirty="0"/>
+              <a:t>Horizontal-tb</a:t>
+            </a:r>
+          </a:p>
+          <a:p>
+            <a:r>
+              <a:rPr lang="en-US" dirty="0"/>
+              <a:t>Vertical-</a:t>
+            </a:r>
+            <a:r>
+              <a:rPr lang="en-US" dirty="0" err="1"/>
+              <a:t>rl</a:t>
+            </a:r>
+            <a:endParaRPr lang="en-US" dirty="0"/>
+          </a:p>
+          <a:p>
+            <a:r>
+              <a:rPr lang="en-US" dirty="0"/>
+              <a:t>Vertical-</a:t>
+            </a:r>
+            <a:r>
+              <a:rPr lang="en-US" dirty="0" err="1"/>
+              <a:t>lr</a:t>
+            </a:r>
+            <a:endParaRPr lang="en-US" dirty="0"/>
+          </a:p>
+          <a:p>
+            <a:r>
+              <a:rPr lang="en-US" dirty="0"/>
+              <a:t>Sideways-</a:t>
+            </a:r>
+            <a:r>
+              <a:rPr lang="en-US" dirty="0" err="1"/>
+              <a:t>rl</a:t>
+            </a:r>
+            <a:endParaRPr lang="en-US" dirty="0"/>
+          </a:p>
+          <a:p>
+            <a:r>
+              <a:rPr lang="en-US" dirty="0"/>
+              <a:t>Sideways-</a:t>
+            </a:r>
+            <a:r>
+              <a:rPr lang="en-US" dirty="0" err="1"/>
+              <a:t>lr</a:t>
+            </a:r>
+            <a:endParaRPr lang="en-US" dirty="0"/>
+          </a:p>
+        </p:txBody>
+      </p:sp>
+    </p:spTree>
+    <p:extLst>
+      <p:ext uri="{BB962C8B-B14F-4D97-AF65-F5344CB8AC3E}">
+        <p14:creationId xmlns:p14="http://schemas.microsoft.com/office/powerpoint/2010/main" val="4068854511"/>
+      </p:ext>
+    </p:extLst>
+  </p:cSld>
+  <p:clrMapOvr>
+    <a:masterClrMapping/>
+  </p:clrMapOvr>
+</p:sld>
+</file>
+
+<file path=ppt/slides/slide38.xml><?xml version="1.0" encoding="utf-8"?>
+<p:sld xmlns:a="http://schemas.openxmlformats.org/drawingml/2006/main" xmlns:r="http://schemas.openxmlformats.org/officeDocument/2006/relationships" xmlns:p="http://schemas.openxmlformats.org/presentationml/2006/main">
+  <p:cSld>
+    <p:spTree>
+      <p:nvGrpSpPr>
+        <p:cNvPr id="1" name=""/>
+        <p:cNvGrpSpPr/>
+        <p:nvPr/>
+      </p:nvGrpSpPr>
+      <p:grpSpPr>
+        <a:xfrm>
+          <a:off x="0" y="0"/>
+          <a:ext cx="0" cy="0"/>
+          <a:chOff x="0" y="0"/>
+          <a:chExt cx="0" cy="0"/>
+        </a:xfrm>
+      </p:grpSpPr>
+      <p:sp>
+        <p:nvSpPr>
+          <p:cNvPr id="2" name="Title 1">
+            <a:extLst>
+              <a:ext uri="{FF2B5EF4-FFF2-40B4-BE49-F238E27FC236}">
+                <a16:creationId xmlns:a16="http://schemas.microsoft.com/office/drawing/2014/main" id="{B28040D9-48A2-92F1-4BA2-A62BBF097AA6}"/>
+              </a:ext>
+            </a:extLst>
+          </p:cNvPr>
+          <p:cNvSpPr>
+            <a:spLocks noGrp="1"/>
+          </p:cNvSpPr>
+          <p:nvPr>
+            <p:ph type="title"/>
+          </p:nvPr>
+        </p:nvSpPr>
+        <p:spPr/>
+        <p:txBody>
+          <a:bodyPr/>
+          <a:lstStyle/>
+          <a:p>
+            <a:r>
+              <a:rPr lang="en-US" dirty="0"/>
+              <a:t>CSS Column-Count</a:t>
+            </a:r>
+          </a:p>
+        </p:txBody>
+      </p:sp>
+      <p:sp>
+        <p:nvSpPr>
+          <p:cNvPr id="3" name="Content Placeholder 2">
+            <a:extLst>
+              <a:ext uri="{FF2B5EF4-FFF2-40B4-BE49-F238E27FC236}">
+                <a16:creationId xmlns:a16="http://schemas.microsoft.com/office/drawing/2014/main" id="{31AE05E8-E7B4-A25E-2786-8A59B012714F}"/>
+              </a:ext>
+            </a:extLst>
+          </p:cNvPr>
+          <p:cNvSpPr>
+            <a:spLocks noGrp="1"/>
+          </p:cNvSpPr>
+          <p:nvPr>
+            <p:ph idx="1"/>
+          </p:nvPr>
+        </p:nvSpPr>
+        <p:spPr/>
+        <p:txBody>
+          <a:bodyPr/>
+          <a:lstStyle/>
+          <a:p>
+            <a:r>
+              <a:rPr lang="en-US" dirty="0"/>
+              <a:t>Column-count</a:t>
+            </a:r>
+          </a:p>
+          <a:p>
+            <a:r>
+              <a:rPr lang="en-US" dirty="0"/>
+              <a:t>Column-gap</a:t>
+            </a:r>
+          </a:p>
+          <a:p>
+            <a:r>
+              <a:rPr lang="en-US" dirty="0"/>
+              <a:t>Column- width</a:t>
+            </a:r>
+          </a:p>
+          <a:p>
+            <a:r>
+              <a:rPr lang="en-US" dirty="0"/>
+              <a:t>Column-rule-width</a:t>
+            </a:r>
+          </a:p>
+          <a:p>
+            <a:r>
+              <a:rPr lang="en-US" dirty="0"/>
+              <a:t>Column-rule-style</a:t>
+            </a:r>
+          </a:p>
+          <a:p>
+            <a:r>
+              <a:rPr lang="en-US" dirty="0"/>
+              <a:t>Column-rule-color</a:t>
+            </a:r>
+          </a:p>
+          <a:p>
+            <a:r>
+              <a:rPr lang="en-US" dirty="0"/>
+              <a:t>Column-span</a:t>
+            </a:r>
+          </a:p>
+        </p:txBody>
+      </p:sp>
+    </p:spTree>
+    <p:extLst>
+      <p:ext uri="{BB962C8B-B14F-4D97-AF65-F5344CB8AC3E}">
+        <p14:creationId xmlns:p14="http://schemas.microsoft.com/office/powerpoint/2010/main" val="3792677347"/>
+      </p:ext>
+    </p:extLst>
+  </p:cSld>
+  <p:clrMapOvr>
+    <a:masterClrMapping/>
+  </p:clrMapOvr>
+</p:sld>
+</file>
+
+<file path=ppt/slides/slide39.xml><?xml version="1.0" encoding="utf-8"?>
+<p:sld xmlns:a="http://schemas.openxmlformats.org/drawingml/2006/main" xmlns:r="http://schemas.openxmlformats.org/officeDocument/2006/relationships" xmlns:p="http://schemas.openxmlformats.org/presentationml/2006/main">
+  <p:cSld>
+    <p:spTree>
+      <p:nvGrpSpPr>
+        <p:cNvPr id="1" name=""/>
+        <p:cNvGrpSpPr/>
+        <p:nvPr/>
+      </p:nvGrpSpPr>
+      <p:grpSpPr>
+        <a:xfrm>
+          <a:off x="0" y="0"/>
+          <a:ext cx="0" cy="0"/>
+          <a:chOff x="0" y="0"/>
+          <a:chExt cx="0" cy="0"/>
+        </a:xfrm>
+      </p:grpSpPr>
+      <p:sp>
+        <p:nvSpPr>
+          <p:cNvPr id="2" name="Title 1">
+            <a:extLst>
+              <a:ext uri="{FF2B5EF4-FFF2-40B4-BE49-F238E27FC236}">
+                <a16:creationId xmlns:a16="http://schemas.microsoft.com/office/drawing/2014/main" id="{1D71942F-6A10-2DEE-8881-AEE1ACAF1D13}"/>
+              </a:ext>
+            </a:extLst>
+          </p:cNvPr>
+          <p:cNvSpPr>
+            <a:spLocks noGrp="1"/>
+          </p:cNvSpPr>
+          <p:nvPr>
+            <p:ph type="title"/>
+          </p:nvPr>
+        </p:nvSpPr>
+        <p:spPr/>
+        <p:txBody>
+          <a:bodyPr/>
+          <a:lstStyle/>
+          <a:p>
+            <a:r>
+              <a:rPr lang="en-US" dirty="0"/>
+              <a:t>CSS Google Font</a:t>
+            </a:r>
+          </a:p>
+        </p:txBody>
+      </p:sp>
+      <p:sp>
+        <p:nvSpPr>
+          <p:cNvPr id="4" name="Rectangle 3">
+            <a:extLst>
+              <a:ext uri="{FF2B5EF4-FFF2-40B4-BE49-F238E27FC236}">
+                <a16:creationId xmlns:a16="http://schemas.microsoft.com/office/drawing/2014/main" id="{85DB99DF-0764-9CD1-FA5A-F2363D6EC343}"/>
+              </a:ext>
+            </a:extLst>
+          </p:cNvPr>
+          <p:cNvSpPr/>
+          <p:nvPr/>
+        </p:nvSpPr>
+        <p:spPr>
+          <a:xfrm>
+            <a:off x="1306286" y="5370286"/>
+            <a:ext cx="1494971" cy="943428"/>
+          </a:xfrm>
+          <a:prstGeom prst="rect">
+            <a:avLst/>
+          </a:prstGeom>
+        </p:spPr>
+        <p:style>
+          <a:lnRef idx="2">
+            <a:schemeClr val="accent1">
+              <a:shade val="15000"/>
+            </a:schemeClr>
+          </a:lnRef>
+          <a:fillRef idx="1">
+            <a:schemeClr val="accent1"/>
+          </a:fillRef>
+          <a:effectRef idx="0">
+            <a:schemeClr val="accent1"/>
+          </a:effectRef>
+          <a:fontRef idx="minor">
+            <a:schemeClr val="lt1"/>
+          </a:fontRef>
+        </p:style>
+        <p:txBody>
+          <a:bodyPr rtlCol="0" anchor="ctr"/>
+          <a:lstStyle/>
+          <a:p>
+            <a:pPr algn="ctr"/>
+            <a:endParaRPr lang="en-US"/>
+          </a:p>
+        </p:txBody>
+      </p:sp>
+      <p:sp>
+        <p:nvSpPr>
+          <p:cNvPr id="5" name="Rectangle 4">
+            <a:extLst>
+              <a:ext uri="{FF2B5EF4-FFF2-40B4-BE49-F238E27FC236}">
+                <a16:creationId xmlns:a16="http://schemas.microsoft.com/office/drawing/2014/main" id="{4C9A0474-D1F9-D9D5-0DE9-76B7A22C5800}"/>
+              </a:ext>
+            </a:extLst>
+          </p:cNvPr>
+          <p:cNvSpPr/>
+          <p:nvPr/>
+        </p:nvSpPr>
+        <p:spPr>
+          <a:xfrm>
+            <a:off x="4339772" y="5370286"/>
+            <a:ext cx="1494971" cy="943428"/>
+          </a:xfrm>
+          <a:prstGeom prst="rect">
+            <a:avLst/>
+          </a:prstGeom>
+        </p:spPr>
+        <p:style>
+          <a:lnRef idx="2">
+            <a:schemeClr val="accent1">
+              <a:shade val="15000"/>
+            </a:schemeClr>
+          </a:lnRef>
+          <a:fillRef idx="1">
+            <a:schemeClr val="accent1"/>
+          </a:fillRef>
+          <a:effectRef idx="0">
+            <a:schemeClr val="accent1"/>
+          </a:effectRef>
+          <a:fontRef idx="minor">
+            <a:schemeClr val="lt1"/>
+          </a:fontRef>
+        </p:style>
+        <p:txBody>
+          <a:bodyPr rtlCol="0" anchor="ctr"/>
+          <a:lstStyle/>
+          <a:p>
+            <a:pPr algn="ctr"/>
+            <a:endParaRPr lang="en-US"/>
+          </a:p>
+        </p:txBody>
+      </p:sp>
+      <p:sp>
+        <p:nvSpPr>
+          <p:cNvPr id="6" name="Rectangle 5">
+            <a:extLst>
+              <a:ext uri="{FF2B5EF4-FFF2-40B4-BE49-F238E27FC236}">
+                <a16:creationId xmlns:a16="http://schemas.microsoft.com/office/drawing/2014/main" id="{C726B5A5-D766-3C03-597A-2DC291ECBB34}"/>
+              </a:ext>
+            </a:extLst>
+          </p:cNvPr>
+          <p:cNvSpPr/>
+          <p:nvPr/>
+        </p:nvSpPr>
+        <p:spPr>
+          <a:xfrm>
+            <a:off x="7438572" y="5370286"/>
+            <a:ext cx="1494971" cy="943428"/>
+          </a:xfrm>
+          <a:prstGeom prst="rect">
+            <a:avLst/>
+          </a:prstGeom>
+        </p:spPr>
+        <p:style>
+          <a:lnRef idx="2">
+            <a:schemeClr val="accent1">
+              <a:shade val="15000"/>
+            </a:schemeClr>
+          </a:lnRef>
+          <a:fillRef idx="1">
+            <a:schemeClr val="accent1"/>
+          </a:fillRef>
+          <a:effectRef idx="0">
+            <a:schemeClr val="accent1"/>
+          </a:effectRef>
+          <a:fontRef idx="minor">
+            <a:schemeClr val="lt1"/>
+          </a:fontRef>
+        </p:style>
+        <p:txBody>
+          <a:bodyPr rtlCol="0" anchor="ctr"/>
+          <a:lstStyle/>
+          <a:p>
+            <a:pPr algn="ctr"/>
+            <a:endParaRPr lang="en-US"/>
+          </a:p>
+        </p:txBody>
+      </p:sp>
+      <p:sp>
+        <p:nvSpPr>
+          <p:cNvPr id="7" name="Rectangle 6">
+            <a:extLst>
+              <a:ext uri="{FF2B5EF4-FFF2-40B4-BE49-F238E27FC236}">
+                <a16:creationId xmlns:a16="http://schemas.microsoft.com/office/drawing/2014/main" id="{06C922E8-B76E-64FF-9FEE-AFD90A815551}"/>
+              </a:ext>
+            </a:extLst>
+          </p:cNvPr>
+          <p:cNvSpPr/>
+          <p:nvPr/>
+        </p:nvSpPr>
+        <p:spPr>
+          <a:xfrm>
+            <a:off x="9964058" y="5370286"/>
+            <a:ext cx="1494971" cy="943428"/>
+          </a:xfrm>
+          <a:prstGeom prst="rect">
+            <a:avLst/>
+          </a:prstGeom>
+        </p:spPr>
+        <p:style>
+          <a:lnRef idx="2">
+            <a:schemeClr val="accent1">
+              <a:shade val="15000"/>
+            </a:schemeClr>
+          </a:lnRef>
+          <a:fillRef idx="1">
+            <a:schemeClr val="accent1"/>
+          </a:fillRef>
+          <a:effectRef idx="0">
+            <a:schemeClr val="accent1"/>
+          </a:effectRef>
+          <a:fontRef idx="minor">
+            <a:schemeClr val="lt1"/>
+          </a:fontRef>
+        </p:style>
+        <p:txBody>
+          <a:bodyPr rtlCol="0" anchor="ctr"/>
+          <a:lstStyle/>
+          <a:p>
+            <a:pPr algn="ctr"/>
+            <a:endParaRPr lang="en-US"/>
+          </a:p>
+        </p:txBody>
+      </p:sp>
+      <p:sp>
+        <p:nvSpPr>
+          <p:cNvPr id="8" name="Rectangle 7">
+            <a:extLst>
+              <a:ext uri="{FF2B5EF4-FFF2-40B4-BE49-F238E27FC236}">
+                <a16:creationId xmlns:a16="http://schemas.microsoft.com/office/drawing/2014/main" id="{6FE82B33-0E00-1165-5251-346C56F74675}"/>
+              </a:ext>
+            </a:extLst>
+          </p:cNvPr>
+          <p:cNvSpPr/>
+          <p:nvPr/>
+        </p:nvSpPr>
+        <p:spPr>
+          <a:xfrm>
+            <a:off x="838200" y="1378857"/>
+            <a:ext cx="3283857" cy="1325563"/>
+          </a:xfrm>
+          <a:prstGeom prst="rect">
+            <a:avLst/>
+          </a:prstGeom>
+        </p:spPr>
+        <p:style>
+          <a:lnRef idx="2">
+            <a:schemeClr val="accent1">
+              <a:shade val="15000"/>
+            </a:schemeClr>
+          </a:lnRef>
+          <a:fillRef idx="1">
+            <a:schemeClr val="accent1"/>
+          </a:fillRef>
+          <a:effectRef idx="0">
+            <a:schemeClr val="accent1"/>
+          </a:effectRef>
+          <a:fontRef idx="minor">
+            <a:schemeClr val="lt1"/>
+          </a:fontRef>
+        </p:style>
+        <p:txBody>
+          <a:bodyPr rtlCol="0" anchor="ctr"/>
+          <a:lstStyle/>
+          <a:p>
+            <a:pPr algn="ctr"/>
+            <a:r>
+              <a:rPr lang="en-US" dirty="0"/>
+              <a:t>HTML</a:t>
+            </a:r>
+          </a:p>
+          <a:p>
+            <a:pPr algn="ctr"/>
+            <a:r>
+              <a:rPr lang="en-US" dirty="0"/>
+              <a:t>CSS</a:t>
+            </a:r>
+          </a:p>
+          <a:p>
+            <a:pPr algn="ctr"/>
+            <a:r>
+              <a:rPr lang="en-US" dirty="0"/>
+              <a:t>Images</a:t>
+            </a:r>
+          </a:p>
+        </p:txBody>
+      </p:sp>
+      <p:sp>
+        <p:nvSpPr>
+          <p:cNvPr id="9" name="Oval 8">
+            <a:extLst>
+              <a:ext uri="{FF2B5EF4-FFF2-40B4-BE49-F238E27FC236}">
+                <a16:creationId xmlns:a16="http://schemas.microsoft.com/office/drawing/2014/main" id="{5F24B801-C59A-45A4-0FB3-EE461BDFF188}"/>
+              </a:ext>
+            </a:extLst>
+          </p:cNvPr>
+          <p:cNvSpPr/>
+          <p:nvPr/>
+        </p:nvSpPr>
+        <p:spPr>
+          <a:xfrm>
+            <a:off x="1886857" y="2704420"/>
+            <a:ext cx="1741714" cy="724580"/>
+          </a:xfrm>
+          <a:prstGeom prst="ellipse">
+            <a:avLst/>
+          </a:prstGeom>
+          <a:solidFill>
+            <a:srgbClr val="FF0000"/>
+          </a:solidFill>
+        </p:spPr>
+        <p:style>
+          <a:lnRef idx="2">
+            <a:schemeClr val="accent6"/>
+          </a:lnRef>
+          <a:fillRef idx="1">
+            <a:schemeClr val="lt1"/>
+          </a:fillRef>
+          <a:effectRef idx="0">
+            <a:schemeClr val="accent6"/>
+          </a:effectRef>
+          <a:fontRef idx="minor">
+            <a:schemeClr val="dk1"/>
+          </a:fontRef>
+        </p:style>
+        <p:txBody>
+          <a:bodyPr rtlCol="0" anchor="ctr"/>
+          <a:lstStyle/>
+          <a:p>
+            <a:pPr algn="ctr"/>
+            <a:r>
+              <a:rPr lang="en-US" dirty="0"/>
+              <a:t>Server</a:t>
+            </a:r>
+          </a:p>
+        </p:txBody>
+      </p:sp>
+      <p:cxnSp>
+        <p:nvCxnSpPr>
+          <p:cNvPr id="11" name="Straight Arrow Connector 10">
+            <a:extLst>
+              <a:ext uri="{FF2B5EF4-FFF2-40B4-BE49-F238E27FC236}">
+                <a16:creationId xmlns:a16="http://schemas.microsoft.com/office/drawing/2014/main" id="{37A3A97B-91F1-4697-E4C0-8DAC8009C86B}"/>
+              </a:ext>
+            </a:extLst>
+          </p:cNvPr>
+          <p:cNvCxnSpPr>
+            <a:stCxn id="9" idx="4"/>
+            <a:endCxn id="4" idx="0"/>
+          </p:cNvCxnSpPr>
+          <p:nvPr/>
+        </p:nvCxnSpPr>
+        <p:spPr>
+          <a:xfrm flipH="1">
+            <a:off x="2053772" y="3429000"/>
+            <a:ext cx="703942" cy="1941286"/>
+          </a:xfrm>
+          <a:prstGeom prst="straightConnector1">
+            <a:avLst/>
+          </a:prstGeom>
+          <a:ln w="38100" cap="flat" cmpd="sng" algn="ctr">
+            <a:solidFill>
+              <a:schemeClr val="accent4"/>
+            </a:solidFill>
+            <a:prstDash val="dash"/>
+            <a:round/>
+            <a:headEnd type="none" w="med" len="med"/>
+            <a:tailEnd type="none" w="med" len="med"/>
+          </a:ln>
+        </p:spPr>
+        <p:style>
+          <a:lnRef idx="0">
+            <a:scrgbClr r="0" g="0" b="0"/>
+          </a:lnRef>
+          <a:fillRef idx="0">
+            <a:scrgbClr r="0" g="0" b="0"/>
+          </a:fillRef>
+          <a:effectRef idx="0">
+            <a:scrgbClr r="0" g="0" b="0"/>
+          </a:effectRef>
+          <a:fontRef idx="minor">
+            <a:schemeClr val="tx1"/>
+          </a:fontRef>
+        </p:style>
+      </p:cxnSp>
+      <p:cxnSp>
+        <p:nvCxnSpPr>
+          <p:cNvPr id="13" name="Straight Arrow Connector 12">
+            <a:extLst>
+              <a:ext uri="{FF2B5EF4-FFF2-40B4-BE49-F238E27FC236}">
+                <a16:creationId xmlns:a16="http://schemas.microsoft.com/office/drawing/2014/main" id="{CE4DE9C9-0B03-8F3F-A668-464AFE7C402F}"/>
+              </a:ext>
+            </a:extLst>
+          </p:cNvPr>
+          <p:cNvCxnSpPr>
+            <a:stCxn id="9" idx="4"/>
+            <a:endCxn id="5" idx="0"/>
+          </p:cNvCxnSpPr>
+          <p:nvPr/>
+        </p:nvCxnSpPr>
+        <p:spPr>
+          <a:xfrm>
+            <a:off x="2757714" y="3429000"/>
+            <a:ext cx="2329544" cy="1941286"/>
+          </a:xfrm>
+          <a:prstGeom prst="straightConnector1">
+            <a:avLst/>
+          </a:prstGeom>
+          <a:ln w="38100" cap="flat" cmpd="sng" algn="ctr">
+            <a:solidFill>
+              <a:schemeClr val="accent4"/>
+            </a:solidFill>
+            <a:prstDash val="dash"/>
+            <a:round/>
+            <a:headEnd type="none" w="med" len="med"/>
+            <a:tailEnd type="none" w="med" len="med"/>
+          </a:ln>
+        </p:spPr>
+        <p:style>
+          <a:lnRef idx="0">
+            <a:scrgbClr r="0" g="0" b="0"/>
+          </a:lnRef>
+          <a:fillRef idx="0">
+            <a:scrgbClr r="0" g="0" b="0"/>
+          </a:fillRef>
+          <a:effectRef idx="0">
+            <a:scrgbClr r="0" g="0" b="0"/>
+          </a:effectRef>
+          <a:fontRef idx="minor">
+            <a:schemeClr val="tx1"/>
+          </a:fontRef>
+        </p:style>
+      </p:cxnSp>
+      <p:cxnSp>
+        <p:nvCxnSpPr>
+          <p:cNvPr id="15" name="Straight Arrow Connector 14">
+            <a:extLst>
+              <a:ext uri="{FF2B5EF4-FFF2-40B4-BE49-F238E27FC236}">
+                <a16:creationId xmlns:a16="http://schemas.microsoft.com/office/drawing/2014/main" id="{C58A710C-D06B-0257-FDC1-F75E128803B4}"/>
+              </a:ext>
+            </a:extLst>
+          </p:cNvPr>
+          <p:cNvCxnSpPr>
+            <a:stCxn id="9" idx="4"/>
+            <a:endCxn id="6" idx="0"/>
+          </p:cNvCxnSpPr>
+          <p:nvPr/>
+        </p:nvCxnSpPr>
+        <p:spPr>
+          <a:xfrm>
+            <a:off x="2757714" y="3429000"/>
+            <a:ext cx="5428344" cy="1941286"/>
+          </a:xfrm>
+          <a:prstGeom prst="straightConnector1">
+            <a:avLst/>
+          </a:prstGeom>
+          <a:ln w="38100" cap="flat" cmpd="sng" algn="ctr">
+            <a:solidFill>
+              <a:schemeClr val="accent4"/>
+            </a:solidFill>
+            <a:prstDash val="dash"/>
+            <a:round/>
+            <a:headEnd type="none" w="med" len="med"/>
+            <a:tailEnd type="none" w="med" len="med"/>
+          </a:ln>
+        </p:spPr>
+        <p:style>
+          <a:lnRef idx="0">
+            <a:scrgbClr r="0" g="0" b="0"/>
+          </a:lnRef>
+          <a:fillRef idx="0">
+            <a:scrgbClr r="0" g="0" b="0"/>
+          </a:fillRef>
+          <a:effectRef idx="0">
+            <a:scrgbClr r="0" g="0" b="0"/>
+          </a:effectRef>
+          <a:fontRef idx="minor">
+            <a:schemeClr val="tx1"/>
+          </a:fontRef>
+        </p:style>
+      </p:cxnSp>
+      <p:cxnSp>
+        <p:nvCxnSpPr>
+          <p:cNvPr id="17" name="Straight Arrow Connector 16">
+            <a:extLst>
+              <a:ext uri="{FF2B5EF4-FFF2-40B4-BE49-F238E27FC236}">
+                <a16:creationId xmlns:a16="http://schemas.microsoft.com/office/drawing/2014/main" id="{46D867C7-8386-21A2-D790-1AACEE7B2998}"/>
+              </a:ext>
+            </a:extLst>
+          </p:cNvPr>
+          <p:cNvCxnSpPr>
+            <a:stCxn id="9" idx="4"/>
+            <a:endCxn id="7" idx="0"/>
+          </p:cNvCxnSpPr>
+          <p:nvPr/>
+        </p:nvCxnSpPr>
+        <p:spPr>
+          <a:xfrm>
+            <a:off x="2757714" y="3429000"/>
+            <a:ext cx="7953830" cy="1941286"/>
+          </a:xfrm>
+          <a:prstGeom prst="straightConnector1">
+            <a:avLst/>
+          </a:prstGeom>
+          <a:ln w="38100" cap="flat" cmpd="sng" algn="ctr">
+            <a:solidFill>
+              <a:schemeClr val="accent4"/>
+            </a:solidFill>
+            <a:prstDash val="dash"/>
+            <a:round/>
+            <a:headEnd type="none" w="med" len="med"/>
+            <a:tailEnd type="none" w="med" len="med"/>
+          </a:ln>
+        </p:spPr>
+        <p:style>
+          <a:lnRef idx="0">
+            <a:scrgbClr r="0" g="0" b="0"/>
+          </a:lnRef>
+          <a:fillRef idx="0">
+            <a:scrgbClr r="0" g="0" b="0"/>
+          </a:fillRef>
+          <a:effectRef idx="0">
+            <a:scrgbClr r="0" g="0" b="0"/>
+          </a:effectRef>
+          <a:fontRef idx="minor">
+            <a:schemeClr val="tx1"/>
+          </a:fontRef>
+        </p:style>
+      </p:cxnSp>
+      <p:sp>
+        <p:nvSpPr>
+          <p:cNvPr id="18" name="Rectangle 17">
+            <a:extLst>
+              <a:ext uri="{FF2B5EF4-FFF2-40B4-BE49-F238E27FC236}">
+                <a16:creationId xmlns:a16="http://schemas.microsoft.com/office/drawing/2014/main" id="{45057FDE-B82F-EF65-F7CF-FBC19822B5B0}"/>
+              </a:ext>
+            </a:extLst>
+          </p:cNvPr>
+          <p:cNvSpPr/>
+          <p:nvPr/>
+        </p:nvSpPr>
+        <p:spPr>
+          <a:xfrm>
+            <a:off x="7703457" y="1378857"/>
+            <a:ext cx="3283857" cy="1325563"/>
+          </a:xfrm>
+          <a:prstGeom prst="rect">
+            <a:avLst/>
+          </a:prstGeom>
+        </p:spPr>
+        <p:style>
+          <a:lnRef idx="2">
+            <a:schemeClr val="accent1">
+              <a:shade val="15000"/>
+            </a:schemeClr>
+          </a:lnRef>
+          <a:fillRef idx="1">
+            <a:schemeClr val="accent1"/>
+          </a:fillRef>
+          <a:effectRef idx="0">
+            <a:schemeClr val="accent1"/>
+          </a:effectRef>
+          <a:fontRef idx="minor">
+            <a:schemeClr val="lt1"/>
+          </a:fontRef>
+        </p:style>
+        <p:txBody>
+          <a:bodyPr rtlCol="0" anchor="ctr"/>
+          <a:lstStyle/>
+          <a:p>
+            <a:pPr algn="ctr"/>
+            <a:r>
+              <a:rPr lang="en-US" dirty="0"/>
+              <a:t>Google Fonts</a:t>
+            </a:r>
+          </a:p>
+        </p:txBody>
+      </p:sp>
+      <p:sp>
+        <p:nvSpPr>
+          <p:cNvPr id="23" name="Oval 22">
+            <a:extLst>
+              <a:ext uri="{FF2B5EF4-FFF2-40B4-BE49-F238E27FC236}">
+                <a16:creationId xmlns:a16="http://schemas.microsoft.com/office/drawing/2014/main" id="{F88B5D07-30FC-EBA7-51BA-9A7ECDC2D22E}"/>
+              </a:ext>
+            </a:extLst>
+          </p:cNvPr>
+          <p:cNvSpPr/>
+          <p:nvPr/>
+        </p:nvSpPr>
+        <p:spPr>
+          <a:xfrm>
+            <a:off x="7703457" y="2664960"/>
+            <a:ext cx="2512785" cy="943428"/>
+          </a:xfrm>
+          <a:prstGeom prst="ellipse">
+            <a:avLst/>
+          </a:prstGeom>
+          <a:solidFill>
+            <a:srgbClr val="92D050"/>
+          </a:solidFill>
+        </p:spPr>
+        <p:style>
+          <a:lnRef idx="2">
+            <a:schemeClr val="accent6"/>
+          </a:lnRef>
+          <a:fillRef idx="1">
+            <a:schemeClr val="lt1"/>
+          </a:fillRef>
+          <a:effectRef idx="0">
+            <a:schemeClr val="accent6"/>
+          </a:effectRef>
+          <a:fontRef idx="minor">
+            <a:schemeClr val="dk1"/>
+          </a:fontRef>
+        </p:style>
+        <p:txBody>
+          <a:bodyPr rtlCol="0" anchor="ctr"/>
+          <a:lstStyle/>
+          <a:p>
+            <a:pPr algn="ctr"/>
+            <a:r>
+              <a:rPr lang="en-US" dirty="0"/>
+              <a:t>Google Server</a:t>
+            </a:r>
+          </a:p>
+        </p:txBody>
+      </p:sp>
+      <p:cxnSp>
+        <p:nvCxnSpPr>
+          <p:cNvPr id="25" name="Straight Arrow Connector 24">
+            <a:extLst>
+              <a:ext uri="{FF2B5EF4-FFF2-40B4-BE49-F238E27FC236}">
+                <a16:creationId xmlns:a16="http://schemas.microsoft.com/office/drawing/2014/main" id="{9BA1F419-2A22-0672-6C83-65FE88F4985F}"/>
+              </a:ext>
+            </a:extLst>
+          </p:cNvPr>
+          <p:cNvCxnSpPr>
+            <a:stCxn id="4" idx="0"/>
+            <a:endCxn id="23" idx="3"/>
+          </p:cNvCxnSpPr>
+          <p:nvPr/>
+        </p:nvCxnSpPr>
+        <p:spPr>
+          <a:xfrm flipV="1">
+            <a:off x="2053772" y="3470226"/>
+            <a:ext cx="6017674" cy="1900060"/>
+          </a:xfrm>
+          <a:prstGeom prst="straightConnector1">
+            <a:avLst/>
+          </a:prstGeom>
+          <a:ln>
+            <a:headEnd type="triangle"/>
+            <a:tailEnd type="triangle"/>
+          </a:ln>
+        </p:spPr>
+        <p:style>
+          <a:lnRef idx="1">
+            <a:schemeClr val="accent1"/>
+          </a:lnRef>
+          <a:fillRef idx="0">
+            <a:schemeClr val="accent1"/>
+          </a:fillRef>
+          <a:effectRef idx="0">
+            <a:schemeClr val="accent1"/>
+          </a:effectRef>
+          <a:fontRef idx="minor">
+            <a:schemeClr val="tx1"/>
+          </a:fontRef>
+        </p:style>
+      </p:cxnSp>
+      <p:cxnSp>
+        <p:nvCxnSpPr>
+          <p:cNvPr id="27" name="Straight Arrow Connector 26">
+            <a:extLst>
+              <a:ext uri="{FF2B5EF4-FFF2-40B4-BE49-F238E27FC236}">
+                <a16:creationId xmlns:a16="http://schemas.microsoft.com/office/drawing/2014/main" id="{7AE8189A-4307-6F0D-2A31-DA835603E1E2}"/>
+              </a:ext>
+            </a:extLst>
+          </p:cNvPr>
+          <p:cNvCxnSpPr>
+            <a:stCxn id="5" idx="0"/>
+            <a:endCxn id="23" idx="4"/>
+          </p:cNvCxnSpPr>
+          <p:nvPr/>
+        </p:nvCxnSpPr>
+        <p:spPr>
+          <a:xfrm flipV="1">
+            <a:off x="5087258" y="3608388"/>
+            <a:ext cx="3872592" cy="1761898"/>
+          </a:xfrm>
+          <a:prstGeom prst="straightConnector1">
+            <a:avLst/>
+          </a:prstGeom>
+          <a:ln>
+            <a:headEnd type="triangle"/>
+            <a:tailEnd type="triangle"/>
+          </a:ln>
+        </p:spPr>
+        <p:style>
+          <a:lnRef idx="1">
+            <a:schemeClr val="accent1"/>
+          </a:lnRef>
+          <a:fillRef idx="0">
+            <a:schemeClr val="accent1"/>
+          </a:fillRef>
+          <a:effectRef idx="0">
+            <a:schemeClr val="accent1"/>
+          </a:effectRef>
+          <a:fontRef idx="minor">
+            <a:schemeClr val="tx1"/>
+          </a:fontRef>
+        </p:style>
+      </p:cxnSp>
+      <p:cxnSp>
+        <p:nvCxnSpPr>
+          <p:cNvPr id="29" name="Straight Arrow Connector 28">
+            <a:extLst>
+              <a:ext uri="{FF2B5EF4-FFF2-40B4-BE49-F238E27FC236}">
+                <a16:creationId xmlns:a16="http://schemas.microsoft.com/office/drawing/2014/main" id="{154A5892-EB38-09E5-D8BF-BAC99A01DE39}"/>
+              </a:ext>
+            </a:extLst>
+          </p:cNvPr>
+          <p:cNvCxnSpPr>
+            <a:stCxn id="6" idx="0"/>
+            <a:endCxn id="23" idx="4"/>
+          </p:cNvCxnSpPr>
+          <p:nvPr/>
+        </p:nvCxnSpPr>
+        <p:spPr>
+          <a:xfrm flipV="1">
+            <a:off x="8186058" y="3608388"/>
+            <a:ext cx="773792" cy="1761898"/>
+          </a:xfrm>
+          <a:prstGeom prst="straightConnector1">
+            <a:avLst/>
+          </a:prstGeom>
+          <a:ln>
+            <a:headEnd type="triangle"/>
+            <a:tailEnd type="triangle"/>
+          </a:ln>
+        </p:spPr>
+        <p:style>
+          <a:lnRef idx="1">
+            <a:schemeClr val="accent1"/>
+          </a:lnRef>
+          <a:fillRef idx="0">
+            <a:schemeClr val="accent1"/>
+          </a:fillRef>
+          <a:effectRef idx="0">
+            <a:schemeClr val="accent1"/>
+          </a:effectRef>
+          <a:fontRef idx="minor">
+            <a:schemeClr val="tx1"/>
+          </a:fontRef>
+        </p:style>
+      </p:cxnSp>
+      <p:cxnSp>
+        <p:nvCxnSpPr>
+          <p:cNvPr id="31" name="Straight Arrow Connector 30">
+            <a:extLst>
+              <a:ext uri="{FF2B5EF4-FFF2-40B4-BE49-F238E27FC236}">
+                <a16:creationId xmlns:a16="http://schemas.microsoft.com/office/drawing/2014/main" id="{4A80D906-F46B-961D-1510-7C6D5BF90E34}"/>
+              </a:ext>
+            </a:extLst>
+          </p:cNvPr>
+          <p:cNvCxnSpPr>
+            <a:stCxn id="7" idx="0"/>
+            <a:endCxn id="23" idx="4"/>
+          </p:cNvCxnSpPr>
+          <p:nvPr/>
+        </p:nvCxnSpPr>
+        <p:spPr>
+          <a:xfrm flipH="1" flipV="1">
+            <a:off x="8959850" y="3608388"/>
+            <a:ext cx="1751694" cy="1761898"/>
+          </a:xfrm>
+          <a:prstGeom prst="straightConnector1">
+            <a:avLst/>
+          </a:prstGeom>
+          <a:ln>
+            <a:headEnd type="triangle"/>
+            <a:tailEnd type="triangle"/>
+          </a:ln>
+        </p:spPr>
+        <p:style>
+          <a:lnRef idx="1">
+            <a:schemeClr val="accent1"/>
+          </a:lnRef>
+          <a:fillRef idx="0">
+            <a:schemeClr val="accent1"/>
+          </a:fillRef>
+          <a:effectRef idx="0">
+            <a:schemeClr val="accent1"/>
+          </a:effectRef>
+          <a:fontRef idx="minor">
+            <a:schemeClr val="tx1"/>
+          </a:fontRef>
+        </p:style>
+      </p:cxnSp>
+    </p:spTree>
+    <p:extLst>
+      <p:ext uri="{BB962C8B-B14F-4D97-AF65-F5344CB8AC3E}">
+        <p14:creationId xmlns:p14="http://schemas.microsoft.com/office/powerpoint/2010/main" val="3685176277"/>
+      </p:ext>
+    </p:extLst>
+  </p:cSld>
+  <p:clrMapOvr>
+    <a:masterClrMapping/>
+  </p:clrMapOvr>
+</p:sld>
+</file>
+
 <file path=ppt/slides/slide4.xml><?xml version="1.0" encoding="utf-8"?>
 <p:sld xmlns:a="http://schemas.openxmlformats.org/drawingml/2006/main" xmlns:r="http://schemas.openxmlformats.org/officeDocument/2006/relationships" xmlns:p="http://schemas.openxmlformats.org/presentationml/2006/main">
   <p:cSld>
@@ -15754,6 +16833,110 @@
     <p:extLst>
       <p:ext uri="{BB962C8B-B14F-4D97-AF65-F5344CB8AC3E}">
         <p14:creationId xmlns:p14="http://schemas.microsoft.com/office/powerpoint/2010/main" val="3551620949"/>
+      </p:ext>
+    </p:extLst>
+  </p:cSld>
+  <p:clrMapOvr>
+    <a:masterClrMapping/>
+  </p:clrMapOvr>
+</p:sld>
+</file>
+
+<file path=ppt/slides/slide40.xml><?xml version="1.0" encoding="utf-8"?>
+<p:sld xmlns:a="http://schemas.openxmlformats.org/drawingml/2006/main" xmlns:r="http://schemas.openxmlformats.org/officeDocument/2006/relationships" xmlns:p="http://schemas.openxmlformats.org/presentationml/2006/main">
+  <p:cSld>
+    <p:spTree>
+      <p:nvGrpSpPr>
+        <p:cNvPr id="1" name=""/>
+        <p:cNvGrpSpPr/>
+        <p:nvPr/>
+      </p:nvGrpSpPr>
+      <p:grpSpPr>
+        <a:xfrm>
+          <a:off x="0" y="0"/>
+          <a:ext cx="0" cy="0"/>
+          <a:chOff x="0" y="0"/>
+          <a:chExt cx="0" cy="0"/>
+        </a:xfrm>
+      </p:grpSpPr>
+      <p:sp>
+        <p:nvSpPr>
+          <p:cNvPr id="2" name="Title 1">
+            <a:extLst>
+              <a:ext uri="{FF2B5EF4-FFF2-40B4-BE49-F238E27FC236}">
+                <a16:creationId xmlns:a16="http://schemas.microsoft.com/office/drawing/2014/main" id="{DAEB1F3B-50A7-31D7-8980-F818C804D209}"/>
+              </a:ext>
+            </a:extLst>
+          </p:cNvPr>
+          <p:cNvSpPr>
+            <a:spLocks noGrp="1"/>
+          </p:cNvSpPr>
+          <p:nvPr>
+            <p:ph type="title"/>
+          </p:nvPr>
+        </p:nvSpPr>
+        <p:spPr/>
+        <p:txBody>
+          <a:bodyPr/>
+          <a:lstStyle/>
+          <a:p>
+            <a:r>
+              <a:rPr lang="en-US" dirty="0"/>
+              <a:t>CSS: List -Style</a:t>
+            </a:r>
+          </a:p>
+        </p:txBody>
+      </p:sp>
+      <p:sp>
+        <p:nvSpPr>
+          <p:cNvPr id="3" name="Content Placeholder 2">
+            <a:extLst>
+              <a:ext uri="{FF2B5EF4-FFF2-40B4-BE49-F238E27FC236}">
+                <a16:creationId xmlns:a16="http://schemas.microsoft.com/office/drawing/2014/main" id="{E52A24B5-577A-6C13-AF33-36E1C4E7FA28}"/>
+              </a:ext>
+            </a:extLst>
+          </p:cNvPr>
+          <p:cNvSpPr>
+            <a:spLocks noGrp="1"/>
+          </p:cNvSpPr>
+          <p:nvPr>
+            <p:ph idx="1"/>
+          </p:nvPr>
+        </p:nvSpPr>
+        <p:spPr/>
+        <p:txBody>
+          <a:bodyPr/>
+          <a:lstStyle/>
+          <a:p>
+            <a:r>
+              <a:rPr lang="en-US" dirty="0"/>
+              <a:t>List-style-image</a:t>
+            </a:r>
+          </a:p>
+          <a:p>
+            <a:r>
+              <a:rPr lang="en-US" dirty="0"/>
+              <a:t>List-style-position</a:t>
+            </a:r>
+          </a:p>
+          <a:p>
+            <a:r>
+              <a:rPr lang="en-US" dirty="0"/>
+              <a:t>List-style-type</a:t>
+            </a:r>
+          </a:p>
+          <a:p>
+            <a:r>
+              <a:rPr lang="en-US" dirty="0"/>
+              <a:t>List-style</a:t>
+            </a:r>
+          </a:p>
+        </p:txBody>
+      </p:sp>
+    </p:spTree>
+    <p:extLst>
+      <p:ext uri="{BB962C8B-B14F-4D97-AF65-F5344CB8AC3E}">
+        <p14:creationId xmlns:p14="http://schemas.microsoft.com/office/powerpoint/2010/main" val="1142413281"/>
       </p:ext>
     </p:extLst>
   </p:cSld>

--- a/CSS3.pptx
+++ b/CSS3.pptx
@@ -45,6 +45,11 @@
     <p:sldId id="294" r:id="rId39"/>
     <p:sldId id="295" r:id="rId40"/>
     <p:sldId id="296" r:id="rId41"/>
+    <p:sldId id="297" r:id="rId42"/>
+    <p:sldId id="298" r:id="rId43"/>
+    <p:sldId id="299" r:id="rId44"/>
+    <p:sldId id="300" r:id="rId45"/>
+    <p:sldId id="301" r:id="rId46"/>
   </p:sldIdLst>
   <p:sldSz cx="12192000" cy="6858000"/>
   <p:notesSz cx="6858000" cy="9144000"/>
@@ -1730,7 +1735,7 @@
           <a:p>
             <a:fld id="{099F8D66-D1E1-489E-B08C-301570902999}" type="datetimeFigureOut">
               <a:rPr lang="en-US" smtClean="0"/>
-              <a:t>7/1/2024</a:t>
+              <a:t>7/8/2024</a:t>
             </a:fld>
             <a:endParaRPr lang="en-US"/>
           </a:p>
@@ -1928,7 +1933,7 @@
           <a:p>
             <a:fld id="{099F8D66-D1E1-489E-B08C-301570902999}" type="datetimeFigureOut">
               <a:rPr lang="en-US" smtClean="0"/>
-              <a:t>7/1/2024</a:t>
+              <a:t>7/8/2024</a:t>
             </a:fld>
             <a:endParaRPr lang="en-US"/>
           </a:p>
@@ -2136,7 +2141,7 @@
           <a:p>
             <a:fld id="{099F8D66-D1E1-489E-B08C-301570902999}" type="datetimeFigureOut">
               <a:rPr lang="en-US" smtClean="0"/>
-              <a:t>7/1/2024</a:t>
+              <a:t>7/8/2024</a:t>
             </a:fld>
             <a:endParaRPr lang="en-US"/>
           </a:p>
@@ -2334,7 +2339,7 @@
           <a:p>
             <a:fld id="{099F8D66-D1E1-489E-B08C-301570902999}" type="datetimeFigureOut">
               <a:rPr lang="en-US" smtClean="0"/>
-              <a:t>7/1/2024</a:t>
+              <a:t>7/8/2024</a:t>
             </a:fld>
             <a:endParaRPr lang="en-US"/>
           </a:p>
@@ -2609,7 +2614,7 @@
           <a:p>
             <a:fld id="{099F8D66-D1E1-489E-B08C-301570902999}" type="datetimeFigureOut">
               <a:rPr lang="en-US" smtClean="0"/>
-              <a:t>7/1/2024</a:t>
+              <a:t>7/8/2024</a:t>
             </a:fld>
             <a:endParaRPr lang="en-US"/>
           </a:p>
@@ -2874,7 +2879,7 @@
           <a:p>
             <a:fld id="{099F8D66-D1E1-489E-B08C-301570902999}" type="datetimeFigureOut">
               <a:rPr lang="en-US" smtClean="0"/>
-              <a:t>7/1/2024</a:t>
+              <a:t>7/8/2024</a:t>
             </a:fld>
             <a:endParaRPr lang="en-US"/>
           </a:p>
@@ -3286,7 +3291,7 @@
           <a:p>
             <a:fld id="{099F8D66-D1E1-489E-B08C-301570902999}" type="datetimeFigureOut">
               <a:rPr lang="en-US" smtClean="0"/>
-              <a:t>7/1/2024</a:t>
+              <a:t>7/8/2024</a:t>
             </a:fld>
             <a:endParaRPr lang="en-US"/>
           </a:p>
@@ -3427,7 +3432,7 @@
           <a:p>
             <a:fld id="{099F8D66-D1E1-489E-B08C-301570902999}" type="datetimeFigureOut">
               <a:rPr lang="en-US" smtClean="0"/>
-              <a:t>7/1/2024</a:t>
+              <a:t>7/8/2024</a:t>
             </a:fld>
             <a:endParaRPr lang="en-US"/>
           </a:p>
@@ -3540,7 +3545,7 @@
           <a:p>
             <a:fld id="{099F8D66-D1E1-489E-B08C-301570902999}" type="datetimeFigureOut">
               <a:rPr lang="en-US" smtClean="0"/>
-              <a:t>7/1/2024</a:t>
+              <a:t>7/8/2024</a:t>
             </a:fld>
             <a:endParaRPr lang="en-US"/>
           </a:p>
@@ -3851,7 +3856,7 @@
           <a:p>
             <a:fld id="{099F8D66-D1E1-489E-B08C-301570902999}" type="datetimeFigureOut">
               <a:rPr lang="en-US" smtClean="0"/>
-              <a:t>7/1/2024</a:t>
+              <a:t>7/8/2024</a:t>
             </a:fld>
             <a:endParaRPr lang="en-US"/>
           </a:p>
@@ -4139,7 +4144,7 @@
           <a:p>
             <a:fld id="{099F8D66-D1E1-489E-B08C-301570902999}" type="datetimeFigureOut">
               <a:rPr lang="en-US" smtClean="0"/>
-              <a:t>7/1/2024</a:t>
+              <a:t>7/8/2024</a:t>
             </a:fld>
             <a:endParaRPr lang="en-US"/>
           </a:p>
@@ -4380,7 +4385,7 @@
           <a:p>
             <a:fld id="{099F8D66-D1E1-489E-B08C-301570902999}" type="datetimeFigureOut">
               <a:rPr lang="en-US" smtClean="0"/>
-              <a:t>7/1/2024</a:t>
+              <a:t>7/8/2024</a:t>
             </a:fld>
             <a:endParaRPr lang="en-US"/>
           </a:p>
@@ -16946,6 +16951,914 @@
 </p:sld>
 </file>
 
+<file path=ppt/slides/slide41.xml><?xml version="1.0" encoding="utf-8"?>
+<p:sld xmlns:a="http://schemas.openxmlformats.org/drawingml/2006/main" xmlns:r="http://schemas.openxmlformats.org/officeDocument/2006/relationships" xmlns:p="http://schemas.openxmlformats.org/presentationml/2006/main">
+  <p:cSld>
+    <p:spTree>
+      <p:nvGrpSpPr>
+        <p:cNvPr id="1" name=""/>
+        <p:cNvGrpSpPr/>
+        <p:nvPr/>
+      </p:nvGrpSpPr>
+      <p:grpSpPr>
+        <a:xfrm>
+          <a:off x="0" y="0"/>
+          <a:ext cx="0" cy="0"/>
+          <a:chOff x="0" y="0"/>
+          <a:chExt cx="0" cy="0"/>
+        </a:xfrm>
+      </p:grpSpPr>
+      <p:sp>
+        <p:nvSpPr>
+          <p:cNvPr id="2" name="Title 1">
+            <a:extLst>
+              <a:ext uri="{FF2B5EF4-FFF2-40B4-BE49-F238E27FC236}">
+                <a16:creationId xmlns:a16="http://schemas.microsoft.com/office/drawing/2014/main" id="{9A39969F-F9B0-E5D0-E38D-02EAAB395569}"/>
+              </a:ext>
+            </a:extLst>
+          </p:cNvPr>
+          <p:cNvSpPr>
+            <a:spLocks noGrp="1"/>
+          </p:cNvSpPr>
+          <p:nvPr>
+            <p:ph type="title"/>
+          </p:nvPr>
+        </p:nvSpPr>
+        <p:spPr/>
+        <p:txBody>
+          <a:bodyPr/>
+          <a:lstStyle/>
+          <a:p>
+            <a:r>
+              <a:rPr lang="en-US" dirty="0"/>
+              <a:t>CSS Resize Values</a:t>
+            </a:r>
+          </a:p>
+        </p:txBody>
+      </p:sp>
+      <p:sp>
+        <p:nvSpPr>
+          <p:cNvPr id="3" name="Content Placeholder 2">
+            <a:extLst>
+              <a:ext uri="{FF2B5EF4-FFF2-40B4-BE49-F238E27FC236}">
+                <a16:creationId xmlns:a16="http://schemas.microsoft.com/office/drawing/2014/main" id="{A191181F-BAF4-E31D-C51D-953DFAF46BF5}"/>
+              </a:ext>
+            </a:extLst>
+          </p:cNvPr>
+          <p:cNvSpPr>
+            <a:spLocks noGrp="1"/>
+          </p:cNvSpPr>
+          <p:nvPr>
+            <p:ph idx="1"/>
+          </p:nvPr>
+        </p:nvSpPr>
+        <p:spPr/>
+        <p:txBody>
+          <a:bodyPr/>
+          <a:lstStyle/>
+          <a:p>
+            <a:r>
+              <a:rPr lang="en-US" dirty="0"/>
+              <a:t>Horizontal</a:t>
+            </a:r>
+          </a:p>
+          <a:p>
+            <a:r>
+              <a:rPr lang="en-US" dirty="0"/>
+              <a:t>Vertical</a:t>
+            </a:r>
+          </a:p>
+          <a:p>
+            <a:r>
+              <a:rPr lang="en-US" dirty="0"/>
+              <a:t>Both </a:t>
+            </a:r>
+          </a:p>
+          <a:p>
+            <a:r>
+              <a:rPr lang="en-US" dirty="0"/>
+              <a:t>none</a:t>
+            </a:r>
+          </a:p>
+        </p:txBody>
+      </p:sp>
+    </p:spTree>
+    <p:extLst>
+      <p:ext uri="{BB962C8B-B14F-4D97-AF65-F5344CB8AC3E}">
+        <p14:creationId xmlns:p14="http://schemas.microsoft.com/office/powerpoint/2010/main" val="940289434"/>
+      </p:ext>
+    </p:extLst>
+  </p:cSld>
+  <p:clrMapOvr>
+    <a:masterClrMapping/>
+  </p:clrMapOvr>
+</p:sld>
+</file>
+
+<file path=ppt/slides/slide42.xml><?xml version="1.0" encoding="utf-8"?>
+<p:sld xmlns:a="http://schemas.openxmlformats.org/drawingml/2006/main" xmlns:r="http://schemas.openxmlformats.org/officeDocument/2006/relationships" xmlns:p="http://schemas.openxmlformats.org/presentationml/2006/main">
+  <p:cSld>
+    <p:spTree>
+      <p:nvGrpSpPr>
+        <p:cNvPr id="1" name=""/>
+        <p:cNvGrpSpPr/>
+        <p:nvPr/>
+      </p:nvGrpSpPr>
+      <p:grpSpPr>
+        <a:xfrm>
+          <a:off x="0" y="0"/>
+          <a:ext cx="0" cy="0"/>
+          <a:chOff x="0" y="0"/>
+          <a:chExt cx="0" cy="0"/>
+        </a:xfrm>
+      </p:grpSpPr>
+      <p:sp>
+        <p:nvSpPr>
+          <p:cNvPr id="2" name="Title 1">
+            <a:extLst>
+              <a:ext uri="{FF2B5EF4-FFF2-40B4-BE49-F238E27FC236}">
+                <a16:creationId xmlns:a16="http://schemas.microsoft.com/office/drawing/2014/main" id="{52307DB1-AFB0-3E64-4BA6-57A38637B18C}"/>
+              </a:ext>
+            </a:extLst>
+          </p:cNvPr>
+          <p:cNvSpPr>
+            <a:spLocks noGrp="1"/>
+          </p:cNvSpPr>
+          <p:nvPr>
+            <p:ph type="title"/>
+          </p:nvPr>
+        </p:nvSpPr>
+        <p:spPr/>
+        <p:txBody>
+          <a:bodyPr/>
+          <a:lstStyle/>
+          <a:p>
+            <a:r>
+              <a:rPr lang="en-US" dirty="0"/>
+              <a:t>CSS Cursor</a:t>
+            </a:r>
+          </a:p>
+        </p:txBody>
+      </p:sp>
+      <p:sp>
+        <p:nvSpPr>
+          <p:cNvPr id="3" name="Content Placeholder 2">
+            <a:extLst>
+              <a:ext uri="{FF2B5EF4-FFF2-40B4-BE49-F238E27FC236}">
+                <a16:creationId xmlns:a16="http://schemas.microsoft.com/office/drawing/2014/main" id="{7DD80D9A-D95B-E88A-6B5F-D5EAD7CEE76F}"/>
+              </a:ext>
+            </a:extLst>
+          </p:cNvPr>
+          <p:cNvSpPr>
+            <a:spLocks noGrp="1"/>
+          </p:cNvSpPr>
+          <p:nvPr>
+            <p:ph idx="1"/>
+          </p:nvPr>
+        </p:nvSpPr>
+        <p:spPr/>
+        <p:txBody>
+          <a:bodyPr numCol="2">
+            <a:normAutofit/>
+          </a:bodyPr>
+          <a:lstStyle/>
+          <a:p>
+            <a:r>
+              <a:rPr lang="en-US" dirty="0"/>
+              <a:t>Auto</a:t>
+            </a:r>
+          </a:p>
+          <a:p>
+            <a:r>
+              <a:rPr lang="en-US" dirty="0"/>
+              <a:t>Default</a:t>
+            </a:r>
+          </a:p>
+          <a:p>
+            <a:r>
+              <a:rPr lang="en-US" dirty="0"/>
+              <a:t>None</a:t>
+            </a:r>
+          </a:p>
+          <a:p>
+            <a:r>
+              <a:rPr lang="en-US" dirty="0"/>
+              <a:t>Help</a:t>
+            </a:r>
+          </a:p>
+          <a:p>
+            <a:r>
+              <a:rPr lang="en-US" dirty="0"/>
+              <a:t>Pointer</a:t>
+            </a:r>
+          </a:p>
+          <a:p>
+            <a:r>
+              <a:rPr lang="en-US" dirty="0"/>
+              <a:t>Wait</a:t>
+            </a:r>
+          </a:p>
+          <a:p>
+            <a:r>
+              <a:rPr lang="en-US" dirty="0"/>
+              <a:t>Cell</a:t>
+            </a:r>
+          </a:p>
+          <a:p>
+            <a:r>
+              <a:rPr lang="en-US" dirty="0"/>
+              <a:t>Move</a:t>
+            </a:r>
+          </a:p>
+          <a:p>
+            <a:r>
+              <a:rPr lang="en-US" dirty="0"/>
+              <a:t>No-drop</a:t>
+            </a:r>
+          </a:p>
+          <a:p>
+            <a:r>
+              <a:rPr lang="en-US" dirty="0"/>
+              <a:t>Zoom-in</a:t>
+            </a:r>
+          </a:p>
+          <a:p>
+            <a:r>
+              <a:rPr lang="en-US" dirty="0"/>
+              <a:t>Zoom-out</a:t>
+            </a:r>
+          </a:p>
+          <a:p>
+            <a:r>
+              <a:rPr lang="en-US" dirty="0"/>
+              <a:t>Grab</a:t>
+            </a:r>
+          </a:p>
+          <a:p>
+            <a:r>
+              <a:rPr lang="en-US" dirty="0"/>
+              <a:t>Grabbing</a:t>
+            </a:r>
+          </a:p>
+          <a:p>
+            <a:r>
+              <a:rPr lang="en-US" dirty="0"/>
+              <a:t>Copy</a:t>
+            </a:r>
+          </a:p>
+          <a:p>
+            <a:r>
+              <a:rPr lang="en-US" dirty="0"/>
+              <a:t>No-drop</a:t>
+            </a:r>
+          </a:p>
+          <a:p>
+            <a:r>
+              <a:rPr lang="en-US" dirty="0"/>
+              <a:t>Not-allowed</a:t>
+            </a:r>
+          </a:p>
+        </p:txBody>
+      </p:sp>
+    </p:spTree>
+    <p:extLst>
+      <p:ext uri="{BB962C8B-B14F-4D97-AF65-F5344CB8AC3E}">
+        <p14:creationId xmlns:p14="http://schemas.microsoft.com/office/powerpoint/2010/main" val="3358065851"/>
+      </p:ext>
+    </p:extLst>
+  </p:cSld>
+  <p:clrMapOvr>
+    <a:masterClrMapping/>
+  </p:clrMapOvr>
+</p:sld>
+</file>
+
+<file path=ppt/slides/slide43.xml><?xml version="1.0" encoding="utf-8"?>
+<p:sld xmlns:a="http://schemas.openxmlformats.org/drawingml/2006/main" xmlns:r="http://schemas.openxmlformats.org/officeDocument/2006/relationships" xmlns:p="http://schemas.openxmlformats.org/presentationml/2006/main">
+  <p:cSld>
+    <p:spTree>
+      <p:nvGrpSpPr>
+        <p:cNvPr id="1" name=""/>
+        <p:cNvGrpSpPr/>
+        <p:nvPr/>
+      </p:nvGrpSpPr>
+      <p:grpSpPr>
+        <a:xfrm>
+          <a:off x="0" y="0"/>
+          <a:ext cx="0" cy="0"/>
+          <a:chOff x="0" y="0"/>
+          <a:chExt cx="0" cy="0"/>
+        </a:xfrm>
+      </p:grpSpPr>
+      <p:sp>
+        <p:nvSpPr>
+          <p:cNvPr id="2" name="Title 1">
+            <a:extLst>
+              <a:ext uri="{FF2B5EF4-FFF2-40B4-BE49-F238E27FC236}">
+                <a16:creationId xmlns:a16="http://schemas.microsoft.com/office/drawing/2014/main" id="{BCE50A80-A0B2-19D5-27F7-5C0367BA140C}"/>
+              </a:ext>
+            </a:extLst>
+          </p:cNvPr>
+          <p:cNvSpPr>
+            <a:spLocks noGrp="1"/>
+          </p:cNvSpPr>
+          <p:nvPr>
+            <p:ph type="title"/>
+          </p:nvPr>
+        </p:nvSpPr>
+        <p:spPr/>
+        <p:txBody>
+          <a:bodyPr/>
+          <a:lstStyle/>
+          <a:p>
+            <a:r>
+              <a:rPr lang="en-US" dirty="0"/>
+              <a:t>CSS </a:t>
+            </a:r>
+            <a:r>
+              <a:rPr lang="en-US" dirty="0" err="1"/>
+              <a:t>Measurment</a:t>
+            </a:r>
+            <a:r>
+              <a:rPr lang="en-US" dirty="0"/>
+              <a:t> Units</a:t>
+            </a:r>
+          </a:p>
+        </p:txBody>
+      </p:sp>
+      <p:sp>
+        <p:nvSpPr>
+          <p:cNvPr id="3" name="Content Placeholder 2">
+            <a:extLst>
+              <a:ext uri="{FF2B5EF4-FFF2-40B4-BE49-F238E27FC236}">
+                <a16:creationId xmlns:a16="http://schemas.microsoft.com/office/drawing/2014/main" id="{7FDA5B31-481F-019B-6AB6-F3AED8CD756B}"/>
+              </a:ext>
+            </a:extLst>
+          </p:cNvPr>
+          <p:cNvSpPr>
+            <a:spLocks noGrp="1"/>
+          </p:cNvSpPr>
+          <p:nvPr>
+            <p:ph idx="1"/>
+          </p:nvPr>
+        </p:nvSpPr>
+        <p:spPr/>
+        <p:txBody>
+          <a:bodyPr/>
+          <a:lstStyle/>
+          <a:p>
+            <a:pPr marL="0" indent="0">
+              <a:buNone/>
+            </a:pPr>
+            <a:r>
+              <a:rPr lang="en-US" dirty="0" err="1"/>
+              <a:t>Px</a:t>
+            </a:r>
+            <a:r>
+              <a:rPr lang="en-US" dirty="0"/>
+              <a:t> (pixel)</a:t>
+            </a:r>
+          </a:p>
+          <a:p>
+            <a:pPr marL="0" indent="0">
+              <a:buNone/>
+            </a:pPr>
+            <a:r>
+              <a:rPr lang="en-US" dirty="0"/>
+              <a:t>% (percentage)</a:t>
+            </a:r>
+          </a:p>
+          <a:p>
+            <a:pPr marL="0" indent="0">
+              <a:buNone/>
+            </a:pPr>
+            <a:r>
+              <a:rPr lang="en-US" dirty="0"/>
+              <a:t>Em</a:t>
+            </a:r>
+          </a:p>
+          <a:p>
+            <a:pPr marL="0" indent="0">
+              <a:buNone/>
+            </a:pPr>
+            <a:r>
+              <a:rPr lang="en-US" dirty="0"/>
+              <a:t>Rem</a:t>
+            </a:r>
+          </a:p>
+          <a:p>
+            <a:pPr marL="0" indent="0">
+              <a:buNone/>
+            </a:pPr>
+            <a:r>
+              <a:rPr lang="en-US" dirty="0" err="1"/>
+              <a:t>Vw</a:t>
+            </a:r>
+            <a:r>
+              <a:rPr lang="en-US" dirty="0"/>
+              <a:t>(viewport width)</a:t>
+            </a:r>
+          </a:p>
+          <a:p>
+            <a:pPr marL="0" indent="0">
+              <a:buNone/>
+            </a:pPr>
+            <a:r>
+              <a:rPr lang="en-US" dirty="0" err="1"/>
+              <a:t>Vh</a:t>
+            </a:r>
+            <a:r>
+              <a:rPr lang="en-US" dirty="0"/>
+              <a:t>(viewport height)</a:t>
+            </a:r>
+          </a:p>
+          <a:p>
+            <a:pPr marL="0" indent="0">
+              <a:buNone/>
+            </a:pPr>
+            <a:r>
+              <a:rPr lang="en-US" dirty="0"/>
+              <a:t>Vmax(viewport maximum)</a:t>
+            </a:r>
+          </a:p>
+          <a:p>
+            <a:pPr marL="0" indent="0">
+              <a:buNone/>
+            </a:pPr>
+            <a:r>
+              <a:rPr lang="en-US" dirty="0" err="1"/>
+              <a:t>Vmin</a:t>
+            </a:r>
+            <a:r>
+              <a:rPr lang="en-US" dirty="0"/>
+              <a:t>(viewport minimum)</a:t>
+            </a:r>
+          </a:p>
+        </p:txBody>
+      </p:sp>
+    </p:spTree>
+    <p:extLst>
+      <p:ext uri="{BB962C8B-B14F-4D97-AF65-F5344CB8AC3E}">
+        <p14:creationId xmlns:p14="http://schemas.microsoft.com/office/powerpoint/2010/main" val="1508656514"/>
+      </p:ext>
+    </p:extLst>
+  </p:cSld>
+  <p:clrMapOvr>
+    <a:masterClrMapping/>
+  </p:clrMapOvr>
+</p:sld>
+</file>
+
+<file path=ppt/slides/slide44.xml><?xml version="1.0" encoding="utf-8"?>
+<p:sld xmlns:a="http://schemas.openxmlformats.org/drawingml/2006/main" xmlns:r="http://schemas.openxmlformats.org/officeDocument/2006/relationships" xmlns:p="http://schemas.openxmlformats.org/presentationml/2006/main">
+  <p:cSld>
+    <p:spTree>
+      <p:nvGrpSpPr>
+        <p:cNvPr id="1" name=""/>
+        <p:cNvGrpSpPr/>
+        <p:nvPr/>
+      </p:nvGrpSpPr>
+      <p:grpSpPr>
+        <a:xfrm>
+          <a:off x="0" y="0"/>
+          <a:ext cx="0" cy="0"/>
+          <a:chOff x="0" y="0"/>
+          <a:chExt cx="0" cy="0"/>
+        </a:xfrm>
+      </p:grpSpPr>
+      <p:sp>
+        <p:nvSpPr>
+          <p:cNvPr id="2" name="Title 1">
+            <a:extLst>
+              <a:ext uri="{FF2B5EF4-FFF2-40B4-BE49-F238E27FC236}">
+                <a16:creationId xmlns:a16="http://schemas.microsoft.com/office/drawing/2014/main" id="{8297E74D-6BBE-507A-6909-0B3DEBBABA94}"/>
+              </a:ext>
+            </a:extLst>
+          </p:cNvPr>
+          <p:cNvSpPr>
+            <a:spLocks noGrp="1"/>
+          </p:cNvSpPr>
+          <p:nvPr>
+            <p:ph type="title"/>
+          </p:nvPr>
+        </p:nvSpPr>
+        <p:spPr/>
+        <p:txBody>
+          <a:bodyPr/>
+          <a:lstStyle/>
+          <a:p>
+            <a:r>
+              <a:rPr lang="en-US" dirty="0"/>
+              <a:t>CSS: Transition</a:t>
+            </a:r>
+          </a:p>
+        </p:txBody>
+      </p:sp>
+      <p:sp>
+        <p:nvSpPr>
+          <p:cNvPr id="3" name="Content Placeholder 2">
+            <a:extLst>
+              <a:ext uri="{FF2B5EF4-FFF2-40B4-BE49-F238E27FC236}">
+                <a16:creationId xmlns:a16="http://schemas.microsoft.com/office/drawing/2014/main" id="{4BA4D044-D579-6909-22DE-384BBA41E465}"/>
+              </a:ext>
+            </a:extLst>
+          </p:cNvPr>
+          <p:cNvSpPr>
+            <a:spLocks noGrp="1"/>
+          </p:cNvSpPr>
+          <p:nvPr>
+            <p:ph idx="1"/>
+          </p:nvPr>
+        </p:nvSpPr>
+        <p:spPr/>
+        <p:txBody>
+          <a:bodyPr/>
+          <a:lstStyle/>
+          <a:p>
+            <a:r>
+              <a:rPr lang="en-US" dirty="0"/>
+              <a:t>Transition</a:t>
+            </a:r>
+          </a:p>
+          <a:p>
+            <a:r>
+              <a:rPr lang="en-US" dirty="0"/>
+              <a:t>Transition-property</a:t>
+            </a:r>
+          </a:p>
+          <a:p>
+            <a:r>
+              <a:rPr lang="en-US" dirty="0"/>
+              <a:t>Transition-duration</a:t>
+            </a:r>
+          </a:p>
+          <a:p>
+            <a:r>
+              <a:rPr lang="en-US" dirty="0"/>
+              <a:t>Transition-delay</a:t>
+            </a:r>
+          </a:p>
+          <a:p>
+            <a:r>
+              <a:rPr lang="en-US" dirty="0"/>
+              <a:t>Transition-timing-function</a:t>
+            </a:r>
+          </a:p>
+        </p:txBody>
+      </p:sp>
+    </p:spTree>
+    <p:extLst>
+      <p:ext uri="{BB962C8B-B14F-4D97-AF65-F5344CB8AC3E}">
+        <p14:creationId xmlns:p14="http://schemas.microsoft.com/office/powerpoint/2010/main" val="1532176887"/>
+      </p:ext>
+    </p:extLst>
+  </p:cSld>
+  <p:clrMapOvr>
+    <a:masterClrMapping/>
+  </p:clrMapOvr>
+</p:sld>
+</file>
+
+<file path=ppt/slides/slide45.xml><?xml version="1.0" encoding="utf-8"?>
+<p:sld xmlns:a="http://schemas.openxmlformats.org/drawingml/2006/main" xmlns:r="http://schemas.openxmlformats.org/officeDocument/2006/relationships" xmlns:p="http://schemas.openxmlformats.org/presentationml/2006/main">
+  <p:cSld>
+    <p:spTree>
+      <p:nvGrpSpPr>
+        <p:cNvPr id="1" name=""/>
+        <p:cNvGrpSpPr/>
+        <p:nvPr/>
+      </p:nvGrpSpPr>
+      <p:grpSpPr>
+        <a:xfrm>
+          <a:off x="0" y="0"/>
+          <a:ext cx="0" cy="0"/>
+          <a:chOff x="0" y="0"/>
+          <a:chExt cx="0" cy="0"/>
+        </a:xfrm>
+      </p:grpSpPr>
+      <p:sp>
+        <p:nvSpPr>
+          <p:cNvPr id="2" name="Title 1">
+            <a:extLst>
+              <a:ext uri="{FF2B5EF4-FFF2-40B4-BE49-F238E27FC236}">
+                <a16:creationId xmlns:a16="http://schemas.microsoft.com/office/drawing/2014/main" id="{4BA10115-15B2-6EC8-E793-0B31998AAA41}"/>
+              </a:ext>
+            </a:extLst>
+          </p:cNvPr>
+          <p:cNvSpPr>
+            <a:spLocks noGrp="1"/>
+          </p:cNvSpPr>
+          <p:nvPr>
+            <p:ph type="title"/>
+          </p:nvPr>
+        </p:nvSpPr>
+        <p:spPr/>
+        <p:txBody>
+          <a:bodyPr/>
+          <a:lstStyle/>
+          <a:p>
+            <a:r>
+              <a:rPr lang="en-US" dirty="0"/>
+              <a:t>Transition-timing-function Values</a:t>
+            </a:r>
+          </a:p>
+        </p:txBody>
+      </p:sp>
+      <p:graphicFrame>
+        <p:nvGraphicFramePr>
+          <p:cNvPr id="5" name="Content Placeholder 4">
+            <a:extLst>
+              <a:ext uri="{FF2B5EF4-FFF2-40B4-BE49-F238E27FC236}">
+                <a16:creationId xmlns:a16="http://schemas.microsoft.com/office/drawing/2014/main" id="{B7060DDD-CD22-1664-B2EE-AB2986A5C280}"/>
+              </a:ext>
+            </a:extLst>
+          </p:cNvPr>
+          <p:cNvGraphicFramePr>
+            <a:graphicFrameLocks noGrp="1"/>
+          </p:cNvGraphicFramePr>
+          <p:nvPr>
+            <p:ph idx="1"/>
+            <p:extLst>
+              <p:ext uri="{D42A27DB-BD31-4B8C-83A1-F6EECF244321}">
+                <p14:modId xmlns:p14="http://schemas.microsoft.com/office/powerpoint/2010/main" val="827033678"/>
+              </p:ext>
+            </p:extLst>
+          </p:nvPr>
+        </p:nvGraphicFramePr>
+        <p:xfrm>
+          <a:off x="838200" y="1825625"/>
+          <a:ext cx="10515600" cy="2595880"/>
+        </p:xfrm>
+        <a:graphic>
+          <a:graphicData uri="http://schemas.openxmlformats.org/drawingml/2006/table">
+            <a:tbl>
+              <a:tblPr firstRow="1" bandRow="1">
+                <a:tableStyleId>{5C22544A-7EE6-4342-B048-85BDC9FD1C3A}</a:tableStyleId>
+              </a:tblPr>
+              <a:tblGrid>
+                <a:gridCol w="5257800">
+                  <a:extLst>
+                    <a:ext uri="{9D8B030D-6E8A-4147-A177-3AD203B41FA5}">
+                      <a16:colId xmlns:a16="http://schemas.microsoft.com/office/drawing/2014/main" val="275558211"/>
+                    </a:ext>
+                  </a:extLst>
+                </a:gridCol>
+                <a:gridCol w="5257800">
+                  <a:extLst>
+                    <a:ext uri="{9D8B030D-6E8A-4147-A177-3AD203B41FA5}">
+                      <a16:colId xmlns:a16="http://schemas.microsoft.com/office/drawing/2014/main" val="2030361230"/>
+                    </a:ext>
+                  </a:extLst>
+                </a:gridCol>
+              </a:tblGrid>
+              <a:tr h="370840">
+                <a:tc>
+                  <a:txBody>
+                    <a:bodyPr/>
+                    <a:lstStyle/>
+                    <a:p>
+                      <a:r>
+                        <a:rPr lang="en-US" dirty="0"/>
+                        <a:t>Unit</a:t>
+                      </a:r>
+                    </a:p>
+                  </a:txBody>
+                  <a:tcPr/>
+                </a:tc>
+                <a:tc>
+                  <a:txBody>
+                    <a:bodyPr/>
+                    <a:lstStyle/>
+                    <a:p>
+                      <a:r>
+                        <a:rPr lang="en-US" dirty="0"/>
+                        <a:t>Description</a:t>
+                      </a:r>
+                    </a:p>
+                  </a:txBody>
+                  <a:tcPr/>
+                </a:tc>
+                <a:extLst>
+                  <a:ext uri="{0D108BD9-81ED-4DB2-BD59-A6C34878D82A}">
+                    <a16:rowId xmlns:a16="http://schemas.microsoft.com/office/drawing/2014/main" val="323509717"/>
+                  </a:ext>
+                </a:extLst>
+              </a:tr>
+              <a:tr h="370840">
+                <a:tc>
+                  <a:txBody>
+                    <a:bodyPr/>
+                    <a:lstStyle/>
+                    <a:p>
+                      <a:r>
+                        <a:rPr lang="en-US" dirty="0"/>
+                        <a:t>Ease</a:t>
+                      </a:r>
+                    </a:p>
+                  </a:txBody>
+                  <a:tcPr/>
+                </a:tc>
+                <a:tc>
+                  <a:txBody>
+                    <a:bodyPr/>
+                    <a:lstStyle/>
+                    <a:p>
+                      <a:r>
+                        <a:rPr lang="en-US" dirty="0"/>
+                        <a:t>Slow start, then fast, then end slowly</a:t>
+                      </a:r>
+                    </a:p>
+                  </a:txBody>
+                  <a:tcPr/>
+                </a:tc>
+                <a:extLst>
+                  <a:ext uri="{0D108BD9-81ED-4DB2-BD59-A6C34878D82A}">
+                    <a16:rowId xmlns:a16="http://schemas.microsoft.com/office/drawing/2014/main" val="3519520213"/>
+                  </a:ext>
+                </a:extLst>
+              </a:tr>
+              <a:tr h="370840">
+                <a:tc>
+                  <a:txBody>
+                    <a:bodyPr/>
+                    <a:lstStyle/>
+                    <a:p>
+                      <a:r>
+                        <a:rPr lang="en-US" dirty="0"/>
+                        <a:t>Linear</a:t>
+                      </a:r>
+                    </a:p>
+                  </a:txBody>
+                  <a:tcPr/>
+                </a:tc>
+                <a:tc>
+                  <a:txBody>
+                    <a:bodyPr/>
+                    <a:lstStyle/>
+                    <a:p>
+                      <a:r>
+                        <a:rPr lang="en-US" dirty="0"/>
+                        <a:t>Same speed from start to end</a:t>
+                      </a:r>
+                    </a:p>
+                  </a:txBody>
+                  <a:tcPr/>
+                </a:tc>
+                <a:extLst>
+                  <a:ext uri="{0D108BD9-81ED-4DB2-BD59-A6C34878D82A}">
+                    <a16:rowId xmlns:a16="http://schemas.microsoft.com/office/drawing/2014/main" val="439620346"/>
+                  </a:ext>
+                </a:extLst>
+              </a:tr>
+              <a:tr h="370840">
+                <a:tc>
+                  <a:txBody>
+                    <a:bodyPr/>
+                    <a:lstStyle/>
+                    <a:p>
+                      <a:r>
+                        <a:rPr lang="en-US" dirty="0"/>
+                        <a:t>Ease-in</a:t>
+                      </a:r>
+                    </a:p>
+                  </a:txBody>
+                  <a:tcPr/>
+                </a:tc>
+                <a:tc>
+                  <a:txBody>
+                    <a:bodyPr/>
+                    <a:lstStyle/>
+                    <a:p>
+                      <a:r>
+                        <a:rPr lang="en-US" dirty="0"/>
+                        <a:t>Slow start</a:t>
+                      </a:r>
+                    </a:p>
+                  </a:txBody>
+                  <a:tcPr/>
+                </a:tc>
+                <a:extLst>
+                  <a:ext uri="{0D108BD9-81ED-4DB2-BD59-A6C34878D82A}">
+                    <a16:rowId xmlns:a16="http://schemas.microsoft.com/office/drawing/2014/main" val="4046393779"/>
+                  </a:ext>
+                </a:extLst>
+              </a:tr>
+              <a:tr h="370840">
+                <a:tc>
+                  <a:txBody>
+                    <a:bodyPr/>
+                    <a:lstStyle/>
+                    <a:p>
+                      <a:r>
+                        <a:rPr lang="en-US" dirty="0"/>
+                        <a:t>Ease-out</a:t>
+                      </a:r>
+                    </a:p>
+                  </a:txBody>
+                  <a:tcPr/>
+                </a:tc>
+                <a:tc>
+                  <a:txBody>
+                    <a:bodyPr/>
+                    <a:lstStyle/>
+                    <a:p>
+                      <a:r>
+                        <a:rPr lang="en-US" dirty="0"/>
+                        <a:t>Slow end</a:t>
+                      </a:r>
+                    </a:p>
+                  </a:txBody>
+                  <a:tcPr/>
+                </a:tc>
+                <a:extLst>
+                  <a:ext uri="{0D108BD9-81ED-4DB2-BD59-A6C34878D82A}">
+                    <a16:rowId xmlns:a16="http://schemas.microsoft.com/office/drawing/2014/main" val="749673574"/>
+                  </a:ext>
+                </a:extLst>
+              </a:tr>
+              <a:tr h="370840">
+                <a:tc>
+                  <a:txBody>
+                    <a:bodyPr/>
+                    <a:lstStyle/>
+                    <a:p>
+                      <a:r>
+                        <a:rPr lang="en-US" dirty="0"/>
+                        <a:t>Ease-in-out</a:t>
+                      </a:r>
+                    </a:p>
+                  </a:txBody>
+                  <a:tcPr/>
+                </a:tc>
+                <a:tc>
+                  <a:txBody>
+                    <a:bodyPr/>
+                    <a:lstStyle/>
+                    <a:p>
+                      <a:r>
+                        <a:rPr lang="en-US" dirty="0"/>
+                        <a:t>Slow start and end</a:t>
+                      </a:r>
+                    </a:p>
+                  </a:txBody>
+                  <a:tcPr/>
+                </a:tc>
+                <a:extLst>
+                  <a:ext uri="{0D108BD9-81ED-4DB2-BD59-A6C34878D82A}">
+                    <a16:rowId xmlns:a16="http://schemas.microsoft.com/office/drawing/2014/main" val="3779446886"/>
+                  </a:ext>
+                </a:extLst>
+              </a:tr>
+              <a:tr h="370840">
+                <a:tc>
+                  <a:txBody>
+                    <a:bodyPr/>
+                    <a:lstStyle/>
+                    <a:p>
+                      <a:r>
+                        <a:rPr lang="en-US" dirty="0"/>
+                        <a:t>Cubic-Bezier</a:t>
+                      </a:r>
+                    </a:p>
+                  </a:txBody>
+                  <a:tcPr/>
+                </a:tc>
+                <a:tc>
+                  <a:txBody>
+                    <a:bodyPr/>
+                    <a:lstStyle/>
+                    <a:p>
+                      <a:r>
+                        <a:rPr lang="en-US" dirty="0"/>
+                        <a:t>Lets you define your own values</a:t>
+                      </a:r>
+                    </a:p>
+                  </a:txBody>
+                  <a:tcPr/>
+                </a:tc>
+                <a:extLst>
+                  <a:ext uri="{0D108BD9-81ED-4DB2-BD59-A6C34878D82A}">
+                    <a16:rowId xmlns:a16="http://schemas.microsoft.com/office/drawing/2014/main" val="3756248411"/>
+                  </a:ext>
+                </a:extLst>
+              </a:tr>
+            </a:tbl>
+          </a:graphicData>
+        </a:graphic>
+      </p:graphicFrame>
+    </p:spTree>
+    <p:extLst>
+      <p:ext uri="{BB962C8B-B14F-4D97-AF65-F5344CB8AC3E}">
+        <p14:creationId xmlns:p14="http://schemas.microsoft.com/office/powerpoint/2010/main" val="3406548714"/>
+      </p:ext>
+    </p:extLst>
+  </p:cSld>
+  <p:clrMapOvr>
+    <a:masterClrMapping/>
+  </p:clrMapOvr>
+</p:sld>
+</file>
+
 <file path=ppt/slides/slide5.xml><?xml version="1.0" encoding="utf-8"?>
 <p:sld xmlns:a="http://schemas.openxmlformats.org/drawingml/2006/main" xmlns:r="http://schemas.openxmlformats.org/officeDocument/2006/relationships" xmlns:p="http://schemas.openxmlformats.org/presentationml/2006/main">
   <p:cSld>
@@ -17513,15 +18426,7 @@
             </a:br>
             <a:r>
               <a:rPr lang="en-US" dirty="0"/>
-              <a:t>CSS </a:t>
-            </a:r>
-            <a:r>
-              <a:rPr lang="en-US" dirty="0" err="1"/>
-              <a:t>Baisc</a:t>
-            </a:r>
-            <a:r>
-              <a:rPr lang="en-US" dirty="0"/>
-              <a:t> Selectors</a:t>
+              <a:t>CSS Basic Selectors</a:t>
             </a:r>
             <a:br>
               <a:rPr lang="en-US" dirty="0"/>

--- a/CSS3.pptx
+++ b/CSS3.pptx
@@ -50,6 +50,14 @@
     <p:sldId id="299" r:id="rId44"/>
     <p:sldId id="300" r:id="rId45"/>
     <p:sldId id="301" r:id="rId46"/>
+    <p:sldId id="302" r:id="rId47"/>
+    <p:sldId id="303" r:id="rId48"/>
+    <p:sldId id="304" r:id="rId49"/>
+    <p:sldId id="305" r:id="rId50"/>
+    <p:sldId id="306" r:id="rId51"/>
+    <p:sldId id="307" r:id="rId52"/>
+    <p:sldId id="308" r:id="rId53"/>
+    <p:sldId id="309" r:id="rId54"/>
   </p:sldIdLst>
   <p:sldSz cx="12192000" cy="6858000"/>
   <p:notesSz cx="6858000" cy="9144000"/>
@@ -1735,7 +1743,7 @@
           <a:p>
             <a:fld id="{099F8D66-D1E1-489E-B08C-301570902999}" type="datetimeFigureOut">
               <a:rPr lang="en-US" smtClean="0"/>
-              <a:t>7/8/2024</a:t>
+              <a:t>7/9/2024</a:t>
             </a:fld>
             <a:endParaRPr lang="en-US"/>
           </a:p>
@@ -1933,7 +1941,7 @@
           <a:p>
             <a:fld id="{099F8D66-D1E1-489E-B08C-301570902999}" type="datetimeFigureOut">
               <a:rPr lang="en-US" smtClean="0"/>
-              <a:t>7/8/2024</a:t>
+              <a:t>7/9/2024</a:t>
             </a:fld>
             <a:endParaRPr lang="en-US"/>
           </a:p>
@@ -2141,7 +2149,7 @@
           <a:p>
             <a:fld id="{099F8D66-D1E1-489E-B08C-301570902999}" type="datetimeFigureOut">
               <a:rPr lang="en-US" smtClean="0"/>
-              <a:t>7/8/2024</a:t>
+              <a:t>7/9/2024</a:t>
             </a:fld>
             <a:endParaRPr lang="en-US"/>
           </a:p>
@@ -2339,7 +2347,7 @@
           <a:p>
             <a:fld id="{099F8D66-D1E1-489E-B08C-301570902999}" type="datetimeFigureOut">
               <a:rPr lang="en-US" smtClean="0"/>
-              <a:t>7/8/2024</a:t>
+              <a:t>7/9/2024</a:t>
             </a:fld>
             <a:endParaRPr lang="en-US"/>
           </a:p>
@@ -2614,7 +2622,7 @@
           <a:p>
             <a:fld id="{099F8D66-D1E1-489E-B08C-301570902999}" type="datetimeFigureOut">
               <a:rPr lang="en-US" smtClean="0"/>
-              <a:t>7/8/2024</a:t>
+              <a:t>7/9/2024</a:t>
             </a:fld>
             <a:endParaRPr lang="en-US"/>
           </a:p>
@@ -2879,7 +2887,7 @@
           <a:p>
             <a:fld id="{099F8D66-D1E1-489E-B08C-301570902999}" type="datetimeFigureOut">
               <a:rPr lang="en-US" smtClean="0"/>
-              <a:t>7/8/2024</a:t>
+              <a:t>7/9/2024</a:t>
             </a:fld>
             <a:endParaRPr lang="en-US"/>
           </a:p>
@@ -3291,7 +3299,7 @@
           <a:p>
             <a:fld id="{099F8D66-D1E1-489E-B08C-301570902999}" type="datetimeFigureOut">
               <a:rPr lang="en-US" smtClean="0"/>
-              <a:t>7/8/2024</a:t>
+              <a:t>7/9/2024</a:t>
             </a:fld>
             <a:endParaRPr lang="en-US"/>
           </a:p>
@@ -3432,7 +3440,7 @@
           <a:p>
             <a:fld id="{099F8D66-D1E1-489E-B08C-301570902999}" type="datetimeFigureOut">
               <a:rPr lang="en-US" smtClean="0"/>
-              <a:t>7/8/2024</a:t>
+              <a:t>7/9/2024</a:t>
             </a:fld>
             <a:endParaRPr lang="en-US"/>
           </a:p>
@@ -3545,7 +3553,7 @@
           <a:p>
             <a:fld id="{099F8D66-D1E1-489E-B08C-301570902999}" type="datetimeFigureOut">
               <a:rPr lang="en-US" smtClean="0"/>
-              <a:t>7/8/2024</a:t>
+              <a:t>7/9/2024</a:t>
             </a:fld>
             <a:endParaRPr lang="en-US"/>
           </a:p>
@@ -3856,7 +3864,7 @@
           <a:p>
             <a:fld id="{099F8D66-D1E1-489E-B08C-301570902999}" type="datetimeFigureOut">
               <a:rPr lang="en-US" smtClean="0"/>
-              <a:t>7/8/2024</a:t>
+              <a:t>7/9/2024</a:t>
             </a:fld>
             <a:endParaRPr lang="en-US"/>
           </a:p>
@@ -4144,7 +4152,7 @@
           <a:p>
             <a:fld id="{099F8D66-D1E1-489E-B08C-301570902999}" type="datetimeFigureOut">
               <a:rPr lang="en-US" smtClean="0"/>
-              <a:t>7/8/2024</a:t>
+              <a:t>7/9/2024</a:t>
             </a:fld>
             <a:endParaRPr lang="en-US"/>
           </a:p>
@@ -4385,7 +4393,7 @@
           <a:p>
             <a:fld id="{099F8D66-D1E1-489E-B08C-301570902999}" type="datetimeFigureOut">
               <a:rPr lang="en-US" smtClean="0"/>
-              <a:t>7/8/2024</a:t>
+              <a:t>7/9/2024</a:t>
             </a:fld>
             <a:endParaRPr lang="en-US"/>
           </a:p>
@@ -17859,6 +17867,1131 @@
 </p:sld>
 </file>
 
+<file path=ppt/slides/slide46.xml><?xml version="1.0" encoding="utf-8"?>
+<p:sld xmlns:a="http://schemas.openxmlformats.org/drawingml/2006/main" xmlns:r="http://schemas.openxmlformats.org/officeDocument/2006/relationships" xmlns:p="http://schemas.openxmlformats.org/presentationml/2006/main">
+  <p:cSld>
+    <p:spTree>
+      <p:nvGrpSpPr>
+        <p:cNvPr id="1" name=""/>
+        <p:cNvGrpSpPr/>
+        <p:nvPr/>
+      </p:nvGrpSpPr>
+      <p:grpSpPr>
+        <a:xfrm>
+          <a:off x="0" y="0"/>
+          <a:ext cx="0" cy="0"/>
+          <a:chOff x="0" y="0"/>
+          <a:chExt cx="0" cy="0"/>
+        </a:xfrm>
+      </p:grpSpPr>
+      <p:sp>
+        <p:nvSpPr>
+          <p:cNvPr id="2" name="Title 1">
+            <a:extLst>
+              <a:ext uri="{FF2B5EF4-FFF2-40B4-BE49-F238E27FC236}">
+                <a16:creationId xmlns:a16="http://schemas.microsoft.com/office/drawing/2014/main" id="{E997F7D0-4278-5448-33D9-292ACD794396}"/>
+              </a:ext>
+            </a:extLst>
+          </p:cNvPr>
+          <p:cNvSpPr>
+            <a:spLocks noGrp="1"/>
+          </p:cNvSpPr>
+          <p:nvPr>
+            <p:ph type="title"/>
+          </p:nvPr>
+        </p:nvSpPr>
+        <p:spPr/>
+        <p:txBody>
+          <a:bodyPr/>
+          <a:lstStyle/>
+          <a:p>
+            <a:r>
+              <a:rPr lang="en-US" dirty="0"/>
+              <a:t>CSS: Z-index</a:t>
+            </a:r>
+          </a:p>
+        </p:txBody>
+      </p:sp>
+      <p:cxnSp>
+        <p:nvCxnSpPr>
+          <p:cNvPr id="5" name="Straight Connector 4">
+            <a:extLst>
+              <a:ext uri="{FF2B5EF4-FFF2-40B4-BE49-F238E27FC236}">
+                <a16:creationId xmlns:a16="http://schemas.microsoft.com/office/drawing/2014/main" id="{0F049AF0-CE4F-4085-3327-6E4BFCEFE02A}"/>
+              </a:ext>
+            </a:extLst>
+          </p:cNvPr>
+          <p:cNvCxnSpPr/>
+          <p:nvPr/>
+        </p:nvCxnSpPr>
+        <p:spPr>
+          <a:xfrm>
+            <a:off x="4876800" y="1799771"/>
+            <a:ext cx="0" cy="3744686"/>
+          </a:xfrm>
+          <a:prstGeom prst="line">
+            <a:avLst/>
+          </a:prstGeom>
+          <a:ln w="76200">
+            <a:prstDash val="sysDash"/>
+          </a:ln>
+        </p:spPr>
+        <p:style>
+          <a:lnRef idx="1">
+            <a:schemeClr val="accent1"/>
+          </a:lnRef>
+          <a:fillRef idx="0">
+            <a:schemeClr val="accent1"/>
+          </a:fillRef>
+          <a:effectRef idx="0">
+            <a:schemeClr val="accent1"/>
+          </a:effectRef>
+          <a:fontRef idx="minor">
+            <a:schemeClr val="tx1"/>
+          </a:fontRef>
+        </p:style>
+      </p:cxnSp>
+      <p:cxnSp>
+        <p:nvCxnSpPr>
+          <p:cNvPr id="6" name="Straight Connector 5">
+            <a:extLst>
+              <a:ext uri="{FF2B5EF4-FFF2-40B4-BE49-F238E27FC236}">
+                <a16:creationId xmlns:a16="http://schemas.microsoft.com/office/drawing/2014/main" id="{D8699154-B30C-549F-2625-94F2D10EA3B8}"/>
+              </a:ext>
+            </a:extLst>
+          </p:cNvPr>
+          <p:cNvCxnSpPr>
+            <a:cxnSpLocks/>
+          </p:cNvCxnSpPr>
+          <p:nvPr/>
+        </p:nvCxnSpPr>
+        <p:spPr>
+          <a:xfrm flipH="1">
+            <a:off x="4230914" y="4666343"/>
+            <a:ext cx="4187371" cy="0"/>
+          </a:xfrm>
+          <a:prstGeom prst="line">
+            <a:avLst/>
+          </a:prstGeom>
+          <a:ln w="76200">
+            <a:prstDash val="sysDash"/>
+          </a:ln>
+        </p:spPr>
+        <p:style>
+          <a:lnRef idx="1">
+            <a:schemeClr val="accent1"/>
+          </a:lnRef>
+          <a:fillRef idx="0">
+            <a:schemeClr val="accent1"/>
+          </a:fillRef>
+          <a:effectRef idx="0">
+            <a:schemeClr val="accent1"/>
+          </a:effectRef>
+          <a:fontRef idx="minor">
+            <a:schemeClr val="tx1"/>
+          </a:fontRef>
+        </p:style>
+      </p:cxnSp>
+      <p:sp>
+        <p:nvSpPr>
+          <p:cNvPr id="9" name="TextBox 8">
+            <a:extLst>
+              <a:ext uri="{FF2B5EF4-FFF2-40B4-BE49-F238E27FC236}">
+                <a16:creationId xmlns:a16="http://schemas.microsoft.com/office/drawing/2014/main" id="{7699469F-ADF3-A99D-9D6D-5E34DA974D5E}"/>
+              </a:ext>
+            </a:extLst>
+          </p:cNvPr>
+          <p:cNvSpPr txBox="1"/>
+          <p:nvPr/>
+        </p:nvSpPr>
+        <p:spPr>
+          <a:xfrm>
+            <a:off x="5283200" y="1988457"/>
+            <a:ext cx="742511" cy="369332"/>
+          </a:xfrm>
+          <a:prstGeom prst="rect">
+            <a:avLst/>
+          </a:prstGeom>
+          <a:noFill/>
+        </p:spPr>
+        <p:txBody>
+          <a:bodyPr wrap="none" rtlCol="0">
+            <a:spAutoFit/>
+          </a:bodyPr>
+          <a:lstStyle/>
+          <a:p>
+            <a:r>
+              <a:rPr lang="en-US" dirty="0"/>
+              <a:t>Y-Axis</a:t>
+            </a:r>
+          </a:p>
+        </p:txBody>
+      </p:sp>
+      <p:sp>
+        <p:nvSpPr>
+          <p:cNvPr id="10" name="TextBox 9">
+            <a:extLst>
+              <a:ext uri="{FF2B5EF4-FFF2-40B4-BE49-F238E27FC236}">
+                <a16:creationId xmlns:a16="http://schemas.microsoft.com/office/drawing/2014/main" id="{F63EB936-15F0-3881-0549-6C989D082AD6}"/>
+              </a:ext>
+            </a:extLst>
+          </p:cNvPr>
+          <p:cNvSpPr txBox="1"/>
+          <p:nvPr/>
+        </p:nvSpPr>
+        <p:spPr>
+          <a:xfrm>
+            <a:off x="7881258" y="4173188"/>
+            <a:ext cx="750526" cy="369332"/>
+          </a:xfrm>
+          <a:prstGeom prst="rect">
+            <a:avLst/>
+          </a:prstGeom>
+          <a:noFill/>
+        </p:spPr>
+        <p:txBody>
+          <a:bodyPr wrap="none" rtlCol="0">
+            <a:spAutoFit/>
+          </a:bodyPr>
+          <a:lstStyle/>
+          <a:p>
+            <a:r>
+              <a:rPr lang="en-US" dirty="0"/>
+              <a:t>X-Axis</a:t>
+            </a:r>
+          </a:p>
+        </p:txBody>
+      </p:sp>
+      <p:cxnSp>
+        <p:nvCxnSpPr>
+          <p:cNvPr id="12" name="Straight Arrow Connector 11">
+            <a:extLst>
+              <a:ext uri="{FF2B5EF4-FFF2-40B4-BE49-F238E27FC236}">
+                <a16:creationId xmlns:a16="http://schemas.microsoft.com/office/drawing/2014/main" id="{CD2DD3FB-2033-9626-5B96-BFCBBD62CFEA}"/>
+              </a:ext>
+            </a:extLst>
+          </p:cNvPr>
+          <p:cNvCxnSpPr/>
+          <p:nvPr/>
+        </p:nvCxnSpPr>
+        <p:spPr>
+          <a:xfrm flipH="1" flipV="1">
+            <a:off x="2757714" y="3077029"/>
+            <a:ext cx="3338286" cy="2467428"/>
+          </a:xfrm>
+          <a:prstGeom prst="straightConnector1">
+            <a:avLst/>
+          </a:prstGeom>
+          <a:ln w="38100">
+            <a:tailEnd type="triangle"/>
+          </a:ln>
+        </p:spPr>
+        <p:style>
+          <a:lnRef idx="1">
+            <a:schemeClr val="accent2"/>
+          </a:lnRef>
+          <a:fillRef idx="0">
+            <a:schemeClr val="accent2"/>
+          </a:fillRef>
+          <a:effectRef idx="0">
+            <a:schemeClr val="accent2"/>
+          </a:effectRef>
+          <a:fontRef idx="minor">
+            <a:schemeClr val="tx1"/>
+          </a:fontRef>
+        </p:style>
+      </p:cxnSp>
+      <p:sp>
+        <p:nvSpPr>
+          <p:cNvPr id="13" name="TextBox 12">
+            <a:extLst>
+              <a:ext uri="{FF2B5EF4-FFF2-40B4-BE49-F238E27FC236}">
+                <a16:creationId xmlns:a16="http://schemas.microsoft.com/office/drawing/2014/main" id="{CA836603-FE4D-5397-95CE-A79332F39513}"/>
+              </a:ext>
+            </a:extLst>
+          </p:cNvPr>
+          <p:cNvSpPr txBox="1"/>
+          <p:nvPr/>
+        </p:nvSpPr>
+        <p:spPr>
+          <a:xfrm>
+            <a:off x="2341016" y="3302782"/>
+            <a:ext cx="737702" cy="369332"/>
+          </a:xfrm>
+          <a:prstGeom prst="rect">
+            <a:avLst/>
+          </a:prstGeom>
+          <a:noFill/>
+        </p:spPr>
+        <p:txBody>
+          <a:bodyPr wrap="none" rtlCol="0">
+            <a:spAutoFit/>
+          </a:bodyPr>
+          <a:lstStyle/>
+          <a:p>
+            <a:r>
+              <a:rPr lang="en-US" dirty="0"/>
+              <a:t>Z-Axis</a:t>
+            </a:r>
+          </a:p>
+        </p:txBody>
+      </p:sp>
+    </p:spTree>
+    <p:extLst>
+      <p:ext uri="{BB962C8B-B14F-4D97-AF65-F5344CB8AC3E}">
+        <p14:creationId xmlns:p14="http://schemas.microsoft.com/office/powerpoint/2010/main" val="2488221682"/>
+      </p:ext>
+    </p:extLst>
+  </p:cSld>
+  <p:clrMapOvr>
+    <a:masterClrMapping/>
+  </p:clrMapOvr>
+</p:sld>
+</file>
+
+<file path=ppt/slides/slide47.xml><?xml version="1.0" encoding="utf-8"?>
+<p:sld xmlns:a="http://schemas.openxmlformats.org/drawingml/2006/main" xmlns:r="http://schemas.openxmlformats.org/officeDocument/2006/relationships" xmlns:p="http://schemas.openxmlformats.org/presentationml/2006/main">
+  <p:cSld>
+    <p:spTree>
+      <p:nvGrpSpPr>
+        <p:cNvPr id="1" name=""/>
+        <p:cNvGrpSpPr/>
+        <p:nvPr/>
+      </p:nvGrpSpPr>
+      <p:grpSpPr>
+        <a:xfrm>
+          <a:off x="0" y="0"/>
+          <a:ext cx="0" cy="0"/>
+          <a:chOff x="0" y="0"/>
+          <a:chExt cx="0" cy="0"/>
+        </a:xfrm>
+      </p:grpSpPr>
+      <p:grpSp>
+        <p:nvGrpSpPr>
+          <p:cNvPr id="7" name="Group 6">
+            <a:extLst>
+              <a:ext uri="{FF2B5EF4-FFF2-40B4-BE49-F238E27FC236}">
+                <a16:creationId xmlns:a16="http://schemas.microsoft.com/office/drawing/2014/main" id="{DFB86E77-205D-9B2C-414E-0F3654590B7C}"/>
+              </a:ext>
+            </a:extLst>
+          </p:cNvPr>
+          <p:cNvGrpSpPr/>
+          <p:nvPr/>
+        </p:nvGrpSpPr>
+        <p:grpSpPr>
+          <a:xfrm>
+            <a:off x="3802743" y="1582057"/>
+            <a:ext cx="4455886" cy="3730172"/>
+            <a:chOff x="3802743" y="1582057"/>
+            <a:chExt cx="4455886" cy="3730172"/>
+          </a:xfrm>
+        </p:grpSpPr>
+        <p:sp>
+          <p:nvSpPr>
+            <p:cNvPr id="4" name="Rectangle 3">
+              <a:extLst>
+                <a:ext uri="{FF2B5EF4-FFF2-40B4-BE49-F238E27FC236}">
+                  <a16:creationId xmlns:a16="http://schemas.microsoft.com/office/drawing/2014/main" id="{B4E3FC8D-7536-C27C-3725-7F6583AE07D4}"/>
+                </a:ext>
+              </a:extLst>
+            </p:cNvPr>
+            <p:cNvSpPr/>
+            <p:nvPr/>
+          </p:nvSpPr>
+          <p:spPr>
+            <a:xfrm>
+              <a:off x="3802743" y="1582057"/>
+              <a:ext cx="4455886" cy="3730172"/>
+            </a:xfrm>
+            <a:prstGeom prst="rect">
+              <a:avLst/>
+            </a:prstGeom>
+            <a:solidFill>
+              <a:schemeClr val="accent2">
+                <a:lumMod val="40000"/>
+                <a:lumOff val="60000"/>
+              </a:schemeClr>
+            </a:solidFill>
+          </p:spPr>
+          <p:style>
+            <a:lnRef idx="2">
+              <a:schemeClr val="accent1">
+                <a:shade val="15000"/>
+              </a:schemeClr>
+            </a:lnRef>
+            <a:fillRef idx="1">
+              <a:schemeClr val="accent1"/>
+            </a:fillRef>
+            <a:effectRef idx="0">
+              <a:schemeClr val="accent1"/>
+            </a:effectRef>
+            <a:fontRef idx="minor">
+              <a:schemeClr val="lt1"/>
+            </a:fontRef>
+          </p:style>
+          <p:txBody>
+            <a:bodyPr rtlCol="0" anchor="ctr"/>
+            <a:lstStyle/>
+            <a:p>
+              <a:pPr algn="ctr"/>
+              <a:endParaRPr lang="en-US" dirty="0"/>
+            </a:p>
+          </p:txBody>
+        </p:sp>
+        <p:sp>
+          <p:nvSpPr>
+            <p:cNvPr id="6" name="TextBox 5">
+              <a:extLst>
+                <a:ext uri="{FF2B5EF4-FFF2-40B4-BE49-F238E27FC236}">
+                  <a16:creationId xmlns:a16="http://schemas.microsoft.com/office/drawing/2014/main" id="{C1E49517-2F83-D167-78FB-C054D79E4011}"/>
+                </a:ext>
+              </a:extLst>
+            </p:cNvPr>
+            <p:cNvSpPr txBox="1"/>
+            <p:nvPr/>
+          </p:nvSpPr>
+          <p:spPr>
+            <a:xfrm>
+              <a:off x="7707085" y="4691168"/>
+              <a:ext cx="404278" cy="584775"/>
+            </a:xfrm>
+            <a:prstGeom prst="rect">
+              <a:avLst/>
+            </a:prstGeom>
+            <a:noFill/>
+          </p:spPr>
+          <p:txBody>
+            <a:bodyPr wrap="none" rtlCol="0">
+              <a:spAutoFit/>
+            </a:bodyPr>
+            <a:lstStyle/>
+            <a:p>
+              <a:r>
+                <a:rPr lang="en-US" sz="3200" b="1" dirty="0"/>
+                <a:t>C</a:t>
+              </a:r>
+            </a:p>
+          </p:txBody>
+        </p:sp>
+      </p:grpSp>
+      <p:grpSp>
+        <p:nvGrpSpPr>
+          <p:cNvPr id="8" name="Group 7">
+            <a:extLst>
+              <a:ext uri="{FF2B5EF4-FFF2-40B4-BE49-F238E27FC236}">
+                <a16:creationId xmlns:a16="http://schemas.microsoft.com/office/drawing/2014/main" id="{11277706-15A8-D011-C996-E4850042C7CA}"/>
+              </a:ext>
+            </a:extLst>
+          </p:cNvPr>
+          <p:cNvGrpSpPr/>
+          <p:nvPr/>
+        </p:nvGrpSpPr>
+        <p:grpSpPr>
+          <a:xfrm>
+            <a:off x="3103933" y="960996"/>
+            <a:ext cx="4455886" cy="3730172"/>
+            <a:chOff x="3802743" y="1582057"/>
+            <a:chExt cx="4455886" cy="3730172"/>
+          </a:xfrm>
+          <a:solidFill>
+            <a:schemeClr val="accent4">
+              <a:lumMod val="40000"/>
+              <a:lumOff val="60000"/>
+            </a:schemeClr>
+          </a:solidFill>
+        </p:grpSpPr>
+        <p:sp>
+          <p:nvSpPr>
+            <p:cNvPr id="9" name="Rectangle 8">
+              <a:extLst>
+                <a:ext uri="{FF2B5EF4-FFF2-40B4-BE49-F238E27FC236}">
+                  <a16:creationId xmlns:a16="http://schemas.microsoft.com/office/drawing/2014/main" id="{72AD7300-9621-C773-C84C-276E619F120A}"/>
+                </a:ext>
+              </a:extLst>
+            </p:cNvPr>
+            <p:cNvSpPr/>
+            <p:nvPr/>
+          </p:nvSpPr>
+          <p:spPr>
+            <a:xfrm>
+              <a:off x="3802743" y="1582057"/>
+              <a:ext cx="4455886" cy="3730172"/>
+            </a:xfrm>
+            <a:prstGeom prst="rect">
+              <a:avLst/>
+            </a:prstGeom>
+            <a:grpFill/>
+          </p:spPr>
+          <p:style>
+            <a:lnRef idx="2">
+              <a:schemeClr val="accent1">
+                <a:shade val="15000"/>
+              </a:schemeClr>
+            </a:lnRef>
+            <a:fillRef idx="1">
+              <a:schemeClr val="accent1"/>
+            </a:fillRef>
+            <a:effectRef idx="0">
+              <a:schemeClr val="accent1"/>
+            </a:effectRef>
+            <a:fontRef idx="minor">
+              <a:schemeClr val="lt1"/>
+            </a:fontRef>
+          </p:style>
+          <p:txBody>
+            <a:bodyPr rtlCol="0" anchor="ctr"/>
+            <a:lstStyle/>
+            <a:p>
+              <a:pPr algn="ctr"/>
+              <a:endParaRPr lang="en-US" dirty="0"/>
+            </a:p>
+          </p:txBody>
+        </p:sp>
+        <p:sp>
+          <p:nvSpPr>
+            <p:cNvPr id="10" name="TextBox 9">
+              <a:extLst>
+                <a:ext uri="{FF2B5EF4-FFF2-40B4-BE49-F238E27FC236}">
+                  <a16:creationId xmlns:a16="http://schemas.microsoft.com/office/drawing/2014/main" id="{271F248F-C512-6CD8-3895-4AB2675004C8}"/>
+                </a:ext>
+              </a:extLst>
+            </p:cNvPr>
+            <p:cNvSpPr txBox="1"/>
+            <p:nvPr/>
+          </p:nvSpPr>
+          <p:spPr>
+            <a:xfrm>
+              <a:off x="7707085" y="4691168"/>
+              <a:ext cx="415498" cy="584775"/>
+            </a:xfrm>
+            <a:prstGeom prst="rect">
+              <a:avLst/>
+            </a:prstGeom>
+            <a:grpFill/>
+          </p:spPr>
+          <p:txBody>
+            <a:bodyPr wrap="none" rtlCol="0">
+              <a:spAutoFit/>
+            </a:bodyPr>
+            <a:lstStyle/>
+            <a:p>
+              <a:r>
+                <a:rPr lang="en-US" sz="3200" b="1" dirty="0"/>
+                <a:t>B</a:t>
+              </a:r>
+            </a:p>
+          </p:txBody>
+        </p:sp>
+      </p:grpSp>
+      <p:grpSp>
+        <p:nvGrpSpPr>
+          <p:cNvPr id="11" name="Group 10">
+            <a:extLst>
+              <a:ext uri="{FF2B5EF4-FFF2-40B4-BE49-F238E27FC236}">
+                <a16:creationId xmlns:a16="http://schemas.microsoft.com/office/drawing/2014/main" id="{E8D5E449-D414-0F5F-B3C7-29E31F60F7E9}"/>
+              </a:ext>
+            </a:extLst>
+          </p:cNvPr>
+          <p:cNvGrpSpPr/>
+          <p:nvPr/>
+        </p:nvGrpSpPr>
+        <p:grpSpPr>
+          <a:xfrm>
+            <a:off x="2405123" y="339935"/>
+            <a:ext cx="4455886" cy="3730172"/>
+            <a:chOff x="3802743" y="1582057"/>
+            <a:chExt cx="4455886" cy="3730172"/>
+          </a:xfrm>
+          <a:solidFill>
+            <a:schemeClr val="accent5">
+              <a:lumMod val="20000"/>
+              <a:lumOff val="80000"/>
+            </a:schemeClr>
+          </a:solidFill>
+        </p:grpSpPr>
+        <p:sp>
+          <p:nvSpPr>
+            <p:cNvPr id="12" name="Rectangle 11">
+              <a:extLst>
+                <a:ext uri="{FF2B5EF4-FFF2-40B4-BE49-F238E27FC236}">
+                  <a16:creationId xmlns:a16="http://schemas.microsoft.com/office/drawing/2014/main" id="{8708D049-E1AC-9D4E-7A5D-8464A2E2BC79}"/>
+                </a:ext>
+              </a:extLst>
+            </p:cNvPr>
+            <p:cNvSpPr/>
+            <p:nvPr/>
+          </p:nvSpPr>
+          <p:spPr>
+            <a:xfrm>
+              <a:off x="3802743" y="1582057"/>
+              <a:ext cx="4455886" cy="3730172"/>
+            </a:xfrm>
+            <a:prstGeom prst="rect">
+              <a:avLst/>
+            </a:prstGeom>
+            <a:grpFill/>
+          </p:spPr>
+          <p:style>
+            <a:lnRef idx="2">
+              <a:schemeClr val="accent1">
+                <a:shade val="15000"/>
+              </a:schemeClr>
+            </a:lnRef>
+            <a:fillRef idx="1">
+              <a:schemeClr val="accent1"/>
+            </a:fillRef>
+            <a:effectRef idx="0">
+              <a:schemeClr val="accent1"/>
+            </a:effectRef>
+            <a:fontRef idx="minor">
+              <a:schemeClr val="lt1"/>
+            </a:fontRef>
+          </p:style>
+          <p:txBody>
+            <a:bodyPr rtlCol="0" anchor="ctr"/>
+            <a:lstStyle/>
+            <a:p>
+              <a:pPr algn="ctr"/>
+              <a:endParaRPr lang="en-US" dirty="0"/>
+            </a:p>
+          </p:txBody>
+        </p:sp>
+        <p:sp>
+          <p:nvSpPr>
+            <p:cNvPr id="13" name="TextBox 12">
+              <a:extLst>
+                <a:ext uri="{FF2B5EF4-FFF2-40B4-BE49-F238E27FC236}">
+                  <a16:creationId xmlns:a16="http://schemas.microsoft.com/office/drawing/2014/main" id="{13DF0836-5E31-4025-9E20-C6DD9F9283F4}"/>
+                </a:ext>
+              </a:extLst>
+            </p:cNvPr>
+            <p:cNvSpPr txBox="1"/>
+            <p:nvPr/>
+          </p:nvSpPr>
+          <p:spPr>
+            <a:xfrm>
+              <a:off x="7707085" y="4691168"/>
+              <a:ext cx="433132" cy="584775"/>
+            </a:xfrm>
+            <a:prstGeom prst="rect">
+              <a:avLst/>
+            </a:prstGeom>
+            <a:grpFill/>
+          </p:spPr>
+          <p:txBody>
+            <a:bodyPr wrap="none" rtlCol="0">
+              <a:spAutoFit/>
+            </a:bodyPr>
+            <a:lstStyle/>
+            <a:p>
+              <a:r>
+                <a:rPr lang="en-US" sz="3200" b="1" dirty="0"/>
+                <a:t>A</a:t>
+              </a:r>
+            </a:p>
+          </p:txBody>
+        </p:sp>
+      </p:grpSp>
+    </p:spTree>
+    <p:extLst>
+      <p:ext uri="{BB962C8B-B14F-4D97-AF65-F5344CB8AC3E}">
+        <p14:creationId xmlns:p14="http://schemas.microsoft.com/office/powerpoint/2010/main" val="3708437897"/>
+      </p:ext>
+    </p:extLst>
+  </p:cSld>
+  <p:clrMapOvr>
+    <a:masterClrMapping/>
+  </p:clrMapOvr>
+</p:sld>
+</file>
+
+<file path=ppt/slides/slide48.xml><?xml version="1.0" encoding="utf-8"?>
+<p:sld xmlns:a="http://schemas.openxmlformats.org/drawingml/2006/main" xmlns:r="http://schemas.openxmlformats.org/officeDocument/2006/relationships" xmlns:p="http://schemas.openxmlformats.org/presentationml/2006/main">
+  <p:cSld>
+    <p:spTree>
+      <p:nvGrpSpPr>
+        <p:cNvPr id="1" name=""/>
+        <p:cNvGrpSpPr/>
+        <p:nvPr/>
+      </p:nvGrpSpPr>
+      <p:grpSpPr>
+        <a:xfrm>
+          <a:off x="0" y="0"/>
+          <a:ext cx="0" cy="0"/>
+          <a:chOff x="0" y="0"/>
+          <a:chExt cx="0" cy="0"/>
+        </a:xfrm>
+      </p:grpSpPr>
+      <p:sp>
+        <p:nvSpPr>
+          <p:cNvPr id="2" name="Title 1">
+            <a:extLst>
+              <a:ext uri="{FF2B5EF4-FFF2-40B4-BE49-F238E27FC236}">
+                <a16:creationId xmlns:a16="http://schemas.microsoft.com/office/drawing/2014/main" id="{FDF0616E-438E-8D03-1E7B-832D6E4B97B8}"/>
+              </a:ext>
+            </a:extLst>
+          </p:cNvPr>
+          <p:cNvSpPr>
+            <a:spLocks noGrp="1"/>
+          </p:cNvSpPr>
+          <p:nvPr>
+            <p:ph type="title"/>
+          </p:nvPr>
+        </p:nvSpPr>
+        <p:spPr/>
+        <p:txBody>
+          <a:bodyPr/>
+          <a:lstStyle/>
+          <a:p>
+            <a:r>
+              <a:rPr lang="en-US" dirty="0"/>
+              <a:t>CSS: Media Queries</a:t>
+            </a:r>
+          </a:p>
+        </p:txBody>
+      </p:sp>
+      <p:sp>
+        <p:nvSpPr>
+          <p:cNvPr id="3" name="Content Placeholder 2">
+            <a:extLst>
+              <a:ext uri="{FF2B5EF4-FFF2-40B4-BE49-F238E27FC236}">
+                <a16:creationId xmlns:a16="http://schemas.microsoft.com/office/drawing/2014/main" id="{5A53D6CD-AA24-3614-C96A-AD5B65DF60AA}"/>
+              </a:ext>
+            </a:extLst>
+          </p:cNvPr>
+          <p:cNvSpPr>
+            <a:spLocks noGrp="1"/>
+          </p:cNvSpPr>
+          <p:nvPr>
+            <p:ph idx="1"/>
+          </p:nvPr>
+        </p:nvSpPr>
+        <p:spPr/>
+        <p:txBody>
+          <a:bodyPr/>
+          <a:lstStyle/>
+          <a:p>
+            <a:r>
+              <a:rPr lang="en-US" dirty="0"/>
+              <a:t>All</a:t>
+            </a:r>
+          </a:p>
+          <a:p>
+            <a:r>
+              <a:rPr lang="en-US" dirty="0"/>
+              <a:t>Print</a:t>
+            </a:r>
+          </a:p>
+          <a:p>
+            <a:r>
+              <a:rPr lang="en-US" dirty="0"/>
+              <a:t>Screen</a:t>
+            </a:r>
+          </a:p>
+          <a:p>
+            <a:r>
+              <a:rPr lang="en-US" dirty="0"/>
+              <a:t>speech</a:t>
+            </a:r>
+          </a:p>
+        </p:txBody>
+      </p:sp>
+      <p:sp>
+        <p:nvSpPr>
+          <p:cNvPr id="4" name="Title 1">
+            <a:extLst>
+              <a:ext uri="{FF2B5EF4-FFF2-40B4-BE49-F238E27FC236}">
+                <a16:creationId xmlns:a16="http://schemas.microsoft.com/office/drawing/2014/main" id="{32E35966-6213-C5DF-F335-1017C59BFD1F}"/>
+              </a:ext>
+            </a:extLst>
+          </p:cNvPr>
+          <p:cNvSpPr txBox="1">
+            <a:spLocks/>
+          </p:cNvSpPr>
+          <p:nvPr/>
+        </p:nvSpPr>
+        <p:spPr>
+          <a:xfrm>
+            <a:off x="6658429" y="1825625"/>
+            <a:ext cx="4880428" cy="4052661"/>
+          </a:xfrm>
+          <a:prstGeom prst="rect">
+            <a:avLst/>
+          </a:prstGeom>
+        </p:spPr>
+        <p:txBody>
+          <a:bodyPr vert="horz" lIns="91440" tIns="45720" rIns="91440" bIns="45720" rtlCol="0" anchor="ctr">
+            <a:normAutofit lnSpcReduction="10000"/>
+          </a:bodyPr>
+          <a:lstStyle>
+            <a:lvl1pPr algn="l" defTabSz="914400" rtl="0" eaLnBrk="1" latinLnBrk="0" hangingPunct="1">
+              <a:lnSpc>
+                <a:spcPct val="90000"/>
+              </a:lnSpc>
+              <a:spcBef>
+                <a:spcPct val="0"/>
+              </a:spcBef>
+              <a:buNone/>
+              <a:defRPr sz="4400" kern="1200">
+                <a:solidFill>
+                  <a:schemeClr val="tx1"/>
+                </a:solidFill>
+                <a:latin typeface="+mj-lt"/>
+                <a:ea typeface="+mj-ea"/>
+                <a:cs typeface="+mj-cs"/>
+              </a:defRPr>
+            </a:lvl1pPr>
+          </a:lstStyle>
+          <a:p>
+            <a:r>
+              <a:rPr lang="en-US" dirty="0"/>
+              <a:t>Viewport</a:t>
+            </a:r>
+          </a:p>
+          <a:p>
+            <a:r>
+              <a:rPr lang="en-US" dirty="0"/>
+              <a:t>1920</a:t>
+            </a:r>
+          </a:p>
+          <a:p>
+            <a:r>
+              <a:rPr lang="en-US" dirty="0"/>
+              <a:t>1440</a:t>
+            </a:r>
+          </a:p>
+          <a:p>
+            <a:r>
+              <a:rPr lang="en-US" dirty="0"/>
+              <a:t>1366</a:t>
+            </a:r>
+          </a:p>
+          <a:p>
+            <a:r>
+              <a:rPr lang="en-US" dirty="0"/>
+              <a:t>1024</a:t>
+            </a:r>
+          </a:p>
+          <a:p>
+            <a:r>
+              <a:rPr lang="en-US" dirty="0"/>
+              <a:t>700-900</a:t>
+            </a:r>
+          </a:p>
+          <a:p>
+            <a:r>
+              <a:rPr lang="en-US" dirty="0"/>
+              <a:t>320-480</a:t>
+            </a:r>
+          </a:p>
+        </p:txBody>
+      </p:sp>
+      <p:sp>
+        <p:nvSpPr>
+          <p:cNvPr id="5" name="Title 1">
+            <a:extLst>
+              <a:ext uri="{FF2B5EF4-FFF2-40B4-BE49-F238E27FC236}">
+                <a16:creationId xmlns:a16="http://schemas.microsoft.com/office/drawing/2014/main" id="{FCB094AD-4F55-9159-893F-2956CB466A8D}"/>
+              </a:ext>
+            </a:extLst>
+          </p:cNvPr>
+          <p:cNvSpPr txBox="1">
+            <a:spLocks/>
+          </p:cNvSpPr>
+          <p:nvPr/>
+        </p:nvSpPr>
+        <p:spPr>
+          <a:xfrm>
+            <a:off x="653143" y="4005943"/>
+            <a:ext cx="5820229" cy="2171020"/>
+          </a:xfrm>
+          <a:prstGeom prst="rect">
+            <a:avLst/>
+          </a:prstGeom>
+        </p:spPr>
+        <p:txBody>
+          <a:bodyPr vert="horz" lIns="91440" tIns="45720" rIns="91440" bIns="45720" rtlCol="0" anchor="ctr">
+            <a:normAutofit/>
+          </a:bodyPr>
+          <a:lstStyle>
+            <a:lvl1pPr algn="l" defTabSz="914400" rtl="0" eaLnBrk="1" latinLnBrk="0" hangingPunct="1">
+              <a:lnSpc>
+                <a:spcPct val="90000"/>
+              </a:lnSpc>
+              <a:spcBef>
+                <a:spcPct val="0"/>
+              </a:spcBef>
+              <a:buNone/>
+              <a:defRPr sz="4400" kern="1200">
+                <a:solidFill>
+                  <a:schemeClr val="tx1"/>
+                </a:solidFill>
+                <a:latin typeface="+mj-lt"/>
+                <a:ea typeface="+mj-ea"/>
+                <a:cs typeface="+mj-cs"/>
+              </a:defRPr>
+            </a:lvl1pPr>
+          </a:lstStyle>
+          <a:p>
+            <a:r>
+              <a:rPr lang="en-US" sz="2400" dirty="0">
+                <a:solidFill>
+                  <a:srgbClr val="FF0000"/>
+                </a:solidFill>
+              </a:rPr>
+              <a:t>@media screen and (max-width:900px){</a:t>
+            </a:r>
+          </a:p>
+          <a:p>
+            <a:r>
+              <a:rPr lang="en-US" sz="2400" dirty="0">
+                <a:solidFill>
+                  <a:srgbClr val="FF0000"/>
+                </a:solidFill>
+              </a:rPr>
+              <a:t>.container{</a:t>
+            </a:r>
+          </a:p>
+          <a:p>
+            <a:r>
+              <a:rPr lang="en-US" sz="2400" dirty="0">
+                <a:solidFill>
+                  <a:srgbClr val="FF0000"/>
+                </a:solidFill>
+              </a:rPr>
+              <a:t>Width:50%</a:t>
+            </a:r>
+          </a:p>
+          <a:p>
+            <a:r>
+              <a:rPr lang="en-US" sz="2400" dirty="0">
+                <a:solidFill>
+                  <a:srgbClr val="FF0000"/>
+                </a:solidFill>
+              </a:rPr>
+              <a:t>}</a:t>
+            </a:r>
+          </a:p>
+        </p:txBody>
+      </p:sp>
+    </p:spTree>
+    <p:extLst>
+      <p:ext uri="{BB962C8B-B14F-4D97-AF65-F5344CB8AC3E}">
+        <p14:creationId xmlns:p14="http://schemas.microsoft.com/office/powerpoint/2010/main" val="1549880071"/>
+      </p:ext>
+    </p:extLst>
+  </p:cSld>
+  <p:clrMapOvr>
+    <a:masterClrMapping/>
+  </p:clrMapOvr>
+</p:sld>
+</file>
+
+<file path=ppt/slides/slide49.xml><?xml version="1.0" encoding="utf-8"?>
+<p:sld xmlns:a="http://schemas.openxmlformats.org/drawingml/2006/main" xmlns:r="http://schemas.openxmlformats.org/officeDocument/2006/relationships" xmlns:p="http://schemas.openxmlformats.org/presentationml/2006/main">
+  <p:cSld>
+    <p:spTree>
+      <p:nvGrpSpPr>
+        <p:cNvPr id="1" name=""/>
+        <p:cNvGrpSpPr/>
+        <p:nvPr/>
+      </p:nvGrpSpPr>
+      <p:grpSpPr>
+        <a:xfrm>
+          <a:off x="0" y="0"/>
+          <a:ext cx="0" cy="0"/>
+          <a:chOff x="0" y="0"/>
+          <a:chExt cx="0" cy="0"/>
+        </a:xfrm>
+      </p:grpSpPr>
+      <p:sp>
+        <p:nvSpPr>
+          <p:cNvPr id="2" name="Title 1">
+            <a:extLst>
+              <a:ext uri="{FF2B5EF4-FFF2-40B4-BE49-F238E27FC236}">
+                <a16:creationId xmlns:a16="http://schemas.microsoft.com/office/drawing/2014/main" id="{2225DF03-CD0E-AB66-41AB-D409520124C0}"/>
+              </a:ext>
+            </a:extLst>
+          </p:cNvPr>
+          <p:cNvSpPr>
+            <a:spLocks noGrp="1"/>
+          </p:cNvSpPr>
+          <p:nvPr>
+            <p:ph type="title"/>
+          </p:nvPr>
+        </p:nvSpPr>
+        <p:spPr/>
+        <p:txBody>
+          <a:bodyPr/>
+          <a:lstStyle/>
+          <a:p>
+            <a:r>
+              <a:rPr lang="en-US" dirty="0"/>
+              <a:t>Media features</a:t>
+            </a:r>
+          </a:p>
+        </p:txBody>
+      </p:sp>
+      <p:sp>
+        <p:nvSpPr>
+          <p:cNvPr id="3" name="Content Placeholder 2">
+            <a:extLst>
+              <a:ext uri="{FF2B5EF4-FFF2-40B4-BE49-F238E27FC236}">
+                <a16:creationId xmlns:a16="http://schemas.microsoft.com/office/drawing/2014/main" id="{3C6F2ED8-BC58-E934-0460-85228905D9FE}"/>
+              </a:ext>
+            </a:extLst>
+          </p:cNvPr>
+          <p:cNvSpPr>
+            <a:spLocks noGrp="1"/>
+          </p:cNvSpPr>
+          <p:nvPr>
+            <p:ph idx="1"/>
+          </p:nvPr>
+        </p:nvSpPr>
+        <p:spPr/>
+        <p:txBody>
+          <a:bodyPr numCol="3">
+            <a:normAutofit/>
+          </a:bodyPr>
+          <a:lstStyle/>
+          <a:p>
+            <a:r>
+              <a:rPr lang="en-US" dirty="0"/>
+              <a:t>Any-hover</a:t>
+            </a:r>
+          </a:p>
+          <a:p>
+            <a:r>
+              <a:rPr lang="en-US" dirty="0"/>
+              <a:t>Any-pointer</a:t>
+            </a:r>
+          </a:p>
+          <a:p>
+            <a:r>
+              <a:rPr lang="en-US" dirty="0"/>
+              <a:t>Aspect-ratio</a:t>
+            </a:r>
+          </a:p>
+          <a:p>
+            <a:r>
+              <a:rPr lang="en-US" dirty="0"/>
+              <a:t>Color</a:t>
+            </a:r>
+          </a:p>
+          <a:p>
+            <a:r>
+              <a:rPr lang="en-US" dirty="0"/>
+              <a:t>Color-index</a:t>
+            </a:r>
+          </a:p>
+          <a:p>
+            <a:r>
+              <a:rPr lang="en-US" dirty="0"/>
+              <a:t>Grid</a:t>
+            </a:r>
+          </a:p>
+          <a:p>
+            <a:r>
+              <a:rPr lang="en-US" dirty="0"/>
+              <a:t>Height</a:t>
+            </a:r>
+          </a:p>
+          <a:p>
+            <a:r>
+              <a:rPr lang="en-US" dirty="0"/>
+              <a:t>Hover</a:t>
+            </a:r>
+          </a:p>
+          <a:p>
+            <a:r>
+              <a:rPr lang="en-US" dirty="0"/>
+              <a:t>Inverted-colors</a:t>
+            </a:r>
+          </a:p>
+          <a:p>
+            <a:r>
+              <a:rPr lang="en-US" dirty="0"/>
+              <a:t>Max-aspect-ratio</a:t>
+            </a:r>
+          </a:p>
+          <a:p>
+            <a:r>
+              <a:rPr lang="en-US" dirty="0"/>
+              <a:t>Min-aspect-ratio</a:t>
+            </a:r>
+          </a:p>
+          <a:p>
+            <a:r>
+              <a:rPr lang="en-US" dirty="0"/>
+              <a:t>Max-color</a:t>
+            </a:r>
+          </a:p>
+          <a:p>
+            <a:r>
+              <a:rPr lang="en-US" dirty="0"/>
+              <a:t>Min-color</a:t>
+            </a:r>
+          </a:p>
+          <a:p>
+            <a:r>
+              <a:rPr lang="en-US" dirty="0"/>
+              <a:t>Max-height</a:t>
+            </a:r>
+          </a:p>
+          <a:p>
+            <a:r>
+              <a:rPr lang="en-US" dirty="0"/>
+              <a:t>Min-height</a:t>
+            </a:r>
+          </a:p>
+          <a:p>
+            <a:r>
+              <a:rPr lang="en-US" dirty="0"/>
+              <a:t>Max-resolution</a:t>
+            </a:r>
+          </a:p>
+          <a:p>
+            <a:r>
+              <a:rPr lang="en-US" dirty="0"/>
+              <a:t>Min-resolution</a:t>
+            </a:r>
+          </a:p>
+          <a:p>
+            <a:r>
+              <a:rPr lang="en-US" dirty="0"/>
+              <a:t>Max-width</a:t>
+            </a:r>
+          </a:p>
+          <a:p>
+            <a:r>
+              <a:rPr lang="en-US" dirty="0"/>
+              <a:t>Min-width</a:t>
+            </a:r>
+          </a:p>
+          <a:p>
+            <a:r>
+              <a:rPr lang="en-US" dirty="0"/>
+              <a:t>Orientation</a:t>
+            </a:r>
+          </a:p>
+          <a:p>
+            <a:endParaRPr lang="en-US" dirty="0"/>
+          </a:p>
+        </p:txBody>
+      </p:sp>
+    </p:spTree>
+    <p:extLst>
+      <p:ext uri="{BB962C8B-B14F-4D97-AF65-F5344CB8AC3E}">
+        <p14:creationId xmlns:p14="http://schemas.microsoft.com/office/powerpoint/2010/main" val="224183024"/>
+      </p:ext>
+    </p:extLst>
+  </p:cSld>
+  <p:clrMapOvr>
+    <a:masterClrMapping/>
+  </p:clrMapOvr>
+</p:sld>
+</file>
+
 <file path=ppt/slides/slide5.xml><?xml version="1.0" encoding="utf-8"?>
 <p:sld xmlns:a="http://schemas.openxmlformats.org/drawingml/2006/main" xmlns:r="http://schemas.openxmlformats.org/officeDocument/2006/relationships" xmlns:p="http://schemas.openxmlformats.org/presentationml/2006/main">
   <p:cSld>
@@ -17953,6 +19086,1111 @@
     <p:extLst>
       <p:ext uri="{BB962C8B-B14F-4D97-AF65-F5344CB8AC3E}">
         <p14:creationId xmlns:p14="http://schemas.microsoft.com/office/powerpoint/2010/main" val="4109916399"/>
+      </p:ext>
+    </p:extLst>
+  </p:cSld>
+  <p:clrMapOvr>
+    <a:masterClrMapping/>
+  </p:clrMapOvr>
+</p:sld>
+</file>
+
+<file path=ppt/slides/slide50.xml><?xml version="1.0" encoding="utf-8"?>
+<p:sld xmlns:a="http://schemas.openxmlformats.org/drawingml/2006/main" xmlns:r="http://schemas.openxmlformats.org/officeDocument/2006/relationships" xmlns:p="http://schemas.openxmlformats.org/presentationml/2006/main">
+  <p:cSld>
+    <p:spTree>
+      <p:nvGrpSpPr>
+        <p:cNvPr id="1" name=""/>
+        <p:cNvGrpSpPr/>
+        <p:nvPr/>
+      </p:nvGrpSpPr>
+      <p:grpSpPr>
+        <a:xfrm>
+          <a:off x="0" y="0"/>
+          <a:ext cx="0" cy="0"/>
+          <a:chOff x="0" y="0"/>
+          <a:chExt cx="0" cy="0"/>
+        </a:xfrm>
+      </p:grpSpPr>
+      <p:sp>
+        <p:nvSpPr>
+          <p:cNvPr id="2" name="Title 1">
+            <a:extLst>
+              <a:ext uri="{FF2B5EF4-FFF2-40B4-BE49-F238E27FC236}">
+                <a16:creationId xmlns:a16="http://schemas.microsoft.com/office/drawing/2014/main" id="{8768C607-84AF-F557-04BF-B0136F1BDDE4}"/>
+              </a:ext>
+            </a:extLst>
+          </p:cNvPr>
+          <p:cNvSpPr>
+            <a:spLocks noGrp="1"/>
+          </p:cNvSpPr>
+          <p:nvPr>
+            <p:ph type="title"/>
+          </p:nvPr>
+        </p:nvSpPr>
+        <p:spPr/>
+        <p:txBody>
+          <a:bodyPr/>
+          <a:lstStyle/>
+          <a:p>
+            <a:r>
+              <a:rPr lang="en-US" dirty="0"/>
+              <a:t>CSS Logical operators</a:t>
+            </a:r>
+          </a:p>
+        </p:txBody>
+      </p:sp>
+      <p:sp>
+        <p:nvSpPr>
+          <p:cNvPr id="3" name="Content Placeholder 2">
+            <a:extLst>
+              <a:ext uri="{FF2B5EF4-FFF2-40B4-BE49-F238E27FC236}">
+                <a16:creationId xmlns:a16="http://schemas.microsoft.com/office/drawing/2014/main" id="{72FBA2B8-A823-D5D0-DCBA-A048BA8DEF4F}"/>
+              </a:ext>
+            </a:extLst>
+          </p:cNvPr>
+          <p:cNvSpPr>
+            <a:spLocks noGrp="1"/>
+          </p:cNvSpPr>
+          <p:nvPr>
+            <p:ph idx="1"/>
+          </p:nvPr>
+        </p:nvSpPr>
+        <p:spPr/>
+        <p:txBody>
+          <a:bodyPr/>
+          <a:lstStyle/>
+          <a:p>
+            <a:r>
+              <a:rPr lang="en-US" dirty="0"/>
+              <a:t>And</a:t>
+            </a:r>
+          </a:p>
+          <a:p>
+            <a:r>
+              <a:rPr lang="en-US" dirty="0"/>
+              <a:t>Not</a:t>
+            </a:r>
+          </a:p>
+          <a:p>
+            <a:r>
+              <a:rPr lang="en-US" dirty="0"/>
+              <a:t>only</a:t>
+            </a:r>
+          </a:p>
+        </p:txBody>
+      </p:sp>
+    </p:spTree>
+    <p:extLst>
+      <p:ext uri="{BB962C8B-B14F-4D97-AF65-F5344CB8AC3E}">
+        <p14:creationId xmlns:p14="http://schemas.microsoft.com/office/powerpoint/2010/main" val="254623951"/>
+      </p:ext>
+    </p:extLst>
+  </p:cSld>
+  <p:clrMapOvr>
+    <a:masterClrMapping/>
+  </p:clrMapOvr>
+</p:sld>
+</file>
+
+<file path=ppt/slides/slide51.xml><?xml version="1.0" encoding="utf-8"?>
+<p:sld xmlns:a="http://schemas.openxmlformats.org/drawingml/2006/main" xmlns:r="http://schemas.openxmlformats.org/officeDocument/2006/relationships" xmlns:p="http://schemas.openxmlformats.org/presentationml/2006/main">
+  <p:cSld>
+    <p:spTree>
+      <p:nvGrpSpPr>
+        <p:cNvPr id="1" name=""/>
+        <p:cNvGrpSpPr/>
+        <p:nvPr/>
+      </p:nvGrpSpPr>
+      <p:grpSpPr>
+        <a:xfrm>
+          <a:off x="0" y="0"/>
+          <a:ext cx="0" cy="0"/>
+          <a:chOff x="0" y="0"/>
+          <a:chExt cx="0" cy="0"/>
+        </a:xfrm>
+      </p:grpSpPr>
+      <p:sp>
+        <p:nvSpPr>
+          <p:cNvPr id="2" name="Title 1">
+            <a:extLst>
+              <a:ext uri="{FF2B5EF4-FFF2-40B4-BE49-F238E27FC236}">
+                <a16:creationId xmlns:a16="http://schemas.microsoft.com/office/drawing/2014/main" id="{5094704E-5746-8E7F-007D-1CD103B36CC2}"/>
+              </a:ext>
+            </a:extLst>
+          </p:cNvPr>
+          <p:cNvSpPr>
+            <a:spLocks noGrp="1"/>
+          </p:cNvSpPr>
+          <p:nvPr>
+            <p:ph type="title"/>
+          </p:nvPr>
+        </p:nvSpPr>
+        <p:spPr/>
+        <p:txBody>
+          <a:bodyPr/>
+          <a:lstStyle/>
+          <a:p>
+            <a:r>
+              <a:rPr lang="en-US" dirty="0"/>
+              <a:t>CSS: Positioning Grid Items</a:t>
+            </a:r>
+          </a:p>
+        </p:txBody>
+      </p:sp>
+      <p:sp>
+        <p:nvSpPr>
+          <p:cNvPr id="3" name="Content Placeholder 2">
+            <a:extLst>
+              <a:ext uri="{FF2B5EF4-FFF2-40B4-BE49-F238E27FC236}">
+                <a16:creationId xmlns:a16="http://schemas.microsoft.com/office/drawing/2014/main" id="{6968AFA9-4123-E317-87B8-FA9AC8B44EEA}"/>
+              </a:ext>
+            </a:extLst>
+          </p:cNvPr>
+          <p:cNvSpPr>
+            <a:spLocks noGrp="1"/>
+          </p:cNvSpPr>
+          <p:nvPr>
+            <p:ph idx="1"/>
+          </p:nvPr>
+        </p:nvSpPr>
+        <p:spPr/>
+        <p:txBody>
+          <a:bodyPr/>
+          <a:lstStyle/>
+          <a:p>
+            <a:r>
+              <a:rPr lang="en-US" dirty="0"/>
+              <a:t>Grid-row-start</a:t>
+            </a:r>
+          </a:p>
+          <a:p>
+            <a:r>
+              <a:rPr lang="en-US" dirty="0"/>
+              <a:t>Grid-row-end</a:t>
+            </a:r>
+          </a:p>
+          <a:p>
+            <a:r>
+              <a:rPr lang="en-US" dirty="0"/>
+              <a:t>Grid-row</a:t>
+            </a:r>
+          </a:p>
+          <a:p>
+            <a:r>
+              <a:rPr lang="en-US" dirty="0"/>
+              <a:t>Gird-column-start</a:t>
+            </a:r>
+          </a:p>
+          <a:p>
+            <a:r>
+              <a:rPr lang="en-US" dirty="0"/>
+              <a:t>Grid-column-end</a:t>
+            </a:r>
+          </a:p>
+          <a:p>
+            <a:r>
+              <a:rPr lang="en-US" dirty="0"/>
+              <a:t>Grid-column</a:t>
+            </a:r>
+          </a:p>
+          <a:p>
+            <a:r>
+              <a:rPr lang="en-US" dirty="0"/>
+              <a:t>Grid-area</a:t>
+            </a:r>
+          </a:p>
+        </p:txBody>
+      </p:sp>
+    </p:spTree>
+    <p:extLst>
+      <p:ext uri="{BB962C8B-B14F-4D97-AF65-F5344CB8AC3E}">
+        <p14:creationId xmlns:p14="http://schemas.microsoft.com/office/powerpoint/2010/main" val="1723269583"/>
+      </p:ext>
+    </p:extLst>
+  </p:cSld>
+  <p:clrMapOvr>
+    <a:masterClrMapping/>
+  </p:clrMapOvr>
+</p:sld>
+</file>
+
+<file path=ppt/slides/slide52.xml><?xml version="1.0" encoding="utf-8"?>
+<p:sld xmlns:a="http://schemas.openxmlformats.org/drawingml/2006/main" xmlns:r="http://schemas.openxmlformats.org/officeDocument/2006/relationships" xmlns:p="http://schemas.openxmlformats.org/presentationml/2006/main">
+  <p:cSld>
+    <p:spTree>
+      <p:nvGrpSpPr>
+        <p:cNvPr id="1" name=""/>
+        <p:cNvGrpSpPr/>
+        <p:nvPr/>
+      </p:nvGrpSpPr>
+      <p:grpSpPr>
+        <a:xfrm>
+          <a:off x="0" y="0"/>
+          <a:ext cx="0" cy="0"/>
+          <a:chOff x="0" y="0"/>
+          <a:chExt cx="0" cy="0"/>
+        </a:xfrm>
+      </p:grpSpPr>
+      <p:sp>
+        <p:nvSpPr>
+          <p:cNvPr id="2" name="Title 1">
+            <a:extLst>
+              <a:ext uri="{FF2B5EF4-FFF2-40B4-BE49-F238E27FC236}">
+                <a16:creationId xmlns:a16="http://schemas.microsoft.com/office/drawing/2014/main" id="{D41F30DD-0D98-5D65-2D68-4AEC634C43E7}"/>
+              </a:ext>
+            </a:extLst>
+          </p:cNvPr>
+          <p:cNvSpPr>
+            <a:spLocks noGrp="1"/>
+          </p:cNvSpPr>
+          <p:nvPr>
+            <p:ph type="title"/>
+          </p:nvPr>
+        </p:nvSpPr>
+        <p:spPr/>
+        <p:txBody>
+          <a:bodyPr/>
+          <a:lstStyle/>
+          <a:p>
+            <a:r>
+              <a:rPr lang="en-US" dirty="0"/>
+              <a:t>CSS: Grid Items Spanning</a:t>
+            </a:r>
+          </a:p>
+        </p:txBody>
+      </p:sp>
+      <p:sp>
+        <p:nvSpPr>
+          <p:cNvPr id="3" name="Content Placeholder 2">
+            <a:extLst>
+              <a:ext uri="{FF2B5EF4-FFF2-40B4-BE49-F238E27FC236}">
+                <a16:creationId xmlns:a16="http://schemas.microsoft.com/office/drawing/2014/main" id="{8FBBE030-7019-4158-127A-7F4BE991BCD3}"/>
+              </a:ext>
+            </a:extLst>
+          </p:cNvPr>
+          <p:cNvSpPr>
+            <a:spLocks noGrp="1"/>
+          </p:cNvSpPr>
+          <p:nvPr>
+            <p:ph idx="1"/>
+          </p:nvPr>
+        </p:nvSpPr>
+        <p:spPr/>
+        <p:txBody>
+          <a:bodyPr/>
+          <a:lstStyle/>
+          <a:p>
+            <a:endParaRPr lang="en-US" dirty="0"/>
+          </a:p>
+        </p:txBody>
+      </p:sp>
+    </p:spTree>
+    <p:extLst>
+      <p:ext uri="{BB962C8B-B14F-4D97-AF65-F5344CB8AC3E}">
+        <p14:creationId xmlns:p14="http://schemas.microsoft.com/office/powerpoint/2010/main" val="2022314909"/>
+      </p:ext>
+    </p:extLst>
+  </p:cSld>
+  <p:clrMapOvr>
+    <a:masterClrMapping/>
+  </p:clrMapOvr>
+</p:sld>
+</file>
+
+<file path=ppt/slides/slide53.xml><?xml version="1.0" encoding="utf-8"?>
+<p:sld xmlns:a="http://schemas.openxmlformats.org/drawingml/2006/main" xmlns:r="http://schemas.openxmlformats.org/officeDocument/2006/relationships" xmlns:p="http://schemas.openxmlformats.org/presentationml/2006/main">
+  <p:cSld>
+    <p:spTree>
+      <p:nvGrpSpPr>
+        <p:cNvPr id="1" name=""/>
+        <p:cNvGrpSpPr/>
+        <p:nvPr/>
+      </p:nvGrpSpPr>
+      <p:grpSpPr>
+        <a:xfrm>
+          <a:off x="0" y="0"/>
+          <a:ext cx="0" cy="0"/>
+          <a:chOff x="0" y="0"/>
+          <a:chExt cx="0" cy="0"/>
+        </a:xfrm>
+      </p:grpSpPr>
+      <p:sp>
+        <p:nvSpPr>
+          <p:cNvPr id="2" name="Title 1">
+            <a:extLst>
+              <a:ext uri="{FF2B5EF4-FFF2-40B4-BE49-F238E27FC236}">
+                <a16:creationId xmlns:a16="http://schemas.microsoft.com/office/drawing/2014/main" id="{EDBD0605-1890-89FC-74DF-2CC882DE85D2}"/>
+              </a:ext>
+            </a:extLst>
+          </p:cNvPr>
+          <p:cNvSpPr>
+            <a:spLocks noGrp="1"/>
+          </p:cNvSpPr>
+          <p:nvPr>
+            <p:ph type="title"/>
+          </p:nvPr>
+        </p:nvSpPr>
+        <p:spPr/>
+        <p:txBody>
+          <a:bodyPr/>
+          <a:lstStyle/>
+          <a:p>
+            <a:r>
+              <a:rPr lang="en-US" dirty="0"/>
+              <a:t>CSS: Grid Nested Grids</a:t>
+            </a:r>
+          </a:p>
+        </p:txBody>
+      </p:sp>
+      <p:sp>
+        <p:nvSpPr>
+          <p:cNvPr id="4" name="Rectangle 3">
+            <a:extLst>
+              <a:ext uri="{FF2B5EF4-FFF2-40B4-BE49-F238E27FC236}">
+                <a16:creationId xmlns:a16="http://schemas.microsoft.com/office/drawing/2014/main" id="{1A100109-54FA-1AA7-61B1-48CB79BA8BCD}"/>
+              </a:ext>
+            </a:extLst>
+          </p:cNvPr>
+          <p:cNvSpPr/>
+          <p:nvPr/>
+        </p:nvSpPr>
+        <p:spPr>
+          <a:xfrm>
+            <a:off x="1262743" y="1690688"/>
+            <a:ext cx="10091057" cy="4802187"/>
+          </a:xfrm>
+          <a:prstGeom prst="rect">
+            <a:avLst/>
+          </a:prstGeom>
+          <a:solidFill>
+            <a:schemeClr val="accent2">
+              <a:lumMod val="20000"/>
+              <a:lumOff val="80000"/>
+            </a:schemeClr>
+          </a:solidFill>
+        </p:spPr>
+        <p:style>
+          <a:lnRef idx="2">
+            <a:schemeClr val="accent1">
+              <a:shade val="15000"/>
+            </a:schemeClr>
+          </a:lnRef>
+          <a:fillRef idx="1">
+            <a:schemeClr val="accent1"/>
+          </a:fillRef>
+          <a:effectRef idx="0">
+            <a:schemeClr val="accent1"/>
+          </a:effectRef>
+          <a:fontRef idx="minor">
+            <a:schemeClr val="lt1"/>
+          </a:fontRef>
+        </p:style>
+        <p:txBody>
+          <a:bodyPr rtlCol="0" anchor="ctr"/>
+          <a:lstStyle/>
+          <a:p>
+            <a:pPr algn="ctr"/>
+            <a:endParaRPr lang="en-US"/>
+          </a:p>
+        </p:txBody>
+      </p:sp>
+      <p:sp>
+        <p:nvSpPr>
+          <p:cNvPr id="5" name="Rectangle 4">
+            <a:extLst>
+              <a:ext uri="{FF2B5EF4-FFF2-40B4-BE49-F238E27FC236}">
+                <a16:creationId xmlns:a16="http://schemas.microsoft.com/office/drawing/2014/main" id="{0311EAD3-29E7-D4DD-B674-73399D88C58E}"/>
+              </a:ext>
+            </a:extLst>
+          </p:cNvPr>
+          <p:cNvSpPr/>
+          <p:nvPr/>
+        </p:nvSpPr>
+        <p:spPr>
+          <a:xfrm>
+            <a:off x="1944913" y="2153104"/>
+            <a:ext cx="1959427" cy="1983468"/>
+          </a:xfrm>
+          <a:prstGeom prst="rect">
+            <a:avLst/>
+          </a:prstGeom>
+          <a:solidFill>
+            <a:schemeClr val="accent2">
+              <a:lumMod val="75000"/>
+            </a:schemeClr>
+          </a:solidFill>
+        </p:spPr>
+        <p:style>
+          <a:lnRef idx="2">
+            <a:schemeClr val="accent1">
+              <a:shade val="15000"/>
+            </a:schemeClr>
+          </a:lnRef>
+          <a:fillRef idx="1">
+            <a:schemeClr val="accent1"/>
+          </a:fillRef>
+          <a:effectRef idx="0">
+            <a:schemeClr val="accent1"/>
+          </a:effectRef>
+          <a:fontRef idx="minor">
+            <a:schemeClr val="lt1"/>
+          </a:fontRef>
+        </p:style>
+        <p:txBody>
+          <a:bodyPr rtlCol="0" anchor="ctr"/>
+          <a:lstStyle/>
+          <a:p>
+            <a:pPr algn="ctr"/>
+            <a:endParaRPr lang="en-US"/>
+          </a:p>
+        </p:txBody>
+      </p:sp>
+      <p:sp>
+        <p:nvSpPr>
+          <p:cNvPr id="6" name="Rectangle 5">
+            <a:extLst>
+              <a:ext uri="{FF2B5EF4-FFF2-40B4-BE49-F238E27FC236}">
+                <a16:creationId xmlns:a16="http://schemas.microsoft.com/office/drawing/2014/main" id="{178D3FDA-53F8-06A3-0DF7-858FA61E1EA1}"/>
+              </a:ext>
+            </a:extLst>
+          </p:cNvPr>
+          <p:cNvSpPr/>
+          <p:nvPr/>
+        </p:nvSpPr>
+        <p:spPr>
+          <a:xfrm>
+            <a:off x="5370284" y="2153104"/>
+            <a:ext cx="1959427" cy="1983468"/>
+          </a:xfrm>
+          <a:prstGeom prst="rect">
+            <a:avLst/>
+          </a:prstGeom>
+          <a:solidFill>
+            <a:schemeClr val="accent2">
+              <a:lumMod val="75000"/>
+            </a:schemeClr>
+          </a:solidFill>
+        </p:spPr>
+        <p:style>
+          <a:lnRef idx="2">
+            <a:schemeClr val="accent1">
+              <a:shade val="15000"/>
+            </a:schemeClr>
+          </a:lnRef>
+          <a:fillRef idx="1">
+            <a:schemeClr val="accent1"/>
+          </a:fillRef>
+          <a:effectRef idx="0">
+            <a:schemeClr val="accent1"/>
+          </a:effectRef>
+          <a:fontRef idx="minor">
+            <a:schemeClr val="lt1"/>
+          </a:fontRef>
+        </p:style>
+        <p:txBody>
+          <a:bodyPr rtlCol="0" anchor="ctr"/>
+          <a:lstStyle/>
+          <a:p>
+            <a:pPr algn="ctr"/>
+            <a:endParaRPr lang="en-US"/>
+          </a:p>
+        </p:txBody>
+      </p:sp>
+      <p:sp>
+        <p:nvSpPr>
+          <p:cNvPr id="7" name="Rectangle 6">
+            <a:extLst>
+              <a:ext uri="{FF2B5EF4-FFF2-40B4-BE49-F238E27FC236}">
+                <a16:creationId xmlns:a16="http://schemas.microsoft.com/office/drawing/2014/main" id="{A66BF101-B543-E034-8AFA-D8D443CFD703}"/>
+              </a:ext>
+            </a:extLst>
+          </p:cNvPr>
+          <p:cNvSpPr/>
+          <p:nvPr/>
+        </p:nvSpPr>
+        <p:spPr>
+          <a:xfrm>
+            <a:off x="8650512" y="2153104"/>
+            <a:ext cx="1959427" cy="1983468"/>
+          </a:xfrm>
+          <a:prstGeom prst="rect">
+            <a:avLst/>
+          </a:prstGeom>
+          <a:solidFill>
+            <a:schemeClr val="accent2">
+              <a:lumMod val="75000"/>
+            </a:schemeClr>
+          </a:solidFill>
+        </p:spPr>
+        <p:style>
+          <a:lnRef idx="2">
+            <a:schemeClr val="accent1">
+              <a:shade val="15000"/>
+            </a:schemeClr>
+          </a:lnRef>
+          <a:fillRef idx="1">
+            <a:schemeClr val="accent1"/>
+          </a:fillRef>
+          <a:effectRef idx="0">
+            <a:schemeClr val="accent1"/>
+          </a:effectRef>
+          <a:fontRef idx="minor">
+            <a:schemeClr val="lt1"/>
+          </a:fontRef>
+        </p:style>
+        <p:txBody>
+          <a:bodyPr rtlCol="0" anchor="ctr"/>
+          <a:lstStyle/>
+          <a:p>
+            <a:pPr algn="ctr"/>
+            <a:endParaRPr lang="en-US"/>
+          </a:p>
+        </p:txBody>
+      </p:sp>
+      <p:sp>
+        <p:nvSpPr>
+          <p:cNvPr id="8" name="Rectangle 7">
+            <a:extLst>
+              <a:ext uri="{FF2B5EF4-FFF2-40B4-BE49-F238E27FC236}">
+                <a16:creationId xmlns:a16="http://schemas.microsoft.com/office/drawing/2014/main" id="{6CDBA460-BB14-084A-E938-5060DF134FD8}"/>
+              </a:ext>
+            </a:extLst>
+          </p:cNvPr>
+          <p:cNvSpPr/>
+          <p:nvPr/>
+        </p:nvSpPr>
+        <p:spPr>
+          <a:xfrm>
+            <a:off x="1944913" y="4381046"/>
+            <a:ext cx="1959427" cy="1983468"/>
+          </a:xfrm>
+          <a:prstGeom prst="rect">
+            <a:avLst/>
+          </a:prstGeom>
+          <a:solidFill>
+            <a:schemeClr val="accent2">
+              <a:lumMod val="75000"/>
+            </a:schemeClr>
+          </a:solidFill>
+        </p:spPr>
+        <p:style>
+          <a:lnRef idx="2">
+            <a:schemeClr val="accent1">
+              <a:shade val="15000"/>
+            </a:schemeClr>
+          </a:lnRef>
+          <a:fillRef idx="1">
+            <a:schemeClr val="accent1"/>
+          </a:fillRef>
+          <a:effectRef idx="0">
+            <a:schemeClr val="accent1"/>
+          </a:effectRef>
+          <a:fontRef idx="minor">
+            <a:schemeClr val="lt1"/>
+          </a:fontRef>
+        </p:style>
+        <p:txBody>
+          <a:bodyPr rtlCol="0" anchor="ctr"/>
+          <a:lstStyle/>
+          <a:p>
+            <a:pPr algn="ctr"/>
+            <a:endParaRPr lang="en-US"/>
+          </a:p>
+        </p:txBody>
+      </p:sp>
+      <p:sp>
+        <p:nvSpPr>
+          <p:cNvPr id="9" name="Rectangle 8">
+            <a:extLst>
+              <a:ext uri="{FF2B5EF4-FFF2-40B4-BE49-F238E27FC236}">
+                <a16:creationId xmlns:a16="http://schemas.microsoft.com/office/drawing/2014/main" id="{15464859-D541-AE1E-7526-15B8B6F6E5E2}"/>
+              </a:ext>
+            </a:extLst>
+          </p:cNvPr>
+          <p:cNvSpPr/>
+          <p:nvPr/>
+        </p:nvSpPr>
+        <p:spPr>
+          <a:xfrm>
+            <a:off x="5370284" y="4381046"/>
+            <a:ext cx="1959427" cy="1983468"/>
+          </a:xfrm>
+          <a:prstGeom prst="rect">
+            <a:avLst/>
+          </a:prstGeom>
+          <a:solidFill>
+            <a:schemeClr val="accent2">
+              <a:lumMod val="75000"/>
+            </a:schemeClr>
+          </a:solidFill>
+        </p:spPr>
+        <p:style>
+          <a:lnRef idx="2">
+            <a:schemeClr val="accent1">
+              <a:shade val="15000"/>
+            </a:schemeClr>
+          </a:lnRef>
+          <a:fillRef idx="1">
+            <a:schemeClr val="accent1"/>
+          </a:fillRef>
+          <a:effectRef idx="0">
+            <a:schemeClr val="accent1"/>
+          </a:effectRef>
+          <a:fontRef idx="minor">
+            <a:schemeClr val="lt1"/>
+          </a:fontRef>
+        </p:style>
+        <p:txBody>
+          <a:bodyPr rtlCol="0" anchor="ctr"/>
+          <a:lstStyle/>
+          <a:p>
+            <a:pPr algn="ctr"/>
+            <a:endParaRPr lang="en-US"/>
+          </a:p>
+        </p:txBody>
+      </p:sp>
+      <p:sp>
+        <p:nvSpPr>
+          <p:cNvPr id="10" name="Rectangle 9">
+            <a:extLst>
+              <a:ext uri="{FF2B5EF4-FFF2-40B4-BE49-F238E27FC236}">
+                <a16:creationId xmlns:a16="http://schemas.microsoft.com/office/drawing/2014/main" id="{ADE594FF-46E8-92DE-D772-0E037571E9B7}"/>
+              </a:ext>
+            </a:extLst>
+          </p:cNvPr>
+          <p:cNvSpPr/>
+          <p:nvPr/>
+        </p:nvSpPr>
+        <p:spPr>
+          <a:xfrm>
+            <a:off x="8650512" y="4381046"/>
+            <a:ext cx="1959427" cy="1983468"/>
+          </a:xfrm>
+          <a:prstGeom prst="rect">
+            <a:avLst/>
+          </a:prstGeom>
+          <a:solidFill>
+            <a:schemeClr val="accent2">
+              <a:lumMod val="75000"/>
+            </a:schemeClr>
+          </a:solidFill>
+        </p:spPr>
+        <p:style>
+          <a:lnRef idx="2">
+            <a:schemeClr val="accent1">
+              <a:shade val="15000"/>
+            </a:schemeClr>
+          </a:lnRef>
+          <a:fillRef idx="1">
+            <a:schemeClr val="accent1"/>
+          </a:fillRef>
+          <a:effectRef idx="0">
+            <a:schemeClr val="accent1"/>
+          </a:effectRef>
+          <a:fontRef idx="minor">
+            <a:schemeClr val="lt1"/>
+          </a:fontRef>
+        </p:style>
+        <p:txBody>
+          <a:bodyPr rtlCol="0" anchor="ctr"/>
+          <a:lstStyle/>
+          <a:p>
+            <a:pPr algn="ctr"/>
+            <a:endParaRPr lang="en-US"/>
+          </a:p>
+        </p:txBody>
+      </p:sp>
+      <p:sp>
+        <p:nvSpPr>
+          <p:cNvPr id="11" name="Rectangle 10">
+            <a:extLst>
+              <a:ext uri="{FF2B5EF4-FFF2-40B4-BE49-F238E27FC236}">
+                <a16:creationId xmlns:a16="http://schemas.microsoft.com/office/drawing/2014/main" id="{11675F46-52EF-DC4A-2CF3-E3EB86A8B00C}"/>
+              </a:ext>
+            </a:extLst>
+          </p:cNvPr>
+          <p:cNvSpPr/>
+          <p:nvPr/>
+        </p:nvSpPr>
+        <p:spPr>
+          <a:xfrm>
+            <a:off x="5529943" y="4542971"/>
+            <a:ext cx="1640114" cy="420915"/>
+          </a:xfrm>
+          <a:prstGeom prst="rect">
+            <a:avLst/>
+          </a:prstGeom>
+          <a:solidFill>
+            <a:srgbClr val="FFFF00"/>
+          </a:solidFill>
+        </p:spPr>
+        <p:style>
+          <a:lnRef idx="2">
+            <a:schemeClr val="accent1">
+              <a:shade val="15000"/>
+            </a:schemeClr>
+          </a:lnRef>
+          <a:fillRef idx="1">
+            <a:schemeClr val="accent1"/>
+          </a:fillRef>
+          <a:effectRef idx="0">
+            <a:schemeClr val="accent1"/>
+          </a:effectRef>
+          <a:fontRef idx="minor">
+            <a:schemeClr val="lt1"/>
+          </a:fontRef>
+        </p:style>
+        <p:txBody>
+          <a:bodyPr rtlCol="0" anchor="ctr"/>
+          <a:lstStyle/>
+          <a:p>
+            <a:pPr algn="ctr"/>
+            <a:endParaRPr lang="en-US"/>
+          </a:p>
+        </p:txBody>
+      </p:sp>
+      <p:sp>
+        <p:nvSpPr>
+          <p:cNvPr id="12" name="Rectangle 11">
+            <a:extLst>
+              <a:ext uri="{FF2B5EF4-FFF2-40B4-BE49-F238E27FC236}">
+                <a16:creationId xmlns:a16="http://schemas.microsoft.com/office/drawing/2014/main" id="{F953E1DF-F113-3D05-F31A-5492A1BF9B6B}"/>
+              </a:ext>
+            </a:extLst>
+          </p:cNvPr>
+          <p:cNvSpPr/>
+          <p:nvPr/>
+        </p:nvSpPr>
+        <p:spPr>
+          <a:xfrm>
+            <a:off x="5646057" y="5152571"/>
+            <a:ext cx="449943" cy="609600"/>
+          </a:xfrm>
+          <a:prstGeom prst="rect">
+            <a:avLst/>
+          </a:prstGeom>
+          <a:solidFill>
+            <a:schemeClr val="accent3">
+              <a:lumMod val="75000"/>
+            </a:schemeClr>
+          </a:solidFill>
+        </p:spPr>
+        <p:style>
+          <a:lnRef idx="2">
+            <a:schemeClr val="accent1">
+              <a:shade val="15000"/>
+            </a:schemeClr>
+          </a:lnRef>
+          <a:fillRef idx="1">
+            <a:schemeClr val="accent1"/>
+          </a:fillRef>
+          <a:effectRef idx="0">
+            <a:schemeClr val="accent1"/>
+          </a:effectRef>
+          <a:fontRef idx="minor">
+            <a:schemeClr val="lt1"/>
+          </a:fontRef>
+        </p:style>
+        <p:txBody>
+          <a:bodyPr rtlCol="0" anchor="ctr"/>
+          <a:lstStyle/>
+          <a:p>
+            <a:pPr algn="ctr"/>
+            <a:endParaRPr lang="en-US"/>
+          </a:p>
+        </p:txBody>
+      </p:sp>
+      <p:sp>
+        <p:nvSpPr>
+          <p:cNvPr id="13" name="Rectangle 12">
+            <a:extLst>
+              <a:ext uri="{FF2B5EF4-FFF2-40B4-BE49-F238E27FC236}">
+                <a16:creationId xmlns:a16="http://schemas.microsoft.com/office/drawing/2014/main" id="{52156EE0-00C6-24BF-9A75-859E77E5AFCD}"/>
+              </a:ext>
+            </a:extLst>
+          </p:cNvPr>
+          <p:cNvSpPr/>
+          <p:nvPr/>
+        </p:nvSpPr>
+        <p:spPr>
+          <a:xfrm>
+            <a:off x="6371773" y="5125811"/>
+            <a:ext cx="449943" cy="609600"/>
+          </a:xfrm>
+          <a:prstGeom prst="rect">
+            <a:avLst/>
+          </a:prstGeom>
+          <a:solidFill>
+            <a:schemeClr val="accent3">
+              <a:lumMod val="75000"/>
+            </a:schemeClr>
+          </a:solidFill>
+        </p:spPr>
+        <p:style>
+          <a:lnRef idx="2">
+            <a:schemeClr val="accent1">
+              <a:shade val="15000"/>
+            </a:schemeClr>
+          </a:lnRef>
+          <a:fillRef idx="1">
+            <a:schemeClr val="accent1"/>
+          </a:fillRef>
+          <a:effectRef idx="0">
+            <a:schemeClr val="accent1"/>
+          </a:effectRef>
+          <a:fontRef idx="minor">
+            <a:schemeClr val="lt1"/>
+          </a:fontRef>
+        </p:style>
+        <p:txBody>
+          <a:bodyPr rtlCol="0" anchor="ctr"/>
+          <a:lstStyle/>
+          <a:p>
+            <a:pPr algn="ctr"/>
+            <a:endParaRPr lang="en-US"/>
+          </a:p>
+        </p:txBody>
+      </p:sp>
+      <p:sp>
+        <p:nvSpPr>
+          <p:cNvPr id="14" name="Rectangle 13">
+            <a:extLst>
+              <a:ext uri="{FF2B5EF4-FFF2-40B4-BE49-F238E27FC236}">
+                <a16:creationId xmlns:a16="http://schemas.microsoft.com/office/drawing/2014/main" id="{6B5B94D8-7D3A-2334-6D72-CBC357D6FF79}"/>
+              </a:ext>
+            </a:extLst>
+          </p:cNvPr>
+          <p:cNvSpPr/>
+          <p:nvPr/>
+        </p:nvSpPr>
+        <p:spPr>
+          <a:xfrm>
+            <a:off x="5522687" y="5950855"/>
+            <a:ext cx="1640114" cy="338593"/>
+          </a:xfrm>
+          <a:prstGeom prst="rect">
+            <a:avLst/>
+          </a:prstGeom>
+          <a:solidFill>
+            <a:schemeClr val="accent4">
+              <a:lumMod val="60000"/>
+              <a:lumOff val="40000"/>
+            </a:schemeClr>
+          </a:solidFill>
+        </p:spPr>
+        <p:style>
+          <a:lnRef idx="2">
+            <a:schemeClr val="accent1">
+              <a:shade val="15000"/>
+            </a:schemeClr>
+          </a:lnRef>
+          <a:fillRef idx="1">
+            <a:schemeClr val="accent1"/>
+          </a:fillRef>
+          <a:effectRef idx="0">
+            <a:schemeClr val="accent1"/>
+          </a:effectRef>
+          <a:fontRef idx="minor">
+            <a:schemeClr val="lt1"/>
+          </a:fontRef>
+        </p:style>
+        <p:txBody>
+          <a:bodyPr rtlCol="0" anchor="ctr"/>
+          <a:lstStyle/>
+          <a:p>
+            <a:pPr algn="ctr"/>
+            <a:endParaRPr lang="en-US"/>
+          </a:p>
+        </p:txBody>
+      </p:sp>
+      <p:sp>
+        <p:nvSpPr>
+          <p:cNvPr id="15" name="TextBox 14">
+            <a:extLst>
+              <a:ext uri="{FF2B5EF4-FFF2-40B4-BE49-F238E27FC236}">
+                <a16:creationId xmlns:a16="http://schemas.microsoft.com/office/drawing/2014/main" id="{7349F21C-1DE9-99E6-1692-88D0A6A61C13}"/>
+              </a:ext>
+            </a:extLst>
+          </p:cNvPr>
+          <p:cNvSpPr txBox="1"/>
+          <p:nvPr/>
+        </p:nvSpPr>
+        <p:spPr>
+          <a:xfrm>
+            <a:off x="8200571" y="551543"/>
+            <a:ext cx="1558312" cy="369332"/>
+          </a:xfrm>
+          <a:prstGeom prst="rect">
+            <a:avLst/>
+          </a:prstGeom>
+          <a:noFill/>
+        </p:spPr>
+        <p:txBody>
+          <a:bodyPr wrap="none" rtlCol="0">
+            <a:spAutoFit/>
+          </a:bodyPr>
+          <a:lstStyle/>
+          <a:p>
+            <a:r>
+              <a:rPr lang="en-US" dirty="0"/>
+              <a:t>Grid Container</a:t>
+            </a:r>
+          </a:p>
+        </p:txBody>
+      </p:sp>
+      <p:cxnSp>
+        <p:nvCxnSpPr>
+          <p:cNvPr id="17" name="Straight Connector 16">
+            <a:extLst>
+              <a:ext uri="{FF2B5EF4-FFF2-40B4-BE49-F238E27FC236}">
+                <a16:creationId xmlns:a16="http://schemas.microsoft.com/office/drawing/2014/main" id="{6D90617A-200C-39CC-B67D-B95BA4D7D117}"/>
+              </a:ext>
+            </a:extLst>
+          </p:cNvPr>
+          <p:cNvCxnSpPr/>
+          <p:nvPr/>
+        </p:nvCxnSpPr>
+        <p:spPr>
+          <a:xfrm flipH="1">
+            <a:off x="7939314" y="769257"/>
+            <a:ext cx="986972" cy="1383847"/>
+          </a:xfrm>
+          <a:prstGeom prst="line">
+            <a:avLst/>
+          </a:prstGeom>
+        </p:spPr>
+        <p:style>
+          <a:lnRef idx="1">
+            <a:schemeClr val="accent1"/>
+          </a:lnRef>
+          <a:fillRef idx="0">
+            <a:schemeClr val="accent1"/>
+          </a:fillRef>
+          <a:effectRef idx="0">
+            <a:schemeClr val="accent1"/>
+          </a:effectRef>
+          <a:fontRef idx="minor">
+            <a:schemeClr val="tx1"/>
+          </a:fontRef>
+        </p:style>
+      </p:cxnSp>
+      <p:sp>
+        <p:nvSpPr>
+          <p:cNvPr id="18" name="TextBox 17">
+            <a:extLst>
+              <a:ext uri="{FF2B5EF4-FFF2-40B4-BE49-F238E27FC236}">
+                <a16:creationId xmlns:a16="http://schemas.microsoft.com/office/drawing/2014/main" id="{E4F3224F-1B80-CC92-5263-2A2BB4F1A9B3}"/>
+              </a:ext>
+            </a:extLst>
+          </p:cNvPr>
+          <p:cNvSpPr txBox="1"/>
+          <p:nvPr/>
+        </p:nvSpPr>
+        <p:spPr>
+          <a:xfrm>
+            <a:off x="478971" y="2801257"/>
+            <a:ext cx="982961" cy="369332"/>
+          </a:xfrm>
+          <a:prstGeom prst="rect">
+            <a:avLst/>
+          </a:prstGeom>
+          <a:noFill/>
+        </p:spPr>
+        <p:txBody>
+          <a:bodyPr wrap="none" rtlCol="0">
+            <a:spAutoFit/>
+          </a:bodyPr>
+          <a:lstStyle/>
+          <a:p>
+            <a:r>
+              <a:rPr lang="en-US" dirty="0"/>
+              <a:t>Grid Cell</a:t>
+            </a:r>
+          </a:p>
+        </p:txBody>
+      </p:sp>
+      <p:cxnSp>
+        <p:nvCxnSpPr>
+          <p:cNvPr id="20" name="Straight Arrow Connector 19">
+            <a:extLst>
+              <a:ext uri="{FF2B5EF4-FFF2-40B4-BE49-F238E27FC236}">
+                <a16:creationId xmlns:a16="http://schemas.microsoft.com/office/drawing/2014/main" id="{4C23A8AF-B9E5-F587-2F11-10B671BE9B53}"/>
+              </a:ext>
+            </a:extLst>
+          </p:cNvPr>
+          <p:cNvCxnSpPr>
+            <a:stCxn id="5" idx="1"/>
+            <a:endCxn id="18" idx="3"/>
+          </p:cNvCxnSpPr>
+          <p:nvPr/>
+        </p:nvCxnSpPr>
+        <p:spPr>
+          <a:xfrm flipH="1" flipV="1">
+            <a:off x="1461932" y="2985923"/>
+            <a:ext cx="482981" cy="158915"/>
+          </a:xfrm>
+          <a:prstGeom prst="straightConnector1">
+            <a:avLst/>
+          </a:prstGeom>
+          <a:ln>
+            <a:tailEnd type="triangle"/>
+          </a:ln>
+        </p:spPr>
+        <p:style>
+          <a:lnRef idx="1">
+            <a:schemeClr val="accent1"/>
+          </a:lnRef>
+          <a:fillRef idx="0">
+            <a:schemeClr val="accent1"/>
+          </a:fillRef>
+          <a:effectRef idx="0">
+            <a:schemeClr val="accent1"/>
+          </a:effectRef>
+          <a:fontRef idx="minor">
+            <a:schemeClr val="tx1"/>
+          </a:fontRef>
+        </p:style>
+      </p:cxnSp>
+      <p:sp>
+        <p:nvSpPr>
+          <p:cNvPr id="21" name="TextBox 20">
+            <a:extLst>
+              <a:ext uri="{FF2B5EF4-FFF2-40B4-BE49-F238E27FC236}">
+                <a16:creationId xmlns:a16="http://schemas.microsoft.com/office/drawing/2014/main" id="{F50B0EA5-1E85-556E-403C-528AC65217C9}"/>
+              </a:ext>
+            </a:extLst>
+          </p:cNvPr>
+          <p:cNvSpPr txBox="1"/>
+          <p:nvPr/>
+        </p:nvSpPr>
+        <p:spPr>
+          <a:xfrm>
+            <a:off x="5646057" y="6488668"/>
+            <a:ext cx="1391471" cy="369332"/>
+          </a:xfrm>
+          <a:prstGeom prst="rect">
+            <a:avLst/>
+          </a:prstGeom>
+          <a:noFill/>
+        </p:spPr>
+        <p:txBody>
+          <a:bodyPr wrap="none" rtlCol="0">
+            <a:spAutoFit/>
+          </a:bodyPr>
+          <a:lstStyle/>
+          <a:p>
+            <a:r>
+              <a:rPr lang="en-US" dirty="0"/>
+              <a:t>Nested Grids</a:t>
+            </a:r>
+          </a:p>
+        </p:txBody>
+      </p:sp>
+    </p:spTree>
+    <p:extLst>
+      <p:ext uri="{BB962C8B-B14F-4D97-AF65-F5344CB8AC3E}">
+        <p14:creationId xmlns:p14="http://schemas.microsoft.com/office/powerpoint/2010/main" val="2106095674"/>
       </p:ext>
     </p:extLst>
   </p:cSld>

--- a/CSS3.pptx
+++ b/CSS3.pptx
@@ -58,6 +58,10 @@
     <p:sldId id="307" r:id="rId52"/>
     <p:sldId id="308" r:id="rId53"/>
     <p:sldId id="309" r:id="rId54"/>
+    <p:sldId id="310" r:id="rId55"/>
+    <p:sldId id="311" r:id="rId56"/>
+    <p:sldId id="312" r:id="rId57"/>
+    <p:sldId id="313" r:id="rId58"/>
   </p:sldIdLst>
   <p:sldSz cx="12192000" cy="6858000"/>
   <p:notesSz cx="6858000" cy="9144000"/>
@@ -1743,7 +1747,7 @@
           <a:p>
             <a:fld id="{099F8D66-D1E1-489E-B08C-301570902999}" type="datetimeFigureOut">
               <a:rPr lang="en-US" smtClean="0"/>
-              <a:t>7/9/2024</a:t>
+              <a:t>7/12/2024</a:t>
             </a:fld>
             <a:endParaRPr lang="en-US"/>
           </a:p>
@@ -1941,7 +1945,7 @@
           <a:p>
             <a:fld id="{099F8D66-D1E1-489E-B08C-301570902999}" type="datetimeFigureOut">
               <a:rPr lang="en-US" smtClean="0"/>
-              <a:t>7/9/2024</a:t>
+              <a:t>7/12/2024</a:t>
             </a:fld>
             <a:endParaRPr lang="en-US"/>
           </a:p>
@@ -2149,7 +2153,7 @@
           <a:p>
             <a:fld id="{099F8D66-D1E1-489E-B08C-301570902999}" type="datetimeFigureOut">
               <a:rPr lang="en-US" smtClean="0"/>
-              <a:t>7/9/2024</a:t>
+              <a:t>7/12/2024</a:t>
             </a:fld>
             <a:endParaRPr lang="en-US"/>
           </a:p>
@@ -2347,7 +2351,7 @@
           <a:p>
             <a:fld id="{099F8D66-D1E1-489E-B08C-301570902999}" type="datetimeFigureOut">
               <a:rPr lang="en-US" smtClean="0"/>
-              <a:t>7/9/2024</a:t>
+              <a:t>7/12/2024</a:t>
             </a:fld>
             <a:endParaRPr lang="en-US"/>
           </a:p>
@@ -2622,7 +2626,7 @@
           <a:p>
             <a:fld id="{099F8D66-D1E1-489E-B08C-301570902999}" type="datetimeFigureOut">
               <a:rPr lang="en-US" smtClean="0"/>
-              <a:t>7/9/2024</a:t>
+              <a:t>7/12/2024</a:t>
             </a:fld>
             <a:endParaRPr lang="en-US"/>
           </a:p>
@@ -2887,7 +2891,7 @@
           <a:p>
             <a:fld id="{099F8D66-D1E1-489E-B08C-301570902999}" type="datetimeFigureOut">
               <a:rPr lang="en-US" smtClean="0"/>
-              <a:t>7/9/2024</a:t>
+              <a:t>7/12/2024</a:t>
             </a:fld>
             <a:endParaRPr lang="en-US"/>
           </a:p>
@@ -3299,7 +3303,7 @@
           <a:p>
             <a:fld id="{099F8D66-D1E1-489E-B08C-301570902999}" type="datetimeFigureOut">
               <a:rPr lang="en-US" smtClean="0"/>
-              <a:t>7/9/2024</a:t>
+              <a:t>7/12/2024</a:t>
             </a:fld>
             <a:endParaRPr lang="en-US"/>
           </a:p>
@@ -3440,7 +3444,7 @@
           <a:p>
             <a:fld id="{099F8D66-D1E1-489E-B08C-301570902999}" type="datetimeFigureOut">
               <a:rPr lang="en-US" smtClean="0"/>
-              <a:t>7/9/2024</a:t>
+              <a:t>7/12/2024</a:t>
             </a:fld>
             <a:endParaRPr lang="en-US"/>
           </a:p>
@@ -3553,7 +3557,7 @@
           <a:p>
             <a:fld id="{099F8D66-D1E1-489E-B08C-301570902999}" type="datetimeFigureOut">
               <a:rPr lang="en-US" smtClean="0"/>
-              <a:t>7/9/2024</a:t>
+              <a:t>7/12/2024</a:t>
             </a:fld>
             <a:endParaRPr lang="en-US"/>
           </a:p>
@@ -3864,7 +3868,7 @@
           <a:p>
             <a:fld id="{099F8D66-D1E1-489E-B08C-301570902999}" type="datetimeFigureOut">
               <a:rPr lang="en-US" smtClean="0"/>
-              <a:t>7/9/2024</a:t>
+              <a:t>7/12/2024</a:t>
             </a:fld>
             <a:endParaRPr lang="en-US"/>
           </a:p>
@@ -4152,7 +4156,7 @@
           <a:p>
             <a:fld id="{099F8D66-D1E1-489E-B08C-301570902999}" type="datetimeFigureOut">
               <a:rPr lang="en-US" smtClean="0"/>
-              <a:t>7/9/2024</a:t>
+              <a:t>7/12/2024</a:t>
             </a:fld>
             <a:endParaRPr lang="en-US"/>
           </a:p>
@@ -4393,7 +4397,7 @@
           <a:p>
             <a:fld id="{099F8D66-D1E1-489E-B08C-301570902999}" type="datetimeFigureOut">
               <a:rPr lang="en-US" smtClean="0"/>
-              <a:t>7/9/2024</a:t>
+              <a:t>7/12/2024</a:t>
             </a:fld>
             <a:endParaRPr lang="en-US"/>
           </a:p>
@@ -20200,6 +20204,456 @@
 </p:sld>
 </file>
 
+<file path=ppt/slides/slide54.xml><?xml version="1.0" encoding="utf-8"?>
+<p:sld xmlns:a="http://schemas.openxmlformats.org/drawingml/2006/main" xmlns:r="http://schemas.openxmlformats.org/officeDocument/2006/relationships" xmlns:p="http://schemas.openxmlformats.org/presentationml/2006/main">
+  <p:cSld>
+    <p:spTree>
+      <p:nvGrpSpPr>
+        <p:cNvPr id="1" name=""/>
+        <p:cNvGrpSpPr/>
+        <p:nvPr/>
+      </p:nvGrpSpPr>
+      <p:grpSpPr>
+        <a:xfrm>
+          <a:off x="0" y="0"/>
+          <a:ext cx="0" cy="0"/>
+          <a:chOff x="0" y="0"/>
+          <a:chExt cx="0" cy="0"/>
+        </a:xfrm>
+      </p:grpSpPr>
+      <p:sp>
+        <p:nvSpPr>
+          <p:cNvPr id="2" name="Title 1">
+            <a:extLst>
+              <a:ext uri="{FF2B5EF4-FFF2-40B4-BE49-F238E27FC236}">
+                <a16:creationId xmlns:a16="http://schemas.microsoft.com/office/drawing/2014/main" id="{649E92F2-53D4-3572-E056-28B79E165A23}"/>
+              </a:ext>
+            </a:extLst>
+          </p:cNvPr>
+          <p:cNvSpPr>
+            <a:spLocks noGrp="1"/>
+          </p:cNvSpPr>
+          <p:nvPr>
+            <p:ph type="title"/>
+          </p:nvPr>
+        </p:nvSpPr>
+        <p:spPr/>
+        <p:txBody>
+          <a:bodyPr/>
+          <a:lstStyle/>
+          <a:p>
+            <a:r>
+              <a:rPr lang="en-US" dirty="0"/>
+              <a:t>About CSS Flexbox:</a:t>
+            </a:r>
+          </a:p>
+        </p:txBody>
+      </p:sp>
+      <p:sp>
+        <p:nvSpPr>
+          <p:cNvPr id="3" name="Content Placeholder 2">
+            <a:extLst>
+              <a:ext uri="{FF2B5EF4-FFF2-40B4-BE49-F238E27FC236}">
+                <a16:creationId xmlns:a16="http://schemas.microsoft.com/office/drawing/2014/main" id="{40EABC08-1CE0-D069-1529-06EF1E219683}"/>
+              </a:ext>
+            </a:extLst>
+          </p:cNvPr>
+          <p:cNvSpPr>
+            <a:spLocks noGrp="1"/>
+          </p:cNvSpPr>
+          <p:nvPr>
+            <p:ph idx="1"/>
+          </p:nvPr>
+        </p:nvSpPr>
+        <p:spPr/>
+        <p:txBody>
+          <a:bodyPr/>
+          <a:lstStyle/>
+          <a:p>
+            <a:r>
+              <a:rPr lang="en-US" dirty="0"/>
+              <a:t>New module in CSS3 to easy align elements in different directions and orders</a:t>
+            </a:r>
+          </a:p>
+          <a:p>
+            <a:r>
+              <a:rPr lang="en-US" dirty="0"/>
+              <a:t>Flexbox is to gives container the ability to expand and shrink elements to best use all the available space</a:t>
+            </a:r>
+          </a:p>
+          <a:p>
+            <a:r>
+              <a:rPr lang="en-US" dirty="0"/>
+              <a:t>CSS flexbox layout replaces float layout</a:t>
+            </a:r>
+          </a:p>
+          <a:p>
+            <a:r>
+              <a:rPr lang="en-US" dirty="0"/>
+              <a:t>New way to build one-dimensional layouts</a:t>
+            </a:r>
+          </a:p>
+        </p:txBody>
+      </p:sp>
+    </p:spTree>
+    <p:extLst>
+      <p:ext uri="{BB962C8B-B14F-4D97-AF65-F5344CB8AC3E}">
+        <p14:creationId xmlns:p14="http://schemas.microsoft.com/office/powerpoint/2010/main" val="3964965660"/>
+      </p:ext>
+    </p:extLst>
+  </p:cSld>
+  <p:clrMapOvr>
+    <a:masterClrMapping/>
+  </p:clrMapOvr>
+</p:sld>
+</file>
+
+<file path=ppt/slides/slide55.xml><?xml version="1.0" encoding="utf-8"?>
+<p:sld xmlns:a="http://schemas.openxmlformats.org/drawingml/2006/main" xmlns:r="http://schemas.openxmlformats.org/officeDocument/2006/relationships" xmlns:p="http://schemas.openxmlformats.org/presentationml/2006/main">
+  <p:cSld>
+    <p:spTree>
+      <p:nvGrpSpPr>
+        <p:cNvPr id="1" name=""/>
+        <p:cNvGrpSpPr/>
+        <p:nvPr/>
+      </p:nvGrpSpPr>
+      <p:grpSpPr>
+        <a:xfrm>
+          <a:off x="0" y="0"/>
+          <a:ext cx="0" cy="0"/>
+          <a:chOff x="0" y="0"/>
+          <a:chExt cx="0" cy="0"/>
+        </a:xfrm>
+      </p:grpSpPr>
+      <p:sp>
+        <p:nvSpPr>
+          <p:cNvPr id="2" name="Title 1">
+            <a:extLst>
+              <a:ext uri="{FF2B5EF4-FFF2-40B4-BE49-F238E27FC236}">
+                <a16:creationId xmlns:a16="http://schemas.microsoft.com/office/drawing/2014/main" id="{5114B9A9-E124-7366-A4E5-A9A2E8A7B7EE}"/>
+              </a:ext>
+            </a:extLst>
+          </p:cNvPr>
+          <p:cNvSpPr>
+            <a:spLocks noGrp="1"/>
+          </p:cNvSpPr>
+          <p:nvPr>
+            <p:ph type="title"/>
+          </p:nvPr>
+        </p:nvSpPr>
+        <p:spPr/>
+        <p:txBody>
+          <a:bodyPr/>
+          <a:lstStyle/>
+          <a:p>
+            <a:r>
+              <a:rPr lang="en-US" dirty="0"/>
+              <a:t>Flexbox Properties</a:t>
+            </a:r>
+          </a:p>
+        </p:txBody>
+      </p:sp>
+      <p:sp>
+        <p:nvSpPr>
+          <p:cNvPr id="3" name="Content Placeholder 2">
+            <a:extLst>
+              <a:ext uri="{FF2B5EF4-FFF2-40B4-BE49-F238E27FC236}">
+                <a16:creationId xmlns:a16="http://schemas.microsoft.com/office/drawing/2014/main" id="{CCACC6B3-0BCE-3CAB-31F3-58B7800CCD21}"/>
+              </a:ext>
+            </a:extLst>
+          </p:cNvPr>
+          <p:cNvSpPr>
+            <a:spLocks noGrp="1"/>
+          </p:cNvSpPr>
+          <p:nvPr>
+            <p:ph idx="1"/>
+          </p:nvPr>
+        </p:nvSpPr>
+        <p:spPr/>
+        <p:txBody>
+          <a:bodyPr numCol="2"/>
+          <a:lstStyle/>
+          <a:p>
+            <a:r>
+              <a:rPr lang="en-US" dirty="0"/>
+              <a:t>Flex-direction</a:t>
+            </a:r>
+          </a:p>
+          <a:p>
+            <a:r>
+              <a:rPr lang="en-US" dirty="0"/>
+              <a:t>Flex-wrap</a:t>
+            </a:r>
+          </a:p>
+          <a:p>
+            <a:r>
+              <a:rPr lang="en-US" dirty="0"/>
+              <a:t>Flex-flow</a:t>
+            </a:r>
+          </a:p>
+          <a:p>
+            <a:r>
+              <a:rPr lang="en-US" dirty="0"/>
+              <a:t>Flex-grow</a:t>
+            </a:r>
+          </a:p>
+          <a:p>
+            <a:r>
+              <a:rPr lang="en-US" dirty="0"/>
+              <a:t>Flex-shrink</a:t>
+            </a:r>
+          </a:p>
+          <a:p>
+            <a:r>
+              <a:rPr lang="en-US" dirty="0"/>
+              <a:t>Flex-basis</a:t>
+            </a:r>
+          </a:p>
+          <a:p>
+            <a:r>
+              <a:rPr lang="en-US" dirty="0"/>
+              <a:t>Flex</a:t>
+            </a:r>
+          </a:p>
+          <a:p>
+            <a:r>
+              <a:rPr lang="en-US" dirty="0"/>
+              <a:t>Justify-content</a:t>
+            </a:r>
+          </a:p>
+          <a:p>
+            <a:r>
+              <a:rPr lang="en-US" dirty="0"/>
+              <a:t>Align-content</a:t>
+            </a:r>
+          </a:p>
+          <a:p>
+            <a:r>
+              <a:rPr lang="en-US" dirty="0"/>
+              <a:t>Align-items</a:t>
+            </a:r>
+          </a:p>
+          <a:p>
+            <a:r>
+              <a:rPr lang="en-US" dirty="0"/>
+              <a:t>Align-self</a:t>
+            </a:r>
+          </a:p>
+          <a:p>
+            <a:r>
+              <a:rPr lang="en-US" dirty="0"/>
+              <a:t>order</a:t>
+            </a:r>
+          </a:p>
+        </p:txBody>
+      </p:sp>
+    </p:spTree>
+    <p:extLst>
+      <p:ext uri="{BB962C8B-B14F-4D97-AF65-F5344CB8AC3E}">
+        <p14:creationId xmlns:p14="http://schemas.microsoft.com/office/powerpoint/2010/main" val="1857284209"/>
+      </p:ext>
+    </p:extLst>
+  </p:cSld>
+  <p:clrMapOvr>
+    <a:masterClrMapping/>
+  </p:clrMapOvr>
+</p:sld>
+</file>
+
+<file path=ppt/slides/slide56.xml><?xml version="1.0" encoding="utf-8"?>
+<p:sld xmlns:a="http://schemas.openxmlformats.org/drawingml/2006/main" xmlns:r="http://schemas.openxmlformats.org/officeDocument/2006/relationships" xmlns:p="http://schemas.openxmlformats.org/presentationml/2006/main">
+  <p:cSld>
+    <p:spTree>
+      <p:nvGrpSpPr>
+        <p:cNvPr id="1" name=""/>
+        <p:cNvGrpSpPr/>
+        <p:nvPr/>
+      </p:nvGrpSpPr>
+      <p:grpSpPr>
+        <a:xfrm>
+          <a:off x="0" y="0"/>
+          <a:ext cx="0" cy="0"/>
+          <a:chOff x="0" y="0"/>
+          <a:chExt cx="0" cy="0"/>
+        </a:xfrm>
+      </p:grpSpPr>
+      <p:sp>
+        <p:nvSpPr>
+          <p:cNvPr id="2" name="Title 1">
+            <a:extLst>
+              <a:ext uri="{FF2B5EF4-FFF2-40B4-BE49-F238E27FC236}">
+                <a16:creationId xmlns:a16="http://schemas.microsoft.com/office/drawing/2014/main" id="{20D5D6A0-D630-C86F-F9E2-E6C028F538EB}"/>
+              </a:ext>
+            </a:extLst>
+          </p:cNvPr>
+          <p:cNvSpPr>
+            <a:spLocks noGrp="1"/>
+          </p:cNvSpPr>
+          <p:nvPr>
+            <p:ph type="title"/>
+          </p:nvPr>
+        </p:nvSpPr>
+        <p:spPr/>
+        <p:txBody>
+          <a:bodyPr/>
+          <a:lstStyle/>
+          <a:p>
+            <a:r>
+              <a:rPr lang="en-US" dirty="0"/>
+              <a:t>Flex direction values</a:t>
+            </a:r>
+          </a:p>
+        </p:txBody>
+      </p:sp>
+      <p:sp>
+        <p:nvSpPr>
+          <p:cNvPr id="3" name="Content Placeholder 2">
+            <a:extLst>
+              <a:ext uri="{FF2B5EF4-FFF2-40B4-BE49-F238E27FC236}">
+                <a16:creationId xmlns:a16="http://schemas.microsoft.com/office/drawing/2014/main" id="{C08412AB-7C4C-94D7-6D73-B8DE105352C9}"/>
+              </a:ext>
+            </a:extLst>
+          </p:cNvPr>
+          <p:cNvSpPr>
+            <a:spLocks noGrp="1"/>
+          </p:cNvSpPr>
+          <p:nvPr>
+            <p:ph idx="1"/>
+          </p:nvPr>
+        </p:nvSpPr>
+        <p:spPr/>
+        <p:txBody>
+          <a:bodyPr/>
+          <a:lstStyle/>
+          <a:p>
+            <a:r>
+              <a:rPr lang="en-US" dirty="0"/>
+              <a:t>Row</a:t>
+            </a:r>
+          </a:p>
+          <a:p>
+            <a:r>
+              <a:rPr lang="en-US" dirty="0"/>
+              <a:t>Row-reverse</a:t>
+            </a:r>
+          </a:p>
+          <a:p>
+            <a:r>
+              <a:rPr lang="en-US" dirty="0"/>
+              <a:t>Column</a:t>
+            </a:r>
+          </a:p>
+          <a:p>
+            <a:r>
+              <a:rPr lang="en-US" dirty="0"/>
+              <a:t>Column-reverse</a:t>
+            </a:r>
+          </a:p>
+        </p:txBody>
+      </p:sp>
+    </p:spTree>
+    <p:extLst>
+      <p:ext uri="{BB962C8B-B14F-4D97-AF65-F5344CB8AC3E}">
+        <p14:creationId xmlns:p14="http://schemas.microsoft.com/office/powerpoint/2010/main" val="4155006065"/>
+      </p:ext>
+    </p:extLst>
+  </p:cSld>
+  <p:clrMapOvr>
+    <a:masterClrMapping/>
+  </p:clrMapOvr>
+</p:sld>
+</file>
+
+<file path=ppt/slides/slide57.xml><?xml version="1.0" encoding="utf-8"?>
+<p:sld xmlns:a="http://schemas.openxmlformats.org/drawingml/2006/main" xmlns:r="http://schemas.openxmlformats.org/officeDocument/2006/relationships" xmlns:p="http://schemas.openxmlformats.org/presentationml/2006/main">
+  <p:cSld>
+    <p:spTree>
+      <p:nvGrpSpPr>
+        <p:cNvPr id="1" name=""/>
+        <p:cNvGrpSpPr/>
+        <p:nvPr/>
+      </p:nvGrpSpPr>
+      <p:grpSpPr>
+        <a:xfrm>
+          <a:off x="0" y="0"/>
+          <a:ext cx="0" cy="0"/>
+          <a:chOff x="0" y="0"/>
+          <a:chExt cx="0" cy="0"/>
+        </a:xfrm>
+      </p:grpSpPr>
+      <p:sp>
+        <p:nvSpPr>
+          <p:cNvPr id="2" name="Title 1">
+            <a:extLst>
+              <a:ext uri="{FF2B5EF4-FFF2-40B4-BE49-F238E27FC236}">
+                <a16:creationId xmlns:a16="http://schemas.microsoft.com/office/drawing/2014/main" id="{02687961-ABCE-351D-64C7-13F28BE65F76}"/>
+              </a:ext>
+            </a:extLst>
+          </p:cNvPr>
+          <p:cNvSpPr>
+            <a:spLocks noGrp="1"/>
+          </p:cNvSpPr>
+          <p:nvPr>
+            <p:ph type="title"/>
+          </p:nvPr>
+        </p:nvSpPr>
+        <p:spPr/>
+        <p:txBody>
+          <a:bodyPr/>
+          <a:lstStyle/>
+          <a:p>
+            <a:r>
+              <a:rPr lang="en-US" dirty="0"/>
+              <a:t>Flex-Wrap &amp; flex-Flow</a:t>
+            </a:r>
+          </a:p>
+        </p:txBody>
+      </p:sp>
+      <p:sp>
+        <p:nvSpPr>
+          <p:cNvPr id="3" name="Content Placeholder 2">
+            <a:extLst>
+              <a:ext uri="{FF2B5EF4-FFF2-40B4-BE49-F238E27FC236}">
+                <a16:creationId xmlns:a16="http://schemas.microsoft.com/office/drawing/2014/main" id="{C7E226F7-36BE-A3B3-552F-4C41FAD1C934}"/>
+              </a:ext>
+            </a:extLst>
+          </p:cNvPr>
+          <p:cNvSpPr>
+            <a:spLocks noGrp="1"/>
+          </p:cNvSpPr>
+          <p:nvPr>
+            <p:ph idx="1"/>
+          </p:nvPr>
+        </p:nvSpPr>
+        <p:spPr/>
+        <p:txBody>
+          <a:bodyPr/>
+          <a:lstStyle/>
+          <a:p>
+            <a:r>
+              <a:rPr lang="en-US" dirty="0" err="1"/>
+              <a:t>Nowrap</a:t>
+            </a:r>
+            <a:r>
+              <a:rPr lang="en-US" dirty="0"/>
+              <a:t>, wrap, wrap-reverse</a:t>
+            </a:r>
+          </a:p>
+        </p:txBody>
+      </p:sp>
+    </p:spTree>
+    <p:extLst>
+      <p:ext uri="{BB962C8B-B14F-4D97-AF65-F5344CB8AC3E}">
+        <p14:creationId xmlns:p14="http://schemas.microsoft.com/office/powerpoint/2010/main" val="3216113693"/>
+      </p:ext>
+    </p:extLst>
+  </p:cSld>
+  <p:clrMapOvr>
+    <a:masterClrMapping/>
+  </p:clrMapOvr>
+</p:sld>
+</file>
+
 <file path=ppt/slides/slide6.xml><?xml version="1.0" encoding="utf-8"?>
 <p:sld xmlns:a="http://schemas.openxmlformats.org/drawingml/2006/main" xmlns:r="http://schemas.openxmlformats.org/officeDocument/2006/relationships" xmlns:p="http://schemas.openxmlformats.org/presentationml/2006/main">
   <p:cSld>

--- a/CSS3.pptx
+++ b/CSS3.pptx
@@ -62,6 +62,13 @@
     <p:sldId id="311" r:id="rId56"/>
     <p:sldId id="312" r:id="rId57"/>
     <p:sldId id="313" r:id="rId58"/>
+    <p:sldId id="314" r:id="rId59"/>
+    <p:sldId id="315" r:id="rId60"/>
+    <p:sldId id="316" r:id="rId61"/>
+    <p:sldId id="317" r:id="rId62"/>
+    <p:sldId id="318" r:id="rId63"/>
+    <p:sldId id="319" r:id="rId64"/>
+    <p:sldId id="320" r:id="rId65"/>
   </p:sldIdLst>
   <p:sldSz cx="12192000" cy="6858000"/>
   <p:notesSz cx="6858000" cy="9144000"/>
@@ -1747,7 +1754,7 @@
           <a:p>
             <a:fld id="{099F8D66-D1E1-489E-B08C-301570902999}" type="datetimeFigureOut">
               <a:rPr lang="en-US" smtClean="0"/>
-              <a:t>7/12/2024</a:t>
+              <a:t>7/16/2024</a:t>
             </a:fld>
             <a:endParaRPr lang="en-US"/>
           </a:p>
@@ -1945,7 +1952,7 @@
           <a:p>
             <a:fld id="{099F8D66-D1E1-489E-B08C-301570902999}" type="datetimeFigureOut">
               <a:rPr lang="en-US" smtClean="0"/>
-              <a:t>7/12/2024</a:t>
+              <a:t>7/16/2024</a:t>
             </a:fld>
             <a:endParaRPr lang="en-US"/>
           </a:p>
@@ -2153,7 +2160,7 @@
           <a:p>
             <a:fld id="{099F8D66-D1E1-489E-B08C-301570902999}" type="datetimeFigureOut">
               <a:rPr lang="en-US" smtClean="0"/>
-              <a:t>7/12/2024</a:t>
+              <a:t>7/16/2024</a:t>
             </a:fld>
             <a:endParaRPr lang="en-US"/>
           </a:p>
@@ -2351,7 +2358,7 @@
           <a:p>
             <a:fld id="{099F8D66-D1E1-489E-B08C-301570902999}" type="datetimeFigureOut">
               <a:rPr lang="en-US" smtClean="0"/>
-              <a:t>7/12/2024</a:t>
+              <a:t>7/16/2024</a:t>
             </a:fld>
             <a:endParaRPr lang="en-US"/>
           </a:p>
@@ -2626,7 +2633,7 @@
           <a:p>
             <a:fld id="{099F8D66-D1E1-489E-B08C-301570902999}" type="datetimeFigureOut">
               <a:rPr lang="en-US" smtClean="0"/>
-              <a:t>7/12/2024</a:t>
+              <a:t>7/16/2024</a:t>
             </a:fld>
             <a:endParaRPr lang="en-US"/>
           </a:p>
@@ -2891,7 +2898,7 @@
           <a:p>
             <a:fld id="{099F8D66-D1E1-489E-B08C-301570902999}" type="datetimeFigureOut">
               <a:rPr lang="en-US" smtClean="0"/>
-              <a:t>7/12/2024</a:t>
+              <a:t>7/16/2024</a:t>
             </a:fld>
             <a:endParaRPr lang="en-US"/>
           </a:p>
@@ -3303,7 +3310,7 @@
           <a:p>
             <a:fld id="{099F8D66-D1E1-489E-B08C-301570902999}" type="datetimeFigureOut">
               <a:rPr lang="en-US" smtClean="0"/>
-              <a:t>7/12/2024</a:t>
+              <a:t>7/16/2024</a:t>
             </a:fld>
             <a:endParaRPr lang="en-US"/>
           </a:p>
@@ -3444,7 +3451,7 @@
           <a:p>
             <a:fld id="{099F8D66-D1E1-489E-B08C-301570902999}" type="datetimeFigureOut">
               <a:rPr lang="en-US" smtClean="0"/>
-              <a:t>7/12/2024</a:t>
+              <a:t>7/16/2024</a:t>
             </a:fld>
             <a:endParaRPr lang="en-US"/>
           </a:p>
@@ -3557,7 +3564,7 @@
           <a:p>
             <a:fld id="{099F8D66-D1E1-489E-B08C-301570902999}" type="datetimeFigureOut">
               <a:rPr lang="en-US" smtClean="0"/>
-              <a:t>7/12/2024</a:t>
+              <a:t>7/16/2024</a:t>
             </a:fld>
             <a:endParaRPr lang="en-US"/>
           </a:p>
@@ -3868,7 +3875,7 @@
           <a:p>
             <a:fld id="{099F8D66-D1E1-489E-B08C-301570902999}" type="datetimeFigureOut">
               <a:rPr lang="en-US" smtClean="0"/>
-              <a:t>7/12/2024</a:t>
+              <a:t>7/16/2024</a:t>
             </a:fld>
             <a:endParaRPr lang="en-US"/>
           </a:p>
@@ -4156,7 +4163,7 @@
           <a:p>
             <a:fld id="{099F8D66-D1E1-489E-B08C-301570902999}" type="datetimeFigureOut">
               <a:rPr lang="en-US" smtClean="0"/>
-              <a:t>7/12/2024</a:t>
+              <a:t>7/16/2024</a:t>
             </a:fld>
             <a:endParaRPr lang="en-US"/>
           </a:p>
@@ -4397,7 +4404,7 @@
           <a:p>
             <a:fld id="{099F8D66-D1E1-489E-B08C-301570902999}" type="datetimeFigureOut">
               <a:rPr lang="en-US" smtClean="0"/>
-              <a:t>7/12/2024</a:t>
+              <a:t>7/16/2024</a:t>
             </a:fld>
             <a:endParaRPr lang="en-US"/>
           </a:p>
@@ -20654,6 +20661,320 @@
 </p:sld>
 </file>
 
+<file path=ppt/slides/slide58.xml><?xml version="1.0" encoding="utf-8"?>
+<p:sld xmlns:a="http://schemas.openxmlformats.org/drawingml/2006/main" xmlns:r="http://schemas.openxmlformats.org/officeDocument/2006/relationships" xmlns:p="http://schemas.openxmlformats.org/presentationml/2006/main">
+  <p:cSld>
+    <p:spTree>
+      <p:nvGrpSpPr>
+        <p:cNvPr id="1" name=""/>
+        <p:cNvGrpSpPr/>
+        <p:nvPr/>
+      </p:nvGrpSpPr>
+      <p:grpSpPr>
+        <a:xfrm>
+          <a:off x="0" y="0"/>
+          <a:ext cx="0" cy="0"/>
+          <a:chOff x="0" y="0"/>
+          <a:chExt cx="0" cy="0"/>
+        </a:xfrm>
+      </p:grpSpPr>
+      <p:sp>
+        <p:nvSpPr>
+          <p:cNvPr id="2" name="Title 1">
+            <a:extLst>
+              <a:ext uri="{FF2B5EF4-FFF2-40B4-BE49-F238E27FC236}">
+                <a16:creationId xmlns:a16="http://schemas.microsoft.com/office/drawing/2014/main" id="{0E6793CC-D8FB-D503-F8A1-C1FAA837C69E}"/>
+              </a:ext>
+            </a:extLst>
+          </p:cNvPr>
+          <p:cNvSpPr>
+            <a:spLocks noGrp="1"/>
+          </p:cNvSpPr>
+          <p:nvPr>
+            <p:ph type="title"/>
+          </p:nvPr>
+        </p:nvSpPr>
+        <p:spPr/>
+        <p:txBody>
+          <a:bodyPr/>
+          <a:lstStyle/>
+          <a:p>
+            <a:r>
+              <a:rPr lang="en-US" dirty="0"/>
+              <a:t>Flex flow Values</a:t>
+            </a:r>
+          </a:p>
+        </p:txBody>
+      </p:sp>
+      <p:sp>
+        <p:nvSpPr>
+          <p:cNvPr id="3" name="Content Placeholder 2">
+            <a:extLst>
+              <a:ext uri="{FF2B5EF4-FFF2-40B4-BE49-F238E27FC236}">
+                <a16:creationId xmlns:a16="http://schemas.microsoft.com/office/drawing/2014/main" id="{7D042FD4-D2B6-E540-D61E-FA118C2EA804}"/>
+              </a:ext>
+            </a:extLst>
+          </p:cNvPr>
+          <p:cNvSpPr>
+            <a:spLocks noGrp="1"/>
+          </p:cNvSpPr>
+          <p:nvPr>
+            <p:ph idx="1"/>
+          </p:nvPr>
+        </p:nvSpPr>
+        <p:spPr/>
+        <p:txBody>
+          <a:bodyPr/>
+          <a:lstStyle/>
+          <a:p>
+            <a:pPr marL="0" indent="0">
+              <a:buNone/>
+            </a:pPr>
+            <a:r>
+              <a:rPr lang="en-US" dirty="0"/>
+              <a:t>flex:-flow: &lt;flex-direction&gt;&lt;flex-wrap&gt;;</a:t>
+            </a:r>
+          </a:p>
+        </p:txBody>
+      </p:sp>
+    </p:spTree>
+    <p:extLst>
+      <p:ext uri="{BB962C8B-B14F-4D97-AF65-F5344CB8AC3E}">
+        <p14:creationId xmlns:p14="http://schemas.microsoft.com/office/powerpoint/2010/main" val="3787365033"/>
+      </p:ext>
+    </p:extLst>
+  </p:cSld>
+  <p:clrMapOvr>
+    <a:masterClrMapping/>
+  </p:clrMapOvr>
+</p:sld>
+</file>
+
+<file path=ppt/slides/slide59.xml><?xml version="1.0" encoding="utf-8"?>
+<p:sld xmlns:a="http://schemas.openxmlformats.org/drawingml/2006/main" xmlns:r="http://schemas.openxmlformats.org/officeDocument/2006/relationships" xmlns:p="http://schemas.openxmlformats.org/presentationml/2006/main">
+  <p:cSld>
+    <p:spTree>
+      <p:nvGrpSpPr>
+        <p:cNvPr id="1" name=""/>
+        <p:cNvGrpSpPr/>
+        <p:nvPr/>
+      </p:nvGrpSpPr>
+      <p:grpSpPr>
+        <a:xfrm>
+          <a:off x="0" y="0"/>
+          <a:ext cx="0" cy="0"/>
+          <a:chOff x="0" y="0"/>
+          <a:chExt cx="0" cy="0"/>
+        </a:xfrm>
+      </p:grpSpPr>
+      <p:sp>
+        <p:nvSpPr>
+          <p:cNvPr id="2" name="Title 1">
+            <a:extLst>
+              <a:ext uri="{FF2B5EF4-FFF2-40B4-BE49-F238E27FC236}">
+                <a16:creationId xmlns:a16="http://schemas.microsoft.com/office/drawing/2014/main" id="{B047962E-67AB-8DF8-F0A7-4878D66DA743}"/>
+              </a:ext>
+            </a:extLst>
+          </p:cNvPr>
+          <p:cNvSpPr>
+            <a:spLocks noGrp="1"/>
+          </p:cNvSpPr>
+          <p:nvPr>
+            <p:ph type="title"/>
+          </p:nvPr>
+        </p:nvSpPr>
+        <p:spPr/>
+        <p:txBody>
+          <a:bodyPr/>
+          <a:lstStyle/>
+          <a:p>
+            <a:r>
+              <a:rPr lang="en-US" dirty="0"/>
+              <a:t>Flexbox Justify-content</a:t>
+            </a:r>
+          </a:p>
+        </p:txBody>
+      </p:sp>
+      <p:sp>
+        <p:nvSpPr>
+          <p:cNvPr id="3" name="Content Placeholder 2">
+            <a:extLst>
+              <a:ext uri="{FF2B5EF4-FFF2-40B4-BE49-F238E27FC236}">
+                <a16:creationId xmlns:a16="http://schemas.microsoft.com/office/drawing/2014/main" id="{9CFF103C-0DA8-865D-05BE-B7F6814D8038}"/>
+              </a:ext>
+            </a:extLst>
+          </p:cNvPr>
+          <p:cNvSpPr>
+            <a:spLocks noGrp="1"/>
+          </p:cNvSpPr>
+          <p:nvPr>
+            <p:ph idx="1"/>
+          </p:nvPr>
+        </p:nvSpPr>
+        <p:spPr/>
+        <p:txBody>
+          <a:bodyPr/>
+          <a:lstStyle/>
+          <a:p>
+            <a:pPr marL="0" indent="0">
+              <a:buNone/>
+            </a:pPr>
+            <a:r>
+              <a:rPr lang="en-US" dirty="0"/>
+              <a:t>Values</a:t>
+            </a:r>
+          </a:p>
+          <a:p>
+            <a:pPr marL="0" indent="0">
+              <a:buNone/>
+            </a:pPr>
+            <a:r>
+              <a:rPr lang="en-US" dirty="0"/>
+              <a:t>Flex-start</a:t>
+            </a:r>
+          </a:p>
+          <a:p>
+            <a:pPr marL="0" indent="0">
+              <a:buNone/>
+            </a:pPr>
+            <a:r>
+              <a:rPr lang="en-US" dirty="0"/>
+              <a:t>Flex-end</a:t>
+            </a:r>
+          </a:p>
+          <a:p>
+            <a:pPr marL="0" indent="0">
+              <a:buNone/>
+            </a:pPr>
+            <a:r>
+              <a:rPr lang="en-US" dirty="0"/>
+              <a:t>Center</a:t>
+            </a:r>
+          </a:p>
+          <a:p>
+            <a:pPr marL="0" indent="0">
+              <a:buNone/>
+            </a:pPr>
+            <a:r>
+              <a:rPr lang="en-US" dirty="0"/>
+              <a:t>Space-around</a:t>
+            </a:r>
+          </a:p>
+          <a:p>
+            <a:pPr marL="0" indent="0">
+              <a:buNone/>
+            </a:pPr>
+            <a:r>
+              <a:rPr lang="en-US" dirty="0"/>
+              <a:t>Space-between</a:t>
+            </a:r>
+          </a:p>
+          <a:p>
+            <a:pPr marL="0" indent="0">
+              <a:buNone/>
+            </a:pPr>
+            <a:r>
+              <a:rPr lang="en-US" dirty="0"/>
+              <a:t>Space-evenly</a:t>
+            </a:r>
+          </a:p>
+        </p:txBody>
+      </p:sp>
+      <p:cxnSp>
+        <p:nvCxnSpPr>
+          <p:cNvPr id="5" name="Straight Arrow Connector 4">
+            <a:extLst>
+              <a:ext uri="{FF2B5EF4-FFF2-40B4-BE49-F238E27FC236}">
+                <a16:creationId xmlns:a16="http://schemas.microsoft.com/office/drawing/2014/main" id="{59D942BF-66E7-E83F-3F13-8D157A53F06B}"/>
+              </a:ext>
+            </a:extLst>
+          </p:cNvPr>
+          <p:cNvCxnSpPr>
+            <a:cxnSpLocks/>
+          </p:cNvCxnSpPr>
+          <p:nvPr/>
+        </p:nvCxnSpPr>
+        <p:spPr>
+          <a:xfrm>
+            <a:off x="6096000" y="3543300"/>
+            <a:ext cx="4789714" cy="0"/>
+          </a:xfrm>
+          <a:prstGeom prst="straightConnector1">
+            <a:avLst/>
+          </a:prstGeom>
+          <a:ln w="57150">
+            <a:headEnd type="triangle"/>
+            <a:tailEnd type="triangle"/>
+          </a:ln>
+        </p:spPr>
+        <p:style>
+          <a:lnRef idx="1">
+            <a:schemeClr val="accent2"/>
+          </a:lnRef>
+          <a:fillRef idx="0">
+            <a:schemeClr val="accent2"/>
+          </a:fillRef>
+          <a:effectRef idx="0">
+            <a:schemeClr val="accent2"/>
+          </a:effectRef>
+          <a:fontRef idx="minor">
+            <a:schemeClr val="tx1"/>
+          </a:fontRef>
+        </p:style>
+      </p:cxnSp>
+      <p:sp>
+        <p:nvSpPr>
+          <p:cNvPr id="7" name="TextBox 6">
+            <a:extLst>
+              <a:ext uri="{FF2B5EF4-FFF2-40B4-BE49-F238E27FC236}">
+                <a16:creationId xmlns:a16="http://schemas.microsoft.com/office/drawing/2014/main" id="{9E18A685-FEF7-E00A-86D8-0F635DA4969C}"/>
+              </a:ext>
+            </a:extLst>
+          </p:cNvPr>
+          <p:cNvSpPr txBox="1"/>
+          <p:nvPr/>
+        </p:nvSpPr>
+        <p:spPr>
+          <a:xfrm>
+            <a:off x="7344229" y="2772229"/>
+            <a:ext cx="2047355" cy="369332"/>
+          </a:xfrm>
+          <a:prstGeom prst="rect">
+            <a:avLst/>
+          </a:prstGeom>
+          <a:noFill/>
+        </p:spPr>
+        <p:txBody>
+          <a:bodyPr wrap="none" rtlCol="0">
+            <a:spAutoFit/>
+          </a:bodyPr>
+          <a:lstStyle/>
+          <a:p>
+            <a:r>
+              <a:rPr lang="en-US" dirty="0"/>
+              <a:t>Horizontal </a:t>
+            </a:r>
+            <a:r>
+              <a:rPr lang="en-US" dirty="0" err="1"/>
+              <a:t>Alignmet</a:t>
+            </a:r>
+            <a:endParaRPr lang="en-US" dirty="0"/>
+          </a:p>
+        </p:txBody>
+      </p:sp>
+    </p:spTree>
+    <p:extLst>
+      <p:ext uri="{BB962C8B-B14F-4D97-AF65-F5344CB8AC3E}">
+        <p14:creationId xmlns:p14="http://schemas.microsoft.com/office/powerpoint/2010/main" val="3618912340"/>
+      </p:ext>
+    </p:extLst>
+  </p:cSld>
+  <p:clrMapOvr>
+    <a:masterClrMapping/>
+  </p:clrMapOvr>
+</p:sld>
+</file>
+
 <file path=ppt/slides/slide6.xml><?xml version="1.0" encoding="utf-8"?>
 <p:sld xmlns:a="http://schemas.openxmlformats.org/drawingml/2006/main" xmlns:r="http://schemas.openxmlformats.org/officeDocument/2006/relationships" xmlns:p="http://schemas.openxmlformats.org/presentationml/2006/main">
   <p:cSld>
@@ -20847,6 +21168,731 @@
     <p:extLst>
       <p:ext uri="{BB962C8B-B14F-4D97-AF65-F5344CB8AC3E}">
         <p14:creationId xmlns:p14="http://schemas.microsoft.com/office/powerpoint/2010/main" val="2730937285"/>
+      </p:ext>
+    </p:extLst>
+  </p:cSld>
+  <p:clrMapOvr>
+    <a:masterClrMapping/>
+  </p:clrMapOvr>
+</p:sld>
+</file>
+
+<file path=ppt/slides/slide60.xml><?xml version="1.0" encoding="utf-8"?>
+<p:sld xmlns:a="http://schemas.openxmlformats.org/drawingml/2006/main" xmlns:r="http://schemas.openxmlformats.org/officeDocument/2006/relationships" xmlns:p="http://schemas.openxmlformats.org/presentationml/2006/main">
+  <p:cSld>
+    <p:spTree>
+      <p:nvGrpSpPr>
+        <p:cNvPr id="1" name=""/>
+        <p:cNvGrpSpPr/>
+        <p:nvPr/>
+      </p:nvGrpSpPr>
+      <p:grpSpPr>
+        <a:xfrm>
+          <a:off x="0" y="0"/>
+          <a:ext cx="0" cy="0"/>
+          <a:chOff x="0" y="0"/>
+          <a:chExt cx="0" cy="0"/>
+        </a:xfrm>
+      </p:grpSpPr>
+      <p:sp>
+        <p:nvSpPr>
+          <p:cNvPr id="2" name="Title 1">
+            <a:extLst>
+              <a:ext uri="{FF2B5EF4-FFF2-40B4-BE49-F238E27FC236}">
+                <a16:creationId xmlns:a16="http://schemas.microsoft.com/office/drawing/2014/main" id="{B664AF1F-1F94-2E34-6E64-5C81A965DFA5}"/>
+              </a:ext>
+            </a:extLst>
+          </p:cNvPr>
+          <p:cNvSpPr>
+            <a:spLocks noGrp="1"/>
+          </p:cNvSpPr>
+          <p:nvPr>
+            <p:ph type="title"/>
+          </p:nvPr>
+        </p:nvSpPr>
+        <p:spPr/>
+        <p:txBody>
+          <a:bodyPr/>
+          <a:lstStyle/>
+          <a:p>
+            <a:r>
+              <a:rPr lang="en-US" dirty="0"/>
+              <a:t>Align-Items</a:t>
+            </a:r>
+          </a:p>
+        </p:txBody>
+      </p:sp>
+      <p:sp>
+        <p:nvSpPr>
+          <p:cNvPr id="4" name="Content Placeholder 2">
+            <a:extLst>
+              <a:ext uri="{FF2B5EF4-FFF2-40B4-BE49-F238E27FC236}">
+                <a16:creationId xmlns:a16="http://schemas.microsoft.com/office/drawing/2014/main" id="{C67FA8A0-39E1-6415-45D5-D9063E51FBED}"/>
+              </a:ext>
+            </a:extLst>
+          </p:cNvPr>
+          <p:cNvSpPr txBox="1">
+            <a:spLocks/>
+          </p:cNvSpPr>
+          <p:nvPr/>
+        </p:nvSpPr>
+        <p:spPr>
+          <a:xfrm>
+            <a:off x="838200" y="1825625"/>
+            <a:ext cx="10515600" cy="4351338"/>
+          </a:xfrm>
+          <a:prstGeom prst="rect">
+            <a:avLst/>
+          </a:prstGeom>
+        </p:spPr>
+        <p:txBody>
+          <a:bodyPr vert="horz" lIns="91440" tIns="45720" rIns="91440" bIns="45720" rtlCol="0">
+            <a:normAutofit/>
+          </a:bodyPr>
+          <a:lstStyle>
+            <a:lvl1pPr marL="228600" indent="-228600" algn="l" defTabSz="914400" rtl="0" eaLnBrk="1" latinLnBrk="0" hangingPunct="1">
+              <a:lnSpc>
+                <a:spcPct val="90000"/>
+              </a:lnSpc>
+              <a:spcBef>
+                <a:spcPts val="1000"/>
+              </a:spcBef>
+              <a:buFont typeface="Arial" panose="020B0604020202020204" pitchFamily="34" charset="0"/>
+              <a:buChar char="•"/>
+              <a:defRPr sz="2800" kern="1200">
+                <a:solidFill>
+                  <a:schemeClr val="tx1"/>
+                </a:solidFill>
+                <a:latin typeface="+mn-lt"/>
+                <a:ea typeface="+mn-ea"/>
+                <a:cs typeface="+mn-cs"/>
+              </a:defRPr>
+            </a:lvl1pPr>
+            <a:lvl2pPr marL="685800" indent="-228600" algn="l" defTabSz="914400" rtl="0" eaLnBrk="1" latinLnBrk="0" hangingPunct="1">
+              <a:lnSpc>
+                <a:spcPct val="90000"/>
+              </a:lnSpc>
+              <a:spcBef>
+                <a:spcPts val="500"/>
+              </a:spcBef>
+              <a:buFont typeface="Arial" panose="020B0604020202020204" pitchFamily="34" charset="0"/>
+              <a:buChar char="•"/>
+              <a:defRPr sz="2400" kern="1200">
+                <a:solidFill>
+                  <a:schemeClr val="tx1"/>
+                </a:solidFill>
+                <a:latin typeface="+mn-lt"/>
+                <a:ea typeface="+mn-ea"/>
+                <a:cs typeface="+mn-cs"/>
+              </a:defRPr>
+            </a:lvl2pPr>
+            <a:lvl3pPr marL="1143000" indent="-228600" algn="l" defTabSz="914400" rtl="0" eaLnBrk="1" latinLnBrk="0" hangingPunct="1">
+              <a:lnSpc>
+                <a:spcPct val="90000"/>
+              </a:lnSpc>
+              <a:spcBef>
+                <a:spcPts val="500"/>
+              </a:spcBef>
+              <a:buFont typeface="Arial" panose="020B0604020202020204" pitchFamily="34" charset="0"/>
+              <a:buChar char="•"/>
+              <a:defRPr sz="2000" kern="1200">
+                <a:solidFill>
+                  <a:schemeClr val="tx1"/>
+                </a:solidFill>
+                <a:latin typeface="+mn-lt"/>
+                <a:ea typeface="+mn-ea"/>
+                <a:cs typeface="+mn-cs"/>
+              </a:defRPr>
+            </a:lvl3pPr>
+            <a:lvl4pPr marL="1600200" indent="-228600" algn="l" defTabSz="914400" rtl="0" eaLnBrk="1" latinLnBrk="0" hangingPunct="1">
+              <a:lnSpc>
+                <a:spcPct val="90000"/>
+              </a:lnSpc>
+              <a:spcBef>
+                <a:spcPts val="500"/>
+              </a:spcBef>
+              <a:buFont typeface="Arial" panose="020B0604020202020204" pitchFamily="34" charset="0"/>
+              <a:buChar char="•"/>
+              <a:defRPr sz="1800" kern="1200">
+                <a:solidFill>
+                  <a:schemeClr val="tx1"/>
+                </a:solidFill>
+                <a:latin typeface="+mn-lt"/>
+                <a:ea typeface="+mn-ea"/>
+                <a:cs typeface="+mn-cs"/>
+              </a:defRPr>
+            </a:lvl4pPr>
+            <a:lvl5pPr marL="2057400" indent="-228600" algn="l" defTabSz="914400" rtl="0" eaLnBrk="1" latinLnBrk="0" hangingPunct="1">
+              <a:lnSpc>
+                <a:spcPct val="90000"/>
+              </a:lnSpc>
+              <a:spcBef>
+                <a:spcPts val="500"/>
+              </a:spcBef>
+              <a:buFont typeface="Arial" panose="020B0604020202020204" pitchFamily="34" charset="0"/>
+              <a:buChar char="•"/>
+              <a:defRPr sz="1800" kern="1200">
+                <a:solidFill>
+                  <a:schemeClr val="tx1"/>
+                </a:solidFill>
+                <a:latin typeface="+mn-lt"/>
+                <a:ea typeface="+mn-ea"/>
+                <a:cs typeface="+mn-cs"/>
+              </a:defRPr>
+            </a:lvl5pPr>
+            <a:lvl6pPr marL="2514600" indent="-228600" algn="l" defTabSz="914400" rtl="0" eaLnBrk="1" latinLnBrk="0" hangingPunct="1">
+              <a:lnSpc>
+                <a:spcPct val="90000"/>
+              </a:lnSpc>
+              <a:spcBef>
+                <a:spcPts val="500"/>
+              </a:spcBef>
+              <a:buFont typeface="Arial" panose="020B0604020202020204" pitchFamily="34" charset="0"/>
+              <a:buChar char="•"/>
+              <a:defRPr sz="1800" kern="1200">
+                <a:solidFill>
+                  <a:schemeClr val="tx1"/>
+                </a:solidFill>
+                <a:latin typeface="+mn-lt"/>
+                <a:ea typeface="+mn-ea"/>
+                <a:cs typeface="+mn-cs"/>
+              </a:defRPr>
+            </a:lvl6pPr>
+            <a:lvl7pPr marL="2971800" indent="-228600" algn="l" defTabSz="914400" rtl="0" eaLnBrk="1" latinLnBrk="0" hangingPunct="1">
+              <a:lnSpc>
+                <a:spcPct val="90000"/>
+              </a:lnSpc>
+              <a:spcBef>
+                <a:spcPts val="500"/>
+              </a:spcBef>
+              <a:buFont typeface="Arial" panose="020B0604020202020204" pitchFamily="34" charset="0"/>
+              <a:buChar char="•"/>
+              <a:defRPr sz="1800" kern="1200">
+                <a:solidFill>
+                  <a:schemeClr val="tx1"/>
+                </a:solidFill>
+                <a:latin typeface="+mn-lt"/>
+                <a:ea typeface="+mn-ea"/>
+                <a:cs typeface="+mn-cs"/>
+              </a:defRPr>
+            </a:lvl7pPr>
+            <a:lvl8pPr marL="3429000" indent="-228600" algn="l" defTabSz="914400" rtl="0" eaLnBrk="1" latinLnBrk="0" hangingPunct="1">
+              <a:lnSpc>
+                <a:spcPct val="90000"/>
+              </a:lnSpc>
+              <a:spcBef>
+                <a:spcPts val="500"/>
+              </a:spcBef>
+              <a:buFont typeface="Arial" panose="020B0604020202020204" pitchFamily="34" charset="0"/>
+              <a:buChar char="•"/>
+              <a:defRPr sz="1800" kern="1200">
+                <a:solidFill>
+                  <a:schemeClr val="tx1"/>
+                </a:solidFill>
+                <a:latin typeface="+mn-lt"/>
+                <a:ea typeface="+mn-ea"/>
+                <a:cs typeface="+mn-cs"/>
+              </a:defRPr>
+            </a:lvl8pPr>
+            <a:lvl9pPr marL="3886200" indent="-228600" algn="l" defTabSz="914400" rtl="0" eaLnBrk="1" latinLnBrk="0" hangingPunct="1">
+              <a:lnSpc>
+                <a:spcPct val="90000"/>
+              </a:lnSpc>
+              <a:spcBef>
+                <a:spcPts val="500"/>
+              </a:spcBef>
+              <a:buFont typeface="Arial" panose="020B0604020202020204" pitchFamily="34" charset="0"/>
+              <a:buChar char="•"/>
+              <a:defRPr sz="1800" kern="1200">
+                <a:solidFill>
+                  <a:schemeClr val="tx1"/>
+                </a:solidFill>
+                <a:latin typeface="+mn-lt"/>
+                <a:ea typeface="+mn-ea"/>
+                <a:cs typeface="+mn-cs"/>
+              </a:defRPr>
+            </a:lvl9pPr>
+          </a:lstStyle>
+          <a:p>
+            <a:pPr marL="0" indent="0">
+              <a:buFont typeface="Arial" panose="020B0604020202020204" pitchFamily="34" charset="0"/>
+              <a:buNone/>
+            </a:pPr>
+            <a:r>
+              <a:rPr lang="en-US" dirty="0"/>
+              <a:t>Values</a:t>
+            </a:r>
+          </a:p>
+          <a:p>
+            <a:pPr marL="0" indent="0">
+              <a:buFont typeface="Arial" panose="020B0604020202020204" pitchFamily="34" charset="0"/>
+              <a:buNone/>
+            </a:pPr>
+            <a:r>
+              <a:rPr lang="en-US" dirty="0"/>
+              <a:t>	Flex-start</a:t>
+            </a:r>
+          </a:p>
+          <a:p>
+            <a:pPr marL="0" indent="0">
+              <a:buFont typeface="Arial" panose="020B0604020202020204" pitchFamily="34" charset="0"/>
+              <a:buNone/>
+            </a:pPr>
+            <a:r>
+              <a:rPr lang="en-US" dirty="0"/>
+              <a:t>	Flex-end</a:t>
+            </a:r>
+          </a:p>
+          <a:p>
+            <a:pPr marL="0" indent="0">
+              <a:buFont typeface="Arial" panose="020B0604020202020204" pitchFamily="34" charset="0"/>
+              <a:buNone/>
+            </a:pPr>
+            <a:r>
+              <a:rPr lang="en-US" dirty="0"/>
+              <a:t>	Center</a:t>
+            </a:r>
+          </a:p>
+          <a:p>
+            <a:pPr marL="0" indent="0">
+              <a:buFont typeface="Arial" panose="020B0604020202020204" pitchFamily="34" charset="0"/>
+              <a:buNone/>
+            </a:pPr>
+            <a:r>
+              <a:rPr lang="en-US" dirty="0"/>
+              <a:t>	stretch</a:t>
+            </a:r>
+          </a:p>
+          <a:p>
+            <a:pPr marL="0" indent="0">
+              <a:buFont typeface="Arial" panose="020B0604020202020204" pitchFamily="34" charset="0"/>
+              <a:buNone/>
+            </a:pPr>
+            <a:r>
+              <a:rPr lang="en-US" dirty="0"/>
+              <a:t>	baseline</a:t>
+            </a:r>
+          </a:p>
+        </p:txBody>
+      </p:sp>
+      <p:cxnSp>
+        <p:nvCxnSpPr>
+          <p:cNvPr id="5" name="Straight Arrow Connector 4">
+            <a:extLst>
+              <a:ext uri="{FF2B5EF4-FFF2-40B4-BE49-F238E27FC236}">
+                <a16:creationId xmlns:a16="http://schemas.microsoft.com/office/drawing/2014/main" id="{9F9FB878-49A6-C57A-2EFA-8730E6CF8A30}"/>
+              </a:ext>
+            </a:extLst>
+          </p:cNvPr>
+          <p:cNvCxnSpPr>
+            <a:cxnSpLocks/>
+          </p:cNvCxnSpPr>
+          <p:nvPr/>
+        </p:nvCxnSpPr>
+        <p:spPr>
+          <a:xfrm flipV="1">
+            <a:off x="6763658" y="1994933"/>
+            <a:ext cx="0" cy="2745014"/>
+          </a:xfrm>
+          <a:prstGeom prst="straightConnector1">
+            <a:avLst/>
+          </a:prstGeom>
+          <a:ln w="57150">
+            <a:headEnd type="triangle"/>
+            <a:tailEnd type="triangle"/>
+          </a:ln>
+        </p:spPr>
+        <p:style>
+          <a:lnRef idx="1">
+            <a:schemeClr val="accent2"/>
+          </a:lnRef>
+          <a:fillRef idx="0">
+            <a:schemeClr val="accent2"/>
+          </a:fillRef>
+          <a:effectRef idx="0">
+            <a:schemeClr val="accent2"/>
+          </a:effectRef>
+          <a:fontRef idx="minor">
+            <a:schemeClr val="tx1"/>
+          </a:fontRef>
+        </p:style>
+      </p:cxnSp>
+      <p:sp>
+        <p:nvSpPr>
+          <p:cNvPr id="6" name="TextBox 5">
+            <a:extLst>
+              <a:ext uri="{FF2B5EF4-FFF2-40B4-BE49-F238E27FC236}">
+                <a16:creationId xmlns:a16="http://schemas.microsoft.com/office/drawing/2014/main" id="{BB488480-40C9-C9B1-4F01-0534FC066057}"/>
+              </a:ext>
+            </a:extLst>
+          </p:cNvPr>
+          <p:cNvSpPr txBox="1"/>
+          <p:nvPr/>
+        </p:nvSpPr>
+        <p:spPr>
+          <a:xfrm>
+            <a:off x="7344229" y="2772229"/>
+            <a:ext cx="1787477" cy="369332"/>
+          </a:xfrm>
+          <a:prstGeom prst="rect">
+            <a:avLst/>
+          </a:prstGeom>
+          <a:noFill/>
+        </p:spPr>
+        <p:txBody>
+          <a:bodyPr wrap="none" rtlCol="0">
+            <a:spAutoFit/>
+          </a:bodyPr>
+          <a:lstStyle/>
+          <a:p>
+            <a:r>
+              <a:rPr lang="en-US" dirty="0"/>
+              <a:t>Vertical </a:t>
+            </a:r>
+            <a:r>
+              <a:rPr lang="en-US" dirty="0" err="1"/>
+              <a:t>Alignmet</a:t>
+            </a:r>
+            <a:endParaRPr lang="en-US" dirty="0"/>
+          </a:p>
+        </p:txBody>
+      </p:sp>
+    </p:spTree>
+    <p:extLst>
+      <p:ext uri="{BB962C8B-B14F-4D97-AF65-F5344CB8AC3E}">
+        <p14:creationId xmlns:p14="http://schemas.microsoft.com/office/powerpoint/2010/main" val="3495918257"/>
+      </p:ext>
+    </p:extLst>
+  </p:cSld>
+  <p:clrMapOvr>
+    <a:masterClrMapping/>
+  </p:clrMapOvr>
+</p:sld>
+</file>
+
+<file path=ppt/slides/slide61.xml><?xml version="1.0" encoding="utf-8"?>
+<p:sld xmlns:a="http://schemas.openxmlformats.org/drawingml/2006/main" xmlns:r="http://schemas.openxmlformats.org/officeDocument/2006/relationships" xmlns:p="http://schemas.openxmlformats.org/presentationml/2006/main">
+  <p:cSld>
+    <p:spTree>
+      <p:nvGrpSpPr>
+        <p:cNvPr id="1" name=""/>
+        <p:cNvGrpSpPr/>
+        <p:nvPr/>
+      </p:nvGrpSpPr>
+      <p:grpSpPr>
+        <a:xfrm>
+          <a:off x="0" y="0"/>
+          <a:ext cx="0" cy="0"/>
+          <a:chOff x="0" y="0"/>
+          <a:chExt cx="0" cy="0"/>
+        </a:xfrm>
+      </p:grpSpPr>
+      <p:sp>
+        <p:nvSpPr>
+          <p:cNvPr id="2" name="Title 1">
+            <a:extLst>
+              <a:ext uri="{FF2B5EF4-FFF2-40B4-BE49-F238E27FC236}">
+                <a16:creationId xmlns:a16="http://schemas.microsoft.com/office/drawing/2014/main" id="{E4C5BF12-9AEA-B010-FC49-679FA63A5A79}"/>
+              </a:ext>
+            </a:extLst>
+          </p:cNvPr>
+          <p:cNvSpPr>
+            <a:spLocks noGrp="1"/>
+          </p:cNvSpPr>
+          <p:nvPr>
+            <p:ph type="title"/>
+          </p:nvPr>
+        </p:nvSpPr>
+        <p:spPr/>
+        <p:txBody>
+          <a:bodyPr/>
+          <a:lstStyle/>
+          <a:p>
+            <a:r>
+              <a:rPr lang="en-US" dirty="0"/>
+              <a:t>Order</a:t>
+            </a:r>
+          </a:p>
+        </p:txBody>
+      </p:sp>
+      <p:sp>
+        <p:nvSpPr>
+          <p:cNvPr id="3" name="Content Placeholder 2">
+            <a:extLst>
+              <a:ext uri="{FF2B5EF4-FFF2-40B4-BE49-F238E27FC236}">
+                <a16:creationId xmlns:a16="http://schemas.microsoft.com/office/drawing/2014/main" id="{2CAB7367-B088-23C9-ABF7-F984342C2171}"/>
+              </a:ext>
+            </a:extLst>
+          </p:cNvPr>
+          <p:cNvSpPr>
+            <a:spLocks noGrp="1"/>
+          </p:cNvSpPr>
+          <p:nvPr>
+            <p:ph idx="1"/>
+          </p:nvPr>
+        </p:nvSpPr>
+        <p:spPr/>
+        <p:txBody>
+          <a:bodyPr/>
+          <a:lstStyle/>
+          <a:p>
+            <a:endParaRPr lang="en-US" dirty="0"/>
+          </a:p>
+        </p:txBody>
+      </p:sp>
+    </p:spTree>
+    <p:extLst>
+      <p:ext uri="{BB962C8B-B14F-4D97-AF65-F5344CB8AC3E}">
+        <p14:creationId xmlns:p14="http://schemas.microsoft.com/office/powerpoint/2010/main" val="935792185"/>
+      </p:ext>
+    </p:extLst>
+  </p:cSld>
+  <p:clrMapOvr>
+    <a:masterClrMapping/>
+  </p:clrMapOvr>
+</p:sld>
+</file>
+
+<file path=ppt/slides/slide62.xml><?xml version="1.0" encoding="utf-8"?>
+<p:sld xmlns:a="http://schemas.openxmlformats.org/drawingml/2006/main" xmlns:r="http://schemas.openxmlformats.org/officeDocument/2006/relationships" xmlns:p="http://schemas.openxmlformats.org/presentationml/2006/main">
+  <p:cSld>
+    <p:spTree>
+      <p:nvGrpSpPr>
+        <p:cNvPr id="1" name=""/>
+        <p:cNvGrpSpPr/>
+        <p:nvPr/>
+      </p:nvGrpSpPr>
+      <p:grpSpPr>
+        <a:xfrm>
+          <a:off x="0" y="0"/>
+          <a:ext cx="0" cy="0"/>
+          <a:chOff x="0" y="0"/>
+          <a:chExt cx="0" cy="0"/>
+        </a:xfrm>
+      </p:grpSpPr>
+      <p:sp>
+        <p:nvSpPr>
+          <p:cNvPr id="2" name="Title 1">
+            <a:extLst>
+              <a:ext uri="{FF2B5EF4-FFF2-40B4-BE49-F238E27FC236}">
+                <a16:creationId xmlns:a16="http://schemas.microsoft.com/office/drawing/2014/main" id="{35F00657-F278-3244-E712-AB1A539933D9}"/>
+              </a:ext>
+            </a:extLst>
+          </p:cNvPr>
+          <p:cNvSpPr>
+            <a:spLocks noGrp="1"/>
+          </p:cNvSpPr>
+          <p:nvPr>
+            <p:ph type="title"/>
+          </p:nvPr>
+        </p:nvSpPr>
+        <p:spPr/>
+        <p:txBody>
+          <a:bodyPr/>
+          <a:lstStyle/>
+          <a:p>
+            <a:r>
+              <a:rPr lang="en-US" dirty="0"/>
+              <a:t>Flexbox: Margin Auto</a:t>
+            </a:r>
+          </a:p>
+        </p:txBody>
+      </p:sp>
+      <p:sp>
+        <p:nvSpPr>
+          <p:cNvPr id="3" name="Content Placeholder 2">
+            <a:extLst>
+              <a:ext uri="{FF2B5EF4-FFF2-40B4-BE49-F238E27FC236}">
+                <a16:creationId xmlns:a16="http://schemas.microsoft.com/office/drawing/2014/main" id="{14481134-7C8E-10C6-038D-86CF40371E93}"/>
+              </a:ext>
+            </a:extLst>
+          </p:cNvPr>
+          <p:cNvSpPr>
+            <a:spLocks noGrp="1"/>
+          </p:cNvSpPr>
+          <p:nvPr>
+            <p:ph idx="1"/>
+          </p:nvPr>
+        </p:nvSpPr>
+        <p:spPr/>
+        <p:txBody>
+          <a:bodyPr/>
+          <a:lstStyle/>
+          <a:p>
+            <a:endParaRPr lang="en-US" dirty="0"/>
+          </a:p>
+        </p:txBody>
+      </p:sp>
+    </p:spTree>
+    <p:extLst>
+      <p:ext uri="{BB962C8B-B14F-4D97-AF65-F5344CB8AC3E}">
+        <p14:creationId xmlns:p14="http://schemas.microsoft.com/office/powerpoint/2010/main" val="3827329961"/>
+      </p:ext>
+    </p:extLst>
+  </p:cSld>
+  <p:clrMapOvr>
+    <a:masterClrMapping/>
+  </p:clrMapOvr>
+</p:sld>
+</file>
+
+<file path=ppt/slides/slide63.xml><?xml version="1.0" encoding="utf-8"?>
+<p:sld xmlns:a="http://schemas.openxmlformats.org/drawingml/2006/main" xmlns:r="http://schemas.openxmlformats.org/officeDocument/2006/relationships" xmlns:p="http://schemas.openxmlformats.org/presentationml/2006/main">
+  <p:cSld>
+    <p:spTree>
+      <p:nvGrpSpPr>
+        <p:cNvPr id="1" name=""/>
+        <p:cNvGrpSpPr/>
+        <p:nvPr/>
+      </p:nvGrpSpPr>
+      <p:grpSpPr>
+        <a:xfrm>
+          <a:off x="0" y="0"/>
+          <a:ext cx="0" cy="0"/>
+          <a:chOff x="0" y="0"/>
+          <a:chExt cx="0" cy="0"/>
+        </a:xfrm>
+      </p:grpSpPr>
+      <p:sp>
+        <p:nvSpPr>
+          <p:cNvPr id="2" name="Title 1">
+            <a:extLst>
+              <a:ext uri="{FF2B5EF4-FFF2-40B4-BE49-F238E27FC236}">
+                <a16:creationId xmlns:a16="http://schemas.microsoft.com/office/drawing/2014/main" id="{97E752E7-F010-5189-42BA-AF22A39556BB}"/>
+              </a:ext>
+            </a:extLst>
+          </p:cNvPr>
+          <p:cNvSpPr>
+            <a:spLocks noGrp="1"/>
+          </p:cNvSpPr>
+          <p:nvPr>
+            <p:ph type="title"/>
+          </p:nvPr>
+        </p:nvSpPr>
+        <p:spPr/>
+        <p:txBody>
+          <a:bodyPr/>
+          <a:lstStyle/>
+          <a:p>
+            <a:r>
+              <a:rPr lang="en-US" dirty="0"/>
+              <a:t>Nested Flex</a:t>
+            </a:r>
+          </a:p>
+        </p:txBody>
+      </p:sp>
+      <p:sp>
+        <p:nvSpPr>
+          <p:cNvPr id="3" name="Content Placeholder 2">
+            <a:extLst>
+              <a:ext uri="{FF2B5EF4-FFF2-40B4-BE49-F238E27FC236}">
+                <a16:creationId xmlns:a16="http://schemas.microsoft.com/office/drawing/2014/main" id="{4F95E098-BEC2-55C4-339D-0DC4D0A88D5C}"/>
+              </a:ext>
+            </a:extLst>
+          </p:cNvPr>
+          <p:cNvSpPr>
+            <a:spLocks noGrp="1"/>
+          </p:cNvSpPr>
+          <p:nvPr>
+            <p:ph idx="1"/>
+          </p:nvPr>
+        </p:nvSpPr>
+        <p:spPr/>
+        <p:txBody>
+          <a:bodyPr/>
+          <a:lstStyle/>
+          <a:p>
+            <a:endParaRPr lang="en-US" dirty="0"/>
+          </a:p>
+        </p:txBody>
+      </p:sp>
+    </p:spTree>
+    <p:extLst>
+      <p:ext uri="{BB962C8B-B14F-4D97-AF65-F5344CB8AC3E}">
+        <p14:creationId xmlns:p14="http://schemas.microsoft.com/office/powerpoint/2010/main" val="1479824787"/>
+      </p:ext>
+    </p:extLst>
+  </p:cSld>
+  <p:clrMapOvr>
+    <a:masterClrMapping/>
+  </p:clrMapOvr>
+</p:sld>
+</file>
+
+<file path=ppt/slides/slide64.xml><?xml version="1.0" encoding="utf-8"?>
+<p:sld xmlns:a="http://schemas.openxmlformats.org/drawingml/2006/main" xmlns:r="http://schemas.openxmlformats.org/officeDocument/2006/relationships" xmlns:p="http://schemas.openxmlformats.org/presentationml/2006/main">
+  <p:cSld>
+    <p:spTree>
+      <p:nvGrpSpPr>
+        <p:cNvPr id="1" name=""/>
+        <p:cNvGrpSpPr/>
+        <p:nvPr/>
+      </p:nvGrpSpPr>
+      <p:grpSpPr>
+        <a:xfrm>
+          <a:off x="0" y="0"/>
+          <a:ext cx="0" cy="0"/>
+          <a:chOff x="0" y="0"/>
+          <a:chExt cx="0" cy="0"/>
+        </a:xfrm>
+      </p:grpSpPr>
+      <p:sp>
+        <p:nvSpPr>
+          <p:cNvPr id="2" name="Title 1">
+            <a:extLst>
+              <a:ext uri="{FF2B5EF4-FFF2-40B4-BE49-F238E27FC236}">
+                <a16:creationId xmlns:a16="http://schemas.microsoft.com/office/drawing/2014/main" id="{41064C64-6067-1EB9-E537-1EBB7E6896F1}"/>
+              </a:ext>
+            </a:extLst>
+          </p:cNvPr>
+          <p:cNvSpPr>
+            <a:spLocks noGrp="1"/>
+          </p:cNvSpPr>
+          <p:nvPr>
+            <p:ph type="title"/>
+          </p:nvPr>
+        </p:nvSpPr>
+        <p:spPr/>
+        <p:txBody>
+          <a:bodyPr/>
+          <a:lstStyle/>
+          <a:p>
+            <a:r>
+              <a:rPr lang="en-US" dirty="0"/>
+              <a:t>Align Form Elements</a:t>
+            </a:r>
+          </a:p>
+        </p:txBody>
+      </p:sp>
+      <p:sp>
+        <p:nvSpPr>
+          <p:cNvPr id="3" name="Content Placeholder 2">
+            <a:extLst>
+              <a:ext uri="{FF2B5EF4-FFF2-40B4-BE49-F238E27FC236}">
+                <a16:creationId xmlns:a16="http://schemas.microsoft.com/office/drawing/2014/main" id="{E69968A0-9ACF-C6AA-DC7C-C2372D0DBEDC}"/>
+              </a:ext>
+            </a:extLst>
+          </p:cNvPr>
+          <p:cNvSpPr>
+            <a:spLocks noGrp="1"/>
+          </p:cNvSpPr>
+          <p:nvPr>
+            <p:ph idx="1"/>
+          </p:nvPr>
+        </p:nvSpPr>
+        <p:spPr/>
+        <p:txBody>
+          <a:bodyPr/>
+          <a:lstStyle/>
+          <a:p>
+            <a:endParaRPr lang="en-US"/>
+          </a:p>
+        </p:txBody>
+      </p:sp>
+    </p:spTree>
+    <p:extLst>
+      <p:ext uri="{BB962C8B-B14F-4D97-AF65-F5344CB8AC3E}">
+        <p14:creationId xmlns:p14="http://schemas.microsoft.com/office/powerpoint/2010/main" val="4182414941"/>
       </p:ext>
     </p:extLst>
   </p:cSld>
